--- a/文档/spring事务传播机制.pptx
+++ b/文档/spring事务传播机制.pptx
@@ -5,19 +5,20 @@
     <p:sldMasterId id="2147483648" r:id="rId1"/>
   </p:sldMasterIdLst>
   <p:notesMasterIdLst>
-    <p:notesMasterId r:id="rId7"/>
+    <p:notesMasterId r:id="rId8"/>
   </p:notesMasterIdLst>
   <p:sldIdLst>
     <p:sldId id="268" r:id="rId2"/>
     <p:sldId id="269" r:id="rId3"/>
     <p:sldId id="271" r:id="rId4"/>
-    <p:sldId id="270" r:id="rId5"/>
-    <p:sldId id="258" r:id="rId6"/>
+    <p:sldId id="272" r:id="rId5"/>
+    <p:sldId id="270" r:id="rId6"/>
+    <p:sldId id="258" r:id="rId7"/>
   </p:sldIdLst>
   <p:sldSz cx="12192000" cy="6858000"/>
   <p:notesSz cx="6858000" cy="9144000"/>
   <p:custDataLst>
-    <p:tags r:id="rId8"/>
+    <p:tags r:id="rId9"/>
   </p:custDataLst>
   <p:defaultTextStyle>
     <a:defPPr>
@@ -745,10 +746,94 @@
           <a:bodyPr/>
           <a:lstStyle/>
           <a:p>
+            <a:fld id="{DD513EDB-D3CA-4594-AC19-8DB1679162FC}" type="slidenum">
+              <a:rPr lang="zh-CN" altLang="en-US" smtClean="0"/>
+              <a:t>4</a:t>
+            </a:fld>
+            <a:endParaRPr lang="zh-CN" altLang="en-US"/>
+          </a:p>
+        </p:txBody>
+      </p:sp>
+    </p:spTree>
+    <p:extLst>
+      <p:ext uri="{BB962C8B-B14F-4D97-AF65-F5344CB8AC3E}">
+        <p14:creationId xmlns:p14="http://schemas.microsoft.com/office/powerpoint/2010/main" val="2826760989"/>
+      </p:ext>
+    </p:extLst>
+  </p:cSld>
+  <p:clrMapOvr>
+    <a:masterClrMapping/>
+  </p:clrMapOvr>
+</p:notes>
+</file>
+
+<file path=ppt/notesSlides/notesSlide4.xml><?xml version="1.0" encoding="utf-8"?>
+<p:notes xmlns:a="http://schemas.openxmlformats.org/drawingml/2006/main" xmlns:r="http://schemas.openxmlformats.org/officeDocument/2006/relationships" xmlns:p="http://schemas.openxmlformats.org/presentationml/2006/main">
+  <p:cSld>
+    <p:spTree>
+      <p:nvGrpSpPr>
+        <p:cNvPr id="1" name=""/>
+        <p:cNvGrpSpPr/>
+        <p:nvPr/>
+      </p:nvGrpSpPr>
+      <p:grpSpPr>
+        <a:xfrm>
+          <a:off x="0" y="0"/>
+          <a:ext cx="0" cy="0"/>
+          <a:chOff x="0" y="0"/>
+          <a:chExt cx="0" cy="0"/>
+        </a:xfrm>
+      </p:grpSpPr>
+      <p:sp>
+        <p:nvSpPr>
+          <p:cNvPr id="2" name="幻灯片图像占位符 1"/>
+          <p:cNvSpPr>
+            <a:spLocks noGrp="1" noRot="1" noChangeAspect="1"/>
+          </p:cNvSpPr>
+          <p:nvPr>
+            <p:ph type="sldImg"/>
+          </p:nvPr>
+        </p:nvSpPr>
+        <p:spPr/>
+      </p:sp>
+      <p:sp>
+        <p:nvSpPr>
+          <p:cNvPr id="3" name="备注占位符 2"/>
+          <p:cNvSpPr>
+            <a:spLocks noGrp="1"/>
+          </p:cNvSpPr>
+          <p:nvPr>
+            <p:ph type="body" idx="1"/>
+          </p:nvPr>
+        </p:nvSpPr>
+        <p:spPr/>
+        <p:txBody>
+          <a:bodyPr/>
+          <a:lstStyle/>
+          <a:p>
+            <a:endParaRPr lang="zh-CN" altLang="en-US" dirty="0"/>
+          </a:p>
+        </p:txBody>
+      </p:sp>
+      <p:sp>
+        <p:nvSpPr>
+          <p:cNvPr id="4" name="灯片编号占位符 3"/>
+          <p:cNvSpPr>
+            <a:spLocks noGrp="1"/>
+          </p:cNvSpPr>
+          <p:nvPr>
+            <p:ph type="sldNum" sz="quarter" idx="10"/>
+          </p:nvPr>
+        </p:nvSpPr>
+        <p:spPr/>
+        <p:txBody>
+          <a:bodyPr/>
+          <a:lstStyle/>
+          <a:p>
             <a:fld id="{5DE97619-DBBE-4EF5-8E3C-32126B56E9D5}" type="slidenum">
               <a:rPr lang="zh-HK" altLang="en-US" smtClean="0"/>
               <a:pPr/>
-              <a:t>4</a:t>
+              <a:t>5</a:t>
             </a:fld>
             <a:endParaRPr lang="zh-HK" altLang="en-US"/>
           </a:p>
@@ -5017,631 +5102,448 @@
           </a:p>
         </p:txBody>
       </p:sp>
+    </p:spTree>
+    <p:extLst>
+      <p:ext uri="{BB962C8B-B14F-4D97-AF65-F5344CB8AC3E}">
+        <p14:creationId xmlns:p14="http://schemas.microsoft.com/office/powerpoint/2010/main" val="4126104044"/>
+      </p:ext>
+    </p:extLst>
+  </p:cSld>
+  <p:clrMapOvr>
+    <a:masterClrMapping/>
+  </p:clrMapOvr>
+  <p:transition>
+    <p:wipe/>
+  </p:transition>
+</p:sld>
+</file>
+
+<file path=ppt/slides/slide4.xml><?xml version="1.0" encoding="utf-8"?>
+<p:sld xmlns:a="http://schemas.openxmlformats.org/drawingml/2006/main" xmlns:r="http://schemas.openxmlformats.org/officeDocument/2006/relationships" xmlns:p="http://schemas.openxmlformats.org/presentationml/2006/main">
+  <p:cSld>
+    <p:spTree>
+      <p:nvGrpSpPr>
+        <p:cNvPr id="1" name=""/>
+        <p:cNvGrpSpPr/>
+        <p:nvPr/>
+      </p:nvGrpSpPr>
+      <p:grpSpPr>
+        <a:xfrm>
+          <a:off x="0" y="0"/>
+          <a:ext cx="0" cy="0"/>
+          <a:chOff x="0" y="0"/>
+          <a:chExt cx="0" cy="0"/>
+        </a:xfrm>
+      </p:grpSpPr>
       <p:grpSp>
         <p:nvGrpSpPr>
-          <p:cNvPr id="18" name="#3251" descr="本素材由iSlide™ 提供&#10;iSlide™尊重知识产权并注重保护用户享有的各项权利。郑重提醒您：&#10;iSlide™插件中提供的任何信息内容的所有权、知识产权归其原始权利人或权利受让人所有，您免费/购买获得的是信息内容的使用权，并受下述条款的约束；&#10;1. 您仅可以个人非商业用途使用该等信息内容，不可将信息内容的全部或部分用于出售，或以出租、出借、转让、分销、发布等其他任何方式供他人使用；&#10;2. 禁止在接入互联网或移动互联网的任何网站、平台、应用或程序上以任何方式为他人提供iSlide™插件资源内容的下载。&#10;The resource is supplied by iSlide™.&#10;iSlide™ respects all intellectual property rights and protects all the rights its users acquired.Solemnly remind you:&#10;The ownership and intellectual property of the resources supplied in iSlide Add-in belongs to its owner or the assignee of this ownership.you only acquired the usage of the resources supplied in iSlide Add-in, as well as respected the following restrain terms:&#10;1.You are only allowed to use such resource for personal and non-commercial aim, not allowed to use such resource or part of it for the sale; or rent, lend, transfer to others; or distribution or release it in any way.&#10;2.You are not permitted to provide the resource of iSlide Add-in in any website, platform, application access to the Internet or mobile Internet." title="iSlide™ 版权声明  COPYRIGHT NOTICE"/>
-          <p:cNvGrpSpPr>
-            <a:grpSpLocks noChangeAspect="1"/>
-          </p:cNvGrpSpPr>
-          <p:nvPr>
-            <p:custDataLst>
-              <p:tags r:id="rId1"/>
-            </p:custDataLst>
-          </p:nvPr>
+          <p:cNvPr id="7" name="组合 6"/>
+          <p:cNvGrpSpPr/>
+          <p:nvPr/>
         </p:nvGrpSpPr>
         <p:grpSpPr>
           <a:xfrm>
-            <a:off x="677683" y="2382898"/>
-            <a:ext cx="10836634" cy="3383417"/>
-            <a:chOff x="669925" y="1862512"/>
-            <a:chExt cx="10836634" cy="3383417"/>
+            <a:off x="2663122" y="450173"/>
+            <a:ext cx="6865756" cy="1193457"/>
+            <a:chOff x="1764632" y="1620253"/>
+            <a:chExt cx="8634382" cy="1092571"/>
           </a:xfrm>
         </p:grpSpPr>
         <p:grpSp>
           <p:nvGrpSpPr>
-            <p:cNvPr id="19" name="íś1îďè">
-              <a:extLst>
-                <a:ext uri="{FF2B5EF4-FFF2-40B4-BE49-F238E27FC236}">
-                  <a16:creationId xmlns:a16="http://schemas.microsoft.com/office/drawing/2014/main" id="{D23CA988-1477-4701-BC6D-0F47F6478D11}"/>
-                </a:ext>
-              </a:extLst>
-            </p:cNvPr>
+            <p:cNvPr id="8" name="组合 7"/>
             <p:cNvGrpSpPr/>
             <p:nvPr/>
           </p:nvGrpSpPr>
           <p:grpSpPr>
             <a:xfrm>
-              <a:off x="4394200" y="2373317"/>
-              <a:ext cx="3403603" cy="2475425"/>
-              <a:chOff x="4379297" y="1952067"/>
-              <a:chExt cx="3054959" cy="2221859"/>
+              <a:off x="1764632" y="1620253"/>
+              <a:ext cx="6528763" cy="1092571"/>
+              <a:chOff x="1764632" y="1620253"/>
+              <a:chExt cx="6528763" cy="1092571"/>
             </a:xfrm>
           </p:grpSpPr>
-          <p:sp>
-            <p:nvSpPr>
-              <p:cNvPr id="44" name="iṧľíḋê">
-                <a:extLst>
-                  <a:ext uri="{FF2B5EF4-FFF2-40B4-BE49-F238E27FC236}">
-                    <a16:creationId xmlns:a16="http://schemas.microsoft.com/office/drawing/2014/main" id="{38130828-A9ED-45DF-B86A-DAC7A6FA41D3}"/>
-                  </a:ext>
-                </a:extLst>
-              </p:cNvPr>
-              <p:cNvSpPr/>
+          <p:grpSp>
+            <p:nvGrpSpPr>
+              <p:cNvPr id="10" name="组合 9"/>
+              <p:cNvGrpSpPr/>
               <p:nvPr/>
-            </p:nvSpPr>
-            <p:spPr>
-              <a:xfrm rot="10800000">
-                <a:off x="5947546" y="1952067"/>
-                <a:ext cx="1486710" cy="1486710"/>
+            </p:nvGrpSpPr>
+            <p:grpSpPr>
+              <a:xfrm>
+                <a:off x="7506586" y="2301130"/>
+                <a:ext cx="786809" cy="411694"/>
+                <a:chOff x="7506586" y="2299422"/>
+                <a:chExt cx="786809" cy="562960"/>
               </a:xfrm>
-              <a:prstGeom prst="teardrop">
-                <a:avLst/>
-              </a:prstGeom>
-              <a:solidFill>
-                <a:schemeClr val="bg1">
-                  <a:lumMod val="50000"/>
-                </a:schemeClr>
-              </a:solidFill>
-              <a:ln>
-                <a:noFill/>
-              </a:ln>
-            </p:spPr>
-            <p:style>
-              <a:lnRef idx="2">
-                <a:schemeClr val="accent1">
-                  <a:shade val="50000"/>
-                </a:schemeClr>
-              </a:lnRef>
-              <a:fillRef idx="1">
-                <a:schemeClr val="accent1"/>
-              </a:fillRef>
-              <a:effectRef idx="0">
-                <a:schemeClr val="accent1"/>
-              </a:effectRef>
-              <a:fontRef idx="minor">
-                <a:schemeClr val="lt1"/>
-              </a:fontRef>
-            </p:style>
-            <p:txBody>
-              <a:bodyPr wrap="square" lIns="91440" tIns="45720" rIns="91440" bIns="45720" anchor="ctr">
-                <a:normAutofit/>
-              </a:bodyPr>
-              <a:lstStyle/>
-              <a:p>
-                <a:pPr algn="ctr"/>
-                <a:endParaRPr/>
-              </a:p>
-            </p:txBody>
-          </p:sp>
-          <p:sp>
-            <p:nvSpPr>
-              <p:cNvPr id="45" name="iśḻíďê">
-                <a:extLst>
-                  <a:ext uri="{FF2B5EF4-FFF2-40B4-BE49-F238E27FC236}">
-                    <a16:creationId xmlns:a16="http://schemas.microsoft.com/office/drawing/2014/main" id="{36FA7D78-B058-4774-A2C6-89D4F0F41B8D}"/>
-                  </a:ext>
-                </a:extLst>
-              </p:cNvPr>
-              <p:cNvSpPr/>
+            </p:grpSpPr>
+            <p:sp>
+              <p:nvSpPr>
+                <p:cNvPr id="18" name="直角三角形 17"/>
+                <p:cNvSpPr/>
+                <p:nvPr/>
+              </p:nvSpPr>
+              <p:spPr>
+                <a:xfrm flipH="1">
+                  <a:off x="7506586" y="2304426"/>
+                  <a:ext cx="786809" cy="557956"/>
+                </a:xfrm>
+                <a:prstGeom prst="rtTriangle">
+                  <a:avLst/>
+                </a:prstGeom>
+                <a:solidFill>
+                  <a:srgbClr val="FFD23C"/>
+                </a:solidFill>
+                <a:ln>
+                  <a:noFill/>
+                </a:ln>
+              </p:spPr>
+              <p:style>
+                <a:lnRef idx="2">
+                  <a:schemeClr val="accent1">
+                    <a:shade val="50000"/>
+                  </a:schemeClr>
+                </a:lnRef>
+                <a:fillRef idx="1">
+                  <a:schemeClr val="accent1"/>
+                </a:fillRef>
+                <a:effectRef idx="0">
+                  <a:schemeClr val="accent1"/>
+                </a:effectRef>
+                <a:fontRef idx="minor">
+                  <a:schemeClr val="lt1"/>
+                </a:fontRef>
+              </p:style>
+              <p:txBody>
+                <a:bodyPr rtlCol="0" anchor="ctr"/>
+                <a:lstStyle/>
+                <a:p>
+                  <a:pPr algn="ctr"/>
+                  <a:endParaRPr lang="zh-CN" altLang="en-US">
+                    <a:solidFill>
+                      <a:prstClr val="white"/>
+                    </a:solidFill>
+                  </a:endParaRPr>
+                </a:p>
+              </p:txBody>
+            </p:sp>
+            <p:sp>
+              <p:nvSpPr>
+                <p:cNvPr id="19" name="直角三角形 18"/>
+                <p:cNvSpPr/>
+                <p:nvPr/>
+              </p:nvSpPr>
+              <p:spPr>
+                <a:xfrm rot="10800000" flipH="1">
+                  <a:off x="7506586" y="2299422"/>
+                  <a:ext cx="786809" cy="557956"/>
+                </a:xfrm>
+                <a:prstGeom prst="rtTriangle">
+                  <a:avLst/>
+                </a:prstGeom>
+                <a:solidFill>
+                  <a:schemeClr val="tx1"/>
+                </a:solidFill>
+                <a:ln>
+                  <a:noFill/>
+                </a:ln>
+              </p:spPr>
+              <p:style>
+                <a:lnRef idx="2">
+                  <a:schemeClr val="accent1">
+                    <a:shade val="50000"/>
+                  </a:schemeClr>
+                </a:lnRef>
+                <a:fillRef idx="1">
+                  <a:schemeClr val="accent1"/>
+                </a:fillRef>
+                <a:effectRef idx="0">
+                  <a:schemeClr val="accent1"/>
+                </a:effectRef>
+                <a:fontRef idx="minor">
+                  <a:schemeClr val="lt1"/>
+                </a:fontRef>
+              </p:style>
+              <p:txBody>
+                <a:bodyPr rtlCol="0" anchor="ctr"/>
+                <a:lstStyle/>
+                <a:p>
+                  <a:pPr algn="ctr"/>
+                  <a:endParaRPr lang="zh-CN" altLang="en-US">
+                    <a:solidFill>
+                      <a:prstClr val="white"/>
+                    </a:solidFill>
+                  </a:endParaRPr>
+                </a:p>
+              </p:txBody>
+            </p:sp>
+          </p:grpSp>
+          <p:grpSp>
+            <p:nvGrpSpPr>
+              <p:cNvPr id="11" name="组合 10"/>
+              <p:cNvGrpSpPr/>
               <p:nvPr/>
-            </p:nvSpPr>
-            <p:spPr>
+            </p:nvGrpSpPr>
+            <p:grpSpPr>
               <a:xfrm>
-                <a:off x="4379297" y="2687216"/>
-                <a:ext cx="1486710" cy="1486710"/>
+                <a:off x="1764632" y="1620253"/>
+                <a:ext cx="6528763" cy="1088912"/>
+                <a:chOff x="1764632" y="1620253"/>
+                <a:chExt cx="6528763" cy="1088912"/>
               </a:xfrm>
-              <a:prstGeom prst="teardrop">
-                <a:avLst/>
-              </a:prstGeom>
-              <a:solidFill>
-                <a:schemeClr val="accent1"/>
-              </a:solidFill>
-              <a:ln>
-                <a:noFill/>
-              </a:ln>
-            </p:spPr>
-            <p:style>
-              <a:lnRef idx="2">
-                <a:schemeClr val="accent1">
-                  <a:shade val="50000"/>
-                </a:schemeClr>
-              </a:lnRef>
-              <a:fillRef idx="1">
-                <a:schemeClr val="accent1"/>
-              </a:fillRef>
-              <a:effectRef idx="0">
-                <a:schemeClr val="accent1"/>
-              </a:effectRef>
-              <a:fontRef idx="minor">
-                <a:schemeClr val="lt1"/>
-              </a:fontRef>
-            </p:style>
-            <p:txBody>
-              <a:bodyPr wrap="square" lIns="91440" tIns="45720" rIns="91440" bIns="45720" anchor="ctr">
-                <a:normAutofit/>
-              </a:bodyPr>
-              <a:lstStyle/>
-              <a:p>
-                <a:pPr algn="ctr"/>
-                <a:endParaRPr/>
-              </a:p>
-            </p:txBody>
-          </p:sp>
-          <p:sp>
-            <p:nvSpPr>
-              <p:cNvPr id="46" name="îṣľiḓê">
-                <a:extLst>
-                  <a:ext uri="{FF2B5EF4-FFF2-40B4-BE49-F238E27FC236}">
-                    <a16:creationId xmlns:a16="http://schemas.microsoft.com/office/drawing/2014/main" id="{0AD009A6-1181-46FA-947F-DB675C37B2B9}"/>
-                  </a:ext>
-                </a:extLst>
-              </p:cNvPr>
-              <p:cNvSpPr txBox="1"/>
-              <p:nvPr/>
-            </p:nvSpPr>
-            <p:spPr>
-              <a:xfrm>
-                <a:off x="6128208" y="2381048"/>
-                <a:ext cx="1179384" cy="577461"/>
-              </a:xfrm>
-              <a:prstGeom prst="rect">
-                <a:avLst/>
-              </a:prstGeom>
-              <a:noFill/>
-            </p:spPr>
-            <p:txBody>
-              <a:bodyPr wrap="square" lIns="91440" tIns="45720" rIns="91440" bIns="45720" anchor="ctr" anchorCtr="1">
-                <a:normAutofit/>
-              </a:bodyPr>
-              <a:lstStyle/>
-              <a:p>
-                <a:pPr algn="ctr"/>
-                <a:r>
-                  <a:rPr lang="en-US" altLang="zh-CN" sz="2000" b="1" i="1" smtClean="0">
+            </p:grpSpPr>
+            <p:sp>
+              <p:nvSpPr>
+                <p:cNvPr id="12" name="矩形 11"/>
+                <p:cNvSpPr/>
+                <p:nvPr/>
+              </p:nvSpPr>
+              <p:spPr>
+                <a:xfrm>
+                  <a:off x="3870251" y="1620253"/>
+                  <a:ext cx="4423144" cy="680877"/>
+                </a:xfrm>
+                <a:prstGeom prst="rect">
+                  <a:avLst/>
+                </a:prstGeom>
+                <a:solidFill>
+                  <a:srgbClr val="FFD23C"/>
+                </a:solidFill>
+                <a:ln>
+                  <a:noFill/>
+                </a:ln>
+              </p:spPr>
+              <p:style>
+                <a:lnRef idx="2">
+                  <a:schemeClr val="accent1">
+                    <a:shade val="50000"/>
+                  </a:schemeClr>
+                </a:lnRef>
+                <a:fillRef idx="1">
+                  <a:schemeClr val="accent1"/>
+                </a:fillRef>
+                <a:effectRef idx="0">
+                  <a:schemeClr val="accent1"/>
+                </a:effectRef>
+                <a:fontRef idx="minor">
+                  <a:schemeClr val="lt1"/>
+                </a:fontRef>
+              </p:style>
+              <p:txBody>
+                <a:bodyPr rtlCol="0" anchor="ctr"/>
+                <a:lstStyle/>
+                <a:p>
+                  <a:pPr algn="ctr"/>
+                  <a:endParaRPr lang="zh-CN" altLang="en-US">
                     <a:solidFill>
-                      <a:schemeClr val="bg1"/>
+                      <a:prstClr val="white"/>
                     </a:solidFill>
-                  </a:rPr>
-                  <a:t>T</a:t>
-                </a:r>
-                <a:r>
-                  <a:rPr lang="en-US" altLang="zh-CN" sz="100" b="1" i="1" smtClean="0">
+                  </a:endParaRPr>
+                </a:p>
+              </p:txBody>
+            </p:sp>
+            <p:grpSp>
+              <p:nvGrpSpPr>
+                <p:cNvPr id="13" name="组合 12"/>
+                <p:cNvGrpSpPr/>
+                <p:nvPr/>
+              </p:nvGrpSpPr>
+              <p:grpSpPr>
+                <a:xfrm>
+                  <a:off x="1764632" y="2005263"/>
+                  <a:ext cx="2892428" cy="703902"/>
+                  <a:chOff x="1764632" y="2005263"/>
+                  <a:chExt cx="2892428" cy="703902"/>
+                </a:xfrm>
+              </p:grpSpPr>
+              <p:grpSp>
+                <p:nvGrpSpPr>
+                  <p:cNvPr id="14" name="组合 13"/>
+                  <p:cNvGrpSpPr/>
+                  <p:nvPr/>
+                </p:nvGrpSpPr>
+                <p:grpSpPr>
+                  <a:xfrm>
+                    <a:off x="3870250" y="2301131"/>
+                    <a:ext cx="786810" cy="408034"/>
+                    <a:chOff x="3870250" y="2301131"/>
+                    <a:chExt cx="786810" cy="557956"/>
+                  </a:xfrm>
+                </p:grpSpPr>
+                <p:sp>
+                  <p:nvSpPr>
+                    <p:cNvPr id="16" name="直角三角形 15"/>
+                    <p:cNvSpPr/>
+                    <p:nvPr/>
+                  </p:nvSpPr>
+                  <p:spPr>
+                    <a:xfrm>
+                      <a:off x="3870251" y="2301131"/>
+                      <a:ext cx="786809" cy="557956"/>
+                    </a:xfrm>
+                    <a:prstGeom prst="rtTriangle">
+                      <a:avLst/>
+                    </a:prstGeom>
                     <a:solidFill>
-                      <a:schemeClr val="bg1"/>
+                      <a:srgbClr val="FFD23C"/>
                     </a:solidFill>
-                  </a:rPr>
-                  <a:t> </a:t>
-                </a:r>
-                <a:r>
-                  <a:rPr lang="en-US" altLang="zh-CN" sz="2000" b="1" i="1" smtClean="0">
+                    <a:ln>
+                      <a:noFill/>
+                    </a:ln>
+                  </p:spPr>
+                  <p:style>
+                    <a:lnRef idx="2">
+                      <a:schemeClr val="accent1">
+                        <a:shade val="50000"/>
+                      </a:schemeClr>
+                    </a:lnRef>
+                    <a:fillRef idx="1">
+                      <a:schemeClr val="accent1"/>
+                    </a:fillRef>
+                    <a:effectRef idx="0">
+                      <a:schemeClr val="accent1"/>
+                    </a:effectRef>
+                    <a:fontRef idx="minor">
+                      <a:schemeClr val="lt1"/>
+                    </a:fontRef>
+                  </p:style>
+                  <p:txBody>
+                    <a:bodyPr rtlCol="0" anchor="ctr"/>
+                    <a:lstStyle/>
+                    <a:p>
+                      <a:pPr algn="ctr"/>
+                      <a:endParaRPr lang="zh-CN" altLang="en-US">
+                        <a:solidFill>
+                          <a:prstClr val="white"/>
+                        </a:solidFill>
+                      </a:endParaRPr>
+                    </a:p>
+                  </p:txBody>
+                </p:sp>
+                <p:sp>
+                  <p:nvSpPr>
+                    <p:cNvPr id="17" name="直角三角形 16"/>
+                    <p:cNvSpPr/>
+                    <p:nvPr/>
+                  </p:nvSpPr>
+                  <p:spPr>
+                    <a:xfrm rot="10800000">
+                      <a:off x="3870250" y="2301131"/>
+                      <a:ext cx="786809" cy="557956"/>
+                    </a:xfrm>
+                    <a:prstGeom prst="rtTriangle">
+                      <a:avLst/>
+                    </a:prstGeom>
                     <a:solidFill>
-                      <a:schemeClr val="bg1"/>
+                      <a:schemeClr val="tx1"/>
                     </a:solidFill>
-                  </a:rPr>
-                  <a:t>ext</a:t>
-                </a:r>
-                <a:endParaRPr lang="zh-CN" altLang="en-US" sz="2000" i="1" dirty="0">
+                    <a:ln>
+                      <a:noFill/>
+                    </a:ln>
+                  </p:spPr>
+                  <p:style>
+                    <a:lnRef idx="2">
+                      <a:schemeClr val="accent1">
+                        <a:shade val="50000"/>
+                      </a:schemeClr>
+                    </a:lnRef>
+                    <a:fillRef idx="1">
+                      <a:schemeClr val="accent1"/>
+                    </a:fillRef>
+                    <a:effectRef idx="0">
+                      <a:schemeClr val="accent1"/>
+                    </a:effectRef>
+                    <a:fontRef idx="minor">
+                      <a:schemeClr val="lt1"/>
+                    </a:fontRef>
+                  </p:style>
+                  <p:txBody>
+                    <a:bodyPr rtlCol="0" anchor="ctr"/>
+                    <a:lstStyle/>
+                    <a:p>
+                      <a:pPr algn="ctr"/>
+                      <a:endParaRPr lang="zh-CN" altLang="en-US">
+                        <a:solidFill>
+                          <a:prstClr val="white"/>
+                        </a:solidFill>
+                      </a:endParaRPr>
+                    </a:p>
+                  </p:txBody>
+                </p:sp>
+              </p:grpSp>
+              <p:sp>
+                <p:nvSpPr>
+                  <p:cNvPr id="15" name="矩形 14"/>
+                  <p:cNvSpPr/>
+                  <p:nvPr/>
+                </p:nvSpPr>
+                <p:spPr>
+                  <a:xfrm>
+                    <a:off x="1764632" y="2005263"/>
+                    <a:ext cx="2105619" cy="703902"/>
+                  </a:xfrm>
+                  <a:prstGeom prst="rect">
+                    <a:avLst/>
+                  </a:prstGeom>
                   <a:solidFill>
-                    <a:schemeClr val="bg1"/>
+                    <a:srgbClr val="FFD23C"/>
                   </a:solidFill>
-                </a:endParaRPr>
-              </a:p>
-            </p:txBody>
-          </p:sp>
-          <p:sp>
-            <p:nvSpPr>
-              <p:cNvPr id="47" name="íşḻíḓé">
-                <a:extLst>
-                  <a:ext uri="{FF2B5EF4-FFF2-40B4-BE49-F238E27FC236}">
-                    <a16:creationId xmlns:a16="http://schemas.microsoft.com/office/drawing/2014/main" id="{95C3846E-6F00-42A0-8EAC-826E78EF6B32}"/>
-                  </a:ext>
-                </a:extLst>
-              </p:cNvPr>
-              <p:cNvSpPr txBox="1"/>
-              <p:nvPr/>
-            </p:nvSpPr>
-            <p:spPr>
-              <a:xfrm>
-                <a:off x="4508819" y="3116197"/>
-                <a:ext cx="1238371" cy="577461"/>
-              </a:xfrm>
-              <a:prstGeom prst="rect">
-                <a:avLst/>
-              </a:prstGeom>
-              <a:noFill/>
-            </p:spPr>
-            <p:txBody>
-              <a:bodyPr wrap="square" lIns="91440" tIns="45720" rIns="91440" bIns="45720" anchor="ctr" anchorCtr="1">
-                <a:normAutofit/>
-              </a:bodyPr>
-              <a:lstStyle/>
-              <a:p>
-                <a:pPr algn="ctr"/>
-                <a:r>
-                  <a:rPr lang="en-US" altLang="zh-CN" sz="2000" b="1" i="1" smtClean="0">
-                    <a:solidFill>
-                      <a:schemeClr val="bg1"/>
-                    </a:solidFill>
-                  </a:rPr>
-                  <a:t>T</a:t>
-                </a:r>
-                <a:r>
-                  <a:rPr lang="en-US" altLang="zh-CN" sz="100" b="1" i="1" smtClean="0">
-                    <a:solidFill>
-                      <a:schemeClr val="bg1"/>
-                    </a:solidFill>
-                  </a:rPr>
-                  <a:t> </a:t>
-                </a:r>
-                <a:r>
-                  <a:rPr lang="en-US" altLang="zh-CN" sz="2000" b="1" i="1" smtClean="0">
-                    <a:solidFill>
-                      <a:schemeClr val="bg1"/>
-                    </a:solidFill>
-                  </a:rPr>
-                  <a:t>ext</a:t>
-                </a:r>
-                <a:endParaRPr lang="zh-CN" altLang="en-US" sz="2000" i="1" dirty="0">
-                  <a:solidFill>
-                    <a:schemeClr val="bg1"/>
-                  </a:solidFill>
-                </a:endParaRPr>
-              </a:p>
-            </p:txBody>
-          </p:sp>
+                  <a:ln>
+                    <a:noFill/>
+                  </a:ln>
+                </p:spPr>
+                <p:style>
+                  <a:lnRef idx="2">
+                    <a:schemeClr val="accent1">
+                      <a:shade val="50000"/>
+                    </a:schemeClr>
+                  </a:lnRef>
+                  <a:fillRef idx="1">
+                    <a:schemeClr val="accent1"/>
+                  </a:fillRef>
+                  <a:effectRef idx="0">
+                    <a:schemeClr val="accent1"/>
+                  </a:effectRef>
+                  <a:fontRef idx="minor">
+                    <a:schemeClr val="lt1"/>
+                  </a:fontRef>
+                </p:style>
+                <p:txBody>
+                  <a:bodyPr rtlCol="0" anchor="ctr"/>
+                  <a:lstStyle/>
+                  <a:p>
+                    <a:pPr algn="ctr"/>
+                    <a:endParaRPr lang="zh-CN" altLang="en-US">
+                      <a:solidFill>
+                        <a:prstClr val="white"/>
+                      </a:solidFill>
+                    </a:endParaRPr>
+                  </a:p>
+                </p:txBody>
+              </p:sp>
+            </p:grpSp>
+          </p:grpSp>
         </p:grpSp>
         <p:sp>
           <p:nvSpPr>
-            <p:cNvPr id="20" name="ïş1ïḑe">
-              <a:extLst>
-                <a:ext uri="{FF2B5EF4-FFF2-40B4-BE49-F238E27FC236}">
-                  <a16:creationId xmlns:a16="http://schemas.microsoft.com/office/drawing/2014/main" id="{F3084F21-ED45-464D-AC5F-34A58EEA5805}"/>
-                </a:ext>
-              </a:extLst>
-            </p:cNvPr>
+            <p:cNvPr id="9" name="矩形 8"/>
             <p:cNvSpPr/>
             <p:nvPr/>
           </p:nvSpPr>
           <p:spPr>
             <a:xfrm>
-              <a:off x="669925" y="3438779"/>
-              <a:ext cx="2809070" cy="523971"/>
+              <a:off x="8293395" y="2005262"/>
+              <a:ext cx="2105619" cy="703902"/>
             </a:xfrm>
             <a:prstGeom prst="rect">
               <a:avLst/>
             </a:prstGeom>
-            <a:noFill/>
+            <a:solidFill>
+              <a:srgbClr val="FFD23C"/>
+            </a:solidFill>
             <a:ln>
               <a:noFill/>
             </a:ln>
-          </p:spPr>
-          <p:txBody>
-            <a:bodyPr wrap="square" lIns="91440" tIns="45720" rIns="91440" bIns="45720" anchor="t" anchorCtr="0">
-              <a:normAutofit/>
-            </a:bodyPr>
-            <a:lstStyle/>
-            <a:p>
-              <a:pPr algn="r">
-                <a:lnSpc>
-                  <a:spcPct val="120000"/>
-                </a:lnSpc>
-              </a:pPr>
-              <a:r>
-                <a:rPr lang="zh-CN" altLang="en-US" sz="1100" dirty="0"/>
-                <a:t>容器不为这个方法开启事务</a:t>
-              </a:r>
-              <a:endParaRPr lang="en-US" altLang="zh-CN" sz="1100" dirty="0"/>
-            </a:p>
-          </p:txBody>
-        </p:sp>
-        <p:sp>
-          <p:nvSpPr>
-            <p:cNvPr id="21" name="i$ľíḋe">
-              <a:extLst>
-                <a:ext uri="{FF2B5EF4-FFF2-40B4-BE49-F238E27FC236}">
-                  <a16:creationId xmlns:a16="http://schemas.microsoft.com/office/drawing/2014/main" id="{D77FD1CA-E89E-438B-BC94-9608E42CB276}"/>
-                </a:ext>
-              </a:extLst>
-            </p:cNvPr>
-            <p:cNvSpPr/>
-            <p:nvPr/>
-          </p:nvSpPr>
-          <p:spPr>
-            <a:xfrm>
-              <a:off x="669925" y="3033030"/>
-              <a:ext cx="2809070" cy="405747"/>
-            </a:xfrm>
-            <a:prstGeom prst="rect">
-              <a:avLst/>
-            </a:prstGeom>
-            <a:noFill/>
-            <a:ln>
-              <a:noFill/>
-            </a:ln>
-          </p:spPr>
-          <p:txBody>
-            <a:bodyPr wrap="square" lIns="91440" tIns="45720" rIns="91440" bIns="45720" anchor="ctr" anchorCtr="0">
-              <a:normAutofit/>
-            </a:bodyPr>
-            <a:lstStyle/>
-            <a:p>
-              <a:pPr algn="r">
-                <a:spcBef>
-                  <a:spcPct val="0"/>
-                </a:spcBef>
-              </a:pPr>
-              <a:r>
-                <a:rPr lang="en-US" altLang="zh-CN" sz="1600" b="1"/>
-                <a:t>REQUIRES_NEW</a:t>
-              </a:r>
-              <a:endParaRPr lang="en-US" altLang="zh-CN" sz="1600" b="1" dirty="0"/>
-            </a:p>
-          </p:txBody>
-        </p:sp>
-        <p:sp>
-          <p:nvSpPr>
-            <p:cNvPr id="22" name="ïṣḻíḋè">
-              <a:extLst>
-                <a:ext uri="{FF2B5EF4-FFF2-40B4-BE49-F238E27FC236}">
-                  <a16:creationId xmlns:a16="http://schemas.microsoft.com/office/drawing/2014/main" id="{C7C6437D-96E5-40DD-B35E-25290D38DFA0}"/>
-                </a:ext>
-              </a:extLst>
-            </p:cNvPr>
-            <p:cNvSpPr/>
-            <p:nvPr/>
-          </p:nvSpPr>
-          <p:spPr>
-            <a:xfrm>
-              <a:off x="669925" y="4714853"/>
-              <a:ext cx="2809070" cy="523971"/>
-            </a:xfrm>
-            <a:prstGeom prst="rect">
-              <a:avLst/>
-            </a:prstGeom>
-            <a:noFill/>
-            <a:ln>
-              <a:noFill/>
-            </a:ln>
-          </p:spPr>
-          <p:txBody>
-            <a:bodyPr wrap="square" lIns="91440" tIns="45720" rIns="91440" bIns="45720" anchor="t" anchorCtr="0">
-              <a:normAutofit/>
-            </a:bodyPr>
-            <a:lstStyle/>
-            <a:p>
-              <a:pPr algn="r">
-                <a:lnSpc>
-                  <a:spcPct val="120000"/>
-                </a:lnSpc>
-              </a:pPr>
-              <a:r>
-                <a:rPr lang="zh-CN" altLang="en-US" sz="1100" dirty="0"/>
-                <a:t>不管是否存在事务</a:t>
-              </a:r>
-              <a:r>
-                <a:rPr lang="en-US" altLang="zh-CN" sz="1100" dirty="0"/>
-                <a:t>,</a:t>
-              </a:r>
-              <a:r>
-                <a:rPr lang="zh-CN" altLang="en-US" sz="1100" dirty="0"/>
-                <a:t>都创建一个新的事务</a:t>
-              </a:r>
-              <a:r>
-                <a:rPr lang="en-US" altLang="zh-CN" sz="1100" dirty="0"/>
-                <a:t>,</a:t>
-              </a:r>
-              <a:r>
-                <a:rPr lang="zh-CN" altLang="en-US" sz="1100" dirty="0"/>
-                <a:t>原来的挂起</a:t>
-              </a:r>
-              <a:r>
-                <a:rPr lang="en-US" altLang="zh-CN" sz="1100" dirty="0"/>
-                <a:t>,</a:t>
-              </a:r>
-              <a:r>
-                <a:rPr lang="zh-CN" altLang="en-US" sz="1100" dirty="0"/>
-                <a:t>新的执行完毕</a:t>
-              </a:r>
-              <a:r>
-                <a:rPr lang="en-US" altLang="zh-CN" sz="1100" dirty="0"/>
-                <a:t>,</a:t>
-              </a:r>
-              <a:r>
-                <a:rPr lang="zh-CN" altLang="en-US" sz="1100" dirty="0"/>
-                <a:t>继续执行老的事务</a:t>
-              </a:r>
-              <a:endParaRPr lang="en-US" altLang="zh-CN" sz="1100" dirty="0"/>
-            </a:p>
-          </p:txBody>
-        </p:sp>
-        <p:sp>
-          <p:nvSpPr>
-            <p:cNvPr id="23" name="iṡḻíḓé">
-              <a:extLst>
-                <a:ext uri="{FF2B5EF4-FFF2-40B4-BE49-F238E27FC236}">
-                  <a16:creationId xmlns:a16="http://schemas.microsoft.com/office/drawing/2014/main" id="{F2266C63-5194-4F1C-B734-DD5291FB0F04}"/>
-                </a:ext>
-              </a:extLst>
-            </p:cNvPr>
-            <p:cNvSpPr/>
-            <p:nvPr/>
-          </p:nvSpPr>
-          <p:spPr>
-            <a:xfrm>
-              <a:off x="669925" y="4309104"/>
-              <a:ext cx="2809070" cy="405747"/>
-            </a:xfrm>
-            <a:prstGeom prst="rect">
-              <a:avLst/>
-            </a:prstGeom>
-            <a:noFill/>
-            <a:ln>
-              <a:noFill/>
-            </a:ln>
-          </p:spPr>
-          <p:txBody>
-            <a:bodyPr wrap="square" lIns="91440" tIns="45720" rIns="91440" bIns="45720" anchor="ctr" anchorCtr="0">
-              <a:normAutofit/>
-            </a:bodyPr>
-            <a:lstStyle/>
-            <a:p>
-              <a:pPr algn="r">
-                <a:spcBef>
-                  <a:spcPct val="0"/>
-                </a:spcBef>
-              </a:pPr>
-              <a:r>
-                <a:rPr lang="en-US" altLang="zh-CN" sz="1600" b="1" dirty="0"/>
-                <a:t>REQUIRES_NEW</a:t>
-              </a:r>
-            </a:p>
-          </p:txBody>
-        </p:sp>
-        <p:sp>
-          <p:nvSpPr>
-            <p:cNvPr id="24" name="íślïḍé">
-              <a:extLst>
-                <a:ext uri="{FF2B5EF4-FFF2-40B4-BE49-F238E27FC236}">
-                  <a16:creationId xmlns:a16="http://schemas.microsoft.com/office/drawing/2014/main" id="{2A7B9F8E-0BB7-42D4-9493-D7815AB7EEFD}"/>
-                </a:ext>
-              </a:extLst>
-            </p:cNvPr>
-            <p:cNvSpPr/>
-            <p:nvPr/>
-          </p:nvSpPr>
-          <p:spPr>
-            <a:xfrm>
-              <a:off x="669925" y="2268259"/>
-              <a:ext cx="2809070" cy="523971"/>
-            </a:xfrm>
-            <a:prstGeom prst="rect">
-              <a:avLst/>
-            </a:prstGeom>
-            <a:noFill/>
-            <a:ln>
-              <a:noFill/>
-            </a:ln>
-          </p:spPr>
-          <p:txBody>
-            <a:bodyPr wrap="square" lIns="91440" tIns="45720" rIns="91440" bIns="45720" anchor="t" anchorCtr="0">
-              <a:normAutofit/>
-            </a:bodyPr>
-            <a:lstStyle/>
-            <a:p>
-              <a:pPr algn="r">
-                <a:lnSpc>
-                  <a:spcPct val="120000"/>
-                </a:lnSpc>
-              </a:pPr>
-              <a:r>
-                <a:rPr lang="zh-CN" altLang="en-US" sz="1100" dirty="0"/>
-                <a:t>如果有事务</a:t>
-              </a:r>
-              <a:r>
-                <a:rPr lang="en-US" altLang="zh-CN" sz="1100" dirty="0"/>
-                <a:t>, </a:t>
-              </a:r>
-              <a:r>
-                <a:rPr lang="zh-CN" altLang="en-US" sz="1100" dirty="0"/>
-                <a:t>那么加入事务</a:t>
-              </a:r>
-              <a:r>
-                <a:rPr lang="en-US" altLang="zh-CN" sz="1100" dirty="0"/>
-                <a:t>, </a:t>
-              </a:r>
-              <a:r>
-                <a:rPr lang="zh-CN" altLang="en-US" sz="1100" dirty="0"/>
-                <a:t>没有的话新建一个</a:t>
-              </a:r>
-              <a:r>
-                <a:rPr lang="en-US" altLang="zh-CN" sz="1100" dirty="0"/>
-                <a:t>(</a:t>
-              </a:r>
-              <a:r>
-                <a:rPr lang="zh-CN" altLang="en-US" sz="1100" dirty="0"/>
-                <a:t>默认情况下</a:t>
-              </a:r>
-              <a:r>
-                <a:rPr lang="en-US" altLang="zh-CN" sz="1100" dirty="0"/>
-                <a:t>)</a:t>
-              </a:r>
-            </a:p>
-          </p:txBody>
-        </p:sp>
-        <p:sp>
-          <p:nvSpPr>
-            <p:cNvPr id="25" name="iṧḻïḑè">
-              <a:extLst>
-                <a:ext uri="{FF2B5EF4-FFF2-40B4-BE49-F238E27FC236}">
-                  <a16:creationId xmlns:a16="http://schemas.microsoft.com/office/drawing/2014/main" id="{BA71DAFD-30BC-49CC-94C8-88C4527FA0B9}"/>
-                </a:ext>
-              </a:extLst>
-            </p:cNvPr>
-            <p:cNvSpPr/>
-            <p:nvPr/>
-          </p:nvSpPr>
-          <p:spPr>
-            <a:xfrm>
-              <a:off x="669925" y="1862512"/>
-              <a:ext cx="2809070" cy="405747"/>
-            </a:xfrm>
-            <a:prstGeom prst="rect">
-              <a:avLst/>
-            </a:prstGeom>
-            <a:noFill/>
-            <a:ln>
-              <a:noFill/>
-            </a:ln>
-          </p:spPr>
-          <p:txBody>
-            <a:bodyPr wrap="square" lIns="91440" tIns="45720" rIns="91440" bIns="45720" anchor="ctr" anchorCtr="0">
-              <a:normAutofit/>
-            </a:bodyPr>
-            <a:lstStyle/>
-            <a:p>
-              <a:pPr algn="r">
-                <a:spcBef>
-                  <a:spcPct val="0"/>
-                </a:spcBef>
-              </a:pPr>
-              <a:r>
-                <a:rPr lang="en-US" altLang="zh-CN" sz="100" b="1" dirty="0" smtClean="0"/>
-                <a:t> </a:t>
-              </a:r>
-              <a:r>
-                <a:rPr lang="en-US" altLang="zh-CN" sz="1600" b="1" dirty="0"/>
-                <a:t>REQUIRED</a:t>
-              </a:r>
-            </a:p>
-          </p:txBody>
-        </p:sp>
-        <p:sp>
-          <p:nvSpPr>
-            <p:cNvPr id="26" name="îśļïḋé">
-              <a:extLst>
-                <a:ext uri="{FF2B5EF4-FFF2-40B4-BE49-F238E27FC236}">
-                  <a16:creationId xmlns:a16="http://schemas.microsoft.com/office/drawing/2014/main" id="{6D6F30BE-8431-4B42-9731-962B7707099E}"/>
-                </a:ext>
-              </a:extLst>
-            </p:cNvPr>
-            <p:cNvSpPr/>
-            <p:nvPr/>
-          </p:nvSpPr>
-          <p:spPr>
-            <a:xfrm>
-              <a:off x="3604634" y="2140262"/>
-              <a:ext cx="522466" cy="522466"/>
-            </a:xfrm>
-            <a:prstGeom prst="ellipse">
-              <a:avLst/>
-            </a:prstGeom>
-            <a:noFill/>
-            <a:ln>
-              <a:solidFill>
-                <a:schemeClr val="accent1"/>
-              </a:solidFill>
-            </a:ln>
-            <a:effectLst/>
           </p:spPr>
           <p:style>
             <a:lnRef idx="2">
@@ -5660,2371 +5562,448 @@
             </a:fontRef>
           </p:style>
           <p:txBody>
-            <a:bodyPr wrap="square" lIns="91440" tIns="45720" rIns="91440" bIns="45720" anchor="ctr">
-              <a:normAutofit/>
-            </a:bodyPr>
+            <a:bodyPr rtlCol="0" anchor="ctr"/>
             <a:lstStyle/>
             <a:p>
               <a:pPr algn="ctr"/>
-              <a:endParaRPr/>
-            </a:p>
-          </p:txBody>
-        </p:sp>
-        <p:sp>
-          <p:nvSpPr>
-            <p:cNvPr id="27" name="í$ľiḍe">
-              <a:extLst>
-                <a:ext uri="{FF2B5EF4-FFF2-40B4-BE49-F238E27FC236}">
-                  <a16:creationId xmlns:a16="http://schemas.microsoft.com/office/drawing/2014/main" id="{581FD447-D08E-4A43-85AC-61B55932B47E}"/>
-                </a:ext>
-              </a:extLst>
-            </p:cNvPr>
-            <p:cNvSpPr/>
-            <p:nvPr/>
-          </p:nvSpPr>
-          <p:spPr>
-            <a:xfrm>
-              <a:off x="3604634" y="4546442"/>
-              <a:ext cx="522466" cy="522466"/>
-            </a:xfrm>
-            <a:prstGeom prst="ellipse">
-              <a:avLst/>
-            </a:prstGeom>
-            <a:noFill/>
-            <a:ln>
-              <a:solidFill>
-                <a:schemeClr val="accent1"/>
-              </a:solidFill>
-            </a:ln>
-            <a:effectLst/>
-          </p:spPr>
-          <p:style>
-            <a:lnRef idx="2">
-              <a:schemeClr val="accent1">
-                <a:shade val="50000"/>
-              </a:schemeClr>
-            </a:lnRef>
-            <a:fillRef idx="1">
-              <a:schemeClr val="accent1"/>
-            </a:fillRef>
-            <a:effectRef idx="0">
-              <a:schemeClr val="accent1"/>
-            </a:effectRef>
-            <a:fontRef idx="minor">
-              <a:schemeClr val="lt1"/>
-            </a:fontRef>
-          </p:style>
-          <p:txBody>
-            <a:bodyPr wrap="square" lIns="91440" tIns="45720" rIns="91440" bIns="45720" anchor="ctr">
-              <a:normAutofit/>
-            </a:bodyPr>
-            <a:lstStyle/>
-            <a:p>
-              <a:pPr algn="ctr"/>
-              <a:endParaRPr/>
-            </a:p>
-          </p:txBody>
-        </p:sp>
-        <p:sp>
-          <p:nvSpPr>
-            <p:cNvPr id="28" name="ïṧḷîḋè">
-              <a:extLst>
-                <a:ext uri="{FF2B5EF4-FFF2-40B4-BE49-F238E27FC236}">
-                  <a16:creationId xmlns:a16="http://schemas.microsoft.com/office/drawing/2014/main" id="{F76989E2-9C90-4271-945E-F2C5619DD90F}"/>
-                </a:ext>
-              </a:extLst>
-            </p:cNvPr>
-            <p:cNvSpPr/>
-            <p:nvPr/>
-          </p:nvSpPr>
-          <p:spPr>
-            <a:xfrm>
-              <a:off x="3604634" y="3292747"/>
-              <a:ext cx="522466" cy="522466"/>
-            </a:xfrm>
-            <a:prstGeom prst="ellipse">
-              <a:avLst/>
-            </a:prstGeom>
-            <a:noFill/>
-            <a:ln>
-              <a:solidFill>
-                <a:schemeClr val="accent1"/>
-              </a:solidFill>
-            </a:ln>
-            <a:effectLst/>
-          </p:spPr>
-          <p:style>
-            <a:lnRef idx="2">
-              <a:schemeClr val="accent1">
-                <a:shade val="50000"/>
-              </a:schemeClr>
-            </a:lnRef>
-            <a:fillRef idx="1">
-              <a:schemeClr val="accent1"/>
-            </a:fillRef>
-            <a:effectRef idx="0">
-              <a:schemeClr val="accent1"/>
-            </a:effectRef>
-            <a:fontRef idx="minor">
-              <a:schemeClr val="lt1"/>
-            </a:fontRef>
-          </p:style>
-          <p:txBody>
-            <a:bodyPr wrap="square" lIns="91440" tIns="45720" rIns="91440" bIns="45720" anchor="ctr">
-              <a:normAutofit/>
-            </a:bodyPr>
-            <a:lstStyle/>
-            <a:p>
-              <a:pPr algn="ctr"/>
-              <a:endParaRPr/>
-            </a:p>
-          </p:txBody>
-        </p:sp>
-        <p:sp>
-          <p:nvSpPr>
-            <p:cNvPr id="29" name="îṩlíḍè">
-              <a:extLst>
-                <a:ext uri="{FF2B5EF4-FFF2-40B4-BE49-F238E27FC236}">
-                  <a16:creationId xmlns:a16="http://schemas.microsoft.com/office/drawing/2014/main" id="{7BA0EF4F-6410-4B5F-B5A3-CC61D9660A5E}"/>
-                </a:ext>
-              </a:extLst>
-            </p:cNvPr>
-            <p:cNvSpPr/>
-            <p:nvPr/>
-          </p:nvSpPr>
-          <p:spPr>
-            <a:xfrm>
-              <a:off x="3757214" y="2298366"/>
-              <a:ext cx="217308" cy="206260"/>
-            </a:xfrm>
-            <a:custGeom>
-              <a:avLst/>
-              <a:gdLst/>
-              <a:ahLst/>
-              <a:cxnLst/>
-              <a:rect l="0" t="0" r="0" b="0"/>
-              <a:pathLst>
-                <a:path w="120000" h="120000" extrusionOk="0">
-                  <a:moveTo>
-                    <a:pt x="119800" y="63664"/>
-                  </a:moveTo>
-                  <a:lnTo>
-                    <a:pt x="119800" y="63664"/>
-                  </a:lnTo>
-                  <a:cubicBezTo>
-                    <a:pt x="119800" y="66596"/>
-                    <a:pt x="118405" y="69528"/>
-                    <a:pt x="114219" y="69528"/>
-                  </a:cubicBezTo>
-                  <a:cubicBezTo>
-                    <a:pt x="112823" y="69528"/>
-                    <a:pt x="111428" y="68062"/>
-                    <a:pt x="111428" y="68062"/>
-                  </a:cubicBezTo>
-                  <a:lnTo>
-                    <a:pt x="111428" y="68062"/>
-                  </a:lnTo>
-                  <a:cubicBezTo>
-                    <a:pt x="60598" y="14869"/>
-                    <a:pt x="60598" y="14869"/>
-                    <a:pt x="60598" y="14869"/>
-                  </a:cubicBezTo>
-                  <a:lnTo>
-                    <a:pt x="60598" y="14869"/>
-                  </a:lnTo>
-                  <a:lnTo>
-                    <a:pt x="60598" y="14869"/>
-                  </a:lnTo>
-                  <a:lnTo>
-                    <a:pt x="60598" y="14869"/>
-                  </a:lnTo>
-                  <a:cubicBezTo>
-                    <a:pt x="9966" y="68062"/>
-                    <a:pt x="9966" y="68062"/>
-                    <a:pt x="9966" y="68062"/>
-                  </a:cubicBezTo>
-                  <a:lnTo>
-                    <a:pt x="9966" y="68062"/>
-                  </a:lnTo>
-                  <a:cubicBezTo>
-                    <a:pt x="8571" y="68062"/>
-                    <a:pt x="7176" y="69528"/>
-                    <a:pt x="5780" y="69528"/>
-                  </a:cubicBezTo>
-                  <a:cubicBezTo>
-                    <a:pt x="2990" y="69528"/>
-                    <a:pt x="0" y="66596"/>
-                    <a:pt x="0" y="63664"/>
-                  </a:cubicBezTo>
-                  <a:cubicBezTo>
-                    <a:pt x="0" y="62198"/>
-                    <a:pt x="0" y="60523"/>
-                    <a:pt x="1395" y="59057"/>
-                  </a:cubicBezTo>
-                  <a:cubicBezTo>
-                    <a:pt x="56411" y="1465"/>
-                    <a:pt x="56411" y="1465"/>
-                    <a:pt x="56411" y="1465"/>
-                  </a:cubicBezTo>
-                  <a:cubicBezTo>
-                    <a:pt x="57807" y="0"/>
-                    <a:pt x="59202" y="0"/>
-                    <a:pt x="60598" y="0"/>
-                  </a:cubicBezTo>
-                  <a:lnTo>
-                    <a:pt x="60598" y="0"/>
-                  </a:lnTo>
-                  <a:lnTo>
-                    <a:pt x="60598" y="0"/>
-                  </a:lnTo>
-                  <a:lnTo>
-                    <a:pt x="60598" y="0"/>
-                  </a:lnTo>
-                  <a:lnTo>
-                    <a:pt x="60598" y="0"/>
-                  </a:lnTo>
-                  <a:lnTo>
-                    <a:pt x="60598" y="0"/>
-                  </a:lnTo>
-                  <a:lnTo>
-                    <a:pt x="60598" y="0"/>
-                  </a:lnTo>
-                  <a:lnTo>
-                    <a:pt x="60598" y="0"/>
-                  </a:lnTo>
-                  <a:cubicBezTo>
-                    <a:pt x="61993" y="0"/>
-                    <a:pt x="63388" y="1465"/>
-                    <a:pt x="64784" y="1465"/>
-                  </a:cubicBezTo>
-                  <a:lnTo>
-                    <a:pt x="64784" y="1465"/>
-                  </a:lnTo>
-                  <a:cubicBezTo>
-                    <a:pt x="85913" y="25130"/>
-                    <a:pt x="85913" y="25130"/>
-                    <a:pt x="85913" y="25130"/>
-                  </a:cubicBezTo>
-                  <a:cubicBezTo>
-                    <a:pt x="85913" y="19267"/>
-                    <a:pt x="85913" y="19267"/>
-                    <a:pt x="85913" y="19267"/>
-                  </a:cubicBezTo>
-                  <a:cubicBezTo>
-                    <a:pt x="85913" y="16335"/>
-                    <a:pt x="88903" y="13193"/>
-                    <a:pt x="91694" y="13193"/>
-                  </a:cubicBezTo>
-                  <a:cubicBezTo>
-                    <a:pt x="95880" y="13193"/>
-                    <a:pt x="97275" y="16335"/>
-                    <a:pt x="97275" y="19267"/>
-                  </a:cubicBezTo>
-                  <a:cubicBezTo>
-                    <a:pt x="97275" y="36858"/>
-                    <a:pt x="97275" y="36858"/>
-                    <a:pt x="97275" y="36858"/>
-                  </a:cubicBezTo>
-                  <a:cubicBezTo>
-                    <a:pt x="118405" y="59057"/>
-                    <a:pt x="118405" y="59057"/>
-                    <a:pt x="118405" y="59057"/>
-                  </a:cubicBezTo>
-                  <a:lnTo>
-                    <a:pt x="118405" y="59057"/>
-                  </a:lnTo>
-                  <a:cubicBezTo>
-                    <a:pt x="119800" y="60523"/>
-                    <a:pt x="119800" y="62198"/>
-                    <a:pt x="119800" y="63664"/>
-                  </a:cubicBezTo>
-                  <a:close/>
-                  <a:moveTo>
-                    <a:pt x="108438" y="72460"/>
-                  </a:moveTo>
-                  <a:lnTo>
-                    <a:pt x="108438" y="72460"/>
-                  </a:lnTo>
-                  <a:cubicBezTo>
-                    <a:pt x="108438" y="90261"/>
-                    <a:pt x="108438" y="90261"/>
-                    <a:pt x="108438" y="90261"/>
-                  </a:cubicBezTo>
-                  <a:cubicBezTo>
-                    <a:pt x="108438" y="99057"/>
-                    <a:pt x="108438" y="99057"/>
-                    <a:pt x="108438" y="99057"/>
-                  </a:cubicBezTo>
-                  <a:cubicBezTo>
-                    <a:pt x="108438" y="113926"/>
-                    <a:pt x="108438" y="113926"/>
-                    <a:pt x="108438" y="113926"/>
-                  </a:cubicBezTo>
-                  <a:cubicBezTo>
-                    <a:pt x="108438" y="118324"/>
-                    <a:pt x="107043" y="119790"/>
-                    <a:pt x="102857" y="119790"/>
-                  </a:cubicBezTo>
-                  <a:cubicBezTo>
-                    <a:pt x="91694" y="119790"/>
-                    <a:pt x="91694" y="119790"/>
-                    <a:pt x="91694" y="119790"/>
-                  </a:cubicBezTo>
-                  <a:cubicBezTo>
-                    <a:pt x="91694" y="72460"/>
-                    <a:pt x="91694" y="72460"/>
-                    <a:pt x="91694" y="72460"/>
-                  </a:cubicBezTo>
-                  <a:cubicBezTo>
-                    <a:pt x="69169" y="72460"/>
-                    <a:pt x="69169" y="72460"/>
-                    <a:pt x="69169" y="72460"/>
-                  </a:cubicBezTo>
-                  <a:cubicBezTo>
-                    <a:pt x="69169" y="119790"/>
-                    <a:pt x="69169" y="119790"/>
-                    <a:pt x="69169" y="119790"/>
-                  </a:cubicBezTo>
-                  <a:cubicBezTo>
-                    <a:pt x="16943" y="119790"/>
-                    <a:pt x="16943" y="119790"/>
-                    <a:pt x="16943" y="119790"/>
-                  </a:cubicBezTo>
-                  <a:cubicBezTo>
-                    <a:pt x="14152" y="119790"/>
-                    <a:pt x="11362" y="118324"/>
-                    <a:pt x="11362" y="113926"/>
-                  </a:cubicBezTo>
-                  <a:cubicBezTo>
-                    <a:pt x="11362" y="99057"/>
-                    <a:pt x="11362" y="99057"/>
-                    <a:pt x="11362" y="99057"/>
-                  </a:cubicBezTo>
-                  <a:cubicBezTo>
-                    <a:pt x="11362" y="90261"/>
-                    <a:pt x="11362" y="90261"/>
-                    <a:pt x="11362" y="90261"/>
-                  </a:cubicBezTo>
-                  <a:cubicBezTo>
-                    <a:pt x="11362" y="72460"/>
-                    <a:pt x="11362" y="72460"/>
-                    <a:pt x="11362" y="72460"/>
-                  </a:cubicBezTo>
-                  <a:cubicBezTo>
-                    <a:pt x="60598" y="22198"/>
-                    <a:pt x="60598" y="22198"/>
-                    <a:pt x="60598" y="22198"/>
-                  </a:cubicBezTo>
-                  <a:lnTo>
-                    <a:pt x="108438" y="72460"/>
-                  </a:lnTo>
-                  <a:close/>
-                  <a:moveTo>
-                    <a:pt x="50830" y="72460"/>
-                  </a:moveTo>
-                  <a:lnTo>
-                    <a:pt x="50830" y="72460"/>
-                  </a:lnTo>
-                  <a:cubicBezTo>
-                    <a:pt x="28305" y="72460"/>
-                    <a:pt x="28305" y="72460"/>
-                    <a:pt x="28305" y="72460"/>
-                  </a:cubicBezTo>
-                  <a:cubicBezTo>
-                    <a:pt x="28305" y="96125"/>
-                    <a:pt x="28305" y="96125"/>
-                    <a:pt x="28305" y="96125"/>
-                  </a:cubicBezTo>
-                  <a:cubicBezTo>
-                    <a:pt x="50830" y="96125"/>
-                    <a:pt x="50830" y="96125"/>
-                    <a:pt x="50830" y="96125"/>
-                  </a:cubicBezTo>
-                  <a:lnTo>
-                    <a:pt x="50830" y="72460"/>
-                  </a:lnTo>
-                  <a:close/>
-                </a:path>
-              </a:pathLst>
-            </a:custGeom>
-            <a:solidFill>
-              <a:schemeClr val="accent1"/>
-            </a:solidFill>
-            <a:ln>
-              <a:noFill/>
-            </a:ln>
-            <a:effectLst/>
-          </p:spPr>
-          <p:txBody>
-            <a:bodyPr wrap="square" lIns="91440" tIns="45720" rIns="91440" bIns="45720" anchor="ctr">
-              <a:normAutofit fontScale="25000" lnSpcReduction="20000"/>
-            </a:bodyPr>
-            <a:lstStyle/>
-            <a:p>
-              <a:pPr algn="ctr"/>
-              <a:endParaRPr/>
-            </a:p>
-          </p:txBody>
-        </p:sp>
-        <p:sp>
-          <p:nvSpPr>
-            <p:cNvPr id="30" name="ïśḻïḋè">
-              <a:extLst>
-                <a:ext uri="{FF2B5EF4-FFF2-40B4-BE49-F238E27FC236}">
-                  <a16:creationId xmlns:a16="http://schemas.microsoft.com/office/drawing/2014/main" id="{C2F4C207-CE47-42C2-8789-EB80CCE2C5E5}"/>
-                </a:ext>
-              </a:extLst>
-            </p:cNvPr>
-            <p:cNvSpPr/>
-            <p:nvPr/>
-          </p:nvSpPr>
-          <p:spPr>
-            <a:xfrm>
-              <a:off x="3757214" y="3458783"/>
-              <a:ext cx="217308" cy="190394"/>
-            </a:xfrm>
-            <a:custGeom>
-              <a:avLst/>
-              <a:gdLst/>
-              <a:ahLst/>
-              <a:cxnLst/>
-              <a:rect l="0" t="0" r="0" b="0"/>
-              <a:pathLst>
-                <a:path w="120000" h="120000" extrusionOk="0">
-                  <a:moveTo>
-                    <a:pt x="117009" y="65310"/>
-                  </a:moveTo>
-                  <a:lnTo>
-                    <a:pt x="117009" y="65310"/>
-                  </a:lnTo>
-                  <a:lnTo>
-                    <a:pt x="117009" y="65310"/>
-                  </a:lnTo>
-                  <a:cubicBezTo>
-                    <a:pt x="61993" y="91073"/>
-                    <a:pt x="61993" y="91073"/>
-                    <a:pt x="61993" y="91073"/>
-                  </a:cubicBezTo>
-                  <a:lnTo>
-                    <a:pt x="61993" y="91073"/>
-                  </a:lnTo>
-                  <a:lnTo>
-                    <a:pt x="61993" y="91073"/>
-                  </a:lnTo>
-                  <a:lnTo>
-                    <a:pt x="61993" y="91073"/>
-                  </a:lnTo>
-                  <a:cubicBezTo>
-                    <a:pt x="61993" y="92655"/>
-                    <a:pt x="60598" y="92655"/>
-                    <a:pt x="60598" y="92655"/>
-                  </a:cubicBezTo>
-                  <a:cubicBezTo>
-                    <a:pt x="59202" y="92655"/>
-                    <a:pt x="59202" y="92655"/>
-                    <a:pt x="57807" y="91073"/>
-                  </a:cubicBezTo>
-                  <a:lnTo>
-                    <a:pt x="57807" y="91073"/>
-                  </a:lnTo>
-                  <a:lnTo>
-                    <a:pt x="57807" y="91073"/>
-                  </a:lnTo>
-                  <a:lnTo>
-                    <a:pt x="57807" y="91073"/>
-                  </a:lnTo>
-                  <a:cubicBezTo>
-                    <a:pt x="2990" y="65310"/>
-                    <a:pt x="2990" y="65310"/>
-                    <a:pt x="2990" y="65310"/>
-                  </a:cubicBezTo>
-                  <a:lnTo>
-                    <a:pt x="2990" y="65310"/>
-                  </a:lnTo>
-                  <a:cubicBezTo>
-                    <a:pt x="1395" y="65310"/>
-                    <a:pt x="0" y="62146"/>
-                    <a:pt x="0" y="60564"/>
-                  </a:cubicBezTo>
-                  <a:cubicBezTo>
-                    <a:pt x="0" y="55819"/>
-                    <a:pt x="2990" y="54237"/>
-                    <a:pt x="5780" y="54237"/>
-                  </a:cubicBezTo>
-                  <a:cubicBezTo>
-                    <a:pt x="7176" y="54237"/>
-                    <a:pt x="7176" y="54237"/>
-                    <a:pt x="8571" y="54237"/>
-                  </a:cubicBezTo>
-                  <a:lnTo>
-                    <a:pt x="8571" y="54237"/>
-                  </a:lnTo>
-                  <a:lnTo>
-                    <a:pt x="8571" y="54237"/>
-                  </a:lnTo>
-                  <a:lnTo>
-                    <a:pt x="8571" y="54237"/>
-                  </a:lnTo>
-                  <a:cubicBezTo>
-                    <a:pt x="60598" y="78192"/>
-                    <a:pt x="60598" y="78192"/>
-                    <a:pt x="60598" y="78192"/>
-                  </a:cubicBezTo>
-                  <a:cubicBezTo>
-                    <a:pt x="112823" y="54237"/>
-                    <a:pt x="112823" y="54237"/>
-                    <a:pt x="112823" y="54237"/>
-                  </a:cubicBezTo>
-                  <a:lnTo>
-                    <a:pt x="112823" y="54237"/>
-                  </a:lnTo>
-                  <a:lnTo>
-                    <a:pt x="112823" y="54237"/>
-                  </a:lnTo>
-                  <a:lnTo>
-                    <a:pt x="112823" y="54237"/>
-                  </a:lnTo>
-                  <a:lnTo>
-                    <a:pt x="114219" y="54237"/>
-                  </a:lnTo>
-                  <a:cubicBezTo>
-                    <a:pt x="118405" y="54237"/>
-                    <a:pt x="119800" y="55819"/>
-                    <a:pt x="119800" y="60564"/>
-                  </a:cubicBezTo>
-                  <a:cubicBezTo>
-                    <a:pt x="119800" y="62146"/>
-                    <a:pt x="118405" y="65310"/>
-                    <a:pt x="117009" y="65310"/>
-                  </a:cubicBezTo>
-                  <a:close/>
-                  <a:moveTo>
-                    <a:pt x="117009" y="38192"/>
-                  </a:moveTo>
-                  <a:lnTo>
-                    <a:pt x="117009" y="38192"/>
-                  </a:lnTo>
-                  <a:lnTo>
-                    <a:pt x="117009" y="38192"/>
-                  </a:lnTo>
-                  <a:cubicBezTo>
-                    <a:pt x="61993" y="63728"/>
-                    <a:pt x="61993" y="63728"/>
-                    <a:pt x="61993" y="63728"/>
-                  </a:cubicBezTo>
-                  <a:lnTo>
-                    <a:pt x="61993" y="63728"/>
-                  </a:lnTo>
-                  <a:lnTo>
-                    <a:pt x="61993" y="63728"/>
-                  </a:lnTo>
-                  <a:lnTo>
-                    <a:pt x="61993" y="63728"/>
-                  </a:lnTo>
-                  <a:lnTo>
-                    <a:pt x="60598" y="63728"/>
-                  </a:lnTo>
-                  <a:cubicBezTo>
-                    <a:pt x="59202" y="63728"/>
-                    <a:pt x="59202" y="63728"/>
-                    <a:pt x="57807" y="63728"/>
-                  </a:cubicBezTo>
-                  <a:lnTo>
-                    <a:pt x="57807" y="63728"/>
-                  </a:lnTo>
-                  <a:lnTo>
-                    <a:pt x="57807" y="63728"/>
-                  </a:lnTo>
-                  <a:lnTo>
-                    <a:pt x="57807" y="63728"/>
-                  </a:lnTo>
-                  <a:cubicBezTo>
-                    <a:pt x="2990" y="38192"/>
-                    <a:pt x="2990" y="38192"/>
-                    <a:pt x="2990" y="38192"/>
-                  </a:cubicBezTo>
-                  <a:lnTo>
-                    <a:pt x="2990" y="38192"/>
-                  </a:lnTo>
-                  <a:cubicBezTo>
-                    <a:pt x="1395" y="36610"/>
-                    <a:pt x="0" y="35028"/>
-                    <a:pt x="0" y="31864"/>
-                  </a:cubicBezTo>
-                  <a:cubicBezTo>
-                    <a:pt x="0" y="30282"/>
-                    <a:pt x="1395" y="27118"/>
-                    <a:pt x="2990" y="27118"/>
-                  </a:cubicBezTo>
-                  <a:lnTo>
-                    <a:pt x="2990" y="27118"/>
-                  </a:lnTo>
-                  <a:cubicBezTo>
-                    <a:pt x="57807" y="1581"/>
-                    <a:pt x="57807" y="1581"/>
-                    <a:pt x="57807" y="1581"/>
-                  </a:cubicBezTo>
-                  <a:lnTo>
-                    <a:pt x="57807" y="1581"/>
-                  </a:lnTo>
-                  <a:lnTo>
-                    <a:pt x="57807" y="1581"/>
-                  </a:lnTo>
-                  <a:lnTo>
-                    <a:pt x="57807" y="1581"/>
-                  </a:lnTo>
-                  <a:cubicBezTo>
-                    <a:pt x="59202" y="0"/>
-                    <a:pt x="59202" y="0"/>
-                    <a:pt x="60598" y="0"/>
-                  </a:cubicBezTo>
-                  <a:cubicBezTo>
-                    <a:pt x="60598" y="0"/>
-                    <a:pt x="61993" y="0"/>
-                    <a:pt x="61993" y="1581"/>
-                  </a:cubicBezTo>
-                  <a:lnTo>
-                    <a:pt x="61993" y="1581"/>
-                  </a:lnTo>
-                  <a:lnTo>
-                    <a:pt x="61993" y="1581"/>
-                  </a:lnTo>
-                  <a:lnTo>
-                    <a:pt x="61993" y="1581"/>
-                  </a:lnTo>
-                  <a:cubicBezTo>
-                    <a:pt x="117009" y="27118"/>
-                    <a:pt x="117009" y="27118"/>
-                    <a:pt x="117009" y="27118"/>
-                  </a:cubicBezTo>
-                  <a:lnTo>
-                    <a:pt x="117009" y="27118"/>
-                  </a:lnTo>
-                  <a:cubicBezTo>
-                    <a:pt x="118405" y="27118"/>
-                    <a:pt x="119800" y="30282"/>
-                    <a:pt x="119800" y="31864"/>
-                  </a:cubicBezTo>
-                  <a:cubicBezTo>
-                    <a:pt x="119800" y="35028"/>
-                    <a:pt x="118405" y="36610"/>
-                    <a:pt x="117009" y="38192"/>
-                  </a:cubicBezTo>
-                  <a:close/>
-                  <a:moveTo>
-                    <a:pt x="5780" y="81355"/>
-                  </a:moveTo>
-                  <a:lnTo>
-                    <a:pt x="5780" y="81355"/>
-                  </a:lnTo>
-                  <a:cubicBezTo>
-                    <a:pt x="7176" y="81355"/>
-                    <a:pt x="7176" y="81355"/>
-                    <a:pt x="8571" y="81355"/>
-                  </a:cubicBezTo>
-                  <a:lnTo>
-                    <a:pt x="8571" y="81355"/>
-                  </a:lnTo>
-                  <a:lnTo>
-                    <a:pt x="8571" y="81355"/>
-                  </a:lnTo>
-                  <a:lnTo>
-                    <a:pt x="8571" y="81355"/>
-                  </a:lnTo>
-                  <a:cubicBezTo>
-                    <a:pt x="60598" y="106892"/>
-                    <a:pt x="60598" y="106892"/>
-                    <a:pt x="60598" y="106892"/>
-                  </a:cubicBezTo>
-                  <a:cubicBezTo>
-                    <a:pt x="112823" y="81355"/>
-                    <a:pt x="112823" y="81355"/>
-                    <a:pt x="112823" y="81355"/>
-                  </a:cubicBezTo>
-                  <a:lnTo>
-                    <a:pt x="112823" y="81355"/>
-                  </a:lnTo>
-                  <a:lnTo>
-                    <a:pt x="112823" y="81355"/>
-                  </a:lnTo>
-                  <a:lnTo>
-                    <a:pt x="112823" y="81355"/>
-                  </a:lnTo>
-                  <a:lnTo>
-                    <a:pt x="114219" y="81355"/>
-                  </a:lnTo>
-                  <a:cubicBezTo>
-                    <a:pt x="118405" y="81355"/>
-                    <a:pt x="119800" y="84519"/>
-                    <a:pt x="119800" y="87683"/>
-                  </a:cubicBezTo>
-                  <a:cubicBezTo>
-                    <a:pt x="119800" y="91073"/>
-                    <a:pt x="118405" y="92655"/>
-                    <a:pt x="117009" y="94237"/>
-                  </a:cubicBezTo>
-                  <a:lnTo>
-                    <a:pt x="117009" y="94237"/>
-                  </a:lnTo>
-                  <a:cubicBezTo>
-                    <a:pt x="61993" y="119774"/>
-                    <a:pt x="61993" y="119774"/>
-                    <a:pt x="61993" y="119774"/>
-                  </a:cubicBezTo>
-                  <a:lnTo>
-                    <a:pt x="61993" y="119774"/>
-                  </a:lnTo>
-                  <a:lnTo>
-                    <a:pt x="61993" y="119774"/>
-                  </a:lnTo>
-                  <a:lnTo>
-                    <a:pt x="61993" y="119774"/>
-                  </a:lnTo>
-                  <a:lnTo>
-                    <a:pt x="60598" y="119774"/>
-                  </a:lnTo>
-                  <a:cubicBezTo>
-                    <a:pt x="59202" y="119774"/>
-                    <a:pt x="59202" y="119774"/>
-                    <a:pt x="57807" y="119774"/>
-                  </a:cubicBezTo>
-                  <a:lnTo>
-                    <a:pt x="57807" y="119774"/>
-                  </a:lnTo>
-                  <a:lnTo>
-                    <a:pt x="57807" y="119774"/>
-                  </a:lnTo>
-                  <a:lnTo>
-                    <a:pt x="57807" y="119774"/>
-                  </a:lnTo>
-                  <a:cubicBezTo>
-                    <a:pt x="2990" y="94237"/>
-                    <a:pt x="2990" y="94237"/>
-                    <a:pt x="2990" y="94237"/>
-                  </a:cubicBezTo>
-                  <a:lnTo>
-                    <a:pt x="2990" y="94237"/>
-                  </a:lnTo>
-                  <a:cubicBezTo>
-                    <a:pt x="1395" y="92655"/>
-                    <a:pt x="0" y="91073"/>
-                    <a:pt x="0" y="87683"/>
-                  </a:cubicBezTo>
-                  <a:cubicBezTo>
-                    <a:pt x="0" y="84519"/>
-                    <a:pt x="2990" y="81355"/>
-                    <a:pt x="5780" y="81355"/>
-                  </a:cubicBezTo>
-                  <a:close/>
-                </a:path>
-              </a:pathLst>
-            </a:custGeom>
-            <a:solidFill>
-              <a:schemeClr val="accent1"/>
-            </a:solidFill>
-            <a:ln>
-              <a:noFill/>
-            </a:ln>
-            <a:effectLst/>
-          </p:spPr>
-          <p:txBody>
-            <a:bodyPr wrap="square" lIns="91440" tIns="45720" rIns="91440" bIns="45720" anchor="ctr">
-              <a:normAutofit fontScale="25000" lnSpcReduction="20000"/>
-            </a:bodyPr>
-            <a:lstStyle/>
-            <a:p>
-              <a:pPr algn="ctr"/>
-              <a:endParaRPr/>
-            </a:p>
-          </p:txBody>
-        </p:sp>
-        <p:sp>
-          <p:nvSpPr>
-            <p:cNvPr id="31" name="iş1îḓê">
-              <a:extLst>
-                <a:ext uri="{FF2B5EF4-FFF2-40B4-BE49-F238E27FC236}">
-                  <a16:creationId xmlns:a16="http://schemas.microsoft.com/office/drawing/2014/main" id="{1E9101B2-78BC-4333-9836-0E0F8C9248D0}"/>
-                </a:ext>
-              </a:extLst>
-            </p:cNvPr>
-            <p:cNvSpPr/>
-            <p:nvPr/>
-          </p:nvSpPr>
-          <p:spPr>
-            <a:xfrm>
-              <a:off x="3777833" y="4699789"/>
-              <a:ext cx="176066" cy="215776"/>
-            </a:xfrm>
-            <a:custGeom>
-              <a:avLst/>
-              <a:gdLst/>
-              <a:ahLst/>
-              <a:cxnLst/>
-              <a:rect l="0" t="0" r="0" b="0"/>
-              <a:pathLst>
-                <a:path w="120000" h="120000" extrusionOk="0">
-                  <a:moveTo>
-                    <a:pt x="112868" y="119800"/>
-                  </a:moveTo>
-                  <a:lnTo>
-                    <a:pt x="112868" y="119800"/>
-                  </a:lnTo>
-                  <a:cubicBezTo>
-                    <a:pt x="6885" y="119800"/>
-                    <a:pt x="6885" y="119800"/>
-                    <a:pt x="6885" y="119800"/>
-                  </a:cubicBezTo>
-                  <a:cubicBezTo>
-                    <a:pt x="1721" y="119800"/>
-                    <a:pt x="0" y="117004"/>
-                    <a:pt x="0" y="114209"/>
-                  </a:cubicBezTo>
-                  <a:cubicBezTo>
-                    <a:pt x="0" y="64891"/>
-                    <a:pt x="0" y="64891"/>
-                    <a:pt x="0" y="64891"/>
-                  </a:cubicBezTo>
-                  <a:cubicBezTo>
-                    <a:pt x="0" y="62096"/>
-                    <a:pt x="1721" y="59101"/>
-                    <a:pt x="6885" y="59101"/>
-                  </a:cubicBezTo>
-                  <a:cubicBezTo>
-                    <a:pt x="17213" y="59101"/>
-                    <a:pt x="17213" y="59101"/>
-                    <a:pt x="17213" y="59101"/>
-                  </a:cubicBezTo>
-                  <a:cubicBezTo>
-                    <a:pt x="17213" y="33743"/>
-                    <a:pt x="17213" y="33743"/>
-                    <a:pt x="17213" y="33743"/>
-                  </a:cubicBezTo>
-                  <a:cubicBezTo>
-                    <a:pt x="17213" y="13976"/>
-                    <a:pt x="36393" y="0"/>
-                    <a:pt x="59016" y="0"/>
-                  </a:cubicBezTo>
-                  <a:cubicBezTo>
-                    <a:pt x="83360" y="0"/>
-                    <a:pt x="100573" y="13976"/>
-                    <a:pt x="100573" y="33743"/>
-                  </a:cubicBezTo>
-                  <a:cubicBezTo>
-                    <a:pt x="100573" y="36539"/>
-                    <a:pt x="98852" y="39534"/>
-                    <a:pt x="93688" y="39534"/>
-                  </a:cubicBezTo>
-                  <a:cubicBezTo>
-                    <a:pt x="90245" y="39534"/>
-                    <a:pt x="86803" y="36539"/>
-                    <a:pt x="86803" y="33743"/>
-                  </a:cubicBezTo>
-                  <a:cubicBezTo>
-                    <a:pt x="86803" y="21164"/>
-                    <a:pt x="74754" y="11181"/>
-                    <a:pt x="59016" y="11181"/>
-                  </a:cubicBezTo>
-                  <a:cubicBezTo>
-                    <a:pt x="43278" y="11181"/>
-                    <a:pt x="31229" y="21164"/>
-                    <a:pt x="31229" y="33743"/>
-                  </a:cubicBezTo>
-                  <a:cubicBezTo>
-                    <a:pt x="31229" y="59101"/>
-                    <a:pt x="31229" y="59101"/>
-                    <a:pt x="31229" y="59101"/>
-                  </a:cubicBezTo>
-                  <a:cubicBezTo>
-                    <a:pt x="86803" y="59101"/>
-                    <a:pt x="86803" y="59101"/>
-                    <a:pt x="86803" y="59101"/>
-                  </a:cubicBezTo>
-                  <a:cubicBezTo>
-                    <a:pt x="100573" y="59101"/>
-                    <a:pt x="100573" y="59101"/>
-                    <a:pt x="100573" y="59101"/>
-                  </a:cubicBezTo>
-                  <a:cubicBezTo>
-                    <a:pt x="112868" y="59101"/>
-                    <a:pt x="112868" y="59101"/>
-                    <a:pt x="112868" y="59101"/>
-                  </a:cubicBezTo>
-                  <a:cubicBezTo>
-                    <a:pt x="116311" y="59101"/>
-                    <a:pt x="119754" y="62096"/>
-                    <a:pt x="119754" y="64891"/>
-                  </a:cubicBezTo>
-                  <a:cubicBezTo>
-                    <a:pt x="119754" y="114209"/>
-                    <a:pt x="119754" y="114209"/>
-                    <a:pt x="119754" y="114209"/>
-                  </a:cubicBezTo>
-                  <a:cubicBezTo>
-                    <a:pt x="119754" y="117004"/>
-                    <a:pt x="116311" y="119800"/>
-                    <a:pt x="112868" y="119800"/>
-                  </a:cubicBezTo>
-                  <a:close/>
-                  <a:moveTo>
-                    <a:pt x="59016" y="70482"/>
-                  </a:moveTo>
-                  <a:lnTo>
-                    <a:pt x="59016" y="70482"/>
-                  </a:lnTo>
-                  <a:cubicBezTo>
-                    <a:pt x="52131" y="70482"/>
-                    <a:pt x="45000" y="76073"/>
-                    <a:pt x="45000" y="81863"/>
-                  </a:cubicBezTo>
-                  <a:cubicBezTo>
-                    <a:pt x="45000" y="86056"/>
-                    <a:pt x="48688" y="90249"/>
-                    <a:pt x="52131" y="91647"/>
-                  </a:cubicBezTo>
-                  <a:cubicBezTo>
-                    <a:pt x="52131" y="103028"/>
-                    <a:pt x="52131" y="103028"/>
-                    <a:pt x="52131" y="103028"/>
-                  </a:cubicBezTo>
-                  <a:cubicBezTo>
-                    <a:pt x="52131" y="105823"/>
-                    <a:pt x="55573" y="108618"/>
-                    <a:pt x="59016" y="108618"/>
-                  </a:cubicBezTo>
-                  <a:cubicBezTo>
-                    <a:pt x="64180" y="108618"/>
-                    <a:pt x="65901" y="105823"/>
-                    <a:pt x="65901" y="103028"/>
-                  </a:cubicBezTo>
-                  <a:cubicBezTo>
-                    <a:pt x="65901" y="91647"/>
-                    <a:pt x="65901" y="91647"/>
-                    <a:pt x="65901" y="91647"/>
-                  </a:cubicBezTo>
-                  <a:cubicBezTo>
-                    <a:pt x="71065" y="90249"/>
-                    <a:pt x="72786" y="86056"/>
-                    <a:pt x="72786" y="81863"/>
-                  </a:cubicBezTo>
-                  <a:cubicBezTo>
-                    <a:pt x="72786" y="76073"/>
-                    <a:pt x="67622" y="70482"/>
-                    <a:pt x="59016" y="70482"/>
-                  </a:cubicBezTo>
-                  <a:close/>
-                </a:path>
-              </a:pathLst>
-            </a:custGeom>
-            <a:solidFill>
-              <a:schemeClr val="accent1"/>
-            </a:solidFill>
-            <a:ln>
-              <a:noFill/>
-            </a:ln>
-            <a:effectLst/>
-          </p:spPr>
-          <p:txBody>
-            <a:bodyPr wrap="square" lIns="91440" tIns="45720" rIns="91440" bIns="45720" anchor="ctr">
-              <a:normAutofit fontScale="25000" lnSpcReduction="20000"/>
-            </a:bodyPr>
-            <a:lstStyle/>
-            <a:p>
-              <a:pPr algn="ctr"/>
-              <a:endParaRPr/>
-            </a:p>
-          </p:txBody>
-        </p:sp>
-        <p:sp>
-          <p:nvSpPr>
-            <p:cNvPr id="32" name="î$1iḓé">
-              <a:extLst>
-                <a:ext uri="{FF2B5EF4-FFF2-40B4-BE49-F238E27FC236}">
-                  <a16:creationId xmlns:a16="http://schemas.microsoft.com/office/drawing/2014/main" id="{44BEB40B-9E58-493B-B078-D2F35CE795CC}"/>
-                </a:ext>
-              </a:extLst>
-            </p:cNvPr>
-            <p:cNvSpPr/>
-            <p:nvPr/>
-          </p:nvSpPr>
-          <p:spPr>
-            <a:xfrm>
-              <a:off x="8564637" y="3438779"/>
-              <a:ext cx="2941922" cy="523971"/>
-            </a:xfrm>
-            <a:prstGeom prst="rect">
-              <a:avLst/>
-            </a:prstGeom>
-            <a:noFill/>
-            <a:ln>
-              <a:noFill/>
-            </a:ln>
-          </p:spPr>
-          <p:txBody>
-            <a:bodyPr wrap="square" lIns="91440" tIns="45720" rIns="91440" bIns="45720" anchor="t" anchorCtr="0">
-              <a:normAutofit/>
-            </a:bodyPr>
-            <a:lstStyle/>
-            <a:p>
-              <a:pPr>
-                <a:lnSpc>
-                  <a:spcPct val="120000"/>
-                </a:lnSpc>
-              </a:pPr>
-              <a:r>
-                <a:rPr lang="zh-CN" altLang="en-US" sz="1100" dirty="0"/>
-                <a:t>必须在一个没有的事务中执行</a:t>
-              </a:r>
-              <a:r>
-                <a:rPr lang="en-US" altLang="zh-CN" sz="1100" dirty="0"/>
-                <a:t>,</a:t>
-              </a:r>
-              <a:r>
-                <a:rPr lang="zh-CN" altLang="en-US" sz="1100" dirty="0"/>
-                <a:t>否则抛出异常</a:t>
-              </a:r>
-              <a:r>
-                <a:rPr lang="en-US" altLang="zh-CN" sz="1100" dirty="0"/>
-                <a:t>(</a:t>
-              </a:r>
-              <a:r>
-                <a:rPr lang="zh-CN" altLang="en-US" sz="1100" dirty="0"/>
-                <a:t>与</a:t>
-              </a:r>
-              <a:r>
-                <a:rPr lang="en-US" altLang="zh-CN" sz="1100" dirty="0" err="1"/>
-                <a:t>Propagation.MANDATORY</a:t>
-              </a:r>
-              <a:r>
-                <a:rPr lang="zh-CN" altLang="en-US" sz="1100" dirty="0"/>
-                <a:t>相反</a:t>
-              </a:r>
-              <a:r>
-                <a:rPr lang="en-US" altLang="zh-CN" sz="1100" dirty="0"/>
-                <a:t>)</a:t>
-              </a:r>
-            </a:p>
-          </p:txBody>
-        </p:sp>
-        <p:sp>
-          <p:nvSpPr>
-            <p:cNvPr id="33" name="iśḻiďé">
-              <a:extLst>
-                <a:ext uri="{FF2B5EF4-FFF2-40B4-BE49-F238E27FC236}">
-                  <a16:creationId xmlns:a16="http://schemas.microsoft.com/office/drawing/2014/main" id="{928EF014-E066-4886-99B1-07D85E5F0338}"/>
-                </a:ext>
-              </a:extLst>
-            </p:cNvPr>
-            <p:cNvSpPr/>
-            <p:nvPr/>
-          </p:nvSpPr>
-          <p:spPr>
-            <a:xfrm>
-              <a:off x="8564637" y="3036123"/>
-              <a:ext cx="2941922" cy="392877"/>
-            </a:xfrm>
-            <a:prstGeom prst="rect">
-              <a:avLst/>
-            </a:prstGeom>
-            <a:noFill/>
-            <a:ln>
-              <a:noFill/>
-            </a:ln>
-          </p:spPr>
-          <p:txBody>
-            <a:bodyPr wrap="square" lIns="91440" tIns="45720" rIns="91440" bIns="45720" anchor="ctr" anchorCtr="0">
-              <a:normAutofit/>
-            </a:bodyPr>
-            <a:lstStyle/>
-            <a:p>
-              <a:pPr>
-                <a:spcBef>
-                  <a:spcPct val="0"/>
-                </a:spcBef>
-              </a:pPr>
-              <a:r>
-                <a:rPr lang="en-US" altLang="zh-CN" sz="1600" b="1" dirty="0"/>
-                <a:t>NEVER</a:t>
-              </a:r>
-            </a:p>
-          </p:txBody>
-        </p:sp>
-        <p:sp>
-          <p:nvSpPr>
-            <p:cNvPr id="34" name="îṥļîde">
-              <a:extLst>
-                <a:ext uri="{FF2B5EF4-FFF2-40B4-BE49-F238E27FC236}">
-                  <a16:creationId xmlns:a16="http://schemas.microsoft.com/office/drawing/2014/main" id="{95F7E21A-57A3-4089-940D-5FC1B930A4BA}"/>
-                </a:ext>
-              </a:extLst>
-            </p:cNvPr>
-            <p:cNvSpPr/>
-            <p:nvPr/>
-          </p:nvSpPr>
-          <p:spPr>
-            <a:xfrm>
-              <a:off x="8564637" y="4721958"/>
-              <a:ext cx="2941922" cy="523971"/>
-            </a:xfrm>
-            <a:prstGeom prst="rect">
-              <a:avLst/>
-            </a:prstGeom>
-            <a:noFill/>
-            <a:ln>
-              <a:noFill/>
-            </a:ln>
-          </p:spPr>
-          <p:txBody>
-            <a:bodyPr wrap="square" lIns="91440" tIns="45720" rIns="91440" bIns="45720" anchor="t" anchorCtr="0">
-              <a:noAutofit/>
-            </a:bodyPr>
-            <a:lstStyle/>
-            <a:p>
-              <a:pPr>
-                <a:lnSpc>
-                  <a:spcPct val="120000"/>
-                </a:lnSpc>
-              </a:pPr>
-              <a:r>
-                <a:rPr lang="zh-CN" altLang="en-US" sz="1100" dirty="0"/>
-                <a:t>如果其他</a:t>
-              </a:r>
-              <a:r>
-                <a:rPr lang="en-US" altLang="zh-CN" sz="1100" dirty="0"/>
-                <a:t>bean</a:t>
-              </a:r>
-              <a:r>
-                <a:rPr lang="zh-CN" altLang="en-US" sz="1100" dirty="0"/>
-                <a:t>调用这个方法</a:t>
-              </a:r>
-              <a:r>
-                <a:rPr lang="en-US" altLang="zh-CN" sz="1100" dirty="0"/>
-                <a:t>,</a:t>
-              </a:r>
-              <a:r>
-                <a:rPr lang="zh-CN" altLang="en-US" sz="1100" dirty="0"/>
-                <a:t>在其他</a:t>
-              </a:r>
-              <a:r>
-                <a:rPr lang="en-US" altLang="zh-CN" sz="1100" dirty="0"/>
-                <a:t>bean</a:t>
-              </a:r>
-              <a:r>
-                <a:rPr lang="zh-CN" altLang="en-US" sz="1100" dirty="0"/>
-                <a:t>中声明事务</a:t>
-              </a:r>
-              <a:r>
-                <a:rPr lang="en-US" altLang="zh-CN" sz="1100" dirty="0"/>
-                <a:t>,</a:t>
-              </a:r>
-              <a:r>
-                <a:rPr lang="zh-CN" altLang="en-US" sz="1100" dirty="0"/>
-                <a:t>那就用事务</a:t>
-              </a:r>
-              <a:r>
-                <a:rPr lang="en-US" altLang="zh-CN" sz="1100" dirty="0"/>
-                <a:t>.</a:t>
-              </a:r>
-              <a:r>
-                <a:rPr lang="zh-CN" altLang="en-US" sz="1100" dirty="0"/>
-                <a:t>如果其他</a:t>
-              </a:r>
-              <a:r>
-                <a:rPr lang="en-US" altLang="zh-CN" sz="1100" dirty="0"/>
-                <a:t>bean</a:t>
-              </a:r>
-              <a:r>
-                <a:rPr lang="zh-CN" altLang="en-US" sz="1100" dirty="0"/>
-                <a:t>没有声明事务</a:t>
-              </a:r>
-              <a:r>
-                <a:rPr lang="en-US" altLang="zh-CN" sz="1100" dirty="0"/>
-                <a:t>,</a:t>
-              </a:r>
-              <a:r>
-                <a:rPr lang="zh-CN" altLang="en-US" sz="1100" dirty="0"/>
-                <a:t>那就不用事务</a:t>
-              </a:r>
-              <a:r>
-                <a:rPr lang="en-US" altLang="zh-CN" sz="1100" dirty="0"/>
-                <a:t>.</a:t>
-              </a:r>
-            </a:p>
-          </p:txBody>
-        </p:sp>
-        <p:sp>
-          <p:nvSpPr>
-            <p:cNvPr id="35" name="iśḻíde">
-              <a:extLst>
-                <a:ext uri="{FF2B5EF4-FFF2-40B4-BE49-F238E27FC236}">
-                  <a16:creationId xmlns:a16="http://schemas.microsoft.com/office/drawing/2014/main" id="{151C4F92-E317-450D-B356-E9DB1E8BE769}"/>
-                </a:ext>
-              </a:extLst>
-            </p:cNvPr>
-            <p:cNvSpPr/>
-            <p:nvPr/>
-          </p:nvSpPr>
-          <p:spPr>
-            <a:xfrm>
-              <a:off x="8564637" y="4306856"/>
-              <a:ext cx="2941922" cy="415102"/>
-            </a:xfrm>
-            <a:prstGeom prst="rect">
-              <a:avLst/>
-            </a:prstGeom>
-            <a:noFill/>
-            <a:ln>
-              <a:noFill/>
-            </a:ln>
-          </p:spPr>
-          <p:txBody>
-            <a:bodyPr wrap="square" lIns="91440" tIns="45720" rIns="91440" bIns="45720" anchor="ctr" anchorCtr="0">
-              <a:normAutofit/>
-            </a:bodyPr>
-            <a:lstStyle/>
-            <a:p>
-              <a:pPr>
-                <a:spcBef>
-                  <a:spcPct val="0"/>
-                </a:spcBef>
-              </a:pPr>
-              <a:r>
-                <a:rPr lang="en-US" altLang="zh-CN" sz="1600" b="1" dirty="0"/>
-                <a:t>SUPPORTS</a:t>
-              </a:r>
-            </a:p>
-          </p:txBody>
-        </p:sp>
-        <p:sp>
-          <p:nvSpPr>
-            <p:cNvPr id="36" name="ïṩ1iďé">
-              <a:extLst>
-                <a:ext uri="{FF2B5EF4-FFF2-40B4-BE49-F238E27FC236}">
-                  <a16:creationId xmlns:a16="http://schemas.microsoft.com/office/drawing/2014/main" id="{01CAE35F-CBE2-492E-8E84-96DEB183CABA}"/>
-                </a:ext>
-              </a:extLst>
-            </p:cNvPr>
-            <p:cNvSpPr/>
-            <p:nvPr/>
-          </p:nvSpPr>
-          <p:spPr>
-            <a:xfrm>
-              <a:off x="8564637" y="2268259"/>
-              <a:ext cx="2941922" cy="523971"/>
-            </a:xfrm>
-            <a:prstGeom prst="rect">
-              <a:avLst/>
-            </a:prstGeom>
-            <a:noFill/>
-            <a:ln>
-              <a:noFill/>
-            </a:ln>
-          </p:spPr>
-          <p:txBody>
-            <a:bodyPr wrap="square" lIns="91440" tIns="45720" rIns="91440" bIns="45720" anchor="t" anchorCtr="0">
-              <a:normAutofit/>
-            </a:bodyPr>
-            <a:lstStyle/>
-            <a:p>
-              <a:pPr>
-                <a:lnSpc>
-                  <a:spcPct val="140000"/>
-                </a:lnSpc>
-              </a:pPr>
-              <a:r>
-                <a:rPr lang="zh-CN" altLang="en-US" sz="1100" dirty="0"/>
-                <a:t>必须在一个已有的事务中执行</a:t>
-              </a:r>
-              <a:r>
-                <a:rPr lang="en-US" altLang="zh-CN" sz="1100" dirty="0"/>
-                <a:t>,</a:t>
-              </a:r>
-              <a:r>
-                <a:rPr lang="zh-CN" altLang="en-US" sz="1100" dirty="0"/>
-                <a:t>否则抛出异常</a:t>
-              </a:r>
-              <a:endParaRPr lang="en-US" altLang="zh-CN" sz="1100" dirty="0"/>
-            </a:p>
-          </p:txBody>
-        </p:sp>
-        <p:sp>
-          <p:nvSpPr>
-            <p:cNvPr id="37" name="iś1ïde">
-              <a:extLst>
-                <a:ext uri="{FF2B5EF4-FFF2-40B4-BE49-F238E27FC236}">
-                  <a16:creationId xmlns:a16="http://schemas.microsoft.com/office/drawing/2014/main" id="{111B2390-7DED-4718-B56C-E5BAFE750375}"/>
-                </a:ext>
-              </a:extLst>
-            </p:cNvPr>
-            <p:cNvSpPr/>
-            <p:nvPr/>
-          </p:nvSpPr>
-          <p:spPr>
-            <a:xfrm>
-              <a:off x="8564637" y="1862512"/>
-              <a:ext cx="2941922" cy="405747"/>
-            </a:xfrm>
-            <a:prstGeom prst="rect">
-              <a:avLst/>
-            </a:prstGeom>
-            <a:noFill/>
-            <a:ln>
-              <a:noFill/>
-            </a:ln>
-          </p:spPr>
-          <p:txBody>
-            <a:bodyPr wrap="square" lIns="91440" tIns="45720" rIns="91440" bIns="45720" anchor="ctr" anchorCtr="0">
-              <a:normAutofit/>
-            </a:bodyPr>
-            <a:lstStyle/>
-            <a:p>
-              <a:pPr>
-                <a:spcBef>
-                  <a:spcPct val="0"/>
-                </a:spcBef>
-              </a:pPr>
-              <a:r>
-                <a:rPr lang="en-US" altLang="zh-CN" sz="1600" b="1" dirty="0"/>
-                <a:t>MANDATORY</a:t>
-              </a:r>
-            </a:p>
-          </p:txBody>
-        </p:sp>
-        <p:sp>
-          <p:nvSpPr>
-            <p:cNvPr id="38" name="íṥļîḋe">
-              <a:extLst>
-                <a:ext uri="{FF2B5EF4-FFF2-40B4-BE49-F238E27FC236}">
-                  <a16:creationId xmlns:a16="http://schemas.microsoft.com/office/drawing/2014/main" id="{7F752C24-8C51-4C08-8ECC-CD41D5A77D41}"/>
-                </a:ext>
-              </a:extLst>
-            </p:cNvPr>
-            <p:cNvSpPr/>
-            <p:nvPr/>
-          </p:nvSpPr>
-          <p:spPr>
-            <a:xfrm>
-              <a:off x="7986534" y="2140262"/>
-              <a:ext cx="522466" cy="522466"/>
-            </a:xfrm>
-            <a:prstGeom prst="ellipse">
-              <a:avLst/>
-            </a:prstGeom>
-            <a:noFill/>
-            <a:ln>
-              <a:solidFill>
-                <a:schemeClr val="bg1">
-                  <a:lumMod val="50000"/>
-                </a:schemeClr>
-              </a:solidFill>
-            </a:ln>
-            <a:effectLst/>
-          </p:spPr>
-          <p:style>
-            <a:lnRef idx="2">
-              <a:schemeClr val="accent1">
-                <a:shade val="50000"/>
-              </a:schemeClr>
-            </a:lnRef>
-            <a:fillRef idx="1">
-              <a:schemeClr val="accent1"/>
-            </a:fillRef>
-            <a:effectRef idx="0">
-              <a:schemeClr val="accent1"/>
-            </a:effectRef>
-            <a:fontRef idx="minor">
-              <a:schemeClr val="lt1"/>
-            </a:fontRef>
-          </p:style>
-          <p:txBody>
-            <a:bodyPr wrap="square" lIns="91440" tIns="45720" rIns="91440" bIns="45720" anchor="ctr">
-              <a:normAutofit/>
-            </a:bodyPr>
-            <a:lstStyle/>
-            <a:p>
-              <a:pPr algn="ctr"/>
-              <a:endParaRPr/>
-            </a:p>
-          </p:txBody>
-        </p:sp>
-        <p:sp>
-          <p:nvSpPr>
-            <p:cNvPr id="39" name="íṧľíḋé">
-              <a:extLst>
-                <a:ext uri="{FF2B5EF4-FFF2-40B4-BE49-F238E27FC236}">
-                  <a16:creationId xmlns:a16="http://schemas.microsoft.com/office/drawing/2014/main" id="{786EDD44-3F56-4ADA-8F2A-027C3C47A80E}"/>
-                </a:ext>
-              </a:extLst>
-            </p:cNvPr>
-            <p:cNvSpPr/>
-            <p:nvPr/>
-          </p:nvSpPr>
-          <p:spPr>
-            <a:xfrm>
-              <a:off x="7986534" y="4546442"/>
-              <a:ext cx="522466" cy="522466"/>
-            </a:xfrm>
-            <a:prstGeom prst="ellipse">
-              <a:avLst/>
-            </a:prstGeom>
-            <a:noFill/>
-            <a:ln>
-              <a:solidFill>
-                <a:schemeClr val="bg1">
-                  <a:lumMod val="50000"/>
-                </a:schemeClr>
-              </a:solidFill>
-            </a:ln>
-            <a:effectLst/>
-          </p:spPr>
-          <p:style>
-            <a:lnRef idx="2">
-              <a:schemeClr val="accent1">
-                <a:shade val="50000"/>
-              </a:schemeClr>
-            </a:lnRef>
-            <a:fillRef idx="1">
-              <a:schemeClr val="accent1"/>
-            </a:fillRef>
-            <a:effectRef idx="0">
-              <a:schemeClr val="accent1"/>
-            </a:effectRef>
-            <a:fontRef idx="minor">
-              <a:schemeClr val="lt1"/>
-            </a:fontRef>
-          </p:style>
-          <p:txBody>
-            <a:bodyPr wrap="square" lIns="91440" tIns="45720" rIns="91440" bIns="45720" anchor="ctr">
-              <a:normAutofit/>
-            </a:bodyPr>
-            <a:lstStyle/>
-            <a:p>
-              <a:pPr algn="ctr"/>
-              <a:endParaRPr/>
-            </a:p>
-          </p:txBody>
-        </p:sp>
-        <p:sp>
-          <p:nvSpPr>
-            <p:cNvPr id="40" name="ïṣḷiḑè">
-              <a:extLst>
-                <a:ext uri="{FF2B5EF4-FFF2-40B4-BE49-F238E27FC236}">
-                  <a16:creationId xmlns:a16="http://schemas.microsoft.com/office/drawing/2014/main" id="{624F063E-6C67-4CDA-A08D-0917FFD25FA0}"/>
-                </a:ext>
-              </a:extLst>
-            </p:cNvPr>
-            <p:cNvSpPr/>
-            <p:nvPr/>
-          </p:nvSpPr>
-          <p:spPr>
-            <a:xfrm>
-              <a:off x="7986534" y="3292747"/>
-              <a:ext cx="522466" cy="522466"/>
-            </a:xfrm>
-            <a:prstGeom prst="ellipse">
-              <a:avLst/>
-            </a:prstGeom>
-            <a:noFill/>
-            <a:ln>
-              <a:solidFill>
-                <a:schemeClr val="bg1">
-                  <a:lumMod val="50000"/>
-                </a:schemeClr>
-              </a:solidFill>
-            </a:ln>
-            <a:effectLst/>
-          </p:spPr>
-          <p:style>
-            <a:lnRef idx="2">
-              <a:schemeClr val="accent1">
-                <a:shade val="50000"/>
-              </a:schemeClr>
-            </a:lnRef>
-            <a:fillRef idx="1">
-              <a:schemeClr val="accent1"/>
-            </a:fillRef>
-            <a:effectRef idx="0">
-              <a:schemeClr val="accent1"/>
-            </a:effectRef>
-            <a:fontRef idx="minor">
-              <a:schemeClr val="lt1"/>
-            </a:fontRef>
-          </p:style>
-          <p:txBody>
-            <a:bodyPr wrap="square" lIns="91440" tIns="45720" rIns="91440" bIns="45720" anchor="ctr">
-              <a:normAutofit/>
-            </a:bodyPr>
-            <a:lstStyle/>
-            <a:p>
-              <a:pPr algn="ctr"/>
-              <a:endParaRPr/>
-            </a:p>
-          </p:txBody>
-        </p:sp>
-        <p:sp>
-          <p:nvSpPr>
-            <p:cNvPr id="41" name="i$1iḍè">
-              <a:extLst>
-                <a:ext uri="{FF2B5EF4-FFF2-40B4-BE49-F238E27FC236}">
-                  <a16:creationId xmlns:a16="http://schemas.microsoft.com/office/drawing/2014/main" id="{4DB44935-B0A3-4FC5-8CFE-CBB626FA0B25}"/>
-                </a:ext>
-              </a:extLst>
-            </p:cNvPr>
-            <p:cNvSpPr/>
-            <p:nvPr/>
-          </p:nvSpPr>
-          <p:spPr>
-            <a:xfrm>
-              <a:off x="8153864" y="2298367"/>
-              <a:ext cx="217308" cy="206260"/>
-            </a:xfrm>
-            <a:custGeom>
-              <a:avLst/>
-              <a:gdLst/>
-              <a:ahLst/>
-              <a:cxnLst/>
-              <a:rect l="0" t="0" r="0" b="0"/>
-              <a:pathLst>
-                <a:path w="120000" h="120000" extrusionOk="0">
-                  <a:moveTo>
-                    <a:pt x="119800" y="63664"/>
-                  </a:moveTo>
-                  <a:lnTo>
-                    <a:pt x="119800" y="63664"/>
-                  </a:lnTo>
-                  <a:cubicBezTo>
-                    <a:pt x="119800" y="66596"/>
-                    <a:pt x="118405" y="69528"/>
-                    <a:pt x="114219" y="69528"/>
-                  </a:cubicBezTo>
-                  <a:cubicBezTo>
-                    <a:pt x="112823" y="69528"/>
-                    <a:pt x="111428" y="68062"/>
-                    <a:pt x="111428" y="68062"/>
-                  </a:cubicBezTo>
-                  <a:lnTo>
-                    <a:pt x="111428" y="68062"/>
-                  </a:lnTo>
-                  <a:cubicBezTo>
-                    <a:pt x="60598" y="14869"/>
-                    <a:pt x="60598" y="14869"/>
-                    <a:pt x="60598" y="14869"/>
-                  </a:cubicBezTo>
-                  <a:lnTo>
-                    <a:pt x="60598" y="14869"/>
-                  </a:lnTo>
-                  <a:lnTo>
-                    <a:pt x="60598" y="14869"/>
-                  </a:lnTo>
-                  <a:lnTo>
-                    <a:pt x="60598" y="14869"/>
-                  </a:lnTo>
-                  <a:cubicBezTo>
-                    <a:pt x="9966" y="68062"/>
-                    <a:pt x="9966" y="68062"/>
-                    <a:pt x="9966" y="68062"/>
-                  </a:cubicBezTo>
-                  <a:lnTo>
-                    <a:pt x="9966" y="68062"/>
-                  </a:lnTo>
-                  <a:cubicBezTo>
-                    <a:pt x="8571" y="68062"/>
-                    <a:pt x="7176" y="69528"/>
-                    <a:pt x="5780" y="69528"/>
-                  </a:cubicBezTo>
-                  <a:cubicBezTo>
-                    <a:pt x="2990" y="69528"/>
-                    <a:pt x="0" y="66596"/>
-                    <a:pt x="0" y="63664"/>
-                  </a:cubicBezTo>
-                  <a:cubicBezTo>
-                    <a:pt x="0" y="62198"/>
-                    <a:pt x="0" y="60523"/>
-                    <a:pt x="1395" y="59057"/>
-                  </a:cubicBezTo>
-                  <a:cubicBezTo>
-                    <a:pt x="56411" y="1465"/>
-                    <a:pt x="56411" y="1465"/>
-                    <a:pt x="56411" y="1465"/>
-                  </a:cubicBezTo>
-                  <a:cubicBezTo>
-                    <a:pt x="57807" y="0"/>
-                    <a:pt x="59202" y="0"/>
-                    <a:pt x="60598" y="0"/>
-                  </a:cubicBezTo>
-                  <a:lnTo>
-                    <a:pt x="60598" y="0"/>
-                  </a:lnTo>
-                  <a:lnTo>
-                    <a:pt x="60598" y="0"/>
-                  </a:lnTo>
-                  <a:lnTo>
-                    <a:pt x="60598" y="0"/>
-                  </a:lnTo>
-                  <a:lnTo>
-                    <a:pt x="60598" y="0"/>
-                  </a:lnTo>
-                  <a:lnTo>
-                    <a:pt x="60598" y="0"/>
-                  </a:lnTo>
-                  <a:lnTo>
-                    <a:pt x="60598" y="0"/>
-                  </a:lnTo>
-                  <a:lnTo>
-                    <a:pt x="60598" y="0"/>
-                  </a:lnTo>
-                  <a:cubicBezTo>
-                    <a:pt x="61993" y="0"/>
-                    <a:pt x="63388" y="1465"/>
-                    <a:pt x="64784" y="1465"/>
-                  </a:cubicBezTo>
-                  <a:lnTo>
-                    <a:pt x="64784" y="1465"/>
-                  </a:lnTo>
-                  <a:cubicBezTo>
-                    <a:pt x="85913" y="25130"/>
-                    <a:pt x="85913" y="25130"/>
-                    <a:pt x="85913" y="25130"/>
-                  </a:cubicBezTo>
-                  <a:cubicBezTo>
-                    <a:pt x="85913" y="19267"/>
-                    <a:pt x="85913" y="19267"/>
-                    <a:pt x="85913" y="19267"/>
-                  </a:cubicBezTo>
-                  <a:cubicBezTo>
-                    <a:pt x="85913" y="16335"/>
-                    <a:pt x="88903" y="13193"/>
-                    <a:pt x="91694" y="13193"/>
-                  </a:cubicBezTo>
-                  <a:cubicBezTo>
-                    <a:pt x="95880" y="13193"/>
-                    <a:pt x="97275" y="16335"/>
-                    <a:pt x="97275" y="19267"/>
-                  </a:cubicBezTo>
-                  <a:cubicBezTo>
-                    <a:pt x="97275" y="36858"/>
-                    <a:pt x="97275" y="36858"/>
-                    <a:pt x="97275" y="36858"/>
-                  </a:cubicBezTo>
-                  <a:cubicBezTo>
-                    <a:pt x="118405" y="59057"/>
-                    <a:pt x="118405" y="59057"/>
-                    <a:pt x="118405" y="59057"/>
-                  </a:cubicBezTo>
-                  <a:lnTo>
-                    <a:pt x="118405" y="59057"/>
-                  </a:lnTo>
-                  <a:cubicBezTo>
-                    <a:pt x="119800" y="60523"/>
-                    <a:pt x="119800" y="62198"/>
-                    <a:pt x="119800" y="63664"/>
-                  </a:cubicBezTo>
-                  <a:close/>
-                  <a:moveTo>
-                    <a:pt x="108438" y="72460"/>
-                  </a:moveTo>
-                  <a:lnTo>
-                    <a:pt x="108438" y="72460"/>
-                  </a:lnTo>
-                  <a:cubicBezTo>
-                    <a:pt x="108438" y="90261"/>
-                    <a:pt x="108438" y="90261"/>
-                    <a:pt x="108438" y="90261"/>
-                  </a:cubicBezTo>
-                  <a:cubicBezTo>
-                    <a:pt x="108438" y="99057"/>
-                    <a:pt x="108438" y="99057"/>
-                    <a:pt x="108438" y="99057"/>
-                  </a:cubicBezTo>
-                  <a:cubicBezTo>
-                    <a:pt x="108438" y="113926"/>
-                    <a:pt x="108438" y="113926"/>
-                    <a:pt x="108438" y="113926"/>
-                  </a:cubicBezTo>
-                  <a:cubicBezTo>
-                    <a:pt x="108438" y="118324"/>
-                    <a:pt x="107043" y="119790"/>
-                    <a:pt x="102857" y="119790"/>
-                  </a:cubicBezTo>
-                  <a:cubicBezTo>
-                    <a:pt x="91694" y="119790"/>
-                    <a:pt x="91694" y="119790"/>
-                    <a:pt x="91694" y="119790"/>
-                  </a:cubicBezTo>
-                  <a:cubicBezTo>
-                    <a:pt x="91694" y="72460"/>
-                    <a:pt x="91694" y="72460"/>
-                    <a:pt x="91694" y="72460"/>
-                  </a:cubicBezTo>
-                  <a:cubicBezTo>
-                    <a:pt x="69169" y="72460"/>
-                    <a:pt x="69169" y="72460"/>
-                    <a:pt x="69169" y="72460"/>
-                  </a:cubicBezTo>
-                  <a:cubicBezTo>
-                    <a:pt x="69169" y="119790"/>
-                    <a:pt x="69169" y="119790"/>
-                    <a:pt x="69169" y="119790"/>
-                  </a:cubicBezTo>
-                  <a:cubicBezTo>
-                    <a:pt x="16943" y="119790"/>
-                    <a:pt x="16943" y="119790"/>
-                    <a:pt x="16943" y="119790"/>
-                  </a:cubicBezTo>
-                  <a:cubicBezTo>
-                    <a:pt x="14152" y="119790"/>
-                    <a:pt x="11362" y="118324"/>
-                    <a:pt x="11362" y="113926"/>
-                  </a:cubicBezTo>
-                  <a:cubicBezTo>
-                    <a:pt x="11362" y="99057"/>
-                    <a:pt x="11362" y="99057"/>
-                    <a:pt x="11362" y="99057"/>
-                  </a:cubicBezTo>
-                  <a:cubicBezTo>
-                    <a:pt x="11362" y="90261"/>
-                    <a:pt x="11362" y="90261"/>
-                    <a:pt x="11362" y="90261"/>
-                  </a:cubicBezTo>
-                  <a:cubicBezTo>
-                    <a:pt x="11362" y="72460"/>
-                    <a:pt x="11362" y="72460"/>
-                    <a:pt x="11362" y="72460"/>
-                  </a:cubicBezTo>
-                  <a:cubicBezTo>
-                    <a:pt x="60598" y="22198"/>
-                    <a:pt x="60598" y="22198"/>
-                    <a:pt x="60598" y="22198"/>
-                  </a:cubicBezTo>
-                  <a:lnTo>
-                    <a:pt x="108438" y="72460"/>
-                  </a:lnTo>
-                  <a:close/>
-                  <a:moveTo>
-                    <a:pt x="50830" y="72460"/>
-                  </a:moveTo>
-                  <a:lnTo>
-                    <a:pt x="50830" y="72460"/>
-                  </a:lnTo>
-                  <a:cubicBezTo>
-                    <a:pt x="28305" y="72460"/>
-                    <a:pt x="28305" y="72460"/>
-                    <a:pt x="28305" y="72460"/>
-                  </a:cubicBezTo>
-                  <a:cubicBezTo>
-                    <a:pt x="28305" y="96125"/>
-                    <a:pt x="28305" y="96125"/>
-                    <a:pt x="28305" y="96125"/>
-                  </a:cubicBezTo>
-                  <a:cubicBezTo>
-                    <a:pt x="50830" y="96125"/>
-                    <a:pt x="50830" y="96125"/>
-                    <a:pt x="50830" y="96125"/>
-                  </a:cubicBezTo>
-                  <a:lnTo>
-                    <a:pt x="50830" y="72460"/>
-                  </a:lnTo>
-                  <a:close/>
-                </a:path>
-              </a:pathLst>
-            </a:custGeom>
-            <a:solidFill>
-              <a:schemeClr val="bg1">
-                <a:lumMod val="50000"/>
-              </a:schemeClr>
-            </a:solidFill>
-            <a:ln>
-              <a:noFill/>
-            </a:ln>
-            <a:effectLst/>
-          </p:spPr>
-          <p:txBody>
-            <a:bodyPr wrap="square" lIns="91440" tIns="45720" rIns="91440" bIns="45720" anchor="ctr">
-              <a:normAutofit fontScale="25000" lnSpcReduction="20000"/>
-            </a:bodyPr>
-            <a:lstStyle/>
-            <a:p>
-              <a:pPr algn="ctr"/>
-              <a:endParaRPr/>
-            </a:p>
-          </p:txBody>
-        </p:sp>
-        <p:sp>
-          <p:nvSpPr>
-            <p:cNvPr id="42" name="íslídé">
-              <a:extLst>
-                <a:ext uri="{FF2B5EF4-FFF2-40B4-BE49-F238E27FC236}">
-                  <a16:creationId xmlns:a16="http://schemas.microsoft.com/office/drawing/2014/main" id="{F4590D0A-659A-42F7-8511-C7813B6DDB5D}"/>
-                </a:ext>
-              </a:extLst>
-            </p:cNvPr>
-            <p:cNvSpPr/>
-            <p:nvPr/>
-          </p:nvSpPr>
-          <p:spPr>
-            <a:xfrm>
-              <a:off x="8153864" y="3473531"/>
-              <a:ext cx="217308" cy="190394"/>
-            </a:xfrm>
-            <a:custGeom>
-              <a:avLst/>
-              <a:gdLst/>
-              <a:ahLst/>
-              <a:cxnLst/>
-              <a:rect l="0" t="0" r="0" b="0"/>
-              <a:pathLst>
-                <a:path w="120000" h="120000" extrusionOk="0">
-                  <a:moveTo>
-                    <a:pt x="117009" y="65310"/>
-                  </a:moveTo>
-                  <a:lnTo>
-                    <a:pt x="117009" y="65310"/>
-                  </a:lnTo>
-                  <a:lnTo>
-                    <a:pt x="117009" y="65310"/>
-                  </a:lnTo>
-                  <a:cubicBezTo>
-                    <a:pt x="61993" y="91073"/>
-                    <a:pt x="61993" y="91073"/>
-                    <a:pt x="61993" y="91073"/>
-                  </a:cubicBezTo>
-                  <a:lnTo>
-                    <a:pt x="61993" y="91073"/>
-                  </a:lnTo>
-                  <a:lnTo>
-                    <a:pt x="61993" y="91073"/>
-                  </a:lnTo>
-                  <a:lnTo>
-                    <a:pt x="61993" y="91073"/>
-                  </a:lnTo>
-                  <a:cubicBezTo>
-                    <a:pt x="61993" y="92655"/>
-                    <a:pt x="60598" y="92655"/>
-                    <a:pt x="60598" y="92655"/>
-                  </a:cubicBezTo>
-                  <a:cubicBezTo>
-                    <a:pt x="59202" y="92655"/>
-                    <a:pt x="59202" y="92655"/>
-                    <a:pt x="57807" y="91073"/>
-                  </a:cubicBezTo>
-                  <a:lnTo>
-                    <a:pt x="57807" y="91073"/>
-                  </a:lnTo>
-                  <a:lnTo>
-                    <a:pt x="57807" y="91073"/>
-                  </a:lnTo>
-                  <a:lnTo>
-                    <a:pt x="57807" y="91073"/>
-                  </a:lnTo>
-                  <a:cubicBezTo>
-                    <a:pt x="2990" y="65310"/>
-                    <a:pt x="2990" y="65310"/>
-                    <a:pt x="2990" y="65310"/>
-                  </a:cubicBezTo>
-                  <a:lnTo>
-                    <a:pt x="2990" y="65310"/>
-                  </a:lnTo>
-                  <a:cubicBezTo>
-                    <a:pt x="1395" y="65310"/>
-                    <a:pt x="0" y="62146"/>
-                    <a:pt x="0" y="60564"/>
-                  </a:cubicBezTo>
-                  <a:cubicBezTo>
-                    <a:pt x="0" y="55819"/>
-                    <a:pt x="2990" y="54237"/>
-                    <a:pt x="5780" y="54237"/>
-                  </a:cubicBezTo>
-                  <a:cubicBezTo>
-                    <a:pt x="7176" y="54237"/>
-                    <a:pt x="7176" y="54237"/>
-                    <a:pt x="8571" y="54237"/>
-                  </a:cubicBezTo>
-                  <a:lnTo>
-                    <a:pt x="8571" y="54237"/>
-                  </a:lnTo>
-                  <a:lnTo>
-                    <a:pt x="8571" y="54237"/>
-                  </a:lnTo>
-                  <a:lnTo>
-                    <a:pt x="8571" y="54237"/>
-                  </a:lnTo>
-                  <a:cubicBezTo>
-                    <a:pt x="60598" y="78192"/>
-                    <a:pt x="60598" y="78192"/>
-                    <a:pt x="60598" y="78192"/>
-                  </a:cubicBezTo>
-                  <a:cubicBezTo>
-                    <a:pt x="112823" y="54237"/>
-                    <a:pt x="112823" y="54237"/>
-                    <a:pt x="112823" y="54237"/>
-                  </a:cubicBezTo>
-                  <a:lnTo>
-                    <a:pt x="112823" y="54237"/>
-                  </a:lnTo>
-                  <a:lnTo>
-                    <a:pt x="112823" y="54237"/>
-                  </a:lnTo>
-                  <a:lnTo>
-                    <a:pt x="112823" y="54237"/>
-                  </a:lnTo>
-                  <a:lnTo>
-                    <a:pt x="114219" y="54237"/>
-                  </a:lnTo>
-                  <a:cubicBezTo>
-                    <a:pt x="118405" y="54237"/>
-                    <a:pt x="119800" y="55819"/>
-                    <a:pt x="119800" y="60564"/>
-                  </a:cubicBezTo>
-                  <a:cubicBezTo>
-                    <a:pt x="119800" y="62146"/>
-                    <a:pt x="118405" y="65310"/>
-                    <a:pt x="117009" y="65310"/>
-                  </a:cubicBezTo>
-                  <a:close/>
-                  <a:moveTo>
-                    <a:pt x="117009" y="38192"/>
-                  </a:moveTo>
-                  <a:lnTo>
-                    <a:pt x="117009" y="38192"/>
-                  </a:lnTo>
-                  <a:lnTo>
-                    <a:pt x="117009" y="38192"/>
-                  </a:lnTo>
-                  <a:cubicBezTo>
-                    <a:pt x="61993" y="63728"/>
-                    <a:pt x="61993" y="63728"/>
-                    <a:pt x="61993" y="63728"/>
-                  </a:cubicBezTo>
-                  <a:lnTo>
-                    <a:pt x="61993" y="63728"/>
-                  </a:lnTo>
-                  <a:lnTo>
-                    <a:pt x="61993" y="63728"/>
-                  </a:lnTo>
-                  <a:lnTo>
-                    <a:pt x="61993" y="63728"/>
-                  </a:lnTo>
-                  <a:lnTo>
-                    <a:pt x="60598" y="63728"/>
-                  </a:lnTo>
-                  <a:cubicBezTo>
-                    <a:pt x="59202" y="63728"/>
-                    <a:pt x="59202" y="63728"/>
-                    <a:pt x="57807" y="63728"/>
-                  </a:cubicBezTo>
-                  <a:lnTo>
-                    <a:pt x="57807" y="63728"/>
-                  </a:lnTo>
-                  <a:lnTo>
-                    <a:pt x="57807" y="63728"/>
-                  </a:lnTo>
-                  <a:lnTo>
-                    <a:pt x="57807" y="63728"/>
-                  </a:lnTo>
-                  <a:cubicBezTo>
-                    <a:pt x="2990" y="38192"/>
-                    <a:pt x="2990" y="38192"/>
-                    <a:pt x="2990" y="38192"/>
-                  </a:cubicBezTo>
-                  <a:lnTo>
-                    <a:pt x="2990" y="38192"/>
-                  </a:lnTo>
-                  <a:cubicBezTo>
-                    <a:pt x="1395" y="36610"/>
-                    <a:pt x="0" y="35028"/>
-                    <a:pt x="0" y="31864"/>
-                  </a:cubicBezTo>
-                  <a:cubicBezTo>
-                    <a:pt x="0" y="30282"/>
-                    <a:pt x="1395" y="27118"/>
-                    <a:pt x="2990" y="27118"/>
-                  </a:cubicBezTo>
-                  <a:lnTo>
-                    <a:pt x="2990" y="27118"/>
-                  </a:lnTo>
-                  <a:cubicBezTo>
-                    <a:pt x="57807" y="1581"/>
-                    <a:pt x="57807" y="1581"/>
-                    <a:pt x="57807" y="1581"/>
-                  </a:cubicBezTo>
-                  <a:lnTo>
-                    <a:pt x="57807" y="1581"/>
-                  </a:lnTo>
-                  <a:lnTo>
-                    <a:pt x="57807" y="1581"/>
-                  </a:lnTo>
-                  <a:lnTo>
-                    <a:pt x="57807" y="1581"/>
-                  </a:lnTo>
-                  <a:cubicBezTo>
-                    <a:pt x="59202" y="0"/>
-                    <a:pt x="59202" y="0"/>
-                    <a:pt x="60598" y="0"/>
-                  </a:cubicBezTo>
-                  <a:cubicBezTo>
-                    <a:pt x="60598" y="0"/>
-                    <a:pt x="61993" y="0"/>
-                    <a:pt x="61993" y="1581"/>
-                  </a:cubicBezTo>
-                  <a:lnTo>
-                    <a:pt x="61993" y="1581"/>
-                  </a:lnTo>
-                  <a:lnTo>
-                    <a:pt x="61993" y="1581"/>
-                  </a:lnTo>
-                  <a:lnTo>
-                    <a:pt x="61993" y="1581"/>
-                  </a:lnTo>
-                  <a:cubicBezTo>
-                    <a:pt x="117009" y="27118"/>
-                    <a:pt x="117009" y="27118"/>
-                    <a:pt x="117009" y="27118"/>
-                  </a:cubicBezTo>
-                  <a:lnTo>
-                    <a:pt x="117009" y="27118"/>
-                  </a:lnTo>
-                  <a:cubicBezTo>
-                    <a:pt x="118405" y="27118"/>
-                    <a:pt x="119800" y="30282"/>
-                    <a:pt x="119800" y="31864"/>
-                  </a:cubicBezTo>
-                  <a:cubicBezTo>
-                    <a:pt x="119800" y="35028"/>
-                    <a:pt x="118405" y="36610"/>
-                    <a:pt x="117009" y="38192"/>
-                  </a:cubicBezTo>
-                  <a:close/>
-                  <a:moveTo>
-                    <a:pt x="5780" y="81355"/>
-                  </a:moveTo>
-                  <a:lnTo>
-                    <a:pt x="5780" y="81355"/>
-                  </a:lnTo>
-                  <a:cubicBezTo>
-                    <a:pt x="7176" y="81355"/>
-                    <a:pt x="7176" y="81355"/>
-                    <a:pt x="8571" y="81355"/>
-                  </a:cubicBezTo>
-                  <a:lnTo>
-                    <a:pt x="8571" y="81355"/>
-                  </a:lnTo>
-                  <a:lnTo>
-                    <a:pt x="8571" y="81355"/>
-                  </a:lnTo>
-                  <a:lnTo>
-                    <a:pt x="8571" y="81355"/>
-                  </a:lnTo>
-                  <a:cubicBezTo>
-                    <a:pt x="60598" y="106892"/>
-                    <a:pt x="60598" y="106892"/>
-                    <a:pt x="60598" y="106892"/>
-                  </a:cubicBezTo>
-                  <a:cubicBezTo>
-                    <a:pt x="112823" y="81355"/>
-                    <a:pt x="112823" y="81355"/>
-                    <a:pt x="112823" y="81355"/>
-                  </a:cubicBezTo>
-                  <a:lnTo>
-                    <a:pt x="112823" y="81355"/>
-                  </a:lnTo>
-                  <a:lnTo>
-                    <a:pt x="112823" y="81355"/>
-                  </a:lnTo>
-                  <a:lnTo>
-                    <a:pt x="112823" y="81355"/>
-                  </a:lnTo>
-                  <a:lnTo>
-                    <a:pt x="114219" y="81355"/>
-                  </a:lnTo>
-                  <a:cubicBezTo>
-                    <a:pt x="118405" y="81355"/>
-                    <a:pt x="119800" y="84519"/>
-                    <a:pt x="119800" y="87683"/>
-                  </a:cubicBezTo>
-                  <a:cubicBezTo>
-                    <a:pt x="119800" y="91073"/>
-                    <a:pt x="118405" y="92655"/>
-                    <a:pt x="117009" y="94237"/>
-                  </a:cubicBezTo>
-                  <a:lnTo>
-                    <a:pt x="117009" y="94237"/>
-                  </a:lnTo>
-                  <a:cubicBezTo>
-                    <a:pt x="61993" y="119774"/>
-                    <a:pt x="61993" y="119774"/>
-                    <a:pt x="61993" y="119774"/>
-                  </a:cubicBezTo>
-                  <a:lnTo>
-                    <a:pt x="61993" y="119774"/>
-                  </a:lnTo>
-                  <a:lnTo>
-                    <a:pt x="61993" y="119774"/>
-                  </a:lnTo>
-                  <a:lnTo>
-                    <a:pt x="61993" y="119774"/>
-                  </a:lnTo>
-                  <a:lnTo>
-                    <a:pt x="60598" y="119774"/>
-                  </a:lnTo>
-                  <a:cubicBezTo>
-                    <a:pt x="59202" y="119774"/>
-                    <a:pt x="59202" y="119774"/>
-                    <a:pt x="57807" y="119774"/>
-                  </a:cubicBezTo>
-                  <a:lnTo>
-                    <a:pt x="57807" y="119774"/>
-                  </a:lnTo>
-                  <a:lnTo>
-                    <a:pt x="57807" y="119774"/>
-                  </a:lnTo>
-                  <a:lnTo>
-                    <a:pt x="57807" y="119774"/>
-                  </a:lnTo>
-                  <a:cubicBezTo>
-                    <a:pt x="2990" y="94237"/>
-                    <a:pt x="2990" y="94237"/>
-                    <a:pt x="2990" y="94237"/>
-                  </a:cubicBezTo>
-                  <a:lnTo>
-                    <a:pt x="2990" y="94237"/>
-                  </a:lnTo>
-                  <a:cubicBezTo>
-                    <a:pt x="1395" y="92655"/>
-                    <a:pt x="0" y="91073"/>
-                    <a:pt x="0" y="87683"/>
-                  </a:cubicBezTo>
-                  <a:cubicBezTo>
-                    <a:pt x="0" y="84519"/>
-                    <a:pt x="2990" y="81355"/>
-                    <a:pt x="5780" y="81355"/>
-                  </a:cubicBezTo>
-                  <a:close/>
-                </a:path>
-              </a:pathLst>
-            </a:custGeom>
-            <a:solidFill>
-              <a:schemeClr val="bg1">
-                <a:lumMod val="50000"/>
-              </a:schemeClr>
-            </a:solidFill>
-            <a:ln>
-              <a:noFill/>
-            </a:ln>
-            <a:effectLst/>
-          </p:spPr>
-          <p:txBody>
-            <a:bodyPr wrap="square" lIns="91440" tIns="45720" rIns="91440" bIns="45720" anchor="ctr">
-              <a:normAutofit fontScale="25000" lnSpcReduction="20000"/>
-            </a:bodyPr>
-            <a:lstStyle/>
-            <a:p>
-              <a:pPr algn="ctr"/>
-              <a:endParaRPr/>
-            </a:p>
-          </p:txBody>
-        </p:sp>
-        <p:sp>
-          <p:nvSpPr>
-            <p:cNvPr id="43" name="îṧļîḋé">
-              <a:extLst>
-                <a:ext uri="{FF2B5EF4-FFF2-40B4-BE49-F238E27FC236}">
-                  <a16:creationId xmlns:a16="http://schemas.microsoft.com/office/drawing/2014/main" id="{D7667757-63B0-4445-9B3C-1F133E41B002}"/>
-                </a:ext>
-              </a:extLst>
-            </p:cNvPr>
-            <p:cNvSpPr/>
-            <p:nvPr/>
-          </p:nvSpPr>
-          <p:spPr>
-            <a:xfrm>
-              <a:off x="8174482" y="4699789"/>
-              <a:ext cx="176066" cy="215776"/>
-            </a:xfrm>
-            <a:custGeom>
-              <a:avLst/>
-              <a:gdLst/>
-              <a:ahLst/>
-              <a:cxnLst/>
-              <a:rect l="0" t="0" r="0" b="0"/>
-              <a:pathLst>
-                <a:path w="120000" h="120000" extrusionOk="0">
-                  <a:moveTo>
-                    <a:pt x="112868" y="119800"/>
-                  </a:moveTo>
-                  <a:lnTo>
-                    <a:pt x="112868" y="119800"/>
-                  </a:lnTo>
-                  <a:cubicBezTo>
-                    <a:pt x="6885" y="119800"/>
-                    <a:pt x="6885" y="119800"/>
-                    <a:pt x="6885" y="119800"/>
-                  </a:cubicBezTo>
-                  <a:cubicBezTo>
-                    <a:pt x="1721" y="119800"/>
-                    <a:pt x="0" y="117004"/>
-                    <a:pt x="0" y="114209"/>
-                  </a:cubicBezTo>
-                  <a:cubicBezTo>
-                    <a:pt x="0" y="64891"/>
-                    <a:pt x="0" y="64891"/>
-                    <a:pt x="0" y="64891"/>
-                  </a:cubicBezTo>
-                  <a:cubicBezTo>
-                    <a:pt x="0" y="62096"/>
-                    <a:pt x="1721" y="59101"/>
-                    <a:pt x="6885" y="59101"/>
-                  </a:cubicBezTo>
-                  <a:cubicBezTo>
-                    <a:pt x="17213" y="59101"/>
-                    <a:pt x="17213" y="59101"/>
-                    <a:pt x="17213" y="59101"/>
-                  </a:cubicBezTo>
-                  <a:cubicBezTo>
-                    <a:pt x="17213" y="33743"/>
-                    <a:pt x="17213" y="33743"/>
-                    <a:pt x="17213" y="33743"/>
-                  </a:cubicBezTo>
-                  <a:cubicBezTo>
-                    <a:pt x="17213" y="13976"/>
-                    <a:pt x="36393" y="0"/>
-                    <a:pt x="59016" y="0"/>
-                  </a:cubicBezTo>
-                  <a:cubicBezTo>
-                    <a:pt x="83360" y="0"/>
-                    <a:pt x="100573" y="13976"/>
-                    <a:pt x="100573" y="33743"/>
-                  </a:cubicBezTo>
-                  <a:cubicBezTo>
-                    <a:pt x="100573" y="36539"/>
-                    <a:pt x="98852" y="39534"/>
-                    <a:pt x="93688" y="39534"/>
-                  </a:cubicBezTo>
-                  <a:cubicBezTo>
-                    <a:pt x="90245" y="39534"/>
-                    <a:pt x="86803" y="36539"/>
-                    <a:pt x="86803" y="33743"/>
-                  </a:cubicBezTo>
-                  <a:cubicBezTo>
-                    <a:pt x="86803" y="21164"/>
-                    <a:pt x="74754" y="11181"/>
-                    <a:pt x="59016" y="11181"/>
-                  </a:cubicBezTo>
-                  <a:cubicBezTo>
-                    <a:pt x="43278" y="11181"/>
-                    <a:pt x="31229" y="21164"/>
-                    <a:pt x="31229" y="33743"/>
-                  </a:cubicBezTo>
-                  <a:cubicBezTo>
-                    <a:pt x="31229" y="59101"/>
-                    <a:pt x="31229" y="59101"/>
-                    <a:pt x="31229" y="59101"/>
-                  </a:cubicBezTo>
-                  <a:cubicBezTo>
-                    <a:pt x="86803" y="59101"/>
-                    <a:pt x="86803" y="59101"/>
-                    <a:pt x="86803" y="59101"/>
-                  </a:cubicBezTo>
-                  <a:cubicBezTo>
-                    <a:pt x="100573" y="59101"/>
-                    <a:pt x="100573" y="59101"/>
-                    <a:pt x="100573" y="59101"/>
-                  </a:cubicBezTo>
-                  <a:cubicBezTo>
-                    <a:pt x="112868" y="59101"/>
-                    <a:pt x="112868" y="59101"/>
-                    <a:pt x="112868" y="59101"/>
-                  </a:cubicBezTo>
-                  <a:cubicBezTo>
-                    <a:pt x="116311" y="59101"/>
-                    <a:pt x="119754" y="62096"/>
-                    <a:pt x="119754" y="64891"/>
-                  </a:cubicBezTo>
-                  <a:cubicBezTo>
-                    <a:pt x="119754" y="114209"/>
-                    <a:pt x="119754" y="114209"/>
-                    <a:pt x="119754" y="114209"/>
-                  </a:cubicBezTo>
-                  <a:cubicBezTo>
-                    <a:pt x="119754" y="117004"/>
-                    <a:pt x="116311" y="119800"/>
-                    <a:pt x="112868" y="119800"/>
-                  </a:cubicBezTo>
-                  <a:close/>
-                  <a:moveTo>
-                    <a:pt x="59016" y="70482"/>
-                  </a:moveTo>
-                  <a:lnTo>
-                    <a:pt x="59016" y="70482"/>
-                  </a:lnTo>
-                  <a:cubicBezTo>
-                    <a:pt x="52131" y="70482"/>
-                    <a:pt x="45000" y="76073"/>
-                    <a:pt x="45000" y="81863"/>
-                  </a:cubicBezTo>
-                  <a:cubicBezTo>
-                    <a:pt x="45000" y="86056"/>
-                    <a:pt x="48688" y="90249"/>
-                    <a:pt x="52131" y="91647"/>
-                  </a:cubicBezTo>
-                  <a:cubicBezTo>
-                    <a:pt x="52131" y="103028"/>
-                    <a:pt x="52131" y="103028"/>
-                    <a:pt x="52131" y="103028"/>
-                  </a:cubicBezTo>
-                  <a:cubicBezTo>
-                    <a:pt x="52131" y="105823"/>
-                    <a:pt x="55573" y="108618"/>
-                    <a:pt x="59016" y="108618"/>
-                  </a:cubicBezTo>
-                  <a:cubicBezTo>
-                    <a:pt x="64180" y="108618"/>
-                    <a:pt x="65901" y="105823"/>
-                    <a:pt x="65901" y="103028"/>
-                  </a:cubicBezTo>
-                  <a:cubicBezTo>
-                    <a:pt x="65901" y="91647"/>
-                    <a:pt x="65901" y="91647"/>
-                    <a:pt x="65901" y="91647"/>
-                  </a:cubicBezTo>
-                  <a:cubicBezTo>
-                    <a:pt x="71065" y="90249"/>
-                    <a:pt x="72786" y="86056"/>
-                    <a:pt x="72786" y="81863"/>
-                  </a:cubicBezTo>
-                  <a:cubicBezTo>
-                    <a:pt x="72786" y="76073"/>
-                    <a:pt x="67622" y="70482"/>
-                    <a:pt x="59016" y="70482"/>
-                  </a:cubicBezTo>
-                  <a:close/>
-                </a:path>
-              </a:pathLst>
-            </a:custGeom>
-            <a:solidFill>
-              <a:schemeClr val="bg1">
-                <a:lumMod val="50000"/>
-              </a:schemeClr>
-            </a:solidFill>
-            <a:ln>
-              <a:noFill/>
-            </a:ln>
-            <a:effectLst/>
-          </p:spPr>
-          <p:txBody>
-            <a:bodyPr wrap="square" lIns="91440" tIns="45720" rIns="91440" bIns="45720" anchor="ctr">
-              <a:normAutofit fontScale="25000" lnSpcReduction="20000"/>
-            </a:bodyPr>
-            <a:lstStyle/>
-            <a:p>
-              <a:pPr algn="ctr"/>
-              <a:endParaRPr/>
+              <a:endParaRPr lang="zh-CN" altLang="en-US">
+                <a:solidFill>
+                  <a:prstClr val="white"/>
+                </a:solidFill>
+              </a:endParaRPr>
             </a:p>
           </p:txBody>
         </p:sp>
       </p:grpSp>
+      <p:sp>
+        <p:nvSpPr>
+          <p:cNvPr id="2" name="标题 1"/>
+          <p:cNvSpPr>
+            <a:spLocks noGrp="1"/>
+          </p:cNvSpPr>
+          <p:nvPr>
+            <p:ph type="title"/>
+          </p:nvPr>
+        </p:nvSpPr>
+        <p:spPr>
+          <a:xfrm>
+            <a:off x="4646481" y="376886"/>
+            <a:ext cx="2899039" cy="789420"/>
+          </a:xfrm>
+        </p:spPr>
+        <p:txBody>
+          <a:bodyPr>
+            <a:normAutofit fontScale="90000"/>
+          </a:bodyPr>
+          <a:lstStyle/>
+          <a:p>
+            <a:r>
+              <a:rPr kumimoji="1" lang="en-US" altLang="zh-CN" sz="3200" b="1" dirty="0" smtClean="0">
+                <a:latin typeface="微软雅黑"/>
+                <a:ea typeface="微软雅黑"/>
+              </a:rPr>
+              <a:t>Spring</a:t>
+            </a:r>
+            <a:r>
+              <a:rPr kumimoji="1" lang="zh-CN" altLang="en-US" sz="3200" b="1" dirty="0" smtClean="0">
+                <a:latin typeface="微软雅黑"/>
+                <a:ea typeface="微软雅黑"/>
+              </a:rPr>
+              <a:t>事务原理</a:t>
+            </a:r>
+            <a:endParaRPr lang="zh-CN" altLang="en-US" sz="3200" dirty="0"/>
+          </a:p>
+        </p:txBody>
+      </p:sp>
+      <p:sp>
+        <p:nvSpPr>
+          <p:cNvPr id="24" name="amplification-tool-silhouette-in-black_26758"/>
+          <p:cNvSpPr>
+            <a:spLocks noChangeAspect="1"/>
+          </p:cNvSpPr>
+          <p:nvPr/>
+        </p:nvSpPr>
+        <p:spPr bwMode="auto">
+          <a:xfrm>
+            <a:off x="1071377" y="1996873"/>
+            <a:ext cx="609685" cy="573637"/>
+          </a:xfrm>
+          <a:custGeom>
+            <a:avLst/>
+            <a:gdLst>
+              <a:gd name="T0" fmla="*/ 407031 w 604011"/>
+              <a:gd name="T1" fmla="*/ 407031 w 604011"/>
+              <a:gd name="T2" fmla="*/ 407031 w 604011"/>
+              <a:gd name="T3" fmla="*/ 407031 w 604011"/>
+              <a:gd name="T4" fmla="*/ 407031 w 604011"/>
+              <a:gd name="T5" fmla="*/ 407031 w 604011"/>
+              <a:gd name="T6" fmla="*/ 407031 w 604011"/>
+              <a:gd name="T7" fmla="*/ 407031 w 604011"/>
+              <a:gd name="T8" fmla="*/ 407031 w 604011"/>
+              <a:gd name="T9" fmla="*/ 407031 w 604011"/>
+              <a:gd name="T10" fmla="*/ 407031 w 604011"/>
+              <a:gd name="T11" fmla="*/ 407031 w 604011"/>
+              <a:gd name="T12" fmla="*/ 407031 w 604011"/>
+              <a:gd name="T13" fmla="*/ 407031 w 604011"/>
+              <a:gd name="T14" fmla="*/ 407031 w 604011"/>
+              <a:gd name="T15" fmla="*/ 407031 w 604011"/>
+              <a:gd name="T16" fmla="*/ 407031 w 604011"/>
+              <a:gd name="T17" fmla="*/ 407031 w 604011"/>
+              <a:gd name="T18" fmla="*/ 407031 w 604011"/>
+              <a:gd name="T19" fmla="*/ 407031 w 604011"/>
+              <a:gd name="T20" fmla="*/ 407031 w 604011"/>
+              <a:gd name="T21" fmla="*/ 407031 w 604011"/>
+              <a:gd name="T22" fmla="*/ 407031 w 604011"/>
+              <a:gd name="T23" fmla="*/ 407031 w 604011"/>
+              <a:gd name="T24" fmla="*/ 407031 w 604011"/>
+              <a:gd name="T25" fmla="*/ 407031 w 604011"/>
+              <a:gd name="T26" fmla="*/ 407031 w 604011"/>
+              <a:gd name="T27" fmla="*/ 407031 w 604011"/>
+              <a:gd name="T28" fmla="*/ 407031 w 604011"/>
+              <a:gd name="T29" fmla="*/ 407031 w 604011"/>
+              <a:gd name="T30" fmla="*/ 407031 w 604011"/>
+              <a:gd name="T31" fmla="*/ 407031 w 604011"/>
+              <a:gd name="T32" fmla="*/ 407031 w 604011"/>
+              <a:gd name="T33" fmla="*/ 407031 w 604011"/>
+              <a:gd name="T34" fmla="*/ 407031 w 604011"/>
+              <a:gd name="T35" fmla="*/ 407031 w 604011"/>
+              <a:gd name="T36" fmla="*/ 407031 w 604011"/>
+              <a:gd name="T37" fmla="*/ 407031 w 604011"/>
+            </a:gdLst>
+            <a:ahLst/>
+            <a:cxnLst>
+              <a:cxn ang="0">
+                <a:pos x="T0" y="T1"/>
+              </a:cxn>
+              <a:cxn ang="0">
+                <a:pos x="T2" y="T3"/>
+              </a:cxn>
+              <a:cxn ang="0">
+                <a:pos x="T4" y="T5"/>
+              </a:cxn>
+              <a:cxn ang="0">
+                <a:pos x="T6" y="T7"/>
+              </a:cxn>
+              <a:cxn ang="0">
+                <a:pos x="T8" y="T9"/>
+              </a:cxn>
+              <a:cxn ang="0">
+                <a:pos x="T10" y="T11"/>
+              </a:cxn>
+              <a:cxn ang="0">
+                <a:pos x="T12" y="T13"/>
+              </a:cxn>
+              <a:cxn ang="0">
+                <a:pos x="T14" y="T15"/>
+              </a:cxn>
+              <a:cxn ang="0">
+                <a:pos x="T16" y="T17"/>
+              </a:cxn>
+              <a:cxn ang="0">
+                <a:pos x="T18" y="T19"/>
+              </a:cxn>
+              <a:cxn ang="0">
+                <a:pos x="T20" y="T21"/>
+              </a:cxn>
+              <a:cxn ang="0">
+                <a:pos x="T22" y="T23"/>
+              </a:cxn>
+              <a:cxn ang="0">
+                <a:pos x="T24" y="T25"/>
+              </a:cxn>
+              <a:cxn ang="0">
+                <a:pos x="T26" y="T27"/>
+              </a:cxn>
+              <a:cxn ang="0">
+                <a:pos x="T28" y="T29"/>
+              </a:cxn>
+              <a:cxn ang="0">
+                <a:pos x="T30" y="T31"/>
+              </a:cxn>
+              <a:cxn ang="0">
+                <a:pos x="T32" y="T33"/>
+              </a:cxn>
+              <a:cxn ang="0">
+                <a:pos x="T34" y="T35"/>
+              </a:cxn>
+              <a:cxn ang="0">
+                <a:pos x="T36" y="T37"/>
+              </a:cxn>
+            </a:cxnLst>
+            <a:rect l="0" t="0" r="r" b="b"/>
+            <a:pathLst>
+              <a:path w="6142" h="5788">
+                <a:moveTo>
+                  <a:pt x="589" y="3881"/>
+                </a:moveTo>
+                <a:lnTo>
+                  <a:pt x="952" y="5571"/>
+                </a:lnTo>
+                <a:cubicBezTo>
+                  <a:pt x="952" y="5571"/>
+                  <a:pt x="1003" y="5788"/>
+                  <a:pt x="1395" y="5788"/>
+                </a:cubicBezTo>
+                <a:lnTo>
+                  <a:pt x="2077" y="5788"/>
+                </a:lnTo>
+                <a:lnTo>
+                  <a:pt x="1932" y="5139"/>
+                </a:lnTo>
+                <a:cubicBezTo>
+                  <a:pt x="2043" y="5087"/>
+                  <a:pt x="2108" y="4963"/>
+                  <a:pt x="2081" y="4838"/>
+                </a:cubicBezTo>
+                <a:lnTo>
+                  <a:pt x="1972" y="4341"/>
+                </a:lnTo>
+                <a:cubicBezTo>
+                  <a:pt x="1944" y="4214"/>
+                  <a:pt x="1831" y="4128"/>
+                  <a:pt x="1706" y="4130"/>
+                </a:cubicBezTo>
+                <a:lnTo>
+                  <a:pt x="1662" y="3933"/>
+                </a:lnTo>
+                <a:lnTo>
+                  <a:pt x="3005" y="3933"/>
+                </a:lnTo>
+                <a:lnTo>
+                  <a:pt x="5258" y="5170"/>
+                </a:lnTo>
+                <a:cubicBezTo>
+                  <a:pt x="5747" y="5170"/>
+                  <a:pt x="6142" y="4774"/>
+                  <a:pt x="6142" y="4286"/>
+                </a:cubicBezTo>
+                <a:lnTo>
+                  <a:pt x="6142" y="883"/>
+                </a:lnTo>
+                <a:cubicBezTo>
+                  <a:pt x="6142" y="395"/>
+                  <a:pt x="5747" y="0"/>
+                  <a:pt x="5258" y="0"/>
+                </a:cubicBezTo>
+                <a:lnTo>
+                  <a:pt x="3005" y="1414"/>
+                </a:lnTo>
+                <a:lnTo>
+                  <a:pt x="884" y="1414"/>
+                </a:lnTo>
+                <a:cubicBezTo>
+                  <a:pt x="396" y="1414"/>
+                  <a:pt x="0" y="1809"/>
+                  <a:pt x="0" y="2297"/>
+                </a:cubicBezTo>
+                <a:lnTo>
+                  <a:pt x="0" y="3049"/>
+                </a:lnTo>
+                <a:cubicBezTo>
+                  <a:pt x="0" y="3433"/>
+                  <a:pt x="246" y="3759"/>
+                  <a:pt x="589" y="3881"/>
+                </a:cubicBezTo>
+                <a:close/>
+              </a:path>
+            </a:pathLst>
+          </a:custGeom>
+          <a:solidFill>
+            <a:schemeClr val="accent1"/>
+          </a:solidFill>
+          <a:ln>
+            <a:noFill/>
+          </a:ln>
+        </p:spPr>
+        <p:txBody>
+          <a:bodyPr/>
+          <a:lstStyle>
+            <a:defPPr>
+              <a:defRPr lang="en-US"/>
+            </a:defPPr>
+            <a:lvl1pPr marL="0" algn="l" defTabSz="914400" rtl="0" eaLnBrk="1" latinLnBrk="0" hangingPunct="1">
+              <a:defRPr sz="1800" kern="1200">
+                <a:solidFill>
+                  <a:schemeClr val="tx1"/>
+                </a:solidFill>
+                <a:latin typeface="+mn-lt"/>
+                <a:ea typeface="+mn-ea"/>
+                <a:cs typeface="+mn-cs"/>
+              </a:defRPr>
+            </a:lvl1pPr>
+            <a:lvl2pPr marL="457200" algn="l" defTabSz="914400" rtl="0" eaLnBrk="1" latinLnBrk="0" hangingPunct="1">
+              <a:defRPr sz="1800" kern="1200">
+                <a:solidFill>
+                  <a:schemeClr val="tx1"/>
+                </a:solidFill>
+                <a:latin typeface="+mn-lt"/>
+                <a:ea typeface="+mn-ea"/>
+                <a:cs typeface="+mn-cs"/>
+              </a:defRPr>
+            </a:lvl2pPr>
+            <a:lvl3pPr marL="914400" algn="l" defTabSz="914400" rtl="0" eaLnBrk="1" latinLnBrk="0" hangingPunct="1">
+              <a:defRPr sz="1800" kern="1200">
+                <a:solidFill>
+                  <a:schemeClr val="tx1"/>
+                </a:solidFill>
+                <a:latin typeface="+mn-lt"/>
+                <a:ea typeface="+mn-ea"/>
+                <a:cs typeface="+mn-cs"/>
+              </a:defRPr>
+            </a:lvl3pPr>
+            <a:lvl4pPr marL="1371600" algn="l" defTabSz="914400" rtl="0" eaLnBrk="1" latinLnBrk="0" hangingPunct="1">
+              <a:defRPr sz="1800" kern="1200">
+                <a:solidFill>
+                  <a:schemeClr val="tx1"/>
+                </a:solidFill>
+                <a:latin typeface="+mn-lt"/>
+                <a:ea typeface="+mn-ea"/>
+                <a:cs typeface="+mn-cs"/>
+              </a:defRPr>
+            </a:lvl4pPr>
+            <a:lvl5pPr marL="1828800" algn="l" defTabSz="914400" rtl="0" eaLnBrk="1" latinLnBrk="0" hangingPunct="1">
+              <a:defRPr sz="1800" kern="1200">
+                <a:solidFill>
+                  <a:schemeClr val="tx1"/>
+                </a:solidFill>
+                <a:latin typeface="+mn-lt"/>
+                <a:ea typeface="+mn-ea"/>
+                <a:cs typeface="+mn-cs"/>
+              </a:defRPr>
+            </a:lvl5pPr>
+            <a:lvl6pPr marL="2286000" algn="l" defTabSz="914400" rtl="0" eaLnBrk="1" latinLnBrk="0" hangingPunct="1">
+              <a:defRPr sz="1800" kern="1200">
+                <a:solidFill>
+                  <a:schemeClr val="tx1"/>
+                </a:solidFill>
+                <a:latin typeface="+mn-lt"/>
+                <a:ea typeface="+mn-ea"/>
+                <a:cs typeface="+mn-cs"/>
+              </a:defRPr>
+            </a:lvl6pPr>
+            <a:lvl7pPr marL="2743200" algn="l" defTabSz="914400" rtl="0" eaLnBrk="1" latinLnBrk="0" hangingPunct="1">
+              <a:defRPr sz="1800" kern="1200">
+                <a:solidFill>
+                  <a:schemeClr val="tx1"/>
+                </a:solidFill>
+                <a:latin typeface="+mn-lt"/>
+                <a:ea typeface="+mn-ea"/>
+                <a:cs typeface="+mn-cs"/>
+              </a:defRPr>
+            </a:lvl7pPr>
+            <a:lvl8pPr marL="3200400" algn="l" defTabSz="914400" rtl="0" eaLnBrk="1" latinLnBrk="0" hangingPunct="1">
+              <a:defRPr sz="1800" kern="1200">
+                <a:solidFill>
+                  <a:schemeClr val="tx1"/>
+                </a:solidFill>
+                <a:latin typeface="+mn-lt"/>
+                <a:ea typeface="+mn-ea"/>
+                <a:cs typeface="+mn-cs"/>
+              </a:defRPr>
+            </a:lvl8pPr>
+            <a:lvl9pPr marL="3657600" algn="l" defTabSz="914400" rtl="0" eaLnBrk="1" latinLnBrk="0" hangingPunct="1">
+              <a:defRPr sz="1800" kern="1200">
+                <a:solidFill>
+                  <a:schemeClr val="tx1"/>
+                </a:solidFill>
+                <a:latin typeface="+mn-lt"/>
+                <a:ea typeface="+mn-ea"/>
+                <a:cs typeface="+mn-cs"/>
+              </a:defRPr>
+            </a:lvl9pPr>
+          </a:lstStyle>
+          <a:p>
+            <a:endParaRPr lang="zh-CN" altLang="en-US"/>
+          </a:p>
+        </p:txBody>
+      </p:sp>
+      <p:sp>
+        <p:nvSpPr>
+          <p:cNvPr id="26" name="标题 1"/>
+          <p:cNvSpPr txBox="1">
+            <a:spLocks/>
+          </p:cNvSpPr>
+          <p:nvPr/>
+        </p:nvSpPr>
+        <p:spPr>
+          <a:xfrm>
+            <a:off x="2037797" y="1888981"/>
+            <a:ext cx="7290930" cy="789420"/>
+          </a:xfrm>
+          <a:prstGeom prst="rect">
+            <a:avLst/>
+          </a:prstGeom>
+        </p:spPr>
+        <p:txBody>
+          <a:bodyPr vert="horz" lIns="91440" tIns="45720" rIns="91440" bIns="45720" rtlCol="0" anchor="ctr">
+            <a:normAutofit/>
+          </a:bodyPr>
+          <a:lstStyle>
+            <a:lvl1pPr algn="l" defTabSz="914400" rtl="0" eaLnBrk="1" latinLnBrk="0" hangingPunct="1">
+              <a:lnSpc>
+                <a:spcPct val="90000"/>
+              </a:lnSpc>
+              <a:spcBef>
+                <a:spcPct val="0"/>
+              </a:spcBef>
+              <a:buNone/>
+              <a:defRPr sz="4400" kern="1200">
+                <a:solidFill>
+                  <a:schemeClr val="tx1"/>
+                </a:solidFill>
+                <a:latin typeface="+mj-lt"/>
+                <a:ea typeface="+mj-ea"/>
+                <a:cs typeface="+mj-cs"/>
+              </a:defRPr>
+            </a:lvl1pPr>
+          </a:lstStyle>
+          <a:p>
+            <a:r>
+              <a:rPr kumimoji="1" lang="zh-CN" altLang="en-US" sz="2800" b="1" dirty="0" smtClean="0">
+                <a:latin typeface="微软雅黑"/>
+                <a:ea typeface="微软雅黑"/>
+              </a:rPr>
+              <a:t>：</a:t>
+            </a:r>
+            <a:r>
+              <a:rPr kumimoji="1" lang="en-US" altLang="zh-CN" sz="2800" b="1" dirty="0" smtClean="0">
+                <a:latin typeface="微软雅黑"/>
+                <a:ea typeface="微软雅黑"/>
+              </a:rPr>
+              <a:t>Spring</a:t>
+            </a:r>
+            <a:r>
+              <a:rPr kumimoji="1" lang="zh-CN" altLang="en-US" sz="2800" b="1" dirty="0" smtClean="0">
+                <a:latin typeface="微软雅黑"/>
+                <a:ea typeface="微软雅黑"/>
+              </a:rPr>
+              <a:t>事务是通过</a:t>
+            </a:r>
+            <a:r>
+              <a:rPr kumimoji="1" lang="en-US" altLang="zh-CN" sz="2800" b="1" dirty="0" smtClean="0">
+                <a:latin typeface="微软雅黑"/>
+                <a:ea typeface="微软雅黑"/>
+              </a:rPr>
+              <a:t>AOP</a:t>
+            </a:r>
+            <a:r>
+              <a:rPr kumimoji="1" lang="zh-CN" altLang="en-US" sz="2800" b="1" dirty="0" smtClean="0">
+                <a:latin typeface="微软雅黑"/>
+                <a:ea typeface="微软雅黑"/>
+              </a:rPr>
+              <a:t>现的</a:t>
+            </a:r>
+            <a:endParaRPr lang="zh-CN" altLang="en-US" sz="2800" dirty="0"/>
+          </a:p>
+        </p:txBody>
+      </p:sp>
     </p:spTree>
+    <p:custDataLst>
+      <p:tags r:id="rId1"/>
+    </p:custDataLst>
     <p:extLst>
       <p:ext uri="{BB962C8B-B14F-4D97-AF65-F5344CB8AC3E}">
-        <p14:creationId xmlns:p14="http://schemas.microsoft.com/office/powerpoint/2010/main" val="4126104044"/>
+        <p14:creationId xmlns:p14="http://schemas.microsoft.com/office/powerpoint/2010/main" val="1683335591"/>
       </p:ext>
     </p:extLst>
   </p:cSld>
@@ -8037,7 +6016,7 @@
 </p:sld>
 </file>
 
-<file path=ppt/slides/slide4.xml><?xml version="1.0" encoding="utf-8"?>
+<file path=ppt/slides/slide5.xml><?xml version="1.0" encoding="utf-8"?>
 <p:sld xmlns:a="http://schemas.openxmlformats.org/drawingml/2006/main" xmlns:r="http://schemas.openxmlformats.org/officeDocument/2006/relationships" xmlns:p="http://schemas.openxmlformats.org/presentationml/2006/main">
   <p:cSld>
     <p:spTree>
@@ -8396,7 +6375,7 @@
 </p:sld>
 </file>
 
-<file path=ppt/slides/slide5.xml><?xml version="1.0" encoding="utf-8"?>
+<file path=ppt/slides/slide6.xml><?xml version="1.0" encoding="utf-8"?>
 <p:sld xmlns:a="http://schemas.openxmlformats.org/drawingml/2006/main" xmlns:r="http://schemas.openxmlformats.org/officeDocument/2006/relationships" xmlns:p="http://schemas.openxmlformats.org/presentationml/2006/main">
   <p:cSld>
     <p:spTree>
@@ -9403,7 +7382,8 @@
 
 <file path=ppt/tags/tag9.xml><?xml version="1.0" encoding="utf-8"?>
 <p:tagLst xmlns:a="http://schemas.openxmlformats.org/drawingml/2006/main" xmlns:r="http://schemas.openxmlformats.org/officeDocument/2006/relationships" xmlns:p="http://schemas.openxmlformats.org/presentationml/2006/main">
-  <p:tag name="ISLIDE.DIAGRAM" val="#3251"/>
+  <p:tag name="ISLIDE.PICTURE" val="#121869;"/>
+  <p:tag name="ISLIDE.ICON" val="#14359;#14359;#14359;"/>
 </p:tagLst>
 </file>
 

--- a/文档/spring事务传播机制.pptx
+++ b/文档/spring事务传播机制.pptx
@@ -246,7 +246,7 @@
           <a:p>
             <a:fld id="{23EE08A7-5BD9-4C0E-8334-21E7C55D463A}" type="datetimeFigureOut">
               <a:rPr lang="zh-CN" altLang="en-US" smtClean="0"/>
-              <a:t>2020/3/26</a:t>
+              <a:t>2020/3/30</a:t>
             </a:fld>
             <a:endParaRPr lang="zh-CN" altLang="en-US"/>
           </a:p>
@@ -1021,7 +1021,7 @@
           <a:p>
             <a:fld id="{801871F6-7213-0749-8362-F2BA51CEE92F}" type="datetimeFigureOut">
               <a:rPr lang="en-US" smtClean="0"/>
-              <a:t>3/26/2020</a:t>
+              <a:t>3/30/2020</a:t>
             </a:fld>
             <a:endParaRPr lang="en-US"/>
           </a:p>
@@ -1201,7 +1201,7 @@
           <a:p>
             <a:fld id="{801871F6-7213-0749-8362-F2BA51CEE92F}" type="datetimeFigureOut">
               <a:rPr lang="en-US" smtClean="0"/>
-              <a:t>3/26/2020</a:t>
+              <a:t>3/30/2020</a:t>
             </a:fld>
             <a:endParaRPr lang="en-US"/>
           </a:p>
@@ -1394,7 +1394,7 @@
                 </a:solidFill>
               </a:rPr>
               <a:pPr/>
-              <a:t>26/3/2020</a:t>
+              <a:t>30/3/2020</a:t>
             </a:fld>
             <a:endParaRPr lang="zh-HK" altLang="en-US">
               <a:solidFill>
@@ -1969,7 +1969,7 @@
           <a:p>
             <a:fld id="{801871F6-7213-0749-8362-F2BA51CEE92F}" type="datetimeFigureOut">
               <a:rPr lang="en-US" smtClean="0"/>
-              <a:t>3/26/2020</a:t>
+              <a:t>3/30/2020</a:t>
             </a:fld>
             <a:endParaRPr lang="en-US"/>
           </a:p>
@@ -2087,7 +2087,7 @@
           <a:p>
             <a:fld id="{801871F6-7213-0749-8362-F2BA51CEE92F}" type="datetimeFigureOut">
               <a:rPr lang="en-US" smtClean="0"/>
-              <a:t>3/26/2020</a:t>
+              <a:t>3/30/2020</a:t>
             </a:fld>
             <a:endParaRPr lang="en-US"/>
           </a:p>
@@ -2182,7 +2182,7 @@
           <a:p>
             <a:fld id="{801871F6-7213-0749-8362-F2BA51CEE92F}" type="datetimeFigureOut">
               <a:rPr lang="en-US" smtClean="0"/>
-              <a:t>3/26/2020</a:t>
+              <a:t>3/30/2020</a:t>
             </a:fld>
             <a:endParaRPr lang="en-US"/>
           </a:p>
@@ -2459,7 +2459,7 @@
           <a:p>
             <a:fld id="{801871F6-7213-0749-8362-F2BA51CEE92F}" type="datetimeFigureOut">
               <a:rPr lang="en-US" smtClean="0"/>
-              <a:t>3/26/2020</a:t>
+              <a:t>3/30/2020</a:t>
             </a:fld>
             <a:endParaRPr lang="en-US"/>
           </a:p>
@@ -2712,7 +2712,7 @@
           <a:p>
             <a:fld id="{801871F6-7213-0749-8362-F2BA51CEE92F}" type="datetimeFigureOut">
               <a:rPr lang="en-US" smtClean="0"/>
-              <a:t>3/26/2020</a:t>
+              <a:t>3/30/2020</a:t>
             </a:fld>
             <a:endParaRPr lang="en-US"/>
           </a:p>
@@ -2934,7 +2934,7 @@
           <a:p>
             <a:fld id="{801871F6-7213-0749-8362-F2BA51CEE92F}" type="datetimeFigureOut">
               <a:rPr lang="en-US" smtClean="0"/>
-              <a:t>3/26/2020</a:t>
+              <a:t>3/30/2020</a:t>
             </a:fld>
             <a:endParaRPr lang="en-US"/>
           </a:p>
@@ -5099,6 +5099,7673 @@
               <a:t>传播机制的种类</a:t>
             </a:r>
             <a:endParaRPr lang="zh-CN" altLang="en-US" sz="3200" dirty="0"/>
+          </a:p>
+        </p:txBody>
+      </p:sp>
+      <p:grpSp>
+        <p:nvGrpSpPr>
+          <p:cNvPr id="18" name="#4412" descr="本素材由iSlide™ 提供&#10;iSlide™尊重知识产权并注重保护用户享有的各项权利。郑重提醒您：&#10;iSlide™插件中提供的任何信息内容的所有权、知识产权归其原始权利人或权利受让人所有，您免费/购买获得的是信息内容的使用权，并受下述条款的约束；&#10;1. 您仅可以个人非商业用途使用该等信息内容，不可将信息内容的全部或部分用于出售，或以出租、出借、转让、分销、发布等其他任何方式供他人使用；&#10;2. 禁止在接入互联网或移动互联网的任何网站、平台、应用或程序上以任何方式为他人提供iSlide™插件资源内容的下载。&#10;The resource is supplied by iSlide™.&#10;iSlide™ respects all intellectual property rights and protects all the rights its users acquired.Solemnly remind you:&#10;The ownership and intellectual property of the resources supplied in iSlide Add-in belongs to its owner or the assignee of this ownership.you only acquired the usage of the resources supplied in iSlide Add-in, as well as respected the following restrain terms:&#10;1.You are only allowed to use such resource for personal and non-commercial aim, not allowed to use such resource or part of it for the sale; or rent, lend, transfer to others; or distribution or release it in any way.&#10;2.You are not permitted to provide the resource of iSlide Add-in in any website, platform, application access to the Internet or mobile Internet." title="iSlide™ 版权声明  COPYRIGHT NOTICE"/>
+          <p:cNvGrpSpPr>
+            <a:grpSpLocks noChangeAspect="1"/>
+          </p:cNvGrpSpPr>
+          <p:nvPr>
+            <p:custDataLst>
+              <p:tags r:id="rId1"/>
+            </p:custDataLst>
+          </p:nvPr>
+        </p:nvGrpSpPr>
+        <p:grpSpPr>
+          <a:xfrm>
+            <a:off x="1115677" y="1800686"/>
+            <a:ext cx="9960646" cy="4677567"/>
+            <a:chOff x="914400" y="1205246"/>
+            <a:chExt cx="10363200" cy="4866608"/>
+          </a:xfrm>
+        </p:grpSpPr>
+        <p:grpSp>
+          <p:nvGrpSpPr>
+            <p:cNvPr id="19" name="îṧliḍè">
+              <a:extLst>
+                <a:ext uri="{FF2B5EF4-FFF2-40B4-BE49-F238E27FC236}">
+                  <a16:creationId xmlns:a16="http://schemas.microsoft.com/office/drawing/2014/main" id="{B0963429-D8C7-4585-8C41-18A3FED51865}"/>
+                </a:ext>
+              </a:extLst>
+            </p:cNvPr>
+            <p:cNvGrpSpPr/>
+            <p:nvPr/>
+          </p:nvGrpSpPr>
+          <p:grpSpPr>
+            <a:xfrm>
+              <a:off x="914400" y="1205246"/>
+              <a:ext cx="2369319" cy="2471787"/>
+              <a:chOff x="914400" y="1205246"/>
+              <a:chExt cx="2369319" cy="2471787"/>
+            </a:xfrm>
+          </p:grpSpPr>
+          <p:sp>
+            <p:nvSpPr>
+              <p:cNvPr id="56" name="îṥlíḋè"/>
+              <p:cNvSpPr/>
+              <p:nvPr/>
+            </p:nvSpPr>
+            <p:spPr bwMode="auto">
+              <a:xfrm>
+                <a:off x="914400" y="1205246"/>
+                <a:ext cx="2369319" cy="2471787"/>
+              </a:xfrm>
+              <a:custGeom>
+                <a:avLst/>
+                <a:gdLst>
+                  <a:gd name="T0" fmla="*/ 538 w 1089"/>
+                  <a:gd name="T1" fmla="*/ 1138 h 1138"/>
+                  <a:gd name="T2" fmla="*/ 466 w 1089"/>
+                  <a:gd name="T3" fmla="*/ 1122 h 1138"/>
+                  <a:gd name="T4" fmla="*/ 71 w 1089"/>
+                  <a:gd name="T5" fmla="*/ 895 h 1138"/>
+                  <a:gd name="T6" fmla="*/ 0 w 1089"/>
+                  <a:gd name="T7" fmla="*/ 772 h 1138"/>
+                  <a:gd name="T8" fmla="*/ 4 w 1089"/>
+                  <a:gd name="T9" fmla="*/ 248 h 1138"/>
+                  <a:gd name="T10" fmla="*/ 79 w 1089"/>
+                  <a:gd name="T11" fmla="*/ 143 h 1138"/>
+                  <a:gd name="T12" fmla="*/ 455 w 1089"/>
+                  <a:gd name="T13" fmla="*/ 12 h 1138"/>
+                  <a:gd name="T14" fmla="*/ 540 w 1089"/>
+                  <a:gd name="T15" fmla="*/ 0 h 1138"/>
+                  <a:gd name="T16" fmla="*/ 621 w 1089"/>
+                  <a:gd name="T17" fmla="*/ 11 h 1138"/>
+                  <a:gd name="T18" fmla="*/ 1015 w 1089"/>
+                  <a:gd name="T19" fmla="*/ 144 h 1138"/>
+                  <a:gd name="T20" fmla="*/ 1088 w 1089"/>
+                  <a:gd name="T21" fmla="*/ 247 h 1138"/>
+                  <a:gd name="T22" fmla="*/ 1078 w 1089"/>
+                  <a:gd name="T23" fmla="*/ 772 h 1138"/>
+                  <a:gd name="T24" fmla="*/ 1005 w 1089"/>
+                  <a:gd name="T25" fmla="*/ 895 h 1138"/>
+                  <a:gd name="T26" fmla="*/ 609 w 1089"/>
+                  <a:gd name="T27" fmla="*/ 1122 h 1138"/>
+                  <a:gd name="T28" fmla="*/ 538 w 1089"/>
+                  <a:gd name="T29" fmla="*/ 1138 h 1138"/>
+                </a:gdLst>
+                <a:ahLst/>
+                <a:cxnLst>
+                  <a:cxn ang="0">
+                    <a:pos x="T0" y="T1"/>
+                  </a:cxn>
+                  <a:cxn ang="0">
+                    <a:pos x="T2" y="T3"/>
+                  </a:cxn>
+                  <a:cxn ang="0">
+                    <a:pos x="T4" y="T5"/>
+                  </a:cxn>
+                  <a:cxn ang="0">
+                    <a:pos x="T6" y="T7"/>
+                  </a:cxn>
+                  <a:cxn ang="0">
+                    <a:pos x="T8" y="T9"/>
+                  </a:cxn>
+                  <a:cxn ang="0">
+                    <a:pos x="T10" y="T11"/>
+                  </a:cxn>
+                  <a:cxn ang="0">
+                    <a:pos x="T12" y="T13"/>
+                  </a:cxn>
+                  <a:cxn ang="0">
+                    <a:pos x="T14" y="T15"/>
+                  </a:cxn>
+                  <a:cxn ang="0">
+                    <a:pos x="T16" y="T17"/>
+                  </a:cxn>
+                  <a:cxn ang="0">
+                    <a:pos x="T18" y="T19"/>
+                  </a:cxn>
+                  <a:cxn ang="0">
+                    <a:pos x="T20" y="T21"/>
+                  </a:cxn>
+                  <a:cxn ang="0">
+                    <a:pos x="T22" y="T23"/>
+                  </a:cxn>
+                  <a:cxn ang="0">
+                    <a:pos x="T24" y="T25"/>
+                  </a:cxn>
+                  <a:cxn ang="0">
+                    <a:pos x="T26" y="T27"/>
+                  </a:cxn>
+                  <a:cxn ang="0">
+                    <a:pos x="T28" y="T29"/>
+                  </a:cxn>
+                </a:cxnLst>
+                <a:rect l="0" t="0" r="r" b="b"/>
+                <a:pathLst>
+                  <a:path w="1089" h="1138">
+                    <a:moveTo>
+                      <a:pt x="538" y="1138"/>
+                    </a:moveTo>
+                    <a:cubicBezTo>
+                      <a:pt x="511" y="1138"/>
+                      <a:pt x="485" y="1132"/>
+                      <a:pt x="466" y="1122"/>
+                    </a:cubicBezTo>
+                    <a:cubicBezTo>
+                      <a:pt x="71" y="895"/>
+                      <a:pt x="71" y="895"/>
+                      <a:pt x="71" y="895"/>
+                    </a:cubicBezTo>
+                    <a:cubicBezTo>
+                      <a:pt x="32" y="873"/>
+                      <a:pt x="0" y="817"/>
+                      <a:pt x="0" y="772"/>
+                    </a:cubicBezTo>
+                    <a:cubicBezTo>
+                      <a:pt x="4" y="248"/>
+                      <a:pt x="4" y="248"/>
+                      <a:pt x="4" y="248"/>
+                    </a:cubicBezTo>
+                    <a:cubicBezTo>
+                      <a:pt x="4" y="205"/>
+                      <a:pt x="38" y="157"/>
+                      <a:pt x="79" y="143"/>
+                    </a:cubicBezTo>
+                    <a:cubicBezTo>
+                      <a:pt x="455" y="12"/>
+                      <a:pt x="455" y="12"/>
+                      <a:pt x="455" y="12"/>
+                    </a:cubicBezTo>
+                    <a:cubicBezTo>
+                      <a:pt x="477" y="4"/>
+                      <a:pt x="508" y="0"/>
+                      <a:pt x="540" y="0"/>
+                    </a:cubicBezTo>
+                    <a:cubicBezTo>
+                      <a:pt x="570" y="0"/>
+                      <a:pt x="600" y="4"/>
+                      <a:pt x="621" y="11"/>
+                    </a:cubicBezTo>
+                    <a:cubicBezTo>
+                      <a:pt x="1015" y="144"/>
+                      <a:pt x="1015" y="144"/>
+                      <a:pt x="1015" y="144"/>
+                    </a:cubicBezTo>
+                    <a:cubicBezTo>
+                      <a:pt x="1056" y="157"/>
+                      <a:pt x="1089" y="205"/>
+                      <a:pt x="1088" y="247"/>
+                    </a:cubicBezTo>
+                    <a:cubicBezTo>
+                      <a:pt x="1078" y="772"/>
+                      <a:pt x="1078" y="772"/>
+                      <a:pt x="1078" y="772"/>
+                    </a:cubicBezTo>
+                    <a:cubicBezTo>
+                      <a:pt x="1077" y="816"/>
+                      <a:pt x="1044" y="873"/>
+                      <a:pt x="1005" y="895"/>
+                    </a:cubicBezTo>
+                    <a:cubicBezTo>
+                      <a:pt x="609" y="1122"/>
+                      <a:pt x="609" y="1122"/>
+                      <a:pt x="609" y="1122"/>
+                    </a:cubicBezTo>
+                    <a:cubicBezTo>
+                      <a:pt x="591" y="1132"/>
+                      <a:pt x="565" y="1138"/>
+                      <a:pt x="538" y="1138"/>
+                    </a:cubicBezTo>
+                    <a:close/>
+                  </a:path>
+                </a:pathLst>
+              </a:custGeom>
+              <a:solidFill>
+                <a:schemeClr val="accent1"/>
+              </a:solidFill>
+              <a:ln>
+                <a:noFill/>
+              </a:ln>
+            </p:spPr>
+            <p:txBody>
+              <a:bodyPr wrap="square" lIns="91440" tIns="45720" rIns="91440" bIns="45720" anchor="ctr">
+                <a:normAutofit/>
+              </a:bodyPr>
+              <a:lstStyle/>
+              <a:p>
+                <a:pPr algn="ctr"/>
+                <a:endParaRPr/>
+              </a:p>
+            </p:txBody>
+          </p:sp>
+          <p:sp>
+            <p:nvSpPr>
+              <p:cNvPr id="57" name="îSḷîďê"/>
+              <p:cNvSpPr/>
+              <p:nvPr/>
+            </p:nvSpPr>
+            <p:spPr bwMode="auto">
+              <a:xfrm>
+                <a:off x="1069148" y="1368359"/>
+                <a:ext cx="2059823" cy="2125695"/>
+              </a:xfrm>
+              <a:custGeom>
+                <a:avLst/>
+                <a:gdLst>
+                  <a:gd name="T0" fmla="*/ 83 w 947"/>
+                  <a:gd name="T1" fmla="*/ 784 h 979"/>
+                  <a:gd name="T2" fmla="*/ 0 w 947"/>
+                  <a:gd name="T3" fmla="*/ 643 h 979"/>
+                  <a:gd name="T4" fmla="*/ 3 w 947"/>
+                  <a:gd name="T5" fmla="*/ 243 h 979"/>
+                  <a:gd name="T6" fmla="*/ 94 w 947"/>
+                  <a:gd name="T7" fmla="*/ 116 h 979"/>
+                  <a:gd name="T8" fmla="*/ 378 w 947"/>
+                  <a:gd name="T9" fmla="*/ 18 h 979"/>
+                  <a:gd name="T10" fmla="*/ 558 w 947"/>
+                  <a:gd name="T11" fmla="*/ 17 h 979"/>
+                  <a:gd name="T12" fmla="*/ 857 w 947"/>
+                  <a:gd name="T13" fmla="*/ 117 h 979"/>
+                  <a:gd name="T14" fmla="*/ 946 w 947"/>
+                  <a:gd name="T15" fmla="*/ 243 h 979"/>
+                  <a:gd name="T16" fmla="*/ 938 w 947"/>
+                  <a:gd name="T17" fmla="*/ 642 h 979"/>
+                  <a:gd name="T18" fmla="*/ 853 w 947"/>
+                  <a:gd name="T19" fmla="*/ 783 h 979"/>
+                  <a:gd name="T20" fmla="*/ 550 w 947"/>
+                  <a:gd name="T21" fmla="*/ 953 h 979"/>
+                  <a:gd name="T22" fmla="*/ 384 w 947"/>
+                  <a:gd name="T23" fmla="*/ 953 h 979"/>
+                  <a:gd name="T24" fmla="*/ 83 w 947"/>
+                  <a:gd name="T25" fmla="*/ 784 h 979"/>
+                </a:gdLst>
+                <a:ahLst/>
+                <a:cxnLst>
+                  <a:cxn ang="0">
+                    <a:pos x="T0" y="T1"/>
+                  </a:cxn>
+                  <a:cxn ang="0">
+                    <a:pos x="T2" y="T3"/>
+                  </a:cxn>
+                  <a:cxn ang="0">
+                    <a:pos x="T4" y="T5"/>
+                  </a:cxn>
+                  <a:cxn ang="0">
+                    <a:pos x="T6" y="T7"/>
+                  </a:cxn>
+                  <a:cxn ang="0">
+                    <a:pos x="T8" y="T9"/>
+                  </a:cxn>
+                  <a:cxn ang="0">
+                    <a:pos x="T10" y="T11"/>
+                  </a:cxn>
+                  <a:cxn ang="0">
+                    <a:pos x="T12" y="T13"/>
+                  </a:cxn>
+                  <a:cxn ang="0">
+                    <a:pos x="T14" y="T15"/>
+                  </a:cxn>
+                  <a:cxn ang="0">
+                    <a:pos x="T16" y="T17"/>
+                  </a:cxn>
+                  <a:cxn ang="0">
+                    <a:pos x="T18" y="T19"/>
+                  </a:cxn>
+                  <a:cxn ang="0">
+                    <a:pos x="T20" y="T21"/>
+                  </a:cxn>
+                  <a:cxn ang="0">
+                    <a:pos x="T22" y="T23"/>
+                  </a:cxn>
+                  <a:cxn ang="0">
+                    <a:pos x="T24" y="T25"/>
+                  </a:cxn>
+                </a:cxnLst>
+                <a:rect l="0" t="0" r="r" b="b"/>
+                <a:pathLst>
+                  <a:path w="947" h="979">
+                    <a:moveTo>
+                      <a:pt x="83" y="784"/>
+                    </a:moveTo>
+                    <a:cubicBezTo>
+                      <a:pt x="37" y="759"/>
+                      <a:pt x="0" y="695"/>
+                      <a:pt x="0" y="643"/>
+                    </a:cubicBezTo>
+                    <a:cubicBezTo>
+                      <a:pt x="3" y="243"/>
+                      <a:pt x="3" y="243"/>
+                      <a:pt x="3" y="243"/>
+                    </a:cubicBezTo>
+                    <a:cubicBezTo>
+                      <a:pt x="4" y="191"/>
+                      <a:pt x="44" y="134"/>
+                      <a:pt x="94" y="116"/>
+                    </a:cubicBezTo>
+                    <a:cubicBezTo>
+                      <a:pt x="378" y="18"/>
+                      <a:pt x="378" y="18"/>
+                      <a:pt x="378" y="18"/>
+                    </a:cubicBezTo>
+                    <a:cubicBezTo>
+                      <a:pt x="427" y="1"/>
+                      <a:pt x="508" y="0"/>
+                      <a:pt x="558" y="17"/>
+                    </a:cubicBezTo>
+                    <a:cubicBezTo>
+                      <a:pt x="857" y="117"/>
+                      <a:pt x="857" y="117"/>
+                      <a:pt x="857" y="117"/>
+                    </a:cubicBezTo>
+                    <a:cubicBezTo>
+                      <a:pt x="907" y="134"/>
+                      <a:pt x="947" y="191"/>
+                      <a:pt x="946" y="243"/>
+                    </a:cubicBezTo>
+                    <a:cubicBezTo>
+                      <a:pt x="938" y="642"/>
+                      <a:pt x="938" y="642"/>
+                      <a:pt x="938" y="642"/>
+                    </a:cubicBezTo>
+                    <a:cubicBezTo>
+                      <a:pt x="937" y="694"/>
+                      <a:pt x="899" y="758"/>
+                      <a:pt x="853" y="783"/>
+                    </a:cubicBezTo>
+                    <a:cubicBezTo>
+                      <a:pt x="550" y="953"/>
+                      <a:pt x="550" y="953"/>
+                      <a:pt x="550" y="953"/>
+                    </a:cubicBezTo>
+                    <a:cubicBezTo>
+                      <a:pt x="505" y="979"/>
+                      <a:pt x="430" y="979"/>
+                      <a:pt x="384" y="953"/>
+                    </a:cubicBezTo>
+                    <a:lnTo>
+                      <a:pt x="83" y="784"/>
+                    </a:lnTo>
+                    <a:close/>
+                  </a:path>
+                </a:pathLst>
+              </a:custGeom>
+              <a:solidFill>
+                <a:srgbClr val="FFFFFF"/>
+              </a:solidFill>
+              <a:ln>
+                <a:noFill/>
+              </a:ln>
+              <a:extLst>
+                <a:ext uri="{91240B29-F687-4F45-9708-019B960494DF}">
+                  <a14:hiddenLine xmlns:a14="http://schemas.microsoft.com/office/drawing/2010/main" w="9525">
+                    <a:solidFill>
+                      <a:srgbClr val="000000"/>
+                    </a:solidFill>
+                    <a:round/>
+                    <a:headEnd/>
+                    <a:tailEnd/>
+                  </a14:hiddenLine>
+                </a:ext>
+              </a:extLst>
+            </p:spPr>
+            <p:txBody>
+              <a:bodyPr wrap="square" lIns="91440" tIns="45720" rIns="91440" bIns="45720" anchor="ctr">
+                <a:normAutofit/>
+              </a:bodyPr>
+              <a:lstStyle/>
+              <a:p>
+                <a:pPr algn="ctr"/>
+                <a:endParaRPr/>
+              </a:p>
+            </p:txBody>
+          </p:sp>
+          <p:sp>
+            <p:nvSpPr>
+              <p:cNvPr id="58" name="ïṡ1íḋe"/>
+              <p:cNvSpPr/>
+              <p:nvPr/>
+            </p:nvSpPr>
+            <p:spPr bwMode="auto">
+              <a:xfrm>
+                <a:off x="1316954" y="1326535"/>
+                <a:ext cx="1564211" cy="469473"/>
+              </a:xfrm>
+              <a:custGeom>
+                <a:avLst/>
+                <a:gdLst>
+                  <a:gd name="T0" fmla="*/ 716 w 719"/>
+                  <a:gd name="T1" fmla="*/ 0 h 216"/>
+                  <a:gd name="T2" fmla="*/ 362 w 719"/>
+                  <a:gd name="T3" fmla="*/ 0 h 216"/>
+                  <a:gd name="T4" fmla="*/ 359 w 719"/>
+                  <a:gd name="T5" fmla="*/ 0 h 216"/>
+                  <a:gd name="T6" fmla="*/ 359 w 719"/>
+                  <a:gd name="T7" fmla="*/ 0 h 216"/>
+                  <a:gd name="T8" fmla="*/ 356 w 719"/>
+                  <a:gd name="T9" fmla="*/ 0 h 216"/>
+                  <a:gd name="T10" fmla="*/ 2 w 719"/>
+                  <a:gd name="T11" fmla="*/ 0 h 216"/>
+                  <a:gd name="T12" fmla="*/ 0 w 719"/>
+                  <a:gd name="T13" fmla="*/ 0 h 216"/>
+                  <a:gd name="T14" fmla="*/ 39 w 719"/>
+                  <a:gd name="T15" fmla="*/ 9 h 216"/>
+                  <a:gd name="T16" fmla="*/ 46 w 719"/>
+                  <a:gd name="T17" fmla="*/ 13 h 216"/>
+                  <a:gd name="T18" fmla="*/ 49 w 719"/>
+                  <a:gd name="T19" fmla="*/ 14 h 216"/>
+                  <a:gd name="T20" fmla="*/ 53 w 719"/>
+                  <a:gd name="T21" fmla="*/ 17 h 216"/>
+                  <a:gd name="T22" fmla="*/ 56 w 719"/>
+                  <a:gd name="T23" fmla="*/ 19 h 216"/>
+                  <a:gd name="T24" fmla="*/ 59 w 719"/>
+                  <a:gd name="T25" fmla="*/ 22 h 216"/>
+                  <a:gd name="T26" fmla="*/ 63 w 719"/>
+                  <a:gd name="T27" fmla="*/ 25 h 216"/>
+                  <a:gd name="T28" fmla="*/ 64 w 719"/>
+                  <a:gd name="T29" fmla="*/ 27 h 216"/>
+                  <a:gd name="T30" fmla="*/ 70 w 719"/>
+                  <a:gd name="T31" fmla="*/ 33 h 216"/>
+                  <a:gd name="T32" fmla="*/ 71 w 719"/>
+                  <a:gd name="T33" fmla="*/ 34 h 216"/>
+                  <a:gd name="T34" fmla="*/ 75 w 719"/>
+                  <a:gd name="T35" fmla="*/ 38 h 216"/>
+                  <a:gd name="T36" fmla="*/ 76 w 719"/>
+                  <a:gd name="T37" fmla="*/ 40 h 216"/>
+                  <a:gd name="T38" fmla="*/ 77 w 719"/>
+                  <a:gd name="T39" fmla="*/ 41 h 216"/>
+                  <a:gd name="T40" fmla="*/ 78 w 719"/>
+                  <a:gd name="T41" fmla="*/ 43 h 216"/>
+                  <a:gd name="T42" fmla="*/ 81 w 719"/>
+                  <a:gd name="T43" fmla="*/ 47 h 216"/>
+                  <a:gd name="T44" fmla="*/ 81 w 719"/>
+                  <a:gd name="T45" fmla="*/ 48 h 216"/>
+                  <a:gd name="T46" fmla="*/ 81 w 719"/>
+                  <a:gd name="T47" fmla="*/ 48 h 216"/>
+                  <a:gd name="T48" fmla="*/ 81 w 719"/>
+                  <a:gd name="T49" fmla="*/ 48 h 216"/>
+                  <a:gd name="T50" fmla="*/ 86 w 719"/>
+                  <a:gd name="T51" fmla="*/ 59 h 216"/>
+                  <a:gd name="T52" fmla="*/ 86 w 719"/>
+                  <a:gd name="T53" fmla="*/ 59 h 216"/>
+                  <a:gd name="T54" fmla="*/ 96 w 719"/>
+                  <a:gd name="T55" fmla="*/ 95 h 216"/>
+                  <a:gd name="T56" fmla="*/ 96 w 719"/>
+                  <a:gd name="T57" fmla="*/ 98 h 216"/>
+                  <a:gd name="T58" fmla="*/ 111 w 719"/>
+                  <a:gd name="T59" fmla="*/ 166 h 216"/>
+                  <a:gd name="T60" fmla="*/ 192 w 719"/>
+                  <a:gd name="T61" fmla="*/ 216 h 216"/>
+                  <a:gd name="T62" fmla="*/ 356 w 719"/>
+                  <a:gd name="T63" fmla="*/ 216 h 216"/>
+                  <a:gd name="T64" fmla="*/ 359 w 719"/>
+                  <a:gd name="T65" fmla="*/ 216 h 216"/>
+                  <a:gd name="T66" fmla="*/ 359 w 719"/>
+                  <a:gd name="T67" fmla="*/ 216 h 216"/>
+                  <a:gd name="T68" fmla="*/ 362 w 719"/>
+                  <a:gd name="T69" fmla="*/ 216 h 216"/>
+                  <a:gd name="T70" fmla="*/ 526 w 719"/>
+                  <a:gd name="T71" fmla="*/ 216 h 216"/>
+                  <a:gd name="T72" fmla="*/ 607 w 719"/>
+                  <a:gd name="T73" fmla="*/ 166 h 216"/>
+                  <a:gd name="T74" fmla="*/ 622 w 719"/>
+                  <a:gd name="T75" fmla="*/ 98 h 216"/>
+                  <a:gd name="T76" fmla="*/ 622 w 719"/>
+                  <a:gd name="T77" fmla="*/ 96 h 216"/>
+                  <a:gd name="T78" fmla="*/ 632 w 719"/>
+                  <a:gd name="T79" fmla="*/ 59 h 216"/>
+                  <a:gd name="T80" fmla="*/ 637 w 719"/>
+                  <a:gd name="T81" fmla="*/ 48 h 216"/>
+                  <a:gd name="T82" fmla="*/ 654 w 719"/>
+                  <a:gd name="T83" fmla="*/ 27 h 216"/>
+                  <a:gd name="T84" fmla="*/ 656 w 719"/>
+                  <a:gd name="T85" fmla="*/ 25 h 216"/>
+                  <a:gd name="T86" fmla="*/ 659 w 719"/>
+                  <a:gd name="T87" fmla="*/ 22 h 216"/>
+                  <a:gd name="T88" fmla="*/ 662 w 719"/>
+                  <a:gd name="T89" fmla="*/ 19 h 216"/>
+                  <a:gd name="T90" fmla="*/ 665 w 719"/>
+                  <a:gd name="T91" fmla="*/ 17 h 216"/>
+                  <a:gd name="T92" fmla="*/ 669 w 719"/>
+                  <a:gd name="T93" fmla="*/ 14 h 216"/>
+                  <a:gd name="T94" fmla="*/ 672 w 719"/>
+                  <a:gd name="T95" fmla="*/ 13 h 216"/>
+                  <a:gd name="T96" fmla="*/ 679 w 719"/>
+                  <a:gd name="T97" fmla="*/ 9 h 216"/>
+                  <a:gd name="T98" fmla="*/ 719 w 719"/>
+                  <a:gd name="T99" fmla="*/ 0 h 216"/>
+                  <a:gd name="T100" fmla="*/ 716 w 719"/>
+                  <a:gd name="T101" fmla="*/ 0 h 216"/>
+                </a:gdLst>
+                <a:ahLst/>
+                <a:cxnLst>
+                  <a:cxn ang="0">
+                    <a:pos x="T0" y="T1"/>
+                  </a:cxn>
+                  <a:cxn ang="0">
+                    <a:pos x="T2" y="T3"/>
+                  </a:cxn>
+                  <a:cxn ang="0">
+                    <a:pos x="T4" y="T5"/>
+                  </a:cxn>
+                  <a:cxn ang="0">
+                    <a:pos x="T6" y="T7"/>
+                  </a:cxn>
+                  <a:cxn ang="0">
+                    <a:pos x="T8" y="T9"/>
+                  </a:cxn>
+                  <a:cxn ang="0">
+                    <a:pos x="T10" y="T11"/>
+                  </a:cxn>
+                  <a:cxn ang="0">
+                    <a:pos x="T12" y="T13"/>
+                  </a:cxn>
+                  <a:cxn ang="0">
+                    <a:pos x="T14" y="T15"/>
+                  </a:cxn>
+                  <a:cxn ang="0">
+                    <a:pos x="T16" y="T17"/>
+                  </a:cxn>
+                  <a:cxn ang="0">
+                    <a:pos x="T18" y="T19"/>
+                  </a:cxn>
+                  <a:cxn ang="0">
+                    <a:pos x="T20" y="T21"/>
+                  </a:cxn>
+                  <a:cxn ang="0">
+                    <a:pos x="T22" y="T23"/>
+                  </a:cxn>
+                  <a:cxn ang="0">
+                    <a:pos x="T24" y="T25"/>
+                  </a:cxn>
+                  <a:cxn ang="0">
+                    <a:pos x="T26" y="T27"/>
+                  </a:cxn>
+                  <a:cxn ang="0">
+                    <a:pos x="T28" y="T29"/>
+                  </a:cxn>
+                  <a:cxn ang="0">
+                    <a:pos x="T30" y="T31"/>
+                  </a:cxn>
+                  <a:cxn ang="0">
+                    <a:pos x="T32" y="T33"/>
+                  </a:cxn>
+                  <a:cxn ang="0">
+                    <a:pos x="T34" y="T35"/>
+                  </a:cxn>
+                  <a:cxn ang="0">
+                    <a:pos x="T36" y="T37"/>
+                  </a:cxn>
+                  <a:cxn ang="0">
+                    <a:pos x="T38" y="T39"/>
+                  </a:cxn>
+                  <a:cxn ang="0">
+                    <a:pos x="T40" y="T41"/>
+                  </a:cxn>
+                  <a:cxn ang="0">
+                    <a:pos x="T42" y="T43"/>
+                  </a:cxn>
+                  <a:cxn ang="0">
+                    <a:pos x="T44" y="T45"/>
+                  </a:cxn>
+                  <a:cxn ang="0">
+                    <a:pos x="T46" y="T47"/>
+                  </a:cxn>
+                  <a:cxn ang="0">
+                    <a:pos x="T48" y="T49"/>
+                  </a:cxn>
+                  <a:cxn ang="0">
+                    <a:pos x="T50" y="T51"/>
+                  </a:cxn>
+                  <a:cxn ang="0">
+                    <a:pos x="T52" y="T53"/>
+                  </a:cxn>
+                  <a:cxn ang="0">
+                    <a:pos x="T54" y="T55"/>
+                  </a:cxn>
+                  <a:cxn ang="0">
+                    <a:pos x="T56" y="T57"/>
+                  </a:cxn>
+                  <a:cxn ang="0">
+                    <a:pos x="T58" y="T59"/>
+                  </a:cxn>
+                  <a:cxn ang="0">
+                    <a:pos x="T60" y="T61"/>
+                  </a:cxn>
+                  <a:cxn ang="0">
+                    <a:pos x="T62" y="T63"/>
+                  </a:cxn>
+                  <a:cxn ang="0">
+                    <a:pos x="T64" y="T65"/>
+                  </a:cxn>
+                  <a:cxn ang="0">
+                    <a:pos x="T66" y="T67"/>
+                  </a:cxn>
+                  <a:cxn ang="0">
+                    <a:pos x="T68" y="T69"/>
+                  </a:cxn>
+                  <a:cxn ang="0">
+                    <a:pos x="T70" y="T71"/>
+                  </a:cxn>
+                  <a:cxn ang="0">
+                    <a:pos x="T72" y="T73"/>
+                  </a:cxn>
+                  <a:cxn ang="0">
+                    <a:pos x="T74" y="T75"/>
+                  </a:cxn>
+                  <a:cxn ang="0">
+                    <a:pos x="T76" y="T77"/>
+                  </a:cxn>
+                  <a:cxn ang="0">
+                    <a:pos x="T78" y="T79"/>
+                  </a:cxn>
+                  <a:cxn ang="0">
+                    <a:pos x="T80" y="T81"/>
+                  </a:cxn>
+                  <a:cxn ang="0">
+                    <a:pos x="T82" y="T83"/>
+                  </a:cxn>
+                  <a:cxn ang="0">
+                    <a:pos x="T84" y="T85"/>
+                  </a:cxn>
+                  <a:cxn ang="0">
+                    <a:pos x="T86" y="T87"/>
+                  </a:cxn>
+                  <a:cxn ang="0">
+                    <a:pos x="T88" y="T89"/>
+                  </a:cxn>
+                  <a:cxn ang="0">
+                    <a:pos x="T90" y="T91"/>
+                  </a:cxn>
+                  <a:cxn ang="0">
+                    <a:pos x="T92" y="T93"/>
+                  </a:cxn>
+                  <a:cxn ang="0">
+                    <a:pos x="T94" y="T95"/>
+                  </a:cxn>
+                  <a:cxn ang="0">
+                    <a:pos x="T96" y="T97"/>
+                  </a:cxn>
+                  <a:cxn ang="0">
+                    <a:pos x="T98" y="T99"/>
+                  </a:cxn>
+                  <a:cxn ang="0">
+                    <a:pos x="T100" y="T101"/>
+                  </a:cxn>
+                </a:cxnLst>
+                <a:rect l="0" t="0" r="r" b="b"/>
+                <a:pathLst>
+                  <a:path w="719" h="216">
+                    <a:moveTo>
+                      <a:pt x="716" y="0"/>
+                    </a:moveTo>
+                    <a:cubicBezTo>
+                      <a:pt x="362" y="0"/>
+                      <a:pt x="362" y="0"/>
+                      <a:pt x="362" y="0"/>
+                    </a:cubicBezTo>
+                    <a:cubicBezTo>
+                      <a:pt x="359" y="0"/>
+                      <a:pt x="359" y="0"/>
+                      <a:pt x="359" y="0"/>
+                    </a:cubicBezTo>
+                    <a:cubicBezTo>
+                      <a:pt x="359" y="0"/>
+                      <a:pt x="359" y="0"/>
+                      <a:pt x="359" y="0"/>
+                    </a:cubicBezTo>
+                    <a:cubicBezTo>
+                      <a:pt x="356" y="0"/>
+                      <a:pt x="356" y="0"/>
+                      <a:pt x="356" y="0"/>
+                    </a:cubicBezTo>
+                    <a:cubicBezTo>
+                      <a:pt x="2" y="0"/>
+                      <a:pt x="2" y="0"/>
+                      <a:pt x="2" y="0"/>
+                    </a:cubicBezTo>
+                    <a:cubicBezTo>
+                      <a:pt x="1" y="0"/>
+                      <a:pt x="0" y="0"/>
+                      <a:pt x="0" y="0"/>
+                    </a:cubicBezTo>
+                    <a:cubicBezTo>
+                      <a:pt x="13" y="0"/>
+                      <a:pt x="27" y="4"/>
+                      <a:pt x="39" y="9"/>
+                    </a:cubicBezTo>
+                    <a:cubicBezTo>
+                      <a:pt x="42" y="10"/>
+                      <a:pt x="44" y="12"/>
+                      <a:pt x="46" y="13"/>
+                    </a:cubicBezTo>
+                    <a:cubicBezTo>
+                      <a:pt x="47" y="13"/>
+                      <a:pt x="48" y="14"/>
+                      <a:pt x="49" y="14"/>
+                    </a:cubicBezTo>
+                    <a:cubicBezTo>
+                      <a:pt x="50" y="15"/>
+                      <a:pt x="52" y="16"/>
+                      <a:pt x="53" y="17"/>
+                    </a:cubicBezTo>
+                    <a:cubicBezTo>
+                      <a:pt x="54" y="18"/>
+                      <a:pt x="55" y="19"/>
+                      <a:pt x="56" y="19"/>
+                    </a:cubicBezTo>
+                    <a:cubicBezTo>
+                      <a:pt x="57" y="20"/>
+                      <a:pt x="58" y="21"/>
+                      <a:pt x="59" y="22"/>
+                    </a:cubicBezTo>
+                    <a:cubicBezTo>
+                      <a:pt x="60" y="23"/>
+                      <a:pt x="61" y="24"/>
+                      <a:pt x="63" y="25"/>
+                    </a:cubicBezTo>
+                    <a:cubicBezTo>
+                      <a:pt x="63" y="25"/>
+                      <a:pt x="64" y="26"/>
+                      <a:pt x="64" y="27"/>
+                    </a:cubicBezTo>
+                    <a:cubicBezTo>
+                      <a:pt x="67" y="29"/>
+                      <a:pt x="69" y="31"/>
+                      <a:pt x="70" y="33"/>
+                    </a:cubicBezTo>
+                    <a:cubicBezTo>
+                      <a:pt x="71" y="33"/>
+                      <a:pt x="71" y="34"/>
+                      <a:pt x="71" y="34"/>
+                    </a:cubicBezTo>
+                    <a:cubicBezTo>
+                      <a:pt x="72" y="35"/>
+                      <a:pt x="73" y="37"/>
+                      <a:pt x="75" y="38"/>
+                    </a:cubicBezTo>
+                    <a:cubicBezTo>
+                      <a:pt x="75" y="39"/>
+                      <a:pt x="75" y="39"/>
+                      <a:pt x="76" y="40"/>
+                    </a:cubicBezTo>
+                    <a:cubicBezTo>
+                      <a:pt x="76" y="40"/>
+                      <a:pt x="76" y="40"/>
+                      <a:pt x="77" y="41"/>
+                    </a:cubicBezTo>
+                    <a:cubicBezTo>
+                      <a:pt x="77" y="41"/>
+                      <a:pt x="77" y="42"/>
+                      <a:pt x="78" y="43"/>
+                    </a:cubicBezTo>
+                    <a:cubicBezTo>
+                      <a:pt x="79" y="44"/>
+                      <a:pt x="80" y="46"/>
+                      <a:pt x="81" y="47"/>
+                    </a:cubicBezTo>
+                    <a:cubicBezTo>
+                      <a:pt x="81" y="47"/>
+                      <a:pt x="81" y="48"/>
+                      <a:pt x="81" y="48"/>
+                    </a:cubicBezTo>
+                    <a:cubicBezTo>
+                      <a:pt x="81" y="48"/>
+                      <a:pt x="81" y="48"/>
+                      <a:pt x="81" y="48"/>
+                    </a:cubicBezTo>
+                    <a:cubicBezTo>
+                      <a:pt x="81" y="48"/>
+                      <a:pt x="81" y="48"/>
+                      <a:pt x="81" y="48"/>
+                    </a:cubicBezTo>
+                    <a:cubicBezTo>
+                      <a:pt x="83" y="52"/>
+                      <a:pt x="85" y="55"/>
+                      <a:pt x="86" y="59"/>
+                    </a:cubicBezTo>
+                    <a:cubicBezTo>
+                      <a:pt x="86" y="59"/>
+                      <a:pt x="86" y="59"/>
+                      <a:pt x="86" y="59"/>
+                    </a:cubicBezTo>
+                    <a:cubicBezTo>
+                      <a:pt x="91" y="70"/>
+                      <a:pt x="94" y="83"/>
+                      <a:pt x="96" y="95"/>
+                    </a:cubicBezTo>
+                    <a:cubicBezTo>
+                      <a:pt x="96" y="96"/>
+                      <a:pt x="96" y="97"/>
+                      <a:pt x="96" y="98"/>
+                    </a:cubicBezTo>
+                    <a:cubicBezTo>
+                      <a:pt x="99" y="121"/>
+                      <a:pt x="101" y="145"/>
+                      <a:pt x="111" y="166"/>
+                    </a:cubicBezTo>
+                    <a:cubicBezTo>
+                      <a:pt x="127" y="199"/>
+                      <a:pt x="155" y="216"/>
+                      <a:pt x="192" y="216"/>
+                    </a:cubicBezTo>
+                    <a:cubicBezTo>
+                      <a:pt x="192" y="216"/>
+                      <a:pt x="356" y="216"/>
+                      <a:pt x="356" y="216"/>
+                    </a:cubicBezTo>
+                    <a:cubicBezTo>
+                      <a:pt x="356" y="216"/>
+                      <a:pt x="357" y="216"/>
+                      <a:pt x="359" y="216"/>
+                    </a:cubicBezTo>
+                    <a:cubicBezTo>
+                      <a:pt x="359" y="216"/>
+                      <a:pt x="359" y="216"/>
+                      <a:pt x="359" y="216"/>
+                    </a:cubicBezTo>
+                    <a:cubicBezTo>
+                      <a:pt x="361" y="216"/>
+                      <a:pt x="362" y="216"/>
+                      <a:pt x="362" y="216"/>
+                    </a:cubicBezTo>
+                    <a:cubicBezTo>
+                      <a:pt x="362" y="216"/>
+                      <a:pt x="526" y="216"/>
+                      <a:pt x="526" y="216"/>
+                    </a:cubicBezTo>
+                    <a:cubicBezTo>
+                      <a:pt x="563" y="216"/>
+                      <a:pt x="591" y="199"/>
+                      <a:pt x="607" y="166"/>
+                    </a:cubicBezTo>
+                    <a:cubicBezTo>
+                      <a:pt x="618" y="145"/>
+                      <a:pt x="619" y="121"/>
+                      <a:pt x="622" y="98"/>
+                    </a:cubicBezTo>
+                    <a:cubicBezTo>
+                      <a:pt x="622" y="98"/>
+                      <a:pt x="622" y="97"/>
+                      <a:pt x="622" y="96"/>
+                    </a:cubicBezTo>
+                    <a:cubicBezTo>
+                      <a:pt x="624" y="83"/>
+                      <a:pt x="627" y="71"/>
+                      <a:pt x="632" y="59"/>
+                    </a:cubicBezTo>
+                    <a:cubicBezTo>
+                      <a:pt x="633" y="55"/>
+                      <a:pt x="635" y="51"/>
+                      <a:pt x="637" y="48"/>
+                    </a:cubicBezTo>
+                    <a:cubicBezTo>
+                      <a:pt x="642" y="40"/>
+                      <a:pt x="647" y="33"/>
+                      <a:pt x="654" y="27"/>
+                    </a:cubicBezTo>
+                    <a:cubicBezTo>
+                      <a:pt x="654" y="26"/>
+                      <a:pt x="655" y="25"/>
+                      <a:pt x="656" y="25"/>
+                    </a:cubicBezTo>
+                    <a:cubicBezTo>
+                      <a:pt x="657" y="24"/>
+                      <a:pt x="658" y="23"/>
+                      <a:pt x="659" y="22"/>
+                    </a:cubicBezTo>
+                    <a:cubicBezTo>
+                      <a:pt x="660" y="21"/>
+                      <a:pt x="661" y="20"/>
+                      <a:pt x="662" y="19"/>
+                    </a:cubicBezTo>
+                    <a:cubicBezTo>
+                      <a:pt x="663" y="19"/>
+                      <a:pt x="664" y="18"/>
+                      <a:pt x="665" y="17"/>
+                    </a:cubicBezTo>
+                    <a:cubicBezTo>
+                      <a:pt x="667" y="16"/>
+                      <a:pt x="668" y="15"/>
+                      <a:pt x="669" y="14"/>
+                    </a:cubicBezTo>
+                    <a:cubicBezTo>
+                      <a:pt x="670" y="14"/>
+                      <a:pt x="671" y="13"/>
+                      <a:pt x="672" y="13"/>
+                    </a:cubicBezTo>
+                    <a:cubicBezTo>
+                      <a:pt x="674" y="12"/>
+                      <a:pt x="676" y="10"/>
+                      <a:pt x="679" y="9"/>
+                    </a:cubicBezTo>
+                    <a:cubicBezTo>
+                      <a:pt x="691" y="4"/>
+                      <a:pt x="705" y="0"/>
+                      <a:pt x="719" y="0"/>
+                    </a:cubicBezTo>
+                    <a:cubicBezTo>
+                      <a:pt x="718" y="0"/>
+                      <a:pt x="717" y="0"/>
+                      <a:pt x="716" y="0"/>
+                    </a:cubicBezTo>
+                    <a:close/>
+                  </a:path>
+                </a:pathLst>
+              </a:custGeom>
+              <a:solidFill>
+                <a:schemeClr val="accent1"/>
+              </a:solidFill>
+              <a:ln>
+                <a:noFill/>
+              </a:ln>
+            </p:spPr>
+            <p:txBody>
+              <a:bodyPr vert="horz" wrap="square" lIns="91440" tIns="45720" rIns="91440" bIns="45720" anchor="ctr" anchorCtr="1" compatLnSpc="1">
+                <a:prstTxWarp prst="textNoShape">
+                  <a:avLst/>
+                </a:prstTxWarp>
+                <a:normAutofit/>
+              </a:bodyPr>
+              <a:lstStyle/>
+              <a:p>
+                <a:pPr algn="ctr"/>
+                <a:r>
+                  <a:rPr lang="en-US" altLang="zh-CN" sz="1600" b="1" dirty="0">
+                    <a:solidFill>
+                      <a:schemeClr val="bg1"/>
+                    </a:solidFill>
+                  </a:rPr>
+                  <a:t>REQUIRED</a:t>
+                </a:r>
+                <a:endParaRPr lang="zh-CN" altLang="en-US" sz="1600" b="1" dirty="0">
+                  <a:solidFill>
+                    <a:schemeClr val="bg1"/>
+                  </a:solidFill>
+                </a:endParaRPr>
+              </a:p>
+            </p:txBody>
+          </p:sp>
+          <p:sp>
+            <p:nvSpPr>
+              <p:cNvPr id="59" name="ïSḷïḓé">
+                <a:extLst>
+                  <a:ext uri="{FF2B5EF4-FFF2-40B4-BE49-F238E27FC236}">
+                    <a16:creationId xmlns:a16="http://schemas.microsoft.com/office/drawing/2014/main" id="{39340196-E1AA-4B49-976A-BF366BB2B662}"/>
+                  </a:ext>
+                </a:extLst>
+              </p:cNvPr>
+              <p:cNvSpPr/>
+              <p:nvPr/>
+            </p:nvSpPr>
+            <p:spPr bwMode="auto">
+              <a:xfrm>
+                <a:off x="1069148" y="2021938"/>
+                <a:ext cx="2059824" cy="939838"/>
+              </a:xfrm>
+              <a:prstGeom prst="rect">
+                <a:avLst/>
+              </a:prstGeom>
+              <a:noFill/>
+              <a:ln>
+                <a:noFill/>
+              </a:ln>
+              <a:extLst>
+                <a:ext uri="{909E8E84-426E-40DD-AFC4-6F175D3DCCD1}">
+                  <a14:hiddenFill xmlns:a14="http://schemas.microsoft.com/office/drawing/2010/main">
+                    <a:solidFill>
+                      <a:srgbClr val="FFFFFF"/>
+                    </a:solidFill>
+                  </a14:hiddenFill>
+                </a:ext>
+                <a:ext uri="{91240B29-F687-4F45-9708-019B960494DF}">
+                  <a14:hiddenLine xmlns:a14="http://schemas.microsoft.com/office/drawing/2010/main" w="9525">
+                    <a:solidFill>
+                      <a:srgbClr val="000000"/>
+                    </a:solidFill>
+                    <a:miter lim="800000"/>
+                    <a:headEnd/>
+                    <a:tailEnd/>
+                  </a14:hiddenLine>
+                </a:ext>
+              </a:extLst>
+            </p:spPr>
+            <p:txBody>
+              <a:bodyPr wrap="square" lIns="91440" tIns="45720" rIns="91440" bIns="45720" anchor="t" anchorCtr="0">
+                <a:normAutofit fontScale="62500" lnSpcReduction="20000"/>
+              </a:bodyPr>
+              <a:lstStyle>
+                <a:defPPr>
+                  <a:defRPr lang="zh-CN"/>
+                </a:defPPr>
+                <a:lvl1pPr marL="0" algn="l" defTabSz="914377" rtl="0" eaLnBrk="1" latinLnBrk="0" hangingPunct="1">
+                  <a:defRPr sz="1800" kern="1200">
+                    <a:solidFill>
+                      <a:schemeClr val="tx1"/>
+                    </a:solidFill>
+                  </a:defRPr>
+                </a:lvl1pPr>
+                <a:lvl2pPr marL="457189" algn="l" defTabSz="914377" rtl="0" eaLnBrk="1" latinLnBrk="0" hangingPunct="1">
+                  <a:defRPr sz="1800" kern="1200">
+                    <a:solidFill>
+                      <a:schemeClr val="tx1"/>
+                    </a:solidFill>
+                  </a:defRPr>
+                </a:lvl2pPr>
+                <a:lvl3pPr marL="914377" algn="l" defTabSz="914377" rtl="0" eaLnBrk="1" latinLnBrk="0" hangingPunct="1">
+                  <a:defRPr sz="1800" kern="1200">
+                    <a:solidFill>
+                      <a:schemeClr val="tx1"/>
+                    </a:solidFill>
+                  </a:defRPr>
+                </a:lvl3pPr>
+                <a:lvl4pPr marL="1371566" algn="l" defTabSz="914377" rtl="0" eaLnBrk="1" latinLnBrk="0" hangingPunct="1">
+                  <a:defRPr sz="1800" kern="1200">
+                    <a:solidFill>
+                      <a:schemeClr val="tx1"/>
+                    </a:solidFill>
+                  </a:defRPr>
+                </a:lvl4pPr>
+                <a:lvl5pPr marL="1828754" algn="l" defTabSz="914377" rtl="0" eaLnBrk="1" latinLnBrk="0" hangingPunct="1">
+                  <a:defRPr sz="1800" kern="1200">
+                    <a:solidFill>
+                      <a:schemeClr val="tx1"/>
+                    </a:solidFill>
+                  </a:defRPr>
+                </a:lvl5pPr>
+                <a:lvl6pPr marL="2285943" algn="l" defTabSz="914377" rtl="0" eaLnBrk="1" latinLnBrk="0" hangingPunct="1">
+                  <a:defRPr sz="1800" kern="1200">
+                    <a:solidFill>
+                      <a:schemeClr val="tx1"/>
+                    </a:solidFill>
+                  </a:defRPr>
+                </a:lvl6pPr>
+                <a:lvl7pPr marL="2743131" algn="l" defTabSz="914377" rtl="0" eaLnBrk="1" latinLnBrk="0" hangingPunct="1">
+                  <a:defRPr sz="1800" kern="1200">
+                    <a:solidFill>
+                      <a:schemeClr val="tx1"/>
+                    </a:solidFill>
+                  </a:defRPr>
+                </a:lvl7pPr>
+                <a:lvl8pPr marL="3200320" algn="l" defTabSz="914377" rtl="0" eaLnBrk="1" latinLnBrk="0" hangingPunct="1">
+                  <a:defRPr sz="1800" kern="1200">
+                    <a:solidFill>
+                      <a:schemeClr val="tx1"/>
+                    </a:solidFill>
+                  </a:defRPr>
+                </a:lvl8pPr>
+                <a:lvl9pPr marL="3657509" algn="l" defTabSz="914377" rtl="0" eaLnBrk="1" latinLnBrk="0" hangingPunct="1">
+                  <a:defRPr sz="1800" kern="1200">
+                    <a:solidFill>
+                      <a:schemeClr val="tx1"/>
+                    </a:solidFill>
+                  </a:defRPr>
+                </a:lvl9pPr>
+              </a:lstStyle>
+              <a:p>
+                <a:pPr algn="ctr">
+                  <a:lnSpc>
+                    <a:spcPct val="130000"/>
+                  </a:lnSpc>
+                </a:pPr>
+                <a:r>
+                  <a:rPr lang="zh-CN" altLang="en-US" dirty="0"/>
+                  <a:t>已经处在一个事务中，那么加入到这个事务，否则自己新建一个新的事务，是默认的事务传播行为。</a:t>
+                </a:r>
+                <a:endParaRPr lang="en-US" altLang="zh-CN" sz="1100" dirty="0"/>
+              </a:p>
+            </p:txBody>
+          </p:sp>
+        </p:grpSp>
+        <p:grpSp>
+          <p:nvGrpSpPr>
+            <p:cNvPr id="20" name="iśḷîḑé">
+              <a:extLst>
+                <a:ext uri="{FF2B5EF4-FFF2-40B4-BE49-F238E27FC236}">
+                  <a16:creationId xmlns:a16="http://schemas.microsoft.com/office/drawing/2014/main" id="{A17AD401-568D-44DF-8731-462D527051D2}"/>
+                </a:ext>
+              </a:extLst>
+            </p:cNvPr>
+            <p:cNvGrpSpPr/>
+            <p:nvPr/>
+          </p:nvGrpSpPr>
+          <p:grpSpPr>
+            <a:xfrm>
+              <a:off x="3579027" y="1205246"/>
+              <a:ext cx="2369319" cy="2471787"/>
+              <a:chOff x="3579028" y="1205246"/>
+              <a:chExt cx="2369319" cy="2471787"/>
+            </a:xfrm>
+          </p:grpSpPr>
+          <p:sp>
+            <p:nvSpPr>
+              <p:cNvPr id="51" name="íślïḍê"/>
+              <p:cNvSpPr/>
+              <p:nvPr/>
+            </p:nvSpPr>
+            <p:spPr bwMode="auto">
+              <a:xfrm>
+                <a:off x="3579028" y="1205246"/>
+                <a:ext cx="2369319" cy="2471787"/>
+              </a:xfrm>
+              <a:custGeom>
+                <a:avLst/>
+                <a:gdLst>
+                  <a:gd name="T0" fmla="*/ 538 w 1089"/>
+                  <a:gd name="T1" fmla="*/ 1138 h 1138"/>
+                  <a:gd name="T2" fmla="*/ 466 w 1089"/>
+                  <a:gd name="T3" fmla="*/ 1122 h 1138"/>
+                  <a:gd name="T4" fmla="*/ 71 w 1089"/>
+                  <a:gd name="T5" fmla="*/ 895 h 1138"/>
+                  <a:gd name="T6" fmla="*/ 0 w 1089"/>
+                  <a:gd name="T7" fmla="*/ 772 h 1138"/>
+                  <a:gd name="T8" fmla="*/ 4 w 1089"/>
+                  <a:gd name="T9" fmla="*/ 248 h 1138"/>
+                  <a:gd name="T10" fmla="*/ 79 w 1089"/>
+                  <a:gd name="T11" fmla="*/ 143 h 1138"/>
+                  <a:gd name="T12" fmla="*/ 455 w 1089"/>
+                  <a:gd name="T13" fmla="*/ 12 h 1138"/>
+                  <a:gd name="T14" fmla="*/ 540 w 1089"/>
+                  <a:gd name="T15" fmla="*/ 0 h 1138"/>
+                  <a:gd name="T16" fmla="*/ 621 w 1089"/>
+                  <a:gd name="T17" fmla="*/ 11 h 1138"/>
+                  <a:gd name="T18" fmla="*/ 1015 w 1089"/>
+                  <a:gd name="T19" fmla="*/ 144 h 1138"/>
+                  <a:gd name="T20" fmla="*/ 1088 w 1089"/>
+                  <a:gd name="T21" fmla="*/ 247 h 1138"/>
+                  <a:gd name="T22" fmla="*/ 1078 w 1089"/>
+                  <a:gd name="T23" fmla="*/ 772 h 1138"/>
+                  <a:gd name="T24" fmla="*/ 1005 w 1089"/>
+                  <a:gd name="T25" fmla="*/ 895 h 1138"/>
+                  <a:gd name="T26" fmla="*/ 609 w 1089"/>
+                  <a:gd name="T27" fmla="*/ 1122 h 1138"/>
+                  <a:gd name="T28" fmla="*/ 538 w 1089"/>
+                  <a:gd name="T29" fmla="*/ 1138 h 1138"/>
+                </a:gdLst>
+                <a:ahLst/>
+                <a:cxnLst>
+                  <a:cxn ang="0">
+                    <a:pos x="T0" y="T1"/>
+                  </a:cxn>
+                  <a:cxn ang="0">
+                    <a:pos x="T2" y="T3"/>
+                  </a:cxn>
+                  <a:cxn ang="0">
+                    <a:pos x="T4" y="T5"/>
+                  </a:cxn>
+                  <a:cxn ang="0">
+                    <a:pos x="T6" y="T7"/>
+                  </a:cxn>
+                  <a:cxn ang="0">
+                    <a:pos x="T8" y="T9"/>
+                  </a:cxn>
+                  <a:cxn ang="0">
+                    <a:pos x="T10" y="T11"/>
+                  </a:cxn>
+                  <a:cxn ang="0">
+                    <a:pos x="T12" y="T13"/>
+                  </a:cxn>
+                  <a:cxn ang="0">
+                    <a:pos x="T14" y="T15"/>
+                  </a:cxn>
+                  <a:cxn ang="0">
+                    <a:pos x="T16" y="T17"/>
+                  </a:cxn>
+                  <a:cxn ang="0">
+                    <a:pos x="T18" y="T19"/>
+                  </a:cxn>
+                  <a:cxn ang="0">
+                    <a:pos x="T20" y="T21"/>
+                  </a:cxn>
+                  <a:cxn ang="0">
+                    <a:pos x="T22" y="T23"/>
+                  </a:cxn>
+                  <a:cxn ang="0">
+                    <a:pos x="T24" y="T25"/>
+                  </a:cxn>
+                  <a:cxn ang="0">
+                    <a:pos x="T26" y="T27"/>
+                  </a:cxn>
+                  <a:cxn ang="0">
+                    <a:pos x="T28" y="T29"/>
+                  </a:cxn>
+                </a:cxnLst>
+                <a:rect l="0" t="0" r="r" b="b"/>
+                <a:pathLst>
+                  <a:path w="1089" h="1138">
+                    <a:moveTo>
+                      <a:pt x="538" y="1138"/>
+                    </a:moveTo>
+                    <a:cubicBezTo>
+                      <a:pt x="511" y="1138"/>
+                      <a:pt x="485" y="1132"/>
+                      <a:pt x="466" y="1122"/>
+                    </a:cubicBezTo>
+                    <a:cubicBezTo>
+                      <a:pt x="71" y="895"/>
+                      <a:pt x="71" y="895"/>
+                      <a:pt x="71" y="895"/>
+                    </a:cubicBezTo>
+                    <a:cubicBezTo>
+                      <a:pt x="32" y="873"/>
+                      <a:pt x="0" y="817"/>
+                      <a:pt x="0" y="772"/>
+                    </a:cubicBezTo>
+                    <a:cubicBezTo>
+                      <a:pt x="4" y="248"/>
+                      <a:pt x="4" y="248"/>
+                      <a:pt x="4" y="248"/>
+                    </a:cubicBezTo>
+                    <a:cubicBezTo>
+                      <a:pt x="4" y="205"/>
+                      <a:pt x="38" y="157"/>
+                      <a:pt x="79" y="143"/>
+                    </a:cubicBezTo>
+                    <a:cubicBezTo>
+                      <a:pt x="455" y="12"/>
+                      <a:pt x="455" y="12"/>
+                      <a:pt x="455" y="12"/>
+                    </a:cubicBezTo>
+                    <a:cubicBezTo>
+                      <a:pt x="477" y="4"/>
+                      <a:pt x="508" y="0"/>
+                      <a:pt x="540" y="0"/>
+                    </a:cubicBezTo>
+                    <a:cubicBezTo>
+                      <a:pt x="570" y="0"/>
+                      <a:pt x="600" y="4"/>
+                      <a:pt x="621" y="11"/>
+                    </a:cubicBezTo>
+                    <a:cubicBezTo>
+                      <a:pt x="1015" y="144"/>
+                      <a:pt x="1015" y="144"/>
+                      <a:pt x="1015" y="144"/>
+                    </a:cubicBezTo>
+                    <a:cubicBezTo>
+                      <a:pt x="1056" y="157"/>
+                      <a:pt x="1089" y="205"/>
+                      <a:pt x="1088" y="247"/>
+                    </a:cubicBezTo>
+                    <a:cubicBezTo>
+                      <a:pt x="1078" y="772"/>
+                      <a:pt x="1078" y="772"/>
+                      <a:pt x="1078" y="772"/>
+                    </a:cubicBezTo>
+                    <a:cubicBezTo>
+                      <a:pt x="1077" y="816"/>
+                      <a:pt x="1044" y="873"/>
+                      <a:pt x="1005" y="895"/>
+                    </a:cubicBezTo>
+                    <a:cubicBezTo>
+                      <a:pt x="609" y="1122"/>
+                      <a:pt x="609" y="1122"/>
+                      <a:pt x="609" y="1122"/>
+                    </a:cubicBezTo>
+                    <a:cubicBezTo>
+                      <a:pt x="591" y="1132"/>
+                      <a:pt x="565" y="1138"/>
+                      <a:pt x="538" y="1138"/>
+                    </a:cubicBezTo>
+                    <a:close/>
+                  </a:path>
+                </a:pathLst>
+              </a:custGeom>
+              <a:solidFill>
+                <a:schemeClr val="tx1">
+                  <a:lumMod val="50000"/>
+                  <a:lumOff val="50000"/>
+                </a:schemeClr>
+              </a:solidFill>
+              <a:ln>
+                <a:noFill/>
+              </a:ln>
+            </p:spPr>
+            <p:txBody>
+              <a:bodyPr wrap="square" lIns="91440" tIns="45720" rIns="91440" bIns="45720" anchor="ctr">
+                <a:normAutofit/>
+              </a:bodyPr>
+              <a:lstStyle/>
+              <a:p>
+                <a:pPr algn="ctr"/>
+                <a:endParaRPr/>
+              </a:p>
+            </p:txBody>
+          </p:sp>
+          <p:sp>
+            <p:nvSpPr>
+              <p:cNvPr id="52" name="iSḷïḓe"/>
+              <p:cNvSpPr/>
+              <p:nvPr/>
+            </p:nvSpPr>
+            <p:spPr bwMode="auto">
+              <a:xfrm>
+                <a:off x="3733777" y="1368359"/>
+                <a:ext cx="2059823" cy="2125696"/>
+              </a:xfrm>
+              <a:custGeom>
+                <a:avLst/>
+                <a:gdLst>
+                  <a:gd name="T0" fmla="*/ 83 w 947"/>
+                  <a:gd name="T1" fmla="*/ 784 h 979"/>
+                  <a:gd name="T2" fmla="*/ 0 w 947"/>
+                  <a:gd name="T3" fmla="*/ 643 h 979"/>
+                  <a:gd name="T4" fmla="*/ 3 w 947"/>
+                  <a:gd name="T5" fmla="*/ 243 h 979"/>
+                  <a:gd name="T6" fmla="*/ 94 w 947"/>
+                  <a:gd name="T7" fmla="*/ 116 h 979"/>
+                  <a:gd name="T8" fmla="*/ 378 w 947"/>
+                  <a:gd name="T9" fmla="*/ 18 h 979"/>
+                  <a:gd name="T10" fmla="*/ 558 w 947"/>
+                  <a:gd name="T11" fmla="*/ 17 h 979"/>
+                  <a:gd name="T12" fmla="*/ 857 w 947"/>
+                  <a:gd name="T13" fmla="*/ 117 h 979"/>
+                  <a:gd name="T14" fmla="*/ 946 w 947"/>
+                  <a:gd name="T15" fmla="*/ 243 h 979"/>
+                  <a:gd name="T16" fmla="*/ 938 w 947"/>
+                  <a:gd name="T17" fmla="*/ 642 h 979"/>
+                  <a:gd name="T18" fmla="*/ 853 w 947"/>
+                  <a:gd name="T19" fmla="*/ 783 h 979"/>
+                  <a:gd name="T20" fmla="*/ 550 w 947"/>
+                  <a:gd name="T21" fmla="*/ 953 h 979"/>
+                  <a:gd name="T22" fmla="*/ 384 w 947"/>
+                  <a:gd name="T23" fmla="*/ 953 h 979"/>
+                  <a:gd name="T24" fmla="*/ 83 w 947"/>
+                  <a:gd name="T25" fmla="*/ 784 h 979"/>
+                </a:gdLst>
+                <a:ahLst/>
+                <a:cxnLst>
+                  <a:cxn ang="0">
+                    <a:pos x="T0" y="T1"/>
+                  </a:cxn>
+                  <a:cxn ang="0">
+                    <a:pos x="T2" y="T3"/>
+                  </a:cxn>
+                  <a:cxn ang="0">
+                    <a:pos x="T4" y="T5"/>
+                  </a:cxn>
+                  <a:cxn ang="0">
+                    <a:pos x="T6" y="T7"/>
+                  </a:cxn>
+                  <a:cxn ang="0">
+                    <a:pos x="T8" y="T9"/>
+                  </a:cxn>
+                  <a:cxn ang="0">
+                    <a:pos x="T10" y="T11"/>
+                  </a:cxn>
+                  <a:cxn ang="0">
+                    <a:pos x="T12" y="T13"/>
+                  </a:cxn>
+                  <a:cxn ang="0">
+                    <a:pos x="T14" y="T15"/>
+                  </a:cxn>
+                  <a:cxn ang="0">
+                    <a:pos x="T16" y="T17"/>
+                  </a:cxn>
+                  <a:cxn ang="0">
+                    <a:pos x="T18" y="T19"/>
+                  </a:cxn>
+                  <a:cxn ang="0">
+                    <a:pos x="T20" y="T21"/>
+                  </a:cxn>
+                  <a:cxn ang="0">
+                    <a:pos x="T22" y="T23"/>
+                  </a:cxn>
+                  <a:cxn ang="0">
+                    <a:pos x="T24" y="T25"/>
+                  </a:cxn>
+                </a:cxnLst>
+                <a:rect l="0" t="0" r="r" b="b"/>
+                <a:pathLst>
+                  <a:path w="947" h="979">
+                    <a:moveTo>
+                      <a:pt x="83" y="784"/>
+                    </a:moveTo>
+                    <a:cubicBezTo>
+                      <a:pt x="37" y="759"/>
+                      <a:pt x="0" y="695"/>
+                      <a:pt x="0" y="643"/>
+                    </a:cubicBezTo>
+                    <a:cubicBezTo>
+                      <a:pt x="3" y="243"/>
+                      <a:pt x="3" y="243"/>
+                      <a:pt x="3" y="243"/>
+                    </a:cubicBezTo>
+                    <a:cubicBezTo>
+                      <a:pt x="4" y="191"/>
+                      <a:pt x="44" y="134"/>
+                      <a:pt x="94" y="116"/>
+                    </a:cubicBezTo>
+                    <a:cubicBezTo>
+                      <a:pt x="378" y="18"/>
+                      <a:pt x="378" y="18"/>
+                      <a:pt x="378" y="18"/>
+                    </a:cubicBezTo>
+                    <a:cubicBezTo>
+                      <a:pt x="427" y="1"/>
+                      <a:pt x="508" y="0"/>
+                      <a:pt x="558" y="17"/>
+                    </a:cubicBezTo>
+                    <a:cubicBezTo>
+                      <a:pt x="857" y="117"/>
+                      <a:pt x="857" y="117"/>
+                      <a:pt x="857" y="117"/>
+                    </a:cubicBezTo>
+                    <a:cubicBezTo>
+                      <a:pt x="907" y="134"/>
+                      <a:pt x="947" y="191"/>
+                      <a:pt x="946" y="243"/>
+                    </a:cubicBezTo>
+                    <a:cubicBezTo>
+                      <a:pt x="938" y="642"/>
+                      <a:pt x="938" y="642"/>
+                      <a:pt x="938" y="642"/>
+                    </a:cubicBezTo>
+                    <a:cubicBezTo>
+                      <a:pt x="937" y="694"/>
+                      <a:pt x="899" y="758"/>
+                      <a:pt x="853" y="783"/>
+                    </a:cubicBezTo>
+                    <a:cubicBezTo>
+                      <a:pt x="550" y="953"/>
+                      <a:pt x="550" y="953"/>
+                      <a:pt x="550" y="953"/>
+                    </a:cubicBezTo>
+                    <a:cubicBezTo>
+                      <a:pt x="505" y="979"/>
+                      <a:pt x="430" y="979"/>
+                      <a:pt x="384" y="953"/>
+                    </a:cubicBezTo>
+                    <a:lnTo>
+                      <a:pt x="83" y="784"/>
+                    </a:lnTo>
+                    <a:close/>
+                  </a:path>
+                </a:pathLst>
+              </a:custGeom>
+              <a:solidFill>
+                <a:srgbClr val="FFFFFF"/>
+              </a:solidFill>
+              <a:ln>
+                <a:noFill/>
+              </a:ln>
+              <a:extLst>
+                <a:ext uri="{91240B29-F687-4F45-9708-019B960494DF}">
+                  <a14:hiddenLine xmlns:a14="http://schemas.microsoft.com/office/drawing/2010/main" w="9525">
+                    <a:solidFill>
+                      <a:srgbClr val="000000"/>
+                    </a:solidFill>
+                    <a:round/>
+                    <a:headEnd/>
+                    <a:tailEnd/>
+                  </a14:hiddenLine>
+                </a:ext>
+              </a:extLst>
+            </p:spPr>
+            <p:txBody>
+              <a:bodyPr wrap="square" lIns="91440" tIns="45720" rIns="91440" bIns="45720" anchor="ctr">
+                <a:normAutofit/>
+              </a:bodyPr>
+              <a:lstStyle/>
+              <a:p>
+                <a:pPr algn="ctr"/>
+                <a:endParaRPr/>
+              </a:p>
+            </p:txBody>
+          </p:sp>
+          <p:sp>
+            <p:nvSpPr>
+              <p:cNvPr id="53" name="ïşḻïḑê"/>
+              <p:cNvSpPr/>
+              <p:nvPr/>
+            </p:nvSpPr>
+            <p:spPr bwMode="auto">
+              <a:xfrm>
+                <a:off x="3981582" y="1326535"/>
+                <a:ext cx="1564211" cy="469473"/>
+              </a:xfrm>
+              <a:custGeom>
+                <a:avLst/>
+                <a:gdLst>
+                  <a:gd name="T0" fmla="*/ 716 w 719"/>
+                  <a:gd name="T1" fmla="*/ 0 h 216"/>
+                  <a:gd name="T2" fmla="*/ 362 w 719"/>
+                  <a:gd name="T3" fmla="*/ 0 h 216"/>
+                  <a:gd name="T4" fmla="*/ 359 w 719"/>
+                  <a:gd name="T5" fmla="*/ 0 h 216"/>
+                  <a:gd name="T6" fmla="*/ 359 w 719"/>
+                  <a:gd name="T7" fmla="*/ 0 h 216"/>
+                  <a:gd name="T8" fmla="*/ 356 w 719"/>
+                  <a:gd name="T9" fmla="*/ 0 h 216"/>
+                  <a:gd name="T10" fmla="*/ 2 w 719"/>
+                  <a:gd name="T11" fmla="*/ 0 h 216"/>
+                  <a:gd name="T12" fmla="*/ 0 w 719"/>
+                  <a:gd name="T13" fmla="*/ 0 h 216"/>
+                  <a:gd name="T14" fmla="*/ 39 w 719"/>
+                  <a:gd name="T15" fmla="*/ 9 h 216"/>
+                  <a:gd name="T16" fmla="*/ 46 w 719"/>
+                  <a:gd name="T17" fmla="*/ 13 h 216"/>
+                  <a:gd name="T18" fmla="*/ 49 w 719"/>
+                  <a:gd name="T19" fmla="*/ 14 h 216"/>
+                  <a:gd name="T20" fmla="*/ 53 w 719"/>
+                  <a:gd name="T21" fmla="*/ 17 h 216"/>
+                  <a:gd name="T22" fmla="*/ 56 w 719"/>
+                  <a:gd name="T23" fmla="*/ 19 h 216"/>
+                  <a:gd name="T24" fmla="*/ 59 w 719"/>
+                  <a:gd name="T25" fmla="*/ 22 h 216"/>
+                  <a:gd name="T26" fmla="*/ 63 w 719"/>
+                  <a:gd name="T27" fmla="*/ 25 h 216"/>
+                  <a:gd name="T28" fmla="*/ 64 w 719"/>
+                  <a:gd name="T29" fmla="*/ 27 h 216"/>
+                  <a:gd name="T30" fmla="*/ 70 w 719"/>
+                  <a:gd name="T31" fmla="*/ 33 h 216"/>
+                  <a:gd name="T32" fmla="*/ 71 w 719"/>
+                  <a:gd name="T33" fmla="*/ 34 h 216"/>
+                  <a:gd name="T34" fmla="*/ 75 w 719"/>
+                  <a:gd name="T35" fmla="*/ 38 h 216"/>
+                  <a:gd name="T36" fmla="*/ 76 w 719"/>
+                  <a:gd name="T37" fmla="*/ 40 h 216"/>
+                  <a:gd name="T38" fmla="*/ 77 w 719"/>
+                  <a:gd name="T39" fmla="*/ 41 h 216"/>
+                  <a:gd name="T40" fmla="*/ 78 w 719"/>
+                  <a:gd name="T41" fmla="*/ 43 h 216"/>
+                  <a:gd name="T42" fmla="*/ 81 w 719"/>
+                  <a:gd name="T43" fmla="*/ 47 h 216"/>
+                  <a:gd name="T44" fmla="*/ 81 w 719"/>
+                  <a:gd name="T45" fmla="*/ 48 h 216"/>
+                  <a:gd name="T46" fmla="*/ 81 w 719"/>
+                  <a:gd name="T47" fmla="*/ 48 h 216"/>
+                  <a:gd name="T48" fmla="*/ 81 w 719"/>
+                  <a:gd name="T49" fmla="*/ 48 h 216"/>
+                  <a:gd name="T50" fmla="*/ 86 w 719"/>
+                  <a:gd name="T51" fmla="*/ 59 h 216"/>
+                  <a:gd name="T52" fmla="*/ 86 w 719"/>
+                  <a:gd name="T53" fmla="*/ 59 h 216"/>
+                  <a:gd name="T54" fmla="*/ 96 w 719"/>
+                  <a:gd name="T55" fmla="*/ 95 h 216"/>
+                  <a:gd name="T56" fmla="*/ 96 w 719"/>
+                  <a:gd name="T57" fmla="*/ 98 h 216"/>
+                  <a:gd name="T58" fmla="*/ 111 w 719"/>
+                  <a:gd name="T59" fmla="*/ 166 h 216"/>
+                  <a:gd name="T60" fmla="*/ 192 w 719"/>
+                  <a:gd name="T61" fmla="*/ 216 h 216"/>
+                  <a:gd name="T62" fmla="*/ 356 w 719"/>
+                  <a:gd name="T63" fmla="*/ 216 h 216"/>
+                  <a:gd name="T64" fmla="*/ 359 w 719"/>
+                  <a:gd name="T65" fmla="*/ 216 h 216"/>
+                  <a:gd name="T66" fmla="*/ 359 w 719"/>
+                  <a:gd name="T67" fmla="*/ 216 h 216"/>
+                  <a:gd name="T68" fmla="*/ 362 w 719"/>
+                  <a:gd name="T69" fmla="*/ 216 h 216"/>
+                  <a:gd name="T70" fmla="*/ 526 w 719"/>
+                  <a:gd name="T71" fmla="*/ 216 h 216"/>
+                  <a:gd name="T72" fmla="*/ 607 w 719"/>
+                  <a:gd name="T73" fmla="*/ 166 h 216"/>
+                  <a:gd name="T74" fmla="*/ 622 w 719"/>
+                  <a:gd name="T75" fmla="*/ 98 h 216"/>
+                  <a:gd name="T76" fmla="*/ 622 w 719"/>
+                  <a:gd name="T77" fmla="*/ 96 h 216"/>
+                  <a:gd name="T78" fmla="*/ 632 w 719"/>
+                  <a:gd name="T79" fmla="*/ 59 h 216"/>
+                  <a:gd name="T80" fmla="*/ 637 w 719"/>
+                  <a:gd name="T81" fmla="*/ 48 h 216"/>
+                  <a:gd name="T82" fmla="*/ 654 w 719"/>
+                  <a:gd name="T83" fmla="*/ 27 h 216"/>
+                  <a:gd name="T84" fmla="*/ 656 w 719"/>
+                  <a:gd name="T85" fmla="*/ 25 h 216"/>
+                  <a:gd name="T86" fmla="*/ 659 w 719"/>
+                  <a:gd name="T87" fmla="*/ 22 h 216"/>
+                  <a:gd name="T88" fmla="*/ 662 w 719"/>
+                  <a:gd name="T89" fmla="*/ 19 h 216"/>
+                  <a:gd name="T90" fmla="*/ 665 w 719"/>
+                  <a:gd name="T91" fmla="*/ 17 h 216"/>
+                  <a:gd name="T92" fmla="*/ 669 w 719"/>
+                  <a:gd name="T93" fmla="*/ 14 h 216"/>
+                  <a:gd name="T94" fmla="*/ 672 w 719"/>
+                  <a:gd name="T95" fmla="*/ 13 h 216"/>
+                  <a:gd name="T96" fmla="*/ 679 w 719"/>
+                  <a:gd name="T97" fmla="*/ 9 h 216"/>
+                  <a:gd name="T98" fmla="*/ 719 w 719"/>
+                  <a:gd name="T99" fmla="*/ 0 h 216"/>
+                  <a:gd name="T100" fmla="*/ 716 w 719"/>
+                  <a:gd name="T101" fmla="*/ 0 h 216"/>
+                </a:gdLst>
+                <a:ahLst/>
+                <a:cxnLst>
+                  <a:cxn ang="0">
+                    <a:pos x="T0" y="T1"/>
+                  </a:cxn>
+                  <a:cxn ang="0">
+                    <a:pos x="T2" y="T3"/>
+                  </a:cxn>
+                  <a:cxn ang="0">
+                    <a:pos x="T4" y="T5"/>
+                  </a:cxn>
+                  <a:cxn ang="0">
+                    <a:pos x="T6" y="T7"/>
+                  </a:cxn>
+                  <a:cxn ang="0">
+                    <a:pos x="T8" y="T9"/>
+                  </a:cxn>
+                  <a:cxn ang="0">
+                    <a:pos x="T10" y="T11"/>
+                  </a:cxn>
+                  <a:cxn ang="0">
+                    <a:pos x="T12" y="T13"/>
+                  </a:cxn>
+                  <a:cxn ang="0">
+                    <a:pos x="T14" y="T15"/>
+                  </a:cxn>
+                  <a:cxn ang="0">
+                    <a:pos x="T16" y="T17"/>
+                  </a:cxn>
+                  <a:cxn ang="0">
+                    <a:pos x="T18" y="T19"/>
+                  </a:cxn>
+                  <a:cxn ang="0">
+                    <a:pos x="T20" y="T21"/>
+                  </a:cxn>
+                  <a:cxn ang="0">
+                    <a:pos x="T22" y="T23"/>
+                  </a:cxn>
+                  <a:cxn ang="0">
+                    <a:pos x="T24" y="T25"/>
+                  </a:cxn>
+                  <a:cxn ang="0">
+                    <a:pos x="T26" y="T27"/>
+                  </a:cxn>
+                  <a:cxn ang="0">
+                    <a:pos x="T28" y="T29"/>
+                  </a:cxn>
+                  <a:cxn ang="0">
+                    <a:pos x="T30" y="T31"/>
+                  </a:cxn>
+                  <a:cxn ang="0">
+                    <a:pos x="T32" y="T33"/>
+                  </a:cxn>
+                  <a:cxn ang="0">
+                    <a:pos x="T34" y="T35"/>
+                  </a:cxn>
+                  <a:cxn ang="0">
+                    <a:pos x="T36" y="T37"/>
+                  </a:cxn>
+                  <a:cxn ang="0">
+                    <a:pos x="T38" y="T39"/>
+                  </a:cxn>
+                  <a:cxn ang="0">
+                    <a:pos x="T40" y="T41"/>
+                  </a:cxn>
+                  <a:cxn ang="0">
+                    <a:pos x="T42" y="T43"/>
+                  </a:cxn>
+                  <a:cxn ang="0">
+                    <a:pos x="T44" y="T45"/>
+                  </a:cxn>
+                  <a:cxn ang="0">
+                    <a:pos x="T46" y="T47"/>
+                  </a:cxn>
+                  <a:cxn ang="0">
+                    <a:pos x="T48" y="T49"/>
+                  </a:cxn>
+                  <a:cxn ang="0">
+                    <a:pos x="T50" y="T51"/>
+                  </a:cxn>
+                  <a:cxn ang="0">
+                    <a:pos x="T52" y="T53"/>
+                  </a:cxn>
+                  <a:cxn ang="0">
+                    <a:pos x="T54" y="T55"/>
+                  </a:cxn>
+                  <a:cxn ang="0">
+                    <a:pos x="T56" y="T57"/>
+                  </a:cxn>
+                  <a:cxn ang="0">
+                    <a:pos x="T58" y="T59"/>
+                  </a:cxn>
+                  <a:cxn ang="0">
+                    <a:pos x="T60" y="T61"/>
+                  </a:cxn>
+                  <a:cxn ang="0">
+                    <a:pos x="T62" y="T63"/>
+                  </a:cxn>
+                  <a:cxn ang="0">
+                    <a:pos x="T64" y="T65"/>
+                  </a:cxn>
+                  <a:cxn ang="0">
+                    <a:pos x="T66" y="T67"/>
+                  </a:cxn>
+                  <a:cxn ang="0">
+                    <a:pos x="T68" y="T69"/>
+                  </a:cxn>
+                  <a:cxn ang="0">
+                    <a:pos x="T70" y="T71"/>
+                  </a:cxn>
+                  <a:cxn ang="0">
+                    <a:pos x="T72" y="T73"/>
+                  </a:cxn>
+                  <a:cxn ang="0">
+                    <a:pos x="T74" y="T75"/>
+                  </a:cxn>
+                  <a:cxn ang="0">
+                    <a:pos x="T76" y="T77"/>
+                  </a:cxn>
+                  <a:cxn ang="0">
+                    <a:pos x="T78" y="T79"/>
+                  </a:cxn>
+                  <a:cxn ang="0">
+                    <a:pos x="T80" y="T81"/>
+                  </a:cxn>
+                  <a:cxn ang="0">
+                    <a:pos x="T82" y="T83"/>
+                  </a:cxn>
+                  <a:cxn ang="0">
+                    <a:pos x="T84" y="T85"/>
+                  </a:cxn>
+                  <a:cxn ang="0">
+                    <a:pos x="T86" y="T87"/>
+                  </a:cxn>
+                  <a:cxn ang="0">
+                    <a:pos x="T88" y="T89"/>
+                  </a:cxn>
+                  <a:cxn ang="0">
+                    <a:pos x="T90" y="T91"/>
+                  </a:cxn>
+                  <a:cxn ang="0">
+                    <a:pos x="T92" y="T93"/>
+                  </a:cxn>
+                  <a:cxn ang="0">
+                    <a:pos x="T94" y="T95"/>
+                  </a:cxn>
+                  <a:cxn ang="0">
+                    <a:pos x="T96" y="T97"/>
+                  </a:cxn>
+                  <a:cxn ang="0">
+                    <a:pos x="T98" y="T99"/>
+                  </a:cxn>
+                  <a:cxn ang="0">
+                    <a:pos x="T100" y="T101"/>
+                  </a:cxn>
+                </a:cxnLst>
+                <a:rect l="0" t="0" r="r" b="b"/>
+                <a:pathLst>
+                  <a:path w="719" h="216">
+                    <a:moveTo>
+                      <a:pt x="716" y="0"/>
+                    </a:moveTo>
+                    <a:cubicBezTo>
+                      <a:pt x="362" y="0"/>
+                      <a:pt x="362" y="0"/>
+                      <a:pt x="362" y="0"/>
+                    </a:cubicBezTo>
+                    <a:cubicBezTo>
+                      <a:pt x="359" y="0"/>
+                      <a:pt x="359" y="0"/>
+                      <a:pt x="359" y="0"/>
+                    </a:cubicBezTo>
+                    <a:cubicBezTo>
+                      <a:pt x="359" y="0"/>
+                      <a:pt x="359" y="0"/>
+                      <a:pt x="359" y="0"/>
+                    </a:cubicBezTo>
+                    <a:cubicBezTo>
+                      <a:pt x="356" y="0"/>
+                      <a:pt x="356" y="0"/>
+                      <a:pt x="356" y="0"/>
+                    </a:cubicBezTo>
+                    <a:cubicBezTo>
+                      <a:pt x="2" y="0"/>
+                      <a:pt x="2" y="0"/>
+                      <a:pt x="2" y="0"/>
+                    </a:cubicBezTo>
+                    <a:cubicBezTo>
+                      <a:pt x="1" y="0"/>
+                      <a:pt x="0" y="0"/>
+                      <a:pt x="0" y="0"/>
+                    </a:cubicBezTo>
+                    <a:cubicBezTo>
+                      <a:pt x="13" y="0"/>
+                      <a:pt x="27" y="4"/>
+                      <a:pt x="39" y="9"/>
+                    </a:cubicBezTo>
+                    <a:cubicBezTo>
+                      <a:pt x="42" y="10"/>
+                      <a:pt x="44" y="12"/>
+                      <a:pt x="46" y="13"/>
+                    </a:cubicBezTo>
+                    <a:cubicBezTo>
+                      <a:pt x="47" y="13"/>
+                      <a:pt x="48" y="14"/>
+                      <a:pt x="49" y="14"/>
+                    </a:cubicBezTo>
+                    <a:cubicBezTo>
+                      <a:pt x="50" y="15"/>
+                      <a:pt x="52" y="16"/>
+                      <a:pt x="53" y="17"/>
+                    </a:cubicBezTo>
+                    <a:cubicBezTo>
+                      <a:pt x="54" y="18"/>
+                      <a:pt x="55" y="19"/>
+                      <a:pt x="56" y="19"/>
+                    </a:cubicBezTo>
+                    <a:cubicBezTo>
+                      <a:pt x="57" y="20"/>
+                      <a:pt x="58" y="21"/>
+                      <a:pt x="59" y="22"/>
+                    </a:cubicBezTo>
+                    <a:cubicBezTo>
+                      <a:pt x="60" y="23"/>
+                      <a:pt x="61" y="24"/>
+                      <a:pt x="63" y="25"/>
+                    </a:cubicBezTo>
+                    <a:cubicBezTo>
+                      <a:pt x="63" y="25"/>
+                      <a:pt x="64" y="26"/>
+                      <a:pt x="64" y="27"/>
+                    </a:cubicBezTo>
+                    <a:cubicBezTo>
+                      <a:pt x="67" y="29"/>
+                      <a:pt x="69" y="31"/>
+                      <a:pt x="70" y="33"/>
+                    </a:cubicBezTo>
+                    <a:cubicBezTo>
+                      <a:pt x="71" y="33"/>
+                      <a:pt x="71" y="34"/>
+                      <a:pt x="71" y="34"/>
+                    </a:cubicBezTo>
+                    <a:cubicBezTo>
+                      <a:pt x="72" y="35"/>
+                      <a:pt x="73" y="37"/>
+                      <a:pt x="75" y="38"/>
+                    </a:cubicBezTo>
+                    <a:cubicBezTo>
+                      <a:pt x="75" y="39"/>
+                      <a:pt x="75" y="39"/>
+                      <a:pt x="76" y="40"/>
+                    </a:cubicBezTo>
+                    <a:cubicBezTo>
+                      <a:pt x="76" y="40"/>
+                      <a:pt x="76" y="40"/>
+                      <a:pt x="77" y="41"/>
+                    </a:cubicBezTo>
+                    <a:cubicBezTo>
+                      <a:pt x="77" y="41"/>
+                      <a:pt x="77" y="42"/>
+                      <a:pt x="78" y="43"/>
+                    </a:cubicBezTo>
+                    <a:cubicBezTo>
+                      <a:pt x="79" y="44"/>
+                      <a:pt x="80" y="46"/>
+                      <a:pt x="81" y="47"/>
+                    </a:cubicBezTo>
+                    <a:cubicBezTo>
+                      <a:pt x="81" y="47"/>
+                      <a:pt x="81" y="48"/>
+                      <a:pt x="81" y="48"/>
+                    </a:cubicBezTo>
+                    <a:cubicBezTo>
+                      <a:pt x="81" y="48"/>
+                      <a:pt x="81" y="48"/>
+                      <a:pt x="81" y="48"/>
+                    </a:cubicBezTo>
+                    <a:cubicBezTo>
+                      <a:pt x="81" y="48"/>
+                      <a:pt x="81" y="48"/>
+                      <a:pt x="81" y="48"/>
+                    </a:cubicBezTo>
+                    <a:cubicBezTo>
+                      <a:pt x="83" y="52"/>
+                      <a:pt x="85" y="55"/>
+                      <a:pt x="86" y="59"/>
+                    </a:cubicBezTo>
+                    <a:cubicBezTo>
+                      <a:pt x="86" y="59"/>
+                      <a:pt x="86" y="59"/>
+                      <a:pt x="86" y="59"/>
+                    </a:cubicBezTo>
+                    <a:cubicBezTo>
+                      <a:pt x="91" y="70"/>
+                      <a:pt x="94" y="83"/>
+                      <a:pt x="96" y="95"/>
+                    </a:cubicBezTo>
+                    <a:cubicBezTo>
+                      <a:pt x="96" y="96"/>
+                      <a:pt x="96" y="97"/>
+                      <a:pt x="96" y="98"/>
+                    </a:cubicBezTo>
+                    <a:cubicBezTo>
+                      <a:pt x="99" y="121"/>
+                      <a:pt x="101" y="145"/>
+                      <a:pt x="111" y="166"/>
+                    </a:cubicBezTo>
+                    <a:cubicBezTo>
+                      <a:pt x="127" y="199"/>
+                      <a:pt x="155" y="216"/>
+                      <a:pt x="192" y="216"/>
+                    </a:cubicBezTo>
+                    <a:cubicBezTo>
+                      <a:pt x="192" y="216"/>
+                      <a:pt x="356" y="216"/>
+                      <a:pt x="356" y="216"/>
+                    </a:cubicBezTo>
+                    <a:cubicBezTo>
+                      <a:pt x="356" y="216"/>
+                      <a:pt x="357" y="216"/>
+                      <a:pt x="359" y="216"/>
+                    </a:cubicBezTo>
+                    <a:cubicBezTo>
+                      <a:pt x="359" y="216"/>
+                      <a:pt x="359" y="216"/>
+                      <a:pt x="359" y="216"/>
+                    </a:cubicBezTo>
+                    <a:cubicBezTo>
+                      <a:pt x="361" y="216"/>
+                      <a:pt x="362" y="216"/>
+                      <a:pt x="362" y="216"/>
+                    </a:cubicBezTo>
+                    <a:cubicBezTo>
+                      <a:pt x="362" y="216"/>
+                      <a:pt x="526" y="216"/>
+                      <a:pt x="526" y="216"/>
+                    </a:cubicBezTo>
+                    <a:cubicBezTo>
+                      <a:pt x="563" y="216"/>
+                      <a:pt x="591" y="199"/>
+                      <a:pt x="607" y="166"/>
+                    </a:cubicBezTo>
+                    <a:cubicBezTo>
+                      <a:pt x="618" y="145"/>
+                      <a:pt x="619" y="121"/>
+                      <a:pt x="622" y="98"/>
+                    </a:cubicBezTo>
+                    <a:cubicBezTo>
+                      <a:pt x="622" y="98"/>
+                      <a:pt x="622" y="97"/>
+                      <a:pt x="622" y="96"/>
+                    </a:cubicBezTo>
+                    <a:cubicBezTo>
+                      <a:pt x="624" y="83"/>
+                      <a:pt x="627" y="71"/>
+                      <a:pt x="632" y="59"/>
+                    </a:cubicBezTo>
+                    <a:cubicBezTo>
+                      <a:pt x="633" y="55"/>
+                      <a:pt x="635" y="51"/>
+                      <a:pt x="637" y="48"/>
+                    </a:cubicBezTo>
+                    <a:cubicBezTo>
+                      <a:pt x="642" y="40"/>
+                      <a:pt x="647" y="33"/>
+                      <a:pt x="654" y="27"/>
+                    </a:cubicBezTo>
+                    <a:cubicBezTo>
+                      <a:pt x="654" y="26"/>
+                      <a:pt x="655" y="25"/>
+                      <a:pt x="656" y="25"/>
+                    </a:cubicBezTo>
+                    <a:cubicBezTo>
+                      <a:pt x="657" y="24"/>
+                      <a:pt x="658" y="23"/>
+                      <a:pt x="659" y="22"/>
+                    </a:cubicBezTo>
+                    <a:cubicBezTo>
+                      <a:pt x="660" y="21"/>
+                      <a:pt x="661" y="20"/>
+                      <a:pt x="662" y="19"/>
+                    </a:cubicBezTo>
+                    <a:cubicBezTo>
+                      <a:pt x="663" y="19"/>
+                      <a:pt x="664" y="18"/>
+                      <a:pt x="665" y="17"/>
+                    </a:cubicBezTo>
+                    <a:cubicBezTo>
+                      <a:pt x="667" y="16"/>
+                      <a:pt x="668" y="15"/>
+                      <a:pt x="669" y="14"/>
+                    </a:cubicBezTo>
+                    <a:cubicBezTo>
+                      <a:pt x="670" y="14"/>
+                      <a:pt x="671" y="13"/>
+                      <a:pt x="672" y="13"/>
+                    </a:cubicBezTo>
+                    <a:cubicBezTo>
+                      <a:pt x="674" y="12"/>
+                      <a:pt x="676" y="10"/>
+                      <a:pt x="679" y="9"/>
+                    </a:cubicBezTo>
+                    <a:cubicBezTo>
+                      <a:pt x="691" y="4"/>
+                      <a:pt x="705" y="0"/>
+                      <a:pt x="719" y="0"/>
+                    </a:cubicBezTo>
+                    <a:cubicBezTo>
+                      <a:pt x="718" y="0"/>
+                      <a:pt x="717" y="0"/>
+                      <a:pt x="716" y="0"/>
+                    </a:cubicBezTo>
+                    <a:close/>
+                  </a:path>
+                </a:pathLst>
+              </a:custGeom>
+              <a:solidFill>
+                <a:schemeClr val="tx1">
+                  <a:lumMod val="50000"/>
+                  <a:lumOff val="50000"/>
+                </a:schemeClr>
+              </a:solidFill>
+              <a:ln>
+                <a:noFill/>
+              </a:ln>
+            </p:spPr>
+            <p:txBody>
+              <a:bodyPr vert="horz" wrap="square" lIns="91440" tIns="45720" rIns="91440" bIns="45720" anchor="ctr" anchorCtr="1" compatLnSpc="1">
+                <a:prstTxWarp prst="textNoShape">
+                  <a:avLst/>
+                </a:prstTxWarp>
+                <a:normAutofit fontScale="85000" lnSpcReduction="10000"/>
+              </a:bodyPr>
+              <a:lstStyle/>
+              <a:p>
+                <a:pPr algn="ctr"/>
+                <a:r>
+                  <a:rPr lang="en-US" altLang="zh-CN" sz="1600" b="1" dirty="0"/>
+                  <a:t>NOT_SUPPORTED</a:t>
+                </a:r>
+                <a:endParaRPr lang="zh-CN" altLang="en-US" sz="1600" b="1" dirty="0"/>
+              </a:p>
+            </p:txBody>
+          </p:sp>
+        </p:grpSp>
+        <p:grpSp>
+          <p:nvGrpSpPr>
+            <p:cNvPr id="21" name="îśḻïďê">
+              <a:extLst>
+                <a:ext uri="{FF2B5EF4-FFF2-40B4-BE49-F238E27FC236}">
+                  <a16:creationId xmlns:a16="http://schemas.microsoft.com/office/drawing/2014/main" id="{55DBB99E-5DDF-45E0-BAAA-FB338C44E802}"/>
+                </a:ext>
+              </a:extLst>
+            </p:cNvPr>
+            <p:cNvGrpSpPr/>
+            <p:nvPr/>
+          </p:nvGrpSpPr>
+          <p:grpSpPr>
+            <a:xfrm>
+              <a:off x="6243654" y="1205246"/>
+              <a:ext cx="2369319" cy="2471787"/>
+              <a:chOff x="6243655" y="1205246"/>
+              <a:chExt cx="2369319" cy="2471787"/>
+            </a:xfrm>
+          </p:grpSpPr>
+          <p:sp>
+            <p:nvSpPr>
+              <p:cNvPr id="46" name="ïṥľíḋé"/>
+              <p:cNvSpPr/>
+              <p:nvPr/>
+            </p:nvSpPr>
+            <p:spPr bwMode="auto">
+              <a:xfrm>
+                <a:off x="6243655" y="1205246"/>
+                <a:ext cx="2369319" cy="2471787"/>
+              </a:xfrm>
+              <a:custGeom>
+                <a:avLst/>
+                <a:gdLst>
+                  <a:gd name="T0" fmla="*/ 538 w 1089"/>
+                  <a:gd name="T1" fmla="*/ 1138 h 1138"/>
+                  <a:gd name="T2" fmla="*/ 466 w 1089"/>
+                  <a:gd name="T3" fmla="*/ 1122 h 1138"/>
+                  <a:gd name="T4" fmla="*/ 71 w 1089"/>
+                  <a:gd name="T5" fmla="*/ 895 h 1138"/>
+                  <a:gd name="T6" fmla="*/ 0 w 1089"/>
+                  <a:gd name="T7" fmla="*/ 772 h 1138"/>
+                  <a:gd name="T8" fmla="*/ 4 w 1089"/>
+                  <a:gd name="T9" fmla="*/ 248 h 1138"/>
+                  <a:gd name="T10" fmla="*/ 79 w 1089"/>
+                  <a:gd name="T11" fmla="*/ 143 h 1138"/>
+                  <a:gd name="T12" fmla="*/ 455 w 1089"/>
+                  <a:gd name="T13" fmla="*/ 12 h 1138"/>
+                  <a:gd name="T14" fmla="*/ 540 w 1089"/>
+                  <a:gd name="T15" fmla="*/ 0 h 1138"/>
+                  <a:gd name="T16" fmla="*/ 621 w 1089"/>
+                  <a:gd name="T17" fmla="*/ 11 h 1138"/>
+                  <a:gd name="T18" fmla="*/ 1015 w 1089"/>
+                  <a:gd name="T19" fmla="*/ 144 h 1138"/>
+                  <a:gd name="T20" fmla="*/ 1088 w 1089"/>
+                  <a:gd name="T21" fmla="*/ 247 h 1138"/>
+                  <a:gd name="T22" fmla="*/ 1078 w 1089"/>
+                  <a:gd name="T23" fmla="*/ 772 h 1138"/>
+                  <a:gd name="T24" fmla="*/ 1005 w 1089"/>
+                  <a:gd name="T25" fmla="*/ 895 h 1138"/>
+                  <a:gd name="T26" fmla="*/ 609 w 1089"/>
+                  <a:gd name="T27" fmla="*/ 1122 h 1138"/>
+                  <a:gd name="T28" fmla="*/ 538 w 1089"/>
+                  <a:gd name="T29" fmla="*/ 1138 h 1138"/>
+                </a:gdLst>
+                <a:ahLst/>
+                <a:cxnLst>
+                  <a:cxn ang="0">
+                    <a:pos x="T0" y="T1"/>
+                  </a:cxn>
+                  <a:cxn ang="0">
+                    <a:pos x="T2" y="T3"/>
+                  </a:cxn>
+                  <a:cxn ang="0">
+                    <a:pos x="T4" y="T5"/>
+                  </a:cxn>
+                  <a:cxn ang="0">
+                    <a:pos x="T6" y="T7"/>
+                  </a:cxn>
+                  <a:cxn ang="0">
+                    <a:pos x="T8" y="T9"/>
+                  </a:cxn>
+                  <a:cxn ang="0">
+                    <a:pos x="T10" y="T11"/>
+                  </a:cxn>
+                  <a:cxn ang="0">
+                    <a:pos x="T12" y="T13"/>
+                  </a:cxn>
+                  <a:cxn ang="0">
+                    <a:pos x="T14" y="T15"/>
+                  </a:cxn>
+                  <a:cxn ang="0">
+                    <a:pos x="T16" y="T17"/>
+                  </a:cxn>
+                  <a:cxn ang="0">
+                    <a:pos x="T18" y="T19"/>
+                  </a:cxn>
+                  <a:cxn ang="0">
+                    <a:pos x="T20" y="T21"/>
+                  </a:cxn>
+                  <a:cxn ang="0">
+                    <a:pos x="T22" y="T23"/>
+                  </a:cxn>
+                  <a:cxn ang="0">
+                    <a:pos x="T24" y="T25"/>
+                  </a:cxn>
+                  <a:cxn ang="0">
+                    <a:pos x="T26" y="T27"/>
+                  </a:cxn>
+                  <a:cxn ang="0">
+                    <a:pos x="T28" y="T29"/>
+                  </a:cxn>
+                </a:cxnLst>
+                <a:rect l="0" t="0" r="r" b="b"/>
+                <a:pathLst>
+                  <a:path w="1089" h="1138">
+                    <a:moveTo>
+                      <a:pt x="538" y="1138"/>
+                    </a:moveTo>
+                    <a:cubicBezTo>
+                      <a:pt x="511" y="1138"/>
+                      <a:pt x="485" y="1132"/>
+                      <a:pt x="466" y="1122"/>
+                    </a:cubicBezTo>
+                    <a:cubicBezTo>
+                      <a:pt x="71" y="895"/>
+                      <a:pt x="71" y="895"/>
+                      <a:pt x="71" y="895"/>
+                    </a:cubicBezTo>
+                    <a:cubicBezTo>
+                      <a:pt x="32" y="873"/>
+                      <a:pt x="0" y="817"/>
+                      <a:pt x="0" y="772"/>
+                    </a:cubicBezTo>
+                    <a:cubicBezTo>
+                      <a:pt x="4" y="248"/>
+                      <a:pt x="4" y="248"/>
+                      <a:pt x="4" y="248"/>
+                    </a:cubicBezTo>
+                    <a:cubicBezTo>
+                      <a:pt x="4" y="205"/>
+                      <a:pt x="38" y="157"/>
+                      <a:pt x="79" y="143"/>
+                    </a:cubicBezTo>
+                    <a:cubicBezTo>
+                      <a:pt x="455" y="12"/>
+                      <a:pt x="455" y="12"/>
+                      <a:pt x="455" y="12"/>
+                    </a:cubicBezTo>
+                    <a:cubicBezTo>
+                      <a:pt x="477" y="4"/>
+                      <a:pt x="508" y="0"/>
+                      <a:pt x="540" y="0"/>
+                    </a:cubicBezTo>
+                    <a:cubicBezTo>
+                      <a:pt x="570" y="0"/>
+                      <a:pt x="600" y="4"/>
+                      <a:pt x="621" y="11"/>
+                    </a:cubicBezTo>
+                    <a:cubicBezTo>
+                      <a:pt x="1015" y="144"/>
+                      <a:pt x="1015" y="144"/>
+                      <a:pt x="1015" y="144"/>
+                    </a:cubicBezTo>
+                    <a:cubicBezTo>
+                      <a:pt x="1056" y="157"/>
+                      <a:pt x="1089" y="205"/>
+                      <a:pt x="1088" y="247"/>
+                    </a:cubicBezTo>
+                    <a:cubicBezTo>
+                      <a:pt x="1078" y="772"/>
+                      <a:pt x="1078" y="772"/>
+                      <a:pt x="1078" y="772"/>
+                    </a:cubicBezTo>
+                    <a:cubicBezTo>
+                      <a:pt x="1077" y="816"/>
+                      <a:pt x="1044" y="873"/>
+                      <a:pt x="1005" y="895"/>
+                    </a:cubicBezTo>
+                    <a:cubicBezTo>
+                      <a:pt x="609" y="1122"/>
+                      <a:pt x="609" y="1122"/>
+                      <a:pt x="609" y="1122"/>
+                    </a:cubicBezTo>
+                    <a:cubicBezTo>
+                      <a:pt x="591" y="1132"/>
+                      <a:pt x="565" y="1138"/>
+                      <a:pt x="538" y="1138"/>
+                    </a:cubicBezTo>
+                    <a:close/>
+                  </a:path>
+                </a:pathLst>
+              </a:custGeom>
+              <a:solidFill>
+                <a:schemeClr val="accent1"/>
+              </a:solidFill>
+              <a:ln>
+                <a:noFill/>
+              </a:ln>
+            </p:spPr>
+            <p:txBody>
+              <a:bodyPr wrap="square" lIns="91440" tIns="45720" rIns="91440" bIns="45720" anchor="ctr">
+                <a:normAutofit/>
+              </a:bodyPr>
+              <a:lstStyle/>
+              <a:p>
+                <a:pPr algn="ctr"/>
+                <a:endParaRPr/>
+              </a:p>
+            </p:txBody>
+          </p:sp>
+          <p:sp>
+            <p:nvSpPr>
+              <p:cNvPr id="47" name="îsḻíde"/>
+              <p:cNvSpPr/>
+              <p:nvPr/>
+            </p:nvSpPr>
+            <p:spPr bwMode="auto">
+              <a:xfrm>
+                <a:off x="6398403" y="1368359"/>
+                <a:ext cx="2059823" cy="2125695"/>
+              </a:xfrm>
+              <a:custGeom>
+                <a:avLst/>
+                <a:gdLst>
+                  <a:gd name="T0" fmla="*/ 83 w 947"/>
+                  <a:gd name="T1" fmla="*/ 784 h 979"/>
+                  <a:gd name="T2" fmla="*/ 0 w 947"/>
+                  <a:gd name="T3" fmla="*/ 643 h 979"/>
+                  <a:gd name="T4" fmla="*/ 3 w 947"/>
+                  <a:gd name="T5" fmla="*/ 243 h 979"/>
+                  <a:gd name="T6" fmla="*/ 94 w 947"/>
+                  <a:gd name="T7" fmla="*/ 116 h 979"/>
+                  <a:gd name="T8" fmla="*/ 378 w 947"/>
+                  <a:gd name="T9" fmla="*/ 18 h 979"/>
+                  <a:gd name="T10" fmla="*/ 558 w 947"/>
+                  <a:gd name="T11" fmla="*/ 17 h 979"/>
+                  <a:gd name="T12" fmla="*/ 857 w 947"/>
+                  <a:gd name="T13" fmla="*/ 117 h 979"/>
+                  <a:gd name="T14" fmla="*/ 946 w 947"/>
+                  <a:gd name="T15" fmla="*/ 243 h 979"/>
+                  <a:gd name="T16" fmla="*/ 938 w 947"/>
+                  <a:gd name="T17" fmla="*/ 642 h 979"/>
+                  <a:gd name="T18" fmla="*/ 853 w 947"/>
+                  <a:gd name="T19" fmla="*/ 783 h 979"/>
+                  <a:gd name="T20" fmla="*/ 550 w 947"/>
+                  <a:gd name="T21" fmla="*/ 953 h 979"/>
+                  <a:gd name="T22" fmla="*/ 384 w 947"/>
+                  <a:gd name="T23" fmla="*/ 953 h 979"/>
+                  <a:gd name="T24" fmla="*/ 83 w 947"/>
+                  <a:gd name="T25" fmla="*/ 784 h 979"/>
+                </a:gdLst>
+                <a:ahLst/>
+                <a:cxnLst>
+                  <a:cxn ang="0">
+                    <a:pos x="T0" y="T1"/>
+                  </a:cxn>
+                  <a:cxn ang="0">
+                    <a:pos x="T2" y="T3"/>
+                  </a:cxn>
+                  <a:cxn ang="0">
+                    <a:pos x="T4" y="T5"/>
+                  </a:cxn>
+                  <a:cxn ang="0">
+                    <a:pos x="T6" y="T7"/>
+                  </a:cxn>
+                  <a:cxn ang="0">
+                    <a:pos x="T8" y="T9"/>
+                  </a:cxn>
+                  <a:cxn ang="0">
+                    <a:pos x="T10" y="T11"/>
+                  </a:cxn>
+                  <a:cxn ang="0">
+                    <a:pos x="T12" y="T13"/>
+                  </a:cxn>
+                  <a:cxn ang="0">
+                    <a:pos x="T14" y="T15"/>
+                  </a:cxn>
+                  <a:cxn ang="0">
+                    <a:pos x="T16" y="T17"/>
+                  </a:cxn>
+                  <a:cxn ang="0">
+                    <a:pos x="T18" y="T19"/>
+                  </a:cxn>
+                  <a:cxn ang="0">
+                    <a:pos x="T20" y="T21"/>
+                  </a:cxn>
+                  <a:cxn ang="0">
+                    <a:pos x="T22" y="T23"/>
+                  </a:cxn>
+                  <a:cxn ang="0">
+                    <a:pos x="T24" y="T25"/>
+                  </a:cxn>
+                </a:cxnLst>
+                <a:rect l="0" t="0" r="r" b="b"/>
+                <a:pathLst>
+                  <a:path w="947" h="979">
+                    <a:moveTo>
+                      <a:pt x="83" y="784"/>
+                    </a:moveTo>
+                    <a:cubicBezTo>
+                      <a:pt x="37" y="759"/>
+                      <a:pt x="0" y="695"/>
+                      <a:pt x="0" y="643"/>
+                    </a:cubicBezTo>
+                    <a:cubicBezTo>
+                      <a:pt x="3" y="243"/>
+                      <a:pt x="3" y="243"/>
+                      <a:pt x="3" y="243"/>
+                    </a:cubicBezTo>
+                    <a:cubicBezTo>
+                      <a:pt x="4" y="191"/>
+                      <a:pt x="44" y="134"/>
+                      <a:pt x="94" y="116"/>
+                    </a:cubicBezTo>
+                    <a:cubicBezTo>
+                      <a:pt x="378" y="18"/>
+                      <a:pt x="378" y="18"/>
+                      <a:pt x="378" y="18"/>
+                    </a:cubicBezTo>
+                    <a:cubicBezTo>
+                      <a:pt x="427" y="1"/>
+                      <a:pt x="508" y="0"/>
+                      <a:pt x="558" y="17"/>
+                    </a:cubicBezTo>
+                    <a:cubicBezTo>
+                      <a:pt x="857" y="117"/>
+                      <a:pt x="857" y="117"/>
+                      <a:pt x="857" y="117"/>
+                    </a:cubicBezTo>
+                    <a:cubicBezTo>
+                      <a:pt x="907" y="134"/>
+                      <a:pt x="947" y="191"/>
+                      <a:pt x="946" y="243"/>
+                    </a:cubicBezTo>
+                    <a:cubicBezTo>
+                      <a:pt x="938" y="642"/>
+                      <a:pt x="938" y="642"/>
+                      <a:pt x="938" y="642"/>
+                    </a:cubicBezTo>
+                    <a:cubicBezTo>
+                      <a:pt x="937" y="694"/>
+                      <a:pt x="899" y="758"/>
+                      <a:pt x="853" y="783"/>
+                    </a:cubicBezTo>
+                    <a:cubicBezTo>
+                      <a:pt x="550" y="953"/>
+                      <a:pt x="550" y="953"/>
+                      <a:pt x="550" y="953"/>
+                    </a:cubicBezTo>
+                    <a:cubicBezTo>
+                      <a:pt x="505" y="979"/>
+                      <a:pt x="430" y="979"/>
+                      <a:pt x="384" y="953"/>
+                    </a:cubicBezTo>
+                    <a:lnTo>
+                      <a:pt x="83" y="784"/>
+                    </a:lnTo>
+                    <a:close/>
+                  </a:path>
+                </a:pathLst>
+              </a:custGeom>
+              <a:solidFill>
+                <a:srgbClr val="FFFFFF"/>
+              </a:solidFill>
+              <a:ln>
+                <a:noFill/>
+              </a:ln>
+              <a:extLst>
+                <a:ext uri="{91240B29-F687-4F45-9708-019B960494DF}">
+                  <a14:hiddenLine xmlns:a14="http://schemas.microsoft.com/office/drawing/2010/main" w="9525">
+                    <a:solidFill>
+                      <a:srgbClr val="000000"/>
+                    </a:solidFill>
+                    <a:round/>
+                    <a:headEnd/>
+                    <a:tailEnd/>
+                  </a14:hiddenLine>
+                </a:ext>
+              </a:extLst>
+            </p:spPr>
+            <p:txBody>
+              <a:bodyPr wrap="square" lIns="91440" tIns="45720" rIns="91440" bIns="45720" anchor="ctr">
+                <a:normAutofit/>
+              </a:bodyPr>
+              <a:lstStyle/>
+              <a:p>
+                <a:pPr algn="ctr"/>
+                <a:endParaRPr/>
+              </a:p>
+            </p:txBody>
+          </p:sp>
+          <p:sp>
+            <p:nvSpPr>
+              <p:cNvPr id="48" name="išlîdê"/>
+              <p:cNvSpPr/>
+              <p:nvPr/>
+            </p:nvSpPr>
+            <p:spPr bwMode="auto">
+              <a:xfrm>
+                <a:off x="6646209" y="1326535"/>
+                <a:ext cx="1520122" cy="469473"/>
+              </a:xfrm>
+              <a:custGeom>
+                <a:avLst/>
+                <a:gdLst>
+                  <a:gd name="T0" fmla="*/ 716 w 719"/>
+                  <a:gd name="T1" fmla="*/ 0 h 216"/>
+                  <a:gd name="T2" fmla="*/ 362 w 719"/>
+                  <a:gd name="T3" fmla="*/ 0 h 216"/>
+                  <a:gd name="T4" fmla="*/ 359 w 719"/>
+                  <a:gd name="T5" fmla="*/ 0 h 216"/>
+                  <a:gd name="T6" fmla="*/ 359 w 719"/>
+                  <a:gd name="T7" fmla="*/ 0 h 216"/>
+                  <a:gd name="T8" fmla="*/ 356 w 719"/>
+                  <a:gd name="T9" fmla="*/ 0 h 216"/>
+                  <a:gd name="T10" fmla="*/ 2 w 719"/>
+                  <a:gd name="T11" fmla="*/ 0 h 216"/>
+                  <a:gd name="T12" fmla="*/ 0 w 719"/>
+                  <a:gd name="T13" fmla="*/ 0 h 216"/>
+                  <a:gd name="T14" fmla="*/ 39 w 719"/>
+                  <a:gd name="T15" fmla="*/ 9 h 216"/>
+                  <a:gd name="T16" fmla="*/ 46 w 719"/>
+                  <a:gd name="T17" fmla="*/ 13 h 216"/>
+                  <a:gd name="T18" fmla="*/ 49 w 719"/>
+                  <a:gd name="T19" fmla="*/ 14 h 216"/>
+                  <a:gd name="T20" fmla="*/ 53 w 719"/>
+                  <a:gd name="T21" fmla="*/ 17 h 216"/>
+                  <a:gd name="T22" fmla="*/ 56 w 719"/>
+                  <a:gd name="T23" fmla="*/ 19 h 216"/>
+                  <a:gd name="T24" fmla="*/ 59 w 719"/>
+                  <a:gd name="T25" fmla="*/ 22 h 216"/>
+                  <a:gd name="T26" fmla="*/ 63 w 719"/>
+                  <a:gd name="T27" fmla="*/ 25 h 216"/>
+                  <a:gd name="T28" fmla="*/ 64 w 719"/>
+                  <a:gd name="T29" fmla="*/ 27 h 216"/>
+                  <a:gd name="T30" fmla="*/ 70 w 719"/>
+                  <a:gd name="T31" fmla="*/ 33 h 216"/>
+                  <a:gd name="T32" fmla="*/ 71 w 719"/>
+                  <a:gd name="T33" fmla="*/ 34 h 216"/>
+                  <a:gd name="T34" fmla="*/ 75 w 719"/>
+                  <a:gd name="T35" fmla="*/ 38 h 216"/>
+                  <a:gd name="T36" fmla="*/ 76 w 719"/>
+                  <a:gd name="T37" fmla="*/ 40 h 216"/>
+                  <a:gd name="T38" fmla="*/ 77 w 719"/>
+                  <a:gd name="T39" fmla="*/ 41 h 216"/>
+                  <a:gd name="T40" fmla="*/ 78 w 719"/>
+                  <a:gd name="T41" fmla="*/ 43 h 216"/>
+                  <a:gd name="T42" fmla="*/ 81 w 719"/>
+                  <a:gd name="T43" fmla="*/ 47 h 216"/>
+                  <a:gd name="T44" fmla="*/ 81 w 719"/>
+                  <a:gd name="T45" fmla="*/ 48 h 216"/>
+                  <a:gd name="T46" fmla="*/ 81 w 719"/>
+                  <a:gd name="T47" fmla="*/ 48 h 216"/>
+                  <a:gd name="T48" fmla="*/ 81 w 719"/>
+                  <a:gd name="T49" fmla="*/ 48 h 216"/>
+                  <a:gd name="T50" fmla="*/ 86 w 719"/>
+                  <a:gd name="T51" fmla="*/ 59 h 216"/>
+                  <a:gd name="T52" fmla="*/ 86 w 719"/>
+                  <a:gd name="T53" fmla="*/ 59 h 216"/>
+                  <a:gd name="T54" fmla="*/ 96 w 719"/>
+                  <a:gd name="T55" fmla="*/ 95 h 216"/>
+                  <a:gd name="T56" fmla="*/ 96 w 719"/>
+                  <a:gd name="T57" fmla="*/ 98 h 216"/>
+                  <a:gd name="T58" fmla="*/ 111 w 719"/>
+                  <a:gd name="T59" fmla="*/ 166 h 216"/>
+                  <a:gd name="T60" fmla="*/ 192 w 719"/>
+                  <a:gd name="T61" fmla="*/ 216 h 216"/>
+                  <a:gd name="T62" fmla="*/ 356 w 719"/>
+                  <a:gd name="T63" fmla="*/ 216 h 216"/>
+                  <a:gd name="T64" fmla="*/ 359 w 719"/>
+                  <a:gd name="T65" fmla="*/ 216 h 216"/>
+                  <a:gd name="T66" fmla="*/ 359 w 719"/>
+                  <a:gd name="T67" fmla="*/ 216 h 216"/>
+                  <a:gd name="T68" fmla="*/ 362 w 719"/>
+                  <a:gd name="T69" fmla="*/ 216 h 216"/>
+                  <a:gd name="T70" fmla="*/ 526 w 719"/>
+                  <a:gd name="T71" fmla="*/ 216 h 216"/>
+                  <a:gd name="T72" fmla="*/ 607 w 719"/>
+                  <a:gd name="T73" fmla="*/ 166 h 216"/>
+                  <a:gd name="T74" fmla="*/ 622 w 719"/>
+                  <a:gd name="T75" fmla="*/ 98 h 216"/>
+                  <a:gd name="T76" fmla="*/ 622 w 719"/>
+                  <a:gd name="T77" fmla="*/ 96 h 216"/>
+                  <a:gd name="T78" fmla="*/ 632 w 719"/>
+                  <a:gd name="T79" fmla="*/ 59 h 216"/>
+                  <a:gd name="T80" fmla="*/ 637 w 719"/>
+                  <a:gd name="T81" fmla="*/ 48 h 216"/>
+                  <a:gd name="T82" fmla="*/ 654 w 719"/>
+                  <a:gd name="T83" fmla="*/ 27 h 216"/>
+                  <a:gd name="T84" fmla="*/ 656 w 719"/>
+                  <a:gd name="T85" fmla="*/ 25 h 216"/>
+                  <a:gd name="T86" fmla="*/ 659 w 719"/>
+                  <a:gd name="T87" fmla="*/ 22 h 216"/>
+                  <a:gd name="T88" fmla="*/ 662 w 719"/>
+                  <a:gd name="T89" fmla="*/ 19 h 216"/>
+                  <a:gd name="T90" fmla="*/ 665 w 719"/>
+                  <a:gd name="T91" fmla="*/ 17 h 216"/>
+                  <a:gd name="T92" fmla="*/ 669 w 719"/>
+                  <a:gd name="T93" fmla="*/ 14 h 216"/>
+                  <a:gd name="T94" fmla="*/ 672 w 719"/>
+                  <a:gd name="T95" fmla="*/ 13 h 216"/>
+                  <a:gd name="T96" fmla="*/ 679 w 719"/>
+                  <a:gd name="T97" fmla="*/ 9 h 216"/>
+                  <a:gd name="T98" fmla="*/ 719 w 719"/>
+                  <a:gd name="T99" fmla="*/ 0 h 216"/>
+                  <a:gd name="T100" fmla="*/ 716 w 719"/>
+                  <a:gd name="T101" fmla="*/ 0 h 216"/>
+                </a:gdLst>
+                <a:ahLst/>
+                <a:cxnLst>
+                  <a:cxn ang="0">
+                    <a:pos x="T0" y="T1"/>
+                  </a:cxn>
+                  <a:cxn ang="0">
+                    <a:pos x="T2" y="T3"/>
+                  </a:cxn>
+                  <a:cxn ang="0">
+                    <a:pos x="T4" y="T5"/>
+                  </a:cxn>
+                  <a:cxn ang="0">
+                    <a:pos x="T6" y="T7"/>
+                  </a:cxn>
+                  <a:cxn ang="0">
+                    <a:pos x="T8" y="T9"/>
+                  </a:cxn>
+                  <a:cxn ang="0">
+                    <a:pos x="T10" y="T11"/>
+                  </a:cxn>
+                  <a:cxn ang="0">
+                    <a:pos x="T12" y="T13"/>
+                  </a:cxn>
+                  <a:cxn ang="0">
+                    <a:pos x="T14" y="T15"/>
+                  </a:cxn>
+                  <a:cxn ang="0">
+                    <a:pos x="T16" y="T17"/>
+                  </a:cxn>
+                  <a:cxn ang="0">
+                    <a:pos x="T18" y="T19"/>
+                  </a:cxn>
+                  <a:cxn ang="0">
+                    <a:pos x="T20" y="T21"/>
+                  </a:cxn>
+                  <a:cxn ang="0">
+                    <a:pos x="T22" y="T23"/>
+                  </a:cxn>
+                  <a:cxn ang="0">
+                    <a:pos x="T24" y="T25"/>
+                  </a:cxn>
+                  <a:cxn ang="0">
+                    <a:pos x="T26" y="T27"/>
+                  </a:cxn>
+                  <a:cxn ang="0">
+                    <a:pos x="T28" y="T29"/>
+                  </a:cxn>
+                  <a:cxn ang="0">
+                    <a:pos x="T30" y="T31"/>
+                  </a:cxn>
+                  <a:cxn ang="0">
+                    <a:pos x="T32" y="T33"/>
+                  </a:cxn>
+                  <a:cxn ang="0">
+                    <a:pos x="T34" y="T35"/>
+                  </a:cxn>
+                  <a:cxn ang="0">
+                    <a:pos x="T36" y="T37"/>
+                  </a:cxn>
+                  <a:cxn ang="0">
+                    <a:pos x="T38" y="T39"/>
+                  </a:cxn>
+                  <a:cxn ang="0">
+                    <a:pos x="T40" y="T41"/>
+                  </a:cxn>
+                  <a:cxn ang="0">
+                    <a:pos x="T42" y="T43"/>
+                  </a:cxn>
+                  <a:cxn ang="0">
+                    <a:pos x="T44" y="T45"/>
+                  </a:cxn>
+                  <a:cxn ang="0">
+                    <a:pos x="T46" y="T47"/>
+                  </a:cxn>
+                  <a:cxn ang="0">
+                    <a:pos x="T48" y="T49"/>
+                  </a:cxn>
+                  <a:cxn ang="0">
+                    <a:pos x="T50" y="T51"/>
+                  </a:cxn>
+                  <a:cxn ang="0">
+                    <a:pos x="T52" y="T53"/>
+                  </a:cxn>
+                  <a:cxn ang="0">
+                    <a:pos x="T54" y="T55"/>
+                  </a:cxn>
+                  <a:cxn ang="0">
+                    <a:pos x="T56" y="T57"/>
+                  </a:cxn>
+                  <a:cxn ang="0">
+                    <a:pos x="T58" y="T59"/>
+                  </a:cxn>
+                  <a:cxn ang="0">
+                    <a:pos x="T60" y="T61"/>
+                  </a:cxn>
+                  <a:cxn ang="0">
+                    <a:pos x="T62" y="T63"/>
+                  </a:cxn>
+                  <a:cxn ang="0">
+                    <a:pos x="T64" y="T65"/>
+                  </a:cxn>
+                  <a:cxn ang="0">
+                    <a:pos x="T66" y="T67"/>
+                  </a:cxn>
+                  <a:cxn ang="0">
+                    <a:pos x="T68" y="T69"/>
+                  </a:cxn>
+                  <a:cxn ang="0">
+                    <a:pos x="T70" y="T71"/>
+                  </a:cxn>
+                  <a:cxn ang="0">
+                    <a:pos x="T72" y="T73"/>
+                  </a:cxn>
+                  <a:cxn ang="0">
+                    <a:pos x="T74" y="T75"/>
+                  </a:cxn>
+                  <a:cxn ang="0">
+                    <a:pos x="T76" y="T77"/>
+                  </a:cxn>
+                  <a:cxn ang="0">
+                    <a:pos x="T78" y="T79"/>
+                  </a:cxn>
+                  <a:cxn ang="0">
+                    <a:pos x="T80" y="T81"/>
+                  </a:cxn>
+                  <a:cxn ang="0">
+                    <a:pos x="T82" y="T83"/>
+                  </a:cxn>
+                  <a:cxn ang="0">
+                    <a:pos x="T84" y="T85"/>
+                  </a:cxn>
+                  <a:cxn ang="0">
+                    <a:pos x="T86" y="T87"/>
+                  </a:cxn>
+                  <a:cxn ang="0">
+                    <a:pos x="T88" y="T89"/>
+                  </a:cxn>
+                  <a:cxn ang="0">
+                    <a:pos x="T90" y="T91"/>
+                  </a:cxn>
+                  <a:cxn ang="0">
+                    <a:pos x="T92" y="T93"/>
+                  </a:cxn>
+                  <a:cxn ang="0">
+                    <a:pos x="T94" y="T95"/>
+                  </a:cxn>
+                  <a:cxn ang="0">
+                    <a:pos x="T96" y="T97"/>
+                  </a:cxn>
+                  <a:cxn ang="0">
+                    <a:pos x="T98" y="T99"/>
+                  </a:cxn>
+                  <a:cxn ang="0">
+                    <a:pos x="T100" y="T101"/>
+                  </a:cxn>
+                </a:cxnLst>
+                <a:rect l="0" t="0" r="r" b="b"/>
+                <a:pathLst>
+                  <a:path w="719" h="216">
+                    <a:moveTo>
+                      <a:pt x="716" y="0"/>
+                    </a:moveTo>
+                    <a:cubicBezTo>
+                      <a:pt x="362" y="0"/>
+                      <a:pt x="362" y="0"/>
+                      <a:pt x="362" y="0"/>
+                    </a:cubicBezTo>
+                    <a:cubicBezTo>
+                      <a:pt x="359" y="0"/>
+                      <a:pt x="359" y="0"/>
+                      <a:pt x="359" y="0"/>
+                    </a:cubicBezTo>
+                    <a:cubicBezTo>
+                      <a:pt x="359" y="0"/>
+                      <a:pt x="359" y="0"/>
+                      <a:pt x="359" y="0"/>
+                    </a:cubicBezTo>
+                    <a:cubicBezTo>
+                      <a:pt x="356" y="0"/>
+                      <a:pt x="356" y="0"/>
+                      <a:pt x="356" y="0"/>
+                    </a:cubicBezTo>
+                    <a:cubicBezTo>
+                      <a:pt x="2" y="0"/>
+                      <a:pt x="2" y="0"/>
+                      <a:pt x="2" y="0"/>
+                    </a:cubicBezTo>
+                    <a:cubicBezTo>
+                      <a:pt x="1" y="0"/>
+                      <a:pt x="0" y="0"/>
+                      <a:pt x="0" y="0"/>
+                    </a:cubicBezTo>
+                    <a:cubicBezTo>
+                      <a:pt x="13" y="0"/>
+                      <a:pt x="27" y="4"/>
+                      <a:pt x="39" y="9"/>
+                    </a:cubicBezTo>
+                    <a:cubicBezTo>
+                      <a:pt x="42" y="10"/>
+                      <a:pt x="44" y="12"/>
+                      <a:pt x="46" y="13"/>
+                    </a:cubicBezTo>
+                    <a:cubicBezTo>
+                      <a:pt x="47" y="13"/>
+                      <a:pt x="48" y="14"/>
+                      <a:pt x="49" y="14"/>
+                    </a:cubicBezTo>
+                    <a:cubicBezTo>
+                      <a:pt x="50" y="15"/>
+                      <a:pt x="52" y="16"/>
+                      <a:pt x="53" y="17"/>
+                    </a:cubicBezTo>
+                    <a:cubicBezTo>
+                      <a:pt x="54" y="18"/>
+                      <a:pt x="55" y="19"/>
+                      <a:pt x="56" y="19"/>
+                    </a:cubicBezTo>
+                    <a:cubicBezTo>
+                      <a:pt x="57" y="20"/>
+                      <a:pt x="58" y="21"/>
+                      <a:pt x="59" y="22"/>
+                    </a:cubicBezTo>
+                    <a:cubicBezTo>
+                      <a:pt x="60" y="23"/>
+                      <a:pt x="61" y="24"/>
+                      <a:pt x="63" y="25"/>
+                    </a:cubicBezTo>
+                    <a:cubicBezTo>
+                      <a:pt x="63" y="25"/>
+                      <a:pt x="64" y="26"/>
+                      <a:pt x="64" y="27"/>
+                    </a:cubicBezTo>
+                    <a:cubicBezTo>
+                      <a:pt x="67" y="29"/>
+                      <a:pt x="69" y="31"/>
+                      <a:pt x="70" y="33"/>
+                    </a:cubicBezTo>
+                    <a:cubicBezTo>
+                      <a:pt x="71" y="33"/>
+                      <a:pt x="71" y="34"/>
+                      <a:pt x="71" y="34"/>
+                    </a:cubicBezTo>
+                    <a:cubicBezTo>
+                      <a:pt x="72" y="35"/>
+                      <a:pt x="73" y="37"/>
+                      <a:pt x="75" y="38"/>
+                    </a:cubicBezTo>
+                    <a:cubicBezTo>
+                      <a:pt x="75" y="39"/>
+                      <a:pt x="75" y="39"/>
+                      <a:pt x="76" y="40"/>
+                    </a:cubicBezTo>
+                    <a:cubicBezTo>
+                      <a:pt x="76" y="40"/>
+                      <a:pt x="76" y="40"/>
+                      <a:pt x="77" y="41"/>
+                    </a:cubicBezTo>
+                    <a:cubicBezTo>
+                      <a:pt x="77" y="41"/>
+                      <a:pt x="77" y="42"/>
+                      <a:pt x="78" y="43"/>
+                    </a:cubicBezTo>
+                    <a:cubicBezTo>
+                      <a:pt x="79" y="44"/>
+                      <a:pt x="80" y="46"/>
+                      <a:pt x="81" y="47"/>
+                    </a:cubicBezTo>
+                    <a:cubicBezTo>
+                      <a:pt x="81" y="47"/>
+                      <a:pt x="81" y="48"/>
+                      <a:pt x="81" y="48"/>
+                    </a:cubicBezTo>
+                    <a:cubicBezTo>
+                      <a:pt x="81" y="48"/>
+                      <a:pt x="81" y="48"/>
+                      <a:pt x="81" y="48"/>
+                    </a:cubicBezTo>
+                    <a:cubicBezTo>
+                      <a:pt x="81" y="48"/>
+                      <a:pt x="81" y="48"/>
+                      <a:pt x="81" y="48"/>
+                    </a:cubicBezTo>
+                    <a:cubicBezTo>
+                      <a:pt x="83" y="52"/>
+                      <a:pt x="85" y="55"/>
+                      <a:pt x="86" y="59"/>
+                    </a:cubicBezTo>
+                    <a:cubicBezTo>
+                      <a:pt x="86" y="59"/>
+                      <a:pt x="86" y="59"/>
+                      <a:pt x="86" y="59"/>
+                    </a:cubicBezTo>
+                    <a:cubicBezTo>
+                      <a:pt x="91" y="70"/>
+                      <a:pt x="94" y="83"/>
+                      <a:pt x="96" y="95"/>
+                    </a:cubicBezTo>
+                    <a:cubicBezTo>
+                      <a:pt x="96" y="96"/>
+                      <a:pt x="96" y="97"/>
+                      <a:pt x="96" y="98"/>
+                    </a:cubicBezTo>
+                    <a:cubicBezTo>
+                      <a:pt x="99" y="121"/>
+                      <a:pt x="101" y="145"/>
+                      <a:pt x="111" y="166"/>
+                    </a:cubicBezTo>
+                    <a:cubicBezTo>
+                      <a:pt x="127" y="199"/>
+                      <a:pt x="155" y="216"/>
+                      <a:pt x="192" y="216"/>
+                    </a:cubicBezTo>
+                    <a:cubicBezTo>
+                      <a:pt x="192" y="216"/>
+                      <a:pt x="356" y="216"/>
+                      <a:pt x="356" y="216"/>
+                    </a:cubicBezTo>
+                    <a:cubicBezTo>
+                      <a:pt x="356" y="216"/>
+                      <a:pt x="357" y="216"/>
+                      <a:pt x="359" y="216"/>
+                    </a:cubicBezTo>
+                    <a:cubicBezTo>
+                      <a:pt x="359" y="216"/>
+                      <a:pt x="359" y="216"/>
+                      <a:pt x="359" y="216"/>
+                    </a:cubicBezTo>
+                    <a:cubicBezTo>
+                      <a:pt x="361" y="216"/>
+                      <a:pt x="362" y="216"/>
+                      <a:pt x="362" y="216"/>
+                    </a:cubicBezTo>
+                    <a:cubicBezTo>
+                      <a:pt x="362" y="216"/>
+                      <a:pt x="526" y="216"/>
+                      <a:pt x="526" y="216"/>
+                    </a:cubicBezTo>
+                    <a:cubicBezTo>
+                      <a:pt x="563" y="216"/>
+                      <a:pt x="591" y="199"/>
+                      <a:pt x="607" y="166"/>
+                    </a:cubicBezTo>
+                    <a:cubicBezTo>
+                      <a:pt x="618" y="145"/>
+                      <a:pt x="619" y="121"/>
+                      <a:pt x="622" y="98"/>
+                    </a:cubicBezTo>
+                    <a:cubicBezTo>
+                      <a:pt x="622" y="98"/>
+                      <a:pt x="622" y="97"/>
+                      <a:pt x="622" y="96"/>
+                    </a:cubicBezTo>
+                    <a:cubicBezTo>
+                      <a:pt x="624" y="83"/>
+                      <a:pt x="627" y="71"/>
+                      <a:pt x="632" y="59"/>
+                    </a:cubicBezTo>
+                    <a:cubicBezTo>
+                      <a:pt x="633" y="55"/>
+                      <a:pt x="635" y="51"/>
+                      <a:pt x="637" y="48"/>
+                    </a:cubicBezTo>
+                    <a:cubicBezTo>
+                      <a:pt x="642" y="40"/>
+                      <a:pt x="647" y="33"/>
+                      <a:pt x="654" y="27"/>
+                    </a:cubicBezTo>
+                    <a:cubicBezTo>
+                      <a:pt x="654" y="26"/>
+                      <a:pt x="655" y="25"/>
+                      <a:pt x="656" y="25"/>
+                    </a:cubicBezTo>
+                    <a:cubicBezTo>
+                      <a:pt x="657" y="24"/>
+                      <a:pt x="658" y="23"/>
+                      <a:pt x="659" y="22"/>
+                    </a:cubicBezTo>
+                    <a:cubicBezTo>
+                      <a:pt x="660" y="21"/>
+                      <a:pt x="661" y="20"/>
+                      <a:pt x="662" y="19"/>
+                    </a:cubicBezTo>
+                    <a:cubicBezTo>
+                      <a:pt x="663" y="19"/>
+                      <a:pt x="664" y="18"/>
+                      <a:pt x="665" y="17"/>
+                    </a:cubicBezTo>
+                    <a:cubicBezTo>
+                      <a:pt x="667" y="16"/>
+                      <a:pt x="668" y="15"/>
+                      <a:pt x="669" y="14"/>
+                    </a:cubicBezTo>
+                    <a:cubicBezTo>
+                      <a:pt x="670" y="14"/>
+                      <a:pt x="671" y="13"/>
+                      <a:pt x="672" y="13"/>
+                    </a:cubicBezTo>
+                    <a:cubicBezTo>
+                      <a:pt x="674" y="12"/>
+                      <a:pt x="676" y="10"/>
+                      <a:pt x="679" y="9"/>
+                    </a:cubicBezTo>
+                    <a:cubicBezTo>
+                      <a:pt x="691" y="4"/>
+                      <a:pt x="705" y="0"/>
+                      <a:pt x="719" y="0"/>
+                    </a:cubicBezTo>
+                    <a:cubicBezTo>
+                      <a:pt x="718" y="0"/>
+                      <a:pt x="717" y="0"/>
+                      <a:pt x="716" y="0"/>
+                    </a:cubicBezTo>
+                    <a:close/>
+                  </a:path>
+                </a:pathLst>
+              </a:custGeom>
+              <a:solidFill>
+                <a:schemeClr val="accent1"/>
+              </a:solidFill>
+              <a:ln>
+                <a:noFill/>
+              </a:ln>
+            </p:spPr>
+            <p:txBody>
+              <a:bodyPr vert="horz" wrap="square" lIns="91440" tIns="45720" rIns="91440" bIns="45720" anchor="ctr" anchorCtr="1" compatLnSpc="1">
+                <a:prstTxWarp prst="textNoShape">
+                  <a:avLst/>
+                </a:prstTxWarp>
+                <a:normAutofit/>
+              </a:bodyPr>
+              <a:lstStyle/>
+              <a:p>
+                <a:pPr algn="ctr"/>
+                <a:r>
+                  <a:rPr lang="en-US" altLang="zh-CN" sz="1600" b="1" dirty="0"/>
+                  <a:t>REQUIRESNEW</a:t>
+                </a:r>
+                <a:endParaRPr lang="zh-CN" altLang="en-US" sz="1600" b="1" dirty="0"/>
+              </a:p>
+            </p:txBody>
+          </p:sp>
+        </p:grpSp>
+        <p:grpSp>
+          <p:nvGrpSpPr>
+            <p:cNvPr id="22" name="iśliḓe">
+              <a:extLst>
+                <a:ext uri="{FF2B5EF4-FFF2-40B4-BE49-F238E27FC236}">
+                  <a16:creationId xmlns:a16="http://schemas.microsoft.com/office/drawing/2014/main" id="{B7238F03-42E9-4EF8-BB3D-E2F038FB0564}"/>
+                </a:ext>
+              </a:extLst>
+            </p:cNvPr>
+            <p:cNvGrpSpPr/>
+            <p:nvPr/>
+          </p:nvGrpSpPr>
+          <p:grpSpPr>
+            <a:xfrm>
+              <a:off x="8908281" y="1205246"/>
+              <a:ext cx="2369319" cy="2471787"/>
+              <a:chOff x="8908281" y="1205246"/>
+              <a:chExt cx="2369319" cy="2471787"/>
+            </a:xfrm>
+          </p:grpSpPr>
+          <p:sp>
+            <p:nvSpPr>
+              <p:cNvPr id="41" name="iṥļïde"/>
+              <p:cNvSpPr/>
+              <p:nvPr/>
+            </p:nvSpPr>
+            <p:spPr bwMode="auto">
+              <a:xfrm>
+                <a:off x="8908281" y="1205246"/>
+                <a:ext cx="2369319" cy="2471787"/>
+              </a:xfrm>
+              <a:custGeom>
+                <a:avLst/>
+                <a:gdLst>
+                  <a:gd name="T0" fmla="*/ 538 w 1089"/>
+                  <a:gd name="T1" fmla="*/ 1138 h 1138"/>
+                  <a:gd name="T2" fmla="*/ 466 w 1089"/>
+                  <a:gd name="T3" fmla="*/ 1122 h 1138"/>
+                  <a:gd name="T4" fmla="*/ 71 w 1089"/>
+                  <a:gd name="T5" fmla="*/ 895 h 1138"/>
+                  <a:gd name="T6" fmla="*/ 0 w 1089"/>
+                  <a:gd name="T7" fmla="*/ 772 h 1138"/>
+                  <a:gd name="T8" fmla="*/ 4 w 1089"/>
+                  <a:gd name="T9" fmla="*/ 248 h 1138"/>
+                  <a:gd name="T10" fmla="*/ 79 w 1089"/>
+                  <a:gd name="T11" fmla="*/ 143 h 1138"/>
+                  <a:gd name="T12" fmla="*/ 455 w 1089"/>
+                  <a:gd name="T13" fmla="*/ 12 h 1138"/>
+                  <a:gd name="T14" fmla="*/ 540 w 1089"/>
+                  <a:gd name="T15" fmla="*/ 0 h 1138"/>
+                  <a:gd name="T16" fmla="*/ 621 w 1089"/>
+                  <a:gd name="T17" fmla="*/ 11 h 1138"/>
+                  <a:gd name="T18" fmla="*/ 1015 w 1089"/>
+                  <a:gd name="T19" fmla="*/ 144 h 1138"/>
+                  <a:gd name="T20" fmla="*/ 1088 w 1089"/>
+                  <a:gd name="T21" fmla="*/ 247 h 1138"/>
+                  <a:gd name="T22" fmla="*/ 1078 w 1089"/>
+                  <a:gd name="T23" fmla="*/ 772 h 1138"/>
+                  <a:gd name="T24" fmla="*/ 1005 w 1089"/>
+                  <a:gd name="T25" fmla="*/ 895 h 1138"/>
+                  <a:gd name="T26" fmla="*/ 609 w 1089"/>
+                  <a:gd name="T27" fmla="*/ 1122 h 1138"/>
+                  <a:gd name="T28" fmla="*/ 538 w 1089"/>
+                  <a:gd name="T29" fmla="*/ 1138 h 1138"/>
+                </a:gdLst>
+                <a:ahLst/>
+                <a:cxnLst>
+                  <a:cxn ang="0">
+                    <a:pos x="T0" y="T1"/>
+                  </a:cxn>
+                  <a:cxn ang="0">
+                    <a:pos x="T2" y="T3"/>
+                  </a:cxn>
+                  <a:cxn ang="0">
+                    <a:pos x="T4" y="T5"/>
+                  </a:cxn>
+                  <a:cxn ang="0">
+                    <a:pos x="T6" y="T7"/>
+                  </a:cxn>
+                  <a:cxn ang="0">
+                    <a:pos x="T8" y="T9"/>
+                  </a:cxn>
+                  <a:cxn ang="0">
+                    <a:pos x="T10" y="T11"/>
+                  </a:cxn>
+                  <a:cxn ang="0">
+                    <a:pos x="T12" y="T13"/>
+                  </a:cxn>
+                  <a:cxn ang="0">
+                    <a:pos x="T14" y="T15"/>
+                  </a:cxn>
+                  <a:cxn ang="0">
+                    <a:pos x="T16" y="T17"/>
+                  </a:cxn>
+                  <a:cxn ang="0">
+                    <a:pos x="T18" y="T19"/>
+                  </a:cxn>
+                  <a:cxn ang="0">
+                    <a:pos x="T20" y="T21"/>
+                  </a:cxn>
+                  <a:cxn ang="0">
+                    <a:pos x="T22" y="T23"/>
+                  </a:cxn>
+                  <a:cxn ang="0">
+                    <a:pos x="T24" y="T25"/>
+                  </a:cxn>
+                  <a:cxn ang="0">
+                    <a:pos x="T26" y="T27"/>
+                  </a:cxn>
+                  <a:cxn ang="0">
+                    <a:pos x="T28" y="T29"/>
+                  </a:cxn>
+                </a:cxnLst>
+                <a:rect l="0" t="0" r="r" b="b"/>
+                <a:pathLst>
+                  <a:path w="1089" h="1138">
+                    <a:moveTo>
+                      <a:pt x="538" y="1138"/>
+                    </a:moveTo>
+                    <a:cubicBezTo>
+                      <a:pt x="511" y="1138"/>
+                      <a:pt x="485" y="1132"/>
+                      <a:pt x="466" y="1122"/>
+                    </a:cubicBezTo>
+                    <a:cubicBezTo>
+                      <a:pt x="71" y="895"/>
+                      <a:pt x="71" y="895"/>
+                      <a:pt x="71" y="895"/>
+                    </a:cubicBezTo>
+                    <a:cubicBezTo>
+                      <a:pt x="32" y="873"/>
+                      <a:pt x="0" y="817"/>
+                      <a:pt x="0" y="772"/>
+                    </a:cubicBezTo>
+                    <a:cubicBezTo>
+                      <a:pt x="4" y="248"/>
+                      <a:pt x="4" y="248"/>
+                      <a:pt x="4" y="248"/>
+                    </a:cubicBezTo>
+                    <a:cubicBezTo>
+                      <a:pt x="4" y="205"/>
+                      <a:pt x="38" y="157"/>
+                      <a:pt x="79" y="143"/>
+                    </a:cubicBezTo>
+                    <a:cubicBezTo>
+                      <a:pt x="455" y="12"/>
+                      <a:pt x="455" y="12"/>
+                      <a:pt x="455" y="12"/>
+                    </a:cubicBezTo>
+                    <a:cubicBezTo>
+                      <a:pt x="477" y="4"/>
+                      <a:pt x="508" y="0"/>
+                      <a:pt x="540" y="0"/>
+                    </a:cubicBezTo>
+                    <a:cubicBezTo>
+                      <a:pt x="570" y="0"/>
+                      <a:pt x="600" y="4"/>
+                      <a:pt x="621" y="11"/>
+                    </a:cubicBezTo>
+                    <a:cubicBezTo>
+                      <a:pt x="1015" y="144"/>
+                      <a:pt x="1015" y="144"/>
+                      <a:pt x="1015" y="144"/>
+                    </a:cubicBezTo>
+                    <a:cubicBezTo>
+                      <a:pt x="1056" y="157"/>
+                      <a:pt x="1089" y="205"/>
+                      <a:pt x="1088" y="247"/>
+                    </a:cubicBezTo>
+                    <a:cubicBezTo>
+                      <a:pt x="1078" y="772"/>
+                      <a:pt x="1078" y="772"/>
+                      <a:pt x="1078" y="772"/>
+                    </a:cubicBezTo>
+                    <a:cubicBezTo>
+                      <a:pt x="1077" y="816"/>
+                      <a:pt x="1044" y="873"/>
+                      <a:pt x="1005" y="895"/>
+                    </a:cubicBezTo>
+                    <a:cubicBezTo>
+                      <a:pt x="609" y="1122"/>
+                      <a:pt x="609" y="1122"/>
+                      <a:pt x="609" y="1122"/>
+                    </a:cubicBezTo>
+                    <a:cubicBezTo>
+                      <a:pt x="591" y="1132"/>
+                      <a:pt x="565" y="1138"/>
+                      <a:pt x="538" y="1138"/>
+                    </a:cubicBezTo>
+                    <a:close/>
+                  </a:path>
+                </a:pathLst>
+              </a:custGeom>
+              <a:solidFill>
+                <a:schemeClr val="tx1">
+                  <a:lumMod val="50000"/>
+                  <a:lumOff val="50000"/>
+                </a:schemeClr>
+              </a:solidFill>
+              <a:ln>
+                <a:noFill/>
+              </a:ln>
+            </p:spPr>
+            <p:txBody>
+              <a:bodyPr wrap="square" lIns="91440" tIns="45720" rIns="91440" bIns="45720" anchor="ctr">
+                <a:normAutofit/>
+              </a:bodyPr>
+              <a:lstStyle/>
+              <a:p>
+                <a:pPr algn="ctr"/>
+                <a:endParaRPr/>
+              </a:p>
+            </p:txBody>
+          </p:sp>
+          <p:sp>
+            <p:nvSpPr>
+              <p:cNvPr id="42" name="îṩḷíḋé"/>
+              <p:cNvSpPr/>
+              <p:nvPr/>
+            </p:nvSpPr>
+            <p:spPr bwMode="auto">
+              <a:xfrm>
+                <a:off x="9063029" y="1368359"/>
+                <a:ext cx="2059823" cy="2125695"/>
+              </a:xfrm>
+              <a:custGeom>
+                <a:avLst/>
+                <a:gdLst>
+                  <a:gd name="T0" fmla="*/ 83 w 947"/>
+                  <a:gd name="T1" fmla="*/ 784 h 979"/>
+                  <a:gd name="T2" fmla="*/ 0 w 947"/>
+                  <a:gd name="T3" fmla="*/ 643 h 979"/>
+                  <a:gd name="T4" fmla="*/ 3 w 947"/>
+                  <a:gd name="T5" fmla="*/ 243 h 979"/>
+                  <a:gd name="T6" fmla="*/ 94 w 947"/>
+                  <a:gd name="T7" fmla="*/ 116 h 979"/>
+                  <a:gd name="T8" fmla="*/ 378 w 947"/>
+                  <a:gd name="T9" fmla="*/ 18 h 979"/>
+                  <a:gd name="T10" fmla="*/ 558 w 947"/>
+                  <a:gd name="T11" fmla="*/ 17 h 979"/>
+                  <a:gd name="T12" fmla="*/ 857 w 947"/>
+                  <a:gd name="T13" fmla="*/ 117 h 979"/>
+                  <a:gd name="T14" fmla="*/ 946 w 947"/>
+                  <a:gd name="T15" fmla="*/ 243 h 979"/>
+                  <a:gd name="T16" fmla="*/ 938 w 947"/>
+                  <a:gd name="T17" fmla="*/ 642 h 979"/>
+                  <a:gd name="T18" fmla="*/ 853 w 947"/>
+                  <a:gd name="T19" fmla="*/ 783 h 979"/>
+                  <a:gd name="T20" fmla="*/ 550 w 947"/>
+                  <a:gd name="T21" fmla="*/ 953 h 979"/>
+                  <a:gd name="T22" fmla="*/ 384 w 947"/>
+                  <a:gd name="T23" fmla="*/ 953 h 979"/>
+                  <a:gd name="T24" fmla="*/ 83 w 947"/>
+                  <a:gd name="T25" fmla="*/ 784 h 979"/>
+                </a:gdLst>
+                <a:ahLst/>
+                <a:cxnLst>
+                  <a:cxn ang="0">
+                    <a:pos x="T0" y="T1"/>
+                  </a:cxn>
+                  <a:cxn ang="0">
+                    <a:pos x="T2" y="T3"/>
+                  </a:cxn>
+                  <a:cxn ang="0">
+                    <a:pos x="T4" y="T5"/>
+                  </a:cxn>
+                  <a:cxn ang="0">
+                    <a:pos x="T6" y="T7"/>
+                  </a:cxn>
+                  <a:cxn ang="0">
+                    <a:pos x="T8" y="T9"/>
+                  </a:cxn>
+                  <a:cxn ang="0">
+                    <a:pos x="T10" y="T11"/>
+                  </a:cxn>
+                  <a:cxn ang="0">
+                    <a:pos x="T12" y="T13"/>
+                  </a:cxn>
+                  <a:cxn ang="0">
+                    <a:pos x="T14" y="T15"/>
+                  </a:cxn>
+                  <a:cxn ang="0">
+                    <a:pos x="T16" y="T17"/>
+                  </a:cxn>
+                  <a:cxn ang="0">
+                    <a:pos x="T18" y="T19"/>
+                  </a:cxn>
+                  <a:cxn ang="0">
+                    <a:pos x="T20" y="T21"/>
+                  </a:cxn>
+                  <a:cxn ang="0">
+                    <a:pos x="T22" y="T23"/>
+                  </a:cxn>
+                  <a:cxn ang="0">
+                    <a:pos x="T24" y="T25"/>
+                  </a:cxn>
+                </a:cxnLst>
+                <a:rect l="0" t="0" r="r" b="b"/>
+                <a:pathLst>
+                  <a:path w="947" h="979">
+                    <a:moveTo>
+                      <a:pt x="83" y="784"/>
+                    </a:moveTo>
+                    <a:cubicBezTo>
+                      <a:pt x="37" y="759"/>
+                      <a:pt x="0" y="695"/>
+                      <a:pt x="0" y="643"/>
+                    </a:cubicBezTo>
+                    <a:cubicBezTo>
+                      <a:pt x="3" y="243"/>
+                      <a:pt x="3" y="243"/>
+                      <a:pt x="3" y="243"/>
+                    </a:cubicBezTo>
+                    <a:cubicBezTo>
+                      <a:pt x="4" y="191"/>
+                      <a:pt x="44" y="134"/>
+                      <a:pt x="94" y="116"/>
+                    </a:cubicBezTo>
+                    <a:cubicBezTo>
+                      <a:pt x="378" y="18"/>
+                      <a:pt x="378" y="18"/>
+                      <a:pt x="378" y="18"/>
+                    </a:cubicBezTo>
+                    <a:cubicBezTo>
+                      <a:pt x="427" y="1"/>
+                      <a:pt x="508" y="0"/>
+                      <a:pt x="558" y="17"/>
+                    </a:cubicBezTo>
+                    <a:cubicBezTo>
+                      <a:pt x="857" y="117"/>
+                      <a:pt x="857" y="117"/>
+                      <a:pt x="857" y="117"/>
+                    </a:cubicBezTo>
+                    <a:cubicBezTo>
+                      <a:pt x="907" y="134"/>
+                      <a:pt x="947" y="191"/>
+                      <a:pt x="946" y="243"/>
+                    </a:cubicBezTo>
+                    <a:cubicBezTo>
+                      <a:pt x="938" y="642"/>
+                      <a:pt x="938" y="642"/>
+                      <a:pt x="938" y="642"/>
+                    </a:cubicBezTo>
+                    <a:cubicBezTo>
+                      <a:pt x="937" y="694"/>
+                      <a:pt x="899" y="758"/>
+                      <a:pt x="853" y="783"/>
+                    </a:cubicBezTo>
+                    <a:cubicBezTo>
+                      <a:pt x="550" y="953"/>
+                      <a:pt x="550" y="953"/>
+                      <a:pt x="550" y="953"/>
+                    </a:cubicBezTo>
+                    <a:cubicBezTo>
+                      <a:pt x="505" y="979"/>
+                      <a:pt x="430" y="979"/>
+                      <a:pt x="384" y="953"/>
+                    </a:cubicBezTo>
+                    <a:lnTo>
+                      <a:pt x="83" y="784"/>
+                    </a:lnTo>
+                    <a:close/>
+                  </a:path>
+                </a:pathLst>
+              </a:custGeom>
+              <a:solidFill>
+                <a:srgbClr val="FFFFFF"/>
+              </a:solidFill>
+              <a:ln>
+                <a:noFill/>
+              </a:ln>
+              <a:extLst>
+                <a:ext uri="{91240B29-F687-4F45-9708-019B960494DF}">
+                  <a14:hiddenLine xmlns:a14="http://schemas.microsoft.com/office/drawing/2010/main" w="9525">
+                    <a:solidFill>
+                      <a:srgbClr val="000000"/>
+                    </a:solidFill>
+                    <a:round/>
+                    <a:headEnd/>
+                    <a:tailEnd/>
+                  </a14:hiddenLine>
+                </a:ext>
+              </a:extLst>
+            </p:spPr>
+            <p:txBody>
+              <a:bodyPr wrap="square" lIns="91440" tIns="45720" rIns="91440" bIns="45720" anchor="ctr">
+                <a:normAutofit/>
+              </a:bodyPr>
+              <a:lstStyle/>
+              <a:p>
+                <a:pPr algn="ctr"/>
+                <a:endParaRPr/>
+              </a:p>
+            </p:txBody>
+          </p:sp>
+          <p:sp>
+            <p:nvSpPr>
+              <p:cNvPr id="43" name="ï$1ïḓê"/>
+              <p:cNvSpPr/>
+              <p:nvPr/>
+            </p:nvSpPr>
+            <p:spPr bwMode="auto">
+              <a:xfrm>
+                <a:off x="9310835" y="1326535"/>
+                <a:ext cx="1564211" cy="469473"/>
+              </a:xfrm>
+              <a:custGeom>
+                <a:avLst/>
+                <a:gdLst>
+                  <a:gd name="T0" fmla="*/ 716 w 719"/>
+                  <a:gd name="T1" fmla="*/ 0 h 216"/>
+                  <a:gd name="T2" fmla="*/ 362 w 719"/>
+                  <a:gd name="T3" fmla="*/ 0 h 216"/>
+                  <a:gd name="T4" fmla="*/ 359 w 719"/>
+                  <a:gd name="T5" fmla="*/ 0 h 216"/>
+                  <a:gd name="T6" fmla="*/ 359 w 719"/>
+                  <a:gd name="T7" fmla="*/ 0 h 216"/>
+                  <a:gd name="T8" fmla="*/ 356 w 719"/>
+                  <a:gd name="T9" fmla="*/ 0 h 216"/>
+                  <a:gd name="T10" fmla="*/ 2 w 719"/>
+                  <a:gd name="T11" fmla="*/ 0 h 216"/>
+                  <a:gd name="T12" fmla="*/ 0 w 719"/>
+                  <a:gd name="T13" fmla="*/ 0 h 216"/>
+                  <a:gd name="T14" fmla="*/ 39 w 719"/>
+                  <a:gd name="T15" fmla="*/ 9 h 216"/>
+                  <a:gd name="T16" fmla="*/ 46 w 719"/>
+                  <a:gd name="T17" fmla="*/ 13 h 216"/>
+                  <a:gd name="T18" fmla="*/ 49 w 719"/>
+                  <a:gd name="T19" fmla="*/ 14 h 216"/>
+                  <a:gd name="T20" fmla="*/ 53 w 719"/>
+                  <a:gd name="T21" fmla="*/ 17 h 216"/>
+                  <a:gd name="T22" fmla="*/ 56 w 719"/>
+                  <a:gd name="T23" fmla="*/ 19 h 216"/>
+                  <a:gd name="T24" fmla="*/ 59 w 719"/>
+                  <a:gd name="T25" fmla="*/ 22 h 216"/>
+                  <a:gd name="T26" fmla="*/ 63 w 719"/>
+                  <a:gd name="T27" fmla="*/ 25 h 216"/>
+                  <a:gd name="T28" fmla="*/ 64 w 719"/>
+                  <a:gd name="T29" fmla="*/ 27 h 216"/>
+                  <a:gd name="T30" fmla="*/ 70 w 719"/>
+                  <a:gd name="T31" fmla="*/ 33 h 216"/>
+                  <a:gd name="T32" fmla="*/ 71 w 719"/>
+                  <a:gd name="T33" fmla="*/ 34 h 216"/>
+                  <a:gd name="T34" fmla="*/ 75 w 719"/>
+                  <a:gd name="T35" fmla="*/ 38 h 216"/>
+                  <a:gd name="T36" fmla="*/ 76 w 719"/>
+                  <a:gd name="T37" fmla="*/ 40 h 216"/>
+                  <a:gd name="T38" fmla="*/ 77 w 719"/>
+                  <a:gd name="T39" fmla="*/ 41 h 216"/>
+                  <a:gd name="T40" fmla="*/ 78 w 719"/>
+                  <a:gd name="T41" fmla="*/ 43 h 216"/>
+                  <a:gd name="T42" fmla="*/ 81 w 719"/>
+                  <a:gd name="T43" fmla="*/ 47 h 216"/>
+                  <a:gd name="T44" fmla="*/ 81 w 719"/>
+                  <a:gd name="T45" fmla="*/ 48 h 216"/>
+                  <a:gd name="T46" fmla="*/ 81 w 719"/>
+                  <a:gd name="T47" fmla="*/ 48 h 216"/>
+                  <a:gd name="T48" fmla="*/ 81 w 719"/>
+                  <a:gd name="T49" fmla="*/ 48 h 216"/>
+                  <a:gd name="T50" fmla="*/ 86 w 719"/>
+                  <a:gd name="T51" fmla="*/ 59 h 216"/>
+                  <a:gd name="T52" fmla="*/ 86 w 719"/>
+                  <a:gd name="T53" fmla="*/ 59 h 216"/>
+                  <a:gd name="T54" fmla="*/ 96 w 719"/>
+                  <a:gd name="T55" fmla="*/ 95 h 216"/>
+                  <a:gd name="T56" fmla="*/ 96 w 719"/>
+                  <a:gd name="T57" fmla="*/ 98 h 216"/>
+                  <a:gd name="T58" fmla="*/ 111 w 719"/>
+                  <a:gd name="T59" fmla="*/ 166 h 216"/>
+                  <a:gd name="T60" fmla="*/ 192 w 719"/>
+                  <a:gd name="T61" fmla="*/ 216 h 216"/>
+                  <a:gd name="T62" fmla="*/ 356 w 719"/>
+                  <a:gd name="T63" fmla="*/ 216 h 216"/>
+                  <a:gd name="T64" fmla="*/ 359 w 719"/>
+                  <a:gd name="T65" fmla="*/ 216 h 216"/>
+                  <a:gd name="T66" fmla="*/ 359 w 719"/>
+                  <a:gd name="T67" fmla="*/ 216 h 216"/>
+                  <a:gd name="T68" fmla="*/ 362 w 719"/>
+                  <a:gd name="T69" fmla="*/ 216 h 216"/>
+                  <a:gd name="T70" fmla="*/ 526 w 719"/>
+                  <a:gd name="T71" fmla="*/ 216 h 216"/>
+                  <a:gd name="T72" fmla="*/ 607 w 719"/>
+                  <a:gd name="T73" fmla="*/ 166 h 216"/>
+                  <a:gd name="T74" fmla="*/ 622 w 719"/>
+                  <a:gd name="T75" fmla="*/ 98 h 216"/>
+                  <a:gd name="T76" fmla="*/ 622 w 719"/>
+                  <a:gd name="T77" fmla="*/ 96 h 216"/>
+                  <a:gd name="T78" fmla="*/ 632 w 719"/>
+                  <a:gd name="T79" fmla="*/ 59 h 216"/>
+                  <a:gd name="T80" fmla="*/ 637 w 719"/>
+                  <a:gd name="T81" fmla="*/ 48 h 216"/>
+                  <a:gd name="T82" fmla="*/ 654 w 719"/>
+                  <a:gd name="T83" fmla="*/ 27 h 216"/>
+                  <a:gd name="T84" fmla="*/ 656 w 719"/>
+                  <a:gd name="T85" fmla="*/ 25 h 216"/>
+                  <a:gd name="T86" fmla="*/ 659 w 719"/>
+                  <a:gd name="T87" fmla="*/ 22 h 216"/>
+                  <a:gd name="T88" fmla="*/ 662 w 719"/>
+                  <a:gd name="T89" fmla="*/ 19 h 216"/>
+                  <a:gd name="T90" fmla="*/ 665 w 719"/>
+                  <a:gd name="T91" fmla="*/ 17 h 216"/>
+                  <a:gd name="T92" fmla="*/ 669 w 719"/>
+                  <a:gd name="T93" fmla="*/ 14 h 216"/>
+                  <a:gd name="T94" fmla="*/ 672 w 719"/>
+                  <a:gd name="T95" fmla="*/ 13 h 216"/>
+                  <a:gd name="T96" fmla="*/ 679 w 719"/>
+                  <a:gd name="T97" fmla="*/ 9 h 216"/>
+                  <a:gd name="T98" fmla="*/ 719 w 719"/>
+                  <a:gd name="T99" fmla="*/ 0 h 216"/>
+                  <a:gd name="T100" fmla="*/ 716 w 719"/>
+                  <a:gd name="T101" fmla="*/ 0 h 216"/>
+                </a:gdLst>
+                <a:ahLst/>
+                <a:cxnLst>
+                  <a:cxn ang="0">
+                    <a:pos x="T0" y="T1"/>
+                  </a:cxn>
+                  <a:cxn ang="0">
+                    <a:pos x="T2" y="T3"/>
+                  </a:cxn>
+                  <a:cxn ang="0">
+                    <a:pos x="T4" y="T5"/>
+                  </a:cxn>
+                  <a:cxn ang="0">
+                    <a:pos x="T6" y="T7"/>
+                  </a:cxn>
+                  <a:cxn ang="0">
+                    <a:pos x="T8" y="T9"/>
+                  </a:cxn>
+                  <a:cxn ang="0">
+                    <a:pos x="T10" y="T11"/>
+                  </a:cxn>
+                  <a:cxn ang="0">
+                    <a:pos x="T12" y="T13"/>
+                  </a:cxn>
+                  <a:cxn ang="0">
+                    <a:pos x="T14" y="T15"/>
+                  </a:cxn>
+                  <a:cxn ang="0">
+                    <a:pos x="T16" y="T17"/>
+                  </a:cxn>
+                  <a:cxn ang="0">
+                    <a:pos x="T18" y="T19"/>
+                  </a:cxn>
+                  <a:cxn ang="0">
+                    <a:pos x="T20" y="T21"/>
+                  </a:cxn>
+                  <a:cxn ang="0">
+                    <a:pos x="T22" y="T23"/>
+                  </a:cxn>
+                  <a:cxn ang="0">
+                    <a:pos x="T24" y="T25"/>
+                  </a:cxn>
+                  <a:cxn ang="0">
+                    <a:pos x="T26" y="T27"/>
+                  </a:cxn>
+                  <a:cxn ang="0">
+                    <a:pos x="T28" y="T29"/>
+                  </a:cxn>
+                  <a:cxn ang="0">
+                    <a:pos x="T30" y="T31"/>
+                  </a:cxn>
+                  <a:cxn ang="0">
+                    <a:pos x="T32" y="T33"/>
+                  </a:cxn>
+                  <a:cxn ang="0">
+                    <a:pos x="T34" y="T35"/>
+                  </a:cxn>
+                  <a:cxn ang="0">
+                    <a:pos x="T36" y="T37"/>
+                  </a:cxn>
+                  <a:cxn ang="0">
+                    <a:pos x="T38" y="T39"/>
+                  </a:cxn>
+                  <a:cxn ang="0">
+                    <a:pos x="T40" y="T41"/>
+                  </a:cxn>
+                  <a:cxn ang="0">
+                    <a:pos x="T42" y="T43"/>
+                  </a:cxn>
+                  <a:cxn ang="0">
+                    <a:pos x="T44" y="T45"/>
+                  </a:cxn>
+                  <a:cxn ang="0">
+                    <a:pos x="T46" y="T47"/>
+                  </a:cxn>
+                  <a:cxn ang="0">
+                    <a:pos x="T48" y="T49"/>
+                  </a:cxn>
+                  <a:cxn ang="0">
+                    <a:pos x="T50" y="T51"/>
+                  </a:cxn>
+                  <a:cxn ang="0">
+                    <a:pos x="T52" y="T53"/>
+                  </a:cxn>
+                  <a:cxn ang="0">
+                    <a:pos x="T54" y="T55"/>
+                  </a:cxn>
+                  <a:cxn ang="0">
+                    <a:pos x="T56" y="T57"/>
+                  </a:cxn>
+                  <a:cxn ang="0">
+                    <a:pos x="T58" y="T59"/>
+                  </a:cxn>
+                  <a:cxn ang="0">
+                    <a:pos x="T60" y="T61"/>
+                  </a:cxn>
+                  <a:cxn ang="0">
+                    <a:pos x="T62" y="T63"/>
+                  </a:cxn>
+                  <a:cxn ang="0">
+                    <a:pos x="T64" y="T65"/>
+                  </a:cxn>
+                  <a:cxn ang="0">
+                    <a:pos x="T66" y="T67"/>
+                  </a:cxn>
+                  <a:cxn ang="0">
+                    <a:pos x="T68" y="T69"/>
+                  </a:cxn>
+                  <a:cxn ang="0">
+                    <a:pos x="T70" y="T71"/>
+                  </a:cxn>
+                  <a:cxn ang="0">
+                    <a:pos x="T72" y="T73"/>
+                  </a:cxn>
+                  <a:cxn ang="0">
+                    <a:pos x="T74" y="T75"/>
+                  </a:cxn>
+                  <a:cxn ang="0">
+                    <a:pos x="T76" y="T77"/>
+                  </a:cxn>
+                  <a:cxn ang="0">
+                    <a:pos x="T78" y="T79"/>
+                  </a:cxn>
+                  <a:cxn ang="0">
+                    <a:pos x="T80" y="T81"/>
+                  </a:cxn>
+                  <a:cxn ang="0">
+                    <a:pos x="T82" y="T83"/>
+                  </a:cxn>
+                  <a:cxn ang="0">
+                    <a:pos x="T84" y="T85"/>
+                  </a:cxn>
+                  <a:cxn ang="0">
+                    <a:pos x="T86" y="T87"/>
+                  </a:cxn>
+                  <a:cxn ang="0">
+                    <a:pos x="T88" y="T89"/>
+                  </a:cxn>
+                  <a:cxn ang="0">
+                    <a:pos x="T90" y="T91"/>
+                  </a:cxn>
+                  <a:cxn ang="0">
+                    <a:pos x="T92" y="T93"/>
+                  </a:cxn>
+                  <a:cxn ang="0">
+                    <a:pos x="T94" y="T95"/>
+                  </a:cxn>
+                  <a:cxn ang="0">
+                    <a:pos x="T96" y="T97"/>
+                  </a:cxn>
+                  <a:cxn ang="0">
+                    <a:pos x="T98" y="T99"/>
+                  </a:cxn>
+                  <a:cxn ang="0">
+                    <a:pos x="T100" y="T101"/>
+                  </a:cxn>
+                </a:cxnLst>
+                <a:rect l="0" t="0" r="r" b="b"/>
+                <a:pathLst>
+                  <a:path w="719" h="216">
+                    <a:moveTo>
+                      <a:pt x="716" y="0"/>
+                    </a:moveTo>
+                    <a:cubicBezTo>
+                      <a:pt x="362" y="0"/>
+                      <a:pt x="362" y="0"/>
+                      <a:pt x="362" y="0"/>
+                    </a:cubicBezTo>
+                    <a:cubicBezTo>
+                      <a:pt x="359" y="0"/>
+                      <a:pt x="359" y="0"/>
+                      <a:pt x="359" y="0"/>
+                    </a:cubicBezTo>
+                    <a:cubicBezTo>
+                      <a:pt x="359" y="0"/>
+                      <a:pt x="359" y="0"/>
+                      <a:pt x="359" y="0"/>
+                    </a:cubicBezTo>
+                    <a:cubicBezTo>
+                      <a:pt x="356" y="0"/>
+                      <a:pt x="356" y="0"/>
+                      <a:pt x="356" y="0"/>
+                    </a:cubicBezTo>
+                    <a:cubicBezTo>
+                      <a:pt x="2" y="0"/>
+                      <a:pt x="2" y="0"/>
+                      <a:pt x="2" y="0"/>
+                    </a:cubicBezTo>
+                    <a:cubicBezTo>
+                      <a:pt x="1" y="0"/>
+                      <a:pt x="0" y="0"/>
+                      <a:pt x="0" y="0"/>
+                    </a:cubicBezTo>
+                    <a:cubicBezTo>
+                      <a:pt x="13" y="0"/>
+                      <a:pt x="27" y="4"/>
+                      <a:pt x="39" y="9"/>
+                    </a:cubicBezTo>
+                    <a:cubicBezTo>
+                      <a:pt x="42" y="10"/>
+                      <a:pt x="44" y="12"/>
+                      <a:pt x="46" y="13"/>
+                    </a:cubicBezTo>
+                    <a:cubicBezTo>
+                      <a:pt x="47" y="13"/>
+                      <a:pt x="48" y="14"/>
+                      <a:pt x="49" y="14"/>
+                    </a:cubicBezTo>
+                    <a:cubicBezTo>
+                      <a:pt x="50" y="15"/>
+                      <a:pt x="52" y="16"/>
+                      <a:pt x="53" y="17"/>
+                    </a:cubicBezTo>
+                    <a:cubicBezTo>
+                      <a:pt x="54" y="18"/>
+                      <a:pt x="55" y="19"/>
+                      <a:pt x="56" y="19"/>
+                    </a:cubicBezTo>
+                    <a:cubicBezTo>
+                      <a:pt x="57" y="20"/>
+                      <a:pt x="58" y="21"/>
+                      <a:pt x="59" y="22"/>
+                    </a:cubicBezTo>
+                    <a:cubicBezTo>
+                      <a:pt x="60" y="23"/>
+                      <a:pt x="61" y="24"/>
+                      <a:pt x="63" y="25"/>
+                    </a:cubicBezTo>
+                    <a:cubicBezTo>
+                      <a:pt x="63" y="25"/>
+                      <a:pt x="64" y="26"/>
+                      <a:pt x="64" y="27"/>
+                    </a:cubicBezTo>
+                    <a:cubicBezTo>
+                      <a:pt x="67" y="29"/>
+                      <a:pt x="69" y="31"/>
+                      <a:pt x="70" y="33"/>
+                    </a:cubicBezTo>
+                    <a:cubicBezTo>
+                      <a:pt x="71" y="33"/>
+                      <a:pt x="71" y="34"/>
+                      <a:pt x="71" y="34"/>
+                    </a:cubicBezTo>
+                    <a:cubicBezTo>
+                      <a:pt x="72" y="35"/>
+                      <a:pt x="73" y="37"/>
+                      <a:pt x="75" y="38"/>
+                    </a:cubicBezTo>
+                    <a:cubicBezTo>
+                      <a:pt x="75" y="39"/>
+                      <a:pt x="75" y="39"/>
+                      <a:pt x="76" y="40"/>
+                    </a:cubicBezTo>
+                    <a:cubicBezTo>
+                      <a:pt x="76" y="40"/>
+                      <a:pt x="76" y="40"/>
+                      <a:pt x="77" y="41"/>
+                    </a:cubicBezTo>
+                    <a:cubicBezTo>
+                      <a:pt x="77" y="41"/>
+                      <a:pt x="77" y="42"/>
+                      <a:pt x="78" y="43"/>
+                    </a:cubicBezTo>
+                    <a:cubicBezTo>
+                      <a:pt x="79" y="44"/>
+                      <a:pt x="80" y="46"/>
+                      <a:pt x="81" y="47"/>
+                    </a:cubicBezTo>
+                    <a:cubicBezTo>
+                      <a:pt x="81" y="47"/>
+                      <a:pt x="81" y="48"/>
+                      <a:pt x="81" y="48"/>
+                    </a:cubicBezTo>
+                    <a:cubicBezTo>
+                      <a:pt x="81" y="48"/>
+                      <a:pt x="81" y="48"/>
+                      <a:pt x="81" y="48"/>
+                    </a:cubicBezTo>
+                    <a:cubicBezTo>
+                      <a:pt x="81" y="48"/>
+                      <a:pt x="81" y="48"/>
+                      <a:pt x="81" y="48"/>
+                    </a:cubicBezTo>
+                    <a:cubicBezTo>
+                      <a:pt x="83" y="52"/>
+                      <a:pt x="85" y="55"/>
+                      <a:pt x="86" y="59"/>
+                    </a:cubicBezTo>
+                    <a:cubicBezTo>
+                      <a:pt x="86" y="59"/>
+                      <a:pt x="86" y="59"/>
+                      <a:pt x="86" y="59"/>
+                    </a:cubicBezTo>
+                    <a:cubicBezTo>
+                      <a:pt x="91" y="70"/>
+                      <a:pt x="94" y="83"/>
+                      <a:pt x="96" y="95"/>
+                    </a:cubicBezTo>
+                    <a:cubicBezTo>
+                      <a:pt x="96" y="96"/>
+                      <a:pt x="96" y="97"/>
+                      <a:pt x="96" y="98"/>
+                    </a:cubicBezTo>
+                    <a:cubicBezTo>
+                      <a:pt x="99" y="121"/>
+                      <a:pt x="101" y="145"/>
+                      <a:pt x="111" y="166"/>
+                    </a:cubicBezTo>
+                    <a:cubicBezTo>
+                      <a:pt x="127" y="199"/>
+                      <a:pt x="155" y="216"/>
+                      <a:pt x="192" y="216"/>
+                    </a:cubicBezTo>
+                    <a:cubicBezTo>
+                      <a:pt x="192" y="216"/>
+                      <a:pt x="356" y="216"/>
+                      <a:pt x="356" y="216"/>
+                    </a:cubicBezTo>
+                    <a:cubicBezTo>
+                      <a:pt x="356" y="216"/>
+                      <a:pt x="357" y="216"/>
+                      <a:pt x="359" y="216"/>
+                    </a:cubicBezTo>
+                    <a:cubicBezTo>
+                      <a:pt x="359" y="216"/>
+                      <a:pt x="359" y="216"/>
+                      <a:pt x="359" y="216"/>
+                    </a:cubicBezTo>
+                    <a:cubicBezTo>
+                      <a:pt x="361" y="216"/>
+                      <a:pt x="362" y="216"/>
+                      <a:pt x="362" y="216"/>
+                    </a:cubicBezTo>
+                    <a:cubicBezTo>
+                      <a:pt x="362" y="216"/>
+                      <a:pt x="526" y="216"/>
+                      <a:pt x="526" y="216"/>
+                    </a:cubicBezTo>
+                    <a:cubicBezTo>
+                      <a:pt x="563" y="216"/>
+                      <a:pt x="591" y="199"/>
+                      <a:pt x="607" y="166"/>
+                    </a:cubicBezTo>
+                    <a:cubicBezTo>
+                      <a:pt x="618" y="145"/>
+                      <a:pt x="619" y="121"/>
+                      <a:pt x="622" y="98"/>
+                    </a:cubicBezTo>
+                    <a:cubicBezTo>
+                      <a:pt x="622" y="98"/>
+                      <a:pt x="622" y="97"/>
+                      <a:pt x="622" y="96"/>
+                    </a:cubicBezTo>
+                    <a:cubicBezTo>
+                      <a:pt x="624" y="83"/>
+                      <a:pt x="627" y="71"/>
+                      <a:pt x="632" y="59"/>
+                    </a:cubicBezTo>
+                    <a:cubicBezTo>
+                      <a:pt x="633" y="55"/>
+                      <a:pt x="635" y="51"/>
+                      <a:pt x="637" y="48"/>
+                    </a:cubicBezTo>
+                    <a:cubicBezTo>
+                      <a:pt x="642" y="40"/>
+                      <a:pt x="647" y="33"/>
+                      <a:pt x="654" y="27"/>
+                    </a:cubicBezTo>
+                    <a:cubicBezTo>
+                      <a:pt x="654" y="26"/>
+                      <a:pt x="655" y="25"/>
+                      <a:pt x="656" y="25"/>
+                    </a:cubicBezTo>
+                    <a:cubicBezTo>
+                      <a:pt x="657" y="24"/>
+                      <a:pt x="658" y="23"/>
+                      <a:pt x="659" y="22"/>
+                    </a:cubicBezTo>
+                    <a:cubicBezTo>
+                      <a:pt x="660" y="21"/>
+                      <a:pt x="661" y="20"/>
+                      <a:pt x="662" y="19"/>
+                    </a:cubicBezTo>
+                    <a:cubicBezTo>
+                      <a:pt x="663" y="19"/>
+                      <a:pt x="664" y="18"/>
+                      <a:pt x="665" y="17"/>
+                    </a:cubicBezTo>
+                    <a:cubicBezTo>
+                      <a:pt x="667" y="16"/>
+                      <a:pt x="668" y="15"/>
+                      <a:pt x="669" y="14"/>
+                    </a:cubicBezTo>
+                    <a:cubicBezTo>
+                      <a:pt x="670" y="14"/>
+                      <a:pt x="671" y="13"/>
+                      <a:pt x="672" y="13"/>
+                    </a:cubicBezTo>
+                    <a:cubicBezTo>
+                      <a:pt x="674" y="12"/>
+                      <a:pt x="676" y="10"/>
+                      <a:pt x="679" y="9"/>
+                    </a:cubicBezTo>
+                    <a:cubicBezTo>
+                      <a:pt x="691" y="4"/>
+                      <a:pt x="705" y="0"/>
+                      <a:pt x="719" y="0"/>
+                    </a:cubicBezTo>
+                    <a:cubicBezTo>
+                      <a:pt x="718" y="0"/>
+                      <a:pt x="717" y="0"/>
+                      <a:pt x="716" y="0"/>
+                    </a:cubicBezTo>
+                    <a:close/>
+                  </a:path>
+                </a:pathLst>
+              </a:custGeom>
+              <a:solidFill>
+                <a:schemeClr val="tx1">
+                  <a:lumMod val="50000"/>
+                  <a:lumOff val="50000"/>
+                </a:schemeClr>
+              </a:solidFill>
+              <a:ln>
+                <a:noFill/>
+              </a:ln>
+            </p:spPr>
+            <p:style>
+              <a:lnRef idx="2">
+                <a:schemeClr val="accent1">
+                  <a:shade val="50000"/>
+                </a:schemeClr>
+              </a:lnRef>
+              <a:fillRef idx="1">
+                <a:schemeClr val="accent1"/>
+              </a:fillRef>
+              <a:effectRef idx="0">
+                <a:schemeClr val="accent1"/>
+              </a:effectRef>
+              <a:fontRef idx="minor">
+                <a:schemeClr val="lt1"/>
+              </a:fontRef>
+            </p:style>
+            <p:txBody>
+              <a:bodyPr wrap="square" lIns="91440" tIns="45720" rIns="91440" bIns="45720" anchor="ctr">
+                <a:normAutofit/>
+              </a:bodyPr>
+              <a:lstStyle/>
+              <a:p>
+                <a:pPr algn="ctr"/>
+                <a:r>
+                  <a:rPr lang="en-US" altLang="zh-CN" sz="1600" b="1" dirty="0">
+                    <a:solidFill>
+                      <a:schemeClr val="tx1"/>
+                    </a:solidFill>
+                  </a:rPr>
+                  <a:t>MANDATORY</a:t>
+                </a:r>
+                <a:endParaRPr lang="zh-CN" altLang="en-US" sz="1600" b="1" dirty="0">
+                  <a:solidFill>
+                    <a:schemeClr val="tx1"/>
+                  </a:solidFill>
+                </a:endParaRPr>
+              </a:p>
+            </p:txBody>
+          </p:sp>
+        </p:grpSp>
+        <p:grpSp>
+          <p:nvGrpSpPr>
+            <p:cNvPr id="23" name="îṡḻíḋé">
+              <a:extLst>
+                <a:ext uri="{FF2B5EF4-FFF2-40B4-BE49-F238E27FC236}">
+                  <a16:creationId xmlns:a16="http://schemas.microsoft.com/office/drawing/2014/main" id="{A5014320-13BD-4986-B3D0-832FD05AF7E6}"/>
+                </a:ext>
+              </a:extLst>
+            </p:cNvPr>
+            <p:cNvGrpSpPr/>
+            <p:nvPr/>
+          </p:nvGrpSpPr>
+          <p:grpSpPr>
+            <a:xfrm>
+              <a:off x="2246714" y="3600067"/>
+              <a:ext cx="2369319" cy="2471787"/>
+              <a:chOff x="2246714" y="3600067"/>
+              <a:chExt cx="2369319" cy="2471787"/>
+            </a:xfrm>
+          </p:grpSpPr>
+          <p:sp>
+            <p:nvSpPr>
+              <p:cNvPr id="36" name="i$ḻídé"/>
+              <p:cNvSpPr/>
+              <p:nvPr/>
+            </p:nvSpPr>
+            <p:spPr bwMode="auto">
+              <a:xfrm>
+                <a:off x="2246714" y="3600067"/>
+                <a:ext cx="2369319" cy="2471787"/>
+              </a:xfrm>
+              <a:custGeom>
+                <a:avLst/>
+                <a:gdLst>
+                  <a:gd name="T0" fmla="*/ 538 w 1089"/>
+                  <a:gd name="T1" fmla="*/ 1138 h 1138"/>
+                  <a:gd name="T2" fmla="*/ 466 w 1089"/>
+                  <a:gd name="T3" fmla="*/ 1122 h 1138"/>
+                  <a:gd name="T4" fmla="*/ 71 w 1089"/>
+                  <a:gd name="T5" fmla="*/ 895 h 1138"/>
+                  <a:gd name="T6" fmla="*/ 0 w 1089"/>
+                  <a:gd name="T7" fmla="*/ 772 h 1138"/>
+                  <a:gd name="T8" fmla="*/ 4 w 1089"/>
+                  <a:gd name="T9" fmla="*/ 248 h 1138"/>
+                  <a:gd name="T10" fmla="*/ 79 w 1089"/>
+                  <a:gd name="T11" fmla="*/ 143 h 1138"/>
+                  <a:gd name="T12" fmla="*/ 455 w 1089"/>
+                  <a:gd name="T13" fmla="*/ 12 h 1138"/>
+                  <a:gd name="T14" fmla="*/ 540 w 1089"/>
+                  <a:gd name="T15" fmla="*/ 0 h 1138"/>
+                  <a:gd name="T16" fmla="*/ 621 w 1089"/>
+                  <a:gd name="T17" fmla="*/ 11 h 1138"/>
+                  <a:gd name="T18" fmla="*/ 1015 w 1089"/>
+                  <a:gd name="T19" fmla="*/ 144 h 1138"/>
+                  <a:gd name="T20" fmla="*/ 1088 w 1089"/>
+                  <a:gd name="T21" fmla="*/ 247 h 1138"/>
+                  <a:gd name="T22" fmla="*/ 1078 w 1089"/>
+                  <a:gd name="T23" fmla="*/ 772 h 1138"/>
+                  <a:gd name="T24" fmla="*/ 1005 w 1089"/>
+                  <a:gd name="T25" fmla="*/ 895 h 1138"/>
+                  <a:gd name="T26" fmla="*/ 609 w 1089"/>
+                  <a:gd name="T27" fmla="*/ 1122 h 1138"/>
+                  <a:gd name="T28" fmla="*/ 538 w 1089"/>
+                  <a:gd name="T29" fmla="*/ 1138 h 1138"/>
+                </a:gdLst>
+                <a:ahLst/>
+                <a:cxnLst>
+                  <a:cxn ang="0">
+                    <a:pos x="T0" y="T1"/>
+                  </a:cxn>
+                  <a:cxn ang="0">
+                    <a:pos x="T2" y="T3"/>
+                  </a:cxn>
+                  <a:cxn ang="0">
+                    <a:pos x="T4" y="T5"/>
+                  </a:cxn>
+                  <a:cxn ang="0">
+                    <a:pos x="T6" y="T7"/>
+                  </a:cxn>
+                  <a:cxn ang="0">
+                    <a:pos x="T8" y="T9"/>
+                  </a:cxn>
+                  <a:cxn ang="0">
+                    <a:pos x="T10" y="T11"/>
+                  </a:cxn>
+                  <a:cxn ang="0">
+                    <a:pos x="T12" y="T13"/>
+                  </a:cxn>
+                  <a:cxn ang="0">
+                    <a:pos x="T14" y="T15"/>
+                  </a:cxn>
+                  <a:cxn ang="0">
+                    <a:pos x="T16" y="T17"/>
+                  </a:cxn>
+                  <a:cxn ang="0">
+                    <a:pos x="T18" y="T19"/>
+                  </a:cxn>
+                  <a:cxn ang="0">
+                    <a:pos x="T20" y="T21"/>
+                  </a:cxn>
+                  <a:cxn ang="0">
+                    <a:pos x="T22" y="T23"/>
+                  </a:cxn>
+                  <a:cxn ang="0">
+                    <a:pos x="T24" y="T25"/>
+                  </a:cxn>
+                  <a:cxn ang="0">
+                    <a:pos x="T26" y="T27"/>
+                  </a:cxn>
+                  <a:cxn ang="0">
+                    <a:pos x="T28" y="T29"/>
+                  </a:cxn>
+                </a:cxnLst>
+                <a:rect l="0" t="0" r="r" b="b"/>
+                <a:pathLst>
+                  <a:path w="1089" h="1138">
+                    <a:moveTo>
+                      <a:pt x="538" y="1138"/>
+                    </a:moveTo>
+                    <a:cubicBezTo>
+                      <a:pt x="511" y="1138"/>
+                      <a:pt x="485" y="1132"/>
+                      <a:pt x="466" y="1122"/>
+                    </a:cubicBezTo>
+                    <a:cubicBezTo>
+                      <a:pt x="71" y="895"/>
+                      <a:pt x="71" y="895"/>
+                      <a:pt x="71" y="895"/>
+                    </a:cubicBezTo>
+                    <a:cubicBezTo>
+                      <a:pt x="32" y="873"/>
+                      <a:pt x="0" y="817"/>
+                      <a:pt x="0" y="772"/>
+                    </a:cubicBezTo>
+                    <a:cubicBezTo>
+                      <a:pt x="4" y="248"/>
+                      <a:pt x="4" y="248"/>
+                      <a:pt x="4" y="248"/>
+                    </a:cubicBezTo>
+                    <a:cubicBezTo>
+                      <a:pt x="4" y="205"/>
+                      <a:pt x="38" y="157"/>
+                      <a:pt x="79" y="143"/>
+                    </a:cubicBezTo>
+                    <a:cubicBezTo>
+                      <a:pt x="455" y="12"/>
+                      <a:pt x="455" y="12"/>
+                      <a:pt x="455" y="12"/>
+                    </a:cubicBezTo>
+                    <a:cubicBezTo>
+                      <a:pt x="477" y="4"/>
+                      <a:pt x="508" y="0"/>
+                      <a:pt x="540" y="0"/>
+                    </a:cubicBezTo>
+                    <a:cubicBezTo>
+                      <a:pt x="570" y="0"/>
+                      <a:pt x="600" y="4"/>
+                      <a:pt x="621" y="11"/>
+                    </a:cubicBezTo>
+                    <a:cubicBezTo>
+                      <a:pt x="1015" y="144"/>
+                      <a:pt x="1015" y="144"/>
+                      <a:pt x="1015" y="144"/>
+                    </a:cubicBezTo>
+                    <a:cubicBezTo>
+                      <a:pt x="1056" y="157"/>
+                      <a:pt x="1089" y="205"/>
+                      <a:pt x="1088" y="247"/>
+                    </a:cubicBezTo>
+                    <a:cubicBezTo>
+                      <a:pt x="1078" y="772"/>
+                      <a:pt x="1078" y="772"/>
+                      <a:pt x="1078" y="772"/>
+                    </a:cubicBezTo>
+                    <a:cubicBezTo>
+                      <a:pt x="1077" y="816"/>
+                      <a:pt x="1044" y="873"/>
+                      <a:pt x="1005" y="895"/>
+                    </a:cubicBezTo>
+                    <a:cubicBezTo>
+                      <a:pt x="609" y="1122"/>
+                      <a:pt x="609" y="1122"/>
+                      <a:pt x="609" y="1122"/>
+                    </a:cubicBezTo>
+                    <a:cubicBezTo>
+                      <a:pt x="591" y="1132"/>
+                      <a:pt x="565" y="1138"/>
+                      <a:pt x="538" y="1138"/>
+                    </a:cubicBezTo>
+                    <a:close/>
+                  </a:path>
+                </a:pathLst>
+              </a:custGeom>
+              <a:solidFill>
+                <a:schemeClr val="tx2"/>
+              </a:solidFill>
+              <a:ln>
+                <a:noFill/>
+              </a:ln>
+            </p:spPr>
+            <p:txBody>
+              <a:bodyPr wrap="square" lIns="91440" tIns="45720" rIns="91440" bIns="45720" anchor="ctr">
+                <a:normAutofit/>
+              </a:bodyPr>
+              <a:lstStyle/>
+              <a:p>
+                <a:pPr algn="ctr"/>
+                <a:endParaRPr/>
+              </a:p>
+            </p:txBody>
+          </p:sp>
+          <p:sp>
+            <p:nvSpPr>
+              <p:cNvPr id="37" name="îṩḷiďé"/>
+              <p:cNvSpPr/>
+              <p:nvPr/>
+            </p:nvSpPr>
+            <p:spPr bwMode="auto">
+              <a:xfrm>
+                <a:off x="2401462" y="3763181"/>
+                <a:ext cx="2059823" cy="2125696"/>
+              </a:xfrm>
+              <a:custGeom>
+                <a:avLst/>
+                <a:gdLst>
+                  <a:gd name="T0" fmla="*/ 83 w 947"/>
+                  <a:gd name="T1" fmla="*/ 784 h 979"/>
+                  <a:gd name="T2" fmla="*/ 0 w 947"/>
+                  <a:gd name="T3" fmla="*/ 643 h 979"/>
+                  <a:gd name="T4" fmla="*/ 3 w 947"/>
+                  <a:gd name="T5" fmla="*/ 243 h 979"/>
+                  <a:gd name="T6" fmla="*/ 94 w 947"/>
+                  <a:gd name="T7" fmla="*/ 116 h 979"/>
+                  <a:gd name="T8" fmla="*/ 378 w 947"/>
+                  <a:gd name="T9" fmla="*/ 18 h 979"/>
+                  <a:gd name="T10" fmla="*/ 558 w 947"/>
+                  <a:gd name="T11" fmla="*/ 17 h 979"/>
+                  <a:gd name="T12" fmla="*/ 857 w 947"/>
+                  <a:gd name="T13" fmla="*/ 117 h 979"/>
+                  <a:gd name="T14" fmla="*/ 946 w 947"/>
+                  <a:gd name="T15" fmla="*/ 243 h 979"/>
+                  <a:gd name="T16" fmla="*/ 938 w 947"/>
+                  <a:gd name="T17" fmla="*/ 642 h 979"/>
+                  <a:gd name="T18" fmla="*/ 853 w 947"/>
+                  <a:gd name="T19" fmla="*/ 783 h 979"/>
+                  <a:gd name="T20" fmla="*/ 550 w 947"/>
+                  <a:gd name="T21" fmla="*/ 953 h 979"/>
+                  <a:gd name="T22" fmla="*/ 384 w 947"/>
+                  <a:gd name="T23" fmla="*/ 953 h 979"/>
+                  <a:gd name="T24" fmla="*/ 83 w 947"/>
+                  <a:gd name="T25" fmla="*/ 784 h 979"/>
+                </a:gdLst>
+                <a:ahLst/>
+                <a:cxnLst>
+                  <a:cxn ang="0">
+                    <a:pos x="T0" y="T1"/>
+                  </a:cxn>
+                  <a:cxn ang="0">
+                    <a:pos x="T2" y="T3"/>
+                  </a:cxn>
+                  <a:cxn ang="0">
+                    <a:pos x="T4" y="T5"/>
+                  </a:cxn>
+                  <a:cxn ang="0">
+                    <a:pos x="T6" y="T7"/>
+                  </a:cxn>
+                  <a:cxn ang="0">
+                    <a:pos x="T8" y="T9"/>
+                  </a:cxn>
+                  <a:cxn ang="0">
+                    <a:pos x="T10" y="T11"/>
+                  </a:cxn>
+                  <a:cxn ang="0">
+                    <a:pos x="T12" y="T13"/>
+                  </a:cxn>
+                  <a:cxn ang="0">
+                    <a:pos x="T14" y="T15"/>
+                  </a:cxn>
+                  <a:cxn ang="0">
+                    <a:pos x="T16" y="T17"/>
+                  </a:cxn>
+                  <a:cxn ang="0">
+                    <a:pos x="T18" y="T19"/>
+                  </a:cxn>
+                  <a:cxn ang="0">
+                    <a:pos x="T20" y="T21"/>
+                  </a:cxn>
+                  <a:cxn ang="0">
+                    <a:pos x="T22" y="T23"/>
+                  </a:cxn>
+                  <a:cxn ang="0">
+                    <a:pos x="T24" y="T25"/>
+                  </a:cxn>
+                </a:cxnLst>
+                <a:rect l="0" t="0" r="r" b="b"/>
+                <a:pathLst>
+                  <a:path w="947" h="979">
+                    <a:moveTo>
+                      <a:pt x="83" y="784"/>
+                    </a:moveTo>
+                    <a:cubicBezTo>
+                      <a:pt x="37" y="759"/>
+                      <a:pt x="0" y="695"/>
+                      <a:pt x="0" y="643"/>
+                    </a:cubicBezTo>
+                    <a:cubicBezTo>
+                      <a:pt x="3" y="243"/>
+                      <a:pt x="3" y="243"/>
+                      <a:pt x="3" y="243"/>
+                    </a:cubicBezTo>
+                    <a:cubicBezTo>
+                      <a:pt x="4" y="191"/>
+                      <a:pt x="44" y="134"/>
+                      <a:pt x="94" y="116"/>
+                    </a:cubicBezTo>
+                    <a:cubicBezTo>
+                      <a:pt x="378" y="18"/>
+                      <a:pt x="378" y="18"/>
+                      <a:pt x="378" y="18"/>
+                    </a:cubicBezTo>
+                    <a:cubicBezTo>
+                      <a:pt x="427" y="1"/>
+                      <a:pt x="508" y="0"/>
+                      <a:pt x="558" y="17"/>
+                    </a:cubicBezTo>
+                    <a:cubicBezTo>
+                      <a:pt x="857" y="117"/>
+                      <a:pt x="857" y="117"/>
+                      <a:pt x="857" y="117"/>
+                    </a:cubicBezTo>
+                    <a:cubicBezTo>
+                      <a:pt x="907" y="134"/>
+                      <a:pt x="947" y="191"/>
+                      <a:pt x="946" y="243"/>
+                    </a:cubicBezTo>
+                    <a:cubicBezTo>
+                      <a:pt x="938" y="642"/>
+                      <a:pt x="938" y="642"/>
+                      <a:pt x="938" y="642"/>
+                    </a:cubicBezTo>
+                    <a:cubicBezTo>
+                      <a:pt x="937" y="694"/>
+                      <a:pt x="899" y="758"/>
+                      <a:pt x="853" y="783"/>
+                    </a:cubicBezTo>
+                    <a:cubicBezTo>
+                      <a:pt x="550" y="953"/>
+                      <a:pt x="550" y="953"/>
+                      <a:pt x="550" y="953"/>
+                    </a:cubicBezTo>
+                    <a:cubicBezTo>
+                      <a:pt x="505" y="979"/>
+                      <a:pt x="430" y="979"/>
+                      <a:pt x="384" y="953"/>
+                    </a:cubicBezTo>
+                    <a:lnTo>
+                      <a:pt x="83" y="784"/>
+                    </a:lnTo>
+                    <a:close/>
+                  </a:path>
+                </a:pathLst>
+              </a:custGeom>
+              <a:solidFill>
+                <a:srgbClr val="FFFFFF"/>
+              </a:solidFill>
+              <a:ln>
+                <a:noFill/>
+              </a:ln>
+              <a:extLst>
+                <a:ext uri="{91240B29-F687-4F45-9708-019B960494DF}">
+                  <a14:hiddenLine xmlns:a14="http://schemas.microsoft.com/office/drawing/2010/main" w="9525">
+                    <a:solidFill>
+                      <a:srgbClr val="000000"/>
+                    </a:solidFill>
+                    <a:round/>
+                    <a:headEnd/>
+                    <a:tailEnd/>
+                  </a14:hiddenLine>
+                </a:ext>
+              </a:extLst>
+            </p:spPr>
+            <p:txBody>
+              <a:bodyPr wrap="square" lIns="91440" tIns="45720" rIns="91440" bIns="45720" anchor="ctr">
+                <a:normAutofit/>
+              </a:bodyPr>
+              <a:lstStyle/>
+              <a:p>
+                <a:pPr algn="ctr"/>
+                <a:endParaRPr/>
+              </a:p>
+            </p:txBody>
+          </p:sp>
+          <p:sp>
+            <p:nvSpPr>
+              <p:cNvPr id="38" name="iśḻiďè"/>
+              <p:cNvSpPr/>
+              <p:nvPr/>
+            </p:nvSpPr>
+            <p:spPr bwMode="auto">
+              <a:xfrm>
+                <a:off x="2649268" y="3721357"/>
+                <a:ext cx="1564211" cy="469473"/>
+              </a:xfrm>
+              <a:custGeom>
+                <a:avLst/>
+                <a:gdLst>
+                  <a:gd name="T0" fmla="*/ 716 w 719"/>
+                  <a:gd name="T1" fmla="*/ 0 h 216"/>
+                  <a:gd name="T2" fmla="*/ 362 w 719"/>
+                  <a:gd name="T3" fmla="*/ 0 h 216"/>
+                  <a:gd name="T4" fmla="*/ 359 w 719"/>
+                  <a:gd name="T5" fmla="*/ 0 h 216"/>
+                  <a:gd name="T6" fmla="*/ 359 w 719"/>
+                  <a:gd name="T7" fmla="*/ 0 h 216"/>
+                  <a:gd name="T8" fmla="*/ 356 w 719"/>
+                  <a:gd name="T9" fmla="*/ 0 h 216"/>
+                  <a:gd name="T10" fmla="*/ 2 w 719"/>
+                  <a:gd name="T11" fmla="*/ 0 h 216"/>
+                  <a:gd name="T12" fmla="*/ 0 w 719"/>
+                  <a:gd name="T13" fmla="*/ 0 h 216"/>
+                  <a:gd name="T14" fmla="*/ 39 w 719"/>
+                  <a:gd name="T15" fmla="*/ 9 h 216"/>
+                  <a:gd name="T16" fmla="*/ 46 w 719"/>
+                  <a:gd name="T17" fmla="*/ 13 h 216"/>
+                  <a:gd name="T18" fmla="*/ 49 w 719"/>
+                  <a:gd name="T19" fmla="*/ 14 h 216"/>
+                  <a:gd name="T20" fmla="*/ 53 w 719"/>
+                  <a:gd name="T21" fmla="*/ 17 h 216"/>
+                  <a:gd name="T22" fmla="*/ 56 w 719"/>
+                  <a:gd name="T23" fmla="*/ 19 h 216"/>
+                  <a:gd name="T24" fmla="*/ 59 w 719"/>
+                  <a:gd name="T25" fmla="*/ 22 h 216"/>
+                  <a:gd name="T26" fmla="*/ 63 w 719"/>
+                  <a:gd name="T27" fmla="*/ 25 h 216"/>
+                  <a:gd name="T28" fmla="*/ 64 w 719"/>
+                  <a:gd name="T29" fmla="*/ 27 h 216"/>
+                  <a:gd name="T30" fmla="*/ 70 w 719"/>
+                  <a:gd name="T31" fmla="*/ 33 h 216"/>
+                  <a:gd name="T32" fmla="*/ 71 w 719"/>
+                  <a:gd name="T33" fmla="*/ 34 h 216"/>
+                  <a:gd name="T34" fmla="*/ 75 w 719"/>
+                  <a:gd name="T35" fmla="*/ 38 h 216"/>
+                  <a:gd name="T36" fmla="*/ 76 w 719"/>
+                  <a:gd name="T37" fmla="*/ 40 h 216"/>
+                  <a:gd name="T38" fmla="*/ 77 w 719"/>
+                  <a:gd name="T39" fmla="*/ 41 h 216"/>
+                  <a:gd name="T40" fmla="*/ 78 w 719"/>
+                  <a:gd name="T41" fmla="*/ 43 h 216"/>
+                  <a:gd name="T42" fmla="*/ 81 w 719"/>
+                  <a:gd name="T43" fmla="*/ 47 h 216"/>
+                  <a:gd name="T44" fmla="*/ 81 w 719"/>
+                  <a:gd name="T45" fmla="*/ 48 h 216"/>
+                  <a:gd name="T46" fmla="*/ 81 w 719"/>
+                  <a:gd name="T47" fmla="*/ 48 h 216"/>
+                  <a:gd name="T48" fmla="*/ 81 w 719"/>
+                  <a:gd name="T49" fmla="*/ 48 h 216"/>
+                  <a:gd name="T50" fmla="*/ 86 w 719"/>
+                  <a:gd name="T51" fmla="*/ 59 h 216"/>
+                  <a:gd name="T52" fmla="*/ 86 w 719"/>
+                  <a:gd name="T53" fmla="*/ 59 h 216"/>
+                  <a:gd name="T54" fmla="*/ 96 w 719"/>
+                  <a:gd name="T55" fmla="*/ 95 h 216"/>
+                  <a:gd name="T56" fmla="*/ 96 w 719"/>
+                  <a:gd name="T57" fmla="*/ 98 h 216"/>
+                  <a:gd name="T58" fmla="*/ 111 w 719"/>
+                  <a:gd name="T59" fmla="*/ 166 h 216"/>
+                  <a:gd name="T60" fmla="*/ 192 w 719"/>
+                  <a:gd name="T61" fmla="*/ 216 h 216"/>
+                  <a:gd name="T62" fmla="*/ 356 w 719"/>
+                  <a:gd name="T63" fmla="*/ 216 h 216"/>
+                  <a:gd name="T64" fmla="*/ 359 w 719"/>
+                  <a:gd name="T65" fmla="*/ 216 h 216"/>
+                  <a:gd name="T66" fmla="*/ 359 w 719"/>
+                  <a:gd name="T67" fmla="*/ 216 h 216"/>
+                  <a:gd name="T68" fmla="*/ 362 w 719"/>
+                  <a:gd name="T69" fmla="*/ 216 h 216"/>
+                  <a:gd name="T70" fmla="*/ 526 w 719"/>
+                  <a:gd name="T71" fmla="*/ 216 h 216"/>
+                  <a:gd name="T72" fmla="*/ 607 w 719"/>
+                  <a:gd name="T73" fmla="*/ 166 h 216"/>
+                  <a:gd name="T74" fmla="*/ 622 w 719"/>
+                  <a:gd name="T75" fmla="*/ 98 h 216"/>
+                  <a:gd name="T76" fmla="*/ 622 w 719"/>
+                  <a:gd name="T77" fmla="*/ 96 h 216"/>
+                  <a:gd name="T78" fmla="*/ 632 w 719"/>
+                  <a:gd name="T79" fmla="*/ 59 h 216"/>
+                  <a:gd name="T80" fmla="*/ 637 w 719"/>
+                  <a:gd name="T81" fmla="*/ 48 h 216"/>
+                  <a:gd name="T82" fmla="*/ 654 w 719"/>
+                  <a:gd name="T83" fmla="*/ 27 h 216"/>
+                  <a:gd name="T84" fmla="*/ 656 w 719"/>
+                  <a:gd name="T85" fmla="*/ 25 h 216"/>
+                  <a:gd name="T86" fmla="*/ 659 w 719"/>
+                  <a:gd name="T87" fmla="*/ 22 h 216"/>
+                  <a:gd name="T88" fmla="*/ 662 w 719"/>
+                  <a:gd name="T89" fmla="*/ 19 h 216"/>
+                  <a:gd name="T90" fmla="*/ 665 w 719"/>
+                  <a:gd name="T91" fmla="*/ 17 h 216"/>
+                  <a:gd name="T92" fmla="*/ 669 w 719"/>
+                  <a:gd name="T93" fmla="*/ 14 h 216"/>
+                  <a:gd name="T94" fmla="*/ 672 w 719"/>
+                  <a:gd name="T95" fmla="*/ 13 h 216"/>
+                  <a:gd name="T96" fmla="*/ 679 w 719"/>
+                  <a:gd name="T97" fmla="*/ 9 h 216"/>
+                  <a:gd name="T98" fmla="*/ 719 w 719"/>
+                  <a:gd name="T99" fmla="*/ 0 h 216"/>
+                  <a:gd name="T100" fmla="*/ 716 w 719"/>
+                  <a:gd name="T101" fmla="*/ 0 h 216"/>
+                </a:gdLst>
+                <a:ahLst/>
+                <a:cxnLst>
+                  <a:cxn ang="0">
+                    <a:pos x="T0" y="T1"/>
+                  </a:cxn>
+                  <a:cxn ang="0">
+                    <a:pos x="T2" y="T3"/>
+                  </a:cxn>
+                  <a:cxn ang="0">
+                    <a:pos x="T4" y="T5"/>
+                  </a:cxn>
+                  <a:cxn ang="0">
+                    <a:pos x="T6" y="T7"/>
+                  </a:cxn>
+                  <a:cxn ang="0">
+                    <a:pos x="T8" y="T9"/>
+                  </a:cxn>
+                  <a:cxn ang="0">
+                    <a:pos x="T10" y="T11"/>
+                  </a:cxn>
+                  <a:cxn ang="0">
+                    <a:pos x="T12" y="T13"/>
+                  </a:cxn>
+                  <a:cxn ang="0">
+                    <a:pos x="T14" y="T15"/>
+                  </a:cxn>
+                  <a:cxn ang="0">
+                    <a:pos x="T16" y="T17"/>
+                  </a:cxn>
+                  <a:cxn ang="0">
+                    <a:pos x="T18" y="T19"/>
+                  </a:cxn>
+                  <a:cxn ang="0">
+                    <a:pos x="T20" y="T21"/>
+                  </a:cxn>
+                  <a:cxn ang="0">
+                    <a:pos x="T22" y="T23"/>
+                  </a:cxn>
+                  <a:cxn ang="0">
+                    <a:pos x="T24" y="T25"/>
+                  </a:cxn>
+                  <a:cxn ang="0">
+                    <a:pos x="T26" y="T27"/>
+                  </a:cxn>
+                  <a:cxn ang="0">
+                    <a:pos x="T28" y="T29"/>
+                  </a:cxn>
+                  <a:cxn ang="0">
+                    <a:pos x="T30" y="T31"/>
+                  </a:cxn>
+                  <a:cxn ang="0">
+                    <a:pos x="T32" y="T33"/>
+                  </a:cxn>
+                  <a:cxn ang="0">
+                    <a:pos x="T34" y="T35"/>
+                  </a:cxn>
+                  <a:cxn ang="0">
+                    <a:pos x="T36" y="T37"/>
+                  </a:cxn>
+                  <a:cxn ang="0">
+                    <a:pos x="T38" y="T39"/>
+                  </a:cxn>
+                  <a:cxn ang="0">
+                    <a:pos x="T40" y="T41"/>
+                  </a:cxn>
+                  <a:cxn ang="0">
+                    <a:pos x="T42" y="T43"/>
+                  </a:cxn>
+                  <a:cxn ang="0">
+                    <a:pos x="T44" y="T45"/>
+                  </a:cxn>
+                  <a:cxn ang="0">
+                    <a:pos x="T46" y="T47"/>
+                  </a:cxn>
+                  <a:cxn ang="0">
+                    <a:pos x="T48" y="T49"/>
+                  </a:cxn>
+                  <a:cxn ang="0">
+                    <a:pos x="T50" y="T51"/>
+                  </a:cxn>
+                  <a:cxn ang="0">
+                    <a:pos x="T52" y="T53"/>
+                  </a:cxn>
+                  <a:cxn ang="0">
+                    <a:pos x="T54" y="T55"/>
+                  </a:cxn>
+                  <a:cxn ang="0">
+                    <a:pos x="T56" y="T57"/>
+                  </a:cxn>
+                  <a:cxn ang="0">
+                    <a:pos x="T58" y="T59"/>
+                  </a:cxn>
+                  <a:cxn ang="0">
+                    <a:pos x="T60" y="T61"/>
+                  </a:cxn>
+                  <a:cxn ang="0">
+                    <a:pos x="T62" y="T63"/>
+                  </a:cxn>
+                  <a:cxn ang="0">
+                    <a:pos x="T64" y="T65"/>
+                  </a:cxn>
+                  <a:cxn ang="0">
+                    <a:pos x="T66" y="T67"/>
+                  </a:cxn>
+                  <a:cxn ang="0">
+                    <a:pos x="T68" y="T69"/>
+                  </a:cxn>
+                  <a:cxn ang="0">
+                    <a:pos x="T70" y="T71"/>
+                  </a:cxn>
+                  <a:cxn ang="0">
+                    <a:pos x="T72" y="T73"/>
+                  </a:cxn>
+                  <a:cxn ang="0">
+                    <a:pos x="T74" y="T75"/>
+                  </a:cxn>
+                  <a:cxn ang="0">
+                    <a:pos x="T76" y="T77"/>
+                  </a:cxn>
+                  <a:cxn ang="0">
+                    <a:pos x="T78" y="T79"/>
+                  </a:cxn>
+                  <a:cxn ang="0">
+                    <a:pos x="T80" y="T81"/>
+                  </a:cxn>
+                  <a:cxn ang="0">
+                    <a:pos x="T82" y="T83"/>
+                  </a:cxn>
+                  <a:cxn ang="0">
+                    <a:pos x="T84" y="T85"/>
+                  </a:cxn>
+                  <a:cxn ang="0">
+                    <a:pos x="T86" y="T87"/>
+                  </a:cxn>
+                  <a:cxn ang="0">
+                    <a:pos x="T88" y="T89"/>
+                  </a:cxn>
+                  <a:cxn ang="0">
+                    <a:pos x="T90" y="T91"/>
+                  </a:cxn>
+                  <a:cxn ang="0">
+                    <a:pos x="T92" y="T93"/>
+                  </a:cxn>
+                  <a:cxn ang="0">
+                    <a:pos x="T94" y="T95"/>
+                  </a:cxn>
+                  <a:cxn ang="0">
+                    <a:pos x="T96" y="T97"/>
+                  </a:cxn>
+                  <a:cxn ang="0">
+                    <a:pos x="T98" y="T99"/>
+                  </a:cxn>
+                  <a:cxn ang="0">
+                    <a:pos x="T100" y="T101"/>
+                  </a:cxn>
+                </a:cxnLst>
+                <a:rect l="0" t="0" r="r" b="b"/>
+                <a:pathLst>
+                  <a:path w="719" h="216">
+                    <a:moveTo>
+                      <a:pt x="716" y="0"/>
+                    </a:moveTo>
+                    <a:cubicBezTo>
+                      <a:pt x="362" y="0"/>
+                      <a:pt x="362" y="0"/>
+                      <a:pt x="362" y="0"/>
+                    </a:cubicBezTo>
+                    <a:cubicBezTo>
+                      <a:pt x="359" y="0"/>
+                      <a:pt x="359" y="0"/>
+                      <a:pt x="359" y="0"/>
+                    </a:cubicBezTo>
+                    <a:cubicBezTo>
+                      <a:pt x="359" y="0"/>
+                      <a:pt x="359" y="0"/>
+                      <a:pt x="359" y="0"/>
+                    </a:cubicBezTo>
+                    <a:cubicBezTo>
+                      <a:pt x="356" y="0"/>
+                      <a:pt x="356" y="0"/>
+                      <a:pt x="356" y="0"/>
+                    </a:cubicBezTo>
+                    <a:cubicBezTo>
+                      <a:pt x="2" y="0"/>
+                      <a:pt x="2" y="0"/>
+                      <a:pt x="2" y="0"/>
+                    </a:cubicBezTo>
+                    <a:cubicBezTo>
+                      <a:pt x="1" y="0"/>
+                      <a:pt x="0" y="0"/>
+                      <a:pt x="0" y="0"/>
+                    </a:cubicBezTo>
+                    <a:cubicBezTo>
+                      <a:pt x="13" y="0"/>
+                      <a:pt x="27" y="4"/>
+                      <a:pt x="39" y="9"/>
+                    </a:cubicBezTo>
+                    <a:cubicBezTo>
+                      <a:pt x="42" y="10"/>
+                      <a:pt x="44" y="12"/>
+                      <a:pt x="46" y="13"/>
+                    </a:cubicBezTo>
+                    <a:cubicBezTo>
+                      <a:pt x="47" y="13"/>
+                      <a:pt x="48" y="14"/>
+                      <a:pt x="49" y="14"/>
+                    </a:cubicBezTo>
+                    <a:cubicBezTo>
+                      <a:pt x="50" y="15"/>
+                      <a:pt x="52" y="16"/>
+                      <a:pt x="53" y="17"/>
+                    </a:cubicBezTo>
+                    <a:cubicBezTo>
+                      <a:pt x="54" y="18"/>
+                      <a:pt x="55" y="19"/>
+                      <a:pt x="56" y="19"/>
+                    </a:cubicBezTo>
+                    <a:cubicBezTo>
+                      <a:pt x="57" y="20"/>
+                      <a:pt x="58" y="21"/>
+                      <a:pt x="59" y="22"/>
+                    </a:cubicBezTo>
+                    <a:cubicBezTo>
+                      <a:pt x="60" y="23"/>
+                      <a:pt x="61" y="24"/>
+                      <a:pt x="63" y="25"/>
+                    </a:cubicBezTo>
+                    <a:cubicBezTo>
+                      <a:pt x="63" y="25"/>
+                      <a:pt x="64" y="26"/>
+                      <a:pt x="64" y="27"/>
+                    </a:cubicBezTo>
+                    <a:cubicBezTo>
+                      <a:pt x="67" y="29"/>
+                      <a:pt x="69" y="31"/>
+                      <a:pt x="70" y="33"/>
+                    </a:cubicBezTo>
+                    <a:cubicBezTo>
+                      <a:pt x="71" y="33"/>
+                      <a:pt x="71" y="34"/>
+                      <a:pt x="71" y="34"/>
+                    </a:cubicBezTo>
+                    <a:cubicBezTo>
+                      <a:pt x="72" y="35"/>
+                      <a:pt x="73" y="37"/>
+                      <a:pt x="75" y="38"/>
+                    </a:cubicBezTo>
+                    <a:cubicBezTo>
+                      <a:pt x="75" y="39"/>
+                      <a:pt x="75" y="39"/>
+                      <a:pt x="76" y="40"/>
+                    </a:cubicBezTo>
+                    <a:cubicBezTo>
+                      <a:pt x="76" y="40"/>
+                      <a:pt x="76" y="40"/>
+                      <a:pt x="77" y="41"/>
+                    </a:cubicBezTo>
+                    <a:cubicBezTo>
+                      <a:pt x="77" y="41"/>
+                      <a:pt x="77" y="42"/>
+                      <a:pt x="78" y="43"/>
+                    </a:cubicBezTo>
+                    <a:cubicBezTo>
+                      <a:pt x="79" y="44"/>
+                      <a:pt x="80" y="46"/>
+                      <a:pt x="81" y="47"/>
+                    </a:cubicBezTo>
+                    <a:cubicBezTo>
+                      <a:pt x="81" y="47"/>
+                      <a:pt x="81" y="48"/>
+                      <a:pt x="81" y="48"/>
+                    </a:cubicBezTo>
+                    <a:cubicBezTo>
+                      <a:pt x="81" y="48"/>
+                      <a:pt x="81" y="48"/>
+                      <a:pt x="81" y="48"/>
+                    </a:cubicBezTo>
+                    <a:cubicBezTo>
+                      <a:pt x="81" y="48"/>
+                      <a:pt x="81" y="48"/>
+                      <a:pt x="81" y="48"/>
+                    </a:cubicBezTo>
+                    <a:cubicBezTo>
+                      <a:pt x="83" y="52"/>
+                      <a:pt x="85" y="55"/>
+                      <a:pt x="86" y="59"/>
+                    </a:cubicBezTo>
+                    <a:cubicBezTo>
+                      <a:pt x="86" y="59"/>
+                      <a:pt x="86" y="59"/>
+                      <a:pt x="86" y="59"/>
+                    </a:cubicBezTo>
+                    <a:cubicBezTo>
+                      <a:pt x="91" y="70"/>
+                      <a:pt x="94" y="83"/>
+                      <a:pt x="96" y="95"/>
+                    </a:cubicBezTo>
+                    <a:cubicBezTo>
+                      <a:pt x="96" y="96"/>
+                      <a:pt x="96" y="97"/>
+                      <a:pt x="96" y="98"/>
+                    </a:cubicBezTo>
+                    <a:cubicBezTo>
+                      <a:pt x="99" y="121"/>
+                      <a:pt x="101" y="145"/>
+                      <a:pt x="111" y="166"/>
+                    </a:cubicBezTo>
+                    <a:cubicBezTo>
+                      <a:pt x="127" y="199"/>
+                      <a:pt x="155" y="216"/>
+                      <a:pt x="192" y="216"/>
+                    </a:cubicBezTo>
+                    <a:cubicBezTo>
+                      <a:pt x="192" y="216"/>
+                      <a:pt x="356" y="216"/>
+                      <a:pt x="356" y="216"/>
+                    </a:cubicBezTo>
+                    <a:cubicBezTo>
+                      <a:pt x="356" y="216"/>
+                      <a:pt x="357" y="216"/>
+                      <a:pt x="359" y="216"/>
+                    </a:cubicBezTo>
+                    <a:cubicBezTo>
+                      <a:pt x="359" y="216"/>
+                      <a:pt x="359" y="216"/>
+                      <a:pt x="359" y="216"/>
+                    </a:cubicBezTo>
+                    <a:cubicBezTo>
+                      <a:pt x="361" y="216"/>
+                      <a:pt x="362" y="216"/>
+                      <a:pt x="362" y="216"/>
+                    </a:cubicBezTo>
+                    <a:cubicBezTo>
+                      <a:pt x="362" y="216"/>
+                      <a:pt x="526" y="216"/>
+                      <a:pt x="526" y="216"/>
+                    </a:cubicBezTo>
+                    <a:cubicBezTo>
+                      <a:pt x="563" y="216"/>
+                      <a:pt x="591" y="199"/>
+                      <a:pt x="607" y="166"/>
+                    </a:cubicBezTo>
+                    <a:cubicBezTo>
+                      <a:pt x="618" y="145"/>
+                      <a:pt x="619" y="121"/>
+                      <a:pt x="622" y="98"/>
+                    </a:cubicBezTo>
+                    <a:cubicBezTo>
+                      <a:pt x="622" y="98"/>
+                      <a:pt x="622" y="97"/>
+                      <a:pt x="622" y="96"/>
+                    </a:cubicBezTo>
+                    <a:cubicBezTo>
+                      <a:pt x="624" y="83"/>
+                      <a:pt x="627" y="71"/>
+                      <a:pt x="632" y="59"/>
+                    </a:cubicBezTo>
+                    <a:cubicBezTo>
+                      <a:pt x="633" y="55"/>
+                      <a:pt x="635" y="51"/>
+                      <a:pt x="637" y="48"/>
+                    </a:cubicBezTo>
+                    <a:cubicBezTo>
+                      <a:pt x="642" y="40"/>
+                      <a:pt x="647" y="33"/>
+                      <a:pt x="654" y="27"/>
+                    </a:cubicBezTo>
+                    <a:cubicBezTo>
+                      <a:pt x="654" y="26"/>
+                      <a:pt x="655" y="25"/>
+                      <a:pt x="656" y="25"/>
+                    </a:cubicBezTo>
+                    <a:cubicBezTo>
+                      <a:pt x="657" y="24"/>
+                      <a:pt x="658" y="23"/>
+                      <a:pt x="659" y="22"/>
+                    </a:cubicBezTo>
+                    <a:cubicBezTo>
+                      <a:pt x="660" y="21"/>
+                      <a:pt x="661" y="20"/>
+                      <a:pt x="662" y="19"/>
+                    </a:cubicBezTo>
+                    <a:cubicBezTo>
+                      <a:pt x="663" y="19"/>
+                      <a:pt x="664" y="18"/>
+                      <a:pt x="665" y="17"/>
+                    </a:cubicBezTo>
+                    <a:cubicBezTo>
+                      <a:pt x="667" y="16"/>
+                      <a:pt x="668" y="15"/>
+                      <a:pt x="669" y="14"/>
+                    </a:cubicBezTo>
+                    <a:cubicBezTo>
+                      <a:pt x="670" y="14"/>
+                      <a:pt x="671" y="13"/>
+                      <a:pt x="672" y="13"/>
+                    </a:cubicBezTo>
+                    <a:cubicBezTo>
+                      <a:pt x="674" y="12"/>
+                      <a:pt x="676" y="10"/>
+                      <a:pt x="679" y="9"/>
+                    </a:cubicBezTo>
+                    <a:cubicBezTo>
+                      <a:pt x="691" y="4"/>
+                      <a:pt x="705" y="0"/>
+                      <a:pt x="719" y="0"/>
+                    </a:cubicBezTo>
+                    <a:cubicBezTo>
+                      <a:pt x="718" y="0"/>
+                      <a:pt x="717" y="0"/>
+                      <a:pt x="716" y="0"/>
+                    </a:cubicBezTo>
+                    <a:close/>
+                  </a:path>
+                </a:pathLst>
+              </a:custGeom>
+              <a:solidFill>
+                <a:schemeClr val="tx2"/>
+              </a:solidFill>
+              <a:ln>
+                <a:noFill/>
+              </a:ln>
+            </p:spPr>
+            <p:txBody>
+              <a:bodyPr vert="horz" wrap="square" lIns="91440" tIns="45720" rIns="91440" bIns="45720" anchor="ctr" anchorCtr="1" compatLnSpc="1">
+                <a:prstTxWarp prst="textNoShape">
+                  <a:avLst/>
+                </a:prstTxWarp>
+                <a:normAutofit/>
+              </a:bodyPr>
+              <a:lstStyle/>
+              <a:p>
+                <a:pPr algn="ctr"/>
+                <a:r>
+                  <a:rPr lang="en-US" altLang="zh-CN" sz="1600" b="1" dirty="0"/>
+                  <a:t>SUPPORTS</a:t>
+                </a:r>
+                <a:endParaRPr lang="zh-CN" altLang="en-US" sz="1600" b="1" dirty="0"/>
+              </a:p>
+            </p:txBody>
+          </p:sp>
+        </p:grpSp>
+        <p:grpSp>
+          <p:nvGrpSpPr>
+            <p:cNvPr id="24" name="ísḷîḋé">
+              <a:extLst>
+                <a:ext uri="{FF2B5EF4-FFF2-40B4-BE49-F238E27FC236}">
+                  <a16:creationId xmlns:a16="http://schemas.microsoft.com/office/drawing/2014/main" id="{1D94B772-D257-4BE7-96EC-8535DCEFBFAA}"/>
+                </a:ext>
+              </a:extLst>
+            </p:cNvPr>
+            <p:cNvGrpSpPr/>
+            <p:nvPr/>
+          </p:nvGrpSpPr>
+          <p:grpSpPr>
+            <a:xfrm>
+              <a:off x="4911342" y="3600067"/>
+              <a:ext cx="2369319" cy="2471787"/>
+              <a:chOff x="4911341" y="3600067"/>
+              <a:chExt cx="2369319" cy="2471787"/>
+            </a:xfrm>
+          </p:grpSpPr>
+          <p:sp>
+            <p:nvSpPr>
+              <p:cNvPr id="31" name="íṣlïḋe"/>
+              <p:cNvSpPr/>
+              <p:nvPr/>
+            </p:nvSpPr>
+            <p:spPr bwMode="auto">
+              <a:xfrm>
+                <a:off x="4911341" y="3600067"/>
+                <a:ext cx="2369319" cy="2471787"/>
+              </a:xfrm>
+              <a:custGeom>
+                <a:avLst/>
+                <a:gdLst>
+                  <a:gd name="T0" fmla="*/ 538 w 1089"/>
+                  <a:gd name="T1" fmla="*/ 1138 h 1138"/>
+                  <a:gd name="T2" fmla="*/ 466 w 1089"/>
+                  <a:gd name="T3" fmla="*/ 1122 h 1138"/>
+                  <a:gd name="T4" fmla="*/ 71 w 1089"/>
+                  <a:gd name="T5" fmla="*/ 895 h 1138"/>
+                  <a:gd name="T6" fmla="*/ 0 w 1089"/>
+                  <a:gd name="T7" fmla="*/ 772 h 1138"/>
+                  <a:gd name="T8" fmla="*/ 4 w 1089"/>
+                  <a:gd name="T9" fmla="*/ 248 h 1138"/>
+                  <a:gd name="T10" fmla="*/ 79 w 1089"/>
+                  <a:gd name="T11" fmla="*/ 143 h 1138"/>
+                  <a:gd name="T12" fmla="*/ 455 w 1089"/>
+                  <a:gd name="T13" fmla="*/ 12 h 1138"/>
+                  <a:gd name="T14" fmla="*/ 540 w 1089"/>
+                  <a:gd name="T15" fmla="*/ 0 h 1138"/>
+                  <a:gd name="T16" fmla="*/ 621 w 1089"/>
+                  <a:gd name="T17" fmla="*/ 11 h 1138"/>
+                  <a:gd name="T18" fmla="*/ 1015 w 1089"/>
+                  <a:gd name="T19" fmla="*/ 144 h 1138"/>
+                  <a:gd name="T20" fmla="*/ 1088 w 1089"/>
+                  <a:gd name="T21" fmla="*/ 247 h 1138"/>
+                  <a:gd name="T22" fmla="*/ 1078 w 1089"/>
+                  <a:gd name="T23" fmla="*/ 772 h 1138"/>
+                  <a:gd name="T24" fmla="*/ 1005 w 1089"/>
+                  <a:gd name="T25" fmla="*/ 895 h 1138"/>
+                  <a:gd name="T26" fmla="*/ 609 w 1089"/>
+                  <a:gd name="T27" fmla="*/ 1122 h 1138"/>
+                  <a:gd name="T28" fmla="*/ 538 w 1089"/>
+                  <a:gd name="T29" fmla="*/ 1138 h 1138"/>
+                </a:gdLst>
+                <a:ahLst/>
+                <a:cxnLst>
+                  <a:cxn ang="0">
+                    <a:pos x="T0" y="T1"/>
+                  </a:cxn>
+                  <a:cxn ang="0">
+                    <a:pos x="T2" y="T3"/>
+                  </a:cxn>
+                  <a:cxn ang="0">
+                    <a:pos x="T4" y="T5"/>
+                  </a:cxn>
+                  <a:cxn ang="0">
+                    <a:pos x="T6" y="T7"/>
+                  </a:cxn>
+                  <a:cxn ang="0">
+                    <a:pos x="T8" y="T9"/>
+                  </a:cxn>
+                  <a:cxn ang="0">
+                    <a:pos x="T10" y="T11"/>
+                  </a:cxn>
+                  <a:cxn ang="0">
+                    <a:pos x="T12" y="T13"/>
+                  </a:cxn>
+                  <a:cxn ang="0">
+                    <a:pos x="T14" y="T15"/>
+                  </a:cxn>
+                  <a:cxn ang="0">
+                    <a:pos x="T16" y="T17"/>
+                  </a:cxn>
+                  <a:cxn ang="0">
+                    <a:pos x="T18" y="T19"/>
+                  </a:cxn>
+                  <a:cxn ang="0">
+                    <a:pos x="T20" y="T21"/>
+                  </a:cxn>
+                  <a:cxn ang="0">
+                    <a:pos x="T22" y="T23"/>
+                  </a:cxn>
+                  <a:cxn ang="0">
+                    <a:pos x="T24" y="T25"/>
+                  </a:cxn>
+                  <a:cxn ang="0">
+                    <a:pos x="T26" y="T27"/>
+                  </a:cxn>
+                  <a:cxn ang="0">
+                    <a:pos x="T28" y="T29"/>
+                  </a:cxn>
+                </a:cxnLst>
+                <a:rect l="0" t="0" r="r" b="b"/>
+                <a:pathLst>
+                  <a:path w="1089" h="1138">
+                    <a:moveTo>
+                      <a:pt x="538" y="1138"/>
+                    </a:moveTo>
+                    <a:cubicBezTo>
+                      <a:pt x="511" y="1138"/>
+                      <a:pt x="485" y="1132"/>
+                      <a:pt x="466" y="1122"/>
+                    </a:cubicBezTo>
+                    <a:cubicBezTo>
+                      <a:pt x="71" y="895"/>
+                      <a:pt x="71" y="895"/>
+                      <a:pt x="71" y="895"/>
+                    </a:cubicBezTo>
+                    <a:cubicBezTo>
+                      <a:pt x="32" y="873"/>
+                      <a:pt x="0" y="817"/>
+                      <a:pt x="0" y="772"/>
+                    </a:cubicBezTo>
+                    <a:cubicBezTo>
+                      <a:pt x="4" y="248"/>
+                      <a:pt x="4" y="248"/>
+                      <a:pt x="4" y="248"/>
+                    </a:cubicBezTo>
+                    <a:cubicBezTo>
+                      <a:pt x="4" y="205"/>
+                      <a:pt x="38" y="157"/>
+                      <a:pt x="79" y="143"/>
+                    </a:cubicBezTo>
+                    <a:cubicBezTo>
+                      <a:pt x="455" y="12"/>
+                      <a:pt x="455" y="12"/>
+                      <a:pt x="455" y="12"/>
+                    </a:cubicBezTo>
+                    <a:cubicBezTo>
+                      <a:pt x="477" y="4"/>
+                      <a:pt x="508" y="0"/>
+                      <a:pt x="540" y="0"/>
+                    </a:cubicBezTo>
+                    <a:cubicBezTo>
+                      <a:pt x="570" y="0"/>
+                      <a:pt x="600" y="4"/>
+                      <a:pt x="621" y="11"/>
+                    </a:cubicBezTo>
+                    <a:cubicBezTo>
+                      <a:pt x="1015" y="144"/>
+                      <a:pt x="1015" y="144"/>
+                      <a:pt x="1015" y="144"/>
+                    </a:cubicBezTo>
+                    <a:cubicBezTo>
+                      <a:pt x="1056" y="157"/>
+                      <a:pt x="1089" y="205"/>
+                      <a:pt x="1088" y="247"/>
+                    </a:cubicBezTo>
+                    <a:cubicBezTo>
+                      <a:pt x="1078" y="772"/>
+                      <a:pt x="1078" y="772"/>
+                      <a:pt x="1078" y="772"/>
+                    </a:cubicBezTo>
+                    <a:cubicBezTo>
+                      <a:pt x="1077" y="816"/>
+                      <a:pt x="1044" y="873"/>
+                      <a:pt x="1005" y="895"/>
+                    </a:cubicBezTo>
+                    <a:cubicBezTo>
+                      <a:pt x="609" y="1122"/>
+                      <a:pt x="609" y="1122"/>
+                      <a:pt x="609" y="1122"/>
+                    </a:cubicBezTo>
+                    <a:cubicBezTo>
+                      <a:pt x="591" y="1132"/>
+                      <a:pt x="565" y="1138"/>
+                      <a:pt x="538" y="1138"/>
+                    </a:cubicBezTo>
+                    <a:close/>
+                  </a:path>
+                </a:pathLst>
+              </a:custGeom>
+              <a:solidFill>
+                <a:schemeClr val="tx1">
+                  <a:lumMod val="50000"/>
+                  <a:lumOff val="50000"/>
+                </a:schemeClr>
+              </a:solidFill>
+              <a:ln>
+                <a:noFill/>
+              </a:ln>
+            </p:spPr>
+            <p:txBody>
+              <a:bodyPr wrap="square" lIns="91440" tIns="45720" rIns="91440" bIns="45720" anchor="ctr">
+                <a:normAutofit/>
+              </a:bodyPr>
+              <a:lstStyle/>
+              <a:p>
+                <a:pPr algn="ctr"/>
+                <a:endParaRPr/>
+              </a:p>
+            </p:txBody>
+          </p:sp>
+          <p:sp>
+            <p:nvSpPr>
+              <p:cNvPr id="32" name="îṥ1îḍè"/>
+              <p:cNvSpPr/>
+              <p:nvPr/>
+            </p:nvSpPr>
+            <p:spPr bwMode="auto">
+              <a:xfrm>
+                <a:off x="5066089" y="3763181"/>
+                <a:ext cx="2059823" cy="2125696"/>
+              </a:xfrm>
+              <a:custGeom>
+                <a:avLst/>
+                <a:gdLst>
+                  <a:gd name="T0" fmla="*/ 83 w 947"/>
+                  <a:gd name="T1" fmla="*/ 784 h 979"/>
+                  <a:gd name="T2" fmla="*/ 0 w 947"/>
+                  <a:gd name="T3" fmla="*/ 643 h 979"/>
+                  <a:gd name="T4" fmla="*/ 3 w 947"/>
+                  <a:gd name="T5" fmla="*/ 243 h 979"/>
+                  <a:gd name="T6" fmla="*/ 94 w 947"/>
+                  <a:gd name="T7" fmla="*/ 116 h 979"/>
+                  <a:gd name="T8" fmla="*/ 378 w 947"/>
+                  <a:gd name="T9" fmla="*/ 18 h 979"/>
+                  <a:gd name="T10" fmla="*/ 558 w 947"/>
+                  <a:gd name="T11" fmla="*/ 17 h 979"/>
+                  <a:gd name="T12" fmla="*/ 857 w 947"/>
+                  <a:gd name="T13" fmla="*/ 117 h 979"/>
+                  <a:gd name="T14" fmla="*/ 946 w 947"/>
+                  <a:gd name="T15" fmla="*/ 243 h 979"/>
+                  <a:gd name="T16" fmla="*/ 938 w 947"/>
+                  <a:gd name="T17" fmla="*/ 642 h 979"/>
+                  <a:gd name="T18" fmla="*/ 853 w 947"/>
+                  <a:gd name="T19" fmla="*/ 783 h 979"/>
+                  <a:gd name="T20" fmla="*/ 550 w 947"/>
+                  <a:gd name="T21" fmla="*/ 953 h 979"/>
+                  <a:gd name="T22" fmla="*/ 384 w 947"/>
+                  <a:gd name="T23" fmla="*/ 953 h 979"/>
+                  <a:gd name="T24" fmla="*/ 83 w 947"/>
+                  <a:gd name="T25" fmla="*/ 784 h 979"/>
+                </a:gdLst>
+                <a:ahLst/>
+                <a:cxnLst>
+                  <a:cxn ang="0">
+                    <a:pos x="T0" y="T1"/>
+                  </a:cxn>
+                  <a:cxn ang="0">
+                    <a:pos x="T2" y="T3"/>
+                  </a:cxn>
+                  <a:cxn ang="0">
+                    <a:pos x="T4" y="T5"/>
+                  </a:cxn>
+                  <a:cxn ang="0">
+                    <a:pos x="T6" y="T7"/>
+                  </a:cxn>
+                  <a:cxn ang="0">
+                    <a:pos x="T8" y="T9"/>
+                  </a:cxn>
+                  <a:cxn ang="0">
+                    <a:pos x="T10" y="T11"/>
+                  </a:cxn>
+                  <a:cxn ang="0">
+                    <a:pos x="T12" y="T13"/>
+                  </a:cxn>
+                  <a:cxn ang="0">
+                    <a:pos x="T14" y="T15"/>
+                  </a:cxn>
+                  <a:cxn ang="0">
+                    <a:pos x="T16" y="T17"/>
+                  </a:cxn>
+                  <a:cxn ang="0">
+                    <a:pos x="T18" y="T19"/>
+                  </a:cxn>
+                  <a:cxn ang="0">
+                    <a:pos x="T20" y="T21"/>
+                  </a:cxn>
+                  <a:cxn ang="0">
+                    <a:pos x="T22" y="T23"/>
+                  </a:cxn>
+                  <a:cxn ang="0">
+                    <a:pos x="T24" y="T25"/>
+                  </a:cxn>
+                </a:cxnLst>
+                <a:rect l="0" t="0" r="r" b="b"/>
+                <a:pathLst>
+                  <a:path w="947" h="979">
+                    <a:moveTo>
+                      <a:pt x="83" y="784"/>
+                    </a:moveTo>
+                    <a:cubicBezTo>
+                      <a:pt x="37" y="759"/>
+                      <a:pt x="0" y="695"/>
+                      <a:pt x="0" y="643"/>
+                    </a:cubicBezTo>
+                    <a:cubicBezTo>
+                      <a:pt x="3" y="243"/>
+                      <a:pt x="3" y="243"/>
+                      <a:pt x="3" y="243"/>
+                    </a:cubicBezTo>
+                    <a:cubicBezTo>
+                      <a:pt x="4" y="191"/>
+                      <a:pt x="44" y="134"/>
+                      <a:pt x="94" y="116"/>
+                    </a:cubicBezTo>
+                    <a:cubicBezTo>
+                      <a:pt x="378" y="18"/>
+                      <a:pt x="378" y="18"/>
+                      <a:pt x="378" y="18"/>
+                    </a:cubicBezTo>
+                    <a:cubicBezTo>
+                      <a:pt x="427" y="1"/>
+                      <a:pt x="508" y="0"/>
+                      <a:pt x="558" y="17"/>
+                    </a:cubicBezTo>
+                    <a:cubicBezTo>
+                      <a:pt x="857" y="117"/>
+                      <a:pt x="857" y="117"/>
+                      <a:pt x="857" y="117"/>
+                    </a:cubicBezTo>
+                    <a:cubicBezTo>
+                      <a:pt x="907" y="134"/>
+                      <a:pt x="947" y="191"/>
+                      <a:pt x="946" y="243"/>
+                    </a:cubicBezTo>
+                    <a:cubicBezTo>
+                      <a:pt x="938" y="642"/>
+                      <a:pt x="938" y="642"/>
+                      <a:pt x="938" y="642"/>
+                    </a:cubicBezTo>
+                    <a:cubicBezTo>
+                      <a:pt x="937" y="694"/>
+                      <a:pt x="899" y="758"/>
+                      <a:pt x="853" y="783"/>
+                    </a:cubicBezTo>
+                    <a:cubicBezTo>
+                      <a:pt x="550" y="953"/>
+                      <a:pt x="550" y="953"/>
+                      <a:pt x="550" y="953"/>
+                    </a:cubicBezTo>
+                    <a:cubicBezTo>
+                      <a:pt x="505" y="979"/>
+                      <a:pt x="430" y="979"/>
+                      <a:pt x="384" y="953"/>
+                    </a:cubicBezTo>
+                    <a:lnTo>
+                      <a:pt x="83" y="784"/>
+                    </a:lnTo>
+                    <a:close/>
+                  </a:path>
+                </a:pathLst>
+              </a:custGeom>
+              <a:solidFill>
+                <a:srgbClr val="FFFFFF"/>
+              </a:solidFill>
+              <a:ln>
+                <a:noFill/>
+              </a:ln>
+              <a:extLst>
+                <a:ext uri="{91240B29-F687-4F45-9708-019B960494DF}">
+                  <a14:hiddenLine xmlns:a14="http://schemas.microsoft.com/office/drawing/2010/main" w="9525">
+                    <a:solidFill>
+                      <a:srgbClr val="000000"/>
+                    </a:solidFill>
+                    <a:round/>
+                    <a:headEnd/>
+                    <a:tailEnd/>
+                  </a14:hiddenLine>
+                </a:ext>
+              </a:extLst>
+            </p:spPr>
+            <p:txBody>
+              <a:bodyPr wrap="square" lIns="91440" tIns="45720" rIns="91440" bIns="45720" anchor="ctr">
+                <a:normAutofit/>
+              </a:bodyPr>
+              <a:lstStyle/>
+              <a:p>
+                <a:pPr algn="ctr"/>
+                <a:endParaRPr/>
+              </a:p>
+            </p:txBody>
+          </p:sp>
+          <p:sp>
+            <p:nvSpPr>
+              <p:cNvPr id="33" name="iṩ1ïďê"/>
+              <p:cNvSpPr/>
+              <p:nvPr/>
+            </p:nvSpPr>
+            <p:spPr bwMode="auto">
+              <a:xfrm>
+                <a:off x="5313895" y="3721357"/>
+                <a:ext cx="1564211" cy="469473"/>
+              </a:xfrm>
+              <a:custGeom>
+                <a:avLst/>
+                <a:gdLst>
+                  <a:gd name="T0" fmla="*/ 716 w 719"/>
+                  <a:gd name="T1" fmla="*/ 0 h 216"/>
+                  <a:gd name="T2" fmla="*/ 362 w 719"/>
+                  <a:gd name="T3" fmla="*/ 0 h 216"/>
+                  <a:gd name="T4" fmla="*/ 359 w 719"/>
+                  <a:gd name="T5" fmla="*/ 0 h 216"/>
+                  <a:gd name="T6" fmla="*/ 359 w 719"/>
+                  <a:gd name="T7" fmla="*/ 0 h 216"/>
+                  <a:gd name="T8" fmla="*/ 356 w 719"/>
+                  <a:gd name="T9" fmla="*/ 0 h 216"/>
+                  <a:gd name="T10" fmla="*/ 2 w 719"/>
+                  <a:gd name="T11" fmla="*/ 0 h 216"/>
+                  <a:gd name="T12" fmla="*/ 0 w 719"/>
+                  <a:gd name="T13" fmla="*/ 0 h 216"/>
+                  <a:gd name="T14" fmla="*/ 39 w 719"/>
+                  <a:gd name="T15" fmla="*/ 9 h 216"/>
+                  <a:gd name="T16" fmla="*/ 46 w 719"/>
+                  <a:gd name="T17" fmla="*/ 13 h 216"/>
+                  <a:gd name="T18" fmla="*/ 49 w 719"/>
+                  <a:gd name="T19" fmla="*/ 14 h 216"/>
+                  <a:gd name="T20" fmla="*/ 53 w 719"/>
+                  <a:gd name="T21" fmla="*/ 17 h 216"/>
+                  <a:gd name="T22" fmla="*/ 56 w 719"/>
+                  <a:gd name="T23" fmla="*/ 19 h 216"/>
+                  <a:gd name="T24" fmla="*/ 59 w 719"/>
+                  <a:gd name="T25" fmla="*/ 22 h 216"/>
+                  <a:gd name="T26" fmla="*/ 63 w 719"/>
+                  <a:gd name="T27" fmla="*/ 25 h 216"/>
+                  <a:gd name="T28" fmla="*/ 64 w 719"/>
+                  <a:gd name="T29" fmla="*/ 27 h 216"/>
+                  <a:gd name="T30" fmla="*/ 70 w 719"/>
+                  <a:gd name="T31" fmla="*/ 33 h 216"/>
+                  <a:gd name="T32" fmla="*/ 71 w 719"/>
+                  <a:gd name="T33" fmla="*/ 34 h 216"/>
+                  <a:gd name="T34" fmla="*/ 75 w 719"/>
+                  <a:gd name="T35" fmla="*/ 38 h 216"/>
+                  <a:gd name="T36" fmla="*/ 76 w 719"/>
+                  <a:gd name="T37" fmla="*/ 40 h 216"/>
+                  <a:gd name="T38" fmla="*/ 77 w 719"/>
+                  <a:gd name="T39" fmla="*/ 41 h 216"/>
+                  <a:gd name="T40" fmla="*/ 78 w 719"/>
+                  <a:gd name="T41" fmla="*/ 43 h 216"/>
+                  <a:gd name="T42" fmla="*/ 81 w 719"/>
+                  <a:gd name="T43" fmla="*/ 47 h 216"/>
+                  <a:gd name="T44" fmla="*/ 81 w 719"/>
+                  <a:gd name="T45" fmla="*/ 48 h 216"/>
+                  <a:gd name="T46" fmla="*/ 81 w 719"/>
+                  <a:gd name="T47" fmla="*/ 48 h 216"/>
+                  <a:gd name="T48" fmla="*/ 81 w 719"/>
+                  <a:gd name="T49" fmla="*/ 48 h 216"/>
+                  <a:gd name="T50" fmla="*/ 86 w 719"/>
+                  <a:gd name="T51" fmla="*/ 59 h 216"/>
+                  <a:gd name="T52" fmla="*/ 86 w 719"/>
+                  <a:gd name="T53" fmla="*/ 59 h 216"/>
+                  <a:gd name="T54" fmla="*/ 96 w 719"/>
+                  <a:gd name="T55" fmla="*/ 95 h 216"/>
+                  <a:gd name="T56" fmla="*/ 96 w 719"/>
+                  <a:gd name="T57" fmla="*/ 98 h 216"/>
+                  <a:gd name="T58" fmla="*/ 111 w 719"/>
+                  <a:gd name="T59" fmla="*/ 166 h 216"/>
+                  <a:gd name="T60" fmla="*/ 192 w 719"/>
+                  <a:gd name="T61" fmla="*/ 216 h 216"/>
+                  <a:gd name="T62" fmla="*/ 356 w 719"/>
+                  <a:gd name="T63" fmla="*/ 216 h 216"/>
+                  <a:gd name="T64" fmla="*/ 359 w 719"/>
+                  <a:gd name="T65" fmla="*/ 216 h 216"/>
+                  <a:gd name="T66" fmla="*/ 359 w 719"/>
+                  <a:gd name="T67" fmla="*/ 216 h 216"/>
+                  <a:gd name="T68" fmla="*/ 362 w 719"/>
+                  <a:gd name="T69" fmla="*/ 216 h 216"/>
+                  <a:gd name="T70" fmla="*/ 526 w 719"/>
+                  <a:gd name="T71" fmla="*/ 216 h 216"/>
+                  <a:gd name="T72" fmla="*/ 607 w 719"/>
+                  <a:gd name="T73" fmla="*/ 166 h 216"/>
+                  <a:gd name="T74" fmla="*/ 622 w 719"/>
+                  <a:gd name="T75" fmla="*/ 98 h 216"/>
+                  <a:gd name="T76" fmla="*/ 622 w 719"/>
+                  <a:gd name="T77" fmla="*/ 96 h 216"/>
+                  <a:gd name="T78" fmla="*/ 632 w 719"/>
+                  <a:gd name="T79" fmla="*/ 59 h 216"/>
+                  <a:gd name="T80" fmla="*/ 637 w 719"/>
+                  <a:gd name="T81" fmla="*/ 48 h 216"/>
+                  <a:gd name="T82" fmla="*/ 654 w 719"/>
+                  <a:gd name="T83" fmla="*/ 27 h 216"/>
+                  <a:gd name="T84" fmla="*/ 656 w 719"/>
+                  <a:gd name="T85" fmla="*/ 25 h 216"/>
+                  <a:gd name="T86" fmla="*/ 659 w 719"/>
+                  <a:gd name="T87" fmla="*/ 22 h 216"/>
+                  <a:gd name="T88" fmla="*/ 662 w 719"/>
+                  <a:gd name="T89" fmla="*/ 19 h 216"/>
+                  <a:gd name="T90" fmla="*/ 665 w 719"/>
+                  <a:gd name="T91" fmla="*/ 17 h 216"/>
+                  <a:gd name="T92" fmla="*/ 669 w 719"/>
+                  <a:gd name="T93" fmla="*/ 14 h 216"/>
+                  <a:gd name="T94" fmla="*/ 672 w 719"/>
+                  <a:gd name="T95" fmla="*/ 13 h 216"/>
+                  <a:gd name="T96" fmla="*/ 679 w 719"/>
+                  <a:gd name="T97" fmla="*/ 9 h 216"/>
+                  <a:gd name="T98" fmla="*/ 719 w 719"/>
+                  <a:gd name="T99" fmla="*/ 0 h 216"/>
+                  <a:gd name="T100" fmla="*/ 716 w 719"/>
+                  <a:gd name="T101" fmla="*/ 0 h 216"/>
+                </a:gdLst>
+                <a:ahLst/>
+                <a:cxnLst>
+                  <a:cxn ang="0">
+                    <a:pos x="T0" y="T1"/>
+                  </a:cxn>
+                  <a:cxn ang="0">
+                    <a:pos x="T2" y="T3"/>
+                  </a:cxn>
+                  <a:cxn ang="0">
+                    <a:pos x="T4" y="T5"/>
+                  </a:cxn>
+                  <a:cxn ang="0">
+                    <a:pos x="T6" y="T7"/>
+                  </a:cxn>
+                  <a:cxn ang="0">
+                    <a:pos x="T8" y="T9"/>
+                  </a:cxn>
+                  <a:cxn ang="0">
+                    <a:pos x="T10" y="T11"/>
+                  </a:cxn>
+                  <a:cxn ang="0">
+                    <a:pos x="T12" y="T13"/>
+                  </a:cxn>
+                  <a:cxn ang="0">
+                    <a:pos x="T14" y="T15"/>
+                  </a:cxn>
+                  <a:cxn ang="0">
+                    <a:pos x="T16" y="T17"/>
+                  </a:cxn>
+                  <a:cxn ang="0">
+                    <a:pos x="T18" y="T19"/>
+                  </a:cxn>
+                  <a:cxn ang="0">
+                    <a:pos x="T20" y="T21"/>
+                  </a:cxn>
+                  <a:cxn ang="0">
+                    <a:pos x="T22" y="T23"/>
+                  </a:cxn>
+                  <a:cxn ang="0">
+                    <a:pos x="T24" y="T25"/>
+                  </a:cxn>
+                  <a:cxn ang="0">
+                    <a:pos x="T26" y="T27"/>
+                  </a:cxn>
+                  <a:cxn ang="0">
+                    <a:pos x="T28" y="T29"/>
+                  </a:cxn>
+                  <a:cxn ang="0">
+                    <a:pos x="T30" y="T31"/>
+                  </a:cxn>
+                  <a:cxn ang="0">
+                    <a:pos x="T32" y="T33"/>
+                  </a:cxn>
+                  <a:cxn ang="0">
+                    <a:pos x="T34" y="T35"/>
+                  </a:cxn>
+                  <a:cxn ang="0">
+                    <a:pos x="T36" y="T37"/>
+                  </a:cxn>
+                  <a:cxn ang="0">
+                    <a:pos x="T38" y="T39"/>
+                  </a:cxn>
+                  <a:cxn ang="0">
+                    <a:pos x="T40" y="T41"/>
+                  </a:cxn>
+                  <a:cxn ang="0">
+                    <a:pos x="T42" y="T43"/>
+                  </a:cxn>
+                  <a:cxn ang="0">
+                    <a:pos x="T44" y="T45"/>
+                  </a:cxn>
+                  <a:cxn ang="0">
+                    <a:pos x="T46" y="T47"/>
+                  </a:cxn>
+                  <a:cxn ang="0">
+                    <a:pos x="T48" y="T49"/>
+                  </a:cxn>
+                  <a:cxn ang="0">
+                    <a:pos x="T50" y="T51"/>
+                  </a:cxn>
+                  <a:cxn ang="0">
+                    <a:pos x="T52" y="T53"/>
+                  </a:cxn>
+                  <a:cxn ang="0">
+                    <a:pos x="T54" y="T55"/>
+                  </a:cxn>
+                  <a:cxn ang="0">
+                    <a:pos x="T56" y="T57"/>
+                  </a:cxn>
+                  <a:cxn ang="0">
+                    <a:pos x="T58" y="T59"/>
+                  </a:cxn>
+                  <a:cxn ang="0">
+                    <a:pos x="T60" y="T61"/>
+                  </a:cxn>
+                  <a:cxn ang="0">
+                    <a:pos x="T62" y="T63"/>
+                  </a:cxn>
+                  <a:cxn ang="0">
+                    <a:pos x="T64" y="T65"/>
+                  </a:cxn>
+                  <a:cxn ang="0">
+                    <a:pos x="T66" y="T67"/>
+                  </a:cxn>
+                  <a:cxn ang="0">
+                    <a:pos x="T68" y="T69"/>
+                  </a:cxn>
+                  <a:cxn ang="0">
+                    <a:pos x="T70" y="T71"/>
+                  </a:cxn>
+                  <a:cxn ang="0">
+                    <a:pos x="T72" y="T73"/>
+                  </a:cxn>
+                  <a:cxn ang="0">
+                    <a:pos x="T74" y="T75"/>
+                  </a:cxn>
+                  <a:cxn ang="0">
+                    <a:pos x="T76" y="T77"/>
+                  </a:cxn>
+                  <a:cxn ang="0">
+                    <a:pos x="T78" y="T79"/>
+                  </a:cxn>
+                  <a:cxn ang="0">
+                    <a:pos x="T80" y="T81"/>
+                  </a:cxn>
+                  <a:cxn ang="0">
+                    <a:pos x="T82" y="T83"/>
+                  </a:cxn>
+                  <a:cxn ang="0">
+                    <a:pos x="T84" y="T85"/>
+                  </a:cxn>
+                  <a:cxn ang="0">
+                    <a:pos x="T86" y="T87"/>
+                  </a:cxn>
+                  <a:cxn ang="0">
+                    <a:pos x="T88" y="T89"/>
+                  </a:cxn>
+                  <a:cxn ang="0">
+                    <a:pos x="T90" y="T91"/>
+                  </a:cxn>
+                  <a:cxn ang="0">
+                    <a:pos x="T92" y="T93"/>
+                  </a:cxn>
+                  <a:cxn ang="0">
+                    <a:pos x="T94" y="T95"/>
+                  </a:cxn>
+                  <a:cxn ang="0">
+                    <a:pos x="T96" y="T97"/>
+                  </a:cxn>
+                  <a:cxn ang="0">
+                    <a:pos x="T98" y="T99"/>
+                  </a:cxn>
+                  <a:cxn ang="0">
+                    <a:pos x="T100" y="T101"/>
+                  </a:cxn>
+                </a:cxnLst>
+                <a:rect l="0" t="0" r="r" b="b"/>
+                <a:pathLst>
+                  <a:path w="719" h="216">
+                    <a:moveTo>
+                      <a:pt x="716" y="0"/>
+                    </a:moveTo>
+                    <a:cubicBezTo>
+                      <a:pt x="362" y="0"/>
+                      <a:pt x="362" y="0"/>
+                      <a:pt x="362" y="0"/>
+                    </a:cubicBezTo>
+                    <a:cubicBezTo>
+                      <a:pt x="359" y="0"/>
+                      <a:pt x="359" y="0"/>
+                      <a:pt x="359" y="0"/>
+                    </a:cubicBezTo>
+                    <a:cubicBezTo>
+                      <a:pt x="359" y="0"/>
+                      <a:pt x="359" y="0"/>
+                      <a:pt x="359" y="0"/>
+                    </a:cubicBezTo>
+                    <a:cubicBezTo>
+                      <a:pt x="356" y="0"/>
+                      <a:pt x="356" y="0"/>
+                      <a:pt x="356" y="0"/>
+                    </a:cubicBezTo>
+                    <a:cubicBezTo>
+                      <a:pt x="2" y="0"/>
+                      <a:pt x="2" y="0"/>
+                      <a:pt x="2" y="0"/>
+                    </a:cubicBezTo>
+                    <a:cubicBezTo>
+                      <a:pt x="1" y="0"/>
+                      <a:pt x="0" y="0"/>
+                      <a:pt x="0" y="0"/>
+                    </a:cubicBezTo>
+                    <a:cubicBezTo>
+                      <a:pt x="13" y="0"/>
+                      <a:pt x="27" y="4"/>
+                      <a:pt x="39" y="9"/>
+                    </a:cubicBezTo>
+                    <a:cubicBezTo>
+                      <a:pt x="42" y="10"/>
+                      <a:pt x="44" y="12"/>
+                      <a:pt x="46" y="13"/>
+                    </a:cubicBezTo>
+                    <a:cubicBezTo>
+                      <a:pt x="47" y="13"/>
+                      <a:pt x="48" y="14"/>
+                      <a:pt x="49" y="14"/>
+                    </a:cubicBezTo>
+                    <a:cubicBezTo>
+                      <a:pt x="50" y="15"/>
+                      <a:pt x="52" y="16"/>
+                      <a:pt x="53" y="17"/>
+                    </a:cubicBezTo>
+                    <a:cubicBezTo>
+                      <a:pt x="54" y="18"/>
+                      <a:pt x="55" y="19"/>
+                      <a:pt x="56" y="19"/>
+                    </a:cubicBezTo>
+                    <a:cubicBezTo>
+                      <a:pt x="57" y="20"/>
+                      <a:pt x="58" y="21"/>
+                      <a:pt x="59" y="22"/>
+                    </a:cubicBezTo>
+                    <a:cubicBezTo>
+                      <a:pt x="60" y="23"/>
+                      <a:pt x="61" y="24"/>
+                      <a:pt x="63" y="25"/>
+                    </a:cubicBezTo>
+                    <a:cubicBezTo>
+                      <a:pt x="63" y="25"/>
+                      <a:pt x="64" y="26"/>
+                      <a:pt x="64" y="27"/>
+                    </a:cubicBezTo>
+                    <a:cubicBezTo>
+                      <a:pt x="67" y="29"/>
+                      <a:pt x="69" y="31"/>
+                      <a:pt x="70" y="33"/>
+                    </a:cubicBezTo>
+                    <a:cubicBezTo>
+                      <a:pt x="71" y="33"/>
+                      <a:pt x="71" y="34"/>
+                      <a:pt x="71" y="34"/>
+                    </a:cubicBezTo>
+                    <a:cubicBezTo>
+                      <a:pt x="72" y="35"/>
+                      <a:pt x="73" y="37"/>
+                      <a:pt x="75" y="38"/>
+                    </a:cubicBezTo>
+                    <a:cubicBezTo>
+                      <a:pt x="75" y="39"/>
+                      <a:pt x="75" y="39"/>
+                      <a:pt x="76" y="40"/>
+                    </a:cubicBezTo>
+                    <a:cubicBezTo>
+                      <a:pt x="76" y="40"/>
+                      <a:pt x="76" y="40"/>
+                      <a:pt x="77" y="41"/>
+                    </a:cubicBezTo>
+                    <a:cubicBezTo>
+                      <a:pt x="77" y="41"/>
+                      <a:pt x="77" y="42"/>
+                      <a:pt x="78" y="43"/>
+                    </a:cubicBezTo>
+                    <a:cubicBezTo>
+                      <a:pt x="79" y="44"/>
+                      <a:pt x="80" y="46"/>
+                      <a:pt x="81" y="47"/>
+                    </a:cubicBezTo>
+                    <a:cubicBezTo>
+                      <a:pt x="81" y="47"/>
+                      <a:pt x="81" y="48"/>
+                      <a:pt x="81" y="48"/>
+                    </a:cubicBezTo>
+                    <a:cubicBezTo>
+                      <a:pt x="81" y="48"/>
+                      <a:pt x="81" y="48"/>
+                      <a:pt x="81" y="48"/>
+                    </a:cubicBezTo>
+                    <a:cubicBezTo>
+                      <a:pt x="81" y="48"/>
+                      <a:pt x="81" y="48"/>
+                      <a:pt x="81" y="48"/>
+                    </a:cubicBezTo>
+                    <a:cubicBezTo>
+                      <a:pt x="83" y="52"/>
+                      <a:pt x="85" y="55"/>
+                      <a:pt x="86" y="59"/>
+                    </a:cubicBezTo>
+                    <a:cubicBezTo>
+                      <a:pt x="86" y="59"/>
+                      <a:pt x="86" y="59"/>
+                      <a:pt x="86" y="59"/>
+                    </a:cubicBezTo>
+                    <a:cubicBezTo>
+                      <a:pt x="91" y="70"/>
+                      <a:pt x="94" y="83"/>
+                      <a:pt x="96" y="95"/>
+                    </a:cubicBezTo>
+                    <a:cubicBezTo>
+                      <a:pt x="96" y="96"/>
+                      <a:pt x="96" y="97"/>
+                      <a:pt x="96" y="98"/>
+                    </a:cubicBezTo>
+                    <a:cubicBezTo>
+                      <a:pt x="99" y="121"/>
+                      <a:pt x="101" y="145"/>
+                      <a:pt x="111" y="166"/>
+                    </a:cubicBezTo>
+                    <a:cubicBezTo>
+                      <a:pt x="127" y="199"/>
+                      <a:pt x="155" y="216"/>
+                      <a:pt x="192" y="216"/>
+                    </a:cubicBezTo>
+                    <a:cubicBezTo>
+                      <a:pt x="192" y="216"/>
+                      <a:pt x="356" y="216"/>
+                      <a:pt x="356" y="216"/>
+                    </a:cubicBezTo>
+                    <a:cubicBezTo>
+                      <a:pt x="356" y="216"/>
+                      <a:pt x="357" y="216"/>
+                      <a:pt x="359" y="216"/>
+                    </a:cubicBezTo>
+                    <a:cubicBezTo>
+                      <a:pt x="359" y="216"/>
+                      <a:pt x="359" y="216"/>
+                      <a:pt x="359" y="216"/>
+                    </a:cubicBezTo>
+                    <a:cubicBezTo>
+                      <a:pt x="361" y="216"/>
+                      <a:pt x="362" y="216"/>
+                      <a:pt x="362" y="216"/>
+                    </a:cubicBezTo>
+                    <a:cubicBezTo>
+                      <a:pt x="362" y="216"/>
+                      <a:pt x="526" y="216"/>
+                      <a:pt x="526" y="216"/>
+                    </a:cubicBezTo>
+                    <a:cubicBezTo>
+                      <a:pt x="563" y="216"/>
+                      <a:pt x="591" y="199"/>
+                      <a:pt x="607" y="166"/>
+                    </a:cubicBezTo>
+                    <a:cubicBezTo>
+                      <a:pt x="618" y="145"/>
+                      <a:pt x="619" y="121"/>
+                      <a:pt x="622" y="98"/>
+                    </a:cubicBezTo>
+                    <a:cubicBezTo>
+                      <a:pt x="622" y="98"/>
+                      <a:pt x="622" y="97"/>
+                      <a:pt x="622" y="96"/>
+                    </a:cubicBezTo>
+                    <a:cubicBezTo>
+                      <a:pt x="624" y="83"/>
+                      <a:pt x="627" y="71"/>
+                      <a:pt x="632" y="59"/>
+                    </a:cubicBezTo>
+                    <a:cubicBezTo>
+                      <a:pt x="633" y="55"/>
+                      <a:pt x="635" y="51"/>
+                      <a:pt x="637" y="48"/>
+                    </a:cubicBezTo>
+                    <a:cubicBezTo>
+                      <a:pt x="642" y="40"/>
+                      <a:pt x="647" y="33"/>
+                      <a:pt x="654" y="27"/>
+                    </a:cubicBezTo>
+                    <a:cubicBezTo>
+                      <a:pt x="654" y="26"/>
+                      <a:pt x="655" y="25"/>
+                      <a:pt x="656" y="25"/>
+                    </a:cubicBezTo>
+                    <a:cubicBezTo>
+                      <a:pt x="657" y="24"/>
+                      <a:pt x="658" y="23"/>
+                      <a:pt x="659" y="22"/>
+                    </a:cubicBezTo>
+                    <a:cubicBezTo>
+                      <a:pt x="660" y="21"/>
+                      <a:pt x="661" y="20"/>
+                      <a:pt x="662" y="19"/>
+                    </a:cubicBezTo>
+                    <a:cubicBezTo>
+                      <a:pt x="663" y="19"/>
+                      <a:pt x="664" y="18"/>
+                      <a:pt x="665" y="17"/>
+                    </a:cubicBezTo>
+                    <a:cubicBezTo>
+                      <a:pt x="667" y="16"/>
+                      <a:pt x="668" y="15"/>
+                      <a:pt x="669" y="14"/>
+                    </a:cubicBezTo>
+                    <a:cubicBezTo>
+                      <a:pt x="670" y="14"/>
+                      <a:pt x="671" y="13"/>
+                      <a:pt x="672" y="13"/>
+                    </a:cubicBezTo>
+                    <a:cubicBezTo>
+                      <a:pt x="674" y="12"/>
+                      <a:pt x="676" y="10"/>
+                      <a:pt x="679" y="9"/>
+                    </a:cubicBezTo>
+                    <a:cubicBezTo>
+                      <a:pt x="691" y="4"/>
+                      <a:pt x="705" y="0"/>
+                      <a:pt x="719" y="0"/>
+                    </a:cubicBezTo>
+                    <a:cubicBezTo>
+                      <a:pt x="718" y="0"/>
+                      <a:pt x="717" y="0"/>
+                      <a:pt x="716" y="0"/>
+                    </a:cubicBezTo>
+                    <a:close/>
+                  </a:path>
+                </a:pathLst>
+              </a:custGeom>
+              <a:solidFill>
+                <a:schemeClr val="tx1">
+                  <a:lumMod val="50000"/>
+                  <a:lumOff val="50000"/>
+                </a:schemeClr>
+              </a:solidFill>
+              <a:ln>
+                <a:noFill/>
+              </a:ln>
+            </p:spPr>
+            <p:txBody>
+              <a:bodyPr vert="horz" wrap="square" lIns="91440" tIns="45720" rIns="91440" bIns="45720" anchor="ctr" anchorCtr="1" compatLnSpc="1">
+                <a:prstTxWarp prst="textNoShape">
+                  <a:avLst/>
+                </a:prstTxWarp>
+                <a:normAutofit/>
+              </a:bodyPr>
+              <a:lstStyle/>
+              <a:p>
+                <a:pPr algn="ctr"/>
+                <a:r>
+                  <a:rPr lang="en-US" altLang="zh-CN" sz="1600" b="1" dirty="0"/>
+                  <a:t>NEVER</a:t>
+                </a:r>
+                <a:endParaRPr lang="zh-CN" altLang="en-US" sz="1600" b="1" dirty="0"/>
+              </a:p>
+            </p:txBody>
+          </p:sp>
+        </p:grpSp>
+        <p:grpSp>
+          <p:nvGrpSpPr>
+            <p:cNvPr id="25" name="i$lîďe">
+              <a:extLst>
+                <a:ext uri="{FF2B5EF4-FFF2-40B4-BE49-F238E27FC236}">
+                  <a16:creationId xmlns:a16="http://schemas.microsoft.com/office/drawing/2014/main" id="{00CD3017-ADEB-4E0D-B5BF-019C1DC4DC91}"/>
+                </a:ext>
+              </a:extLst>
+            </p:cNvPr>
+            <p:cNvGrpSpPr/>
+            <p:nvPr/>
+          </p:nvGrpSpPr>
+          <p:grpSpPr>
+            <a:xfrm>
+              <a:off x="7575969" y="3600067"/>
+              <a:ext cx="2369319" cy="2471787"/>
+              <a:chOff x="7575969" y="3600067"/>
+              <a:chExt cx="2369319" cy="2471787"/>
+            </a:xfrm>
+          </p:grpSpPr>
+          <p:sp>
+            <p:nvSpPr>
+              <p:cNvPr id="26" name="islïḓè"/>
+              <p:cNvSpPr/>
+              <p:nvPr/>
+            </p:nvSpPr>
+            <p:spPr bwMode="auto">
+              <a:xfrm>
+                <a:off x="7575969" y="3600067"/>
+                <a:ext cx="2369319" cy="2471787"/>
+              </a:xfrm>
+              <a:custGeom>
+                <a:avLst/>
+                <a:gdLst>
+                  <a:gd name="T0" fmla="*/ 538 w 1089"/>
+                  <a:gd name="T1" fmla="*/ 1138 h 1138"/>
+                  <a:gd name="T2" fmla="*/ 466 w 1089"/>
+                  <a:gd name="T3" fmla="*/ 1122 h 1138"/>
+                  <a:gd name="T4" fmla="*/ 71 w 1089"/>
+                  <a:gd name="T5" fmla="*/ 895 h 1138"/>
+                  <a:gd name="T6" fmla="*/ 0 w 1089"/>
+                  <a:gd name="T7" fmla="*/ 772 h 1138"/>
+                  <a:gd name="T8" fmla="*/ 4 w 1089"/>
+                  <a:gd name="T9" fmla="*/ 248 h 1138"/>
+                  <a:gd name="T10" fmla="*/ 79 w 1089"/>
+                  <a:gd name="T11" fmla="*/ 143 h 1138"/>
+                  <a:gd name="T12" fmla="*/ 455 w 1089"/>
+                  <a:gd name="T13" fmla="*/ 12 h 1138"/>
+                  <a:gd name="T14" fmla="*/ 540 w 1089"/>
+                  <a:gd name="T15" fmla="*/ 0 h 1138"/>
+                  <a:gd name="T16" fmla="*/ 621 w 1089"/>
+                  <a:gd name="T17" fmla="*/ 11 h 1138"/>
+                  <a:gd name="T18" fmla="*/ 1015 w 1089"/>
+                  <a:gd name="T19" fmla="*/ 144 h 1138"/>
+                  <a:gd name="T20" fmla="*/ 1088 w 1089"/>
+                  <a:gd name="T21" fmla="*/ 247 h 1138"/>
+                  <a:gd name="T22" fmla="*/ 1078 w 1089"/>
+                  <a:gd name="T23" fmla="*/ 772 h 1138"/>
+                  <a:gd name="T24" fmla="*/ 1005 w 1089"/>
+                  <a:gd name="T25" fmla="*/ 895 h 1138"/>
+                  <a:gd name="T26" fmla="*/ 609 w 1089"/>
+                  <a:gd name="T27" fmla="*/ 1122 h 1138"/>
+                  <a:gd name="T28" fmla="*/ 538 w 1089"/>
+                  <a:gd name="T29" fmla="*/ 1138 h 1138"/>
+                </a:gdLst>
+                <a:ahLst/>
+                <a:cxnLst>
+                  <a:cxn ang="0">
+                    <a:pos x="T0" y="T1"/>
+                  </a:cxn>
+                  <a:cxn ang="0">
+                    <a:pos x="T2" y="T3"/>
+                  </a:cxn>
+                  <a:cxn ang="0">
+                    <a:pos x="T4" y="T5"/>
+                  </a:cxn>
+                  <a:cxn ang="0">
+                    <a:pos x="T6" y="T7"/>
+                  </a:cxn>
+                  <a:cxn ang="0">
+                    <a:pos x="T8" y="T9"/>
+                  </a:cxn>
+                  <a:cxn ang="0">
+                    <a:pos x="T10" y="T11"/>
+                  </a:cxn>
+                  <a:cxn ang="0">
+                    <a:pos x="T12" y="T13"/>
+                  </a:cxn>
+                  <a:cxn ang="0">
+                    <a:pos x="T14" y="T15"/>
+                  </a:cxn>
+                  <a:cxn ang="0">
+                    <a:pos x="T16" y="T17"/>
+                  </a:cxn>
+                  <a:cxn ang="0">
+                    <a:pos x="T18" y="T19"/>
+                  </a:cxn>
+                  <a:cxn ang="0">
+                    <a:pos x="T20" y="T21"/>
+                  </a:cxn>
+                  <a:cxn ang="0">
+                    <a:pos x="T22" y="T23"/>
+                  </a:cxn>
+                  <a:cxn ang="0">
+                    <a:pos x="T24" y="T25"/>
+                  </a:cxn>
+                  <a:cxn ang="0">
+                    <a:pos x="T26" y="T27"/>
+                  </a:cxn>
+                  <a:cxn ang="0">
+                    <a:pos x="T28" y="T29"/>
+                  </a:cxn>
+                </a:cxnLst>
+                <a:rect l="0" t="0" r="r" b="b"/>
+                <a:pathLst>
+                  <a:path w="1089" h="1138">
+                    <a:moveTo>
+                      <a:pt x="538" y="1138"/>
+                    </a:moveTo>
+                    <a:cubicBezTo>
+                      <a:pt x="511" y="1138"/>
+                      <a:pt x="485" y="1132"/>
+                      <a:pt x="466" y="1122"/>
+                    </a:cubicBezTo>
+                    <a:cubicBezTo>
+                      <a:pt x="71" y="895"/>
+                      <a:pt x="71" y="895"/>
+                      <a:pt x="71" y="895"/>
+                    </a:cubicBezTo>
+                    <a:cubicBezTo>
+                      <a:pt x="32" y="873"/>
+                      <a:pt x="0" y="817"/>
+                      <a:pt x="0" y="772"/>
+                    </a:cubicBezTo>
+                    <a:cubicBezTo>
+                      <a:pt x="4" y="248"/>
+                      <a:pt x="4" y="248"/>
+                      <a:pt x="4" y="248"/>
+                    </a:cubicBezTo>
+                    <a:cubicBezTo>
+                      <a:pt x="4" y="205"/>
+                      <a:pt x="38" y="157"/>
+                      <a:pt x="79" y="143"/>
+                    </a:cubicBezTo>
+                    <a:cubicBezTo>
+                      <a:pt x="455" y="12"/>
+                      <a:pt x="455" y="12"/>
+                      <a:pt x="455" y="12"/>
+                    </a:cubicBezTo>
+                    <a:cubicBezTo>
+                      <a:pt x="477" y="4"/>
+                      <a:pt x="508" y="0"/>
+                      <a:pt x="540" y="0"/>
+                    </a:cubicBezTo>
+                    <a:cubicBezTo>
+                      <a:pt x="570" y="0"/>
+                      <a:pt x="600" y="4"/>
+                      <a:pt x="621" y="11"/>
+                    </a:cubicBezTo>
+                    <a:cubicBezTo>
+                      <a:pt x="1015" y="144"/>
+                      <a:pt x="1015" y="144"/>
+                      <a:pt x="1015" y="144"/>
+                    </a:cubicBezTo>
+                    <a:cubicBezTo>
+                      <a:pt x="1056" y="157"/>
+                      <a:pt x="1089" y="205"/>
+                      <a:pt x="1088" y="247"/>
+                    </a:cubicBezTo>
+                    <a:cubicBezTo>
+                      <a:pt x="1078" y="772"/>
+                      <a:pt x="1078" y="772"/>
+                      <a:pt x="1078" y="772"/>
+                    </a:cubicBezTo>
+                    <a:cubicBezTo>
+                      <a:pt x="1077" y="816"/>
+                      <a:pt x="1044" y="873"/>
+                      <a:pt x="1005" y="895"/>
+                    </a:cubicBezTo>
+                    <a:cubicBezTo>
+                      <a:pt x="609" y="1122"/>
+                      <a:pt x="609" y="1122"/>
+                      <a:pt x="609" y="1122"/>
+                    </a:cubicBezTo>
+                    <a:cubicBezTo>
+                      <a:pt x="591" y="1132"/>
+                      <a:pt x="565" y="1138"/>
+                      <a:pt x="538" y="1138"/>
+                    </a:cubicBezTo>
+                    <a:close/>
+                  </a:path>
+                </a:pathLst>
+              </a:custGeom>
+              <a:solidFill>
+                <a:schemeClr val="tx2"/>
+              </a:solidFill>
+              <a:ln>
+                <a:noFill/>
+              </a:ln>
+            </p:spPr>
+            <p:txBody>
+              <a:bodyPr wrap="square" lIns="91440" tIns="45720" rIns="91440" bIns="45720" anchor="ctr">
+                <a:normAutofit/>
+              </a:bodyPr>
+              <a:lstStyle/>
+              <a:p>
+                <a:pPr algn="ctr"/>
+                <a:endParaRPr/>
+              </a:p>
+            </p:txBody>
+          </p:sp>
+          <p:sp>
+            <p:nvSpPr>
+              <p:cNvPr id="27" name="í$1ïḍè"/>
+              <p:cNvSpPr/>
+              <p:nvPr/>
+            </p:nvSpPr>
+            <p:spPr bwMode="auto">
+              <a:xfrm>
+                <a:off x="7730717" y="3763181"/>
+                <a:ext cx="2059823" cy="2125696"/>
+              </a:xfrm>
+              <a:custGeom>
+                <a:avLst/>
+                <a:gdLst>
+                  <a:gd name="T0" fmla="*/ 83 w 947"/>
+                  <a:gd name="T1" fmla="*/ 784 h 979"/>
+                  <a:gd name="T2" fmla="*/ 0 w 947"/>
+                  <a:gd name="T3" fmla="*/ 643 h 979"/>
+                  <a:gd name="T4" fmla="*/ 3 w 947"/>
+                  <a:gd name="T5" fmla="*/ 243 h 979"/>
+                  <a:gd name="T6" fmla="*/ 94 w 947"/>
+                  <a:gd name="T7" fmla="*/ 116 h 979"/>
+                  <a:gd name="T8" fmla="*/ 378 w 947"/>
+                  <a:gd name="T9" fmla="*/ 18 h 979"/>
+                  <a:gd name="T10" fmla="*/ 558 w 947"/>
+                  <a:gd name="T11" fmla="*/ 17 h 979"/>
+                  <a:gd name="T12" fmla="*/ 857 w 947"/>
+                  <a:gd name="T13" fmla="*/ 117 h 979"/>
+                  <a:gd name="T14" fmla="*/ 946 w 947"/>
+                  <a:gd name="T15" fmla="*/ 243 h 979"/>
+                  <a:gd name="T16" fmla="*/ 938 w 947"/>
+                  <a:gd name="T17" fmla="*/ 642 h 979"/>
+                  <a:gd name="T18" fmla="*/ 853 w 947"/>
+                  <a:gd name="T19" fmla="*/ 783 h 979"/>
+                  <a:gd name="T20" fmla="*/ 550 w 947"/>
+                  <a:gd name="T21" fmla="*/ 953 h 979"/>
+                  <a:gd name="T22" fmla="*/ 384 w 947"/>
+                  <a:gd name="T23" fmla="*/ 953 h 979"/>
+                  <a:gd name="T24" fmla="*/ 83 w 947"/>
+                  <a:gd name="T25" fmla="*/ 784 h 979"/>
+                </a:gdLst>
+                <a:ahLst/>
+                <a:cxnLst>
+                  <a:cxn ang="0">
+                    <a:pos x="T0" y="T1"/>
+                  </a:cxn>
+                  <a:cxn ang="0">
+                    <a:pos x="T2" y="T3"/>
+                  </a:cxn>
+                  <a:cxn ang="0">
+                    <a:pos x="T4" y="T5"/>
+                  </a:cxn>
+                  <a:cxn ang="0">
+                    <a:pos x="T6" y="T7"/>
+                  </a:cxn>
+                  <a:cxn ang="0">
+                    <a:pos x="T8" y="T9"/>
+                  </a:cxn>
+                  <a:cxn ang="0">
+                    <a:pos x="T10" y="T11"/>
+                  </a:cxn>
+                  <a:cxn ang="0">
+                    <a:pos x="T12" y="T13"/>
+                  </a:cxn>
+                  <a:cxn ang="0">
+                    <a:pos x="T14" y="T15"/>
+                  </a:cxn>
+                  <a:cxn ang="0">
+                    <a:pos x="T16" y="T17"/>
+                  </a:cxn>
+                  <a:cxn ang="0">
+                    <a:pos x="T18" y="T19"/>
+                  </a:cxn>
+                  <a:cxn ang="0">
+                    <a:pos x="T20" y="T21"/>
+                  </a:cxn>
+                  <a:cxn ang="0">
+                    <a:pos x="T22" y="T23"/>
+                  </a:cxn>
+                  <a:cxn ang="0">
+                    <a:pos x="T24" y="T25"/>
+                  </a:cxn>
+                </a:cxnLst>
+                <a:rect l="0" t="0" r="r" b="b"/>
+                <a:pathLst>
+                  <a:path w="947" h="979">
+                    <a:moveTo>
+                      <a:pt x="83" y="784"/>
+                    </a:moveTo>
+                    <a:cubicBezTo>
+                      <a:pt x="37" y="759"/>
+                      <a:pt x="0" y="695"/>
+                      <a:pt x="0" y="643"/>
+                    </a:cubicBezTo>
+                    <a:cubicBezTo>
+                      <a:pt x="3" y="243"/>
+                      <a:pt x="3" y="243"/>
+                      <a:pt x="3" y="243"/>
+                    </a:cubicBezTo>
+                    <a:cubicBezTo>
+                      <a:pt x="4" y="191"/>
+                      <a:pt x="44" y="134"/>
+                      <a:pt x="94" y="116"/>
+                    </a:cubicBezTo>
+                    <a:cubicBezTo>
+                      <a:pt x="378" y="18"/>
+                      <a:pt x="378" y="18"/>
+                      <a:pt x="378" y="18"/>
+                    </a:cubicBezTo>
+                    <a:cubicBezTo>
+                      <a:pt x="427" y="1"/>
+                      <a:pt x="508" y="0"/>
+                      <a:pt x="558" y="17"/>
+                    </a:cubicBezTo>
+                    <a:cubicBezTo>
+                      <a:pt x="857" y="117"/>
+                      <a:pt x="857" y="117"/>
+                      <a:pt x="857" y="117"/>
+                    </a:cubicBezTo>
+                    <a:cubicBezTo>
+                      <a:pt x="907" y="134"/>
+                      <a:pt x="947" y="191"/>
+                      <a:pt x="946" y="243"/>
+                    </a:cubicBezTo>
+                    <a:cubicBezTo>
+                      <a:pt x="938" y="642"/>
+                      <a:pt x="938" y="642"/>
+                      <a:pt x="938" y="642"/>
+                    </a:cubicBezTo>
+                    <a:cubicBezTo>
+                      <a:pt x="937" y="694"/>
+                      <a:pt x="899" y="758"/>
+                      <a:pt x="853" y="783"/>
+                    </a:cubicBezTo>
+                    <a:cubicBezTo>
+                      <a:pt x="550" y="953"/>
+                      <a:pt x="550" y="953"/>
+                      <a:pt x="550" y="953"/>
+                    </a:cubicBezTo>
+                    <a:cubicBezTo>
+                      <a:pt x="505" y="979"/>
+                      <a:pt x="430" y="979"/>
+                      <a:pt x="384" y="953"/>
+                    </a:cubicBezTo>
+                    <a:lnTo>
+                      <a:pt x="83" y="784"/>
+                    </a:lnTo>
+                    <a:close/>
+                  </a:path>
+                </a:pathLst>
+              </a:custGeom>
+              <a:solidFill>
+                <a:srgbClr val="FFFFFF"/>
+              </a:solidFill>
+              <a:ln>
+                <a:noFill/>
+              </a:ln>
+              <a:extLst>
+                <a:ext uri="{91240B29-F687-4F45-9708-019B960494DF}">
+                  <a14:hiddenLine xmlns:a14="http://schemas.microsoft.com/office/drawing/2010/main" w="9525">
+                    <a:solidFill>
+                      <a:srgbClr val="000000"/>
+                    </a:solidFill>
+                    <a:round/>
+                    <a:headEnd/>
+                    <a:tailEnd/>
+                  </a14:hiddenLine>
+                </a:ext>
+              </a:extLst>
+            </p:spPr>
+            <p:txBody>
+              <a:bodyPr wrap="square" lIns="91440" tIns="45720" rIns="91440" bIns="45720" anchor="ctr">
+                <a:normAutofit/>
+              </a:bodyPr>
+              <a:lstStyle/>
+              <a:p>
+                <a:pPr algn="ctr"/>
+                <a:endParaRPr/>
+              </a:p>
+            </p:txBody>
+          </p:sp>
+          <p:sp>
+            <p:nvSpPr>
+              <p:cNvPr id="28" name="íṧḻiḍè"/>
+              <p:cNvSpPr/>
+              <p:nvPr/>
+            </p:nvSpPr>
+            <p:spPr bwMode="auto">
+              <a:xfrm>
+                <a:off x="7978523" y="3721357"/>
+                <a:ext cx="1564211" cy="469473"/>
+              </a:xfrm>
+              <a:custGeom>
+                <a:avLst/>
+                <a:gdLst>
+                  <a:gd name="T0" fmla="*/ 716 w 719"/>
+                  <a:gd name="T1" fmla="*/ 0 h 216"/>
+                  <a:gd name="T2" fmla="*/ 362 w 719"/>
+                  <a:gd name="T3" fmla="*/ 0 h 216"/>
+                  <a:gd name="T4" fmla="*/ 359 w 719"/>
+                  <a:gd name="T5" fmla="*/ 0 h 216"/>
+                  <a:gd name="T6" fmla="*/ 359 w 719"/>
+                  <a:gd name="T7" fmla="*/ 0 h 216"/>
+                  <a:gd name="T8" fmla="*/ 356 w 719"/>
+                  <a:gd name="T9" fmla="*/ 0 h 216"/>
+                  <a:gd name="T10" fmla="*/ 2 w 719"/>
+                  <a:gd name="T11" fmla="*/ 0 h 216"/>
+                  <a:gd name="T12" fmla="*/ 0 w 719"/>
+                  <a:gd name="T13" fmla="*/ 0 h 216"/>
+                  <a:gd name="T14" fmla="*/ 39 w 719"/>
+                  <a:gd name="T15" fmla="*/ 9 h 216"/>
+                  <a:gd name="T16" fmla="*/ 46 w 719"/>
+                  <a:gd name="T17" fmla="*/ 13 h 216"/>
+                  <a:gd name="T18" fmla="*/ 49 w 719"/>
+                  <a:gd name="T19" fmla="*/ 14 h 216"/>
+                  <a:gd name="T20" fmla="*/ 53 w 719"/>
+                  <a:gd name="T21" fmla="*/ 17 h 216"/>
+                  <a:gd name="T22" fmla="*/ 56 w 719"/>
+                  <a:gd name="T23" fmla="*/ 19 h 216"/>
+                  <a:gd name="T24" fmla="*/ 59 w 719"/>
+                  <a:gd name="T25" fmla="*/ 22 h 216"/>
+                  <a:gd name="T26" fmla="*/ 63 w 719"/>
+                  <a:gd name="T27" fmla="*/ 25 h 216"/>
+                  <a:gd name="T28" fmla="*/ 64 w 719"/>
+                  <a:gd name="T29" fmla="*/ 27 h 216"/>
+                  <a:gd name="T30" fmla="*/ 70 w 719"/>
+                  <a:gd name="T31" fmla="*/ 33 h 216"/>
+                  <a:gd name="T32" fmla="*/ 71 w 719"/>
+                  <a:gd name="T33" fmla="*/ 34 h 216"/>
+                  <a:gd name="T34" fmla="*/ 75 w 719"/>
+                  <a:gd name="T35" fmla="*/ 38 h 216"/>
+                  <a:gd name="T36" fmla="*/ 76 w 719"/>
+                  <a:gd name="T37" fmla="*/ 40 h 216"/>
+                  <a:gd name="T38" fmla="*/ 77 w 719"/>
+                  <a:gd name="T39" fmla="*/ 41 h 216"/>
+                  <a:gd name="T40" fmla="*/ 78 w 719"/>
+                  <a:gd name="T41" fmla="*/ 43 h 216"/>
+                  <a:gd name="T42" fmla="*/ 81 w 719"/>
+                  <a:gd name="T43" fmla="*/ 47 h 216"/>
+                  <a:gd name="T44" fmla="*/ 81 w 719"/>
+                  <a:gd name="T45" fmla="*/ 48 h 216"/>
+                  <a:gd name="T46" fmla="*/ 81 w 719"/>
+                  <a:gd name="T47" fmla="*/ 48 h 216"/>
+                  <a:gd name="T48" fmla="*/ 81 w 719"/>
+                  <a:gd name="T49" fmla="*/ 48 h 216"/>
+                  <a:gd name="T50" fmla="*/ 86 w 719"/>
+                  <a:gd name="T51" fmla="*/ 59 h 216"/>
+                  <a:gd name="T52" fmla="*/ 86 w 719"/>
+                  <a:gd name="T53" fmla="*/ 59 h 216"/>
+                  <a:gd name="T54" fmla="*/ 96 w 719"/>
+                  <a:gd name="T55" fmla="*/ 95 h 216"/>
+                  <a:gd name="T56" fmla="*/ 96 w 719"/>
+                  <a:gd name="T57" fmla="*/ 98 h 216"/>
+                  <a:gd name="T58" fmla="*/ 111 w 719"/>
+                  <a:gd name="T59" fmla="*/ 166 h 216"/>
+                  <a:gd name="T60" fmla="*/ 192 w 719"/>
+                  <a:gd name="T61" fmla="*/ 216 h 216"/>
+                  <a:gd name="T62" fmla="*/ 356 w 719"/>
+                  <a:gd name="T63" fmla="*/ 216 h 216"/>
+                  <a:gd name="T64" fmla="*/ 359 w 719"/>
+                  <a:gd name="T65" fmla="*/ 216 h 216"/>
+                  <a:gd name="T66" fmla="*/ 359 w 719"/>
+                  <a:gd name="T67" fmla="*/ 216 h 216"/>
+                  <a:gd name="T68" fmla="*/ 362 w 719"/>
+                  <a:gd name="T69" fmla="*/ 216 h 216"/>
+                  <a:gd name="T70" fmla="*/ 526 w 719"/>
+                  <a:gd name="T71" fmla="*/ 216 h 216"/>
+                  <a:gd name="T72" fmla="*/ 607 w 719"/>
+                  <a:gd name="T73" fmla="*/ 166 h 216"/>
+                  <a:gd name="T74" fmla="*/ 622 w 719"/>
+                  <a:gd name="T75" fmla="*/ 98 h 216"/>
+                  <a:gd name="T76" fmla="*/ 622 w 719"/>
+                  <a:gd name="T77" fmla="*/ 96 h 216"/>
+                  <a:gd name="T78" fmla="*/ 632 w 719"/>
+                  <a:gd name="T79" fmla="*/ 59 h 216"/>
+                  <a:gd name="T80" fmla="*/ 637 w 719"/>
+                  <a:gd name="T81" fmla="*/ 48 h 216"/>
+                  <a:gd name="T82" fmla="*/ 654 w 719"/>
+                  <a:gd name="T83" fmla="*/ 27 h 216"/>
+                  <a:gd name="T84" fmla="*/ 656 w 719"/>
+                  <a:gd name="T85" fmla="*/ 25 h 216"/>
+                  <a:gd name="T86" fmla="*/ 659 w 719"/>
+                  <a:gd name="T87" fmla="*/ 22 h 216"/>
+                  <a:gd name="T88" fmla="*/ 662 w 719"/>
+                  <a:gd name="T89" fmla="*/ 19 h 216"/>
+                  <a:gd name="T90" fmla="*/ 665 w 719"/>
+                  <a:gd name="T91" fmla="*/ 17 h 216"/>
+                  <a:gd name="T92" fmla="*/ 669 w 719"/>
+                  <a:gd name="T93" fmla="*/ 14 h 216"/>
+                  <a:gd name="T94" fmla="*/ 672 w 719"/>
+                  <a:gd name="T95" fmla="*/ 13 h 216"/>
+                  <a:gd name="T96" fmla="*/ 679 w 719"/>
+                  <a:gd name="T97" fmla="*/ 9 h 216"/>
+                  <a:gd name="T98" fmla="*/ 719 w 719"/>
+                  <a:gd name="T99" fmla="*/ 0 h 216"/>
+                  <a:gd name="T100" fmla="*/ 716 w 719"/>
+                  <a:gd name="T101" fmla="*/ 0 h 216"/>
+                </a:gdLst>
+                <a:ahLst/>
+                <a:cxnLst>
+                  <a:cxn ang="0">
+                    <a:pos x="T0" y="T1"/>
+                  </a:cxn>
+                  <a:cxn ang="0">
+                    <a:pos x="T2" y="T3"/>
+                  </a:cxn>
+                  <a:cxn ang="0">
+                    <a:pos x="T4" y="T5"/>
+                  </a:cxn>
+                  <a:cxn ang="0">
+                    <a:pos x="T6" y="T7"/>
+                  </a:cxn>
+                  <a:cxn ang="0">
+                    <a:pos x="T8" y="T9"/>
+                  </a:cxn>
+                  <a:cxn ang="0">
+                    <a:pos x="T10" y="T11"/>
+                  </a:cxn>
+                  <a:cxn ang="0">
+                    <a:pos x="T12" y="T13"/>
+                  </a:cxn>
+                  <a:cxn ang="0">
+                    <a:pos x="T14" y="T15"/>
+                  </a:cxn>
+                  <a:cxn ang="0">
+                    <a:pos x="T16" y="T17"/>
+                  </a:cxn>
+                  <a:cxn ang="0">
+                    <a:pos x="T18" y="T19"/>
+                  </a:cxn>
+                  <a:cxn ang="0">
+                    <a:pos x="T20" y="T21"/>
+                  </a:cxn>
+                  <a:cxn ang="0">
+                    <a:pos x="T22" y="T23"/>
+                  </a:cxn>
+                  <a:cxn ang="0">
+                    <a:pos x="T24" y="T25"/>
+                  </a:cxn>
+                  <a:cxn ang="0">
+                    <a:pos x="T26" y="T27"/>
+                  </a:cxn>
+                  <a:cxn ang="0">
+                    <a:pos x="T28" y="T29"/>
+                  </a:cxn>
+                  <a:cxn ang="0">
+                    <a:pos x="T30" y="T31"/>
+                  </a:cxn>
+                  <a:cxn ang="0">
+                    <a:pos x="T32" y="T33"/>
+                  </a:cxn>
+                  <a:cxn ang="0">
+                    <a:pos x="T34" y="T35"/>
+                  </a:cxn>
+                  <a:cxn ang="0">
+                    <a:pos x="T36" y="T37"/>
+                  </a:cxn>
+                  <a:cxn ang="0">
+                    <a:pos x="T38" y="T39"/>
+                  </a:cxn>
+                  <a:cxn ang="0">
+                    <a:pos x="T40" y="T41"/>
+                  </a:cxn>
+                  <a:cxn ang="0">
+                    <a:pos x="T42" y="T43"/>
+                  </a:cxn>
+                  <a:cxn ang="0">
+                    <a:pos x="T44" y="T45"/>
+                  </a:cxn>
+                  <a:cxn ang="0">
+                    <a:pos x="T46" y="T47"/>
+                  </a:cxn>
+                  <a:cxn ang="0">
+                    <a:pos x="T48" y="T49"/>
+                  </a:cxn>
+                  <a:cxn ang="0">
+                    <a:pos x="T50" y="T51"/>
+                  </a:cxn>
+                  <a:cxn ang="0">
+                    <a:pos x="T52" y="T53"/>
+                  </a:cxn>
+                  <a:cxn ang="0">
+                    <a:pos x="T54" y="T55"/>
+                  </a:cxn>
+                  <a:cxn ang="0">
+                    <a:pos x="T56" y="T57"/>
+                  </a:cxn>
+                  <a:cxn ang="0">
+                    <a:pos x="T58" y="T59"/>
+                  </a:cxn>
+                  <a:cxn ang="0">
+                    <a:pos x="T60" y="T61"/>
+                  </a:cxn>
+                  <a:cxn ang="0">
+                    <a:pos x="T62" y="T63"/>
+                  </a:cxn>
+                  <a:cxn ang="0">
+                    <a:pos x="T64" y="T65"/>
+                  </a:cxn>
+                  <a:cxn ang="0">
+                    <a:pos x="T66" y="T67"/>
+                  </a:cxn>
+                  <a:cxn ang="0">
+                    <a:pos x="T68" y="T69"/>
+                  </a:cxn>
+                  <a:cxn ang="0">
+                    <a:pos x="T70" y="T71"/>
+                  </a:cxn>
+                  <a:cxn ang="0">
+                    <a:pos x="T72" y="T73"/>
+                  </a:cxn>
+                  <a:cxn ang="0">
+                    <a:pos x="T74" y="T75"/>
+                  </a:cxn>
+                  <a:cxn ang="0">
+                    <a:pos x="T76" y="T77"/>
+                  </a:cxn>
+                  <a:cxn ang="0">
+                    <a:pos x="T78" y="T79"/>
+                  </a:cxn>
+                  <a:cxn ang="0">
+                    <a:pos x="T80" y="T81"/>
+                  </a:cxn>
+                  <a:cxn ang="0">
+                    <a:pos x="T82" y="T83"/>
+                  </a:cxn>
+                  <a:cxn ang="0">
+                    <a:pos x="T84" y="T85"/>
+                  </a:cxn>
+                  <a:cxn ang="0">
+                    <a:pos x="T86" y="T87"/>
+                  </a:cxn>
+                  <a:cxn ang="0">
+                    <a:pos x="T88" y="T89"/>
+                  </a:cxn>
+                  <a:cxn ang="0">
+                    <a:pos x="T90" y="T91"/>
+                  </a:cxn>
+                  <a:cxn ang="0">
+                    <a:pos x="T92" y="T93"/>
+                  </a:cxn>
+                  <a:cxn ang="0">
+                    <a:pos x="T94" y="T95"/>
+                  </a:cxn>
+                  <a:cxn ang="0">
+                    <a:pos x="T96" y="T97"/>
+                  </a:cxn>
+                  <a:cxn ang="0">
+                    <a:pos x="T98" y="T99"/>
+                  </a:cxn>
+                  <a:cxn ang="0">
+                    <a:pos x="T100" y="T101"/>
+                  </a:cxn>
+                </a:cxnLst>
+                <a:rect l="0" t="0" r="r" b="b"/>
+                <a:pathLst>
+                  <a:path w="719" h="216">
+                    <a:moveTo>
+                      <a:pt x="716" y="0"/>
+                    </a:moveTo>
+                    <a:cubicBezTo>
+                      <a:pt x="362" y="0"/>
+                      <a:pt x="362" y="0"/>
+                      <a:pt x="362" y="0"/>
+                    </a:cubicBezTo>
+                    <a:cubicBezTo>
+                      <a:pt x="359" y="0"/>
+                      <a:pt x="359" y="0"/>
+                      <a:pt x="359" y="0"/>
+                    </a:cubicBezTo>
+                    <a:cubicBezTo>
+                      <a:pt x="359" y="0"/>
+                      <a:pt x="359" y="0"/>
+                      <a:pt x="359" y="0"/>
+                    </a:cubicBezTo>
+                    <a:cubicBezTo>
+                      <a:pt x="356" y="0"/>
+                      <a:pt x="356" y="0"/>
+                      <a:pt x="356" y="0"/>
+                    </a:cubicBezTo>
+                    <a:cubicBezTo>
+                      <a:pt x="2" y="0"/>
+                      <a:pt x="2" y="0"/>
+                      <a:pt x="2" y="0"/>
+                    </a:cubicBezTo>
+                    <a:cubicBezTo>
+                      <a:pt x="1" y="0"/>
+                      <a:pt x="0" y="0"/>
+                      <a:pt x="0" y="0"/>
+                    </a:cubicBezTo>
+                    <a:cubicBezTo>
+                      <a:pt x="13" y="0"/>
+                      <a:pt x="27" y="4"/>
+                      <a:pt x="39" y="9"/>
+                    </a:cubicBezTo>
+                    <a:cubicBezTo>
+                      <a:pt x="42" y="10"/>
+                      <a:pt x="44" y="12"/>
+                      <a:pt x="46" y="13"/>
+                    </a:cubicBezTo>
+                    <a:cubicBezTo>
+                      <a:pt x="47" y="13"/>
+                      <a:pt x="48" y="14"/>
+                      <a:pt x="49" y="14"/>
+                    </a:cubicBezTo>
+                    <a:cubicBezTo>
+                      <a:pt x="50" y="15"/>
+                      <a:pt x="52" y="16"/>
+                      <a:pt x="53" y="17"/>
+                    </a:cubicBezTo>
+                    <a:cubicBezTo>
+                      <a:pt x="54" y="18"/>
+                      <a:pt x="55" y="19"/>
+                      <a:pt x="56" y="19"/>
+                    </a:cubicBezTo>
+                    <a:cubicBezTo>
+                      <a:pt x="57" y="20"/>
+                      <a:pt x="58" y="21"/>
+                      <a:pt x="59" y="22"/>
+                    </a:cubicBezTo>
+                    <a:cubicBezTo>
+                      <a:pt x="60" y="23"/>
+                      <a:pt x="61" y="24"/>
+                      <a:pt x="63" y="25"/>
+                    </a:cubicBezTo>
+                    <a:cubicBezTo>
+                      <a:pt x="63" y="25"/>
+                      <a:pt x="64" y="26"/>
+                      <a:pt x="64" y="27"/>
+                    </a:cubicBezTo>
+                    <a:cubicBezTo>
+                      <a:pt x="67" y="29"/>
+                      <a:pt x="69" y="31"/>
+                      <a:pt x="70" y="33"/>
+                    </a:cubicBezTo>
+                    <a:cubicBezTo>
+                      <a:pt x="71" y="33"/>
+                      <a:pt x="71" y="34"/>
+                      <a:pt x="71" y="34"/>
+                    </a:cubicBezTo>
+                    <a:cubicBezTo>
+                      <a:pt x="72" y="35"/>
+                      <a:pt x="73" y="37"/>
+                      <a:pt x="75" y="38"/>
+                    </a:cubicBezTo>
+                    <a:cubicBezTo>
+                      <a:pt x="75" y="39"/>
+                      <a:pt x="75" y="39"/>
+                      <a:pt x="76" y="40"/>
+                    </a:cubicBezTo>
+                    <a:cubicBezTo>
+                      <a:pt x="76" y="40"/>
+                      <a:pt x="76" y="40"/>
+                      <a:pt x="77" y="41"/>
+                    </a:cubicBezTo>
+                    <a:cubicBezTo>
+                      <a:pt x="77" y="41"/>
+                      <a:pt x="77" y="42"/>
+                      <a:pt x="78" y="43"/>
+                    </a:cubicBezTo>
+                    <a:cubicBezTo>
+                      <a:pt x="79" y="44"/>
+                      <a:pt x="80" y="46"/>
+                      <a:pt x="81" y="47"/>
+                    </a:cubicBezTo>
+                    <a:cubicBezTo>
+                      <a:pt x="81" y="47"/>
+                      <a:pt x="81" y="48"/>
+                      <a:pt x="81" y="48"/>
+                    </a:cubicBezTo>
+                    <a:cubicBezTo>
+                      <a:pt x="81" y="48"/>
+                      <a:pt x="81" y="48"/>
+                      <a:pt x="81" y="48"/>
+                    </a:cubicBezTo>
+                    <a:cubicBezTo>
+                      <a:pt x="81" y="48"/>
+                      <a:pt x="81" y="48"/>
+                      <a:pt x="81" y="48"/>
+                    </a:cubicBezTo>
+                    <a:cubicBezTo>
+                      <a:pt x="83" y="52"/>
+                      <a:pt x="85" y="55"/>
+                      <a:pt x="86" y="59"/>
+                    </a:cubicBezTo>
+                    <a:cubicBezTo>
+                      <a:pt x="86" y="59"/>
+                      <a:pt x="86" y="59"/>
+                      <a:pt x="86" y="59"/>
+                    </a:cubicBezTo>
+                    <a:cubicBezTo>
+                      <a:pt x="91" y="70"/>
+                      <a:pt x="94" y="83"/>
+                      <a:pt x="96" y="95"/>
+                    </a:cubicBezTo>
+                    <a:cubicBezTo>
+                      <a:pt x="96" y="96"/>
+                      <a:pt x="96" y="97"/>
+                      <a:pt x="96" y="98"/>
+                    </a:cubicBezTo>
+                    <a:cubicBezTo>
+                      <a:pt x="99" y="121"/>
+                      <a:pt x="101" y="145"/>
+                      <a:pt x="111" y="166"/>
+                    </a:cubicBezTo>
+                    <a:cubicBezTo>
+                      <a:pt x="127" y="199"/>
+                      <a:pt x="155" y="216"/>
+                      <a:pt x="192" y="216"/>
+                    </a:cubicBezTo>
+                    <a:cubicBezTo>
+                      <a:pt x="192" y="216"/>
+                      <a:pt x="356" y="216"/>
+                      <a:pt x="356" y="216"/>
+                    </a:cubicBezTo>
+                    <a:cubicBezTo>
+                      <a:pt x="356" y="216"/>
+                      <a:pt x="357" y="216"/>
+                      <a:pt x="359" y="216"/>
+                    </a:cubicBezTo>
+                    <a:cubicBezTo>
+                      <a:pt x="359" y="216"/>
+                      <a:pt x="359" y="216"/>
+                      <a:pt x="359" y="216"/>
+                    </a:cubicBezTo>
+                    <a:cubicBezTo>
+                      <a:pt x="361" y="216"/>
+                      <a:pt x="362" y="216"/>
+                      <a:pt x="362" y="216"/>
+                    </a:cubicBezTo>
+                    <a:cubicBezTo>
+                      <a:pt x="362" y="216"/>
+                      <a:pt x="526" y="216"/>
+                      <a:pt x="526" y="216"/>
+                    </a:cubicBezTo>
+                    <a:cubicBezTo>
+                      <a:pt x="563" y="216"/>
+                      <a:pt x="591" y="199"/>
+                      <a:pt x="607" y="166"/>
+                    </a:cubicBezTo>
+                    <a:cubicBezTo>
+                      <a:pt x="618" y="145"/>
+                      <a:pt x="619" y="121"/>
+                      <a:pt x="622" y="98"/>
+                    </a:cubicBezTo>
+                    <a:cubicBezTo>
+                      <a:pt x="622" y="98"/>
+                      <a:pt x="622" y="97"/>
+                      <a:pt x="622" y="96"/>
+                    </a:cubicBezTo>
+                    <a:cubicBezTo>
+                      <a:pt x="624" y="83"/>
+                      <a:pt x="627" y="71"/>
+                      <a:pt x="632" y="59"/>
+                    </a:cubicBezTo>
+                    <a:cubicBezTo>
+                      <a:pt x="633" y="55"/>
+                      <a:pt x="635" y="51"/>
+                      <a:pt x="637" y="48"/>
+                    </a:cubicBezTo>
+                    <a:cubicBezTo>
+                      <a:pt x="642" y="40"/>
+                      <a:pt x="647" y="33"/>
+                      <a:pt x="654" y="27"/>
+                    </a:cubicBezTo>
+                    <a:cubicBezTo>
+                      <a:pt x="654" y="26"/>
+                      <a:pt x="655" y="25"/>
+                      <a:pt x="656" y="25"/>
+                    </a:cubicBezTo>
+                    <a:cubicBezTo>
+                      <a:pt x="657" y="24"/>
+                      <a:pt x="658" y="23"/>
+                      <a:pt x="659" y="22"/>
+                    </a:cubicBezTo>
+                    <a:cubicBezTo>
+                      <a:pt x="660" y="21"/>
+                      <a:pt x="661" y="20"/>
+                      <a:pt x="662" y="19"/>
+                    </a:cubicBezTo>
+                    <a:cubicBezTo>
+                      <a:pt x="663" y="19"/>
+                      <a:pt x="664" y="18"/>
+                      <a:pt x="665" y="17"/>
+                    </a:cubicBezTo>
+                    <a:cubicBezTo>
+                      <a:pt x="667" y="16"/>
+                      <a:pt x="668" y="15"/>
+                      <a:pt x="669" y="14"/>
+                    </a:cubicBezTo>
+                    <a:cubicBezTo>
+                      <a:pt x="670" y="14"/>
+                      <a:pt x="671" y="13"/>
+                      <a:pt x="672" y="13"/>
+                    </a:cubicBezTo>
+                    <a:cubicBezTo>
+                      <a:pt x="674" y="12"/>
+                      <a:pt x="676" y="10"/>
+                      <a:pt x="679" y="9"/>
+                    </a:cubicBezTo>
+                    <a:cubicBezTo>
+                      <a:pt x="691" y="4"/>
+                      <a:pt x="705" y="0"/>
+                      <a:pt x="719" y="0"/>
+                    </a:cubicBezTo>
+                    <a:cubicBezTo>
+                      <a:pt x="718" y="0"/>
+                      <a:pt x="717" y="0"/>
+                      <a:pt x="716" y="0"/>
+                    </a:cubicBezTo>
+                    <a:close/>
+                  </a:path>
+                </a:pathLst>
+              </a:custGeom>
+              <a:solidFill>
+                <a:schemeClr val="tx2"/>
+              </a:solidFill>
+              <a:ln>
+                <a:noFill/>
+              </a:ln>
+            </p:spPr>
+            <p:txBody>
+              <a:bodyPr vert="horz" wrap="square" lIns="91440" tIns="45720" rIns="91440" bIns="45720" anchor="ctr" anchorCtr="1" compatLnSpc="1">
+                <a:prstTxWarp prst="textNoShape">
+                  <a:avLst/>
+                </a:prstTxWarp>
+                <a:normAutofit/>
+              </a:bodyPr>
+              <a:lstStyle/>
+              <a:p>
+                <a:pPr algn="ctr"/>
+                <a:r>
+                  <a:rPr lang="en-US" altLang="zh-CN" sz="1600" b="1" dirty="0"/>
+                  <a:t>NESTED</a:t>
+                </a:r>
+                <a:endParaRPr lang="zh-CN" altLang="en-US" sz="1600" b="1" dirty="0"/>
+              </a:p>
+            </p:txBody>
+          </p:sp>
+        </p:grpSp>
+      </p:grpSp>
+      <p:sp>
+        <p:nvSpPr>
+          <p:cNvPr id="62" name="ïSḷïḓé">
+            <a:extLst>
+              <a:ext uri="{FF2B5EF4-FFF2-40B4-BE49-F238E27FC236}">
+                <a16:creationId xmlns:a16="http://schemas.microsoft.com/office/drawing/2014/main" id="{39340196-E1AA-4B49-976A-BF366BB2B662}"/>
+              </a:ext>
+            </a:extLst>
+          </p:cNvPr>
+          <p:cNvSpPr/>
+          <p:nvPr/>
+        </p:nvSpPr>
+        <p:spPr bwMode="auto">
+          <a:xfrm>
+            <a:off x="3748745" y="2536906"/>
+            <a:ext cx="1979811" cy="903331"/>
+          </a:xfrm>
+          <a:prstGeom prst="rect">
+            <a:avLst/>
+          </a:prstGeom>
+          <a:noFill/>
+          <a:ln>
+            <a:noFill/>
+          </a:ln>
+          <a:extLst>
+            <a:ext uri="{909E8E84-426E-40DD-AFC4-6F175D3DCCD1}">
+              <a14:hiddenFill xmlns:a14="http://schemas.microsoft.com/office/drawing/2010/main">
+                <a:solidFill>
+                  <a:srgbClr val="FFFFFF"/>
+                </a:solidFill>
+              </a14:hiddenFill>
+            </a:ext>
+            <a:ext uri="{91240B29-F687-4F45-9708-019B960494DF}">
+              <a14:hiddenLine xmlns:a14="http://schemas.microsoft.com/office/drawing/2010/main" w="9525">
+                <a:solidFill>
+                  <a:srgbClr val="000000"/>
+                </a:solidFill>
+                <a:miter lim="800000"/>
+                <a:headEnd/>
+                <a:tailEnd/>
+              </a14:hiddenLine>
+            </a:ext>
+          </a:extLst>
+        </p:spPr>
+        <p:txBody>
+          <a:bodyPr wrap="square" lIns="91440" tIns="45720" rIns="91440" bIns="45720" anchor="t" anchorCtr="0">
+            <a:normAutofit/>
+          </a:bodyPr>
+          <a:lstStyle>
+            <a:defPPr>
+              <a:defRPr lang="zh-CN"/>
+            </a:defPPr>
+            <a:lvl1pPr marL="0" algn="l" defTabSz="914377" rtl="0" eaLnBrk="1" latinLnBrk="0" hangingPunct="1">
+              <a:defRPr sz="1800" kern="1200">
+                <a:solidFill>
+                  <a:schemeClr val="tx1"/>
+                </a:solidFill>
+              </a:defRPr>
+            </a:lvl1pPr>
+            <a:lvl2pPr marL="457189" algn="l" defTabSz="914377" rtl="0" eaLnBrk="1" latinLnBrk="0" hangingPunct="1">
+              <a:defRPr sz="1800" kern="1200">
+                <a:solidFill>
+                  <a:schemeClr val="tx1"/>
+                </a:solidFill>
+              </a:defRPr>
+            </a:lvl2pPr>
+            <a:lvl3pPr marL="914377" algn="l" defTabSz="914377" rtl="0" eaLnBrk="1" latinLnBrk="0" hangingPunct="1">
+              <a:defRPr sz="1800" kern="1200">
+                <a:solidFill>
+                  <a:schemeClr val="tx1"/>
+                </a:solidFill>
+              </a:defRPr>
+            </a:lvl3pPr>
+            <a:lvl4pPr marL="1371566" algn="l" defTabSz="914377" rtl="0" eaLnBrk="1" latinLnBrk="0" hangingPunct="1">
+              <a:defRPr sz="1800" kern="1200">
+                <a:solidFill>
+                  <a:schemeClr val="tx1"/>
+                </a:solidFill>
+              </a:defRPr>
+            </a:lvl4pPr>
+            <a:lvl5pPr marL="1828754" algn="l" defTabSz="914377" rtl="0" eaLnBrk="1" latinLnBrk="0" hangingPunct="1">
+              <a:defRPr sz="1800" kern="1200">
+                <a:solidFill>
+                  <a:schemeClr val="tx1"/>
+                </a:solidFill>
+              </a:defRPr>
+            </a:lvl5pPr>
+            <a:lvl6pPr marL="2285943" algn="l" defTabSz="914377" rtl="0" eaLnBrk="1" latinLnBrk="0" hangingPunct="1">
+              <a:defRPr sz="1800" kern="1200">
+                <a:solidFill>
+                  <a:schemeClr val="tx1"/>
+                </a:solidFill>
+              </a:defRPr>
+            </a:lvl6pPr>
+            <a:lvl7pPr marL="2743131" algn="l" defTabSz="914377" rtl="0" eaLnBrk="1" latinLnBrk="0" hangingPunct="1">
+              <a:defRPr sz="1800" kern="1200">
+                <a:solidFill>
+                  <a:schemeClr val="tx1"/>
+                </a:solidFill>
+              </a:defRPr>
+            </a:lvl7pPr>
+            <a:lvl8pPr marL="3200320" algn="l" defTabSz="914377" rtl="0" eaLnBrk="1" latinLnBrk="0" hangingPunct="1">
+              <a:defRPr sz="1800" kern="1200">
+                <a:solidFill>
+                  <a:schemeClr val="tx1"/>
+                </a:solidFill>
+              </a:defRPr>
+            </a:lvl8pPr>
+            <a:lvl9pPr marL="3657509" algn="l" defTabSz="914377" rtl="0" eaLnBrk="1" latinLnBrk="0" hangingPunct="1">
+              <a:defRPr sz="1800" kern="1200">
+                <a:solidFill>
+                  <a:schemeClr val="tx1"/>
+                </a:solidFill>
+              </a:defRPr>
+            </a:lvl9pPr>
+          </a:lstStyle>
+          <a:p>
+            <a:pPr algn="ctr">
+              <a:lnSpc>
+                <a:spcPct val="130000"/>
+              </a:lnSpc>
+            </a:pPr>
+            <a:r>
+              <a:rPr lang="zh-CN" altLang="en-US" sz="1100" dirty="0"/>
+              <a:t>声明方法不需要</a:t>
+            </a:r>
+            <a:r>
+              <a:rPr lang="zh-CN" altLang="en-US" sz="1100" dirty="0"/>
+              <a:t>事务</a:t>
+            </a:r>
+            <a:r>
+              <a:rPr lang="en-US" altLang="zh-CN" sz="1100" dirty="0"/>
+              <a:t>,</a:t>
+            </a:r>
+            <a:r>
+              <a:rPr lang="zh-CN" altLang="en-US" sz="1100" dirty="0"/>
+              <a:t>如果</a:t>
+            </a:r>
+            <a:r>
+              <a:rPr lang="zh-CN" altLang="en-US" sz="1100" dirty="0" smtClean="0"/>
+              <a:t>有将事务挂起</a:t>
+            </a:r>
+            <a:endParaRPr lang="en-US" altLang="zh-CN" sz="1100" dirty="0"/>
+          </a:p>
+        </p:txBody>
+      </p:sp>
+      <p:sp>
+        <p:nvSpPr>
+          <p:cNvPr id="63" name="ïSḷïḓé">
+            <a:extLst>
+              <a:ext uri="{FF2B5EF4-FFF2-40B4-BE49-F238E27FC236}">
+                <a16:creationId xmlns:a16="http://schemas.microsoft.com/office/drawing/2014/main" id="{39340196-E1AA-4B49-976A-BF366BB2B662}"/>
+              </a:ext>
+            </a:extLst>
+          </p:cNvPr>
+          <p:cNvSpPr/>
+          <p:nvPr/>
+        </p:nvSpPr>
+        <p:spPr bwMode="auto">
+          <a:xfrm>
+            <a:off x="6386655" y="2527359"/>
+            <a:ext cx="1979811" cy="903331"/>
+          </a:xfrm>
+          <a:prstGeom prst="rect">
+            <a:avLst/>
+          </a:prstGeom>
+          <a:noFill/>
+          <a:ln>
+            <a:noFill/>
+          </a:ln>
+          <a:extLst>
+            <a:ext uri="{909E8E84-426E-40DD-AFC4-6F175D3DCCD1}">
+              <a14:hiddenFill xmlns:a14="http://schemas.microsoft.com/office/drawing/2010/main">
+                <a:solidFill>
+                  <a:srgbClr val="FFFFFF"/>
+                </a:solidFill>
+              </a14:hiddenFill>
+            </a:ext>
+            <a:ext uri="{91240B29-F687-4F45-9708-019B960494DF}">
+              <a14:hiddenLine xmlns:a14="http://schemas.microsoft.com/office/drawing/2010/main" w="9525">
+                <a:solidFill>
+                  <a:srgbClr val="000000"/>
+                </a:solidFill>
+                <a:miter lim="800000"/>
+                <a:headEnd/>
+                <a:tailEnd/>
+              </a14:hiddenLine>
+            </a:ext>
+          </a:extLst>
+        </p:spPr>
+        <p:txBody>
+          <a:bodyPr wrap="square" lIns="91440" tIns="45720" rIns="91440" bIns="45720" anchor="t" anchorCtr="0">
+            <a:normAutofit fontScale="55000" lnSpcReduction="20000"/>
+          </a:bodyPr>
+          <a:lstStyle>
+            <a:defPPr>
+              <a:defRPr lang="zh-CN"/>
+            </a:defPPr>
+            <a:lvl1pPr marL="0" algn="l" defTabSz="914377" rtl="0" eaLnBrk="1" latinLnBrk="0" hangingPunct="1">
+              <a:defRPr sz="1800" kern="1200">
+                <a:solidFill>
+                  <a:schemeClr val="tx1"/>
+                </a:solidFill>
+              </a:defRPr>
+            </a:lvl1pPr>
+            <a:lvl2pPr marL="457189" algn="l" defTabSz="914377" rtl="0" eaLnBrk="1" latinLnBrk="0" hangingPunct="1">
+              <a:defRPr sz="1800" kern="1200">
+                <a:solidFill>
+                  <a:schemeClr val="tx1"/>
+                </a:solidFill>
+              </a:defRPr>
+            </a:lvl2pPr>
+            <a:lvl3pPr marL="914377" algn="l" defTabSz="914377" rtl="0" eaLnBrk="1" latinLnBrk="0" hangingPunct="1">
+              <a:defRPr sz="1800" kern="1200">
+                <a:solidFill>
+                  <a:schemeClr val="tx1"/>
+                </a:solidFill>
+              </a:defRPr>
+            </a:lvl3pPr>
+            <a:lvl4pPr marL="1371566" algn="l" defTabSz="914377" rtl="0" eaLnBrk="1" latinLnBrk="0" hangingPunct="1">
+              <a:defRPr sz="1800" kern="1200">
+                <a:solidFill>
+                  <a:schemeClr val="tx1"/>
+                </a:solidFill>
+              </a:defRPr>
+            </a:lvl4pPr>
+            <a:lvl5pPr marL="1828754" algn="l" defTabSz="914377" rtl="0" eaLnBrk="1" latinLnBrk="0" hangingPunct="1">
+              <a:defRPr sz="1800" kern="1200">
+                <a:solidFill>
+                  <a:schemeClr val="tx1"/>
+                </a:solidFill>
+              </a:defRPr>
+            </a:lvl5pPr>
+            <a:lvl6pPr marL="2285943" algn="l" defTabSz="914377" rtl="0" eaLnBrk="1" latinLnBrk="0" hangingPunct="1">
+              <a:defRPr sz="1800" kern="1200">
+                <a:solidFill>
+                  <a:schemeClr val="tx1"/>
+                </a:solidFill>
+              </a:defRPr>
+            </a:lvl6pPr>
+            <a:lvl7pPr marL="2743131" algn="l" defTabSz="914377" rtl="0" eaLnBrk="1" latinLnBrk="0" hangingPunct="1">
+              <a:defRPr sz="1800" kern="1200">
+                <a:solidFill>
+                  <a:schemeClr val="tx1"/>
+                </a:solidFill>
+              </a:defRPr>
+            </a:lvl7pPr>
+            <a:lvl8pPr marL="3200320" algn="l" defTabSz="914377" rtl="0" eaLnBrk="1" latinLnBrk="0" hangingPunct="1">
+              <a:defRPr sz="1800" kern="1200">
+                <a:solidFill>
+                  <a:schemeClr val="tx1"/>
+                </a:solidFill>
+              </a:defRPr>
+            </a:lvl8pPr>
+            <a:lvl9pPr marL="3657509" algn="l" defTabSz="914377" rtl="0" eaLnBrk="1" latinLnBrk="0" hangingPunct="1">
+              <a:defRPr sz="1800" kern="1200">
+                <a:solidFill>
+                  <a:schemeClr val="tx1"/>
+                </a:solidFill>
+              </a:defRPr>
+            </a:lvl9pPr>
+          </a:lstStyle>
+          <a:p>
+            <a:pPr algn="ctr">
+              <a:lnSpc>
+                <a:spcPct val="130000"/>
+              </a:lnSpc>
+            </a:pPr>
+            <a:r>
+              <a:rPr lang="zh-CN" altLang="en-US" dirty="0"/>
+              <a:t>不管是否存在事务，该方法总汇为自己发起一个新的事务。如果方法已经运行在一个事务中，则原有事务挂起，新的事务被创建</a:t>
+            </a:r>
+            <a:endParaRPr lang="en-US" altLang="zh-CN" sz="1100" dirty="0"/>
+          </a:p>
+        </p:txBody>
+      </p:sp>
+      <p:sp>
+        <p:nvSpPr>
+          <p:cNvPr id="64" name="ïSḷïḓé">
+            <a:extLst>
+              <a:ext uri="{FF2B5EF4-FFF2-40B4-BE49-F238E27FC236}">
+                <a16:creationId xmlns:a16="http://schemas.microsoft.com/office/drawing/2014/main" id="{39340196-E1AA-4B49-976A-BF366BB2B662}"/>
+              </a:ext>
+            </a:extLst>
+          </p:cNvPr>
+          <p:cNvSpPr/>
+          <p:nvPr/>
+        </p:nvSpPr>
+        <p:spPr bwMode="auto">
+          <a:xfrm>
+            <a:off x="8947776" y="2585653"/>
+            <a:ext cx="1979811" cy="903331"/>
+          </a:xfrm>
+          <a:prstGeom prst="rect">
+            <a:avLst/>
+          </a:prstGeom>
+          <a:noFill/>
+          <a:ln>
+            <a:noFill/>
+          </a:ln>
+          <a:extLst>
+            <a:ext uri="{909E8E84-426E-40DD-AFC4-6F175D3DCCD1}">
+              <a14:hiddenFill xmlns:a14="http://schemas.microsoft.com/office/drawing/2010/main">
+                <a:solidFill>
+                  <a:srgbClr val="FFFFFF"/>
+                </a:solidFill>
+              </a14:hiddenFill>
+            </a:ext>
+            <a:ext uri="{91240B29-F687-4F45-9708-019B960494DF}">
+              <a14:hiddenLine xmlns:a14="http://schemas.microsoft.com/office/drawing/2010/main" w="9525">
+                <a:solidFill>
+                  <a:srgbClr val="000000"/>
+                </a:solidFill>
+                <a:miter lim="800000"/>
+                <a:headEnd/>
+                <a:tailEnd/>
+              </a14:hiddenLine>
+            </a:ext>
+          </a:extLst>
+        </p:spPr>
+        <p:txBody>
+          <a:bodyPr wrap="square" lIns="91440" tIns="45720" rIns="91440" bIns="45720" anchor="t" anchorCtr="0">
+            <a:normAutofit fontScale="62500" lnSpcReduction="20000"/>
+          </a:bodyPr>
+          <a:lstStyle>
+            <a:defPPr>
+              <a:defRPr lang="zh-CN"/>
+            </a:defPPr>
+            <a:lvl1pPr marL="0" algn="l" defTabSz="914377" rtl="0" eaLnBrk="1" latinLnBrk="0" hangingPunct="1">
+              <a:defRPr sz="1800" kern="1200">
+                <a:solidFill>
+                  <a:schemeClr val="tx1"/>
+                </a:solidFill>
+              </a:defRPr>
+            </a:lvl1pPr>
+            <a:lvl2pPr marL="457189" algn="l" defTabSz="914377" rtl="0" eaLnBrk="1" latinLnBrk="0" hangingPunct="1">
+              <a:defRPr sz="1800" kern="1200">
+                <a:solidFill>
+                  <a:schemeClr val="tx1"/>
+                </a:solidFill>
+              </a:defRPr>
+            </a:lvl2pPr>
+            <a:lvl3pPr marL="914377" algn="l" defTabSz="914377" rtl="0" eaLnBrk="1" latinLnBrk="0" hangingPunct="1">
+              <a:defRPr sz="1800" kern="1200">
+                <a:solidFill>
+                  <a:schemeClr val="tx1"/>
+                </a:solidFill>
+              </a:defRPr>
+            </a:lvl3pPr>
+            <a:lvl4pPr marL="1371566" algn="l" defTabSz="914377" rtl="0" eaLnBrk="1" latinLnBrk="0" hangingPunct="1">
+              <a:defRPr sz="1800" kern="1200">
+                <a:solidFill>
+                  <a:schemeClr val="tx1"/>
+                </a:solidFill>
+              </a:defRPr>
+            </a:lvl4pPr>
+            <a:lvl5pPr marL="1828754" algn="l" defTabSz="914377" rtl="0" eaLnBrk="1" latinLnBrk="0" hangingPunct="1">
+              <a:defRPr sz="1800" kern="1200">
+                <a:solidFill>
+                  <a:schemeClr val="tx1"/>
+                </a:solidFill>
+              </a:defRPr>
+            </a:lvl5pPr>
+            <a:lvl6pPr marL="2285943" algn="l" defTabSz="914377" rtl="0" eaLnBrk="1" latinLnBrk="0" hangingPunct="1">
+              <a:defRPr sz="1800" kern="1200">
+                <a:solidFill>
+                  <a:schemeClr val="tx1"/>
+                </a:solidFill>
+              </a:defRPr>
+            </a:lvl6pPr>
+            <a:lvl7pPr marL="2743131" algn="l" defTabSz="914377" rtl="0" eaLnBrk="1" latinLnBrk="0" hangingPunct="1">
+              <a:defRPr sz="1800" kern="1200">
+                <a:solidFill>
+                  <a:schemeClr val="tx1"/>
+                </a:solidFill>
+              </a:defRPr>
+            </a:lvl7pPr>
+            <a:lvl8pPr marL="3200320" algn="l" defTabSz="914377" rtl="0" eaLnBrk="1" latinLnBrk="0" hangingPunct="1">
+              <a:defRPr sz="1800" kern="1200">
+                <a:solidFill>
+                  <a:schemeClr val="tx1"/>
+                </a:solidFill>
+              </a:defRPr>
+            </a:lvl8pPr>
+            <a:lvl9pPr marL="3657509" algn="l" defTabSz="914377" rtl="0" eaLnBrk="1" latinLnBrk="0" hangingPunct="1">
+              <a:defRPr sz="1800" kern="1200">
+                <a:solidFill>
+                  <a:schemeClr val="tx1"/>
+                </a:solidFill>
+              </a:defRPr>
+            </a:lvl9pPr>
+          </a:lstStyle>
+          <a:p>
+            <a:pPr algn="ctr">
+              <a:lnSpc>
+                <a:spcPct val="130000"/>
+              </a:lnSpc>
+            </a:pPr>
+            <a:r>
+              <a:rPr lang="zh-CN" altLang="en-US" dirty="0"/>
+              <a:t>该方法只能在一个已经存在的事务中执行，业务方法不能发起自己的</a:t>
+            </a:r>
+            <a:r>
+              <a:rPr lang="zh-CN" altLang="en-US" dirty="0" smtClean="0"/>
+              <a:t>事务，没有事务抛异常</a:t>
+            </a:r>
+            <a:endParaRPr lang="en-US" altLang="zh-CN" sz="1100" dirty="0"/>
+          </a:p>
+        </p:txBody>
+      </p:sp>
+      <p:sp>
+        <p:nvSpPr>
+          <p:cNvPr id="65" name="ïSḷïḓé">
+            <a:extLst>
+              <a:ext uri="{FF2B5EF4-FFF2-40B4-BE49-F238E27FC236}">
+                <a16:creationId xmlns:a16="http://schemas.microsoft.com/office/drawing/2014/main" id="{39340196-E1AA-4B49-976A-BF366BB2B662}"/>
+              </a:ext>
+            </a:extLst>
+          </p:cNvPr>
+          <p:cNvSpPr/>
+          <p:nvPr/>
+        </p:nvSpPr>
+        <p:spPr bwMode="auto">
+          <a:xfrm>
+            <a:off x="2510373" y="4961426"/>
+            <a:ext cx="1979811" cy="903331"/>
+          </a:xfrm>
+          <a:prstGeom prst="rect">
+            <a:avLst/>
+          </a:prstGeom>
+          <a:noFill/>
+          <a:ln>
+            <a:noFill/>
+          </a:ln>
+          <a:extLst>
+            <a:ext uri="{909E8E84-426E-40DD-AFC4-6F175D3DCCD1}">
+              <a14:hiddenFill xmlns:a14="http://schemas.microsoft.com/office/drawing/2010/main">
+                <a:solidFill>
+                  <a:srgbClr val="FFFFFF"/>
+                </a:solidFill>
+              </a14:hiddenFill>
+            </a:ext>
+            <a:ext uri="{91240B29-F687-4F45-9708-019B960494DF}">
+              <a14:hiddenLine xmlns:a14="http://schemas.microsoft.com/office/drawing/2010/main" w="9525">
+                <a:solidFill>
+                  <a:srgbClr val="000000"/>
+                </a:solidFill>
+                <a:miter lim="800000"/>
+                <a:headEnd/>
+                <a:tailEnd/>
+              </a14:hiddenLine>
+            </a:ext>
+          </a:extLst>
+        </p:spPr>
+        <p:txBody>
+          <a:bodyPr wrap="square" lIns="91440" tIns="45720" rIns="91440" bIns="45720" anchor="t" anchorCtr="0">
+            <a:normAutofit fontScale="62500" lnSpcReduction="20000"/>
+          </a:bodyPr>
+          <a:lstStyle>
+            <a:defPPr>
+              <a:defRPr lang="zh-CN"/>
+            </a:defPPr>
+            <a:lvl1pPr marL="0" algn="l" defTabSz="914377" rtl="0" eaLnBrk="1" latinLnBrk="0" hangingPunct="1">
+              <a:defRPr sz="1800" kern="1200">
+                <a:solidFill>
+                  <a:schemeClr val="tx1"/>
+                </a:solidFill>
+              </a:defRPr>
+            </a:lvl1pPr>
+            <a:lvl2pPr marL="457189" algn="l" defTabSz="914377" rtl="0" eaLnBrk="1" latinLnBrk="0" hangingPunct="1">
+              <a:defRPr sz="1800" kern="1200">
+                <a:solidFill>
+                  <a:schemeClr val="tx1"/>
+                </a:solidFill>
+              </a:defRPr>
+            </a:lvl2pPr>
+            <a:lvl3pPr marL="914377" algn="l" defTabSz="914377" rtl="0" eaLnBrk="1" latinLnBrk="0" hangingPunct="1">
+              <a:defRPr sz="1800" kern="1200">
+                <a:solidFill>
+                  <a:schemeClr val="tx1"/>
+                </a:solidFill>
+              </a:defRPr>
+            </a:lvl3pPr>
+            <a:lvl4pPr marL="1371566" algn="l" defTabSz="914377" rtl="0" eaLnBrk="1" latinLnBrk="0" hangingPunct="1">
+              <a:defRPr sz="1800" kern="1200">
+                <a:solidFill>
+                  <a:schemeClr val="tx1"/>
+                </a:solidFill>
+              </a:defRPr>
+            </a:lvl4pPr>
+            <a:lvl5pPr marL="1828754" algn="l" defTabSz="914377" rtl="0" eaLnBrk="1" latinLnBrk="0" hangingPunct="1">
+              <a:defRPr sz="1800" kern="1200">
+                <a:solidFill>
+                  <a:schemeClr val="tx1"/>
+                </a:solidFill>
+              </a:defRPr>
+            </a:lvl5pPr>
+            <a:lvl6pPr marL="2285943" algn="l" defTabSz="914377" rtl="0" eaLnBrk="1" latinLnBrk="0" hangingPunct="1">
+              <a:defRPr sz="1800" kern="1200">
+                <a:solidFill>
+                  <a:schemeClr val="tx1"/>
+                </a:solidFill>
+              </a:defRPr>
+            </a:lvl6pPr>
+            <a:lvl7pPr marL="2743131" algn="l" defTabSz="914377" rtl="0" eaLnBrk="1" latinLnBrk="0" hangingPunct="1">
+              <a:defRPr sz="1800" kern="1200">
+                <a:solidFill>
+                  <a:schemeClr val="tx1"/>
+                </a:solidFill>
+              </a:defRPr>
+            </a:lvl7pPr>
+            <a:lvl8pPr marL="3200320" algn="l" defTabSz="914377" rtl="0" eaLnBrk="1" latinLnBrk="0" hangingPunct="1">
+              <a:defRPr sz="1800" kern="1200">
+                <a:solidFill>
+                  <a:schemeClr val="tx1"/>
+                </a:solidFill>
+              </a:defRPr>
+            </a:lvl8pPr>
+            <a:lvl9pPr marL="3657509" algn="l" defTabSz="914377" rtl="0" eaLnBrk="1" latinLnBrk="0" hangingPunct="1">
+              <a:defRPr sz="1800" kern="1200">
+                <a:solidFill>
+                  <a:schemeClr val="tx1"/>
+                </a:solidFill>
+              </a:defRPr>
+            </a:lvl9pPr>
+          </a:lstStyle>
+          <a:p>
+            <a:pPr algn="ctr">
+              <a:lnSpc>
+                <a:spcPct val="130000"/>
+              </a:lnSpc>
+            </a:pPr>
+            <a:r>
+              <a:rPr lang="zh-CN" altLang="en-US" dirty="0"/>
+              <a:t>表示当前方法不需要事务上下文，但是如果存在当前事务的话，那么该方法会在这个事务中</a:t>
+            </a:r>
+            <a:r>
+              <a:rPr lang="zh-CN" altLang="en-US" dirty="0" smtClean="0"/>
+              <a:t>运行</a:t>
+            </a:r>
+            <a:endParaRPr lang="en-US" altLang="zh-CN" sz="1100" dirty="0"/>
+          </a:p>
+        </p:txBody>
+      </p:sp>
+      <p:sp>
+        <p:nvSpPr>
+          <p:cNvPr id="66" name="ïSḷïḓé">
+            <a:extLst>
+              <a:ext uri="{FF2B5EF4-FFF2-40B4-BE49-F238E27FC236}">
+                <a16:creationId xmlns:a16="http://schemas.microsoft.com/office/drawing/2014/main" id="{39340196-E1AA-4B49-976A-BF366BB2B662}"/>
+              </a:ext>
+            </a:extLst>
+          </p:cNvPr>
+          <p:cNvSpPr/>
+          <p:nvPr/>
+        </p:nvSpPr>
+        <p:spPr bwMode="auto">
+          <a:xfrm>
+            <a:off x="5106094" y="4961426"/>
+            <a:ext cx="1979811" cy="903331"/>
+          </a:xfrm>
+          <a:prstGeom prst="rect">
+            <a:avLst/>
+          </a:prstGeom>
+          <a:noFill/>
+          <a:ln>
+            <a:noFill/>
+          </a:ln>
+          <a:extLst>
+            <a:ext uri="{909E8E84-426E-40DD-AFC4-6F175D3DCCD1}">
+              <a14:hiddenFill xmlns:a14="http://schemas.microsoft.com/office/drawing/2010/main">
+                <a:solidFill>
+                  <a:srgbClr val="FFFFFF"/>
+                </a:solidFill>
+              </a14:hiddenFill>
+            </a:ext>
+            <a:ext uri="{91240B29-F687-4F45-9708-019B960494DF}">
+              <a14:hiddenLine xmlns:a14="http://schemas.microsoft.com/office/drawing/2010/main" w="9525">
+                <a:solidFill>
+                  <a:srgbClr val="000000"/>
+                </a:solidFill>
+                <a:miter lim="800000"/>
+                <a:headEnd/>
+                <a:tailEnd/>
+              </a14:hiddenLine>
+            </a:ext>
+          </a:extLst>
+        </p:spPr>
+        <p:txBody>
+          <a:bodyPr wrap="square" lIns="91440" tIns="45720" rIns="91440" bIns="45720" anchor="t" anchorCtr="0">
+            <a:normAutofit fontScale="62500" lnSpcReduction="20000"/>
+          </a:bodyPr>
+          <a:lstStyle>
+            <a:defPPr>
+              <a:defRPr lang="zh-CN"/>
+            </a:defPPr>
+            <a:lvl1pPr marL="0" algn="l" defTabSz="914377" rtl="0" eaLnBrk="1" latinLnBrk="0" hangingPunct="1">
+              <a:defRPr sz="1800" kern="1200">
+                <a:solidFill>
+                  <a:schemeClr val="tx1"/>
+                </a:solidFill>
+              </a:defRPr>
+            </a:lvl1pPr>
+            <a:lvl2pPr marL="457189" algn="l" defTabSz="914377" rtl="0" eaLnBrk="1" latinLnBrk="0" hangingPunct="1">
+              <a:defRPr sz="1800" kern="1200">
+                <a:solidFill>
+                  <a:schemeClr val="tx1"/>
+                </a:solidFill>
+              </a:defRPr>
+            </a:lvl2pPr>
+            <a:lvl3pPr marL="914377" algn="l" defTabSz="914377" rtl="0" eaLnBrk="1" latinLnBrk="0" hangingPunct="1">
+              <a:defRPr sz="1800" kern="1200">
+                <a:solidFill>
+                  <a:schemeClr val="tx1"/>
+                </a:solidFill>
+              </a:defRPr>
+            </a:lvl3pPr>
+            <a:lvl4pPr marL="1371566" algn="l" defTabSz="914377" rtl="0" eaLnBrk="1" latinLnBrk="0" hangingPunct="1">
+              <a:defRPr sz="1800" kern="1200">
+                <a:solidFill>
+                  <a:schemeClr val="tx1"/>
+                </a:solidFill>
+              </a:defRPr>
+            </a:lvl4pPr>
+            <a:lvl5pPr marL="1828754" algn="l" defTabSz="914377" rtl="0" eaLnBrk="1" latinLnBrk="0" hangingPunct="1">
+              <a:defRPr sz="1800" kern="1200">
+                <a:solidFill>
+                  <a:schemeClr val="tx1"/>
+                </a:solidFill>
+              </a:defRPr>
+            </a:lvl5pPr>
+            <a:lvl6pPr marL="2285943" algn="l" defTabSz="914377" rtl="0" eaLnBrk="1" latinLnBrk="0" hangingPunct="1">
+              <a:defRPr sz="1800" kern="1200">
+                <a:solidFill>
+                  <a:schemeClr val="tx1"/>
+                </a:solidFill>
+              </a:defRPr>
+            </a:lvl6pPr>
+            <a:lvl7pPr marL="2743131" algn="l" defTabSz="914377" rtl="0" eaLnBrk="1" latinLnBrk="0" hangingPunct="1">
+              <a:defRPr sz="1800" kern="1200">
+                <a:solidFill>
+                  <a:schemeClr val="tx1"/>
+                </a:solidFill>
+              </a:defRPr>
+            </a:lvl7pPr>
+            <a:lvl8pPr marL="3200320" algn="l" defTabSz="914377" rtl="0" eaLnBrk="1" latinLnBrk="0" hangingPunct="1">
+              <a:defRPr sz="1800" kern="1200">
+                <a:solidFill>
+                  <a:schemeClr val="tx1"/>
+                </a:solidFill>
+              </a:defRPr>
+            </a:lvl8pPr>
+            <a:lvl9pPr marL="3657509" algn="l" defTabSz="914377" rtl="0" eaLnBrk="1" latinLnBrk="0" hangingPunct="1">
+              <a:defRPr sz="1800" kern="1200">
+                <a:solidFill>
+                  <a:schemeClr val="tx1"/>
+                </a:solidFill>
+              </a:defRPr>
+            </a:lvl9pPr>
+          </a:lstStyle>
+          <a:p>
+            <a:pPr algn="ctr">
+              <a:lnSpc>
+                <a:spcPct val="130000"/>
+              </a:lnSpc>
+            </a:pPr>
+            <a:r>
+              <a:rPr lang="zh-CN" altLang="en-US" dirty="0"/>
+              <a:t>该方法绝对不能在事务范围内执行。如果在就抛例外。只有该方法没有关联到任何事务，才正常执行</a:t>
+            </a:r>
+            <a:endParaRPr lang="en-US" altLang="zh-CN" sz="1100" dirty="0"/>
+          </a:p>
+        </p:txBody>
+      </p:sp>
+      <p:sp>
+        <p:nvSpPr>
+          <p:cNvPr id="67" name="ïSḷïḓé">
+            <a:extLst>
+              <a:ext uri="{FF2B5EF4-FFF2-40B4-BE49-F238E27FC236}">
+                <a16:creationId xmlns:a16="http://schemas.microsoft.com/office/drawing/2014/main" id="{39340196-E1AA-4B49-976A-BF366BB2B662}"/>
+              </a:ext>
+            </a:extLst>
+          </p:cNvPr>
+          <p:cNvSpPr/>
+          <p:nvPr/>
+        </p:nvSpPr>
+        <p:spPr bwMode="auto">
+          <a:xfrm>
+            <a:off x="7701815" y="4956280"/>
+            <a:ext cx="1979811" cy="903331"/>
+          </a:xfrm>
+          <a:prstGeom prst="rect">
+            <a:avLst/>
+          </a:prstGeom>
+          <a:noFill/>
+          <a:ln>
+            <a:noFill/>
+          </a:ln>
+          <a:extLst>
+            <a:ext uri="{909E8E84-426E-40DD-AFC4-6F175D3DCCD1}">
+              <a14:hiddenFill xmlns:a14="http://schemas.microsoft.com/office/drawing/2010/main">
+                <a:solidFill>
+                  <a:srgbClr val="FFFFFF"/>
+                </a:solidFill>
+              </a14:hiddenFill>
+            </a:ext>
+            <a:ext uri="{91240B29-F687-4F45-9708-019B960494DF}">
+              <a14:hiddenLine xmlns:a14="http://schemas.microsoft.com/office/drawing/2010/main" w="9525">
+                <a:solidFill>
+                  <a:srgbClr val="000000"/>
+                </a:solidFill>
+                <a:miter lim="800000"/>
+                <a:headEnd/>
+                <a:tailEnd/>
+              </a14:hiddenLine>
+            </a:ext>
+          </a:extLst>
+        </p:spPr>
+        <p:txBody>
+          <a:bodyPr wrap="square" lIns="91440" tIns="45720" rIns="91440" bIns="45720" anchor="t" anchorCtr="0">
+            <a:normAutofit fontScale="62500" lnSpcReduction="20000"/>
+          </a:bodyPr>
+          <a:lstStyle>
+            <a:defPPr>
+              <a:defRPr lang="zh-CN"/>
+            </a:defPPr>
+            <a:lvl1pPr marL="0" algn="l" defTabSz="914377" rtl="0" eaLnBrk="1" latinLnBrk="0" hangingPunct="1">
+              <a:defRPr sz="1800" kern="1200">
+                <a:solidFill>
+                  <a:schemeClr val="tx1"/>
+                </a:solidFill>
+              </a:defRPr>
+            </a:lvl1pPr>
+            <a:lvl2pPr marL="457189" algn="l" defTabSz="914377" rtl="0" eaLnBrk="1" latinLnBrk="0" hangingPunct="1">
+              <a:defRPr sz="1800" kern="1200">
+                <a:solidFill>
+                  <a:schemeClr val="tx1"/>
+                </a:solidFill>
+              </a:defRPr>
+            </a:lvl2pPr>
+            <a:lvl3pPr marL="914377" algn="l" defTabSz="914377" rtl="0" eaLnBrk="1" latinLnBrk="0" hangingPunct="1">
+              <a:defRPr sz="1800" kern="1200">
+                <a:solidFill>
+                  <a:schemeClr val="tx1"/>
+                </a:solidFill>
+              </a:defRPr>
+            </a:lvl3pPr>
+            <a:lvl4pPr marL="1371566" algn="l" defTabSz="914377" rtl="0" eaLnBrk="1" latinLnBrk="0" hangingPunct="1">
+              <a:defRPr sz="1800" kern="1200">
+                <a:solidFill>
+                  <a:schemeClr val="tx1"/>
+                </a:solidFill>
+              </a:defRPr>
+            </a:lvl4pPr>
+            <a:lvl5pPr marL="1828754" algn="l" defTabSz="914377" rtl="0" eaLnBrk="1" latinLnBrk="0" hangingPunct="1">
+              <a:defRPr sz="1800" kern="1200">
+                <a:solidFill>
+                  <a:schemeClr val="tx1"/>
+                </a:solidFill>
+              </a:defRPr>
+            </a:lvl5pPr>
+            <a:lvl6pPr marL="2285943" algn="l" defTabSz="914377" rtl="0" eaLnBrk="1" latinLnBrk="0" hangingPunct="1">
+              <a:defRPr sz="1800" kern="1200">
+                <a:solidFill>
+                  <a:schemeClr val="tx1"/>
+                </a:solidFill>
+              </a:defRPr>
+            </a:lvl6pPr>
+            <a:lvl7pPr marL="2743131" algn="l" defTabSz="914377" rtl="0" eaLnBrk="1" latinLnBrk="0" hangingPunct="1">
+              <a:defRPr sz="1800" kern="1200">
+                <a:solidFill>
+                  <a:schemeClr val="tx1"/>
+                </a:solidFill>
+              </a:defRPr>
+            </a:lvl7pPr>
+            <a:lvl8pPr marL="3200320" algn="l" defTabSz="914377" rtl="0" eaLnBrk="1" latinLnBrk="0" hangingPunct="1">
+              <a:defRPr sz="1800" kern="1200">
+                <a:solidFill>
+                  <a:schemeClr val="tx1"/>
+                </a:solidFill>
+              </a:defRPr>
+            </a:lvl8pPr>
+            <a:lvl9pPr marL="3657509" algn="l" defTabSz="914377" rtl="0" eaLnBrk="1" latinLnBrk="0" hangingPunct="1">
+              <a:defRPr sz="1800" kern="1200">
+                <a:solidFill>
+                  <a:schemeClr val="tx1"/>
+                </a:solidFill>
+              </a:defRPr>
+            </a:lvl9pPr>
+          </a:lstStyle>
+          <a:p>
+            <a:pPr algn="ctr">
+              <a:lnSpc>
+                <a:spcPct val="130000"/>
+              </a:lnSpc>
+            </a:pPr>
+            <a:r>
+              <a:rPr lang="zh-CN" altLang="en-US" dirty="0"/>
+              <a:t>如果一个活动的事务存在，则运行在一个嵌套的事务中。如果没有活动事务，则按</a:t>
+            </a:r>
+            <a:r>
+              <a:rPr lang="en-US" altLang="zh-CN" dirty="0"/>
+              <a:t>REQUIRED</a:t>
+            </a:r>
+            <a:r>
+              <a:rPr lang="zh-CN" altLang="en-US" dirty="0"/>
+              <a:t>属性执行。</a:t>
+            </a:r>
+            <a:endParaRPr lang="en-US" altLang="zh-CN" sz="1100" dirty="0"/>
           </a:p>
         </p:txBody>
       </p:sp>
@@ -7310,7 +14977,8 @@
 
 <file path=ppt/tags/tag10.xml><?xml version="1.0" encoding="utf-8"?>
 <p:tagLst xmlns:a="http://schemas.openxmlformats.org/drawingml/2006/main" xmlns:r="http://schemas.openxmlformats.org/officeDocument/2006/relationships" xmlns:p="http://schemas.openxmlformats.org/presentationml/2006/main">
-  <p:tag name="PA" val="v3.0.1"/>
+  <p:tag name="ISLIDE.PICTURE" val="#121869;"/>
+  <p:tag name="ISLIDE.ICON" val="#14359;#14359;#14359;"/>
 </p:tagLst>
 </file>
 
@@ -7333,6 +15001,12 @@
 </file>
 
 <file path=ppt/tags/tag14.xml><?xml version="1.0" encoding="utf-8"?>
+<p:tagLst xmlns:a="http://schemas.openxmlformats.org/drawingml/2006/main" xmlns:r="http://schemas.openxmlformats.org/officeDocument/2006/relationships" xmlns:p="http://schemas.openxmlformats.org/presentationml/2006/main">
+  <p:tag name="PA" val="v3.0.1"/>
+</p:tagLst>
+</file>
+
+<file path=ppt/tags/tag15.xml><?xml version="1.0" encoding="utf-8"?>
 <p:tagLst xmlns:a="http://schemas.openxmlformats.org/drawingml/2006/main" xmlns:r="http://schemas.openxmlformats.org/officeDocument/2006/relationships" xmlns:p="http://schemas.openxmlformats.org/presentationml/2006/main">
   <p:tag name="PA" val="v3.0.1"/>
 </p:tagLst>
@@ -7382,8 +15056,7 @@
 
 <file path=ppt/tags/tag9.xml><?xml version="1.0" encoding="utf-8"?>
 <p:tagLst xmlns:a="http://schemas.openxmlformats.org/drawingml/2006/main" xmlns:r="http://schemas.openxmlformats.org/officeDocument/2006/relationships" xmlns:p="http://schemas.openxmlformats.org/presentationml/2006/main">
-  <p:tag name="ISLIDE.PICTURE" val="#121869;"/>
-  <p:tag name="ISLIDE.ICON" val="#14359;#14359;#14359;"/>
+  <p:tag name="ISLIDE.DIAGRAM" val="#4412"/>
 </p:tagLst>
 </file>
 

--- a/文档/spring事务传播机制.pptx
+++ b/文档/spring事务传播机制.pptx
@@ -5,20 +5,21 @@
     <p:sldMasterId id="2147483648" r:id="rId1"/>
   </p:sldMasterIdLst>
   <p:notesMasterIdLst>
-    <p:notesMasterId r:id="rId8"/>
+    <p:notesMasterId r:id="rId9"/>
   </p:notesMasterIdLst>
   <p:sldIdLst>
     <p:sldId id="268" r:id="rId2"/>
     <p:sldId id="269" r:id="rId3"/>
     <p:sldId id="271" r:id="rId4"/>
     <p:sldId id="272" r:id="rId5"/>
-    <p:sldId id="270" r:id="rId6"/>
-    <p:sldId id="258" r:id="rId7"/>
+    <p:sldId id="273" r:id="rId6"/>
+    <p:sldId id="274" r:id="rId7"/>
+    <p:sldId id="270" r:id="rId8"/>
   </p:sldIdLst>
   <p:sldSz cx="12192000" cy="6858000"/>
   <p:notesSz cx="6858000" cy="9144000"/>
   <p:custDataLst>
-    <p:tags r:id="rId9"/>
+    <p:tags r:id="rId10"/>
   </p:custDataLst>
   <p:defaultTextStyle>
     <a:defPPr>
@@ -830,10 +831,178 @@
           <a:bodyPr/>
           <a:lstStyle/>
           <a:p>
+            <a:fld id="{DD513EDB-D3CA-4594-AC19-8DB1679162FC}" type="slidenum">
+              <a:rPr lang="zh-CN" altLang="en-US" smtClean="0"/>
+              <a:t>5</a:t>
+            </a:fld>
+            <a:endParaRPr lang="zh-CN" altLang="en-US"/>
+          </a:p>
+        </p:txBody>
+      </p:sp>
+    </p:spTree>
+    <p:extLst>
+      <p:ext uri="{BB962C8B-B14F-4D97-AF65-F5344CB8AC3E}">
+        <p14:creationId xmlns:p14="http://schemas.microsoft.com/office/powerpoint/2010/main" val="3300384267"/>
+      </p:ext>
+    </p:extLst>
+  </p:cSld>
+  <p:clrMapOvr>
+    <a:masterClrMapping/>
+  </p:clrMapOvr>
+</p:notes>
+</file>
+
+<file path=ppt/notesSlides/notesSlide5.xml><?xml version="1.0" encoding="utf-8"?>
+<p:notes xmlns:a="http://schemas.openxmlformats.org/drawingml/2006/main" xmlns:r="http://schemas.openxmlformats.org/officeDocument/2006/relationships" xmlns:p="http://schemas.openxmlformats.org/presentationml/2006/main">
+  <p:cSld>
+    <p:spTree>
+      <p:nvGrpSpPr>
+        <p:cNvPr id="1" name=""/>
+        <p:cNvGrpSpPr/>
+        <p:nvPr/>
+      </p:nvGrpSpPr>
+      <p:grpSpPr>
+        <a:xfrm>
+          <a:off x="0" y="0"/>
+          <a:ext cx="0" cy="0"/>
+          <a:chOff x="0" y="0"/>
+          <a:chExt cx="0" cy="0"/>
+        </a:xfrm>
+      </p:grpSpPr>
+      <p:sp>
+        <p:nvSpPr>
+          <p:cNvPr id="2" name="幻灯片图像占位符 1"/>
+          <p:cNvSpPr>
+            <a:spLocks noGrp="1" noRot="1" noChangeAspect="1"/>
+          </p:cNvSpPr>
+          <p:nvPr>
+            <p:ph type="sldImg"/>
+          </p:nvPr>
+        </p:nvSpPr>
+        <p:spPr/>
+      </p:sp>
+      <p:sp>
+        <p:nvSpPr>
+          <p:cNvPr id="3" name="备注占位符 2"/>
+          <p:cNvSpPr>
+            <a:spLocks noGrp="1"/>
+          </p:cNvSpPr>
+          <p:nvPr>
+            <p:ph type="body" idx="1"/>
+          </p:nvPr>
+        </p:nvSpPr>
+        <p:spPr/>
+        <p:txBody>
+          <a:bodyPr/>
+          <a:lstStyle/>
+          <a:p>
+            <a:endParaRPr lang="zh-CN" altLang="en-US" dirty="0"/>
+          </a:p>
+        </p:txBody>
+      </p:sp>
+      <p:sp>
+        <p:nvSpPr>
+          <p:cNvPr id="4" name="灯片编号占位符 3"/>
+          <p:cNvSpPr>
+            <a:spLocks noGrp="1"/>
+          </p:cNvSpPr>
+          <p:nvPr>
+            <p:ph type="sldNum" sz="quarter" idx="10"/>
+          </p:nvPr>
+        </p:nvSpPr>
+        <p:spPr/>
+        <p:txBody>
+          <a:bodyPr/>
+          <a:lstStyle/>
+          <a:p>
+            <a:fld id="{DD513EDB-D3CA-4594-AC19-8DB1679162FC}" type="slidenum">
+              <a:rPr lang="zh-CN" altLang="en-US" smtClean="0"/>
+              <a:t>6</a:t>
+            </a:fld>
+            <a:endParaRPr lang="zh-CN" altLang="en-US"/>
+          </a:p>
+        </p:txBody>
+      </p:sp>
+    </p:spTree>
+    <p:extLst>
+      <p:ext uri="{BB962C8B-B14F-4D97-AF65-F5344CB8AC3E}">
+        <p14:creationId xmlns:p14="http://schemas.microsoft.com/office/powerpoint/2010/main" val="293899750"/>
+      </p:ext>
+    </p:extLst>
+  </p:cSld>
+  <p:clrMapOvr>
+    <a:masterClrMapping/>
+  </p:clrMapOvr>
+</p:notes>
+</file>
+
+<file path=ppt/notesSlides/notesSlide6.xml><?xml version="1.0" encoding="utf-8"?>
+<p:notes xmlns:a="http://schemas.openxmlformats.org/drawingml/2006/main" xmlns:r="http://schemas.openxmlformats.org/officeDocument/2006/relationships" xmlns:p="http://schemas.openxmlformats.org/presentationml/2006/main">
+  <p:cSld>
+    <p:spTree>
+      <p:nvGrpSpPr>
+        <p:cNvPr id="1" name=""/>
+        <p:cNvGrpSpPr/>
+        <p:nvPr/>
+      </p:nvGrpSpPr>
+      <p:grpSpPr>
+        <a:xfrm>
+          <a:off x="0" y="0"/>
+          <a:ext cx="0" cy="0"/>
+          <a:chOff x="0" y="0"/>
+          <a:chExt cx="0" cy="0"/>
+        </a:xfrm>
+      </p:grpSpPr>
+      <p:sp>
+        <p:nvSpPr>
+          <p:cNvPr id="2" name="幻灯片图像占位符 1"/>
+          <p:cNvSpPr>
+            <a:spLocks noGrp="1" noRot="1" noChangeAspect="1"/>
+          </p:cNvSpPr>
+          <p:nvPr>
+            <p:ph type="sldImg"/>
+          </p:nvPr>
+        </p:nvSpPr>
+        <p:spPr/>
+      </p:sp>
+      <p:sp>
+        <p:nvSpPr>
+          <p:cNvPr id="3" name="备注占位符 2"/>
+          <p:cNvSpPr>
+            <a:spLocks noGrp="1"/>
+          </p:cNvSpPr>
+          <p:nvPr>
+            <p:ph type="body" idx="1"/>
+          </p:nvPr>
+        </p:nvSpPr>
+        <p:spPr/>
+        <p:txBody>
+          <a:bodyPr/>
+          <a:lstStyle/>
+          <a:p>
+            <a:endParaRPr lang="zh-CN" altLang="en-US" dirty="0"/>
+          </a:p>
+        </p:txBody>
+      </p:sp>
+      <p:sp>
+        <p:nvSpPr>
+          <p:cNvPr id="4" name="灯片编号占位符 3"/>
+          <p:cNvSpPr>
+            <a:spLocks noGrp="1"/>
+          </p:cNvSpPr>
+          <p:nvPr>
+            <p:ph type="sldNum" sz="quarter" idx="10"/>
+          </p:nvPr>
+        </p:nvSpPr>
+        <p:spPr/>
+        <p:txBody>
+          <a:bodyPr/>
+          <a:lstStyle/>
+          <a:p>
             <a:fld id="{5DE97619-DBBE-4EF5-8E3C-32126B56E9D5}" type="slidenum">
               <a:rPr lang="zh-HK" altLang="en-US" smtClean="0"/>
               <a:pPr/>
-              <a:t>5</a:t>
+              <a:t>7</a:t>
             </a:fld>
             <a:endParaRPr lang="zh-HK" altLang="en-US"/>
           </a:p>
@@ -13254,29 +13423,22 @@
         </p:nvSpPr>
         <p:spPr>
           <a:xfrm>
-            <a:off x="4646481" y="376886"/>
-            <a:ext cx="2899039" cy="789420"/>
+            <a:off x="4367405" y="376886"/>
+            <a:ext cx="3457191" cy="789420"/>
           </a:xfrm>
         </p:spPr>
         <p:txBody>
           <a:bodyPr>
-            <a:normAutofit fontScale="90000"/>
+            <a:normAutofit/>
           </a:bodyPr>
           <a:lstStyle/>
           <a:p>
-            <a:r>
-              <a:rPr kumimoji="1" lang="en-US" altLang="zh-CN" sz="3200" b="1" dirty="0" smtClean="0">
-                <a:latin typeface="微软雅黑"/>
-                <a:ea typeface="微软雅黑"/>
-              </a:rPr>
-              <a:t>Spring</a:t>
-            </a:r>
             <a:r>
               <a:rPr kumimoji="1" lang="zh-CN" altLang="en-US" sz="3200" b="1" dirty="0" smtClean="0">
                 <a:latin typeface="微软雅黑"/>
                 <a:ea typeface="微软雅黑"/>
               </a:rPr>
-              <a:t>事务原理</a:t>
+              <a:t>事务传播机制原理</a:t>
             </a:r>
             <a:endParaRPr lang="zh-CN" altLang="en-US" sz="3200" dirty="0"/>
           </a:p>
@@ -13664,6 +13826,2917 @@
           </a:p>
         </p:txBody>
       </p:sp>
+      <p:sp>
+        <p:nvSpPr>
+          <p:cNvPr id="450" name="î$ḷiḑe">
+            <a:extLst>
+              <a:ext uri="{FF2B5EF4-FFF2-40B4-BE49-F238E27FC236}">
+                <a16:creationId xmlns:a16="http://schemas.microsoft.com/office/drawing/2014/main" id="{E20CADEA-502B-477B-8BCA-DDAE52203F15}"/>
+              </a:ext>
+            </a:extLst>
+          </p:cNvPr>
+          <p:cNvSpPr txBox="1"/>
+          <p:nvPr/>
+        </p:nvSpPr>
+        <p:spPr>
+          <a:xfrm>
+            <a:off x="504165" y="5009425"/>
+            <a:ext cx="3562348" cy="886014"/>
+          </a:xfrm>
+          <a:prstGeom prst="rect">
+            <a:avLst/>
+          </a:prstGeom>
+          <a:noFill/>
+        </p:spPr>
+        <p:txBody>
+          <a:bodyPr wrap="square" lIns="90000" tIns="46800" rIns="90000" bIns="46800" rtlCol="0">
+            <a:noAutofit/>
+          </a:bodyPr>
+          <a:lstStyle/>
+          <a:p>
+            <a:pPr algn="ctr">
+              <a:lnSpc>
+                <a:spcPct val="150000"/>
+              </a:lnSpc>
+            </a:pPr>
+            <a:r>
+              <a:rPr lang="zh-CN" altLang="en-US" sz="1400" dirty="0" smtClean="0"/>
+              <a:t>用于寻找对应的方法</a:t>
+            </a:r>
+            <a:r>
+              <a:rPr lang="en-US" altLang="zh-CN" sz="1000" dirty="0" smtClean="0"/>
+              <a:t>.</a:t>
+            </a:r>
+            <a:endParaRPr lang="en-US" altLang="zh-CN" sz="1000" dirty="0"/>
+          </a:p>
+        </p:txBody>
+      </p:sp>
+      <p:sp>
+        <p:nvSpPr>
+          <p:cNvPr id="451" name="iślíde">
+            <a:extLst>
+              <a:ext uri="{FF2B5EF4-FFF2-40B4-BE49-F238E27FC236}">
+                <a16:creationId xmlns:a16="http://schemas.microsoft.com/office/drawing/2014/main" id="{0421DB8E-83C6-42C9-8330-AC09E2F9E07A}"/>
+              </a:ext>
+            </a:extLst>
+          </p:cNvPr>
+          <p:cNvSpPr txBox="1"/>
+          <p:nvPr/>
+        </p:nvSpPr>
+        <p:spPr>
+          <a:xfrm>
+            <a:off x="504165" y="4537605"/>
+            <a:ext cx="3562348" cy="471820"/>
+          </a:xfrm>
+          <a:prstGeom prst="rect">
+            <a:avLst/>
+          </a:prstGeom>
+          <a:noFill/>
+        </p:spPr>
+        <p:txBody>
+          <a:bodyPr wrap="none" rtlCol="0" anchor="ctr">
+            <a:normAutofit/>
+          </a:bodyPr>
+          <a:lstStyle/>
+          <a:p>
+            <a:pPr algn="ctr"/>
+            <a:r>
+              <a:rPr lang="en-US" altLang="zh-CN" sz="1600" b="1" dirty="0" err="1"/>
+              <a:t>Pointcut</a:t>
+            </a:r>
+            <a:endParaRPr lang="en-US" altLang="zh-CN" sz="1600" b="1" dirty="0"/>
+          </a:p>
+        </p:txBody>
+      </p:sp>
+      <p:sp>
+        <p:nvSpPr>
+          <p:cNvPr id="452" name="íṣľíďé">
+            <a:extLst>
+              <a:ext uri="{FF2B5EF4-FFF2-40B4-BE49-F238E27FC236}">
+                <a16:creationId xmlns:a16="http://schemas.microsoft.com/office/drawing/2014/main" id="{051F6987-C930-4004-B579-3526A535344B}"/>
+              </a:ext>
+            </a:extLst>
+          </p:cNvPr>
+          <p:cNvSpPr/>
+          <p:nvPr/>
+        </p:nvSpPr>
+        <p:spPr>
+          <a:xfrm>
+            <a:off x="2010964" y="3793369"/>
+            <a:ext cx="548727" cy="548732"/>
+          </a:xfrm>
+          <a:prstGeom prst="ellipse">
+            <a:avLst/>
+          </a:prstGeom>
+          <a:solidFill>
+            <a:schemeClr val="accent1"/>
+          </a:solidFill>
+          <a:ln w="38100">
+            <a:noFill/>
+          </a:ln>
+        </p:spPr>
+        <p:style>
+          <a:lnRef idx="2">
+            <a:schemeClr val="accent1">
+              <a:shade val="50000"/>
+            </a:schemeClr>
+          </a:lnRef>
+          <a:fillRef idx="1">
+            <a:schemeClr val="accent1"/>
+          </a:fillRef>
+          <a:effectRef idx="0">
+            <a:schemeClr val="accent1"/>
+          </a:effectRef>
+          <a:fontRef idx="minor">
+            <a:schemeClr val="lt1"/>
+          </a:fontRef>
+        </p:style>
+        <p:txBody>
+          <a:bodyPr rtlCol="0" anchor="ctr"/>
+          <a:lstStyle>
+            <a:defPPr>
+              <a:defRPr lang="zh-CN"/>
+            </a:defPPr>
+            <a:lvl1pPr marL="0" algn="l" defTabSz="914377" rtl="0" eaLnBrk="1" latinLnBrk="0" hangingPunct="1">
+              <a:defRPr sz="1800" kern="1200">
+                <a:solidFill>
+                  <a:schemeClr val="lt1"/>
+                </a:solidFill>
+              </a:defRPr>
+            </a:lvl1pPr>
+            <a:lvl2pPr marL="457189" algn="l" defTabSz="914377" rtl="0" eaLnBrk="1" latinLnBrk="0" hangingPunct="1">
+              <a:defRPr sz="1800" kern="1200">
+                <a:solidFill>
+                  <a:schemeClr val="lt1"/>
+                </a:solidFill>
+              </a:defRPr>
+            </a:lvl2pPr>
+            <a:lvl3pPr marL="914377" algn="l" defTabSz="914377" rtl="0" eaLnBrk="1" latinLnBrk="0" hangingPunct="1">
+              <a:defRPr sz="1800" kern="1200">
+                <a:solidFill>
+                  <a:schemeClr val="lt1"/>
+                </a:solidFill>
+              </a:defRPr>
+            </a:lvl3pPr>
+            <a:lvl4pPr marL="1371566" algn="l" defTabSz="914377" rtl="0" eaLnBrk="1" latinLnBrk="0" hangingPunct="1">
+              <a:defRPr sz="1800" kern="1200">
+                <a:solidFill>
+                  <a:schemeClr val="lt1"/>
+                </a:solidFill>
+              </a:defRPr>
+            </a:lvl4pPr>
+            <a:lvl5pPr marL="1828754" algn="l" defTabSz="914377" rtl="0" eaLnBrk="1" latinLnBrk="0" hangingPunct="1">
+              <a:defRPr sz="1800" kern="1200">
+                <a:solidFill>
+                  <a:schemeClr val="lt1"/>
+                </a:solidFill>
+              </a:defRPr>
+            </a:lvl5pPr>
+            <a:lvl6pPr marL="2285943" algn="l" defTabSz="914377" rtl="0" eaLnBrk="1" latinLnBrk="0" hangingPunct="1">
+              <a:defRPr sz="1800" kern="1200">
+                <a:solidFill>
+                  <a:schemeClr val="lt1"/>
+                </a:solidFill>
+              </a:defRPr>
+            </a:lvl6pPr>
+            <a:lvl7pPr marL="2743131" algn="l" defTabSz="914377" rtl="0" eaLnBrk="1" latinLnBrk="0" hangingPunct="1">
+              <a:defRPr sz="1800" kern="1200">
+                <a:solidFill>
+                  <a:schemeClr val="lt1"/>
+                </a:solidFill>
+              </a:defRPr>
+            </a:lvl7pPr>
+            <a:lvl8pPr marL="3200320" algn="l" defTabSz="914377" rtl="0" eaLnBrk="1" latinLnBrk="0" hangingPunct="1">
+              <a:defRPr sz="1800" kern="1200">
+                <a:solidFill>
+                  <a:schemeClr val="lt1"/>
+                </a:solidFill>
+              </a:defRPr>
+            </a:lvl8pPr>
+            <a:lvl9pPr marL="3657509" algn="l" defTabSz="914377" rtl="0" eaLnBrk="1" latinLnBrk="0" hangingPunct="1">
+              <a:defRPr sz="1800" kern="1200">
+                <a:solidFill>
+                  <a:schemeClr val="lt1"/>
+                </a:solidFill>
+              </a:defRPr>
+            </a:lvl9pPr>
+          </a:lstStyle>
+          <a:p>
+            <a:pPr algn="ctr"/>
+            <a:endParaRPr lang="zh-CN" altLang="en-US" dirty="0"/>
+          </a:p>
+        </p:txBody>
+      </p:sp>
+      <p:sp>
+        <p:nvSpPr>
+          <p:cNvPr id="453" name="išľiḑé">
+            <a:extLst>
+              <a:ext uri="{FF2B5EF4-FFF2-40B4-BE49-F238E27FC236}">
+                <a16:creationId xmlns:a16="http://schemas.microsoft.com/office/drawing/2014/main" id="{19EF0895-8490-4953-99CB-2C3CB903DF75}"/>
+              </a:ext>
+            </a:extLst>
+          </p:cNvPr>
+          <p:cNvSpPr txBox="1"/>
+          <p:nvPr/>
+        </p:nvSpPr>
+        <p:spPr>
+          <a:xfrm>
+            <a:off x="4314827" y="5009425"/>
+            <a:ext cx="3562348" cy="886014"/>
+          </a:xfrm>
+          <a:prstGeom prst="rect">
+            <a:avLst/>
+          </a:prstGeom>
+          <a:noFill/>
+        </p:spPr>
+        <p:txBody>
+          <a:bodyPr wrap="square" lIns="90000" tIns="46800" rIns="90000" bIns="46800" rtlCol="0">
+            <a:noAutofit/>
+          </a:bodyPr>
+          <a:lstStyle/>
+          <a:p>
+            <a:pPr algn="ctr">
+              <a:lnSpc>
+                <a:spcPct val="150000"/>
+              </a:lnSpc>
+            </a:pPr>
+            <a:r>
+              <a:rPr lang="zh-CN" altLang="en-US" sz="1400" dirty="0" smtClean="0"/>
+              <a:t>可以理解为横切逻辑</a:t>
+            </a:r>
+            <a:r>
+              <a:rPr lang="en-US" altLang="zh-CN" sz="1400" dirty="0" smtClean="0"/>
+              <a:t>.</a:t>
+            </a:r>
+            <a:endParaRPr lang="en-US" altLang="zh-CN" sz="1400" dirty="0"/>
+          </a:p>
+        </p:txBody>
+      </p:sp>
+      <p:sp>
+        <p:nvSpPr>
+          <p:cNvPr id="454" name="îš1îḍè">
+            <a:extLst>
+              <a:ext uri="{FF2B5EF4-FFF2-40B4-BE49-F238E27FC236}">
+                <a16:creationId xmlns:a16="http://schemas.microsoft.com/office/drawing/2014/main" id="{7FE86142-8FAB-4D46-A63D-B0F20EBFB0EF}"/>
+              </a:ext>
+            </a:extLst>
+          </p:cNvPr>
+          <p:cNvSpPr txBox="1"/>
+          <p:nvPr/>
+        </p:nvSpPr>
+        <p:spPr>
+          <a:xfrm>
+            <a:off x="4314827" y="4537605"/>
+            <a:ext cx="3562348" cy="471820"/>
+          </a:xfrm>
+          <a:prstGeom prst="rect">
+            <a:avLst/>
+          </a:prstGeom>
+          <a:noFill/>
+        </p:spPr>
+        <p:txBody>
+          <a:bodyPr wrap="none" rtlCol="0" anchor="ctr">
+            <a:normAutofit/>
+          </a:bodyPr>
+          <a:lstStyle/>
+          <a:p>
+            <a:pPr algn="ctr"/>
+            <a:r>
+              <a:rPr lang="en-US" altLang="zh-CN" sz="1600" b="1" dirty="0"/>
+              <a:t>Advice</a:t>
+            </a:r>
+            <a:endParaRPr lang="en-US" altLang="zh-CN" sz="1600" b="1" dirty="0"/>
+          </a:p>
+        </p:txBody>
+      </p:sp>
+      <p:sp>
+        <p:nvSpPr>
+          <p:cNvPr id="455" name="iš1îḋè">
+            <a:extLst>
+              <a:ext uri="{FF2B5EF4-FFF2-40B4-BE49-F238E27FC236}">
+                <a16:creationId xmlns:a16="http://schemas.microsoft.com/office/drawing/2014/main" id="{F9046394-C359-4114-902B-0B70F7832406}"/>
+              </a:ext>
+            </a:extLst>
+          </p:cNvPr>
+          <p:cNvSpPr/>
+          <p:nvPr/>
+        </p:nvSpPr>
+        <p:spPr>
+          <a:xfrm>
+            <a:off x="5821637" y="3793369"/>
+            <a:ext cx="548728" cy="548732"/>
+          </a:xfrm>
+          <a:prstGeom prst="ellipse">
+            <a:avLst/>
+          </a:prstGeom>
+          <a:solidFill>
+            <a:schemeClr val="accent2"/>
+          </a:solidFill>
+          <a:ln w="38100">
+            <a:noFill/>
+          </a:ln>
+        </p:spPr>
+        <p:style>
+          <a:lnRef idx="2">
+            <a:schemeClr val="accent1">
+              <a:shade val="50000"/>
+            </a:schemeClr>
+          </a:lnRef>
+          <a:fillRef idx="1">
+            <a:schemeClr val="accent1"/>
+          </a:fillRef>
+          <a:effectRef idx="0">
+            <a:schemeClr val="accent1"/>
+          </a:effectRef>
+          <a:fontRef idx="minor">
+            <a:schemeClr val="lt1"/>
+          </a:fontRef>
+        </p:style>
+        <p:txBody>
+          <a:bodyPr rtlCol="0" anchor="ctr"/>
+          <a:lstStyle>
+            <a:defPPr>
+              <a:defRPr lang="zh-CN"/>
+            </a:defPPr>
+            <a:lvl1pPr marL="0" algn="l" defTabSz="914377" rtl="0" eaLnBrk="1" latinLnBrk="0" hangingPunct="1">
+              <a:defRPr sz="1800" kern="1200">
+                <a:solidFill>
+                  <a:schemeClr val="lt1"/>
+                </a:solidFill>
+              </a:defRPr>
+            </a:lvl1pPr>
+            <a:lvl2pPr marL="457189" algn="l" defTabSz="914377" rtl="0" eaLnBrk="1" latinLnBrk="0" hangingPunct="1">
+              <a:defRPr sz="1800" kern="1200">
+                <a:solidFill>
+                  <a:schemeClr val="lt1"/>
+                </a:solidFill>
+              </a:defRPr>
+            </a:lvl2pPr>
+            <a:lvl3pPr marL="914377" algn="l" defTabSz="914377" rtl="0" eaLnBrk="1" latinLnBrk="0" hangingPunct="1">
+              <a:defRPr sz="1800" kern="1200">
+                <a:solidFill>
+                  <a:schemeClr val="lt1"/>
+                </a:solidFill>
+              </a:defRPr>
+            </a:lvl3pPr>
+            <a:lvl4pPr marL="1371566" algn="l" defTabSz="914377" rtl="0" eaLnBrk="1" latinLnBrk="0" hangingPunct="1">
+              <a:defRPr sz="1800" kern="1200">
+                <a:solidFill>
+                  <a:schemeClr val="lt1"/>
+                </a:solidFill>
+              </a:defRPr>
+            </a:lvl4pPr>
+            <a:lvl5pPr marL="1828754" algn="l" defTabSz="914377" rtl="0" eaLnBrk="1" latinLnBrk="0" hangingPunct="1">
+              <a:defRPr sz="1800" kern="1200">
+                <a:solidFill>
+                  <a:schemeClr val="lt1"/>
+                </a:solidFill>
+              </a:defRPr>
+            </a:lvl5pPr>
+            <a:lvl6pPr marL="2285943" algn="l" defTabSz="914377" rtl="0" eaLnBrk="1" latinLnBrk="0" hangingPunct="1">
+              <a:defRPr sz="1800" kern="1200">
+                <a:solidFill>
+                  <a:schemeClr val="lt1"/>
+                </a:solidFill>
+              </a:defRPr>
+            </a:lvl6pPr>
+            <a:lvl7pPr marL="2743131" algn="l" defTabSz="914377" rtl="0" eaLnBrk="1" latinLnBrk="0" hangingPunct="1">
+              <a:defRPr sz="1800" kern="1200">
+                <a:solidFill>
+                  <a:schemeClr val="lt1"/>
+                </a:solidFill>
+              </a:defRPr>
+            </a:lvl7pPr>
+            <a:lvl8pPr marL="3200320" algn="l" defTabSz="914377" rtl="0" eaLnBrk="1" latinLnBrk="0" hangingPunct="1">
+              <a:defRPr sz="1800" kern="1200">
+                <a:solidFill>
+                  <a:schemeClr val="lt1"/>
+                </a:solidFill>
+              </a:defRPr>
+            </a:lvl8pPr>
+            <a:lvl9pPr marL="3657509" algn="l" defTabSz="914377" rtl="0" eaLnBrk="1" latinLnBrk="0" hangingPunct="1">
+              <a:defRPr sz="1800" kern="1200">
+                <a:solidFill>
+                  <a:schemeClr val="lt1"/>
+                </a:solidFill>
+              </a:defRPr>
+            </a:lvl9pPr>
+          </a:lstStyle>
+          <a:p>
+            <a:pPr algn="ctr"/>
+            <a:endParaRPr lang="zh-CN" altLang="en-US" dirty="0"/>
+          </a:p>
+        </p:txBody>
+      </p:sp>
+      <p:sp>
+        <p:nvSpPr>
+          <p:cNvPr id="456" name="iśḷïdè">
+            <a:extLst>
+              <a:ext uri="{FF2B5EF4-FFF2-40B4-BE49-F238E27FC236}">
+                <a16:creationId xmlns:a16="http://schemas.microsoft.com/office/drawing/2014/main" id="{32731C82-710B-443C-B561-425D2433EABC}"/>
+              </a:ext>
+            </a:extLst>
+          </p:cNvPr>
+          <p:cNvSpPr txBox="1"/>
+          <p:nvPr/>
+        </p:nvSpPr>
+        <p:spPr>
+          <a:xfrm>
+            <a:off x="8103672" y="5009425"/>
+            <a:ext cx="3562348" cy="886014"/>
+          </a:xfrm>
+          <a:prstGeom prst="rect">
+            <a:avLst/>
+          </a:prstGeom>
+          <a:noFill/>
+        </p:spPr>
+        <p:txBody>
+          <a:bodyPr wrap="square" lIns="90000" tIns="46800" rIns="90000" bIns="46800" rtlCol="0">
+            <a:noAutofit/>
+          </a:bodyPr>
+          <a:lstStyle/>
+          <a:p>
+            <a:pPr algn="ctr">
+              <a:lnSpc>
+                <a:spcPct val="150000"/>
+              </a:lnSpc>
+            </a:pPr>
+            <a:r>
+              <a:rPr lang="zh-CN" altLang="en-US" sz="1400" dirty="0"/>
+              <a:t>切面 </a:t>
+            </a:r>
+            <a:r>
+              <a:rPr lang="en-US" altLang="zh-CN" sz="1400" dirty="0"/>
+              <a:t>Aspect </a:t>
+            </a:r>
+            <a:r>
+              <a:rPr lang="zh-CN" altLang="en-US" sz="1400" dirty="0"/>
+              <a:t>整合了切点和通知两个模块</a:t>
+            </a:r>
+            <a:r>
+              <a:rPr lang="en-US" altLang="zh-CN" sz="1000" dirty="0"/>
+              <a:t>.</a:t>
+            </a:r>
+            <a:endParaRPr lang="en-US" altLang="zh-CN" sz="1000" dirty="0"/>
+          </a:p>
+        </p:txBody>
+      </p:sp>
+      <p:sp>
+        <p:nvSpPr>
+          <p:cNvPr id="457" name="iṩlídê">
+            <a:extLst>
+              <a:ext uri="{FF2B5EF4-FFF2-40B4-BE49-F238E27FC236}">
+                <a16:creationId xmlns:a16="http://schemas.microsoft.com/office/drawing/2014/main" id="{D916D2D7-3643-4364-8236-E24D6318C453}"/>
+              </a:ext>
+            </a:extLst>
+          </p:cNvPr>
+          <p:cNvSpPr txBox="1"/>
+          <p:nvPr/>
+        </p:nvSpPr>
+        <p:spPr>
+          <a:xfrm>
+            <a:off x="8103672" y="4537605"/>
+            <a:ext cx="3562348" cy="471820"/>
+          </a:xfrm>
+          <a:prstGeom prst="rect">
+            <a:avLst/>
+          </a:prstGeom>
+          <a:noFill/>
+        </p:spPr>
+        <p:txBody>
+          <a:bodyPr wrap="none" rtlCol="0" anchor="ctr">
+            <a:normAutofit/>
+          </a:bodyPr>
+          <a:lstStyle/>
+          <a:p>
+            <a:pPr algn="ctr"/>
+            <a:r>
+              <a:rPr lang="en-US" altLang="zh-CN" sz="1600" b="1" dirty="0"/>
+              <a:t>Aspect</a:t>
+            </a:r>
+            <a:endParaRPr lang="en-US" altLang="zh-CN" sz="1600" b="1" dirty="0"/>
+          </a:p>
+        </p:txBody>
+      </p:sp>
+      <p:sp>
+        <p:nvSpPr>
+          <p:cNvPr id="458" name="ïŝliḋê">
+            <a:extLst>
+              <a:ext uri="{FF2B5EF4-FFF2-40B4-BE49-F238E27FC236}">
+                <a16:creationId xmlns:a16="http://schemas.microsoft.com/office/drawing/2014/main" id="{CB79ED2D-A866-4B84-BBC8-5E200E611299}"/>
+              </a:ext>
+            </a:extLst>
+          </p:cNvPr>
+          <p:cNvSpPr/>
+          <p:nvPr/>
+        </p:nvSpPr>
+        <p:spPr bwMode="auto">
+          <a:xfrm>
+            <a:off x="9744946" y="3930562"/>
+            <a:ext cx="279798" cy="274343"/>
+          </a:xfrm>
+          <a:custGeom>
+            <a:avLst/>
+            <a:gdLst>
+              <a:gd name="T0" fmla="*/ 1312 w 1990"/>
+              <a:gd name="T1" fmla="*/ 1552 h 1954"/>
+              <a:gd name="T2" fmla="*/ 291 w 1990"/>
+              <a:gd name="T3" fmla="*/ 1746 h 1954"/>
+              <a:gd name="T4" fmla="*/ 0 w 1990"/>
+              <a:gd name="T5" fmla="*/ 540 h 1954"/>
+              <a:gd name="T6" fmla="*/ 515 w 1990"/>
+              <a:gd name="T7" fmla="*/ 249 h 1954"/>
+              <a:gd name="T8" fmla="*/ 1205 w 1990"/>
+              <a:gd name="T9" fmla="*/ 0 h 1954"/>
+              <a:gd name="T10" fmla="*/ 1496 w 1990"/>
+              <a:gd name="T11" fmla="*/ 489 h 1954"/>
+              <a:gd name="T12" fmla="*/ 1413 w 1990"/>
+              <a:gd name="T13" fmla="*/ 291 h 1954"/>
+              <a:gd name="T14" fmla="*/ 802 w 1990"/>
+              <a:gd name="T15" fmla="*/ 83 h 1954"/>
+              <a:gd name="T16" fmla="*/ 1039 w 1990"/>
+              <a:gd name="T17" fmla="*/ 249 h 1954"/>
+              <a:gd name="T18" fmla="*/ 1243 w 1990"/>
+              <a:gd name="T19" fmla="*/ 499 h 1954"/>
+              <a:gd name="T20" fmla="*/ 291 w 1990"/>
+              <a:gd name="T21" fmla="*/ 333 h 1954"/>
+              <a:gd name="T22" fmla="*/ 83 w 1990"/>
+              <a:gd name="T23" fmla="*/ 1455 h 1954"/>
+              <a:gd name="T24" fmla="*/ 1039 w 1990"/>
+              <a:gd name="T25" fmla="*/ 1663 h 1954"/>
+              <a:gd name="T26" fmla="*/ 1641 w 1990"/>
+              <a:gd name="T27" fmla="*/ 1453 h 1954"/>
+              <a:gd name="T28" fmla="*/ 1138 w 1990"/>
+              <a:gd name="T29" fmla="*/ 583 h 1954"/>
+              <a:gd name="T30" fmla="*/ 1641 w 1990"/>
+              <a:gd name="T31" fmla="*/ 1453 h 1954"/>
+              <a:gd name="T32" fmla="*/ 1752 w 1990"/>
+              <a:gd name="T33" fmla="*/ 809 h 1954"/>
+              <a:gd name="T34" fmla="*/ 1026 w 1990"/>
+              <a:gd name="T35" fmla="*/ 1228 h 1954"/>
+              <a:gd name="T36" fmla="*/ 1767 w 1990"/>
+              <a:gd name="T37" fmla="*/ 1422 h 1954"/>
+              <a:gd name="T38" fmla="*/ 1717 w 1990"/>
+              <a:gd name="T39" fmla="*/ 1835 h 1954"/>
+              <a:gd name="T40" fmla="*/ 1767 w 1990"/>
+              <a:gd name="T41" fmla="*/ 1422 h 1954"/>
+              <a:gd name="T42" fmla="*/ 1739 w 1990"/>
+              <a:gd name="T43" fmla="*/ 1874 h 1954"/>
+              <a:gd name="T44" fmla="*/ 1956 w 1990"/>
+              <a:gd name="T45" fmla="*/ 1749 h 1954"/>
+              <a:gd name="T46" fmla="*/ 249 w 1990"/>
+              <a:gd name="T47" fmla="*/ 551 h 1954"/>
+              <a:gd name="T48" fmla="*/ 803 w 1990"/>
+              <a:gd name="T49" fmla="*/ 613 h 1954"/>
+              <a:gd name="T50" fmla="*/ 675 w 1990"/>
+              <a:gd name="T51" fmla="*/ 828 h 1954"/>
+              <a:gd name="T52" fmla="*/ 249 w 1990"/>
+              <a:gd name="T53" fmla="*/ 890 h 1954"/>
+              <a:gd name="T54" fmla="*/ 675 w 1990"/>
+              <a:gd name="T55" fmla="*/ 828 h 1954"/>
+              <a:gd name="T56" fmla="*/ 675 w 1990"/>
+              <a:gd name="T57" fmla="*/ 1167 h 1954"/>
+              <a:gd name="T58" fmla="*/ 249 w 1990"/>
+              <a:gd name="T59" fmla="*/ 1105 h 1954"/>
+              <a:gd name="T60" fmla="*/ 249 w 1990"/>
+              <a:gd name="T61" fmla="*/ 1444 h 1954"/>
+              <a:gd name="T62" fmla="*/ 803 w 1990"/>
+              <a:gd name="T63" fmla="*/ 1382 h 1954"/>
+              <a:gd name="T64" fmla="*/ 249 w 1990"/>
+              <a:gd name="T65" fmla="*/ 1444 h 1954"/>
+              <a:gd name="T66" fmla="*/ 1179 w 1990"/>
+              <a:gd name="T67" fmla="*/ 961 h 1954"/>
+              <a:gd name="T68" fmla="*/ 1300 w 1990"/>
+              <a:gd name="T69" fmla="*/ 1219 h 1954"/>
+              <a:gd name="T70" fmla="*/ 1604 w 1990"/>
+              <a:gd name="T71" fmla="*/ 858 h 1954"/>
+            </a:gdLst>
+            <a:ahLst/>
+            <a:cxnLst>
+              <a:cxn ang="0">
+                <a:pos x="T0" y="T1"/>
+              </a:cxn>
+              <a:cxn ang="0">
+                <a:pos x="T2" y="T3"/>
+              </a:cxn>
+              <a:cxn ang="0">
+                <a:pos x="T4" y="T5"/>
+              </a:cxn>
+              <a:cxn ang="0">
+                <a:pos x="T6" y="T7"/>
+              </a:cxn>
+              <a:cxn ang="0">
+                <a:pos x="T8" y="T9"/>
+              </a:cxn>
+              <a:cxn ang="0">
+                <a:pos x="T10" y="T11"/>
+              </a:cxn>
+              <a:cxn ang="0">
+                <a:pos x="T12" y="T13"/>
+              </a:cxn>
+              <a:cxn ang="0">
+                <a:pos x="T14" y="T15"/>
+              </a:cxn>
+              <a:cxn ang="0">
+                <a:pos x="T16" y="T17"/>
+              </a:cxn>
+              <a:cxn ang="0">
+                <a:pos x="T18" y="T19"/>
+              </a:cxn>
+              <a:cxn ang="0">
+                <a:pos x="T20" y="T21"/>
+              </a:cxn>
+              <a:cxn ang="0">
+                <a:pos x="T22" y="T23"/>
+              </a:cxn>
+              <a:cxn ang="0">
+                <a:pos x="T24" y="T25"/>
+              </a:cxn>
+              <a:cxn ang="0">
+                <a:pos x="T26" y="T27"/>
+              </a:cxn>
+              <a:cxn ang="0">
+                <a:pos x="T28" y="T29"/>
+              </a:cxn>
+              <a:cxn ang="0">
+                <a:pos x="T30" y="T31"/>
+              </a:cxn>
+              <a:cxn ang="0">
+                <a:pos x="T32" y="T33"/>
+              </a:cxn>
+              <a:cxn ang="0">
+                <a:pos x="T34" y="T35"/>
+              </a:cxn>
+              <a:cxn ang="0">
+                <a:pos x="T36" y="T37"/>
+              </a:cxn>
+              <a:cxn ang="0">
+                <a:pos x="T38" y="T39"/>
+              </a:cxn>
+              <a:cxn ang="0">
+                <a:pos x="T40" y="T41"/>
+              </a:cxn>
+              <a:cxn ang="0">
+                <a:pos x="T42" y="T43"/>
+              </a:cxn>
+              <a:cxn ang="0">
+                <a:pos x="T44" y="T45"/>
+              </a:cxn>
+              <a:cxn ang="0">
+                <a:pos x="T46" y="T47"/>
+              </a:cxn>
+              <a:cxn ang="0">
+                <a:pos x="T48" y="T49"/>
+              </a:cxn>
+              <a:cxn ang="0">
+                <a:pos x="T50" y="T51"/>
+              </a:cxn>
+              <a:cxn ang="0">
+                <a:pos x="T52" y="T53"/>
+              </a:cxn>
+              <a:cxn ang="0">
+                <a:pos x="T54" y="T55"/>
+              </a:cxn>
+              <a:cxn ang="0">
+                <a:pos x="T56" y="T57"/>
+              </a:cxn>
+              <a:cxn ang="0">
+                <a:pos x="T58" y="T59"/>
+              </a:cxn>
+              <a:cxn ang="0">
+                <a:pos x="T60" y="T61"/>
+              </a:cxn>
+              <a:cxn ang="0">
+                <a:pos x="T62" y="T63"/>
+              </a:cxn>
+              <a:cxn ang="0">
+                <a:pos x="T64" y="T65"/>
+              </a:cxn>
+              <a:cxn ang="0">
+                <a:pos x="T66" y="T67"/>
+              </a:cxn>
+              <a:cxn ang="0">
+                <a:pos x="T68" y="T69"/>
+              </a:cxn>
+              <a:cxn ang="0">
+                <a:pos x="T70" y="T71"/>
+              </a:cxn>
+            </a:cxnLst>
+            <a:rect l="0" t="0" r="r" b="b"/>
+            <a:pathLst>
+              <a:path w="1990" h="1954">
+                <a:moveTo>
+                  <a:pt x="1231" y="1534"/>
+                </a:moveTo>
+                <a:cubicBezTo>
+                  <a:pt x="1258" y="1542"/>
+                  <a:pt x="1285" y="1548"/>
+                  <a:pt x="1312" y="1552"/>
+                </a:cubicBezTo>
+                <a:cubicBezTo>
+                  <a:pt x="1272" y="1665"/>
+                  <a:pt x="1165" y="1746"/>
+                  <a:pt x="1039" y="1746"/>
+                </a:cubicBezTo>
+                <a:lnTo>
+                  <a:pt x="291" y="1746"/>
+                </a:lnTo>
+                <a:cubicBezTo>
+                  <a:pt x="131" y="1746"/>
+                  <a:pt x="0" y="1615"/>
+                  <a:pt x="0" y="1455"/>
+                </a:cubicBezTo>
+                <a:lnTo>
+                  <a:pt x="0" y="540"/>
+                </a:lnTo>
+                <a:cubicBezTo>
+                  <a:pt x="0" y="380"/>
+                  <a:pt x="131" y="249"/>
+                  <a:pt x="291" y="249"/>
+                </a:cubicBezTo>
+                <a:lnTo>
+                  <a:pt x="515" y="249"/>
+                </a:lnTo>
+                <a:cubicBezTo>
+                  <a:pt x="535" y="109"/>
+                  <a:pt x="656" y="0"/>
+                  <a:pt x="802" y="0"/>
+                </a:cubicBezTo>
+                <a:lnTo>
+                  <a:pt x="1205" y="0"/>
+                </a:lnTo>
+                <a:cubicBezTo>
+                  <a:pt x="1366" y="0"/>
+                  <a:pt x="1496" y="131"/>
+                  <a:pt x="1496" y="291"/>
+                </a:cubicBezTo>
+                <a:lnTo>
+                  <a:pt x="1496" y="489"/>
+                </a:lnTo>
+                <a:cubicBezTo>
+                  <a:pt x="1469" y="484"/>
+                  <a:pt x="1441" y="480"/>
+                  <a:pt x="1413" y="479"/>
+                </a:cubicBezTo>
+                <a:lnTo>
+                  <a:pt x="1413" y="291"/>
+                </a:lnTo>
+                <a:cubicBezTo>
+                  <a:pt x="1413" y="176"/>
+                  <a:pt x="1320" y="83"/>
+                  <a:pt x="1205" y="83"/>
+                </a:cubicBezTo>
+                <a:lnTo>
+                  <a:pt x="802" y="83"/>
+                </a:lnTo>
+                <a:cubicBezTo>
+                  <a:pt x="701" y="83"/>
+                  <a:pt x="617" y="155"/>
+                  <a:pt x="598" y="249"/>
+                </a:cubicBezTo>
+                <a:lnTo>
+                  <a:pt x="1039" y="249"/>
+                </a:lnTo>
+                <a:cubicBezTo>
+                  <a:pt x="1180" y="249"/>
+                  <a:pt x="1297" y="349"/>
+                  <a:pt x="1324" y="482"/>
+                </a:cubicBezTo>
+                <a:cubicBezTo>
+                  <a:pt x="1297" y="485"/>
+                  <a:pt x="1270" y="491"/>
+                  <a:pt x="1243" y="499"/>
+                </a:cubicBezTo>
+                <a:cubicBezTo>
+                  <a:pt x="1224" y="404"/>
+                  <a:pt x="1140" y="333"/>
+                  <a:pt x="1039" y="333"/>
+                </a:cubicBezTo>
+                <a:lnTo>
+                  <a:pt x="291" y="333"/>
+                </a:lnTo>
+                <a:cubicBezTo>
+                  <a:pt x="177" y="333"/>
+                  <a:pt x="83" y="426"/>
+                  <a:pt x="83" y="540"/>
+                </a:cubicBezTo>
+                <a:lnTo>
+                  <a:pt x="83" y="1455"/>
+                </a:lnTo>
+                <a:cubicBezTo>
+                  <a:pt x="83" y="1569"/>
+                  <a:pt x="177" y="1663"/>
+                  <a:pt x="291" y="1663"/>
+                </a:cubicBezTo>
+                <a:lnTo>
+                  <a:pt x="1039" y="1663"/>
+                </a:lnTo>
+                <a:cubicBezTo>
+                  <a:pt x="1126" y="1663"/>
+                  <a:pt x="1200" y="1609"/>
+                  <a:pt x="1231" y="1534"/>
+                </a:cubicBezTo>
+                <a:close/>
+                <a:moveTo>
+                  <a:pt x="1641" y="1453"/>
+                </a:moveTo>
+                <a:cubicBezTo>
+                  <a:pt x="1401" y="1591"/>
+                  <a:pt x="1093" y="1509"/>
+                  <a:pt x="955" y="1269"/>
+                </a:cubicBezTo>
+                <a:cubicBezTo>
+                  <a:pt x="816" y="1029"/>
+                  <a:pt x="899" y="722"/>
+                  <a:pt x="1138" y="583"/>
+                </a:cubicBezTo>
+                <a:cubicBezTo>
+                  <a:pt x="1378" y="445"/>
+                  <a:pt x="1686" y="527"/>
+                  <a:pt x="1824" y="767"/>
+                </a:cubicBezTo>
+                <a:cubicBezTo>
+                  <a:pt x="1963" y="1007"/>
+                  <a:pt x="1880" y="1314"/>
+                  <a:pt x="1641" y="1453"/>
+                </a:cubicBezTo>
+                <a:close/>
+                <a:moveTo>
+                  <a:pt x="1599" y="1381"/>
+                </a:moveTo>
+                <a:cubicBezTo>
+                  <a:pt x="1799" y="1266"/>
+                  <a:pt x="1868" y="1009"/>
+                  <a:pt x="1752" y="809"/>
+                </a:cubicBezTo>
+                <a:cubicBezTo>
+                  <a:pt x="1637" y="608"/>
+                  <a:pt x="1380" y="539"/>
+                  <a:pt x="1180" y="655"/>
+                </a:cubicBezTo>
+                <a:cubicBezTo>
+                  <a:pt x="980" y="771"/>
+                  <a:pt x="911" y="1027"/>
+                  <a:pt x="1026" y="1228"/>
+                </a:cubicBezTo>
+                <a:cubicBezTo>
+                  <a:pt x="1142" y="1428"/>
+                  <a:pt x="1399" y="1497"/>
+                  <a:pt x="1599" y="1381"/>
+                </a:cubicBezTo>
+                <a:close/>
+                <a:moveTo>
+                  <a:pt x="1767" y="1422"/>
+                </a:moveTo>
+                <a:lnTo>
+                  <a:pt x="1551" y="1547"/>
+                </a:lnTo>
+                <a:lnTo>
+                  <a:pt x="1717" y="1835"/>
+                </a:lnTo>
+                <a:lnTo>
+                  <a:pt x="1933" y="1710"/>
+                </a:lnTo>
+                <a:lnTo>
+                  <a:pt x="1767" y="1422"/>
+                </a:lnTo>
+                <a:close/>
+                <a:moveTo>
+                  <a:pt x="1956" y="1749"/>
+                </a:moveTo>
+                <a:lnTo>
+                  <a:pt x="1739" y="1874"/>
+                </a:lnTo>
+                <a:cubicBezTo>
+                  <a:pt x="1774" y="1934"/>
+                  <a:pt x="1850" y="1954"/>
+                  <a:pt x="1910" y="1919"/>
+                </a:cubicBezTo>
+                <a:cubicBezTo>
+                  <a:pt x="1969" y="1885"/>
+                  <a:pt x="1990" y="1809"/>
+                  <a:pt x="1956" y="1749"/>
+                </a:cubicBezTo>
+                <a:close/>
+                <a:moveTo>
+                  <a:pt x="803" y="551"/>
+                </a:moveTo>
+                <a:lnTo>
+                  <a:pt x="249" y="551"/>
+                </a:lnTo>
+                <a:lnTo>
+                  <a:pt x="249" y="613"/>
+                </a:lnTo>
+                <a:lnTo>
+                  <a:pt x="803" y="613"/>
+                </a:lnTo>
+                <a:lnTo>
+                  <a:pt x="803" y="551"/>
+                </a:lnTo>
+                <a:close/>
+                <a:moveTo>
+                  <a:pt x="675" y="828"/>
+                </a:moveTo>
+                <a:lnTo>
+                  <a:pt x="249" y="828"/>
+                </a:lnTo>
+                <a:lnTo>
+                  <a:pt x="249" y="890"/>
+                </a:lnTo>
+                <a:lnTo>
+                  <a:pt x="675" y="890"/>
+                </a:lnTo>
+                <a:lnTo>
+                  <a:pt x="675" y="828"/>
+                </a:lnTo>
+                <a:close/>
+                <a:moveTo>
+                  <a:pt x="249" y="1167"/>
+                </a:moveTo>
+                <a:lnTo>
+                  <a:pt x="675" y="1167"/>
+                </a:lnTo>
+                <a:lnTo>
+                  <a:pt x="675" y="1105"/>
+                </a:lnTo>
+                <a:lnTo>
+                  <a:pt x="249" y="1105"/>
+                </a:lnTo>
+                <a:lnTo>
+                  <a:pt x="249" y="1167"/>
+                </a:lnTo>
+                <a:close/>
+                <a:moveTo>
+                  <a:pt x="249" y="1444"/>
+                </a:moveTo>
+                <a:lnTo>
+                  <a:pt x="803" y="1444"/>
+                </a:lnTo>
+                <a:lnTo>
+                  <a:pt x="803" y="1382"/>
+                </a:lnTo>
+                <a:lnTo>
+                  <a:pt x="249" y="1382"/>
+                </a:lnTo>
+                <a:lnTo>
+                  <a:pt x="249" y="1444"/>
+                </a:lnTo>
+                <a:close/>
+                <a:moveTo>
+                  <a:pt x="1308" y="1105"/>
+                </a:moveTo>
+                <a:lnTo>
+                  <a:pt x="1179" y="961"/>
+                </a:lnTo>
+                <a:lnTo>
+                  <a:pt x="1118" y="1017"/>
+                </a:lnTo>
+                <a:lnTo>
+                  <a:pt x="1300" y="1219"/>
+                </a:lnTo>
+                <a:lnTo>
+                  <a:pt x="1657" y="922"/>
+                </a:lnTo>
+                <a:lnTo>
+                  <a:pt x="1604" y="858"/>
+                </a:lnTo>
+                <a:lnTo>
+                  <a:pt x="1308" y="1105"/>
+                </a:lnTo>
+                <a:close/>
+              </a:path>
+            </a:pathLst>
+          </a:custGeom>
+          <a:solidFill>
+            <a:schemeClr val="bg1"/>
+          </a:solidFill>
+          <a:ln>
+            <a:noFill/>
+          </a:ln>
+        </p:spPr>
+        <p:txBody>
+          <a:bodyPr vert="horz" wrap="square" lIns="182832" tIns="91416" rIns="182832" bIns="91416" numCol="1" anchor="t" anchorCtr="0" compatLnSpc="1">
+            <a:prstTxWarp prst="textNoShape">
+              <a:avLst/>
+            </a:prstTxWarp>
+          </a:bodyPr>
+          <a:lstStyle>
+            <a:defPPr>
+              <a:defRPr lang="zh-CN"/>
+            </a:defPPr>
+            <a:lvl1pPr marL="0" algn="l" defTabSz="914377" rtl="0" eaLnBrk="1" latinLnBrk="0" hangingPunct="1">
+              <a:defRPr sz="1800" kern="1200">
+                <a:solidFill>
+                  <a:schemeClr val="tx1"/>
+                </a:solidFill>
+              </a:defRPr>
+            </a:lvl1pPr>
+            <a:lvl2pPr marL="457189" algn="l" defTabSz="914377" rtl="0" eaLnBrk="1" latinLnBrk="0" hangingPunct="1">
+              <a:defRPr sz="1800" kern="1200">
+                <a:solidFill>
+                  <a:schemeClr val="tx1"/>
+                </a:solidFill>
+              </a:defRPr>
+            </a:lvl2pPr>
+            <a:lvl3pPr marL="914377" algn="l" defTabSz="914377" rtl="0" eaLnBrk="1" latinLnBrk="0" hangingPunct="1">
+              <a:defRPr sz="1800" kern="1200">
+                <a:solidFill>
+                  <a:schemeClr val="tx1"/>
+                </a:solidFill>
+              </a:defRPr>
+            </a:lvl3pPr>
+            <a:lvl4pPr marL="1371566" algn="l" defTabSz="914377" rtl="0" eaLnBrk="1" latinLnBrk="0" hangingPunct="1">
+              <a:defRPr sz="1800" kern="1200">
+                <a:solidFill>
+                  <a:schemeClr val="tx1"/>
+                </a:solidFill>
+              </a:defRPr>
+            </a:lvl4pPr>
+            <a:lvl5pPr marL="1828754" algn="l" defTabSz="914377" rtl="0" eaLnBrk="1" latinLnBrk="0" hangingPunct="1">
+              <a:defRPr sz="1800" kern="1200">
+                <a:solidFill>
+                  <a:schemeClr val="tx1"/>
+                </a:solidFill>
+              </a:defRPr>
+            </a:lvl5pPr>
+            <a:lvl6pPr marL="2285943" algn="l" defTabSz="914377" rtl="0" eaLnBrk="1" latinLnBrk="0" hangingPunct="1">
+              <a:defRPr sz="1800" kern="1200">
+                <a:solidFill>
+                  <a:schemeClr val="tx1"/>
+                </a:solidFill>
+              </a:defRPr>
+            </a:lvl6pPr>
+            <a:lvl7pPr marL="2743131" algn="l" defTabSz="914377" rtl="0" eaLnBrk="1" latinLnBrk="0" hangingPunct="1">
+              <a:defRPr sz="1800" kern="1200">
+                <a:solidFill>
+                  <a:schemeClr val="tx1"/>
+                </a:solidFill>
+              </a:defRPr>
+            </a:lvl7pPr>
+            <a:lvl8pPr marL="3200320" algn="l" defTabSz="914377" rtl="0" eaLnBrk="1" latinLnBrk="0" hangingPunct="1">
+              <a:defRPr sz="1800" kern="1200">
+                <a:solidFill>
+                  <a:schemeClr val="tx1"/>
+                </a:solidFill>
+              </a:defRPr>
+            </a:lvl8pPr>
+            <a:lvl9pPr marL="3657509" algn="l" defTabSz="914377" rtl="0" eaLnBrk="1" latinLnBrk="0" hangingPunct="1">
+              <a:defRPr sz="1800" kern="1200">
+                <a:solidFill>
+                  <a:schemeClr val="tx1"/>
+                </a:solidFill>
+              </a:defRPr>
+            </a:lvl9pPr>
+          </a:lstStyle>
+          <a:p>
+            <a:endParaRPr lang="en-US" sz="7198" dirty="0"/>
+          </a:p>
+        </p:txBody>
+      </p:sp>
+      <p:sp>
+        <p:nvSpPr>
+          <p:cNvPr id="460" name="îşḷîḓè">
+            <a:extLst>
+              <a:ext uri="{FF2B5EF4-FFF2-40B4-BE49-F238E27FC236}">
+                <a16:creationId xmlns:a16="http://schemas.microsoft.com/office/drawing/2014/main" id="{4B326724-5D6B-4955-87F3-94DA31CC46A2}"/>
+              </a:ext>
+            </a:extLst>
+          </p:cNvPr>
+          <p:cNvSpPr/>
+          <p:nvPr/>
+        </p:nvSpPr>
+        <p:spPr>
+          <a:xfrm>
+            <a:off x="9610482" y="3793369"/>
+            <a:ext cx="548728" cy="548732"/>
+          </a:xfrm>
+          <a:prstGeom prst="ellipse">
+            <a:avLst/>
+          </a:prstGeom>
+          <a:solidFill>
+            <a:schemeClr val="accent3"/>
+          </a:solidFill>
+          <a:ln w="38100">
+            <a:noFill/>
+          </a:ln>
+        </p:spPr>
+        <p:style>
+          <a:lnRef idx="2">
+            <a:schemeClr val="accent1">
+              <a:shade val="50000"/>
+            </a:schemeClr>
+          </a:lnRef>
+          <a:fillRef idx="1">
+            <a:schemeClr val="accent1"/>
+          </a:fillRef>
+          <a:effectRef idx="0">
+            <a:schemeClr val="accent1"/>
+          </a:effectRef>
+          <a:fontRef idx="minor">
+            <a:schemeClr val="lt1"/>
+          </a:fontRef>
+        </p:style>
+        <p:txBody>
+          <a:bodyPr rtlCol="0" anchor="ctr"/>
+          <a:lstStyle>
+            <a:defPPr>
+              <a:defRPr lang="zh-CN"/>
+            </a:defPPr>
+            <a:lvl1pPr marL="0" algn="l" defTabSz="914377" rtl="0" eaLnBrk="1" latinLnBrk="0" hangingPunct="1">
+              <a:defRPr sz="1800" kern="1200">
+                <a:solidFill>
+                  <a:schemeClr val="lt1"/>
+                </a:solidFill>
+              </a:defRPr>
+            </a:lvl1pPr>
+            <a:lvl2pPr marL="457189" algn="l" defTabSz="914377" rtl="0" eaLnBrk="1" latinLnBrk="0" hangingPunct="1">
+              <a:defRPr sz="1800" kern="1200">
+                <a:solidFill>
+                  <a:schemeClr val="lt1"/>
+                </a:solidFill>
+              </a:defRPr>
+            </a:lvl2pPr>
+            <a:lvl3pPr marL="914377" algn="l" defTabSz="914377" rtl="0" eaLnBrk="1" latinLnBrk="0" hangingPunct="1">
+              <a:defRPr sz="1800" kern="1200">
+                <a:solidFill>
+                  <a:schemeClr val="lt1"/>
+                </a:solidFill>
+              </a:defRPr>
+            </a:lvl3pPr>
+            <a:lvl4pPr marL="1371566" algn="l" defTabSz="914377" rtl="0" eaLnBrk="1" latinLnBrk="0" hangingPunct="1">
+              <a:defRPr sz="1800" kern="1200">
+                <a:solidFill>
+                  <a:schemeClr val="lt1"/>
+                </a:solidFill>
+              </a:defRPr>
+            </a:lvl4pPr>
+            <a:lvl5pPr marL="1828754" algn="l" defTabSz="914377" rtl="0" eaLnBrk="1" latinLnBrk="0" hangingPunct="1">
+              <a:defRPr sz="1800" kern="1200">
+                <a:solidFill>
+                  <a:schemeClr val="lt1"/>
+                </a:solidFill>
+              </a:defRPr>
+            </a:lvl5pPr>
+            <a:lvl6pPr marL="2285943" algn="l" defTabSz="914377" rtl="0" eaLnBrk="1" latinLnBrk="0" hangingPunct="1">
+              <a:defRPr sz="1800" kern="1200">
+                <a:solidFill>
+                  <a:schemeClr val="lt1"/>
+                </a:solidFill>
+              </a:defRPr>
+            </a:lvl6pPr>
+            <a:lvl7pPr marL="2743131" algn="l" defTabSz="914377" rtl="0" eaLnBrk="1" latinLnBrk="0" hangingPunct="1">
+              <a:defRPr sz="1800" kern="1200">
+                <a:solidFill>
+                  <a:schemeClr val="lt1"/>
+                </a:solidFill>
+              </a:defRPr>
+            </a:lvl7pPr>
+            <a:lvl8pPr marL="3200320" algn="l" defTabSz="914377" rtl="0" eaLnBrk="1" latinLnBrk="0" hangingPunct="1">
+              <a:defRPr sz="1800" kern="1200">
+                <a:solidFill>
+                  <a:schemeClr val="lt1"/>
+                </a:solidFill>
+              </a:defRPr>
+            </a:lvl8pPr>
+            <a:lvl9pPr marL="3657509" algn="l" defTabSz="914377" rtl="0" eaLnBrk="1" latinLnBrk="0" hangingPunct="1">
+              <a:defRPr sz="1800" kern="1200">
+                <a:solidFill>
+                  <a:schemeClr val="lt1"/>
+                </a:solidFill>
+              </a:defRPr>
+            </a:lvl9pPr>
+          </a:lstStyle>
+          <a:p>
+            <a:pPr algn="ctr"/>
+            <a:endParaRPr lang="zh-CN" altLang="en-US" dirty="0"/>
+          </a:p>
+        </p:txBody>
+      </p:sp>
+      <p:sp>
+        <p:nvSpPr>
+          <p:cNvPr id="461" name="iSliďè">
+            <a:extLst>
+              <a:ext uri="{FF2B5EF4-FFF2-40B4-BE49-F238E27FC236}">
+                <a16:creationId xmlns:a16="http://schemas.microsoft.com/office/drawing/2014/main" id="{CA1DA441-539A-4028-9F02-076BD3EF2963}"/>
+              </a:ext>
+            </a:extLst>
+          </p:cNvPr>
+          <p:cNvSpPr/>
+          <p:nvPr/>
+        </p:nvSpPr>
+        <p:spPr bwMode="auto">
+          <a:xfrm>
+            <a:off x="2157929" y="3927107"/>
+            <a:ext cx="279798" cy="274343"/>
+          </a:xfrm>
+          <a:custGeom>
+            <a:avLst/>
+            <a:gdLst>
+              <a:gd name="T0" fmla="*/ 1312 w 1990"/>
+              <a:gd name="T1" fmla="*/ 1552 h 1954"/>
+              <a:gd name="T2" fmla="*/ 291 w 1990"/>
+              <a:gd name="T3" fmla="*/ 1746 h 1954"/>
+              <a:gd name="T4" fmla="*/ 0 w 1990"/>
+              <a:gd name="T5" fmla="*/ 540 h 1954"/>
+              <a:gd name="T6" fmla="*/ 515 w 1990"/>
+              <a:gd name="T7" fmla="*/ 249 h 1954"/>
+              <a:gd name="T8" fmla="*/ 1205 w 1990"/>
+              <a:gd name="T9" fmla="*/ 0 h 1954"/>
+              <a:gd name="T10" fmla="*/ 1496 w 1990"/>
+              <a:gd name="T11" fmla="*/ 489 h 1954"/>
+              <a:gd name="T12" fmla="*/ 1413 w 1990"/>
+              <a:gd name="T13" fmla="*/ 291 h 1954"/>
+              <a:gd name="T14" fmla="*/ 802 w 1990"/>
+              <a:gd name="T15" fmla="*/ 83 h 1954"/>
+              <a:gd name="T16" fmla="*/ 1039 w 1990"/>
+              <a:gd name="T17" fmla="*/ 249 h 1954"/>
+              <a:gd name="T18" fmla="*/ 1243 w 1990"/>
+              <a:gd name="T19" fmla="*/ 499 h 1954"/>
+              <a:gd name="T20" fmla="*/ 291 w 1990"/>
+              <a:gd name="T21" fmla="*/ 333 h 1954"/>
+              <a:gd name="T22" fmla="*/ 83 w 1990"/>
+              <a:gd name="T23" fmla="*/ 1455 h 1954"/>
+              <a:gd name="T24" fmla="*/ 1039 w 1990"/>
+              <a:gd name="T25" fmla="*/ 1663 h 1954"/>
+              <a:gd name="T26" fmla="*/ 1641 w 1990"/>
+              <a:gd name="T27" fmla="*/ 1453 h 1954"/>
+              <a:gd name="T28" fmla="*/ 1138 w 1990"/>
+              <a:gd name="T29" fmla="*/ 583 h 1954"/>
+              <a:gd name="T30" fmla="*/ 1641 w 1990"/>
+              <a:gd name="T31" fmla="*/ 1453 h 1954"/>
+              <a:gd name="T32" fmla="*/ 1752 w 1990"/>
+              <a:gd name="T33" fmla="*/ 809 h 1954"/>
+              <a:gd name="T34" fmla="*/ 1026 w 1990"/>
+              <a:gd name="T35" fmla="*/ 1228 h 1954"/>
+              <a:gd name="T36" fmla="*/ 1767 w 1990"/>
+              <a:gd name="T37" fmla="*/ 1422 h 1954"/>
+              <a:gd name="T38" fmla="*/ 1717 w 1990"/>
+              <a:gd name="T39" fmla="*/ 1835 h 1954"/>
+              <a:gd name="T40" fmla="*/ 1767 w 1990"/>
+              <a:gd name="T41" fmla="*/ 1422 h 1954"/>
+              <a:gd name="T42" fmla="*/ 1739 w 1990"/>
+              <a:gd name="T43" fmla="*/ 1874 h 1954"/>
+              <a:gd name="T44" fmla="*/ 1956 w 1990"/>
+              <a:gd name="T45" fmla="*/ 1749 h 1954"/>
+              <a:gd name="T46" fmla="*/ 249 w 1990"/>
+              <a:gd name="T47" fmla="*/ 551 h 1954"/>
+              <a:gd name="T48" fmla="*/ 803 w 1990"/>
+              <a:gd name="T49" fmla="*/ 613 h 1954"/>
+              <a:gd name="T50" fmla="*/ 675 w 1990"/>
+              <a:gd name="T51" fmla="*/ 828 h 1954"/>
+              <a:gd name="T52" fmla="*/ 249 w 1990"/>
+              <a:gd name="T53" fmla="*/ 890 h 1954"/>
+              <a:gd name="T54" fmla="*/ 675 w 1990"/>
+              <a:gd name="T55" fmla="*/ 828 h 1954"/>
+              <a:gd name="T56" fmla="*/ 675 w 1990"/>
+              <a:gd name="T57" fmla="*/ 1167 h 1954"/>
+              <a:gd name="T58" fmla="*/ 249 w 1990"/>
+              <a:gd name="T59" fmla="*/ 1105 h 1954"/>
+              <a:gd name="T60" fmla="*/ 249 w 1990"/>
+              <a:gd name="T61" fmla="*/ 1444 h 1954"/>
+              <a:gd name="T62" fmla="*/ 803 w 1990"/>
+              <a:gd name="T63" fmla="*/ 1382 h 1954"/>
+              <a:gd name="T64" fmla="*/ 249 w 1990"/>
+              <a:gd name="T65" fmla="*/ 1444 h 1954"/>
+              <a:gd name="T66" fmla="*/ 1179 w 1990"/>
+              <a:gd name="T67" fmla="*/ 961 h 1954"/>
+              <a:gd name="T68" fmla="*/ 1300 w 1990"/>
+              <a:gd name="T69" fmla="*/ 1219 h 1954"/>
+              <a:gd name="T70" fmla="*/ 1604 w 1990"/>
+              <a:gd name="T71" fmla="*/ 858 h 1954"/>
+            </a:gdLst>
+            <a:ahLst/>
+            <a:cxnLst>
+              <a:cxn ang="0">
+                <a:pos x="T0" y="T1"/>
+              </a:cxn>
+              <a:cxn ang="0">
+                <a:pos x="T2" y="T3"/>
+              </a:cxn>
+              <a:cxn ang="0">
+                <a:pos x="T4" y="T5"/>
+              </a:cxn>
+              <a:cxn ang="0">
+                <a:pos x="T6" y="T7"/>
+              </a:cxn>
+              <a:cxn ang="0">
+                <a:pos x="T8" y="T9"/>
+              </a:cxn>
+              <a:cxn ang="0">
+                <a:pos x="T10" y="T11"/>
+              </a:cxn>
+              <a:cxn ang="0">
+                <a:pos x="T12" y="T13"/>
+              </a:cxn>
+              <a:cxn ang="0">
+                <a:pos x="T14" y="T15"/>
+              </a:cxn>
+              <a:cxn ang="0">
+                <a:pos x="T16" y="T17"/>
+              </a:cxn>
+              <a:cxn ang="0">
+                <a:pos x="T18" y="T19"/>
+              </a:cxn>
+              <a:cxn ang="0">
+                <a:pos x="T20" y="T21"/>
+              </a:cxn>
+              <a:cxn ang="0">
+                <a:pos x="T22" y="T23"/>
+              </a:cxn>
+              <a:cxn ang="0">
+                <a:pos x="T24" y="T25"/>
+              </a:cxn>
+              <a:cxn ang="0">
+                <a:pos x="T26" y="T27"/>
+              </a:cxn>
+              <a:cxn ang="0">
+                <a:pos x="T28" y="T29"/>
+              </a:cxn>
+              <a:cxn ang="0">
+                <a:pos x="T30" y="T31"/>
+              </a:cxn>
+              <a:cxn ang="0">
+                <a:pos x="T32" y="T33"/>
+              </a:cxn>
+              <a:cxn ang="0">
+                <a:pos x="T34" y="T35"/>
+              </a:cxn>
+              <a:cxn ang="0">
+                <a:pos x="T36" y="T37"/>
+              </a:cxn>
+              <a:cxn ang="0">
+                <a:pos x="T38" y="T39"/>
+              </a:cxn>
+              <a:cxn ang="0">
+                <a:pos x="T40" y="T41"/>
+              </a:cxn>
+              <a:cxn ang="0">
+                <a:pos x="T42" y="T43"/>
+              </a:cxn>
+              <a:cxn ang="0">
+                <a:pos x="T44" y="T45"/>
+              </a:cxn>
+              <a:cxn ang="0">
+                <a:pos x="T46" y="T47"/>
+              </a:cxn>
+              <a:cxn ang="0">
+                <a:pos x="T48" y="T49"/>
+              </a:cxn>
+              <a:cxn ang="0">
+                <a:pos x="T50" y="T51"/>
+              </a:cxn>
+              <a:cxn ang="0">
+                <a:pos x="T52" y="T53"/>
+              </a:cxn>
+              <a:cxn ang="0">
+                <a:pos x="T54" y="T55"/>
+              </a:cxn>
+              <a:cxn ang="0">
+                <a:pos x="T56" y="T57"/>
+              </a:cxn>
+              <a:cxn ang="0">
+                <a:pos x="T58" y="T59"/>
+              </a:cxn>
+              <a:cxn ang="0">
+                <a:pos x="T60" y="T61"/>
+              </a:cxn>
+              <a:cxn ang="0">
+                <a:pos x="T62" y="T63"/>
+              </a:cxn>
+              <a:cxn ang="0">
+                <a:pos x="T64" y="T65"/>
+              </a:cxn>
+              <a:cxn ang="0">
+                <a:pos x="T66" y="T67"/>
+              </a:cxn>
+              <a:cxn ang="0">
+                <a:pos x="T68" y="T69"/>
+              </a:cxn>
+              <a:cxn ang="0">
+                <a:pos x="T70" y="T71"/>
+              </a:cxn>
+            </a:cxnLst>
+            <a:rect l="0" t="0" r="r" b="b"/>
+            <a:pathLst>
+              <a:path w="1990" h="1954">
+                <a:moveTo>
+                  <a:pt x="1231" y="1534"/>
+                </a:moveTo>
+                <a:cubicBezTo>
+                  <a:pt x="1258" y="1542"/>
+                  <a:pt x="1285" y="1548"/>
+                  <a:pt x="1312" y="1552"/>
+                </a:cubicBezTo>
+                <a:cubicBezTo>
+                  <a:pt x="1272" y="1665"/>
+                  <a:pt x="1165" y="1746"/>
+                  <a:pt x="1039" y="1746"/>
+                </a:cubicBezTo>
+                <a:lnTo>
+                  <a:pt x="291" y="1746"/>
+                </a:lnTo>
+                <a:cubicBezTo>
+                  <a:pt x="131" y="1746"/>
+                  <a:pt x="0" y="1615"/>
+                  <a:pt x="0" y="1455"/>
+                </a:cubicBezTo>
+                <a:lnTo>
+                  <a:pt x="0" y="540"/>
+                </a:lnTo>
+                <a:cubicBezTo>
+                  <a:pt x="0" y="380"/>
+                  <a:pt x="131" y="249"/>
+                  <a:pt x="291" y="249"/>
+                </a:cubicBezTo>
+                <a:lnTo>
+                  <a:pt x="515" y="249"/>
+                </a:lnTo>
+                <a:cubicBezTo>
+                  <a:pt x="535" y="109"/>
+                  <a:pt x="656" y="0"/>
+                  <a:pt x="802" y="0"/>
+                </a:cubicBezTo>
+                <a:lnTo>
+                  <a:pt x="1205" y="0"/>
+                </a:lnTo>
+                <a:cubicBezTo>
+                  <a:pt x="1366" y="0"/>
+                  <a:pt x="1496" y="131"/>
+                  <a:pt x="1496" y="291"/>
+                </a:cubicBezTo>
+                <a:lnTo>
+                  <a:pt x="1496" y="489"/>
+                </a:lnTo>
+                <a:cubicBezTo>
+                  <a:pt x="1469" y="484"/>
+                  <a:pt x="1441" y="480"/>
+                  <a:pt x="1413" y="479"/>
+                </a:cubicBezTo>
+                <a:lnTo>
+                  <a:pt x="1413" y="291"/>
+                </a:lnTo>
+                <a:cubicBezTo>
+                  <a:pt x="1413" y="176"/>
+                  <a:pt x="1320" y="83"/>
+                  <a:pt x="1205" y="83"/>
+                </a:cubicBezTo>
+                <a:lnTo>
+                  <a:pt x="802" y="83"/>
+                </a:lnTo>
+                <a:cubicBezTo>
+                  <a:pt x="701" y="83"/>
+                  <a:pt x="617" y="155"/>
+                  <a:pt x="598" y="249"/>
+                </a:cubicBezTo>
+                <a:lnTo>
+                  <a:pt x="1039" y="249"/>
+                </a:lnTo>
+                <a:cubicBezTo>
+                  <a:pt x="1180" y="249"/>
+                  <a:pt x="1297" y="349"/>
+                  <a:pt x="1324" y="482"/>
+                </a:cubicBezTo>
+                <a:cubicBezTo>
+                  <a:pt x="1297" y="485"/>
+                  <a:pt x="1270" y="491"/>
+                  <a:pt x="1243" y="499"/>
+                </a:cubicBezTo>
+                <a:cubicBezTo>
+                  <a:pt x="1224" y="404"/>
+                  <a:pt x="1140" y="333"/>
+                  <a:pt x="1039" y="333"/>
+                </a:cubicBezTo>
+                <a:lnTo>
+                  <a:pt x="291" y="333"/>
+                </a:lnTo>
+                <a:cubicBezTo>
+                  <a:pt x="177" y="333"/>
+                  <a:pt x="83" y="426"/>
+                  <a:pt x="83" y="540"/>
+                </a:cubicBezTo>
+                <a:lnTo>
+                  <a:pt x="83" y="1455"/>
+                </a:lnTo>
+                <a:cubicBezTo>
+                  <a:pt x="83" y="1569"/>
+                  <a:pt x="177" y="1663"/>
+                  <a:pt x="291" y="1663"/>
+                </a:cubicBezTo>
+                <a:lnTo>
+                  <a:pt x="1039" y="1663"/>
+                </a:lnTo>
+                <a:cubicBezTo>
+                  <a:pt x="1126" y="1663"/>
+                  <a:pt x="1200" y="1609"/>
+                  <a:pt x="1231" y="1534"/>
+                </a:cubicBezTo>
+                <a:close/>
+                <a:moveTo>
+                  <a:pt x="1641" y="1453"/>
+                </a:moveTo>
+                <a:cubicBezTo>
+                  <a:pt x="1401" y="1591"/>
+                  <a:pt x="1093" y="1509"/>
+                  <a:pt x="955" y="1269"/>
+                </a:cubicBezTo>
+                <a:cubicBezTo>
+                  <a:pt x="816" y="1029"/>
+                  <a:pt x="899" y="722"/>
+                  <a:pt x="1138" y="583"/>
+                </a:cubicBezTo>
+                <a:cubicBezTo>
+                  <a:pt x="1378" y="445"/>
+                  <a:pt x="1686" y="527"/>
+                  <a:pt x="1824" y="767"/>
+                </a:cubicBezTo>
+                <a:cubicBezTo>
+                  <a:pt x="1963" y="1007"/>
+                  <a:pt x="1880" y="1314"/>
+                  <a:pt x="1641" y="1453"/>
+                </a:cubicBezTo>
+                <a:close/>
+                <a:moveTo>
+                  <a:pt x="1599" y="1381"/>
+                </a:moveTo>
+                <a:cubicBezTo>
+                  <a:pt x="1799" y="1266"/>
+                  <a:pt x="1868" y="1009"/>
+                  <a:pt x="1752" y="809"/>
+                </a:cubicBezTo>
+                <a:cubicBezTo>
+                  <a:pt x="1637" y="608"/>
+                  <a:pt x="1380" y="539"/>
+                  <a:pt x="1180" y="655"/>
+                </a:cubicBezTo>
+                <a:cubicBezTo>
+                  <a:pt x="980" y="771"/>
+                  <a:pt x="911" y="1027"/>
+                  <a:pt x="1026" y="1228"/>
+                </a:cubicBezTo>
+                <a:cubicBezTo>
+                  <a:pt x="1142" y="1428"/>
+                  <a:pt x="1399" y="1497"/>
+                  <a:pt x="1599" y="1381"/>
+                </a:cubicBezTo>
+                <a:close/>
+                <a:moveTo>
+                  <a:pt x="1767" y="1422"/>
+                </a:moveTo>
+                <a:lnTo>
+                  <a:pt x="1551" y="1547"/>
+                </a:lnTo>
+                <a:lnTo>
+                  <a:pt x="1717" y="1835"/>
+                </a:lnTo>
+                <a:lnTo>
+                  <a:pt x="1933" y="1710"/>
+                </a:lnTo>
+                <a:lnTo>
+                  <a:pt x="1767" y="1422"/>
+                </a:lnTo>
+                <a:close/>
+                <a:moveTo>
+                  <a:pt x="1956" y="1749"/>
+                </a:moveTo>
+                <a:lnTo>
+                  <a:pt x="1739" y="1874"/>
+                </a:lnTo>
+                <a:cubicBezTo>
+                  <a:pt x="1774" y="1934"/>
+                  <a:pt x="1850" y="1954"/>
+                  <a:pt x="1910" y="1919"/>
+                </a:cubicBezTo>
+                <a:cubicBezTo>
+                  <a:pt x="1969" y="1885"/>
+                  <a:pt x="1990" y="1809"/>
+                  <a:pt x="1956" y="1749"/>
+                </a:cubicBezTo>
+                <a:close/>
+                <a:moveTo>
+                  <a:pt x="803" y="551"/>
+                </a:moveTo>
+                <a:lnTo>
+                  <a:pt x="249" y="551"/>
+                </a:lnTo>
+                <a:lnTo>
+                  <a:pt x="249" y="613"/>
+                </a:lnTo>
+                <a:lnTo>
+                  <a:pt x="803" y="613"/>
+                </a:lnTo>
+                <a:lnTo>
+                  <a:pt x="803" y="551"/>
+                </a:lnTo>
+                <a:close/>
+                <a:moveTo>
+                  <a:pt x="675" y="828"/>
+                </a:moveTo>
+                <a:lnTo>
+                  <a:pt x="249" y="828"/>
+                </a:lnTo>
+                <a:lnTo>
+                  <a:pt x="249" y="890"/>
+                </a:lnTo>
+                <a:lnTo>
+                  <a:pt x="675" y="890"/>
+                </a:lnTo>
+                <a:lnTo>
+                  <a:pt x="675" y="828"/>
+                </a:lnTo>
+                <a:close/>
+                <a:moveTo>
+                  <a:pt x="249" y="1167"/>
+                </a:moveTo>
+                <a:lnTo>
+                  <a:pt x="675" y="1167"/>
+                </a:lnTo>
+                <a:lnTo>
+                  <a:pt x="675" y="1105"/>
+                </a:lnTo>
+                <a:lnTo>
+                  <a:pt x="249" y="1105"/>
+                </a:lnTo>
+                <a:lnTo>
+                  <a:pt x="249" y="1167"/>
+                </a:lnTo>
+                <a:close/>
+                <a:moveTo>
+                  <a:pt x="249" y="1444"/>
+                </a:moveTo>
+                <a:lnTo>
+                  <a:pt x="803" y="1444"/>
+                </a:lnTo>
+                <a:lnTo>
+                  <a:pt x="803" y="1382"/>
+                </a:lnTo>
+                <a:lnTo>
+                  <a:pt x="249" y="1382"/>
+                </a:lnTo>
+                <a:lnTo>
+                  <a:pt x="249" y="1444"/>
+                </a:lnTo>
+                <a:close/>
+                <a:moveTo>
+                  <a:pt x="1308" y="1105"/>
+                </a:moveTo>
+                <a:lnTo>
+                  <a:pt x="1179" y="961"/>
+                </a:lnTo>
+                <a:lnTo>
+                  <a:pt x="1118" y="1017"/>
+                </a:lnTo>
+                <a:lnTo>
+                  <a:pt x="1300" y="1219"/>
+                </a:lnTo>
+                <a:lnTo>
+                  <a:pt x="1657" y="922"/>
+                </a:lnTo>
+                <a:lnTo>
+                  <a:pt x="1604" y="858"/>
+                </a:lnTo>
+                <a:lnTo>
+                  <a:pt x="1308" y="1105"/>
+                </a:lnTo>
+                <a:close/>
+              </a:path>
+            </a:pathLst>
+          </a:custGeom>
+          <a:solidFill>
+            <a:schemeClr val="bg1"/>
+          </a:solidFill>
+          <a:ln>
+            <a:noFill/>
+          </a:ln>
+        </p:spPr>
+        <p:txBody>
+          <a:bodyPr vert="horz" wrap="square" lIns="182832" tIns="91416" rIns="182832" bIns="91416" numCol="1" anchor="t" anchorCtr="0" compatLnSpc="1">
+            <a:prstTxWarp prst="textNoShape">
+              <a:avLst/>
+            </a:prstTxWarp>
+          </a:bodyPr>
+          <a:lstStyle>
+            <a:defPPr>
+              <a:defRPr lang="zh-CN"/>
+            </a:defPPr>
+            <a:lvl1pPr marL="0" algn="l" defTabSz="914377" rtl="0" eaLnBrk="1" latinLnBrk="0" hangingPunct="1">
+              <a:defRPr sz="1800" kern="1200">
+                <a:solidFill>
+                  <a:schemeClr val="tx1"/>
+                </a:solidFill>
+              </a:defRPr>
+            </a:lvl1pPr>
+            <a:lvl2pPr marL="457189" algn="l" defTabSz="914377" rtl="0" eaLnBrk="1" latinLnBrk="0" hangingPunct="1">
+              <a:defRPr sz="1800" kern="1200">
+                <a:solidFill>
+                  <a:schemeClr val="tx1"/>
+                </a:solidFill>
+              </a:defRPr>
+            </a:lvl2pPr>
+            <a:lvl3pPr marL="914377" algn="l" defTabSz="914377" rtl="0" eaLnBrk="1" latinLnBrk="0" hangingPunct="1">
+              <a:defRPr sz="1800" kern="1200">
+                <a:solidFill>
+                  <a:schemeClr val="tx1"/>
+                </a:solidFill>
+              </a:defRPr>
+            </a:lvl3pPr>
+            <a:lvl4pPr marL="1371566" algn="l" defTabSz="914377" rtl="0" eaLnBrk="1" latinLnBrk="0" hangingPunct="1">
+              <a:defRPr sz="1800" kern="1200">
+                <a:solidFill>
+                  <a:schemeClr val="tx1"/>
+                </a:solidFill>
+              </a:defRPr>
+            </a:lvl4pPr>
+            <a:lvl5pPr marL="1828754" algn="l" defTabSz="914377" rtl="0" eaLnBrk="1" latinLnBrk="0" hangingPunct="1">
+              <a:defRPr sz="1800" kern="1200">
+                <a:solidFill>
+                  <a:schemeClr val="tx1"/>
+                </a:solidFill>
+              </a:defRPr>
+            </a:lvl5pPr>
+            <a:lvl6pPr marL="2285943" algn="l" defTabSz="914377" rtl="0" eaLnBrk="1" latinLnBrk="0" hangingPunct="1">
+              <a:defRPr sz="1800" kern="1200">
+                <a:solidFill>
+                  <a:schemeClr val="tx1"/>
+                </a:solidFill>
+              </a:defRPr>
+            </a:lvl6pPr>
+            <a:lvl7pPr marL="2743131" algn="l" defTabSz="914377" rtl="0" eaLnBrk="1" latinLnBrk="0" hangingPunct="1">
+              <a:defRPr sz="1800" kern="1200">
+                <a:solidFill>
+                  <a:schemeClr val="tx1"/>
+                </a:solidFill>
+              </a:defRPr>
+            </a:lvl7pPr>
+            <a:lvl8pPr marL="3200320" algn="l" defTabSz="914377" rtl="0" eaLnBrk="1" latinLnBrk="0" hangingPunct="1">
+              <a:defRPr sz="1800" kern="1200">
+                <a:solidFill>
+                  <a:schemeClr val="tx1"/>
+                </a:solidFill>
+              </a:defRPr>
+            </a:lvl8pPr>
+            <a:lvl9pPr marL="3657509" algn="l" defTabSz="914377" rtl="0" eaLnBrk="1" latinLnBrk="0" hangingPunct="1">
+              <a:defRPr sz="1800" kern="1200">
+                <a:solidFill>
+                  <a:schemeClr val="tx1"/>
+                </a:solidFill>
+              </a:defRPr>
+            </a:lvl9pPr>
+          </a:lstStyle>
+          <a:p>
+            <a:endParaRPr lang="en-US" sz="7198" dirty="0"/>
+          </a:p>
+        </p:txBody>
+      </p:sp>
+      <p:sp>
+        <p:nvSpPr>
+          <p:cNvPr id="462" name="íṥḻïḍê">
+            <a:extLst>
+              <a:ext uri="{FF2B5EF4-FFF2-40B4-BE49-F238E27FC236}">
+                <a16:creationId xmlns:a16="http://schemas.microsoft.com/office/drawing/2014/main" id="{23A5A759-1F9E-4474-8ACC-BD26BE1BD20E}"/>
+              </a:ext>
+            </a:extLst>
+          </p:cNvPr>
+          <p:cNvSpPr/>
+          <p:nvPr/>
+        </p:nvSpPr>
+        <p:spPr bwMode="auto">
+          <a:xfrm>
+            <a:off x="5968602" y="3927107"/>
+            <a:ext cx="279798" cy="274343"/>
+          </a:xfrm>
+          <a:custGeom>
+            <a:avLst/>
+            <a:gdLst>
+              <a:gd name="T0" fmla="*/ 1312 w 1990"/>
+              <a:gd name="T1" fmla="*/ 1552 h 1954"/>
+              <a:gd name="T2" fmla="*/ 291 w 1990"/>
+              <a:gd name="T3" fmla="*/ 1746 h 1954"/>
+              <a:gd name="T4" fmla="*/ 0 w 1990"/>
+              <a:gd name="T5" fmla="*/ 540 h 1954"/>
+              <a:gd name="T6" fmla="*/ 515 w 1990"/>
+              <a:gd name="T7" fmla="*/ 249 h 1954"/>
+              <a:gd name="T8" fmla="*/ 1205 w 1990"/>
+              <a:gd name="T9" fmla="*/ 0 h 1954"/>
+              <a:gd name="T10" fmla="*/ 1496 w 1990"/>
+              <a:gd name="T11" fmla="*/ 489 h 1954"/>
+              <a:gd name="T12" fmla="*/ 1413 w 1990"/>
+              <a:gd name="T13" fmla="*/ 291 h 1954"/>
+              <a:gd name="T14" fmla="*/ 802 w 1990"/>
+              <a:gd name="T15" fmla="*/ 83 h 1954"/>
+              <a:gd name="T16" fmla="*/ 1039 w 1990"/>
+              <a:gd name="T17" fmla="*/ 249 h 1954"/>
+              <a:gd name="T18" fmla="*/ 1243 w 1990"/>
+              <a:gd name="T19" fmla="*/ 499 h 1954"/>
+              <a:gd name="T20" fmla="*/ 291 w 1990"/>
+              <a:gd name="T21" fmla="*/ 333 h 1954"/>
+              <a:gd name="T22" fmla="*/ 83 w 1990"/>
+              <a:gd name="T23" fmla="*/ 1455 h 1954"/>
+              <a:gd name="T24" fmla="*/ 1039 w 1990"/>
+              <a:gd name="T25" fmla="*/ 1663 h 1954"/>
+              <a:gd name="T26" fmla="*/ 1641 w 1990"/>
+              <a:gd name="T27" fmla="*/ 1453 h 1954"/>
+              <a:gd name="T28" fmla="*/ 1138 w 1990"/>
+              <a:gd name="T29" fmla="*/ 583 h 1954"/>
+              <a:gd name="T30" fmla="*/ 1641 w 1990"/>
+              <a:gd name="T31" fmla="*/ 1453 h 1954"/>
+              <a:gd name="T32" fmla="*/ 1752 w 1990"/>
+              <a:gd name="T33" fmla="*/ 809 h 1954"/>
+              <a:gd name="T34" fmla="*/ 1026 w 1990"/>
+              <a:gd name="T35" fmla="*/ 1228 h 1954"/>
+              <a:gd name="T36" fmla="*/ 1767 w 1990"/>
+              <a:gd name="T37" fmla="*/ 1422 h 1954"/>
+              <a:gd name="T38" fmla="*/ 1717 w 1990"/>
+              <a:gd name="T39" fmla="*/ 1835 h 1954"/>
+              <a:gd name="T40" fmla="*/ 1767 w 1990"/>
+              <a:gd name="T41" fmla="*/ 1422 h 1954"/>
+              <a:gd name="T42" fmla="*/ 1739 w 1990"/>
+              <a:gd name="T43" fmla="*/ 1874 h 1954"/>
+              <a:gd name="T44" fmla="*/ 1956 w 1990"/>
+              <a:gd name="T45" fmla="*/ 1749 h 1954"/>
+              <a:gd name="T46" fmla="*/ 249 w 1990"/>
+              <a:gd name="T47" fmla="*/ 551 h 1954"/>
+              <a:gd name="T48" fmla="*/ 803 w 1990"/>
+              <a:gd name="T49" fmla="*/ 613 h 1954"/>
+              <a:gd name="T50" fmla="*/ 675 w 1990"/>
+              <a:gd name="T51" fmla="*/ 828 h 1954"/>
+              <a:gd name="T52" fmla="*/ 249 w 1990"/>
+              <a:gd name="T53" fmla="*/ 890 h 1954"/>
+              <a:gd name="T54" fmla="*/ 675 w 1990"/>
+              <a:gd name="T55" fmla="*/ 828 h 1954"/>
+              <a:gd name="T56" fmla="*/ 675 w 1990"/>
+              <a:gd name="T57" fmla="*/ 1167 h 1954"/>
+              <a:gd name="T58" fmla="*/ 249 w 1990"/>
+              <a:gd name="T59" fmla="*/ 1105 h 1954"/>
+              <a:gd name="T60" fmla="*/ 249 w 1990"/>
+              <a:gd name="T61" fmla="*/ 1444 h 1954"/>
+              <a:gd name="T62" fmla="*/ 803 w 1990"/>
+              <a:gd name="T63" fmla="*/ 1382 h 1954"/>
+              <a:gd name="T64" fmla="*/ 249 w 1990"/>
+              <a:gd name="T65" fmla="*/ 1444 h 1954"/>
+              <a:gd name="T66" fmla="*/ 1179 w 1990"/>
+              <a:gd name="T67" fmla="*/ 961 h 1954"/>
+              <a:gd name="T68" fmla="*/ 1300 w 1990"/>
+              <a:gd name="T69" fmla="*/ 1219 h 1954"/>
+              <a:gd name="T70" fmla="*/ 1604 w 1990"/>
+              <a:gd name="T71" fmla="*/ 858 h 1954"/>
+            </a:gdLst>
+            <a:ahLst/>
+            <a:cxnLst>
+              <a:cxn ang="0">
+                <a:pos x="T0" y="T1"/>
+              </a:cxn>
+              <a:cxn ang="0">
+                <a:pos x="T2" y="T3"/>
+              </a:cxn>
+              <a:cxn ang="0">
+                <a:pos x="T4" y="T5"/>
+              </a:cxn>
+              <a:cxn ang="0">
+                <a:pos x="T6" y="T7"/>
+              </a:cxn>
+              <a:cxn ang="0">
+                <a:pos x="T8" y="T9"/>
+              </a:cxn>
+              <a:cxn ang="0">
+                <a:pos x="T10" y="T11"/>
+              </a:cxn>
+              <a:cxn ang="0">
+                <a:pos x="T12" y="T13"/>
+              </a:cxn>
+              <a:cxn ang="0">
+                <a:pos x="T14" y="T15"/>
+              </a:cxn>
+              <a:cxn ang="0">
+                <a:pos x="T16" y="T17"/>
+              </a:cxn>
+              <a:cxn ang="0">
+                <a:pos x="T18" y="T19"/>
+              </a:cxn>
+              <a:cxn ang="0">
+                <a:pos x="T20" y="T21"/>
+              </a:cxn>
+              <a:cxn ang="0">
+                <a:pos x="T22" y="T23"/>
+              </a:cxn>
+              <a:cxn ang="0">
+                <a:pos x="T24" y="T25"/>
+              </a:cxn>
+              <a:cxn ang="0">
+                <a:pos x="T26" y="T27"/>
+              </a:cxn>
+              <a:cxn ang="0">
+                <a:pos x="T28" y="T29"/>
+              </a:cxn>
+              <a:cxn ang="0">
+                <a:pos x="T30" y="T31"/>
+              </a:cxn>
+              <a:cxn ang="0">
+                <a:pos x="T32" y="T33"/>
+              </a:cxn>
+              <a:cxn ang="0">
+                <a:pos x="T34" y="T35"/>
+              </a:cxn>
+              <a:cxn ang="0">
+                <a:pos x="T36" y="T37"/>
+              </a:cxn>
+              <a:cxn ang="0">
+                <a:pos x="T38" y="T39"/>
+              </a:cxn>
+              <a:cxn ang="0">
+                <a:pos x="T40" y="T41"/>
+              </a:cxn>
+              <a:cxn ang="0">
+                <a:pos x="T42" y="T43"/>
+              </a:cxn>
+              <a:cxn ang="0">
+                <a:pos x="T44" y="T45"/>
+              </a:cxn>
+              <a:cxn ang="0">
+                <a:pos x="T46" y="T47"/>
+              </a:cxn>
+              <a:cxn ang="0">
+                <a:pos x="T48" y="T49"/>
+              </a:cxn>
+              <a:cxn ang="0">
+                <a:pos x="T50" y="T51"/>
+              </a:cxn>
+              <a:cxn ang="0">
+                <a:pos x="T52" y="T53"/>
+              </a:cxn>
+              <a:cxn ang="0">
+                <a:pos x="T54" y="T55"/>
+              </a:cxn>
+              <a:cxn ang="0">
+                <a:pos x="T56" y="T57"/>
+              </a:cxn>
+              <a:cxn ang="0">
+                <a:pos x="T58" y="T59"/>
+              </a:cxn>
+              <a:cxn ang="0">
+                <a:pos x="T60" y="T61"/>
+              </a:cxn>
+              <a:cxn ang="0">
+                <a:pos x="T62" y="T63"/>
+              </a:cxn>
+              <a:cxn ang="0">
+                <a:pos x="T64" y="T65"/>
+              </a:cxn>
+              <a:cxn ang="0">
+                <a:pos x="T66" y="T67"/>
+              </a:cxn>
+              <a:cxn ang="0">
+                <a:pos x="T68" y="T69"/>
+              </a:cxn>
+              <a:cxn ang="0">
+                <a:pos x="T70" y="T71"/>
+              </a:cxn>
+            </a:cxnLst>
+            <a:rect l="0" t="0" r="r" b="b"/>
+            <a:pathLst>
+              <a:path w="1990" h="1954">
+                <a:moveTo>
+                  <a:pt x="1231" y="1534"/>
+                </a:moveTo>
+                <a:cubicBezTo>
+                  <a:pt x="1258" y="1542"/>
+                  <a:pt x="1285" y="1548"/>
+                  <a:pt x="1312" y="1552"/>
+                </a:cubicBezTo>
+                <a:cubicBezTo>
+                  <a:pt x="1272" y="1665"/>
+                  <a:pt x="1165" y="1746"/>
+                  <a:pt x="1039" y="1746"/>
+                </a:cubicBezTo>
+                <a:lnTo>
+                  <a:pt x="291" y="1746"/>
+                </a:lnTo>
+                <a:cubicBezTo>
+                  <a:pt x="131" y="1746"/>
+                  <a:pt x="0" y="1615"/>
+                  <a:pt x="0" y="1455"/>
+                </a:cubicBezTo>
+                <a:lnTo>
+                  <a:pt x="0" y="540"/>
+                </a:lnTo>
+                <a:cubicBezTo>
+                  <a:pt x="0" y="380"/>
+                  <a:pt x="131" y="249"/>
+                  <a:pt x="291" y="249"/>
+                </a:cubicBezTo>
+                <a:lnTo>
+                  <a:pt x="515" y="249"/>
+                </a:lnTo>
+                <a:cubicBezTo>
+                  <a:pt x="535" y="109"/>
+                  <a:pt x="656" y="0"/>
+                  <a:pt x="802" y="0"/>
+                </a:cubicBezTo>
+                <a:lnTo>
+                  <a:pt x="1205" y="0"/>
+                </a:lnTo>
+                <a:cubicBezTo>
+                  <a:pt x="1366" y="0"/>
+                  <a:pt x="1496" y="131"/>
+                  <a:pt x="1496" y="291"/>
+                </a:cubicBezTo>
+                <a:lnTo>
+                  <a:pt x="1496" y="489"/>
+                </a:lnTo>
+                <a:cubicBezTo>
+                  <a:pt x="1469" y="484"/>
+                  <a:pt x="1441" y="480"/>
+                  <a:pt x="1413" y="479"/>
+                </a:cubicBezTo>
+                <a:lnTo>
+                  <a:pt x="1413" y="291"/>
+                </a:lnTo>
+                <a:cubicBezTo>
+                  <a:pt x="1413" y="176"/>
+                  <a:pt x="1320" y="83"/>
+                  <a:pt x="1205" y="83"/>
+                </a:cubicBezTo>
+                <a:lnTo>
+                  <a:pt x="802" y="83"/>
+                </a:lnTo>
+                <a:cubicBezTo>
+                  <a:pt x="701" y="83"/>
+                  <a:pt x="617" y="155"/>
+                  <a:pt x="598" y="249"/>
+                </a:cubicBezTo>
+                <a:lnTo>
+                  <a:pt x="1039" y="249"/>
+                </a:lnTo>
+                <a:cubicBezTo>
+                  <a:pt x="1180" y="249"/>
+                  <a:pt x="1297" y="349"/>
+                  <a:pt x="1324" y="482"/>
+                </a:cubicBezTo>
+                <a:cubicBezTo>
+                  <a:pt x="1297" y="485"/>
+                  <a:pt x="1270" y="491"/>
+                  <a:pt x="1243" y="499"/>
+                </a:cubicBezTo>
+                <a:cubicBezTo>
+                  <a:pt x="1224" y="404"/>
+                  <a:pt x="1140" y="333"/>
+                  <a:pt x="1039" y="333"/>
+                </a:cubicBezTo>
+                <a:lnTo>
+                  <a:pt x="291" y="333"/>
+                </a:lnTo>
+                <a:cubicBezTo>
+                  <a:pt x="177" y="333"/>
+                  <a:pt x="83" y="426"/>
+                  <a:pt x="83" y="540"/>
+                </a:cubicBezTo>
+                <a:lnTo>
+                  <a:pt x="83" y="1455"/>
+                </a:lnTo>
+                <a:cubicBezTo>
+                  <a:pt x="83" y="1569"/>
+                  <a:pt x="177" y="1663"/>
+                  <a:pt x="291" y="1663"/>
+                </a:cubicBezTo>
+                <a:lnTo>
+                  <a:pt x="1039" y="1663"/>
+                </a:lnTo>
+                <a:cubicBezTo>
+                  <a:pt x="1126" y="1663"/>
+                  <a:pt x="1200" y="1609"/>
+                  <a:pt x="1231" y="1534"/>
+                </a:cubicBezTo>
+                <a:close/>
+                <a:moveTo>
+                  <a:pt x="1641" y="1453"/>
+                </a:moveTo>
+                <a:cubicBezTo>
+                  <a:pt x="1401" y="1591"/>
+                  <a:pt x="1093" y="1509"/>
+                  <a:pt x="955" y="1269"/>
+                </a:cubicBezTo>
+                <a:cubicBezTo>
+                  <a:pt x="816" y="1029"/>
+                  <a:pt x="899" y="722"/>
+                  <a:pt x="1138" y="583"/>
+                </a:cubicBezTo>
+                <a:cubicBezTo>
+                  <a:pt x="1378" y="445"/>
+                  <a:pt x="1686" y="527"/>
+                  <a:pt x="1824" y="767"/>
+                </a:cubicBezTo>
+                <a:cubicBezTo>
+                  <a:pt x="1963" y="1007"/>
+                  <a:pt x="1880" y="1314"/>
+                  <a:pt x="1641" y="1453"/>
+                </a:cubicBezTo>
+                <a:close/>
+                <a:moveTo>
+                  <a:pt x="1599" y="1381"/>
+                </a:moveTo>
+                <a:cubicBezTo>
+                  <a:pt x="1799" y="1266"/>
+                  <a:pt x="1868" y="1009"/>
+                  <a:pt x="1752" y="809"/>
+                </a:cubicBezTo>
+                <a:cubicBezTo>
+                  <a:pt x="1637" y="608"/>
+                  <a:pt x="1380" y="539"/>
+                  <a:pt x="1180" y="655"/>
+                </a:cubicBezTo>
+                <a:cubicBezTo>
+                  <a:pt x="980" y="771"/>
+                  <a:pt x="911" y="1027"/>
+                  <a:pt x="1026" y="1228"/>
+                </a:cubicBezTo>
+                <a:cubicBezTo>
+                  <a:pt x="1142" y="1428"/>
+                  <a:pt x="1399" y="1497"/>
+                  <a:pt x="1599" y="1381"/>
+                </a:cubicBezTo>
+                <a:close/>
+                <a:moveTo>
+                  <a:pt x="1767" y="1422"/>
+                </a:moveTo>
+                <a:lnTo>
+                  <a:pt x="1551" y="1547"/>
+                </a:lnTo>
+                <a:lnTo>
+                  <a:pt x="1717" y="1835"/>
+                </a:lnTo>
+                <a:lnTo>
+                  <a:pt x="1933" y="1710"/>
+                </a:lnTo>
+                <a:lnTo>
+                  <a:pt x="1767" y="1422"/>
+                </a:lnTo>
+                <a:close/>
+                <a:moveTo>
+                  <a:pt x="1956" y="1749"/>
+                </a:moveTo>
+                <a:lnTo>
+                  <a:pt x="1739" y="1874"/>
+                </a:lnTo>
+                <a:cubicBezTo>
+                  <a:pt x="1774" y="1934"/>
+                  <a:pt x="1850" y="1954"/>
+                  <a:pt x="1910" y="1919"/>
+                </a:cubicBezTo>
+                <a:cubicBezTo>
+                  <a:pt x="1969" y="1885"/>
+                  <a:pt x="1990" y="1809"/>
+                  <a:pt x="1956" y="1749"/>
+                </a:cubicBezTo>
+                <a:close/>
+                <a:moveTo>
+                  <a:pt x="803" y="551"/>
+                </a:moveTo>
+                <a:lnTo>
+                  <a:pt x="249" y="551"/>
+                </a:lnTo>
+                <a:lnTo>
+                  <a:pt x="249" y="613"/>
+                </a:lnTo>
+                <a:lnTo>
+                  <a:pt x="803" y="613"/>
+                </a:lnTo>
+                <a:lnTo>
+                  <a:pt x="803" y="551"/>
+                </a:lnTo>
+                <a:close/>
+                <a:moveTo>
+                  <a:pt x="675" y="828"/>
+                </a:moveTo>
+                <a:lnTo>
+                  <a:pt x="249" y="828"/>
+                </a:lnTo>
+                <a:lnTo>
+                  <a:pt x="249" y="890"/>
+                </a:lnTo>
+                <a:lnTo>
+                  <a:pt x="675" y="890"/>
+                </a:lnTo>
+                <a:lnTo>
+                  <a:pt x="675" y="828"/>
+                </a:lnTo>
+                <a:close/>
+                <a:moveTo>
+                  <a:pt x="249" y="1167"/>
+                </a:moveTo>
+                <a:lnTo>
+                  <a:pt x="675" y="1167"/>
+                </a:lnTo>
+                <a:lnTo>
+                  <a:pt x="675" y="1105"/>
+                </a:lnTo>
+                <a:lnTo>
+                  <a:pt x="249" y="1105"/>
+                </a:lnTo>
+                <a:lnTo>
+                  <a:pt x="249" y="1167"/>
+                </a:lnTo>
+                <a:close/>
+                <a:moveTo>
+                  <a:pt x="249" y="1444"/>
+                </a:moveTo>
+                <a:lnTo>
+                  <a:pt x="803" y="1444"/>
+                </a:lnTo>
+                <a:lnTo>
+                  <a:pt x="803" y="1382"/>
+                </a:lnTo>
+                <a:lnTo>
+                  <a:pt x="249" y="1382"/>
+                </a:lnTo>
+                <a:lnTo>
+                  <a:pt x="249" y="1444"/>
+                </a:lnTo>
+                <a:close/>
+                <a:moveTo>
+                  <a:pt x="1308" y="1105"/>
+                </a:moveTo>
+                <a:lnTo>
+                  <a:pt x="1179" y="961"/>
+                </a:lnTo>
+                <a:lnTo>
+                  <a:pt x="1118" y="1017"/>
+                </a:lnTo>
+                <a:lnTo>
+                  <a:pt x="1300" y="1219"/>
+                </a:lnTo>
+                <a:lnTo>
+                  <a:pt x="1657" y="922"/>
+                </a:lnTo>
+                <a:lnTo>
+                  <a:pt x="1604" y="858"/>
+                </a:lnTo>
+                <a:lnTo>
+                  <a:pt x="1308" y="1105"/>
+                </a:lnTo>
+                <a:close/>
+              </a:path>
+            </a:pathLst>
+          </a:custGeom>
+          <a:solidFill>
+            <a:schemeClr val="bg1"/>
+          </a:solidFill>
+          <a:ln>
+            <a:noFill/>
+          </a:ln>
+        </p:spPr>
+        <p:txBody>
+          <a:bodyPr vert="horz" wrap="square" lIns="182832" tIns="91416" rIns="182832" bIns="91416" numCol="1" anchor="t" anchorCtr="0" compatLnSpc="1">
+            <a:prstTxWarp prst="textNoShape">
+              <a:avLst/>
+            </a:prstTxWarp>
+          </a:bodyPr>
+          <a:lstStyle>
+            <a:defPPr>
+              <a:defRPr lang="zh-CN"/>
+            </a:defPPr>
+            <a:lvl1pPr marL="0" algn="l" defTabSz="914377" rtl="0" eaLnBrk="1" latinLnBrk="0" hangingPunct="1">
+              <a:defRPr sz="1800" kern="1200">
+                <a:solidFill>
+                  <a:schemeClr val="tx1"/>
+                </a:solidFill>
+              </a:defRPr>
+            </a:lvl1pPr>
+            <a:lvl2pPr marL="457189" algn="l" defTabSz="914377" rtl="0" eaLnBrk="1" latinLnBrk="0" hangingPunct="1">
+              <a:defRPr sz="1800" kern="1200">
+                <a:solidFill>
+                  <a:schemeClr val="tx1"/>
+                </a:solidFill>
+              </a:defRPr>
+            </a:lvl2pPr>
+            <a:lvl3pPr marL="914377" algn="l" defTabSz="914377" rtl="0" eaLnBrk="1" latinLnBrk="0" hangingPunct="1">
+              <a:defRPr sz="1800" kern="1200">
+                <a:solidFill>
+                  <a:schemeClr val="tx1"/>
+                </a:solidFill>
+              </a:defRPr>
+            </a:lvl3pPr>
+            <a:lvl4pPr marL="1371566" algn="l" defTabSz="914377" rtl="0" eaLnBrk="1" latinLnBrk="0" hangingPunct="1">
+              <a:defRPr sz="1800" kern="1200">
+                <a:solidFill>
+                  <a:schemeClr val="tx1"/>
+                </a:solidFill>
+              </a:defRPr>
+            </a:lvl4pPr>
+            <a:lvl5pPr marL="1828754" algn="l" defTabSz="914377" rtl="0" eaLnBrk="1" latinLnBrk="0" hangingPunct="1">
+              <a:defRPr sz="1800" kern="1200">
+                <a:solidFill>
+                  <a:schemeClr val="tx1"/>
+                </a:solidFill>
+              </a:defRPr>
+            </a:lvl5pPr>
+            <a:lvl6pPr marL="2285943" algn="l" defTabSz="914377" rtl="0" eaLnBrk="1" latinLnBrk="0" hangingPunct="1">
+              <a:defRPr sz="1800" kern="1200">
+                <a:solidFill>
+                  <a:schemeClr val="tx1"/>
+                </a:solidFill>
+              </a:defRPr>
+            </a:lvl6pPr>
+            <a:lvl7pPr marL="2743131" algn="l" defTabSz="914377" rtl="0" eaLnBrk="1" latinLnBrk="0" hangingPunct="1">
+              <a:defRPr sz="1800" kern="1200">
+                <a:solidFill>
+                  <a:schemeClr val="tx1"/>
+                </a:solidFill>
+              </a:defRPr>
+            </a:lvl7pPr>
+            <a:lvl8pPr marL="3200320" algn="l" defTabSz="914377" rtl="0" eaLnBrk="1" latinLnBrk="0" hangingPunct="1">
+              <a:defRPr sz="1800" kern="1200">
+                <a:solidFill>
+                  <a:schemeClr val="tx1"/>
+                </a:solidFill>
+              </a:defRPr>
+            </a:lvl8pPr>
+            <a:lvl9pPr marL="3657509" algn="l" defTabSz="914377" rtl="0" eaLnBrk="1" latinLnBrk="0" hangingPunct="1">
+              <a:defRPr sz="1800" kern="1200">
+                <a:solidFill>
+                  <a:schemeClr val="tx1"/>
+                </a:solidFill>
+              </a:defRPr>
+            </a:lvl9pPr>
+          </a:lstStyle>
+          <a:p>
+            <a:endParaRPr lang="en-US" sz="7198" dirty="0"/>
+          </a:p>
+        </p:txBody>
+      </p:sp>
+      <p:sp>
+        <p:nvSpPr>
+          <p:cNvPr id="463" name="ïŝliḋê">
+            <a:extLst>
+              <a:ext uri="{FF2B5EF4-FFF2-40B4-BE49-F238E27FC236}">
+                <a16:creationId xmlns:a16="http://schemas.microsoft.com/office/drawing/2014/main" id="{CB79ED2D-A866-4B84-BBC8-5E200E611299}"/>
+              </a:ext>
+            </a:extLst>
+          </p:cNvPr>
+          <p:cNvSpPr/>
+          <p:nvPr/>
+        </p:nvSpPr>
+        <p:spPr bwMode="auto">
+          <a:xfrm>
+            <a:off x="9757447" y="3927107"/>
+            <a:ext cx="279798" cy="274343"/>
+          </a:xfrm>
+          <a:custGeom>
+            <a:avLst/>
+            <a:gdLst>
+              <a:gd name="T0" fmla="*/ 1312 w 1990"/>
+              <a:gd name="T1" fmla="*/ 1552 h 1954"/>
+              <a:gd name="T2" fmla="*/ 291 w 1990"/>
+              <a:gd name="T3" fmla="*/ 1746 h 1954"/>
+              <a:gd name="T4" fmla="*/ 0 w 1990"/>
+              <a:gd name="T5" fmla="*/ 540 h 1954"/>
+              <a:gd name="T6" fmla="*/ 515 w 1990"/>
+              <a:gd name="T7" fmla="*/ 249 h 1954"/>
+              <a:gd name="T8" fmla="*/ 1205 w 1990"/>
+              <a:gd name="T9" fmla="*/ 0 h 1954"/>
+              <a:gd name="T10" fmla="*/ 1496 w 1990"/>
+              <a:gd name="T11" fmla="*/ 489 h 1954"/>
+              <a:gd name="T12" fmla="*/ 1413 w 1990"/>
+              <a:gd name="T13" fmla="*/ 291 h 1954"/>
+              <a:gd name="T14" fmla="*/ 802 w 1990"/>
+              <a:gd name="T15" fmla="*/ 83 h 1954"/>
+              <a:gd name="T16" fmla="*/ 1039 w 1990"/>
+              <a:gd name="T17" fmla="*/ 249 h 1954"/>
+              <a:gd name="T18" fmla="*/ 1243 w 1990"/>
+              <a:gd name="T19" fmla="*/ 499 h 1954"/>
+              <a:gd name="T20" fmla="*/ 291 w 1990"/>
+              <a:gd name="T21" fmla="*/ 333 h 1954"/>
+              <a:gd name="T22" fmla="*/ 83 w 1990"/>
+              <a:gd name="T23" fmla="*/ 1455 h 1954"/>
+              <a:gd name="T24" fmla="*/ 1039 w 1990"/>
+              <a:gd name="T25" fmla="*/ 1663 h 1954"/>
+              <a:gd name="T26" fmla="*/ 1641 w 1990"/>
+              <a:gd name="T27" fmla="*/ 1453 h 1954"/>
+              <a:gd name="T28" fmla="*/ 1138 w 1990"/>
+              <a:gd name="T29" fmla="*/ 583 h 1954"/>
+              <a:gd name="T30" fmla="*/ 1641 w 1990"/>
+              <a:gd name="T31" fmla="*/ 1453 h 1954"/>
+              <a:gd name="T32" fmla="*/ 1752 w 1990"/>
+              <a:gd name="T33" fmla="*/ 809 h 1954"/>
+              <a:gd name="T34" fmla="*/ 1026 w 1990"/>
+              <a:gd name="T35" fmla="*/ 1228 h 1954"/>
+              <a:gd name="T36" fmla="*/ 1767 w 1990"/>
+              <a:gd name="T37" fmla="*/ 1422 h 1954"/>
+              <a:gd name="T38" fmla="*/ 1717 w 1990"/>
+              <a:gd name="T39" fmla="*/ 1835 h 1954"/>
+              <a:gd name="T40" fmla="*/ 1767 w 1990"/>
+              <a:gd name="T41" fmla="*/ 1422 h 1954"/>
+              <a:gd name="T42" fmla="*/ 1739 w 1990"/>
+              <a:gd name="T43" fmla="*/ 1874 h 1954"/>
+              <a:gd name="T44" fmla="*/ 1956 w 1990"/>
+              <a:gd name="T45" fmla="*/ 1749 h 1954"/>
+              <a:gd name="T46" fmla="*/ 249 w 1990"/>
+              <a:gd name="T47" fmla="*/ 551 h 1954"/>
+              <a:gd name="T48" fmla="*/ 803 w 1990"/>
+              <a:gd name="T49" fmla="*/ 613 h 1954"/>
+              <a:gd name="T50" fmla="*/ 675 w 1990"/>
+              <a:gd name="T51" fmla="*/ 828 h 1954"/>
+              <a:gd name="T52" fmla="*/ 249 w 1990"/>
+              <a:gd name="T53" fmla="*/ 890 h 1954"/>
+              <a:gd name="T54" fmla="*/ 675 w 1990"/>
+              <a:gd name="T55" fmla="*/ 828 h 1954"/>
+              <a:gd name="T56" fmla="*/ 675 w 1990"/>
+              <a:gd name="T57" fmla="*/ 1167 h 1954"/>
+              <a:gd name="T58" fmla="*/ 249 w 1990"/>
+              <a:gd name="T59" fmla="*/ 1105 h 1954"/>
+              <a:gd name="T60" fmla="*/ 249 w 1990"/>
+              <a:gd name="T61" fmla="*/ 1444 h 1954"/>
+              <a:gd name="T62" fmla="*/ 803 w 1990"/>
+              <a:gd name="T63" fmla="*/ 1382 h 1954"/>
+              <a:gd name="T64" fmla="*/ 249 w 1990"/>
+              <a:gd name="T65" fmla="*/ 1444 h 1954"/>
+              <a:gd name="T66" fmla="*/ 1179 w 1990"/>
+              <a:gd name="T67" fmla="*/ 961 h 1954"/>
+              <a:gd name="T68" fmla="*/ 1300 w 1990"/>
+              <a:gd name="T69" fmla="*/ 1219 h 1954"/>
+              <a:gd name="T70" fmla="*/ 1604 w 1990"/>
+              <a:gd name="T71" fmla="*/ 858 h 1954"/>
+            </a:gdLst>
+            <a:ahLst/>
+            <a:cxnLst>
+              <a:cxn ang="0">
+                <a:pos x="T0" y="T1"/>
+              </a:cxn>
+              <a:cxn ang="0">
+                <a:pos x="T2" y="T3"/>
+              </a:cxn>
+              <a:cxn ang="0">
+                <a:pos x="T4" y="T5"/>
+              </a:cxn>
+              <a:cxn ang="0">
+                <a:pos x="T6" y="T7"/>
+              </a:cxn>
+              <a:cxn ang="0">
+                <a:pos x="T8" y="T9"/>
+              </a:cxn>
+              <a:cxn ang="0">
+                <a:pos x="T10" y="T11"/>
+              </a:cxn>
+              <a:cxn ang="0">
+                <a:pos x="T12" y="T13"/>
+              </a:cxn>
+              <a:cxn ang="0">
+                <a:pos x="T14" y="T15"/>
+              </a:cxn>
+              <a:cxn ang="0">
+                <a:pos x="T16" y="T17"/>
+              </a:cxn>
+              <a:cxn ang="0">
+                <a:pos x="T18" y="T19"/>
+              </a:cxn>
+              <a:cxn ang="0">
+                <a:pos x="T20" y="T21"/>
+              </a:cxn>
+              <a:cxn ang="0">
+                <a:pos x="T22" y="T23"/>
+              </a:cxn>
+              <a:cxn ang="0">
+                <a:pos x="T24" y="T25"/>
+              </a:cxn>
+              <a:cxn ang="0">
+                <a:pos x="T26" y="T27"/>
+              </a:cxn>
+              <a:cxn ang="0">
+                <a:pos x="T28" y="T29"/>
+              </a:cxn>
+              <a:cxn ang="0">
+                <a:pos x="T30" y="T31"/>
+              </a:cxn>
+              <a:cxn ang="0">
+                <a:pos x="T32" y="T33"/>
+              </a:cxn>
+              <a:cxn ang="0">
+                <a:pos x="T34" y="T35"/>
+              </a:cxn>
+              <a:cxn ang="0">
+                <a:pos x="T36" y="T37"/>
+              </a:cxn>
+              <a:cxn ang="0">
+                <a:pos x="T38" y="T39"/>
+              </a:cxn>
+              <a:cxn ang="0">
+                <a:pos x="T40" y="T41"/>
+              </a:cxn>
+              <a:cxn ang="0">
+                <a:pos x="T42" y="T43"/>
+              </a:cxn>
+              <a:cxn ang="0">
+                <a:pos x="T44" y="T45"/>
+              </a:cxn>
+              <a:cxn ang="0">
+                <a:pos x="T46" y="T47"/>
+              </a:cxn>
+              <a:cxn ang="0">
+                <a:pos x="T48" y="T49"/>
+              </a:cxn>
+              <a:cxn ang="0">
+                <a:pos x="T50" y="T51"/>
+              </a:cxn>
+              <a:cxn ang="0">
+                <a:pos x="T52" y="T53"/>
+              </a:cxn>
+              <a:cxn ang="0">
+                <a:pos x="T54" y="T55"/>
+              </a:cxn>
+              <a:cxn ang="0">
+                <a:pos x="T56" y="T57"/>
+              </a:cxn>
+              <a:cxn ang="0">
+                <a:pos x="T58" y="T59"/>
+              </a:cxn>
+              <a:cxn ang="0">
+                <a:pos x="T60" y="T61"/>
+              </a:cxn>
+              <a:cxn ang="0">
+                <a:pos x="T62" y="T63"/>
+              </a:cxn>
+              <a:cxn ang="0">
+                <a:pos x="T64" y="T65"/>
+              </a:cxn>
+              <a:cxn ang="0">
+                <a:pos x="T66" y="T67"/>
+              </a:cxn>
+              <a:cxn ang="0">
+                <a:pos x="T68" y="T69"/>
+              </a:cxn>
+              <a:cxn ang="0">
+                <a:pos x="T70" y="T71"/>
+              </a:cxn>
+            </a:cxnLst>
+            <a:rect l="0" t="0" r="r" b="b"/>
+            <a:pathLst>
+              <a:path w="1990" h="1954">
+                <a:moveTo>
+                  <a:pt x="1231" y="1534"/>
+                </a:moveTo>
+                <a:cubicBezTo>
+                  <a:pt x="1258" y="1542"/>
+                  <a:pt x="1285" y="1548"/>
+                  <a:pt x="1312" y="1552"/>
+                </a:cubicBezTo>
+                <a:cubicBezTo>
+                  <a:pt x="1272" y="1665"/>
+                  <a:pt x="1165" y="1746"/>
+                  <a:pt x="1039" y="1746"/>
+                </a:cubicBezTo>
+                <a:lnTo>
+                  <a:pt x="291" y="1746"/>
+                </a:lnTo>
+                <a:cubicBezTo>
+                  <a:pt x="131" y="1746"/>
+                  <a:pt x="0" y="1615"/>
+                  <a:pt x="0" y="1455"/>
+                </a:cubicBezTo>
+                <a:lnTo>
+                  <a:pt x="0" y="540"/>
+                </a:lnTo>
+                <a:cubicBezTo>
+                  <a:pt x="0" y="380"/>
+                  <a:pt x="131" y="249"/>
+                  <a:pt x="291" y="249"/>
+                </a:cubicBezTo>
+                <a:lnTo>
+                  <a:pt x="515" y="249"/>
+                </a:lnTo>
+                <a:cubicBezTo>
+                  <a:pt x="535" y="109"/>
+                  <a:pt x="656" y="0"/>
+                  <a:pt x="802" y="0"/>
+                </a:cubicBezTo>
+                <a:lnTo>
+                  <a:pt x="1205" y="0"/>
+                </a:lnTo>
+                <a:cubicBezTo>
+                  <a:pt x="1366" y="0"/>
+                  <a:pt x="1496" y="131"/>
+                  <a:pt x="1496" y="291"/>
+                </a:cubicBezTo>
+                <a:lnTo>
+                  <a:pt x="1496" y="489"/>
+                </a:lnTo>
+                <a:cubicBezTo>
+                  <a:pt x="1469" y="484"/>
+                  <a:pt x="1441" y="480"/>
+                  <a:pt x="1413" y="479"/>
+                </a:cubicBezTo>
+                <a:lnTo>
+                  <a:pt x="1413" y="291"/>
+                </a:lnTo>
+                <a:cubicBezTo>
+                  <a:pt x="1413" y="176"/>
+                  <a:pt x="1320" y="83"/>
+                  <a:pt x="1205" y="83"/>
+                </a:cubicBezTo>
+                <a:lnTo>
+                  <a:pt x="802" y="83"/>
+                </a:lnTo>
+                <a:cubicBezTo>
+                  <a:pt x="701" y="83"/>
+                  <a:pt x="617" y="155"/>
+                  <a:pt x="598" y="249"/>
+                </a:cubicBezTo>
+                <a:lnTo>
+                  <a:pt x="1039" y="249"/>
+                </a:lnTo>
+                <a:cubicBezTo>
+                  <a:pt x="1180" y="249"/>
+                  <a:pt x="1297" y="349"/>
+                  <a:pt x="1324" y="482"/>
+                </a:cubicBezTo>
+                <a:cubicBezTo>
+                  <a:pt x="1297" y="485"/>
+                  <a:pt x="1270" y="491"/>
+                  <a:pt x="1243" y="499"/>
+                </a:cubicBezTo>
+                <a:cubicBezTo>
+                  <a:pt x="1224" y="404"/>
+                  <a:pt x="1140" y="333"/>
+                  <a:pt x="1039" y="333"/>
+                </a:cubicBezTo>
+                <a:lnTo>
+                  <a:pt x="291" y="333"/>
+                </a:lnTo>
+                <a:cubicBezTo>
+                  <a:pt x="177" y="333"/>
+                  <a:pt x="83" y="426"/>
+                  <a:pt x="83" y="540"/>
+                </a:cubicBezTo>
+                <a:lnTo>
+                  <a:pt x="83" y="1455"/>
+                </a:lnTo>
+                <a:cubicBezTo>
+                  <a:pt x="83" y="1569"/>
+                  <a:pt x="177" y="1663"/>
+                  <a:pt x="291" y="1663"/>
+                </a:cubicBezTo>
+                <a:lnTo>
+                  <a:pt x="1039" y="1663"/>
+                </a:lnTo>
+                <a:cubicBezTo>
+                  <a:pt x="1126" y="1663"/>
+                  <a:pt x="1200" y="1609"/>
+                  <a:pt x="1231" y="1534"/>
+                </a:cubicBezTo>
+                <a:close/>
+                <a:moveTo>
+                  <a:pt x="1641" y="1453"/>
+                </a:moveTo>
+                <a:cubicBezTo>
+                  <a:pt x="1401" y="1591"/>
+                  <a:pt x="1093" y="1509"/>
+                  <a:pt x="955" y="1269"/>
+                </a:cubicBezTo>
+                <a:cubicBezTo>
+                  <a:pt x="816" y="1029"/>
+                  <a:pt x="899" y="722"/>
+                  <a:pt x="1138" y="583"/>
+                </a:cubicBezTo>
+                <a:cubicBezTo>
+                  <a:pt x="1378" y="445"/>
+                  <a:pt x="1686" y="527"/>
+                  <a:pt x="1824" y="767"/>
+                </a:cubicBezTo>
+                <a:cubicBezTo>
+                  <a:pt x="1963" y="1007"/>
+                  <a:pt x="1880" y="1314"/>
+                  <a:pt x="1641" y="1453"/>
+                </a:cubicBezTo>
+                <a:close/>
+                <a:moveTo>
+                  <a:pt x="1599" y="1381"/>
+                </a:moveTo>
+                <a:cubicBezTo>
+                  <a:pt x="1799" y="1266"/>
+                  <a:pt x="1868" y="1009"/>
+                  <a:pt x="1752" y="809"/>
+                </a:cubicBezTo>
+                <a:cubicBezTo>
+                  <a:pt x="1637" y="608"/>
+                  <a:pt x="1380" y="539"/>
+                  <a:pt x="1180" y="655"/>
+                </a:cubicBezTo>
+                <a:cubicBezTo>
+                  <a:pt x="980" y="771"/>
+                  <a:pt x="911" y="1027"/>
+                  <a:pt x="1026" y="1228"/>
+                </a:cubicBezTo>
+                <a:cubicBezTo>
+                  <a:pt x="1142" y="1428"/>
+                  <a:pt x="1399" y="1497"/>
+                  <a:pt x="1599" y="1381"/>
+                </a:cubicBezTo>
+                <a:close/>
+                <a:moveTo>
+                  <a:pt x="1767" y="1422"/>
+                </a:moveTo>
+                <a:lnTo>
+                  <a:pt x="1551" y="1547"/>
+                </a:lnTo>
+                <a:lnTo>
+                  <a:pt x="1717" y="1835"/>
+                </a:lnTo>
+                <a:lnTo>
+                  <a:pt x="1933" y="1710"/>
+                </a:lnTo>
+                <a:lnTo>
+                  <a:pt x="1767" y="1422"/>
+                </a:lnTo>
+                <a:close/>
+                <a:moveTo>
+                  <a:pt x="1956" y="1749"/>
+                </a:moveTo>
+                <a:lnTo>
+                  <a:pt x="1739" y="1874"/>
+                </a:lnTo>
+                <a:cubicBezTo>
+                  <a:pt x="1774" y="1934"/>
+                  <a:pt x="1850" y="1954"/>
+                  <a:pt x="1910" y="1919"/>
+                </a:cubicBezTo>
+                <a:cubicBezTo>
+                  <a:pt x="1969" y="1885"/>
+                  <a:pt x="1990" y="1809"/>
+                  <a:pt x="1956" y="1749"/>
+                </a:cubicBezTo>
+                <a:close/>
+                <a:moveTo>
+                  <a:pt x="803" y="551"/>
+                </a:moveTo>
+                <a:lnTo>
+                  <a:pt x="249" y="551"/>
+                </a:lnTo>
+                <a:lnTo>
+                  <a:pt x="249" y="613"/>
+                </a:lnTo>
+                <a:lnTo>
+                  <a:pt x="803" y="613"/>
+                </a:lnTo>
+                <a:lnTo>
+                  <a:pt x="803" y="551"/>
+                </a:lnTo>
+                <a:close/>
+                <a:moveTo>
+                  <a:pt x="675" y="828"/>
+                </a:moveTo>
+                <a:lnTo>
+                  <a:pt x="249" y="828"/>
+                </a:lnTo>
+                <a:lnTo>
+                  <a:pt x="249" y="890"/>
+                </a:lnTo>
+                <a:lnTo>
+                  <a:pt x="675" y="890"/>
+                </a:lnTo>
+                <a:lnTo>
+                  <a:pt x="675" y="828"/>
+                </a:lnTo>
+                <a:close/>
+                <a:moveTo>
+                  <a:pt x="249" y="1167"/>
+                </a:moveTo>
+                <a:lnTo>
+                  <a:pt x="675" y="1167"/>
+                </a:lnTo>
+                <a:lnTo>
+                  <a:pt x="675" y="1105"/>
+                </a:lnTo>
+                <a:lnTo>
+                  <a:pt x="249" y="1105"/>
+                </a:lnTo>
+                <a:lnTo>
+                  <a:pt x="249" y="1167"/>
+                </a:lnTo>
+                <a:close/>
+                <a:moveTo>
+                  <a:pt x="249" y="1444"/>
+                </a:moveTo>
+                <a:lnTo>
+                  <a:pt x="803" y="1444"/>
+                </a:lnTo>
+                <a:lnTo>
+                  <a:pt x="803" y="1382"/>
+                </a:lnTo>
+                <a:lnTo>
+                  <a:pt x="249" y="1382"/>
+                </a:lnTo>
+                <a:lnTo>
+                  <a:pt x="249" y="1444"/>
+                </a:lnTo>
+                <a:close/>
+                <a:moveTo>
+                  <a:pt x="1308" y="1105"/>
+                </a:moveTo>
+                <a:lnTo>
+                  <a:pt x="1179" y="961"/>
+                </a:lnTo>
+                <a:lnTo>
+                  <a:pt x="1118" y="1017"/>
+                </a:lnTo>
+                <a:lnTo>
+                  <a:pt x="1300" y="1219"/>
+                </a:lnTo>
+                <a:lnTo>
+                  <a:pt x="1657" y="922"/>
+                </a:lnTo>
+                <a:lnTo>
+                  <a:pt x="1604" y="858"/>
+                </a:lnTo>
+                <a:lnTo>
+                  <a:pt x="1308" y="1105"/>
+                </a:lnTo>
+                <a:close/>
+              </a:path>
+            </a:pathLst>
+          </a:custGeom>
+          <a:solidFill>
+            <a:schemeClr val="bg1"/>
+          </a:solidFill>
+          <a:ln>
+            <a:noFill/>
+          </a:ln>
+        </p:spPr>
+        <p:txBody>
+          <a:bodyPr vert="horz" wrap="square" lIns="182832" tIns="91416" rIns="182832" bIns="91416" numCol="1" anchor="t" anchorCtr="0" compatLnSpc="1">
+            <a:prstTxWarp prst="textNoShape">
+              <a:avLst/>
+            </a:prstTxWarp>
+          </a:bodyPr>
+          <a:lstStyle>
+            <a:defPPr>
+              <a:defRPr lang="zh-CN"/>
+            </a:defPPr>
+            <a:lvl1pPr marL="0" algn="l" defTabSz="914377" rtl="0" eaLnBrk="1" latinLnBrk="0" hangingPunct="1">
+              <a:defRPr sz="1800" kern="1200">
+                <a:solidFill>
+                  <a:schemeClr val="tx1"/>
+                </a:solidFill>
+              </a:defRPr>
+            </a:lvl1pPr>
+            <a:lvl2pPr marL="457189" algn="l" defTabSz="914377" rtl="0" eaLnBrk="1" latinLnBrk="0" hangingPunct="1">
+              <a:defRPr sz="1800" kern="1200">
+                <a:solidFill>
+                  <a:schemeClr val="tx1"/>
+                </a:solidFill>
+              </a:defRPr>
+            </a:lvl2pPr>
+            <a:lvl3pPr marL="914377" algn="l" defTabSz="914377" rtl="0" eaLnBrk="1" latinLnBrk="0" hangingPunct="1">
+              <a:defRPr sz="1800" kern="1200">
+                <a:solidFill>
+                  <a:schemeClr val="tx1"/>
+                </a:solidFill>
+              </a:defRPr>
+            </a:lvl3pPr>
+            <a:lvl4pPr marL="1371566" algn="l" defTabSz="914377" rtl="0" eaLnBrk="1" latinLnBrk="0" hangingPunct="1">
+              <a:defRPr sz="1800" kern="1200">
+                <a:solidFill>
+                  <a:schemeClr val="tx1"/>
+                </a:solidFill>
+              </a:defRPr>
+            </a:lvl4pPr>
+            <a:lvl5pPr marL="1828754" algn="l" defTabSz="914377" rtl="0" eaLnBrk="1" latinLnBrk="0" hangingPunct="1">
+              <a:defRPr sz="1800" kern="1200">
+                <a:solidFill>
+                  <a:schemeClr val="tx1"/>
+                </a:solidFill>
+              </a:defRPr>
+            </a:lvl5pPr>
+            <a:lvl6pPr marL="2285943" algn="l" defTabSz="914377" rtl="0" eaLnBrk="1" latinLnBrk="0" hangingPunct="1">
+              <a:defRPr sz="1800" kern="1200">
+                <a:solidFill>
+                  <a:schemeClr val="tx1"/>
+                </a:solidFill>
+              </a:defRPr>
+            </a:lvl6pPr>
+            <a:lvl7pPr marL="2743131" algn="l" defTabSz="914377" rtl="0" eaLnBrk="1" latinLnBrk="0" hangingPunct="1">
+              <a:defRPr sz="1800" kern="1200">
+                <a:solidFill>
+                  <a:schemeClr val="tx1"/>
+                </a:solidFill>
+              </a:defRPr>
+            </a:lvl7pPr>
+            <a:lvl8pPr marL="3200320" algn="l" defTabSz="914377" rtl="0" eaLnBrk="1" latinLnBrk="0" hangingPunct="1">
+              <a:defRPr sz="1800" kern="1200">
+                <a:solidFill>
+                  <a:schemeClr val="tx1"/>
+                </a:solidFill>
+              </a:defRPr>
+            </a:lvl8pPr>
+            <a:lvl9pPr marL="3657509" algn="l" defTabSz="914377" rtl="0" eaLnBrk="1" latinLnBrk="0" hangingPunct="1">
+              <a:defRPr sz="1800" kern="1200">
+                <a:solidFill>
+                  <a:schemeClr val="tx1"/>
+                </a:solidFill>
+              </a:defRPr>
+            </a:lvl9pPr>
+          </a:lstStyle>
+          <a:p>
+            <a:endParaRPr lang="en-US" sz="7198" dirty="0"/>
+          </a:p>
+        </p:txBody>
+      </p:sp>
     </p:spTree>
     <p:custDataLst>
       <p:tags r:id="rId1"/>
@@ -13684,6 +16757,2321 @@
 </file>
 
 <file path=ppt/slides/slide5.xml><?xml version="1.0" encoding="utf-8"?>
+<p:sld xmlns:a="http://schemas.openxmlformats.org/drawingml/2006/main" xmlns:r="http://schemas.openxmlformats.org/officeDocument/2006/relationships" xmlns:p="http://schemas.openxmlformats.org/presentationml/2006/main">
+  <p:cSld>
+    <p:spTree>
+      <p:nvGrpSpPr>
+        <p:cNvPr id="1" name=""/>
+        <p:cNvGrpSpPr/>
+        <p:nvPr/>
+      </p:nvGrpSpPr>
+      <p:grpSpPr>
+        <a:xfrm>
+          <a:off x="0" y="0"/>
+          <a:ext cx="0" cy="0"/>
+          <a:chOff x="0" y="0"/>
+          <a:chExt cx="0" cy="0"/>
+        </a:xfrm>
+      </p:grpSpPr>
+      <p:grpSp>
+        <p:nvGrpSpPr>
+          <p:cNvPr id="7" name="组合 6"/>
+          <p:cNvGrpSpPr/>
+          <p:nvPr/>
+        </p:nvGrpSpPr>
+        <p:grpSpPr>
+          <a:xfrm>
+            <a:off x="2663122" y="450173"/>
+            <a:ext cx="6865756" cy="1193457"/>
+            <a:chOff x="1764632" y="1620253"/>
+            <a:chExt cx="8634382" cy="1092571"/>
+          </a:xfrm>
+        </p:grpSpPr>
+        <p:grpSp>
+          <p:nvGrpSpPr>
+            <p:cNvPr id="8" name="组合 7"/>
+            <p:cNvGrpSpPr/>
+            <p:nvPr/>
+          </p:nvGrpSpPr>
+          <p:grpSpPr>
+            <a:xfrm>
+              <a:off x="1764632" y="1620253"/>
+              <a:ext cx="6528763" cy="1092571"/>
+              <a:chOff x="1764632" y="1620253"/>
+              <a:chExt cx="6528763" cy="1092571"/>
+            </a:xfrm>
+          </p:grpSpPr>
+          <p:grpSp>
+            <p:nvGrpSpPr>
+              <p:cNvPr id="10" name="组合 9"/>
+              <p:cNvGrpSpPr/>
+              <p:nvPr/>
+            </p:nvGrpSpPr>
+            <p:grpSpPr>
+              <a:xfrm>
+                <a:off x="7506586" y="2301130"/>
+                <a:ext cx="786809" cy="411694"/>
+                <a:chOff x="7506586" y="2299422"/>
+                <a:chExt cx="786809" cy="562960"/>
+              </a:xfrm>
+            </p:grpSpPr>
+            <p:sp>
+              <p:nvSpPr>
+                <p:cNvPr id="18" name="直角三角形 17"/>
+                <p:cNvSpPr/>
+                <p:nvPr/>
+              </p:nvSpPr>
+              <p:spPr>
+                <a:xfrm flipH="1">
+                  <a:off x="7506586" y="2304426"/>
+                  <a:ext cx="786809" cy="557956"/>
+                </a:xfrm>
+                <a:prstGeom prst="rtTriangle">
+                  <a:avLst/>
+                </a:prstGeom>
+                <a:solidFill>
+                  <a:srgbClr val="FFD23C"/>
+                </a:solidFill>
+                <a:ln>
+                  <a:noFill/>
+                </a:ln>
+              </p:spPr>
+              <p:style>
+                <a:lnRef idx="2">
+                  <a:schemeClr val="accent1">
+                    <a:shade val="50000"/>
+                  </a:schemeClr>
+                </a:lnRef>
+                <a:fillRef idx="1">
+                  <a:schemeClr val="accent1"/>
+                </a:fillRef>
+                <a:effectRef idx="0">
+                  <a:schemeClr val="accent1"/>
+                </a:effectRef>
+                <a:fontRef idx="minor">
+                  <a:schemeClr val="lt1"/>
+                </a:fontRef>
+              </p:style>
+              <p:txBody>
+                <a:bodyPr rtlCol="0" anchor="ctr"/>
+                <a:lstStyle/>
+                <a:p>
+                  <a:pPr algn="ctr"/>
+                  <a:endParaRPr lang="zh-CN" altLang="en-US">
+                    <a:solidFill>
+                      <a:prstClr val="white"/>
+                    </a:solidFill>
+                  </a:endParaRPr>
+                </a:p>
+              </p:txBody>
+            </p:sp>
+            <p:sp>
+              <p:nvSpPr>
+                <p:cNvPr id="19" name="直角三角形 18"/>
+                <p:cNvSpPr/>
+                <p:nvPr/>
+              </p:nvSpPr>
+              <p:spPr>
+                <a:xfrm rot="10800000" flipH="1">
+                  <a:off x="7506586" y="2299422"/>
+                  <a:ext cx="786809" cy="557956"/>
+                </a:xfrm>
+                <a:prstGeom prst="rtTriangle">
+                  <a:avLst/>
+                </a:prstGeom>
+                <a:solidFill>
+                  <a:schemeClr val="tx1"/>
+                </a:solidFill>
+                <a:ln>
+                  <a:noFill/>
+                </a:ln>
+              </p:spPr>
+              <p:style>
+                <a:lnRef idx="2">
+                  <a:schemeClr val="accent1">
+                    <a:shade val="50000"/>
+                  </a:schemeClr>
+                </a:lnRef>
+                <a:fillRef idx="1">
+                  <a:schemeClr val="accent1"/>
+                </a:fillRef>
+                <a:effectRef idx="0">
+                  <a:schemeClr val="accent1"/>
+                </a:effectRef>
+                <a:fontRef idx="minor">
+                  <a:schemeClr val="lt1"/>
+                </a:fontRef>
+              </p:style>
+              <p:txBody>
+                <a:bodyPr rtlCol="0" anchor="ctr"/>
+                <a:lstStyle/>
+                <a:p>
+                  <a:pPr algn="ctr"/>
+                  <a:endParaRPr lang="zh-CN" altLang="en-US">
+                    <a:solidFill>
+                      <a:prstClr val="white"/>
+                    </a:solidFill>
+                  </a:endParaRPr>
+                </a:p>
+              </p:txBody>
+            </p:sp>
+          </p:grpSp>
+          <p:grpSp>
+            <p:nvGrpSpPr>
+              <p:cNvPr id="11" name="组合 10"/>
+              <p:cNvGrpSpPr/>
+              <p:nvPr/>
+            </p:nvGrpSpPr>
+            <p:grpSpPr>
+              <a:xfrm>
+                <a:off x="1764632" y="1620253"/>
+                <a:ext cx="6528763" cy="1088912"/>
+                <a:chOff x="1764632" y="1620253"/>
+                <a:chExt cx="6528763" cy="1088912"/>
+              </a:xfrm>
+            </p:grpSpPr>
+            <p:sp>
+              <p:nvSpPr>
+                <p:cNvPr id="12" name="矩形 11"/>
+                <p:cNvSpPr/>
+                <p:nvPr/>
+              </p:nvSpPr>
+              <p:spPr>
+                <a:xfrm>
+                  <a:off x="3870251" y="1620253"/>
+                  <a:ext cx="4423144" cy="680877"/>
+                </a:xfrm>
+                <a:prstGeom prst="rect">
+                  <a:avLst/>
+                </a:prstGeom>
+                <a:solidFill>
+                  <a:srgbClr val="FFD23C"/>
+                </a:solidFill>
+                <a:ln>
+                  <a:noFill/>
+                </a:ln>
+              </p:spPr>
+              <p:style>
+                <a:lnRef idx="2">
+                  <a:schemeClr val="accent1">
+                    <a:shade val="50000"/>
+                  </a:schemeClr>
+                </a:lnRef>
+                <a:fillRef idx="1">
+                  <a:schemeClr val="accent1"/>
+                </a:fillRef>
+                <a:effectRef idx="0">
+                  <a:schemeClr val="accent1"/>
+                </a:effectRef>
+                <a:fontRef idx="minor">
+                  <a:schemeClr val="lt1"/>
+                </a:fontRef>
+              </p:style>
+              <p:txBody>
+                <a:bodyPr rtlCol="0" anchor="ctr"/>
+                <a:lstStyle/>
+                <a:p>
+                  <a:pPr algn="ctr"/>
+                  <a:endParaRPr lang="zh-CN" altLang="en-US">
+                    <a:solidFill>
+                      <a:prstClr val="white"/>
+                    </a:solidFill>
+                  </a:endParaRPr>
+                </a:p>
+              </p:txBody>
+            </p:sp>
+            <p:grpSp>
+              <p:nvGrpSpPr>
+                <p:cNvPr id="13" name="组合 12"/>
+                <p:cNvGrpSpPr/>
+                <p:nvPr/>
+              </p:nvGrpSpPr>
+              <p:grpSpPr>
+                <a:xfrm>
+                  <a:off x="1764632" y="2005263"/>
+                  <a:ext cx="2892428" cy="703902"/>
+                  <a:chOff x="1764632" y="2005263"/>
+                  <a:chExt cx="2892428" cy="703902"/>
+                </a:xfrm>
+              </p:grpSpPr>
+              <p:grpSp>
+                <p:nvGrpSpPr>
+                  <p:cNvPr id="14" name="组合 13"/>
+                  <p:cNvGrpSpPr/>
+                  <p:nvPr/>
+                </p:nvGrpSpPr>
+                <p:grpSpPr>
+                  <a:xfrm>
+                    <a:off x="3870250" y="2301131"/>
+                    <a:ext cx="786810" cy="408034"/>
+                    <a:chOff x="3870250" y="2301131"/>
+                    <a:chExt cx="786810" cy="557956"/>
+                  </a:xfrm>
+                </p:grpSpPr>
+                <p:sp>
+                  <p:nvSpPr>
+                    <p:cNvPr id="16" name="直角三角形 15"/>
+                    <p:cNvSpPr/>
+                    <p:nvPr/>
+                  </p:nvSpPr>
+                  <p:spPr>
+                    <a:xfrm>
+                      <a:off x="3870251" y="2301131"/>
+                      <a:ext cx="786809" cy="557956"/>
+                    </a:xfrm>
+                    <a:prstGeom prst="rtTriangle">
+                      <a:avLst/>
+                    </a:prstGeom>
+                    <a:solidFill>
+                      <a:srgbClr val="FFD23C"/>
+                    </a:solidFill>
+                    <a:ln>
+                      <a:noFill/>
+                    </a:ln>
+                  </p:spPr>
+                  <p:style>
+                    <a:lnRef idx="2">
+                      <a:schemeClr val="accent1">
+                        <a:shade val="50000"/>
+                      </a:schemeClr>
+                    </a:lnRef>
+                    <a:fillRef idx="1">
+                      <a:schemeClr val="accent1"/>
+                    </a:fillRef>
+                    <a:effectRef idx="0">
+                      <a:schemeClr val="accent1"/>
+                    </a:effectRef>
+                    <a:fontRef idx="minor">
+                      <a:schemeClr val="lt1"/>
+                    </a:fontRef>
+                  </p:style>
+                  <p:txBody>
+                    <a:bodyPr rtlCol="0" anchor="ctr"/>
+                    <a:lstStyle/>
+                    <a:p>
+                      <a:pPr algn="ctr"/>
+                      <a:endParaRPr lang="zh-CN" altLang="en-US">
+                        <a:solidFill>
+                          <a:prstClr val="white"/>
+                        </a:solidFill>
+                      </a:endParaRPr>
+                    </a:p>
+                  </p:txBody>
+                </p:sp>
+                <p:sp>
+                  <p:nvSpPr>
+                    <p:cNvPr id="17" name="直角三角形 16"/>
+                    <p:cNvSpPr/>
+                    <p:nvPr/>
+                  </p:nvSpPr>
+                  <p:spPr>
+                    <a:xfrm rot="10800000">
+                      <a:off x="3870250" y="2301131"/>
+                      <a:ext cx="786809" cy="557956"/>
+                    </a:xfrm>
+                    <a:prstGeom prst="rtTriangle">
+                      <a:avLst/>
+                    </a:prstGeom>
+                    <a:solidFill>
+                      <a:schemeClr val="tx1"/>
+                    </a:solidFill>
+                    <a:ln>
+                      <a:noFill/>
+                    </a:ln>
+                  </p:spPr>
+                  <p:style>
+                    <a:lnRef idx="2">
+                      <a:schemeClr val="accent1">
+                        <a:shade val="50000"/>
+                      </a:schemeClr>
+                    </a:lnRef>
+                    <a:fillRef idx="1">
+                      <a:schemeClr val="accent1"/>
+                    </a:fillRef>
+                    <a:effectRef idx="0">
+                      <a:schemeClr val="accent1"/>
+                    </a:effectRef>
+                    <a:fontRef idx="minor">
+                      <a:schemeClr val="lt1"/>
+                    </a:fontRef>
+                  </p:style>
+                  <p:txBody>
+                    <a:bodyPr rtlCol="0" anchor="ctr"/>
+                    <a:lstStyle/>
+                    <a:p>
+                      <a:pPr algn="ctr"/>
+                      <a:endParaRPr lang="zh-CN" altLang="en-US">
+                        <a:solidFill>
+                          <a:prstClr val="white"/>
+                        </a:solidFill>
+                      </a:endParaRPr>
+                    </a:p>
+                  </p:txBody>
+                </p:sp>
+              </p:grpSp>
+              <p:sp>
+                <p:nvSpPr>
+                  <p:cNvPr id="15" name="矩形 14"/>
+                  <p:cNvSpPr/>
+                  <p:nvPr/>
+                </p:nvSpPr>
+                <p:spPr>
+                  <a:xfrm>
+                    <a:off x="1764632" y="2005263"/>
+                    <a:ext cx="2105619" cy="703902"/>
+                  </a:xfrm>
+                  <a:prstGeom prst="rect">
+                    <a:avLst/>
+                  </a:prstGeom>
+                  <a:solidFill>
+                    <a:srgbClr val="FFD23C"/>
+                  </a:solidFill>
+                  <a:ln>
+                    <a:noFill/>
+                  </a:ln>
+                </p:spPr>
+                <p:style>
+                  <a:lnRef idx="2">
+                    <a:schemeClr val="accent1">
+                      <a:shade val="50000"/>
+                    </a:schemeClr>
+                  </a:lnRef>
+                  <a:fillRef idx="1">
+                    <a:schemeClr val="accent1"/>
+                  </a:fillRef>
+                  <a:effectRef idx="0">
+                    <a:schemeClr val="accent1"/>
+                  </a:effectRef>
+                  <a:fontRef idx="minor">
+                    <a:schemeClr val="lt1"/>
+                  </a:fontRef>
+                </p:style>
+                <p:txBody>
+                  <a:bodyPr rtlCol="0" anchor="ctr"/>
+                  <a:lstStyle/>
+                  <a:p>
+                    <a:pPr algn="ctr"/>
+                    <a:endParaRPr lang="zh-CN" altLang="en-US">
+                      <a:solidFill>
+                        <a:prstClr val="white"/>
+                      </a:solidFill>
+                    </a:endParaRPr>
+                  </a:p>
+                </p:txBody>
+              </p:sp>
+            </p:grpSp>
+          </p:grpSp>
+        </p:grpSp>
+        <p:sp>
+          <p:nvSpPr>
+            <p:cNvPr id="9" name="矩形 8"/>
+            <p:cNvSpPr/>
+            <p:nvPr/>
+          </p:nvSpPr>
+          <p:spPr>
+            <a:xfrm>
+              <a:off x="8293395" y="2005262"/>
+              <a:ext cx="2105619" cy="703902"/>
+            </a:xfrm>
+            <a:prstGeom prst="rect">
+              <a:avLst/>
+            </a:prstGeom>
+            <a:solidFill>
+              <a:srgbClr val="FFD23C"/>
+            </a:solidFill>
+            <a:ln>
+              <a:noFill/>
+            </a:ln>
+          </p:spPr>
+          <p:style>
+            <a:lnRef idx="2">
+              <a:schemeClr val="accent1">
+                <a:shade val="50000"/>
+              </a:schemeClr>
+            </a:lnRef>
+            <a:fillRef idx="1">
+              <a:schemeClr val="accent1"/>
+            </a:fillRef>
+            <a:effectRef idx="0">
+              <a:schemeClr val="accent1"/>
+            </a:effectRef>
+            <a:fontRef idx="minor">
+              <a:schemeClr val="lt1"/>
+            </a:fontRef>
+          </p:style>
+          <p:txBody>
+            <a:bodyPr rtlCol="0" anchor="ctr"/>
+            <a:lstStyle/>
+            <a:p>
+              <a:pPr algn="ctr"/>
+              <a:endParaRPr lang="zh-CN" altLang="en-US">
+                <a:solidFill>
+                  <a:prstClr val="white"/>
+                </a:solidFill>
+              </a:endParaRPr>
+            </a:p>
+          </p:txBody>
+        </p:sp>
+      </p:grpSp>
+      <p:sp>
+        <p:nvSpPr>
+          <p:cNvPr id="2" name="标题 1"/>
+          <p:cNvSpPr>
+            <a:spLocks noGrp="1"/>
+          </p:cNvSpPr>
+          <p:nvPr>
+            <p:ph type="title"/>
+          </p:nvPr>
+        </p:nvSpPr>
+        <p:spPr>
+          <a:xfrm>
+            <a:off x="4876828" y="376886"/>
+            <a:ext cx="2438344" cy="789420"/>
+          </a:xfrm>
+        </p:spPr>
+        <p:txBody>
+          <a:bodyPr>
+            <a:normAutofit/>
+          </a:bodyPr>
+          <a:lstStyle/>
+          <a:p>
+            <a:r>
+              <a:rPr kumimoji="1" lang="zh-CN" altLang="en-US" sz="3200" b="1" dirty="0" smtClean="0">
+                <a:latin typeface="微软雅黑"/>
+                <a:ea typeface="微软雅黑"/>
+              </a:rPr>
+              <a:t>事务核心类</a:t>
+            </a:r>
+            <a:endParaRPr lang="zh-CN" altLang="en-US" sz="3200" dirty="0"/>
+          </a:p>
+        </p:txBody>
+      </p:sp>
+      <p:sp>
+        <p:nvSpPr>
+          <p:cNvPr id="24" name="amplification-tool-silhouette-in-black_26758"/>
+          <p:cNvSpPr>
+            <a:spLocks noChangeAspect="1"/>
+          </p:cNvSpPr>
+          <p:nvPr/>
+        </p:nvSpPr>
+        <p:spPr bwMode="auto">
+          <a:xfrm>
+            <a:off x="1071377" y="2526958"/>
+            <a:ext cx="609685" cy="573637"/>
+          </a:xfrm>
+          <a:custGeom>
+            <a:avLst/>
+            <a:gdLst>
+              <a:gd name="T0" fmla="*/ 407031 w 604011"/>
+              <a:gd name="T1" fmla="*/ 407031 w 604011"/>
+              <a:gd name="T2" fmla="*/ 407031 w 604011"/>
+              <a:gd name="T3" fmla="*/ 407031 w 604011"/>
+              <a:gd name="T4" fmla="*/ 407031 w 604011"/>
+              <a:gd name="T5" fmla="*/ 407031 w 604011"/>
+              <a:gd name="T6" fmla="*/ 407031 w 604011"/>
+              <a:gd name="T7" fmla="*/ 407031 w 604011"/>
+              <a:gd name="T8" fmla="*/ 407031 w 604011"/>
+              <a:gd name="T9" fmla="*/ 407031 w 604011"/>
+              <a:gd name="T10" fmla="*/ 407031 w 604011"/>
+              <a:gd name="T11" fmla="*/ 407031 w 604011"/>
+              <a:gd name="T12" fmla="*/ 407031 w 604011"/>
+              <a:gd name="T13" fmla="*/ 407031 w 604011"/>
+              <a:gd name="T14" fmla="*/ 407031 w 604011"/>
+              <a:gd name="T15" fmla="*/ 407031 w 604011"/>
+              <a:gd name="T16" fmla="*/ 407031 w 604011"/>
+              <a:gd name="T17" fmla="*/ 407031 w 604011"/>
+              <a:gd name="T18" fmla="*/ 407031 w 604011"/>
+              <a:gd name="T19" fmla="*/ 407031 w 604011"/>
+              <a:gd name="T20" fmla="*/ 407031 w 604011"/>
+              <a:gd name="T21" fmla="*/ 407031 w 604011"/>
+              <a:gd name="T22" fmla="*/ 407031 w 604011"/>
+              <a:gd name="T23" fmla="*/ 407031 w 604011"/>
+              <a:gd name="T24" fmla="*/ 407031 w 604011"/>
+              <a:gd name="T25" fmla="*/ 407031 w 604011"/>
+              <a:gd name="T26" fmla="*/ 407031 w 604011"/>
+              <a:gd name="T27" fmla="*/ 407031 w 604011"/>
+              <a:gd name="T28" fmla="*/ 407031 w 604011"/>
+              <a:gd name="T29" fmla="*/ 407031 w 604011"/>
+              <a:gd name="T30" fmla="*/ 407031 w 604011"/>
+              <a:gd name="T31" fmla="*/ 407031 w 604011"/>
+              <a:gd name="T32" fmla="*/ 407031 w 604011"/>
+              <a:gd name="T33" fmla="*/ 407031 w 604011"/>
+              <a:gd name="T34" fmla="*/ 407031 w 604011"/>
+              <a:gd name="T35" fmla="*/ 407031 w 604011"/>
+              <a:gd name="T36" fmla="*/ 407031 w 604011"/>
+              <a:gd name="T37" fmla="*/ 407031 w 604011"/>
+            </a:gdLst>
+            <a:ahLst/>
+            <a:cxnLst>
+              <a:cxn ang="0">
+                <a:pos x="T0" y="T1"/>
+              </a:cxn>
+              <a:cxn ang="0">
+                <a:pos x="T2" y="T3"/>
+              </a:cxn>
+              <a:cxn ang="0">
+                <a:pos x="T4" y="T5"/>
+              </a:cxn>
+              <a:cxn ang="0">
+                <a:pos x="T6" y="T7"/>
+              </a:cxn>
+              <a:cxn ang="0">
+                <a:pos x="T8" y="T9"/>
+              </a:cxn>
+              <a:cxn ang="0">
+                <a:pos x="T10" y="T11"/>
+              </a:cxn>
+              <a:cxn ang="0">
+                <a:pos x="T12" y="T13"/>
+              </a:cxn>
+              <a:cxn ang="0">
+                <a:pos x="T14" y="T15"/>
+              </a:cxn>
+              <a:cxn ang="0">
+                <a:pos x="T16" y="T17"/>
+              </a:cxn>
+              <a:cxn ang="0">
+                <a:pos x="T18" y="T19"/>
+              </a:cxn>
+              <a:cxn ang="0">
+                <a:pos x="T20" y="T21"/>
+              </a:cxn>
+              <a:cxn ang="0">
+                <a:pos x="T22" y="T23"/>
+              </a:cxn>
+              <a:cxn ang="0">
+                <a:pos x="T24" y="T25"/>
+              </a:cxn>
+              <a:cxn ang="0">
+                <a:pos x="T26" y="T27"/>
+              </a:cxn>
+              <a:cxn ang="0">
+                <a:pos x="T28" y="T29"/>
+              </a:cxn>
+              <a:cxn ang="0">
+                <a:pos x="T30" y="T31"/>
+              </a:cxn>
+              <a:cxn ang="0">
+                <a:pos x="T32" y="T33"/>
+              </a:cxn>
+              <a:cxn ang="0">
+                <a:pos x="T34" y="T35"/>
+              </a:cxn>
+              <a:cxn ang="0">
+                <a:pos x="T36" y="T37"/>
+              </a:cxn>
+            </a:cxnLst>
+            <a:rect l="0" t="0" r="r" b="b"/>
+            <a:pathLst>
+              <a:path w="6142" h="5788">
+                <a:moveTo>
+                  <a:pt x="589" y="3881"/>
+                </a:moveTo>
+                <a:lnTo>
+                  <a:pt x="952" y="5571"/>
+                </a:lnTo>
+                <a:cubicBezTo>
+                  <a:pt x="952" y="5571"/>
+                  <a:pt x="1003" y="5788"/>
+                  <a:pt x="1395" y="5788"/>
+                </a:cubicBezTo>
+                <a:lnTo>
+                  <a:pt x="2077" y="5788"/>
+                </a:lnTo>
+                <a:lnTo>
+                  <a:pt x="1932" y="5139"/>
+                </a:lnTo>
+                <a:cubicBezTo>
+                  <a:pt x="2043" y="5087"/>
+                  <a:pt x="2108" y="4963"/>
+                  <a:pt x="2081" y="4838"/>
+                </a:cubicBezTo>
+                <a:lnTo>
+                  <a:pt x="1972" y="4341"/>
+                </a:lnTo>
+                <a:cubicBezTo>
+                  <a:pt x="1944" y="4214"/>
+                  <a:pt x="1831" y="4128"/>
+                  <a:pt x="1706" y="4130"/>
+                </a:cubicBezTo>
+                <a:lnTo>
+                  <a:pt x="1662" y="3933"/>
+                </a:lnTo>
+                <a:lnTo>
+                  <a:pt x="3005" y="3933"/>
+                </a:lnTo>
+                <a:lnTo>
+                  <a:pt x="5258" y="5170"/>
+                </a:lnTo>
+                <a:cubicBezTo>
+                  <a:pt x="5747" y="5170"/>
+                  <a:pt x="6142" y="4774"/>
+                  <a:pt x="6142" y="4286"/>
+                </a:cubicBezTo>
+                <a:lnTo>
+                  <a:pt x="6142" y="883"/>
+                </a:lnTo>
+                <a:cubicBezTo>
+                  <a:pt x="6142" y="395"/>
+                  <a:pt x="5747" y="0"/>
+                  <a:pt x="5258" y="0"/>
+                </a:cubicBezTo>
+                <a:lnTo>
+                  <a:pt x="3005" y="1414"/>
+                </a:lnTo>
+                <a:lnTo>
+                  <a:pt x="884" y="1414"/>
+                </a:lnTo>
+                <a:cubicBezTo>
+                  <a:pt x="396" y="1414"/>
+                  <a:pt x="0" y="1809"/>
+                  <a:pt x="0" y="2297"/>
+                </a:cubicBezTo>
+                <a:lnTo>
+                  <a:pt x="0" y="3049"/>
+                </a:lnTo>
+                <a:cubicBezTo>
+                  <a:pt x="0" y="3433"/>
+                  <a:pt x="246" y="3759"/>
+                  <a:pt x="589" y="3881"/>
+                </a:cubicBezTo>
+                <a:close/>
+              </a:path>
+            </a:pathLst>
+          </a:custGeom>
+          <a:solidFill>
+            <a:schemeClr val="accent1"/>
+          </a:solidFill>
+          <a:ln>
+            <a:noFill/>
+          </a:ln>
+        </p:spPr>
+        <p:txBody>
+          <a:bodyPr/>
+          <a:lstStyle>
+            <a:defPPr>
+              <a:defRPr lang="en-US"/>
+            </a:defPPr>
+            <a:lvl1pPr marL="0" algn="l" defTabSz="914400" rtl="0" eaLnBrk="1" latinLnBrk="0" hangingPunct="1">
+              <a:defRPr sz="1800" kern="1200">
+                <a:solidFill>
+                  <a:schemeClr val="tx1"/>
+                </a:solidFill>
+                <a:latin typeface="+mn-lt"/>
+                <a:ea typeface="+mn-ea"/>
+                <a:cs typeface="+mn-cs"/>
+              </a:defRPr>
+            </a:lvl1pPr>
+            <a:lvl2pPr marL="457200" algn="l" defTabSz="914400" rtl="0" eaLnBrk="1" latinLnBrk="0" hangingPunct="1">
+              <a:defRPr sz="1800" kern="1200">
+                <a:solidFill>
+                  <a:schemeClr val="tx1"/>
+                </a:solidFill>
+                <a:latin typeface="+mn-lt"/>
+                <a:ea typeface="+mn-ea"/>
+                <a:cs typeface="+mn-cs"/>
+              </a:defRPr>
+            </a:lvl2pPr>
+            <a:lvl3pPr marL="914400" algn="l" defTabSz="914400" rtl="0" eaLnBrk="1" latinLnBrk="0" hangingPunct="1">
+              <a:defRPr sz="1800" kern="1200">
+                <a:solidFill>
+                  <a:schemeClr val="tx1"/>
+                </a:solidFill>
+                <a:latin typeface="+mn-lt"/>
+                <a:ea typeface="+mn-ea"/>
+                <a:cs typeface="+mn-cs"/>
+              </a:defRPr>
+            </a:lvl3pPr>
+            <a:lvl4pPr marL="1371600" algn="l" defTabSz="914400" rtl="0" eaLnBrk="1" latinLnBrk="0" hangingPunct="1">
+              <a:defRPr sz="1800" kern="1200">
+                <a:solidFill>
+                  <a:schemeClr val="tx1"/>
+                </a:solidFill>
+                <a:latin typeface="+mn-lt"/>
+                <a:ea typeface="+mn-ea"/>
+                <a:cs typeface="+mn-cs"/>
+              </a:defRPr>
+            </a:lvl4pPr>
+            <a:lvl5pPr marL="1828800" algn="l" defTabSz="914400" rtl="0" eaLnBrk="1" latinLnBrk="0" hangingPunct="1">
+              <a:defRPr sz="1800" kern="1200">
+                <a:solidFill>
+                  <a:schemeClr val="tx1"/>
+                </a:solidFill>
+                <a:latin typeface="+mn-lt"/>
+                <a:ea typeface="+mn-ea"/>
+                <a:cs typeface="+mn-cs"/>
+              </a:defRPr>
+            </a:lvl5pPr>
+            <a:lvl6pPr marL="2286000" algn="l" defTabSz="914400" rtl="0" eaLnBrk="1" latinLnBrk="0" hangingPunct="1">
+              <a:defRPr sz="1800" kern="1200">
+                <a:solidFill>
+                  <a:schemeClr val="tx1"/>
+                </a:solidFill>
+                <a:latin typeface="+mn-lt"/>
+                <a:ea typeface="+mn-ea"/>
+                <a:cs typeface="+mn-cs"/>
+              </a:defRPr>
+            </a:lvl6pPr>
+            <a:lvl7pPr marL="2743200" algn="l" defTabSz="914400" rtl="0" eaLnBrk="1" latinLnBrk="0" hangingPunct="1">
+              <a:defRPr sz="1800" kern="1200">
+                <a:solidFill>
+                  <a:schemeClr val="tx1"/>
+                </a:solidFill>
+                <a:latin typeface="+mn-lt"/>
+                <a:ea typeface="+mn-ea"/>
+                <a:cs typeface="+mn-cs"/>
+              </a:defRPr>
+            </a:lvl7pPr>
+            <a:lvl8pPr marL="3200400" algn="l" defTabSz="914400" rtl="0" eaLnBrk="1" latinLnBrk="0" hangingPunct="1">
+              <a:defRPr sz="1800" kern="1200">
+                <a:solidFill>
+                  <a:schemeClr val="tx1"/>
+                </a:solidFill>
+                <a:latin typeface="+mn-lt"/>
+                <a:ea typeface="+mn-ea"/>
+                <a:cs typeface="+mn-cs"/>
+              </a:defRPr>
+            </a:lvl8pPr>
+            <a:lvl9pPr marL="3657600" algn="l" defTabSz="914400" rtl="0" eaLnBrk="1" latinLnBrk="0" hangingPunct="1">
+              <a:defRPr sz="1800" kern="1200">
+                <a:solidFill>
+                  <a:schemeClr val="tx1"/>
+                </a:solidFill>
+                <a:latin typeface="+mn-lt"/>
+                <a:ea typeface="+mn-ea"/>
+                <a:cs typeface="+mn-cs"/>
+              </a:defRPr>
+            </a:lvl9pPr>
+          </a:lstStyle>
+          <a:p>
+            <a:endParaRPr lang="zh-CN" altLang="en-US"/>
+          </a:p>
+        </p:txBody>
+      </p:sp>
+      <p:sp>
+        <p:nvSpPr>
+          <p:cNvPr id="26" name="标题 1"/>
+          <p:cNvSpPr txBox="1">
+            <a:spLocks/>
+          </p:cNvSpPr>
+          <p:nvPr/>
+        </p:nvSpPr>
+        <p:spPr>
+          <a:xfrm>
+            <a:off x="2037797" y="2419066"/>
+            <a:ext cx="9248512" cy="789420"/>
+          </a:xfrm>
+          <a:prstGeom prst="rect">
+            <a:avLst/>
+          </a:prstGeom>
+        </p:spPr>
+        <p:txBody>
+          <a:bodyPr vert="horz" lIns="91440" tIns="45720" rIns="91440" bIns="45720" rtlCol="0" anchor="ctr">
+            <a:normAutofit/>
+          </a:bodyPr>
+          <a:lstStyle>
+            <a:lvl1pPr algn="l" defTabSz="914400" rtl="0" eaLnBrk="1" latinLnBrk="0" hangingPunct="1">
+              <a:lnSpc>
+                <a:spcPct val="90000"/>
+              </a:lnSpc>
+              <a:spcBef>
+                <a:spcPct val="0"/>
+              </a:spcBef>
+              <a:buNone/>
+              <a:defRPr sz="4400" kern="1200">
+                <a:solidFill>
+                  <a:schemeClr val="tx1"/>
+                </a:solidFill>
+                <a:latin typeface="+mj-lt"/>
+                <a:ea typeface="+mj-ea"/>
+                <a:cs typeface="+mj-cs"/>
+              </a:defRPr>
+            </a:lvl1pPr>
+          </a:lstStyle>
+          <a:p>
+            <a:r>
+              <a:rPr kumimoji="1" lang="zh-CN" altLang="en-US" sz="2800" b="1" dirty="0" smtClean="0">
+                <a:latin typeface="微软雅黑"/>
+                <a:ea typeface="微软雅黑"/>
+              </a:rPr>
+              <a:t>：</a:t>
+            </a:r>
+            <a:r>
+              <a:rPr kumimoji="1" lang="en-US" altLang="zh-CN" sz="2800" b="1" dirty="0" err="1" smtClean="0">
+                <a:latin typeface="微软雅黑"/>
+                <a:ea typeface="微软雅黑"/>
+              </a:rPr>
+              <a:t>PlatformTransactionManager</a:t>
+            </a:r>
+            <a:r>
+              <a:rPr kumimoji="1" lang="en-US" altLang="zh-CN" sz="2800" b="1" dirty="0" smtClean="0">
+                <a:latin typeface="微软雅黑"/>
+                <a:ea typeface="微软雅黑"/>
+              </a:rPr>
+              <a:t> </a:t>
+            </a:r>
+            <a:r>
+              <a:rPr kumimoji="1" lang="zh-CN" altLang="en-US" sz="2800" b="1" dirty="0" smtClean="0">
+                <a:latin typeface="微软雅黑"/>
+                <a:ea typeface="微软雅黑"/>
+              </a:rPr>
+              <a:t>平台事务管理器</a:t>
+            </a:r>
+            <a:r>
+              <a:rPr kumimoji="1" lang="en-US" altLang="zh-CN" sz="2800" b="1" dirty="0" smtClean="0">
+                <a:latin typeface="微软雅黑"/>
+                <a:ea typeface="微软雅黑"/>
+              </a:rPr>
+              <a:t> </a:t>
+            </a:r>
+            <a:endParaRPr kumimoji="1" lang="en-US" altLang="zh-CN" sz="2800" b="1" dirty="0">
+              <a:latin typeface="微软雅黑"/>
+              <a:ea typeface="微软雅黑"/>
+            </a:endParaRPr>
+          </a:p>
+        </p:txBody>
+      </p:sp>
+      <p:sp>
+        <p:nvSpPr>
+          <p:cNvPr id="31" name="amplification-tool-silhouette-in-black_26758"/>
+          <p:cNvSpPr>
+            <a:spLocks noChangeAspect="1"/>
+          </p:cNvSpPr>
+          <p:nvPr/>
+        </p:nvSpPr>
+        <p:spPr bwMode="auto">
+          <a:xfrm>
+            <a:off x="1071377" y="3672267"/>
+            <a:ext cx="609685" cy="573637"/>
+          </a:xfrm>
+          <a:custGeom>
+            <a:avLst/>
+            <a:gdLst>
+              <a:gd name="T0" fmla="*/ 407031 w 604011"/>
+              <a:gd name="T1" fmla="*/ 407031 w 604011"/>
+              <a:gd name="T2" fmla="*/ 407031 w 604011"/>
+              <a:gd name="T3" fmla="*/ 407031 w 604011"/>
+              <a:gd name="T4" fmla="*/ 407031 w 604011"/>
+              <a:gd name="T5" fmla="*/ 407031 w 604011"/>
+              <a:gd name="T6" fmla="*/ 407031 w 604011"/>
+              <a:gd name="T7" fmla="*/ 407031 w 604011"/>
+              <a:gd name="T8" fmla="*/ 407031 w 604011"/>
+              <a:gd name="T9" fmla="*/ 407031 w 604011"/>
+              <a:gd name="T10" fmla="*/ 407031 w 604011"/>
+              <a:gd name="T11" fmla="*/ 407031 w 604011"/>
+              <a:gd name="T12" fmla="*/ 407031 w 604011"/>
+              <a:gd name="T13" fmla="*/ 407031 w 604011"/>
+              <a:gd name="T14" fmla="*/ 407031 w 604011"/>
+              <a:gd name="T15" fmla="*/ 407031 w 604011"/>
+              <a:gd name="T16" fmla="*/ 407031 w 604011"/>
+              <a:gd name="T17" fmla="*/ 407031 w 604011"/>
+              <a:gd name="T18" fmla="*/ 407031 w 604011"/>
+              <a:gd name="T19" fmla="*/ 407031 w 604011"/>
+              <a:gd name="T20" fmla="*/ 407031 w 604011"/>
+              <a:gd name="T21" fmla="*/ 407031 w 604011"/>
+              <a:gd name="T22" fmla="*/ 407031 w 604011"/>
+              <a:gd name="T23" fmla="*/ 407031 w 604011"/>
+              <a:gd name="T24" fmla="*/ 407031 w 604011"/>
+              <a:gd name="T25" fmla="*/ 407031 w 604011"/>
+              <a:gd name="T26" fmla="*/ 407031 w 604011"/>
+              <a:gd name="T27" fmla="*/ 407031 w 604011"/>
+              <a:gd name="T28" fmla="*/ 407031 w 604011"/>
+              <a:gd name="T29" fmla="*/ 407031 w 604011"/>
+              <a:gd name="T30" fmla="*/ 407031 w 604011"/>
+              <a:gd name="T31" fmla="*/ 407031 w 604011"/>
+              <a:gd name="T32" fmla="*/ 407031 w 604011"/>
+              <a:gd name="T33" fmla="*/ 407031 w 604011"/>
+              <a:gd name="T34" fmla="*/ 407031 w 604011"/>
+              <a:gd name="T35" fmla="*/ 407031 w 604011"/>
+              <a:gd name="T36" fmla="*/ 407031 w 604011"/>
+              <a:gd name="T37" fmla="*/ 407031 w 604011"/>
+            </a:gdLst>
+            <a:ahLst/>
+            <a:cxnLst>
+              <a:cxn ang="0">
+                <a:pos x="T0" y="T1"/>
+              </a:cxn>
+              <a:cxn ang="0">
+                <a:pos x="T2" y="T3"/>
+              </a:cxn>
+              <a:cxn ang="0">
+                <a:pos x="T4" y="T5"/>
+              </a:cxn>
+              <a:cxn ang="0">
+                <a:pos x="T6" y="T7"/>
+              </a:cxn>
+              <a:cxn ang="0">
+                <a:pos x="T8" y="T9"/>
+              </a:cxn>
+              <a:cxn ang="0">
+                <a:pos x="T10" y="T11"/>
+              </a:cxn>
+              <a:cxn ang="0">
+                <a:pos x="T12" y="T13"/>
+              </a:cxn>
+              <a:cxn ang="0">
+                <a:pos x="T14" y="T15"/>
+              </a:cxn>
+              <a:cxn ang="0">
+                <a:pos x="T16" y="T17"/>
+              </a:cxn>
+              <a:cxn ang="0">
+                <a:pos x="T18" y="T19"/>
+              </a:cxn>
+              <a:cxn ang="0">
+                <a:pos x="T20" y="T21"/>
+              </a:cxn>
+              <a:cxn ang="0">
+                <a:pos x="T22" y="T23"/>
+              </a:cxn>
+              <a:cxn ang="0">
+                <a:pos x="T24" y="T25"/>
+              </a:cxn>
+              <a:cxn ang="0">
+                <a:pos x="T26" y="T27"/>
+              </a:cxn>
+              <a:cxn ang="0">
+                <a:pos x="T28" y="T29"/>
+              </a:cxn>
+              <a:cxn ang="0">
+                <a:pos x="T30" y="T31"/>
+              </a:cxn>
+              <a:cxn ang="0">
+                <a:pos x="T32" y="T33"/>
+              </a:cxn>
+              <a:cxn ang="0">
+                <a:pos x="T34" y="T35"/>
+              </a:cxn>
+              <a:cxn ang="0">
+                <a:pos x="T36" y="T37"/>
+              </a:cxn>
+            </a:cxnLst>
+            <a:rect l="0" t="0" r="r" b="b"/>
+            <a:pathLst>
+              <a:path w="6142" h="5788">
+                <a:moveTo>
+                  <a:pt x="589" y="3881"/>
+                </a:moveTo>
+                <a:lnTo>
+                  <a:pt x="952" y="5571"/>
+                </a:lnTo>
+                <a:cubicBezTo>
+                  <a:pt x="952" y="5571"/>
+                  <a:pt x="1003" y="5788"/>
+                  <a:pt x="1395" y="5788"/>
+                </a:cubicBezTo>
+                <a:lnTo>
+                  <a:pt x="2077" y="5788"/>
+                </a:lnTo>
+                <a:lnTo>
+                  <a:pt x="1932" y="5139"/>
+                </a:lnTo>
+                <a:cubicBezTo>
+                  <a:pt x="2043" y="5087"/>
+                  <a:pt x="2108" y="4963"/>
+                  <a:pt x="2081" y="4838"/>
+                </a:cubicBezTo>
+                <a:lnTo>
+                  <a:pt x="1972" y="4341"/>
+                </a:lnTo>
+                <a:cubicBezTo>
+                  <a:pt x="1944" y="4214"/>
+                  <a:pt x="1831" y="4128"/>
+                  <a:pt x="1706" y="4130"/>
+                </a:cubicBezTo>
+                <a:lnTo>
+                  <a:pt x="1662" y="3933"/>
+                </a:lnTo>
+                <a:lnTo>
+                  <a:pt x="3005" y="3933"/>
+                </a:lnTo>
+                <a:lnTo>
+                  <a:pt x="5258" y="5170"/>
+                </a:lnTo>
+                <a:cubicBezTo>
+                  <a:pt x="5747" y="5170"/>
+                  <a:pt x="6142" y="4774"/>
+                  <a:pt x="6142" y="4286"/>
+                </a:cubicBezTo>
+                <a:lnTo>
+                  <a:pt x="6142" y="883"/>
+                </a:lnTo>
+                <a:cubicBezTo>
+                  <a:pt x="6142" y="395"/>
+                  <a:pt x="5747" y="0"/>
+                  <a:pt x="5258" y="0"/>
+                </a:cubicBezTo>
+                <a:lnTo>
+                  <a:pt x="3005" y="1414"/>
+                </a:lnTo>
+                <a:lnTo>
+                  <a:pt x="884" y="1414"/>
+                </a:lnTo>
+                <a:cubicBezTo>
+                  <a:pt x="396" y="1414"/>
+                  <a:pt x="0" y="1809"/>
+                  <a:pt x="0" y="2297"/>
+                </a:cubicBezTo>
+                <a:lnTo>
+                  <a:pt x="0" y="3049"/>
+                </a:lnTo>
+                <a:cubicBezTo>
+                  <a:pt x="0" y="3433"/>
+                  <a:pt x="246" y="3759"/>
+                  <a:pt x="589" y="3881"/>
+                </a:cubicBezTo>
+                <a:close/>
+              </a:path>
+            </a:pathLst>
+          </a:custGeom>
+          <a:solidFill>
+            <a:schemeClr val="accent1"/>
+          </a:solidFill>
+          <a:ln>
+            <a:noFill/>
+          </a:ln>
+        </p:spPr>
+        <p:txBody>
+          <a:bodyPr/>
+          <a:lstStyle>
+            <a:defPPr>
+              <a:defRPr lang="en-US"/>
+            </a:defPPr>
+            <a:lvl1pPr marL="0" algn="l" defTabSz="914400" rtl="0" eaLnBrk="1" latinLnBrk="0" hangingPunct="1">
+              <a:defRPr sz="1800" kern="1200">
+                <a:solidFill>
+                  <a:schemeClr val="tx1"/>
+                </a:solidFill>
+                <a:latin typeface="+mn-lt"/>
+                <a:ea typeface="+mn-ea"/>
+                <a:cs typeface="+mn-cs"/>
+              </a:defRPr>
+            </a:lvl1pPr>
+            <a:lvl2pPr marL="457200" algn="l" defTabSz="914400" rtl="0" eaLnBrk="1" latinLnBrk="0" hangingPunct="1">
+              <a:defRPr sz="1800" kern="1200">
+                <a:solidFill>
+                  <a:schemeClr val="tx1"/>
+                </a:solidFill>
+                <a:latin typeface="+mn-lt"/>
+                <a:ea typeface="+mn-ea"/>
+                <a:cs typeface="+mn-cs"/>
+              </a:defRPr>
+            </a:lvl2pPr>
+            <a:lvl3pPr marL="914400" algn="l" defTabSz="914400" rtl="0" eaLnBrk="1" latinLnBrk="0" hangingPunct="1">
+              <a:defRPr sz="1800" kern="1200">
+                <a:solidFill>
+                  <a:schemeClr val="tx1"/>
+                </a:solidFill>
+                <a:latin typeface="+mn-lt"/>
+                <a:ea typeface="+mn-ea"/>
+                <a:cs typeface="+mn-cs"/>
+              </a:defRPr>
+            </a:lvl3pPr>
+            <a:lvl4pPr marL="1371600" algn="l" defTabSz="914400" rtl="0" eaLnBrk="1" latinLnBrk="0" hangingPunct="1">
+              <a:defRPr sz="1800" kern="1200">
+                <a:solidFill>
+                  <a:schemeClr val="tx1"/>
+                </a:solidFill>
+                <a:latin typeface="+mn-lt"/>
+                <a:ea typeface="+mn-ea"/>
+                <a:cs typeface="+mn-cs"/>
+              </a:defRPr>
+            </a:lvl4pPr>
+            <a:lvl5pPr marL="1828800" algn="l" defTabSz="914400" rtl="0" eaLnBrk="1" latinLnBrk="0" hangingPunct="1">
+              <a:defRPr sz="1800" kern="1200">
+                <a:solidFill>
+                  <a:schemeClr val="tx1"/>
+                </a:solidFill>
+                <a:latin typeface="+mn-lt"/>
+                <a:ea typeface="+mn-ea"/>
+                <a:cs typeface="+mn-cs"/>
+              </a:defRPr>
+            </a:lvl5pPr>
+            <a:lvl6pPr marL="2286000" algn="l" defTabSz="914400" rtl="0" eaLnBrk="1" latinLnBrk="0" hangingPunct="1">
+              <a:defRPr sz="1800" kern="1200">
+                <a:solidFill>
+                  <a:schemeClr val="tx1"/>
+                </a:solidFill>
+                <a:latin typeface="+mn-lt"/>
+                <a:ea typeface="+mn-ea"/>
+                <a:cs typeface="+mn-cs"/>
+              </a:defRPr>
+            </a:lvl6pPr>
+            <a:lvl7pPr marL="2743200" algn="l" defTabSz="914400" rtl="0" eaLnBrk="1" latinLnBrk="0" hangingPunct="1">
+              <a:defRPr sz="1800" kern="1200">
+                <a:solidFill>
+                  <a:schemeClr val="tx1"/>
+                </a:solidFill>
+                <a:latin typeface="+mn-lt"/>
+                <a:ea typeface="+mn-ea"/>
+                <a:cs typeface="+mn-cs"/>
+              </a:defRPr>
+            </a:lvl7pPr>
+            <a:lvl8pPr marL="3200400" algn="l" defTabSz="914400" rtl="0" eaLnBrk="1" latinLnBrk="0" hangingPunct="1">
+              <a:defRPr sz="1800" kern="1200">
+                <a:solidFill>
+                  <a:schemeClr val="tx1"/>
+                </a:solidFill>
+                <a:latin typeface="+mn-lt"/>
+                <a:ea typeface="+mn-ea"/>
+                <a:cs typeface="+mn-cs"/>
+              </a:defRPr>
+            </a:lvl8pPr>
+            <a:lvl9pPr marL="3657600" algn="l" defTabSz="914400" rtl="0" eaLnBrk="1" latinLnBrk="0" hangingPunct="1">
+              <a:defRPr sz="1800" kern="1200">
+                <a:solidFill>
+                  <a:schemeClr val="tx1"/>
+                </a:solidFill>
+                <a:latin typeface="+mn-lt"/>
+                <a:ea typeface="+mn-ea"/>
+                <a:cs typeface="+mn-cs"/>
+              </a:defRPr>
+            </a:lvl9pPr>
+          </a:lstStyle>
+          <a:p>
+            <a:endParaRPr lang="zh-CN" altLang="en-US"/>
+          </a:p>
+        </p:txBody>
+      </p:sp>
+      <p:sp>
+        <p:nvSpPr>
+          <p:cNvPr id="32" name="标题 1"/>
+          <p:cNvSpPr txBox="1">
+            <a:spLocks/>
+          </p:cNvSpPr>
+          <p:nvPr/>
+        </p:nvSpPr>
+        <p:spPr>
+          <a:xfrm>
+            <a:off x="2037797" y="3564375"/>
+            <a:ext cx="7290930" cy="789420"/>
+          </a:xfrm>
+          <a:prstGeom prst="rect">
+            <a:avLst/>
+          </a:prstGeom>
+        </p:spPr>
+        <p:txBody>
+          <a:bodyPr vert="horz" lIns="91440" tIns="45720" rIns="91440" bIns="45720" rtlCol="0" anchor="ctr">
+            <a:normAutofit/>
+          </a:bodyPr>
+          <a:lstStyle>
+            <a:lvl1pPr algn="l" defTabSz="914400" rtl="0" eaLnBrk="1" latinLnBrk="0" hangingPunct="1">
+              <a:lnSpc>
+                <a:spcPct val="90000"/>
+              </a:lnSpc>
+              <a:spcBef>
+                <a:spcPct val="0"/>
+              </a:spcBef>
+              <a:buNone/>
+              <a:defRPr sz="4400" kern="1200">
+                <a:solidFill>
+                  <a:schemeClr val="tx1"/>
+                </a:solidFill>
+                <a:latin typeface="+mj-lt"/>
+                <a:ea typeface="+mj-ea"/>
+                <a:cs typeface="+mj-cs"/>
+              </a:defRPr>
+            </a:lvl1pPr>
+          </a:lstStyle>
+          <a:p>
+            <a:r>
+              <a:rPr kumimoji="1" lang="zh-CN" altLang="en-US" sz="2800" b="1" dirty="0" smtClean="0">
+                <a:latin typeface="微软雅黑"/>
+                <a:ea typeface="微软雅黑"/>
+              </a:rPr>
+              <a:t>：</a:t>
+            </a:r>
+            <a:r>
+              <a:rPr kumimoji="1" lang="en-US" altLang="zh-CN" sz="2800" b="1" dirty="0" err="1" smtClean="0">
+                <a:latin typeface="微软雅黑"/>
+                <a:ea typeface="微软雅黑"/>
+              </a:rPr>
+              <a:t>TransactionDefinition</a:t>
+            </a:r>
+            <a:r>
+              <a:rPr kumimoji="1" lang="en-US" altLang="zh-CN" sz="2800" b="1" dirty="0" smtClean="0">
+                <a:latin typeface="微软雅黑"/>
+                <a:ea typeface="微软雅黑"/>
+              </a:rPr>
+              <a:t> </a:t>
+            </a:r>
+            <a:r>
+              <a:rPr kumimoji="1" lang="zh-CN" altLang="en-US" sz="2800" b="1" dirty="0" smtClean="0">
+                <a:latin typeface="微软雅黑"/>
+                <a:ea typeface="微软雅黑"/>
+              </a:rPr>
+              <a:t>定义事务</a:t>
+            </a:r>
+            <a:endParaRPr kumimoji="1" lang="en-US" altLang="zh-CN" sz="2800" b="1" dirty="0">
+              <a:latin typeface="微软雅黑"/>
+              <a:ea typeface="微软雅黑"/>
+            </a:endParaRPr>
+          </a:p>
+        </p:txBody>
+      </p:sp>
+      <p:sp>
+        <p:nvSpPr>
+          <p:cNvPr id="33" name="amplification-tool-silhouette-in-black_26758"/>
+          <p:cNvSpPr>
+            <a:spLocks noChangeAspect="1"/>
+          </p:cNvSpPr>
+          <p:nvPr/>
+        </p:nvSpPr>
+        <p:spPr bwMode="auto">
+          <a:xfrm>
+            <a:off x="1071377" y="5033359"/>
+            <a:ext cx="609685" cy="573637"/>
+          </a:xfrm>
+          <a:custGeom>
+            <a:avLst/>
+            <a:gdLst>
+              <a:gd name="T0" fmla="*/ 407031 w 604011"/>
+              <a:gd name="T1" fmla="*/ 407031 w 604011"/>
+              <a:gd name="T2" fmla="*/ 407031 w 604011"/>
+              <a:gd name="T3" fmla="*/ 407031 w 604011"/>
+              <a:gd name="T4" fmla="*/ 407031 w 604011"/>
+              <a:gd name="T5" fmla="*/ 407031 w 604011"/>
+              <a:gd name="T6" fmla="*/ 407031 w 604011"/>
+              <a:gd name="T7" fmla="*/ 407031 w 604011"/>
+              <a:gd name="T8" fmla="*/ 407031 w 604011"/>
+              <a:gd name="T9" fmla="*/ 407031 w 604011"/>
+              <a:gd name="T10" fmla="*/ 407031 w 604011"/>
+              <a:gd name="T11" fmla="*/ 407031 w 604011"/>
+              <a:gd name="T12" fmla="*/ 407031 w 604011"/>
+              <a:gd name="T13" fmla="*/ 407031 w 604011"/>
+              <a:gd name="T14" fmla="*/ 407031 w 604011"/>
+              <a:gd name="T15" fmla="*/ 407031 w 604011"/>
+              <a:gd name="T16" fmla="*/ 407031 w 604011"/>
+              <a:gd name="T17" fmla="*/ 407031 w 604011"/>
+              <a:gd name="T18" fmla="*/ 407031 w 604011"/>
+              <a:gd name="T19" fmla="*/ 407031 w 604011"/>
+              <a:gd name="T20" fmla="*/ 407031 w 604011"/>
+              <a:gd name="T21" fmla="*/ 407031 w 604011"/>
+              <a:gd name="T22" fmla="*/ 407031 w 604011"/>
+              <a:gd name="T23" fmla="*/ 407031 w 604011"/>
+              <a:gd name="T24" fmla="*/ 407031 w 604011"/>
+              <a:gd name="T25" fmla="*/ 407031 w 604011"/>
+              <a:gd name="T26" fmla="*/ 407031 w 604011"/>
+              <a:gd name="T27" fmla="*/ 407031 w 604011"/>
+              <a:gd name="T28" fmla="*/ 407031 w 604011"/>
+              <a:gd name="T29" fmla="*/ 407031 w 604011"/>
+              <a:gd name="T30" fmla="*/ 407031 w 604011"/>
+              <a:gd name="T31" fmla="*/ 407031 w 604011"/>
+              <a:gd name="T32" fmla="*/ 407031 w 604011"/>
+              <a:gd name="T33" fmla="*/ 407031 w 604011"/>
+              <a:gd name="T34" fmla="*/ 407031 w 604011"/>
+              <a:gd name="T35" fmla="*/ 407031 w 604011"/>
+              <a:gd name="T36" fmla="*/ 407031 w 604011"/>
+              <a:gd name="T37" fmla="*/ 407031 w 604011"/>
+            </a:gdLst>
+            <a:ahLst/>
+            <a:cxnLst>
+              <a:cxn ang="0">
+                <a:pos x="T0" y="T1"/>
+              </a:cxn>
+              <a:cxn ang="0">
+                <a:pos x="T2" y="T3"/>
+              </a:cxn>
+              <a:cxn ang="0">
+                <a:pos x="T4" y="T5"/>
+              </a:cxn>
+              <a:cxn ang="0">
+                <a:pos x="T6" y="T7"/>
+              </a:cxn>
+              <a:cxn ang="0">
+                <a:pos x="T8" y="T9"/>
+              </a:cxn>
+              <a:cxn ang="0">
+                <a:pos x="T10" y="T11"/>
+              </a:cxn>
+              <a:cxn ang="0">
+                <a:pos x="T12" y="T13"/>
+              </a:cxn>
+              <a:cxn ang="0">
+                <a:pos x="T14" y="T15"/>
+              </a:cxn>
+              <a:cxn ang="0">
+                <a:pos x="T16" y="T17"/>
+              </a:cxn>
+              <a:cxn ang="0">
+                <a:pos x="T18" y="T19"/>
+              </a:cxn>
+              <a:cxn ang="0">
+                <a:pos x="T20" y="T21"/>
+              </a:cxn>
+              <a:cxn ang="0">
+                <a:pos x="T22" y="T23"/>
+              </a:cxn>
+              <a:cxn ang="0">
+                <a:pos x="T24" y="T25"/>
+              </a:cxn>
+              <a:cxn ang="0">
+                <a:pos x="T26" y="T27"/>
+              </a:cxn>
+              <a:cxn ang="0">
+                <a:pos x="T28" y="T29"/>
+              </a:cxn>
+              <a:cxn ang="0">
+                <a:pos x="T30" y="T31"/>
+              </a:cxn>
+              <a:cxn ang="0">
+                <a:pos x="T32" y="T33"/>
+              </a:cxn>
+              <a:cxn ang="0">
+                <a:pos x="T34" y="T35"/>
+              </a:cxn>
+              <a:cxn ang="0">
+                <a:pos x="T36" y="T37"/>
+              </a:cxn>
+            </a:cxnLst>
+            <a:rect l="0" t="0" r="r" b="b"/>
+            <a:pathLst>
+              <a:path w="6142" h="5788">
+                <a:moveTo>
+                  <a:pt x="589" y="3881"/>
+                </a:moveTo>
+                <a:lnTo>
+                  <a:pt x="952" y="5571"/>
+                </a:lnTo>
+                <a:cubicBezTo>
+                  <a:pt x="952" y="5571"/>
+                  <a:pt x="1003" y="5788"/>
+                  <a:pt x="1395" y="5788"/>
+                </a:cubicBezTo>
+                <a:lnTo>
+                  <a:pt x="2077" y="5788"/>
+                </a:lnTo>
+                <a:lnTo>
+                  <a:pt x="1932" y="5139"/>
+                </a:lnTo>
+                <a:cubicBezTo>
+                  <a:pt x="2043" y="5087"/>
+                  <a:pt x="2108" y="4963"/>
+                  <a:pt x="2081" y="4838"/>
+                </a:cubicBezTo>
+                <a:lnTo>
+                  <a:pt x="1972" y="4341"/>
+                </a:lnTo>
+                <a:cubicBezTo>
+                  <a:pt x="1944" y="4214"/>
+                  <a:pt x="1831" y="4128"/>
+                  <a:pt x="1706" y="4130"/>
+                </a:cubicBezTo>
+                <a:lnTo>
+                  <a:pt x="1662" y="3933"/>
+                </a:lnTo>
+                <a:lnTo>
+                  <a:pt x="3005" y="3933"/>
+                </a:lnTo>
+                <a:lnTo>
+                  <a:pt x="5258" y="5170"/>
+                </a:lnTo>
+                <a:cubicBezTo>
+                  <a:pt x="5747" y="5170"/>
+                  <a:pt x="6142" y="4774"/>
+                  <a:pt x="6142" y="4286"/>
+                </a:cubicBezTo>
+                <a:lnTo>
+                  <a:pt x="6142" y="883"/>
+                </a:lnTo>
+                <a:cubicBezTo>
+                  <a:pt x="6142" y="395"/>
+                  <a:pt x="5747" y="0"/>
+                  <a:pt x="5258" y="0"/>
+                </a:cubicBezTo>
+                <a:lnTo>
+                  <a:pt x="3005" y="1414"/>
+                </a:lnTo>
+                <a:lnTo>
+                  <a:pt x="884" y="1414"/>
+                </a:lnTo>
+                <a:cubicBezTo>
+                  <a:pt x="396" y="1414"/>
+                  <a:pt x="0" y="1809"/>
+                  <a:pt x="0" y="2297"/>
+                </a:cubicBezTo>
+                <a:lnTo>
+                  <a:pt x="0" y="3049"/>
+                </a:lnTo>
+                <a:cubicBezTo>
+                  <a:pt x="0" y="3433"/>
+                  <a:pt x="246" y="3759"/>
+                  <a:pt x="589" y="3881"/>
+                </a:cubicBezTo>
+                <a:close/>
+              </a:path>
+            </a:pathLst>
+          </a:custGeom>
+          <a:solidFill>
+            <a:schemeClr val="accent1"/>
+          </a:solidFill>
+          <a:ln>
+            <a:noFill/>
+          </a:ln>
+        </p:spPr>
+        <p:txBody>
+          <a:bodyPr/>
+          <a:lstStyle>
+            <a:defPPr>
+              <a:defRPr lang="en-US"/>
+            </a:defPPr>
+            <a:lvl1pPr marL="0" algn="l" defTabSz="914400" rtl="0" eaLnBrk="1" latinLnBrk="0" hangingPunct="1">
+              <a:defRPr sz="1800" kern="1200">
+                <a:solidFill>
+                  <a:schemeClr val="tx1"/>
+                </a:solidFill>
+                <a:latin typeface="+mn-lt"/>
+                <a:ea typeface="+mn-ea"/>
+                <a:cs typeface="+mn-cs"/>
+              </a:defRPr>
+            </a:lvl1pPr>
+            <a:lvl2pPr marL="457200" algn="l" defTabSz="914400" rtl="0" eaLnBrk="1" latinLnBrk="0" hangingPunct="1">
+              <a:defRPr sz="1800" kern="1200">
+                <a:solidFill>
+                  <a:schemeClr val="tx1"/>
+                </a:solidFill>
+                <a:latin typeface="+mn-lt"/>
+                <a:ea typeface="+mn-ea"/>
+                <a:cs typeface="+mn-cs"/>
+              </a:defRPr>
+            </a:lvl2pPr>
+            <a:lvl3pPr marL="914400" algn="l" defTabSz="914400" rtl="0" eaLnBrk="1" latinLnBrk="0" hangingPunct="1">
+              <a:defRPr sz="1800" kern="1200">
+                <a:solidFill>
+                  <a:schemeClr val="tx1"/>
+                </a:solidFill>
+                <a:latin typeface="+mn-lt"/>
+                <a:ea typeface="+mn-ea"/>
+                <a:cs typeface="+mn-cs"/>
+              </a:defRPr>
+            </a:lvl3pPr>
+            <a:lvl4pPr marL="1371600" algn="l" defTabSz="914400" rtl="0" eaLnBrk="1" latinLnBrk="0" hangingPunct="1">
+              <a:defRPr sz="1800" kern="1200">
+                <a:solidFill>
+                  <a:schemeClr val="tx1"/>
+                </a:solidFill>
+                <a:latin typeface="+mn-lt"/>
+                <a:ea typeface="+mn-ea"/>
+                <a:cs typeface="+mn-cs"/>
+              </a:defRPr>
+            </a:lvl4pPr>
+            <a:lvl5pPr marL="1828800" algn="l" defTabSz="914400" rtl="0" eaLnBrk="1" latinLnBrk="0" hangingPunct="1">
+              <a:defRPr sz="1800" kern="1200">
+                <a:solidFill>
+                  <a:schemeClr val="tx1"/>
+                </a:solidFill>
+                <a:latin typeface="+mn-lt"/>
+                <a:ea typeface="+mn-ea"/>
+                <a:cs typeface="+mn-cs"/>
+              </a:defRPr>
+            </a:lvl5pPr>
+            <a:lvl6pPr marL="2286000" algn="l" defTabSz="914400" rtl="0" eaLnBrk="1" latinLnBrk="0" hangingPunct="1">
+              <a:defRPr sz="1800" kern="1200">
+                <a:solidFill>
+                  <a:schemeClr val="tx1"/>
+                </a:solidFill>
+                <a:latin typeface="+mn-lt"/>
+                <a:ea typeface="+mn-ea"/>
+                <a:cs typeface="+mn-cs"/>
+              </a:defRPr>
+            </a:lvl6pPr>
+            <a:lvl7pPr marL="2743200" algn="l" defTabSz="914400" rtl="0" eaLnBrk="1" latinLnBrk="0" hangingPunct="1">
+              <a:defRPr sz="1800" kern="1200">
+                <a:solidFill>
+                  <a:schemeClr val="tx1"/>
+                </a:solidFill>
+                <a:latin typeface="+mn-lt"/>
+                <a:ea typeface="+mn-ea"/>
+                <a:cs typeface="+mn-cs"/>
+              </a:defRPr>
+            </a:lvl7pPr>
+            <a:lvl8pPr marL="3200400" algn="l" defTabSz="914400" rtl="0" eaLnBrk="1" latinLnBrk="0" hangingPunct="1">
+              <a:defRPr sz="1800" kern="1200">
+                <a:solidFill>
+                  <a:schemeClr val="tx1"/>
+                </a:solidFill>
+                <a:latin typeface="+mn-lt"/>
+                <a:ea typeface="+mn-ea"/>
+                <a:cs typeface="+mn-cs"/>
+              </a:defRPr>
+            </a:lvl8pPr>
+            <a:lvl9pPr marL="3657600" algn="l" defTabSz="914400" rtl="0" eaLnBrk="1" latinLnBrk="0" hangingPunct="1">
+              <a:defRPr sz="1800" kern="1200">
+                <a:solidFill>
+                  <a:schemeClr val="tx1"/>
+                </a:solidFill>
+                <a:latin typeface="+mn-lt"/>
+                <a:ea typeface="+mn-ea"/>
+                <a:cs typeface="+mn-cs"/>
+              </a:defRPr>
+            </a:lvl9pPr>
+          </a:lstStyle>
+          <a:p>
+            <a:endParaRPr lang="zh-CN" altLang="en-US"/>
+          </a:p>
+        </p:txBody>
+      </p:sp>
+      <p:sp>
+        <p:nvSpPr>
+          <p:cNvPr id="34" name="标题 1"/>
+          <p:cNvSpPr txBox="1">
+            <a:spLocks/>
+          </p:cNvSpPr>
+          <p:nvPr/>
+        </p:nvSpPr>
+        <p:spPr>
+          <a:xfrm>
+            <a:off x="2037797" y="4925467"/>
+            <a:ext cx="7290930" cy="789420"/>
+          </a:xfrm>
+          <a:prstGeom prst="rect">
+            <a:avLst/>
+          </a:prstGeom>
+        </p:spPr>
+        <p:txBody>
+          <a:bodyPr vert="horz" lIns="91440" tIns="45720" rIns="91440" bIns="45720" rtlCol="0" anchor="ctr">
+            <a:normAutofit/>
+          </a:bodyPr>
+          <a:lstStyle>
+            <a:lvl1pPr algn="l" defTabSz="914400" rtl="0" eaLnBrk="1" latinLnBrk="0" hangingPunct="1">
+              <a:lnSpc>
+                <a:spcPct val="90000"/>
+              </a:lnSpc>
+              <a:spcBef>
+                <a:spcPct val="0"/>
+              </a:spcBef>
+              <a:buNone/>
+              <a:defRPr sz="4400" kern="1200">
+                <a:solidFill>
+                  <a:schemeClr val="tx1"/>
+                </a:solidFill>
+                <a:latin typeface="+mj-lt"/>
+                <a:ea typeface="+mj-ea"/>
+                <a:cs typeface="+mj-cs"/>
+              </a:defRPr>
+            </a:lvl1pPr>
+          </a:lstStyle>
+          <a:p>
+            <a:r>
+              <a:rPr kumimoji="1" lang="zh-CN" altLang="en-US" sz="2800" b="1" dirty="0" smtClean="0">
+                <a:latin typeface="微软雅黑"/>
+                <a:ea typeface="微软雅黑"/>
+              </a:rPr>
+              <a:t>：</a:t>
+            </a:r>
+            <a:r>
+              <a:rPr kumimoji="1" lang="en-US" altLang="zh-CN" sz="2800" b="1" dirty="0" err="1" smtClean="0">
+                <a:latin typeface="微软雅黑"/>
+                <a:ea typeface="微软雅黑"/>
+              </a:rPr>
+              <a:t>TransactionStatus</a:t>
+            </a:r>
+            <a:r>
+              <a:rPr kumimoji="1" lang="en-US" altLang="zh-CN" sz="2800" b="1" dirty="0" smtClean="0">
+                <a:latin typeface="微软雅黑"/>
+                <a:ea typeface="微软雅黑"/>
+              </a:rPr>
+              <a:t> </a:t>
+            </a:r>
+            <a:r>
+              <a:rPr kumimoji="1" lang="zh-CN" altLang="en-US" sz="2800" b="1" dirty="0" smtClean="0">
+                <a:latin typeface="微软雅黑"/>
+                <a:ea typeface="微软雅黑"/>
+              </a:rPr>
+              <a:t>记录事务状态</a:t>
+            </a:r>
+            <a:endParaRPr kumimoji="1" lang="en-US" altLang="zh-CN" sz="2800" b="1" dirty="0">
+              <a:latin typeface="微软雅黑"/>
+              <a:ea typeface="微软雅黑"/>
+            </a:endParaRPr>
+          </a:p>
+        </p:txBody>
+      </p:sp>
+    </p:spTree>
+    <p:custDataLst>
+      <p:tags r:id="rId1"/>
+    </p:custDataLst>
+    <p:extLst>
+      <p:ext uri="{BB962C8B-B14F-4D97-AF65-F5344CB8AC3E}">
+        <p14:creationId xmlns:p14="http://schemas.microsoft.com/office/powerpoint/2010/main" val="2110153920"/>
+      </p:ext>
+    </p:extLst>
+  </p:cSld>
+  <p:clrMapOvr>
+    <a:masterClrMapping/>
+  </p:clrMapOvr>
+  <p:transition>
+    <p:wipe/>
+  </p:transition>
+</p:sld>
+</file>
+
+<file path=ppt/slides/slide6.xml><?xml version="1.0" encoding="utf-8"?>
+<p:sld xmlns:a="http://schemas.openxmlformats.org/drawingml/2006/main" xmlns:r="http://schemas.openxmlformats.org/officeDocument/2006/relationships" xmlns:p="http://schemas.openxmlformats.org/presentationml/2006/main">
+  <p:cSld>
+    <p:spTree>
+      <p:nvGrpSpPr>
+        <p:cNvPr id="1" name=""/>
+        <p:cNvGrpSpPr/>
+        <p:nvPr/>
+      </p:nvGrpSpPr>
+      <p:grpSpPr>
+        <a:xfrm>
+          <a:off x="0" y="0"/>
+          <a:ext cx="0" cy="0"/>
+          <a:chOff x="0" y="0"/>
+          <a:chExt cx="0" cy="0"/>
+        </a:xfrm>
+      </p:grpSpPr>
+      <p:grpSp>
+        <p:nvGrpSpPr>
+          <p:cNvPr id="7" name="组合 6"/>
+          <p:cNvGrpSpPr/>
+          <p:nvPr/>
+        </p:nvGrpSpPr>
+        <p:grpSpPr>
+          <a:xfrm>
+            <a:off x="2663122" y="450173"/>
+            <a:ext cx="6865756" cy="1193457"/>
+            <a:chOff x="1764632" y="1620253"/>
+            <a:chExt cx="8634382" cy="1092571"/>
+          </a:xfrm>
+        </p:grpSpPr>
+        <p:grpSp>
+          <p:nvGrpSpPr>
+            <p:cNvPr id="8" name="组合 7"/>
+            <p:cNvGrpSpPr/>
+            <p:nvPr/>
+          </p:nvGrpSpPr>
+          <p:grpSpPr>
+            <a:xfrm>
+              <a:off x="1764632" y="1620253"/>
+              <a:ext cx="6528763" cy="1092571"/>
+              <a:chOff x="1764632" y="1620253"/>
+              <a:chExt cx="6528763" cy="1092571"/>
+            </a:xfrm>
+          </p:grpSpPr>
+          <p:grpSp>
+            <p:nvGrpSpPr>
+              <p:cNvPr id="10" name="组合 9"/>
+              <p:cNvGrpSpPr/>
+              <p:nvPr/>
+            </p:nvGrpSpPr>
+            <p:grpSpPr>
+              <a:xfrm>
+                <a:off x="7506586" y="2301130"/>
+                <a:ext cx="786809" cy="411694"/>
+                <a:chOff x="7506586" y="2299422"/>
+                <a:chExt cx="786809" cy="562960"/>
+              </a:xfrm>
+            </p:grpSpPr>
+            <p:sp>
+              <p:nvSpPr>
+                <p:cNvPr id="18" name="直角三角形 17"/>
+                <p:cNvSpPr/>
+                <p:nvPr/>
+              </p:nvSpPr>
+              <p:spPr>
+                <a:xfrm flipH="1">
+                  <a:off x="7506586" y="2304426"/>
+                  <a:ext cx="786809" cy="557956"/>
+                </a:xfrm>
+                <a:prstGeom prst="rtTriangle">
+                  <a:avLst/>
+                </a:prstGeom>
+                <a:solidFill>
+                  <a:srgbClr val="FFD23C"/>
+                </a:solidFill>
+                <a:ln>
+                  <a:noFill/>
+                </a:ln>
+              </p:spPr>
+              <p:style>
+                <a:lnRef idx="2">
+                  <a:schemeClr val="accent1">
+                    <a:shade val="50000"/>
+                  </a:schemeClr>
+                </a:lnRef>
+                <a:fillRef idx="1">
+                  <a:schemeClr val="accent1"/>
+                </a:fillRef>
+                <a:effectRef idx="0">
+                  <a:schemeClr val="accent1"/>
+                </a:effectRef>
+                <a:fontRef idx="minor">
+                  <a:schemeClr val="lt1"/>
+                </a:fontRef>
+              </p:style>
+              <p:txBody>
+                <a:bodyPr rtlCol="0" anchor="ctr"/>
+                <a:lstStyle/>
+                <a:p>
+                  <a:pPr algn="ctr"/>
+                  <a:endParaRPr lang="zh-CN" altLang="en-US">
+                    <a:solidFill>
+                      <a:prstClr val="white"/>
+                    </a:solidFill>
+                  </a:endParaRPr>
+                </a:p>
+              </p:txBody>
+            </p:sp>
+            <p:sp>
+              <p:nvSpPr>
+                <p:cNvPr id="19" name="直角三角形 18"/>
+                <p:cNvSpPr/>
+                <p:nvPr/>
+              </p:nvSpPr>
+              <p:spPr>
+                <a:xfrm rot="10800000" flipH="1">
+                  <a:off x="7506586" y="2299422"/>
+                  <a:ext cx="786809" cy="557956"/>
+                </a:xfrm>
+                <a:prstGeom prst="rtTriangle">
+                  <a:avLst/>
+                </a:prstGeom>
+                <a:solidFill>
+                  <a:schemeClr val="tx1"/>
+                </a:solidFill>
+                <a:ln>
+                  <a:noFill/>
+                </a:ln>
+              </p:spPr>
+              <p:style>
+                <a:lnRef idx="2">
+                  <a:schemeClr val="accent1">
+                    <a:shade val="50000"/>
+                  </a:schemeClr>
+                </a:lnRef>
+                <a:fillRef idx="1">
+                  <a:schemeClr val="accent1"/>
+                </a:fillRef>
+                <a:effectRef idx="0">
+                  <a:schemeClr val="accent1"/>
+                </a:effectRef>
+                <a:fontRef idx="minor">
+                  <a:schemeClr val="lt1"/>
+                </a:fontRef>
+              </p:style>
+              <p:txBody>
+                <a:bodyPr rtlCol="0" anchor="ctr"/>
+                <a:lstStyle/>
+                <a:p>
+                  <a:pPr algn="ctr"/>
+                  <a:endParaRPr lang="zh-CN" altLang="en-US">
+                    <a:solidFill>
+                      <a:prstClr val="white"/>
+                    </a:solidFill>
+                  </a:endParaRPr>
+                </a:p>
+              </p:txBody>
+            </p:sp>
+          </p:grpSp>
+          <p:grpSp>
+            <p:nvGrpSpPr>
+              <p:cNvPr id="11" name="组合 10"/>
+              <p:cNvGrpSpPr/>
+              <p:nvPr/>
+            </p:nvGrpSpPr>
+            <p:grpSpPr>
+              <a:xfrm>
+                <a:off x="1764632" y="1620253"/>
+                <a:ext cx="6528763" cy="1088912"/>
+                <a:chOff x="1764632" y="1620253"/>
+                <a:chExt cx="6528763" cy="1088912"/>
+              </a:xfrm>
+            </p:grpSpPr>
+            <p:sp>
+              <p:nvSpPr>
+                <p:cNvPr id="12" name="矩形 11"/>
+                <p:cNvSpPr/>
+                <p:nvPr/>
+              </p:nvSpPr>
+              <p:spPr>
+                <a:xfrm>
+                  <a:off x="3870251" y="1620253"/>
+                  <a:ext cx="4423144" cy="680877"/>
+                </a:xfrm>
+                <a:prstGeom prst="rect">
+                  <a:avLst/>
+                </a:prstGeom>
+                <a:solidFill>
+                  <a:srgbClr val="FFD23C"/>
+                </a:solidFill>
+                <a:ln>
+                  <a:noFill/>
+                </a:ln>
+              </p:spPr>
+              <p:style>
+                <a:lnRef idx="2">
+                  <a:schemeClr val="accent1">
+                    <a:shade val="50000"/>
+                  </a:schemeClr>
+                </a:lnRef>
+                <a:fillRef idx="1">
+                  <a:schemeClr val="accent1"/>
+                </a:fillRef>
+                <a:effectRef idx="0">
+                  <a:schemeClr val="accent1"/>
+                </a:effectRef>
+                <a:fontRef idx="minor">
+                  <a:schemeClr val="lt1"/>
+                </a:fontRef>
+              </p:style>
+              <p:txBody>
+                <a:bodyPr rtlCol="0" anchor="ctr"/>
+                <a:lstStyle/>
+                <a:p>
+                  <a:pPr algn="ctr"/>
+                  <a:endParaRPr lang="zh-CN" altLang="en-US">
+                    <a:solidFill>
+                      <a:prstClr val="white"/>
+                    </a:solidFill>
+                  </a:endParaRPr>
+                </a:p>
+              </p:txBody>
+            </p:sp>
+            <p:grpSp>
+              <p:nvGrpSpPr>
+                <p:cNvPr id="13" name="组合 12"/>
+                <p:cNvGrpSpPr/>
+                <p:nvPr/>
+              </p:nvGrpSpPr>
+              <p:grpSpPr>
+                <a:xfrm>
+                  <a:off x="1764632" y="2005263"/>
+                  <a:ext cx="2892428" cy="703902"/>
+                  <a:chOff x="1764632" y="2005263"/>
+                  <a:chExt cx="2892428" cy="703902"/>
+                </a:xfrm>
+              </p:grpSpPr>
+              <p:grpSp>
+                <p:nvGrpSpPr>
+                  <p:cNvPr id="14" name="组合 13"/>
+                  <p:cNvGrpSpPr/>
+                  <p:nvPr/>
+                </p:nvGrpSpPr>
+                <p:grpSpPr>
+                  <a:xfrm>
+                    <a:off x="3870250" y="2301131"/>
+                    <a:ext cx="786810" cy="408034"/>
+                    <a:chOff x="3870250" y="2301131"/>
+                    <a:chExt cx="786810" cy="557956"/>
+                  </a:xfrm>
+                </p:grpSpPr>
+                <p:sp>
+                  <p:nvSpPr>
+                    <p:cNvPr id="16" name="直角三角形 15"/>
+                    <p:cNvSpPr/>
+                    <p:nvPr/>
+                  </p:nvSpPr>
+                  <p:spPr>
+                    <a:xfrm>
+                      <a:off x="3870251" y="2301131"/>
+                      <a:ext cx="786809" cy="557956"/>
+                    </a:xfrm>
+                    <a:prstGeom prst="rtTriangle">
+                      <a:avLst/>
+                    </a:prstGeom>
+                    <a:solidFill>
+                      <a:srgbClr val="FFD23C"/>
+                    </a:solidFill>
+                    <a:ln>
+                      <a:noFill/>
+                    </a:ln>
+                  </p:spPr>
+                  <p:style>
+                    <a:lnRef idx="2">
+                      <a:schemeClr val="accent1">
+                        <a:shade val="50000"/>
+                      </a:schemeClr>
+                    </a:lnRef>
+                    <a:fillRef idx="1">
+                      <a:schemeClr val="accent1"/>
+                    </a:fillRef>
+                    <a:effectRef idx="0">
+                      <a:schemeClr val="accent1"/>
+                    </a:effectRef>
+                    <a:fontRef idx="minor">
+                      <a:schemeClr val="lt1"/>
+                    </a:fontRef>
+                  </p:style>
+                  <p:txBody>
+                    <a:bodyPr rtlCol="0" anchor="ctr"/>
+                    <a:lstStyle/>
+                    <a:p>
+                      <a:pPr algn="ctr"/>
+                      <a:endParaRPr lang="zh-CN" altLang="en-US">
+                        <a:solidFill>
+                          <a:prstClr val="white"/>
+                        </a:solidFill>
+                      </a:endParaRPr>
+                    </a:p>
+                  </p:txBody>
+                </p:sp>
+                <p:sp>
+                  <p:nvSpPr>
+                    <p:cNvPr id="17" name="直角三角形 16"/>
+                    <p:cNvSpPr/>
+                    <p:nvPr/>
+                  </p:nvSpPr>
+                  <p:spPr>
+                    <a:xfrm rot="10800000">
+                      <a:off x="3870250" y="2301131"/>
+                      <a:ext cx="786809" cy="557956"/>
+                    </a:xfrm>
+                    <a:prstGeom prst="rtTriangle">
+                      <a:avLst/>
+                    </a:prstGeom>
+                    <a:solidFill>
+                      <a:schemeClr val="tx1"/>
+                    </a:solidFill>
+                    <a:ln>
+                      <a:noFill/>
+                    </a:ln>
+                  </p:spPr>
+                  <p:style>
+                    <a:lnRef idx="2">
+                      <a:schemeClr val="accent1">
+                        <a:shade val="50000"/>
+                      </a:schemeClr>
+                    </a:lnRef>
+                    <a:fillRef idx="1">
+                      <a:schemeClr val="accent1"/>
+                    </a:fillRef>
+                    <a:effectRef idx="0">
+                      <a:schemeClr val="accent1"/>
+                    </a:effectRef>
+                    <a:fontRef idx="minor">
+                      <a:schemeClr val="lt1"/>
+                    </a:fontRef>
+                  </p:style>
+                  <p:txBody>
+                    <a:bodyPr rtlCol="0" anchor="ctr"/>
+                    <a:lstStyle/>
+                    <a:p>
+                      <a:pPr algn="ctr"/>
+                      <a:endParaRPr lang="zh-CN" altLang="en-US">
+                        <a:solidFill>
+                          <a:prstClr val="white"/>
+                        </a:solidFill>
+                      </a:endParaRPr>
+                    </a:p>
+                  </p:txBody>
+                </p:sp>
+              </p:grpSp>
+              <p:sp>
+                <p:nvSpPr>
+                  <p:cNvPr id="15" name="矩形 14"/>
+                  <p:cNvSpPr/>
+                  <p:nvPr/>
+                </p:nvSpPr>
+                <p:spPr>
+                  <a:xfrm>
+                    <a:off x="1764632" y="2005263"/>
+                    <a:ext cx="2105619" cy="703902"/>
+                  </a:xfrm>
+                  <a:prstGeom prst="rect">
+                    <a:avLst/>
+                  </a:prstGeom>
+                  <a:solidFill>
+                    <a:srgbClr val="FFD23C"/>
+                  </a:solidFill>
+                  <a:ln>
+                    <a:noFill/>
+                  </a:ln>
+                </p:spPr>
+                <p:style>
+                  <a:lnRef idx="2">
+                    <a:schemeClr val="accent1">
+                      <a:shade val="50000"/>
+                    </a:schemeClr>
+                  </a:lnRef>
+                  <a:fillRef idx="1">
+                    <a:schemeClr val="accent1"/>
+                  </a:fillRef>
+                  <a:effectRef idx="0">
+                    <a:schemeClr val="accent1"/>
+                  </a:effectRef>
+                  <a:fontRef idx="minor">
+                    <a:schemeClr val="lt1"/>
+                  </a:fontRef>
+                </p:style>
+                <p:txBody>
+                  <a:bodyPr rtlCol="0" anchor="ctr"/>
+                  <a:lstStyle/>
+                  <a:p>
+                    <a:pPr algn="ctr"/>
+                    <a:endParaRPr lang="zh-CN" altLang="en-US">
+                      <a:solidFill>
+                        <a:prstClr val="white"/>
+                      </a:solidFill>
+                    </a:endParaRPr>
+                  </a:p>
+                </p:txBody>
+              </p:sp>
+            </p:grpSp>
+          </p:grpSp>
+        </p:grpSp>
+        <p:sp>
+          <p:nvSpPr>
+            <p:cNvPr id="9" name="矩形 8"/>
+            <p:cNvSpPr/>
+            <p:nvPr/>
+          </p:nvSpPr>
+          <p:spPr>
+            <a:xfrm>
+              <a:off x="8293395" y="2005262"/>
+              <a:ext cx="2105619" cy="703902"/>
+            </a:xfrm>
+            <a:prstGeom prst="rect">
+              <a:avLst/>
+            </a:prstGeom>
+            <a:solidFill>
+              <a:srgbClr val="FFD23C"/>
+            </a:solidFill>
+            <a:ln>
+              <a:noFill/>
+            </a:ln>
+          </p:spPr>
+          <p:style>
+            <a:lnRef idx="2">
+              <a:schemeClr val="accent1">
+                <a:shade val="50000"/>
+              </a:schemeClr>
+            </a:lnRef>
+            <a:fillRef idx="1">
+              <a:schemeClr val="accent1"/>
+            </a:fillRef>
+            <a:effectRef idx="0">
+              <a:schemeClr val="accent1"/>
+            </a:effectRef>
+            <a:fontRef idx="minor">
+              <a:schemeClr val="lt1"/>
+            </a:fontRef>
+          </p:style>
+          <p:txBody>
+            <a:bodyPr rtlCol="0" anchor="ctr"/>
+            <a:lstStyle/>
+            <a:p>
+              <a:pPr algn="ctr"/>
+              <a:endParaRPr lang="zh-CN" altLang="en-US">
+                <a:solidFill>
+                  <a:prstClr val="white"/>
+                </a:solidFill>
+              </a:endParaRPr>
+            </a:p>
+          </p:txBody>
+        </p:sp>
+      </p:grpSp>
+      <p:sp>
+        <p:nvSpPr>
+          <p:cNvPr id="2" name="标题 1"/>
+          <p:cNvSpPr>
+            <a:spLocks noGrp="1"/>
+          </p:cNvSpPr>
+          <p:nvPr>
+            <p:ph type="title"/>
+          </p:nvPr>
+        </p:nvSpPr>
+        <p:spPr>
+          <a:xfrm>
+            <a:off x="4876828" y="376886"/>
+            <a:ext cx="2438344" cy="789420"/>
+          </a:xfrm>
+        </p:spPr>
+        <p:txBody>
+          <a:bodyPr>
+            <a:normAutofit/>
+          </a:bodyPr>
+          <a:lstStyle/>
+          <a:p>
+            <a:r>
+              <a:rPr kumimoji="1" lang="zh-CN" altLang="en-US" sz="3200" b="1" dirty="0" smtClean="0">
+                <a:latin typeface="微软雅黑"/>
+                <a:ea typeface="微软雅黑"/>
+              </a:rPr>
+              <a:t>事务核心类</a:t>
+            </a:r>
+            <a:endParaRPr lang="zh-CN" altLang="en-US" sz="3200" dirty="0"/>
+          </a:p>
+        </p:txBody>
+      </p:sp>
+      <p:pic>
+        <p:nvPicPr>
+          <p:cNvPr id="2050" name="Picture 2" descr="https://images2017.cnblogs.com/blog/949591/201801/949591-20180122094208537-2064883532.png"/>
+          <p:cNvPicPr>
+            <a:picLocks noChangeAspect="1" noChangeArrowheads="1"/>
+          </p:cNvPicPr>
+          <p:nvPr/>
+        </p:nvPicPr>
+        <p:blipFill>
+          <a:blip r:embed="rId4">
+            <a:extLst>
+              <a:ext uri="{BEBA8EAE-BF5A-486C-A8C5-ECC9F3942E4B}">
+                <a14:imgProps xmlns:a14="http://schemas.microsoft.com/office/drawing/2010/main">
+                  <a14:imgLayer r:embed="rId5">
+                    <a14:imgEffect>
+                      <a14:backgroundRemoval t="8214" b="90000" l="3125" r="97344">
+                        <a14:foregroundMark x1="15313" y1="28929" x2="15313" y2="28929"/>
+                        <a14:foregroundMark x1="15313" y1="28929" x2="15313" y2="28929"/>
+                        <a14:foregroundMark x1="6250" y1="26429" x2="6250" y2="26429"/>
+                        <a14:foregroundMark x1="6250" y1="26429" x2="6250" y2="26429"/>
+                        <a14:foregroundMark x1="3281" y1="29286" x2="3281" y2="29286"/>
+                        <a14:foregroundMark x1="3281" y1="29286" x2="3281" y2="29286"/>
+                        <a14:foregroundMark x1="48281" y1="13571" x2="48281" y2="13571"/>
+                        <a14:foregroundMark x1="48281" y1="13571" x2="48281" y2="13571"/>
+                        <a14:foregroundMark x1="88438" y1="38214" x2="88438" y2="38214"/>
+                        <a14:foregroundMark x1="88438" y1="38214" x2="88438" y2="38214"/>
+                        <a14:foregroundMark x1="97344" y1="39286" x2="97344" y2="39286"/>
+                        <a14:foregroundMark x1="97344" y1="39286" x2="97344" y2="39286"/>
+                        <a14:foregroundMark x1="57188" y1="67500" x2="57188" y2="67500"/>
+                        <a14:foregroundMark x1="57188" y1="67500" x2="57188" y2="67500"/>
+                        <a14:foregroundMark x1="58594" y1="82143" x2="58594" y2="82143"/>
+                        <a14:foregroundMark x1="58594" y1="82143" x2="58594" y2="82143"/>
+                        <a14:foregroundMark x1="75625" y1="85714" x2="75625" y2="85714"/>
+                        <a14:foregroundMark x1="49844" y1="55714" x2="49844" y2="55714"/>
+                        <a14:foregroundMark x1="49844" y1="55714" x2="49844" y2="55714"/>
+                        <a14:foregroundMark x1="50000" y1="49286" x2="50000" y2="49286"/>
+                        <a14:foregroundMark x1="50000" y1="49286" x2="50000" y2="49286"/>
+                        <a14:foregroundMark x1="42969" y1="56071" x2="42969" y2="56071"/>
+                        <a14:foregroundMark x1="42969" y1="56071" x2="42969" y2="56071"/>
+                        <a14:foregroundMark x1="33125" y1="56071" x2="33125" y2="56071"/>
+                        <a14:foregroundMark x1="33125" y1="56071" x2="33125" y2="56071"/>
+                        <a14:foregroundMark x1="28594" y1="56071" x2="28594" y2="56071"/>
+                        <a14:foregroundMark x1="28594" y1="56071" x2="28594" y2="56071"/>
+                        <a14:foregroundMark x1="28281" y1="37143" x2="28281" y2="37143"/>
+                        <a14:foregroundMark x1="28281" y1="37143" x2="28281" y2="37143"/>
+                        <a14:foregroundMark x1="32656" y1="33214" x2="32656" y2="33214"/>
+                        <a14:foregroundMark x1="32656" y1="33214" x2="32656" y2="33214"/>
+                        <a14:foregroundMark x1="30938" y1="34286" x2="30938" y2="34286"/>
+                        <a14:foregroundMark x1="30938" y1="34286" x2="30938" y2="34286"/>
+                        <a14:foregroundMark x1="29688" y1="32143" x2="29688" y2="32143"/>
+                        <a14:foregroundMark x1="29688" y1="32143" x2="29688" y2="32143"/>
+                        <a14:foregroundMark x1="30938" y1="38571" x2="30938" y2="38571"/>
+                        <a14:foregroundMark x1="30938" y1="38571" x2="30938" y2="38571"/>
+                        <a14:foregroundMark x1="35469" y1="38214" x2="35469" y2="38214"/>
+                        <a14:foregroundMark x1="47188" y1="11786" x2="47188" y2="11786"/>
+                        <a14:foregroundMark x1="47188" y1="11786" x2="47188" y2="11786"/>
+                        <a14:foregroundMark x1="69375" y1="33571" x2="69375" y2="33571"/>
+                        <a14:foregroundMark x1="69375" y1="33571" x2="69375" y2="33571"/>
+                        <a14:foregroundMark x1="73906" y1="33571" x2="73906" y2="33571"/>
+                        <a14:foregroundMark x1="73906" y1="33571" x2="73906" y2="33571"/>
+                        <a14:foregroundMark x1="75625" y1="35714" x2="75625" y2="35714"/>
+                        <a14:foregroundMark x1="66563" y1="39286" x2="66563" y2="39286"/>
+                        <a14:foregroundMark x1="68281" y1="36071" x2="68281" y2="36071"/>
+                        <a14:foregroundMark x1="68281" y1="36071" x2="68281" y2="36071"/>
+                        <a14:foregroundMark x1="66563" y1="32143" x2="66563" y2="32143"/>
+                        <a14:foregroundMark x1="66563" y1="32143" x2="66563" y2="32143"/>
+                        <a14:foregroundMark x1="70625" y1="33214" x2="70625" y2="33214"/>
+                        <a14:foregroundMark x1="70625" y1="33214" x2="70625" y2="33214"/>
+                        <a14:foregroundMark x1="42188" y1="75357" x2="42188" y2="75357"/>
+                        <a14:foregroundMark x1="42188" y1="75357" x2="42188" y2="75357"/>
+                        <a14:foregroundMark x1="26875" y1="76786" x2="26875" y2="76786"/>
+                        <a14:foregroundMark x1="26875" y1="76786" x2="26875" y2="76786"/>
+                        <a14:foregroundMark x1="26875" y1="76786" x2="26875" y2="76786"/>
+                        <a14:foregroundMark x1="74375" y1="75714" x2="74375" y2="75714"/>
+                        <a14:foregroundMark x1="74375" y1="75714" x2="74375" y2="75714"/>
+                        <a14:foregroundMark x1="74531" y1="58214" x2="74531" y2="58214"/>
+                        <a14:foregroundMark x1="74531" y1="58214" x2="74531" y2="58214"/>
+                        <a14:foregroundMark x1="66250" y1="55714" x2="66250" y2="55714"/>
+                        <a14:foregroundMark x1="66250" y1="55714" x2="66250" y2="55714"/>
+                        <a14:foregroundMark x1="72500" y1="56429" x2="72500" y2="56429"/>
+                        <a14:foregroundMark x1="72500" y1="56429" x2="72500" y2="56429"/>
+                        <a14:foregroundMark x1="39531" y1="56071" x2="39531" y2="56071"/>
+                        <a14:foregroundMark x1="39531" y1="56071" x2="39531" y2="56071"/>
+                        <a14:foregroundMark x1="42188" y1="59643" x2="42188" y2="59643"/>
+                        <a14:foregroundMark x1="42188" y1="59643" x2="42188" y2="59643"/>
+                        <a14:foregroundMark x1="51875" y1="13929" x2="51875" y2="13929"/>
+                        <a14:foregroundMark x1="51875" y1="13929" x2="51875" y2="13929"/>
+                        <a14:foregroundMark x1="37813" y1="33571" x2="37813" y2="33571"/>
+                        <a14:foregroundMark x1="77969" y1="88571" x2="77969" y2="88571"/>
+                        <a14:foregroundMark x1="77969" y1="88571" x2="77969" y2="88571"/>
+                        <a14:foregroundMark x1="80781" y1="67143" x2="80781" y2="67143"/>
+                        <a14:foregroundMark x1="80781" y1="67143" x2="80781" y2="67143"/>
+                        <a14:foregroundMark x1="31406" y1="32143" x2="31406" y2="32143"/>
+                        <a14:foregroundMark x1="31406" y1="32143" x2="31406" y2="32143"/>
+                        <a14:foregroundMark x1="32656" y1="36429" x2="32656" y2="36429"/>
+                        <a14:foregroundMark x1="32656" y1="36429" x2="32656" y2="36429"/>
+                        <a14:foregroundMark x1="34375" y1="36786" x2="34375" y2="36786"/>
+                        <a14:foregroundMark x1="34375" y1="36786" x2="34375" y2="36786"/>
+                        <a14:foregroundMark x1="27187" y1="35000" x2="27187" y2="35000"/>
+                        <a14:foregroundMark x1="27187" y1="35000" x2="27187" y2="35000"/>
+                        <a14:foregroundMark x1="28594" y1="34643" x2="28594" y2="34643"/>
+                        <a14:foregroundMark x1="28594" y1="34643" x2="28594" y2="34643"/>
+                        <a14:foregroundMark x1="26875" y1="37857" x2="26875" y2="37857"/>
+                        <a14:foregroundMark x1="26875" y1="37857" x2="26875" y2="37857"/>
+                        <a14:foregroundMark x1="70000" y1="36429" x2="70000" y2="36429"/>
+                        <a14:foregroundMark x1="70000" y1="36429" x2="70000" y2="36429"/>
+                        <a14:foregroundMark x1="67344" y1="32143" x2="67344" y2="32143"/>
+                        <a14:foregroundMark x1="62656" y1="32143" x2="62656" y2="32143"/>
+                        <a14:foregroundMark x1="64844" y1="32143" x2="64844" y2="32143"/>
+                        <a14:foregroundMark x1="64844" y1="32143" x2="64844" y2="32143"/>
+                        <a14:foregroundMark x1="74063" y1="33214" x2="74063" y2="33214"/>
+                        <a14:foregroundMark x1="71250" y1="32500" x2="71250" y2="32500"/>
+                        <a14:foregroundMark x1="73125" y1="35357" x2="73125" y2="35357"/>
+                        <a14:foregroundMark x1="72500" y1="35000" x2="72500" y2="35000"/>
+                        <a14:foregroundMark x1="72031" y1="31071" x2="72031" y2="31071"/>
+                        <a14:foregroundMark x1="71094" y1="37143" x2="71094" y2="37143"/>
+                        <a14:foregroundMark x1="68281" y1="37500" x2="68281" y2="37500"/>
+                        <a14:foregroundMark x1="66563" y1="38929" x2="66563" y2="38929"/>
+                        <a14:foregroundMark x1="65469" y1="37143" x2="65469" y2="37143"/>
+                        <a14:foregroundMark x1="44531" y1="8214" x2="44531" y2="8214"/>
+                        <a14:foregroundMark x1="44531" y1="8214" x2="44531" y2="8214"/>
+                      </a14:backgroundRemoval>
+                    </a14:imgEffect>
+                  </a14:imgLayer>
+                </a14:imgProps>
+              </a:ext>
+              <a:ext uri="{28A0092B-C50C-407E-A947-70E740481C1C}">
+                <a14:useLocalDpi xmlns:a14="http://schemas.microsoft.com/office/drawing/2010/main" val="0"/>
+              </a:ext>
+            </a:extLst>
+          </a:blip>
+          <a:srcRect/>
+          <a:stretch>
+            <a:fillRect/>
+          </a:stretch>
+        </p:blipFill>
+        <p:spPr bwMode="auto">
+          <a:xfrm>
+            <a:off x="885022" y="1804035"/>
+            <a:ext cx="10786278" cy="4718997"/>
+          </a:xfrm>
+          <a:prstGeom prst="rect">
+            <a:avLst/>
+          </a:prstGeom>
+          <a:noFill/>
+          <a:extLst>
+            <a:ext uri="{909E8E84-426E-40DD-AFC4-6F175D3DCCD1}">
+              <a14:hiddenFill xmlns:a14="http://schemas.microsoft.com/office/drawing/2010/main">
+                <a:solidFill>
+                  <a:srgbClr val="FFFFFF"/>
+                </a:solidFill>
+              </a14:hiddenFill>
+            </a:ext>
+          </a:extLst>
+        </p:spPr>
+      </p:pic>
+    </p:spTree>
+    <p:custDataLst>
+      <p:tags r:id="rId1"/>
+    </p:custDataLst>
+    <p:extLst>
+      <p:ext uri="{BB962C8B-B14F-4D97-AF65-F5344CB8AC3E}">
+        <p14:creationId xmlns:p14="http://schemas.microsoft.com/office/powerpoint/2010/main" val="4066086185"/>
+      </p:ext>
+    </p:extLst>
+  </p:cSld>
+  <p:clrMapOvr>
+    <a:masterClrMapping/>
+  </p:clrMapOvr>
+  <p:transition>
+    <p:wipe/>
+  </p:transition>
+</p:sld>
+</file>
+
+<file path=ppt/slides/slide7.xml><?xml version="1.0" encoding="utf-8"?>
 <p:sld xmlns:a="http://schemas.openxmlformats.org/drawingml/2006/main" xmlns:r="http://schemas.openxmlformats.org/officeDocument/2006/relationships" xmlns:p="http://schemas.openxmlformats.org/presentationml/2006/main">
   <p:cSld>
     <p:spTree>
@@ -14042,933 +19430,6 @@
 </p:sld>
 </file>
 
-<file path=ppt/slides/slide6.xml><?xml version="1.0" encoding="utf-8"?>
-<p:sld xmlns:a="http://schemas.openxmlformats.org/drawingml/2006/main" xmlns:r="http://schemas.openxmlformats.org/officeDocument/2006/relationships" xmlns:p="http://schemas.openxmlformats.org/presentationml/2006/main">
-  <p:cSld>
-    <p:spTree>
-      <p:nvGrpSpPr>
-        <p:cNvPr id="1" name=""/>
-        <p:cNvGrpSpPr/>
-        <p:nvPr/>
-      </p:nvGrpSpPr>
-      <p:grpSpPr>
-        <a:xfrm>
-          <a:off x="0" y="0"/>
-          <a:ext cx="0" cy="0"/>
-          <a:chOff x="0" y="0"/>
-          <a:chExt cx="0" cy="0"/>
-        </a:xfrm>
-      </p:grpSpPr>
-      <p:sp>
-        <p:nvSpPr>
-          <p:cNvPr id="2" name="Rectangle 1"/>
-          <p:cNvSpPr/>
-          <p:nvPr/>
-        </p:nvSpPr>
-        <p:spPr>
-          <a:xfrm>
-            <a:off x="0" y="0"/>
-            <a:ext cx="4594302" cy="6858000"/>
-          </a:xfrm>
-          <a:prstGeom prst="rect">
-            <a:avLst/>
-          </a:prstGeom>
-          <a:solidFill>
-            <a:schemeClr val="bg1">
-              <a:lumMod val="75000"/>
-            </a:schemeClr>
-          </a:solidFill>
-          <a:ln>
-            <a:noFill/>
-          </a:ln>
-        </p:spPr>
-        <p:style>
-          <a:lnRef idx="2">
-            <a:schemeClr val="accent1">
-              <a:shade val="50000"/>
-            </a:schemeClr>
-          </a:lnRef>
-          <a:fillRef idx="1">
-            <a:schemeClr val="accent1"/>
-          </a:fillRef>
-          <a:effectRef idx="0">
-            <a:schemeClr val="accent1"/>
-          </a:effectRef>
-          <a:fontRef idx="minor">
-            <a:schemeClr val="lt1"/>
-          </a:fontRef>
-        </p:style>
-        <p:txBody>
-          <a:bodyPr rtlCol="0" anchor="ctr"/>
-          <a:lstStyle/>
-          <a:p>
-            <a:pPr algn="ctr"/>
-            <a:r>
-              <a:rPr lang="zh-CN" altLang="en-US" dirty="0" smtClean="0">
-                <a:latin typeface="微软雅黑" panose="020B0503020204020204" pitchFamily="34" charset="-122"/>
-                <a:ea typeface="微软雅黑" panose="020B0503020204020204" pitchFamily="34" charset="-122"/>
-                <a:cs typeface="Microsoft YaHei" charset="-122"/>
-              </a:rPr>
-              <a:t>图片位置</a:t>
-            </a:r>
-            <a:endParaRPr lang="en-US" altLang="zh-CN" dirty="0" smtClean="0">
-              <a:latin typeface="微软雅黑" panose="020B0503020204020204" pitchFamily="34" charset="-122"/>
-              <a:ea typeface="微软雅黑" panose="020B0503020204020204" pitchFamily="34" charset="-122"/>
-              <a:cs typeface="Microsoft YaHei" charset="-122"/>
-            </a:endParaRPr>
-          </a:p>
-          <a:p>
-            <a:pPr algn="ctr"/>
-            <a:r>
-              <a:rPr lang="zh-CN" altLang="en-US" dirty="0" smtClean="0">
-                <a:latin typeface="微软雅黑" panose="020B0503020204020204" pitchFamily="34" charset="-122"/>
-                <a:ea typeface="微软雅黑" panose="020B0503020204020204" pitchFamily="34" charset="-122"/>
-                <a:cs typeface="Microsoft YaHei" charset="-122"/>
-              </a:rPr>
-              <a:t>可替换</a:t>
-            </a:r>
-            <a:endParaRPr lang="en-US" dirty="0">
-              <a:latin typeface="微软雅黑" panose="020B0503020204020204" pitchFamily="34" charset="-122"/>
-              <a:ea typeface="微软雅黑" panose="020B0503020204020204" pitchFamily="34" charset="-122"/>
-              <a:cs typeface="Microsoft YaHei" charset="-122"/>
-            </a:endParaRPr>
-          </a:p>
-        </p:txBody>
-      </p:sp>
-      <p:sp>
-        <p:nvSpPr>
-          <p:cNvPr id="5" name="TextBox 4"/>
-          <p:cNvSpPr txBox="1"/>
-          <p:nvPr/>
-        </p:nvSpPr>
-        <p:spPr>
-          <a:xfrm>
-            <a:off x="5200535" y="1047963"/>
-            <a:ext cx="4356397" cy="584775"/>
-          </a:xfrm>
-          <a:prstGeom prst="rect">
-            <a:avLst/>
-          </a:prstGeom>
-          <a:noFill/>
-        </p:spPr>
-        <p:txBody>
-          <a:bodyPr wrap="square" rtlCol="0">
-            <a:spAutoFit/>
-          </a:bodyPr>
-          <a:lstStyle/>
-          <a:p>
-            <a:r>
-              <a:rPr lang="zh-CN" altLang="en-US" sz="3200" dirty="0" smtClean="0">
-                <a:solidFill>
-                  <a:srgbClr val="2C68FF"/>
-                </a:solidFill>
-                <a:latin typeface="微软雅黑" panose="020B0503020204020204" pitchFamily="34" charset="-122"/>
-                <a:ea typeface="微软雅黑" panose="020B0503020204020204" pitchFamily="34" charset="-122"/>
-                <a:cs typeface="Microsoft YaHei" charset="-122"/>
-              </a:rPr>
-              <a:t>为什么会有传播机制</a:t>
-            </a:r>
-            <a:endParaRPr lang="en-US" sz="3200" dirty="0">
-              <a:solidFill>
-                <a:srgbClr val="2C68FF"/>
-              </a:solidFill>
-              <a:latin typeface="微软雅黑" panose="020B0503020204020204" pitchFamily="34" charset="-122"/>
-              <a:ea typeface="微软雅黑" panose="020B0503020204020204" pitchFamily="34" charset="-122"/>
-              <a:cs typeface="Microsoft YaHei" charset="-122"/>
-            </a:endParaRPr>
-          </a:p>
-        </p:txBody>
-      </p:sp>
-      <p:sp>
-        <p:nvSpPr>
-          <p:cNvPr id="12" name="TextBox 9"/>
-          <p:cNvSpPr txBox="1"/>
-          <p:nvPr/>
-        </p:nvSpPr>
-        <p:spPr>
-          <a:xfrm>
-            <a:off x="5200535" y="2216224"/>
-            <a:ext cx="6247050" cy="2954655"/>
-          </a:xfrm>
-          <a:prstGeom prst="rect">
-            <a:avLst/>
-          </a:prstGeom>
-          <a:noFill/>
-        </p:spPr>
-        <p:txBody>
-          <a:bodyPr wrap="square" rtlCol="0">
-            <a:spAutoFit/>
-          </a:bodyPr>
-          <a:lstStyle/>
-          <a:p>
-            <a:pPr lvl="0">
-              <a:lnSpc>
-                <a:spcPts val="1800"/>
-              </a:lnSpc>
-            </a:pPr>
-            <a:r>
-              <a:rPr lang="en-US" altLang="zh-CN" sz="1400" dirty="0">
-                <a:solidFill>
-                  <a:srgbClr val="575B70"/>
-                </a:solidFill>
-                <a:latin typeface="微软雅黑" panose="020B0503020204020204" pitchFamily="34" charset="-122"/>
-                <a:ea typeface="微软雅黑" panose="020B0503020204020204" pitchFamily="34" charset="-122"/>
-                <a:cs typeface="Microsoft YaHei Light" charset="-122"/>
-              </a:rPr>
-              <a:t> </a:t>
-            </a:r>
-            <a:r>
-              <a:rPr lang="en-US" altLang="zh-CN" sz="1400" dirty="0" smtClean="0">
-                <a:solidFill>
-                  <a:srgbClr val="575B70"/>
-                </a:solidFill>
-                <a:latin typeface="微软雅黑" panose="020B0503020204020204" pitchFamily="34" charset="-122"/>
-                <a:ea typeface="微软雅黑" panose="020B0503020204020204" pitchFamily="34" charset="-122"/>
-                <a:cs typeface="Microsoft YaHei Light" charset="-122"/>
-              </a:rPr>
-              <a:t>     </a:t>
-            </a:r>
-            <a:r>
-              <a:rPr lang="zh-CN" altLang="zh-CN" sz="1400" dirty="0" smtClean="0">
-                <a:solidFill>
-                  <a:srgbClr val="575B70"/>
-                </a:solidFill>
-                <a:latin typeface="微软雅黑" panose="020B0503020204020204" pitchFamily="34" charset="-122"/>
-                <a:ea typeface="微软雅黑" panose="020B0503020204020204" pitchFamily="34" charset="-122"/>
-                <a:cs typeface="Microsoft YaHei Light" charset="-122"/>
-              </a:rPr>
-              <a:t>spring </a:t>
-            </a:r>
-            <a:r>
-              <a:rPr lang="zh-CN" altLang="zh-CN" sz="1400" dirty="0">
-                <a:solidFill>
-                  <a:srgbClr val="575B70"/>
-                </a:solidFill>
-                <a:latin typeface="微软雅黑" panose="020B0503020204020204" pitchFamily="34" charset="-122"/>
-                <a:ea typeface="微软雅黑" panose="020B0503020204020204" pitchFamily="34" charset="-122"/>
-                <a:cs typeface="Microsoft YaHei Light" charset="-122"/>
-              </a:rPr>
-              <a:t>对事务的控制，是使用 aop 切面实现的，我们不用关心事务的开始，提交 ，回滚，只需要在方法上加 @Transactional 注解，这时候就有问题了</a:t>
-            </a:r>
-            <a:r>
-              <a:rPr lang="zh-CN" altLang="zh-CN" sz="1400" dirty="0" smtClean="0">
-                <a:solidFill>
-                  <a:srgbClr val="575B70"/>
-                </a:solidFill>
-                <a:latin typeface="微软雅黑" panose="020B0503020204020204" pitchFamily="34" charset="-122"/>
-                <a:ea typeface="微软雅黑" panose="020B0503020204020204" pitchFamily="34" charset="-122"/>
-                <a:cs typeface="Microsoft YaHei Light" charset="-122"/>
-              </a:rPr>
-              <a:t>。</a:t>
-            </a:r>
-            <a:endParaRPr lang="en-US" altLang="zh-CN" sz="1400" dirty="0" smtClean="0">
-              <a:solidFill>
-                <a:srgbClr val="575B70"/>
-              </a:solidFill>
-              <a:latin typeface="微软雅黑" panose="020B0503020204020204" pitchFamily="34" charset="-122"/>
-              <a:ea typeface="微软雅黑" panose="020B0503020204020204" pitchFamily="34" charset="-122"/>
-              <a:cs typeface="Microsoft YaHei Light" charset="-122"/>
-            </a:endParaRPr>
-          </a:p>
-          <a:p>
-            <a:pPr lvl="0">
-              <a:lnSpc>
-                <a:spcPts val="1800"/>
-              </a:lnSpc>
-            </a:pPr>
-            <a:endParaRPr lang="en-US" altLang="zh-CN" sz="1200" dirty="0" smtClean="0">
-              <a:solidFill>
-                <a:srgbClr val="575B70"/>
-              </a:solidFill>
-              <a:latin typeface="微软雅黑" panose="020B0503020204020204" pitchFamily="34" charset="-122"/>
-              <a:ea typeface="微软雅黑" panose="020B0503020204020204" pitchFamily="34" charset="-122"/>
-              <a:cs typeface="Microsoft YaHei Light" charset="-122"/>
-            </a:endParaRPr>
-          </a:p>
-          <a:p>
-            <a:pPr lvl="0">
-              <a:lnSpc>
-                <a:spcPts val="1800"/>
-              </a:lnSpc>
-            </a:pPr>
-            <a:endParaRPr lang="en-US" altLang="zh-CN" sz="1200" dirty="0" smtClean="0">
-              <a:solidFill>
-                <a:srgbClr val="575B70"/>
-              </a:solidFill>
-              <a:latin typeface="微软雅黑" panose="020B0503020204020204" pitchFamily="34" charset="-122"/>
-              <a:ea typeface="微软雅黑" panose="020B0503020204020204" pitchFamily="34" charset="-122"/>
-              <a:cs typeface="Microsoft YaHei Light" charset="-122"/>
-            </a:endParaRPr>
-          </a:p>
-          <a:p>
-            <a:pPr lvl="0">
-              <a:lnSpc>
-                <a:spcPts val="1800"/>
-              </a:lnSpc>
-            </a:pPr>
-            <a:endParaRPr lang="en-US" altLang="zh-CN" sz="1200" dirty="0">
-              <a:solidFill>
-                <a:srgbClr val="575B70"/>
-              </a:solidFill>
-              <a:latin typeface="微软雅黑" panose="020B0503020204020204" pitchFamily="34" charset="-122"/>
-              <a:ea typeface="微软雅黑" panose="020B0503020204020204" pitchFamily="34" charset="-122"/>
-              <a:cs typeface="Microsoft YaHei Light" charset="-122"/>
-            </a:endParaRPr>
-          </a:p>
-          <a:p>
-            <a:pPr marL="171450" indent="-171450">
-              <a:buFont typeface="Arial" panose="020B0604020202020204" pitchFamily="34" charset="0"/>
-              <a:buChar char="•"/>
-            </a:pPr>
-            <a:r>
-              <a:rPr lang="zh-CN" altLang="en-US" sz="1200" dirty="0">
-                <a:solidFill>
-                  <a:srgbClr val="575B70"/>
-                </a:solidFill>
-                <a:latin typeface="微软雅黑" panose="020B0503020204020204" pitchFamily="34" charset="-122"/>
-                <a:ea typeface="微软雅黑" panose="020B0503020204020204" pitchFamily="34" charset="-122"/>
-                <a:cs typeface="Microsoft YaHei Light" charset="-122"/>
-              </a:rPr>
-              <a:t>场景一： </a:t>
-            </a:r>
-            <a:r>
-              <a:rPr lang="en-US" altLang="zh-CN" sz="1200" dirty="0" err="1">
-                <a:solidFill>
-                  <a:srgbClr val="575B70"/>
-                </a:solidFill>
-                <a:latin typeface="微软雅黑" panose="020B0503020204020204" pitchFamily="34" charset="-122"/>
-                <a:ea typeface="微软雅黑" panose="020B0503020204020204" pitchFamily="34" charset="-122"/>
-                <a:cs typeface="Microsoft YaHei Light" charset="-122"/>
-              </a:rPr>
-              <a:t>serviceA</a:t>
-            </a:r>
-            <a:r>
-              <a:rPr lang="en-US" altLang="zh-CN" sz="1200" dirty="0">
-                <a:solidFill>
-                  <a:srgbClr val="575B70"/>
-                </a:solidFill>
-                <a:latin typeface="微软雅黑" panose="020B0503020204020204" pitchFamily="34" charset="-122"/>
-                <a:ea typeface="微软雅黑" panose="020B0503020204020204" pitchFamily="34" charset="-122"/>
-                <a:cs typeface="Microsoft YaHei Light" charset="-122"/>
-              </a:rPr>
-              <a:t> </a:t>
-            </a:r>
-            <a:r>
-              <a:rPr lang="zh-CN" altLang="en-US" sz="1200" dirty="0">
-                <a:solidFill>
-                  <a:srgbClr val="575B70"/>
-                </a:solidFill>
-                <a:latin typeface="微软雅黑" panose="020B0503020204020204" pitchFamily="34" charset="-122"/>
-                <a:ea typeface="微软雅黑" panose="020B0503020204020204" pitchFamily="34" charset="-122"/>
-                <a:cs typeface="Microsoft YaHei Light" charset="-122"/>
-              </a:rPr>
-              <a:t>方法调用了 </a:t>
-            </a:r>
-            <a:r>
-              <a:rPr lang="en-US" altLang="zh-CN" sz="1200" dirty="0" err="1">
-                <a:solidFill>
-                  <a:srgbClr val="575B70"/>
-                </a:solidFill>
-                <a:latin typeface="微软雅黑" panose="020B0503020204020204" pitchFamily="34" charset="-122"/>
-                <a:ea typeface="微软雅黑" panose="020B0503020204020204" pitchFamily="34" charset="-122"/>
-                <a:cs typeface="Microsoft YaHei Light" charset="-122"/>
-              </a:rPr>
-              <a:t>serviceB</a:t>
-            </a:r>
-            <a:r>
-              <a:rPr lang="en-US" altLang="zh-CN" sz="1200" dirty="0">
-                <a:solidFill>
-                  <a:srgbClr val="575B70"/>
-                </a:solidFill>
-                <a:latin typeface="微软雅黑" panose="020B0503020204020204" pitchFamily="34" charset="-122"/>
-                <a:ea typeface="微软雅黑" panose="020B0503020204020204" pitchFamily="34" charset="-122"/>
-                <a:cs typeface="Microsoft YaHei Light" charset="-122"/>
-              </a:rPr>
-              <a:t> </a:t>
-            </a:r>
-            <a:r>
-              <a:rPr lang="zh-CN" altLang="en-US" sz="1200" dirty="0">
-                <a:solidFill>
-                  <a:srgbClr val="575B70"/>
-                </a:solidFill>
-                <a:latin typeface="微软雅黑" panose="020B0503020204020204" pitchFamily="34" charset="-122"/>
-                <a:ea typeface="微软雅黑" panose="020B0503020204020204" pitchFamily="34" charset="-122"/>
-                <a:cs typeface="Microsoft YaHei Light" charset="-122"/>
-              </a:rPr>
-              <a:t>方法，但两个方法都有事务，这个时候如果 </a:t>
-            </a:r>
-            <a:r>
-              <a:rPr lang="en-US" altLang="zh-CN" sz="1200" dirty="0" err="1">
-                <a:solidFill>
-                  <a:srgbClr val="575B70"/>
-                </a:solidFill>
-                <a:latin typeface="微软雅黑" panose="020B0503020204020204" pitchFamily="34" charset="-122"/>
-                <a:ea typeface="微软雅黑" panose="020B0503020204020204" pitchFamily="34" charset="-122"/>
-                <a:cs typeface="Microsoft YaHei Light" charset="-122"/>
-              </a:rPr>
-              <a:t>serviceB</a:t>
-            </a:r>
-            <a:r>
-              <a:rPr lang="en-US" altLang="zh-CN" sz="1200" dirty="0">
-                <a:solidFill>
-                  <a:srgbClr val="575B70"/>
-                </a:solidFill>
-                <a:latin typeface="微软雅黑" panose="020B0503020204020204" pitchFamily="34" charset="-122"/>
-                <a:ea typeface="微软雅黑" panose="020B0503020204020204" pitchFamily="34" charset="-122"/>
-                <a:cs typeface="Microsoft YaHei Light" charset="-122"/>
-              </a:rPr>
-              <a:t> </a:t>
-            </a:r>
-            <a:r>
-              <a:rPr lang="zh-CN" altLang="en-US" sz="1200" dirty="0">
-                <a:solidFill>
-                  <a:srgbClr val="575B70"/>
-                </a:solidFill>
-                <a:latin typeface="微软雅黑" panose="020B0503020204020204" pitchFamily="34" charset="-122"/>
-                <a:ea typeface="微软雅黑" panose="020B0503020204020204" pitchFamily="34" charset="-122"/>
-                <a:cs typeface="Microsoft YaHei Light" charset="-122"/>
-              </a:rPr>
-              <a:t>方法异常，是让 </a:t>
-            </a:r>
-            <a:r>
-              <a:rPr lang="en-US" altLang="zh-CN" sz="1200" dirty="0" err="1">
-                <a:solidFill>
-                  <a:srgbClr val="575B70"/>
-                </a:solidFill>
-                <a:latin typeface="微软雅黑" panose="020B0503020204020204" pitchFamily="34" charset="-122"/>
-                <a:ea typeface="微软雅黑" panose="020B0503020204020204" pitchFamily="34" charset="-122"/>
-                <a:cs typeface="Microsoft YaHei Light" charset="-122"/>
-              </a:rPr>
-              <a:t>serviceB</a:t>
-            </a:r>
-            <a:r>
-              <a:rPr lang="en-US" altLang="zh-CN" sz="1200" dirty="0">
-                <a:solidFill>
-                  <a:srgbClr val="575B70"/>
-                </a:solidFill>
-                <a:latin typeface="微软雅黑" panose="020B0503020204020204" pitchFamily="34" charset="-122"/>
-                <a:ea typeface="微软雅黑" panose="020B0503020204020204" pitchFamily="34" charset="-122"/>
-                <a:cs typeface="Microsoft YaHei Light" charset="-122"/>
-              </a:rPr>
-              <a:t> </a:t>
-            </a:r>
-            <a:r>
-              <a:rPr lang="zh-CN" altLang="en-US" sz="1200" dirty="0">
-                <a:solidFill>
-                  <a:srgbClr val="575B70"/>
-                </a:solidFill>
-                <a:latin typeface="微软雅黑" panose="020B0503020204020204" pitchFamily="34" charset="-122"/>
-                <a:ea typeface="微软雅黑" panose="020B0503020204020204" pitchFamily="34" charset="-122"/>
-                <a:cs typeface="Microsoft YaHei Light" charset="-122"/>
-              </a:rPr>
-              <a:t>方法提交，还是两个一起回滚</a:t>
-            </a:r>
-            <a:r>
-              <a:rPr lang="zh-CN" altLang="en-US" sz="1200" dirty="0" smtClean="0">
-                <a:solidFill>
-                  <a:srgbClr val="575B70"/>
-                </a:solidFill>
-                <a:latin typeface="微软雅黑" panose="020B0503020204020204" pitchFamily="34" charset="-122"/>
-                <a:ea typeface="微软雅黑" panose="020B0503020204020204" pitchFamily="34" charset="-122"/>
-                <a:cs typeface="Microsoft YaHei Light" charset="-122"/>
-              </a:rPr>
-              <a:t>。</a:t>
-            </a:r>
-            <a:endParaRPr lang="en-US" altLang="zh-CN" sz="1200" dirty="0" smtClean="0">
-              <a:solidFill>
-                <a:srgbClr val="575B70"/>
-              </a:solidFill>
-              <a:latin typeface="微软雅黑" panose="020B0503020204020204" pitchFamily="34" charset="-122"/>
-              <a:ea typeface="微软雅黑" panose="020B0503020204020204" pitchFamily="34" charset="-122"/>
-              <a:cs typeface="Microsoft YaHei Light" charset="-122"/>
-            </a:endParaRPr>
-          </a:p>
-          <a:p>
-            <a:pPr marL="171450" indent="-171450">
-              <a:buFont typeface="Arial" panose="020B0604020202020204" pitchFamily="34" charset="0"/>
-              <a:buChar char="•"/>
-            </a:pPr>
-            <a:endParaRPr lang="zh-CN" altLang="en-US" sz="1200" dirty="0">
-              <a:solidFill>
-                <a:srgbClr val="575B70"/>
-              </a:solidFill>
-              <a:latin typeface="微软雅黑" panose="020B0503020204020204" pitchFamily="34" charset="-122"/>
-              <a:ea typeface="微软雅黑" panose="020B0503020204020204" pitchFamily="34" charset="-122"/>
-              <a:cs typeface="Microsoft YaHei Light" charset="-122"/>
-            </a:endParaRPr>
-          </a:p>
-          <a:p>
-            <a:pPr marL="171450" indent="-171450">
-              <a:buFont typeface="Arial" panose="020B0604020202020204" pitchFamily="34" charset="0"/>
-              <a:buChar char="•"/>
-            </a:pPr>
-            <a:r>
-              <a:rPr lang="zh-CN" altLang="en-US" sz="1200" dirty="0">
-                <a:solidFill>
-                  <a:srgbClr val="575B70"/>
-                </a:solidFill>
-                <a:latin typeface="微软雅黑" panose="020B0503020204020204" pitchFamily="34" charset="-122"/>
-                <a:ea typeface="微软雅黑" panose="020B0503020204020204" pitchFamily="34" charset="-122"/>
-                <a:cs typeface="Microsoft YaHei Light" charset="-122"/>
-              </a:rPr>
-              <a:t>场景二：</a:t>
-            </a:r>
-            <a:r>
-              <a:rPr lang="en-US" altLang="zh-CN" sz="1200" dirty="0" err="1">
-                <a:solidFill>
-                  <a:srgbClr val="575B70"/>
-                </a:solidFill>
-                <a:latin typeface="微软雅黑" panose="020B0503020204020204" pitchFamily="34" charset="-122"/>
-                <a:ea typeface="微软雅黑" panose="020B0503020204020204" pitchFamily="34" charset="-122"/>
-                <a:cs typeface="Microsoft YaHei Light" charset="-122"/>
-              </a:rPr>
-              <a:t>serviceA</a:t>
-            </a:r>
-            <a:r>
-              <a:rPr lang="en-US" altLang="zh-CN" sz="1200" dirty="0">
-                <a:solidFill>
-                  <a:srgbClr val="575B70"/>
-                </a:solidFill>
-                <a:latin typeface="微软雅黑" panose="020B0503020204020204" pitchFamily="34" charset="-122"/>
-                <a:ea typeface="微软雅黑" panose="020B0503020204020204" pitchFamily="34" charset="-122"/>
-                <a:cs typeface="Microsoft YaHei Light" charset="-122"/>
-              </a:rPr>
-              <a:t> </a:t>
-            </a:r>
-            <a:r>
-              <a:rPr lang="zh-CN" altLang="en-US" sz="1200" dirty="0">
-                <a:solidFill>
-                  <a:srgbClr val="575B70"/>
-                </a:solidFill>
-                <a:latin typeface="微软雅黑" panose="020B0503020204020204" pitchFamily="34" charset="-122"/>
-                <a:ea typeface="微软雅黑" panose="020B0503020204020204" pitchFamily="34" charset="-122"/>
-                <a:cs typeface="Microsoft YaHei Light" charset="-122"/>
-              </a:rPr>
-              <a:t>方法调用了 </a:t>
-            </a:r>
-            <a:r>
-              <a:rPr lang="en-US" altLang="zh-CN" sz="1200" dirty="0" err="1">
-                <a:solidFill>
-                  <a:srgbClr val="575B70"/>
-                </a:solidFill>
-                <a:latin typeface="微软雅黑" panose="020B0503020204020204" pitchFamily="34" charset="-122"/>
-                <a:ea typeface="微软雅黑" panose="020B0503020204020204" pitchFamily="34" charset="-122"/>
-                <a:cs typeface="Microsoft YaHei Light" charset="-122"/>
-              </a:rPr>
-              <a:t>serviceB</a:t>
-            </a:r>
-            <a:r>
-              <a:rPr lang="en-US" altLang="zh-CN" sz="1200" dirty="0">
-                <a:solidFill>
-                  <a:srgbClr val="575B70"/>
-                </a:solidFill>
-                <a:latin typeface="微软雅黑" panose="020B0503020204020204" pitchFamily="34" charset="-122"/>
-                <a:ea typeface="微软雅黑" panose="020B0503020204020204" pitchFamily="34" charset="-122"/>
-                <a:cs typeface="Microsoft YaHei Light" charset="-122"/>
-              </a:rPr>
-              <a:t> </a:t>
-            </a:r>
-            <a:r>
-              <a:rPr lang="zh-CN" altLang="en-US" sz="1200" dirty="0">
-                <a:solidFill>
-                  <a:srgbClr val="575B70"/>
-                </a:solidFill>
-                <a:latin typeface="微软雅黑" panose="020B0503020204020204" pitchFamily="34" charset="-122"/>
-                <a:ea typeface="微软雅黑" panose="020B0503020204020204" pitchFamily="34" charset="-122"/>
-                <a:cs typeface="Microsoft YaHei Light" charset="-122"/>
-              </a:rPr>
-              <a:t>方法，但是只有 </a:t>
-            </a:r>
-            <a:r>
-              <a:rPr lang="en-US" altLang="zh-CN" sz="1200" dirty="0" err="1">
-                <a:solidFill>
-                  <a:srgbClr val="575B70"/>
-                </a:solidFill>
-                <a:latin typeface="微软雅黑" panose="020B0503020204020204" pitchFamily="34" charset="-122"/>
-                <a:ea typeface="微软雅黑" panose="020B0503020204020204" pitchFamily="34" charset="-122"/>
-                <a:cs typeface="Microsoft YaHei Light" charset="-122"/>
-              </a:rPr>
-              <a:t>serviceA</a:t>
-            </a:r>
-            <a:r>
-              <a:rPr lang="en-US" altLang="zh-CN" sz="1200" dirty="0">
-                <a:solidFill>
-                  <a:srgbClr val="575B70"/>
-                </a:solidFill>
-                <a:latin typeface="微软雅黑" panose="020B0503020204020204" pitchFamily="34" charset="-122"/>
-                <a:ea typeface="微软雅黑" panose="020B0503020204020204" pitchFamily="34" charset="-122"/>
-                <a:cs typeface="Microsoft YaHei Light" charset="-122"/>
-              </a:rPr>
-              <a:t> </a:t>
-            </a:r>
-            <a:r>
-              <a:rPr lang="zh-CN" altLang="en-US" sz="1200" dirty="0">
-                <a:solidFill>
-                  <a:srgbClr val="575B70"/>
-                </a:solidFill>
-                <a:latin typeface="微软雅黑" panose="020B0503020204020204" pitchFamily="34" charset="-122"/>
-                <a:ea typeface="微软雅黑" panose="020B0503020204020204" pitchFamily="34" charset="-122"/>
-                <a:cs typeface="Microsoft YaHei Light" charset="-122"/>
-              </a:rPr>
-              <a:t>方法加了事务，是否把 </a:t>
-            </a:r>
-            <a:r>
-              <a:rPr lang="en-US" altLang="zh-CN" sz="1200" dirty="0" err="1">
-                <a:solidFill>
-                  <a:srgbClr val="575B70"/>
-                </a:solidFill>
-                <a:latin typeface="微软雅黑" panose="020B0503020204020204" pitchFamily="34" charset="-122"/>
-                <a:ea typeface="微软雅黑" panose="020B0503020204020204" pitchFamily="34" charset="-122"/>
-                <a:cs typeface="Microsoft YaHei Light" charset="-122"/>
-              </a:rPr>
-              <a:t>serviceB</a:t>
-            </a:r>
-            <a:r>
-              <a:rPr lang="en-US" altLang="zh-CN" sz="1200" dirty="0">
-                <a:solidFill>
-                  <a:srgbClr val="575B70"/>
-                </a:solidFill>
-                <a:latin typeface="微软雅黑" panose="020B0503020204020204" pitchFamily="34" charset="-122"/>
-                <a:ea typeface="微软雅黑" panose="020B0503020204020204" pitchFamily="34" charset="-122"/>
-                <a:cs typeface="Microsoft YaHei Light" charset="-122"/>
-              </a:rPr>
-              <a:t> </a:t>
-            </a:r>
-            <a:r>
-              <a:rPr lang="zh-CN" altLang="en-US" sz="1200" dirty="0">
-                <a:solidFill>
-                  <a:srgbClr val="575B70"/>
-                </a:solidFill>
-                <a:latin typeface="微软雅黑" panose="020B0503020204020204" pitchFamily="34" charset="-122"/>
-                <a:ea typeface="微软雅黑" panose="020B0503020204020204" pitchFamily="34" charset="-122"/>
-                <a:cs typeface="Microsoft YaHei Light" charset="-122"/>
-              </a:rPr>
-              <a:t>也加入 </a:t>
-            </a:r>
-            <a:r>
-              <a:rPr lang="en-US" altLang="zh-CN" sz="1200" dirty="0" err="1">
-                <a:solidFill>
-                  <a:srgbClr val="575B70"/>
-                </a:solidFill>
-                <a:latin typeface="微软雅黑" panose="020B0503020204020204" pitchFamily="34" charset="-122"/>
-                <a:ea typeface="微软雅黑" panose="020B0503020204020204" pitchFamily="34" charset="-122"/>
-                <a:cs typeface="Microsoft YaHei Light" charset="-122"/>
-              </a:rPr>
-              <a:t>serviceA</a:t>
-            </a:r>
-            <a:r>
-              <a:rPr lang="en-US" altLang="zh-CN" sz="1200" dirty="0">
-                <a:solidFill>
-                  <a:srgbClr val="575B70"/>
-                </a:solidFill>
-                <a:latin typeface="微软雅黑" panose="020B0503020204020204" pitchFamily="34" charset="-122"/>
-                <a:ea typeface="微软雅黑" panose="020B0503020204020204" pitchFamily="34" charset="-122"/>
-                <a:cs typeface="Microsoft YaHei Light" charset="-122"/>
-              </a:rPr>
-              <a:t> </a:t>
-            </a:r>
-            <a:r>
-              <a:rPr lang="zh-CN" altLang="en-US" sz="1200" dirty="0">
-                <a:solidFill>
-                  <a:srgbClr val="575B70"/>
-                </a:solidFill>
-                <a:latin typeface="微软雅黑" panose="020B0503020204020204" pitchFamily="34" charset="-122"/>
-                <a:ea typeface="微软雅黑" panose="020B0503020204020204" pitchFamily="34" charset="-122"/>
-                <a:cs typeface="Microsoft YaHei Light" charset="-122"/>
-              </a:rPr>
-              <a:t>的事务，如果 </a:t>
-            </a:r>
-            <a:r>
-              <a:rPr lang="en-US" altLang="zh-CN" sz="1200" dirty="0" err="1">
-                <a:solidFill>
-                  <a:srgbClr val="575B70"/>
-                </a:solidFill>
-                <a:latin typeface="微软雅黑" panose="020B0503020204020204" pitchFamily="34" charset="-122"/>
-                <a:ea typeface="微软雅黑" panose="020B0503020204020204" pitchFamily="34" charset="-122"/>
-                <a:cs typeface="Microsoft YaHei Light" charset="-122"/>
-              </a:rPr>
-              <a:t>serviceB</a:t>
-            </a:r>
-            <a:r>
-              <a:rPr lang="en-US" altLang="zh-CN" sz="1200" dirty="0">
-                <a:solidFill>
-                  <a:srgbClr val="575B70"/>
-                </a:solidFill>
-                <a:latin typeface="微软雅黑" panose="020B0503020204020204" pitchFamily="34" charset="-122"/>
-                <a:ea typeface="微软雅黑" panose="020B0503020204020204" pitchFamily="34" charset="-122"/>
-                <a:cs typeface="Microsoft YaHei Light" charset="-122"/>
-              </a:rPr>
-              <a:t> </a:t>
-            </a:r>
-            <a:r>
-              <a:rPr lang="zh-CN" altLang="en-US" sz="1200" dirty="0">
-                <a:solidFill>
-                  <a:srgbClr val="575B70"/>
-                </a:solidFill>
-                <a:latin typeface="微软雅黑" panose="020B0503020204020204" pitchFamily="34" charset="-122"/>
-                <a:ea typeface="微软雅黑" panose="020B0503020204020204" pitchFamily="34" charset="-122"/>
-                <a:cs typeface="Microsoft YaHei Light" charset="-122"/>
-              </a:rPr>
-              <a:t>异常，是否回滚 </a:t>
-            </a:r>
-            <a:r>
-              <a:rPr lang="en-US" altLang="zh-CN" sz="1200" dirty="0" err="1">
-                <a:solidFill>
-                  <a:srgbClr val="575B70"/>
-                </a:solidFill>
-                <a:latin typeface="微软雅黑" panose="020B0503020204020204" pitchFamily="34" charset="-122"/>
-                <a:ea typeface="微软雅黑" panose="020B0503020204020204" pitchFamily="34" charset="-122"/>
-                <a:cs typeface="Microsoft YaHei Light" charset="-122"/>
-              </a:rPr>
-              <a:t>serviceA</a:t>
-            </a:r>
-            <a:r>
-              <a:rPr lang="en-US" altLang="zh-CN" sz="1200" dirty="0">
-                <a:solidFill>
-                  <a:srgbClr val="575B70"/>
-                </a:solidFill>
-                <a:latin typeface="微软雅黑" panose="020B0503020204020204" pitchFamily="34" charset="-122"/>
-                <a:ea typeface="微软雅黑" panose="020B0503020204020204" pitchFamily="34" charset="-122"/>
-                <a:cs typeface="Microsoft YaHei Light" charset="-122"/>
-              </a:rPr>
-              <a:t> </a:t>
-            </a:r>
-            <a:r>
-              <a:rPr lang="zh-CN" altLang="en-US" sz="1200" dirty="0" smtClean="0">
-                <a:solidFill>
-                  <a:srgbClr val="575B70"/>
-                </a:solidFill>
-                <a:latin typeface="微软雅黑" panose="020B0503020204020204" pitchFamily="34" charset="-122"/>
-                <a:ea typeface="微软雅黑" panose="020B0503020204020204" pitchFamily="34" charset="-122"/>
-                <a:cs typeface="Microsoft YaHei Light" charset="-122"/>
-              </a:rPr>
-              <a:t>。</a:t>
-            </a:r>
-            <a:endParaRPr lang="en-US" altLang="zh-CN" sz="1200" dirty="0" smtClean="0">
-              <a:solidFill>
-                <a:srgbClr val="575B70"/>
-              </a:solidFill>
-              <a:latin typeface="微软雅黑" panose="020B0503020204020204" pitchFamily="34" charset="-122"/>
-              <a:ea typeface="微软雅黑" panose="020B0503020204020204" pitchFamily="34" charset="-122"/>
-              <a:cs typeface="Microsoft YaHei Light" charset="-122"/>
-            </a:endParaRPr>
-          </a:p>
-          <a:p>
-            <a:pPr marL="171450" indent="-171450">
-              <a:buFont typeface="Arial" panose="020B0604020202020204" pitchFamily="34" charset="0"/>
-              <a:buChar char="•"/>
-            </a:pPr>
-            <a:endParaRPr lang="zh-CN" altLang="en-US" sz="1200" dirty="0">
-              <a:solidFill>
-                <a:srgbClr val="575B70"/>
-              </a:solidFill>
-              <a:latin typeface="微软雅黑" panose="020B0503020204020204" pitchFamily="34" charset="-122"/>
-              <a:ea typeface="微软雅黑" panose="020B0503020204020204" pitchFamily="34" charset="-122"/>
-              <a:cs typeface="Microsoft YaHei Light" charset="-122"/>
-            </a:endParaRPr>
-          </a:p>
-          <a:p>
-            <a:pPr marL="171450" indent="-171450">
-              <a:buFont typeface="Arial" panose="020B0604020202020204" pitchFamily="34" charset="0"/>
-              <a:buChar char="•"/>
-            </a:pPr>
-            <a:r>
-              <a:rPr lang="zh-CN" altLang="en-US" sz="1200" dirty="0">
-                <a:solidFill>
-                  <a:srgbClr val="575B70"/>
-                </a:solidFill>
-                <a:latin typeface="微软雅黑" panose="020B0503020204020204" pitchFamily="34" charset="-122"/>
-                <a:ea typeface="微软雅黑" panose="020B0503020204020204" pitchFamily="34" charset="-122"/>
-                <a:cs typeface="Microsoft YaHei Light" charset="-122"/>
-              </a:rPr>
-              <a:t>场景三：</a:t>
-            </a:r>
-            <a:r>
-              <a:rPr lang="en-US" altLang="zh-CN" sz="1200" dirty="0" err="1">
-                <a:solidFill>
-                  <a:srgbClr val="575B70"/>
-                </a:solidFill>
-                <a:latin typeface="微软雅黑" panose="020B0503020204020204" pitchFamily="34" charset="-122"/>
-                <a:ea typeface="微软雅黑" panose="020B0503020204020204" pitchFamily="34" charset="-122"/>
-                <a:cs typeface="Microsoft YaHei Light" charset="-122"/>
-              </a:rPr>
-              <a:t>serviceA</a:t>
-            </a:r>
-            <a:r>
-              <a:rPr lang="en-US" altLang="zh-CN" sz="1200" dirty="0">
-                <a:solidFill>
-                  <a:srgbClr val="575B70"/>
-                </a:solidFill>
-                <a:latin typeface="微软雅黑" panose="020B0503020204020204" pitchFamily="34" charset="-122"/>
-                <a:ea typeface="微软雅黑" panose="020B0503020204020204" pitchFamily="34" charset="-122"/>
-                <a:cs typeface="Microsoft YaHei Light" charset="-122"/>
-              </a:rPr>
-              <a:t> </a:t>
-            </a:r>
-            <a:r>
-              <a:rPr lang="zh-CN" altLang="en-US" sz="1200" dirty="0">
-                <a:solidFill>
-                  <a:srgbClr val="575B70"/>
-                </a:solidFill>
-                <a:latin typeface="微软雅黑" panose="020B0503020204020204" pitchFamily="34" charset="-122"/>
-                <a:ea typeface="微软雅黑" panose="020B0503020204020204" pitchFamily="34" charset="-122"/>
-                <a:cs typeface="Microsoft YaHei Light" charset="-122"/>
-              </a:rPr>
-              <a:t>方法调用了 </a:t>
-            </a:r>
-            <a:r>
-              <a:rPr lang="en-US" altLang="zh-CN" sz="1200" dirty="0" err="1">
-                <a:solidFill>
-                  <a:srgbClr val="575B70"/>
-                </a:solidFill>
-                <a:latin typeface="微软雅黑" panose="020B0503020204020204" pitchFamily="34" charset="-122"/>
-                <a:ea typeface="微软雅黑" panose="020B0503020204020204" pitchFamily="34" charset="-122"/>
-                <a:cs typeface="Microsoft YaHei Light" charset="-122"/>
-              </a:rPr>
-              <a:t>serviceB</a:t>
-            </a:r>
-            <a:r>
-              <a:rPr lang="en-US" altLang="zh-CN" sz="1200" dirty="0">
-                <a:solidFill>
-                  <a:srgbClr val="575B70"/>
-                </a:solidFill>
-                <a:latin typeface="微软雅黑" panose="020B0503020204020204" pitchFamily="34" charset="-122"/>
-                <a:ea typeface="微软雅黑" panose="020B0503020204020204" pitchFamily="34" charset="-122"/>
-                <a:cs typeface="Microsoft YaHei Light" charset="-122"/>
-              </a:rPr>
-              <a:t> </a:t>
-            </a:r>
-            <a:r>
-              <a:rPr lang="zh-CN" altLang="en-US" sz="1200" dirty="0">
-                <a:solidFill>
-                  <a:srgbClr val="575B70"/>
-                </a:solidFill>
-                <a:latin typeface="微软雅黑" panose="020B0503020204020204" pitchFamily="34" charset="-122"/>
-                <a:ea typeface="微软雅黑" panose="020B0503020204020204" pitchFamily="34" charset="-122"/>
-                <a:cs typeface="Microsoft YaHei Light" charset="-122"/>
-              </a:rPr>
-              <a:t>方法，两者都有事务，</a:t>
-            </a:r>
-            <a:r>
-              <a:rPr lang="en-US" altLang="zh-CN" sz="1200" dirty="0" err="1">
-                <a:solidFill>
-                  <a:srgbClr val="575B70"/>
-                </a:solidFill>
-                <a:latin typeface="微软雅黑" panose="020B0503020204020204" pitchFamily="34" charset="-122"/>
-                <a:ea typeface="微软雅黑" panose="020B0503020204020204" pitchFamily="34" charset="-122"/>
-                <a:cs typeface="Microsoft YaHei Light" charset="-122"/>
-              </a:rPr>
-              <a:t>serviceB</a:t>
-            </a:r>
-            <a:r>
-              <a:rPr lang="en-US" altLang="zh-CN" sz="1200" dirty="0">
-                <a:solidFill>
-                  <a:srgbClr val="575B70"/>
-                </a:solidFill>
-                <a:latin typeface="微软雅黑" panose="020B0503020204020204" pitchFamily="34" charset="-122"/>
-                <a:ea typeface="微软雅黑" panose="020B0503020204020204" pitchFamily="34" charset="-122"/>
-                <a:cs typeface="Microsoft YaHei Light" charset="-122"/>
-              </a:rPr>
-              <a:t> </a:t>
-            </a:r>
-            <a:r>
-              <a:rPr lang="zh-CN" altLang="en-US" sz="1200" dirty="0">
-                <a:solidFill>
-                  <a:srgbClr val="575B70"/>
-                </a:solidFill>
-                <a:latin typeface="微软雅黑" panose="020B0503020204020204" pitchFamily="34" charset="-122"/>
-                <a:ea typeface="微软雅黑" panose="020B0503020204020204" pitchFamily="34" charset="-122"/>
-                <a:cs typeface="Microsoft YaHei Light" charset="-122"/>
-              </a:rPr>
-              <a:t>已经正常执行完，但 </a:t>
-            </a:r>
-            <a:r>
-              <a:rPr lang="en-US" altLang="zh-CN" sz="1200" dirty="0" err="1">
-                <a:solidFill>
-                  <a:srgbClr val="575B70"/>
-                </a:solidFill>
-                <a:latin typeface="微软雅黑" panose="020B0503020204020204" pitchFamily="34" charset="-122"/>
-                <a:ea typeface="微软雅黑" panose="020B0503020204020204" pitchFamily="34" charset="-122"/>
-                <a:cs typeface="Microsoft YaHei Light" charset="-122"/>
-              </a:rPr>
-              <a:t>serviceA</a:t>
-            </a:r>
-            <a:r>
-              <a:rPr lang="en-US" altLang="zh-CN" sz="1200" dirty="0">
-                <a:solidFill>
-                  <a:srgbClr val="575B70"/>
-                </a:solidFill>
-                <a:latin typeface="微软雅黑" panose="020B0503020204020204" pitchFamily="34" charset="-122"/>
-                <a:ea typeface="微软雅黑" panose="020B0503020204020204" pitchFamily="34" charset="-122"/>
-                <a:cs typeface="Microsoft YaHei Light" charset="-122"/>
-              </a:rPr>
-              <a:t> </a:t>
-            </a:r>
-            <a:r>
-              <a:rPr lang="zh-CN" altLang="en-US" sz="1200" dirty="0">
-                <a:solidFill>
-                  <a:srgbClr val="575B70"/>
-                </a:solidFill>
-                <a:latin typeface="微软雅黑" panose="020B0503020204020204" pitchFamily="34" charset="-122"/>
-                <a:ea typeface="微软雅黑" panose="020B0503020204020204" pitchFamily="34" charset="-122"/>
-                <a:cs typeface="Microsoft YaHei Light" charset="-122"/>
-              </a:rPr>
-              <a:t>异常，是否需要回滚 </a:t>
-            </a:r>
-            <a:r>
-              <a:rPr lang="en-US" altLang="zh-CN" sz="1200" dirty="0" err="1">
-                <a:solidFill>
-                  <a:srgbClr val="575B70"/>
-                </a:solidFill>
-                <a:latin typeface="微软雅黑" panose="020B0503020204020204" pitchFamily="34" charset="-122"/>
-                <a:ea typeface="微软雅黑" panose="020B0503020204020204" pitchFamily="34" charset="-122"/>
-                <a:cs typeface="Microsoft YaHei Light" charset="-122"/>
-              </a:rPr>
-              <a:t>serviceB</a:t>
-            </a:r>
-            <a:r>
-              <a:rPr lang="en-US" altLang="zh-CN" sz="1200" dirty="0">
-                <a:solidFill>
-                  <a:srgbClr val="575B70"/>
-                </a:solidFill>
-                <a:latin typeface="微软雅黑" panose="020B0503020204020204" pitchFamily="34" charset="-122"/>
-                <a:ea typeface="微软雅黑" panose="020B0503020204020204" pitchFamily="34" charset="-122"/>
-                <a:cs typeface="Microsoft YaHei Light" charset="-122"/>
-              </a:rPr>
-              <a:t> </a:t>
-            </a:r>
-            <a:r>
-              <a:rPr lang="zh-CN" altLang="en-US" sz="1200" dirty="0">
-                <a:solidFill>
-                  <a:srgbClr val="575B70"/>
-                </a:solidFill>
-                <a:latin typeface="微软雅黑" panose="020B0503020204020204" pitchFamily="34" charset="-122"/>
-                <a:ea typeface="微软雅黑" panose="020B0503020204020204" pitchFamily="34" charset="-122"/>
-                <a:cs typeface="Microsoft YaHei Light" charset="-122"/>
-              </a:rPr>
-              <a:t>的数据</a:t>
-            </a:r>
-            <a:r>
-              <a:rPr lang="zh-CN" altLang="en-US" sz="1200" dirty="0" smtClean="0"/>
-              <a:t>。</a:t>
-            </a:r>
-            <a:endParaRPr lang="zh-CN" altLang="en-US" sz="1200" dirty="0"/>
-          </a:p>
-        </p:txBody>
-      </p:sp>
-    </p:spTree>
-    <p:extLst>
-      <p:ext uri="{BB962C8B-B14F-4D97-AF65-F5344CB8AC3E}">
-        <p14:creationId xmlns:p14="http://schemas.microsoft.com/office/powerpoint/2010/main" val="939047969"/>
-      </p:ext>
-    </p:extLst>
-  </p:cSld>
-  <p:clrMapOvr>
-    <a:masterClrMapping/>
-  </p:clrMapOvr>
-</p:sld>
-</file>
-
 <file path=ppt/tags/tag1.xml><?xml version="1.0" encoding="utf-8"?>
 <p:tagLst xmlns:a="http://schemas.openxmlformats.org/drawingml/2006/main" xmlns:r="http://schemas.openxmlformats.org/officeDocument/2006/relationships" xmlns:p="http://schemas.openxmlformats.org/presentationml/2006/main">
   <p:tag name="ISLIDE.GUIDESSETTING" val="{&quot;Id&quot;:null,&quot;Name&quot;:&quot;正常&quot;,&quot;HeaderHeight&quot;:9.0,&quot;FooterHeight&quot;:9.0,&quot;SideMargin&quot;:4.2,&quot;TopMargin&quot;:0.0,&quot;BottomMargin&quot;:0.0,&quot;IntervalMargin&quot;:1.5,&quot;SettingType&quot;:&quot;System&quot;}"/>
@@ -14978,19 +19439,21 @@
 <file path=ppt/tags/tag10.xml><?xml version="1.0" encoding="utf-8"?>
 <p:tagLst xmlns:a="http://schemas.openxmlformats.org/drawingml/2006/main" xmlns:r="http://schemas.openxmlformats.org/officeDocument/2006/relationships" xmlns:p="http://schemas.openxmlformats.org/presentationml/2006/main">
   <p:tag name="ISLIDE.PICTURE" val="#121869;"/>
-  <p:tag name="ISLIDE.ICON" val="#14359;#14359;#14359;"/>
+  <p:tag name="ISLIDE.ICON" val="#14359;#14359;#14359;#165413;"/>
 </p:tagLst>
 </file>
 
 <file path=ppt/tags/tag11.xml><?xml version="1.0" encoding="utf-8"?>
 <p:tagLst xmlns:a="http://schemas.openxmlformats.org/drawingml/2006/main" xmlns:r="http://schemas.openxmlformats.org/officeDocument/2006/relationships" xmlns:p="http://schemas.openxmlformats.org/presentationml/2006/main">
-  <p:tag name="PA" val="v3.0.1"/>
+  <p:tag name="ISLIDE.PICTURE" val="#121869;"/>
+  <p:tag name="ISLIDE.ICON" val="#14359;#14359;#14359;#165413;"/>
 </p:tagLst>
 </file>
 
 <file path=ppt/tags/tag12.xml><?xml version="1.0" encoding="utf-8"?>
 <p:tagLst xmlns:a="http://schemas.openxmlformats.org/drawingml/2006/main" xmlns:r="http://schemas.openxmlformats.org/officeDocument/2006/relationships" xmlns:p="http://schemas.openxmlformats.org/presentationml/2006/main">
-  <p:tag name="PA" val="v3.0.1"/>
+  <p:tag name="ISLIDE.PICTURE" val="#121869;"/>
+  <p:tag name="ISLIDE.ICON" val="#14359;#14359;#14359;#165413;"/>
 </p:tagLst>
 </file>
 
@@ -15007,6 +19470,18 @@
 </file>
 
 <file path=ppt/tags/tag15.xml><?xml version="1.0" encoding="utf-8"?>
+<p:tagLst xmlns:a="http://schemas.openxmlformats.org/drawingml/2006/main" xmlns:r="http://schemas.openxmlformats.org/officeDocument/2006/relationships" xmlns:p="http://schemas.openxmlformats.org/presentationml/2006/main">
+  <p:tag name="PA" val="v3.0.1"/>
+</p:tagLst>
+</file>
+
+<file path=ppt/tags/tag16.xml><?xml version="1.0" encoding="utf-8"?>
+<p:tagLst xmlns:a="http://schemas.openxmlformats.org/drawingml/2006/main" xmlns:r="http://schemas.openxmlformats.org/officeDocument/2006/relationships" xmlns:p="http://schemas.openxmlformats.org/presentationml/2006/main">
+  <p:tag name="PA" val="v3.0.1"/>
+</p:tagLst>
+</file>
+
+<file path=ppt/tags/tag17.xml><?xml version="1.0" encoding="utf-8"?>
 <p:tagLst xmlns:a="http://schemas.openxmlformats.org/drawingml/2006/main" xmlns:r="http://schemas.openxmlformats.org/officeDocument/2006/relationships" xmlns:p="http://schemas.openxmlformats.org/presentationml/2006/main">
   <p:tag name="PA" val="v3.0.1"/>
 </p:tagLst>

--- a/文档/spring事务传播机制.pptx
+++ b/文档/spring事务传播机制.pptx
@@ -12250,11 +12250,7 @@
             </a:pPr>
             <a:r>
               <a:rPr lang="zh-CN" altLang="en-US" sz="1100" dirty="0"/>
-              <a:t>声明方法不需要</a:t>
-            </a:r>
-            <a:r>
-              <a:rPr lang="zh-CN" altLang="en-US" sz="1100" dirty="0"/>
-              <a:t>事务</a:t>
+              <a:t>声明方法不需要事务</a:t>
             </a:r>
             <a:r>
               <a:rPr lang="en-US" altLang="zh-CN" sz="1100" dirty="0"/>
@@ -14105,7 +14101,6 @@
               <a:rPr lang="en-US" altLang="zh-CN" sz="1600" b="1" dirty="0"/>
               <a:t>Advice</a:t>
             </a:r>
-            <a:endParaRPr lang="en-US" altLang="zh-CN" sz="1600" b="1" dirty="0"/>
           </a:p>
         </p:txBody>
       </p:sp>
@@ -14277,7 +14272,6 @@
               <a:rPr lang="en-US" altLang="zh-CN" sz="1000" dirty="0"/>
               <a:t>.</a:t>
             </a:r>
-            <a:endParaRPr lang="en-US" altLang="zh-CN" sz="1000" dirty="0"/>
           </a:p>
         </p:txBody>
       </p:sp>
@@ -14314,7 +14308,6 @@
               <a:rPr lang="en-US" altLang="zh-CN" sz="1600" b="1" dirty="0"/>
               <a:t>Aspect</a:t>
             </a:r>
-            <a:endParaRPr lang="en-US" altLang="zh-CN" sz="1600" b="1" dirty="0"/>
           </a:p>
         </p:txBody>
       </p:sp>
